--- a/courses/apcsp/lect18.pptx
+++ b/courses/apcsp/lect18.pptx
@@ -5,7 +5,7 @@
     <p:sldMasterId id="2147483791" r:id="rId1"/>
   </p:sldMasterIdLst>
   <p:notesMasterIdLst>
-    <p:notesMasterId r:id="rId40"/>
+    <p:notesMasterId r:id="rId39"/>
   </p:notesMasterIdLst>
   <p:sldIdLst>
     <p:sldId id="256" r:id="rId2"/>
@@ -38,14 +38,13 @@
     <p:sldId id="589" r:id="rId29"/>
     <p:sldId id="591" r:id="rId30"/>
     <p:sldId id="590" r:id="rId31"/>
-    <p:sldId id="592" r:id="rId32"/>
-    <p:sldId id="619" r:id="rId33"/>
-    <p:sldId id="620" r:id="rId34"/>
-    <p:sldId id="621" r:id="rId35"/>
-    <p:sldId id="618" r:id="rId36"/>
-    <p:sldId id="622" r:id="rId37"/>
-    <p:sldId id="623" r:id="rId38"/>
-    <p:sldId id="610" r:id="rId39"/>
+    <p:sldId id="619" r:id="rId32"/>
+    <p:sldId id="620" r:id="rId33"/>
+    <p:sldId id="621" r:id="rId34"/>
+    <p:sldId id="618" r:id="rId35"/>
+    <p:sldId id="622" r:id="rId36"/>
+    <p:sldId id="623" r:id="rId37"/>
+    <p:sldId id="610" r:id="rId38"/>
   </p:sldIdLst>
   <p:sldSz cx="9144000" cy="5715000" type="screen16x10"/>
   <p:notesSz cx="6858000" cy="9144000"/>
@@ -155,7 +154,7 @@
 <file path=ppt/revisionInfo.xml><?xml version="1.0" encoding="utf-8"?>
 <p1510:revInfo xmlns:a="http://schemas.openxmlformats.org/drawingml/2006/main" xmlns:r="http://schemas.openxmlformats.org/officeDocument/2006/relationships" xmlns:p1510="http://schemas.microsoft.com/office/powerpoint/2015/10/main">
   <p1510:revLst>
-    <p1510:client id="{34A2CF11-652E-6345-AC5C-A89FACA07C4E}" v="267" dt="2020-02-25T16:21:01.033"/>
+    <p1510:client id="{34A2CF11-652E-6345-AC5C-A89FACA07C4E}" v="278" dt="2020-02-28T14:52:08.779"/>
   </p1510:revLst>
 </p1510:revInfo>
 </file>
@@ -1893,7 +1892,7 @@
   <pc:docChgLst>
     <pc:chgData name="Long B Nguyen" userId="f59fb8f3-a021-417a-8bc1-65c8d471c621" providerId="ADAL" clId="{34A2CF11-652E-6345-AC5C-A89FACA07C4E}"/>
     <pc:docChg chg="custSel addSld delSld modSld">
-      <pc:chgData name="Long B Nguyen" userId="f59fb8f3-a021-417a-8bc1-65c8d471c621" providerId="ADAL" clId="{34A2CF11-652E-6345-AC5C-A89FACA07C4E}" dt="2020-02-25T16:21:01.033" v="1409"/>
+      <pc:chgData name="Long B Nguyen" userId="f59fb8f3-a021-417a-8bc1-65c8d471c621" providerId="ADAL" clId="{34A2CF11-652E-6345-AC5C-A89FACA07C4E}" dt="2020-02-28T14:52:21.453" v="1421" actId="2696"/>
       <pc:docMkLst>
         <pc:docMk/>
       </pc:docMkLst>
@@ -1903,6 +1902,21 @@
           <pc:docMk/>
           <pc:sldMk cId="623736032" sldId="485"/>
         </pc:sldMkLst>
+      </pc:sldChg>
+      <pc:sldChg chg="modSp modAnim">
+        <pc:chgData name="Long B Nguyen" userId="f59fb8f3-a021-417a-8bc1-65c8d471c621" providerId="ADAL" clId="{34A2CF11-652E-6345-AC5C-A89FACA07C4E}" dt="2020-02-28T13:54:19.243" v="1410" actId="20577"/>
+        <pc:sldMkLst>
+          <pc:docMk/>
+          <pc:sldMk cId="3813527744" sldId="527"/>
+        </pc:sldMkLst>
+        <pc:spChg chg="mod">
+          <ac:chgData name="Long B Nguyen" userId="f59fb8f3-a021-417a-8bc1-65c8d471c621" providerId="ADAL" clId="{34A2CF11-652E-6345-AC5C-A89FACA07C4E}" dt="2020-02-28T13:54:19.243" v="1410" actId="20577"/>
+          <ac:spMkLst>
+            <pc:docMk/>
+            <pc:sldMk cId="3813527744" sldId="527"/>
+            <ac:spMk id="17410" creationId="{C9772176-DC13-F64D-AC00-58F2A4791B97}"/>
+          </ac:spMkLst>
+        </pc:spChg>
       </pc:sldChg>
       <pc:sldChg chg="modSp">
         <pc:chgData name="Long B Nguyen" userId="f59fb8f3-a021-417a-8bc1-65c8d471c621" providerId="ADAL" clId="{34A2CF11-652E-6345-AC5C-A89FACA07C4E}" dt="2020-02-25T15:08:00.858" v="55" actId="255"/>
@@ -1920,7 +1934,7 @@
         </pc:spChg>
       </pc:sldChg>
       <pc:sldChg chg="modSp modAnim">
-        <pc:chgData name="Long B Nguyen" userId="f59fb8f3-a021-417a-8bc1-65c8d471c621" providerId="ADAL" clId="{34A2CF11-652E-6345-AC5C-A89FACA07C4E}" dt="2020-02-25T15:07:45.815" v="53" actId="2711"/>
+        <pc:chgData name="Long B Nguyen" userId="f59fb8f3-a021-417a-8bc1-65c8d471c621" providerId="ADAL" clId="{34A2CF11-652E-6345-AC5C-A89FACA07C4E}" dt="2020-02-28T13:56:32.314" v="1412" actId="20577"/>
         <pc:sldMkLst>
           <pc:docMk/>
           <pc:sldMk cId="1720314276" sldId="566"/>
@@ -1934,7 +1948,7 @@
           </ac:spMkLst>
         </pc:spChg>
         <pc:spChg chg="mod">
-          <ac:chgData name="Long B Nguyen" userId="f59fb8f3-a021-417a-8bc1-65c8d471c621" providerId="ADAL" clId="{34A2CF11-652E-6345-AC5C-A89FACA07C4E}" dt="2020-02-25T15:07:45.815" v="53" actId="2711"/>
+          <ac:chgData name="Long B Nguyen" userId="f59fb8f3-a021-417a-8bc1-65c8d471c621" providerId="ADAL" clId="{34A2CF11-652E-6345-AC5C-A89FACA07C4E}" dt="2020-02-28T13:56:32.314" v="1412" actId="20577"/>
           <ac:spMkLst>
             <pc:docMk/>
             <pc:sldMk cId="1720314276" sldId="566"/>
@@ -2150,7 +2164,7 @@
         </pc:spChg>
       </pc:sldChg>
       <pc:sldChg chg="addSp delSp modSp modAnim">
-        <pc:chgData name="Long B Nguyen" userId="f59fb8f3-a021-417a-8bc1-65c8d471c621" providerId="ADAL" clId="{34A2CF11-652E-6345-AC5C-A89FACA07C4E}" dt="2020-02-25T15:14:51.352" v="222"/>
+        <pc:chgData name="Long B Nguyen" userId="f59fb8f3-a021-417a-8bc1-65c8d471c621" providerId="ADAL" clId="{34A2CF11-652E-6345-AC5C-A89FACA07C4E}" dt="2020-02-28T14:46:23.469" v="1418" actId="113"/>
         <pc:sldMkLst>
           <pc:docMk/>
           <pc:sldMk cId="1237537268" sldId="583"/>
@@ -2164,7 +2178,7 @@
           </ac:spMkLst>
         </pc:spChg>
         <pc:spChg chg="mod">
-          <ac:chgData name="Long B Nguyen" userId="f59fb8f3-a021-417a-8bc1-65c8d471c621" providerId="ADAL" clId="{34A2CF11-652E-6345-AC5C-A89FACA07C4E}" dt="2020-02-25T15:14:41.350" v="220" actId="20577"/>
+          <ac:chgData name="Long B Nguyen" userId="f59fb8f3-a021-417a-8bc1-65c8d471c621" providerId="ADAL" clId="{34A2CF11-652E-6345-AC5C-A89FACA07C4E}" dt="2020-02-28T14:46:23.469" v="1418" actId="113"/>
           <ac:spMkLst>
             <pc:docMk/>
             <pc:sldMk cId="1237537268" sldId="583"/>
@@ -2250,13 +2264,13 @@
         </pc:spChg>
       </pc:sldChg>
       <pc:sldChg chg="modSp">
-        <pc:chgData name="Long B Nguyen" userId="f59fb8f3-a021-417a-8bc1-65c8d471c621" providerId="ADAL" clId="{34A2CF11-652E-6345-AC5C-A89FACA07C4E}" dt="2020-02-25T15:48:13.622" v="434" actId="5793"/>
+        <pc:chgData name="Long B Nguyen" userId="f59fb8f3-a021-417a-8bc1-65c8d471c621" providerId="ADAL" clId="{34A2CF11-652E-6345-AC5C-A89FACA07C4E}" dt="2020-02-28T14:52:08.779" v="1420" actId="113"/>
         <pc:sldMkLst>
           <pc:docMk/>
           <pc:sldMk cId="2894020677" sldId="587"/>
         </pc:sldMkLst>
         <pc:spChg chg="mod">
-          <ac:chgData name="Long B Nguyen" userId="f59fb8f3-a021-417a-8bc1-65c8d471c621" providerId="ADAL" clId="{34A2CF11-652E-6345-AC5C-A89FACA07C4E}" dt="2020-02-25T15:48:13.622" v="434" actId="5793"/>
+          <ac:chgData name="Long B Nguyen" userId="f59fb8f3-a021-417a-8bc1-65c8d471c621" providerId="ADAL" clId="{34A2CF11-652E-6345-AC5C-A89FACA07C4E}" dt="2020-02-28T14:52:08.779" v="1420" actId="113"/>
           <ac:spMkLst>
             <pc:docMk/>
             <pc:sldMk cId="2894020677" sldId="587"/>
@@ -2372,8 +2386,8 @@
           </ac:spMkLst>
         </pc:spChg>
       </pc:sldChg>
-      <pc:sldChg chg="delSp modSp">
-        <pc:chgData name="Long B Nguyen" userId="f59fb8f3-a021-417a-8bc1-65c8d471c621" providerId="ADAL" clId="{34A2CF11-652E-6345-AC5C-A89FACA07C4E}" dt="2020-02-25T15:54:31.469" v="526" actId="113"/>
+      <pc:sldChg chg="delSp modSp del">
+        <pc:chgData name="Long B Nguyen" userId="f59fb8f3-a021-417a-8bc1-65c8d471c621" providerId="ADAL" clId="{34A2CF11-652E-6345-AC5C-A89FACA07C4E}" dt="2020-02-28T14:52:21.453" v="1421" actId="2696"/>
         <pc:sldMkLst>
           <pc:docMk/>
           <pc:sldMk cId="4126212206" sldId="592"/>
@@ -2871,7 +2885,7 @@
           <a:p>
             <a:fld id="{6EDD99D2-A624-5E4F-A4E3-584054837B5A}" type="datetimeFigureOut">
               <a:rPr lang="en-US" smtClean="0"/>
-              <a:t>2/25/20</a:t>
+              <a:t>2/28/20</a:t>
             </a:fld>
             <a:endParaRPr lang="en-US"/>
           </a:p>
@@ -11483,7 +11497,7 @@
           <a:p>
             <a:fld id="{4AAD347D-5ACD-4C99-B74B-A9C85AD731AF}" type="datetimeFigureOut">
               <a:rPr lang="en-US" smtClean="0"/>
-              <a:t>2/25/20</a:t>
+              <a:t>2/28/20</a:t>
             </a:fld>
             <a:endParaRPr lang="en-US" dirty="0"/>
           </a:p>
@@ -11653,7 +11667,7 @@
           <a:p>
             <a:fld id="{4509A250-FF31-4206-8172-F9D3106AACB1}" type="datetimeFigureOut">
               <a:rPr lang="en-US" smtClean="0"/>
-              <a:t>2/25/20</a:t>
+              <a:t>2/28/20</a:t>
             </a:fld>
             <a:endParaRPr lang="en-US" dirty="0"/>
           </a:p>
@@ -11833,7 +11847,7 @@
           <a:p>
             <a:fld id="{4509A250-FF31-4206-8172-F9D3106AACB1}" type="datetimeFigureOut">
               <a:rPr lang="en-US" smtClean="0"/>
-              <a:t>2/25/20</a:t>
+              <a:t>2/28/20</a:t>
             </a:fld>
             <a:endParaRPr lang="en-US" dirty="0"/>
           </a:p>
@@ -12003,7 +12017,7 @@
           <a:p>
             <a:fld id="{4509A250-FF31-4206-8172-F9D3106AACB1}" type="datetimeFigureOut">
               <a:rPr lang="en-US" smtClean="0"/>
-              <a:t>2/25/20</a:t>
+              <a:t>2/28/20</a:t>
             </a:fld>
             <a:endParaRPr lang="en-US" dirty="0"/>
           </a:p>
@@ -12249,7 +12263,7 @@
           <a:p>
             <a:fld id="{9796027F-7875-4030-9381-8BD8C4F21935}" type="datetimeFigureOut">
               <a:rPr lang="en-US" smtClean="0"/>
-              <a:t>2/25/20</a:t>
+              <a:t>2/28/20</a:t>
             </a:fld>
             <a:endParaRPr lang="en-US" dirty="0"/>
           </a:p>
@@ -12481,7 +12495,7 @@
           <a:p>
             <a:fld id="{9796027F-7875-4030-9381-8BD8C4F21935}" type="datetimeFigureOut">
               <a:rPr lang="en-US" smtClean="0"/>
-              <a:t>2/25/20</a:t>
+              <a:t>2/28/20</a:t>
             </a:fld>
             <a:endParaRPr lang="en-US" dirty="0"/>
           </a:p>
@@ -12848,7 +12862,7 @@
           <a:p>
             <a:fld id="{9796027F-7875-4030-9381-8BD8C4F21935}" type="datetimeFigureOut">
               <a:rPr lang="en-US" smtClean="0"/>
-              <a:t>2/25/20</a:t>
+              <a:t>2/28/20</a:t>
             </a:fld>
             <a:endParaRPr lang="en-US" dirty="0"/>
           </a:p>
@@ -12966,7 +12980,7 @@
           <a:p>
             <a:fld id="{4509A250-FF31-4206-8172-F9D3106AACB1}" type="datetimeFigureOut">
               <a:rPr lang="en-US" smtClean="0"/>
-              <a:t>2/25/20</a:t>
+              <a:t>2/28/20</a:t>
             </a:fld>
             <a:endParaRPr lang="en-US" dirty="0"/>
           </a:p>
@@ -13061,7 +13075,7 @@
           <a:p>
             <a:fld id="{4509A250-FF31-4206-8172-F9D3106AACB1}" type="datetimeFigureOut">
               <a:rPr lang="en-US" smtClean="0"/>
-              <a:t>2/25/20</a:t>
+              <a:t>2/28/20</a:t>
             </a:fld>
             <a:endParaRPr lang="en-US" dirty="0"/>
           </a:p>
@@ -13338,7 +13352,7 @@
           <a:p>
             <a:fld id="{4509A250-FF31-4206-8172-F9D3106AACB1}" type="datetimeFigureOut">
               <a:rPr lang="en-US" smtClean="0"/>
-              <a:t>2/25/20</a:t>
+              <a:t>2/28/20</a:t>
             </a:fld>
             <a:endParaRPr lang="en-US" dirty="0"/>
           </a:p>
@@ -13595,7 +13609,7 @@
           <a:p>
             <a:fld id="{4509A250-FF31-4206-8172-F9D3106AACB1}" type="datetimeFigureOut">
               <a:rPr lang="en-US" smtClean="0"/>
-              <a:t>2/25/20</a:t>
+              <a:t>2/28/20</a:t>
             </a:fld>
             <a:endParaRPr lang="en-US" dirty="0"/>
           </a:p>
@@ -13808,7 +13822,7 @@
           <a:p>
             <a:fld id="{4AAD347D-5ACD-4C99-B74B-A9C85AD731AF}" type="datetimeFigureOut">
               <a:rPr lang="en-US" smtClean="0"/>
-              <a:t>2/25/20</a:t>
+              <a:t>2/28/20</a:t>
             </a:fld>
             <a:endParaRPr lang="en-US" dirty="0"/>
           </a:p>
@@ -17329,45 +17343,23 @@
             <a:pPr lvl="2"/>
             <a:r>
               <a:rPr lang="en-US" altLang="en-US" sz="2000" dirty="0"/>
-              <a:t>Encrypted with </a:t>
-            </a:r>
-            <a:r>
-              <a:rPr lang="en-US" altLang="en-US" sz="2000" b="1" dirty="0"/>
-              <a:t>SSL(Secure Socket Layer)</a:t>
-            </a:r>
+              <a:t>Encrypted with SSL(Secure Socket Layer) or the new TLS(Transport Layer Security)</a:t>
+            </a:r>
+          </a:p>
+          <a:p>
+            <a:pPr lvl="1"/>
             <a:r>
               <a:rPr lang="en-US" altLang="en-US" sz="2000" dirty="0"/>
-              <a:t> or the new </a:t>
-            </a:r>
-            <a:r>
-              <a:rPr lang="en-US" altLang="en-US" sz="2000" b="1" dirty="0"/>
-              <a:t>TLS(Transport Layer Security)</a:t>
+              <a:t>Secure Shell Access(SSH)</a:t>
             </a:r>
           </a:p>
           <a:p>
             <a:pPr lvl="1"/>
-            <a:r>
-              <a:rPr lang="en-US" altLang="en-US" sz="2000" b="1" dirty="0"/>
-              <a:t>Secure Shell Access</a:t>
-            </a:r>
-            <a:r>
-              <a:rPr lang="en-US" altLang="en-US" sz="2000" dirty="0"/>
-              <a:t>(SSH)</a:t>
-            </a:r>
-          </a:p>
-          <a:p>
-            <a:pPr lvl="1"/>
-            <a:r>
-              <a:rPr lang="en-US" altLang="en-US" sz="2000" b="1" dirty="0">
-                <a:latin typeface="Tahoma" panose="020B0604030504040204" pitchFamily="34" charset="0"/>
-              </a:rPr>
-              <a:t>File Transfer Protocol</a:t>
-            </a:r>
             <a:r>
               <a:rPr lang="en-US" altLang="en-US" sz="2000" dirty="0">
                 <a:latin typeface="Tahoma" panose="020B0604030504040204" pitchFamily="34" charset="0"/>
               </a:rPr>
-              <a:t>(</a:t>
+              <a:t>File Transfer Protocol(</a:t>
             </a:r>
             <a:r>
               <a:rPr lang="en-US" altLang="en-US" sz="2000" dirty="0"/>
@@ -18773,17 +18765,6 @@
             </a:r>
           </a:p>
           <a:p>
-            <a:r>
-              <a:rPr lang="en-US" dirty="0"/>
-              <a:t>Once they’re connected, how do they communicate? …</a:t>
-            </a:r>
-            <a:r>
-              <a:rPr lang="en-US" i="1" dirty="0"/>
-              <a:t>Now we can do protocols</a:t>
-            </a:r>
-            <a:endParaRPr lang="en-US" dirty="0"/>
-          </a:p>
-          <a:p>
             <a:pPr eaLnBrk="1" hangingPunct="1">
               <a:buFontTx/>
               <a:buNone/>
@@ -18993,55 +18974,6 @@
                                           <p:spTgt spid="17410">
                                             <p:txEl>
                                               <p:pRg st="6" end="6"/>
-                                            </p:txEl>
-                                          </p:spTgt>
-                                        </p:tgtEl>
-                                        <p:attrNameLst>
-                                          <p:attrName>style.visibility</p:attrName>
-                                        </p:attrNameLst>
-                                      </p:cBhvr>
-                                      <p:to>
-                                        <p:strVal val="visible"/>
-                                      </p:to>
-                                    </p:set>
-                                  </p:childTnLst>
-                                </p:cTn>
-                              </p:par>
-                            </p:childTnLst>
-                          </p:cTn>
-                        </p:par>
-                      </p:childTnLst>
-                    </p:cTn>
-                  </p:par>
-                  <p:par>
-                    <p:cTn id="19" fill="hold">
-                      <p:stCondLst>
-                        <p:cond delay="indefinite"/>
-                      </p:stCondLst>
-                      <p:childTnLst>
-                        <p:par>
-                          <p:cTn id="20" fill="hold">
-                            <p:stCondLst>
-                              <p:cond delay="0"/>
-                            </p:stCondLst>
-                            <p:childTnLst>
-                              <p:par>
-                                <p:cTn id="21" presetID="1" presetClass="entr" presetSubtype="0" fill="hold" nodeType="clickEffect">
-                                  <p:stCondLst>
-                                    <p:cond delay="0"/>
-                                  </p:stCondLst>
-                                  <p:childTnLst>
-                                    <p:set>
-                                      <p:cBhvr>
-                                        <p:cTn id="22" dur="1" fill="hold">
-                                          <p:stCondLst>
-                                            <p:cond delay="0"/>
-                                          </p:stCondLst>
-                                        </p:cTn>
-                                        <p:tgtEl>
-                                          <p:spTgt spid="17410">
-                                            <p:txEl>
-                                              <p:pRg st="7" end="7"/>
                                             </p:txEl>
                                           </p:spTgt>
                                         </p:tgtEl>
@@ -21371,21 +21303,7 @@
                 <a:latin typeface="Tahoma" panose="020B0604030504040204" pitchFamily="34" charset="0"/>
                 <a:ea typeface="ＭＳ Ｐゴシック" panose="020B0600070205080204" pitchFamily="34" charset="-128"/>
               </a:rPr>
-              <a:t>The port numbers in the range from 0 to 1023 are the </a:t>
-            </a:r>
-            <a:r>
-              <a:rPr lang="en-US" altLang="en-US" sz="1833" b="1" dirty="0">
-                <a:latin typeface="Tahoma" panose="020B0604030504040204" pitchFamily="34" charset="0"/>
-                <a:ea typeface="ＭＳ Ｐゴシック" panose="020B0600070205080204" pitchFamily="34" charset="-128"/>
-              </a:rPr>
-              <a:t>well-known ports</a:t>
-            </a:r>
-            <a:r>
-              <a:rPr lang="en-US" altLang="en-US" sz="1833" dirty="0">
-                <a:latin typeface="Tahoma" panose="020B0604030504040204" pitchFamily="34" charset="0"/>
-                <a:ea typeface="ＭＳ Ｐゴシック" panose="020B0600070205080204" pitchFamily="34" charset="-128"/>
-              </a:rPr>
-              <a:t>. They are used to identify widely used types of network services.</a:t>
+              <a:t>The port numbers in the range from 0 to 1023 are the well-known ports. They are used to identify widely used types of network services.</a:t>
             </a:r>
           </a:p>
           <a:p>
@@ -21430,19 +21348,7 @@
               <a:rPr lang="en-US" altLang="en-US" sz="1667" dirty="0">
                 <a:latin typeface="Tahoma" panose="020B0604030504040204" pitchFamily="34" charset="0"/>
               </a:rPr>
-              <a:t>The port number of the client is dynamically assigned to a random port above 1023</a:t>
-            </a:r>
-            <a:r>
-              <a:rPr lang="en-US" altLang="en-US" sz="1667" b="1" dirty="0">
-                <a:latin typeface="Tahoma" panose="020B0604030504040204" pitchFamily="34" charset="0"/>
-              </a:rPr>
-              <a:t>(ephemeral ports)</a:t>
-            </a:r>
-            <a:r>
-              <a:rPr lang="en-US" altLang="en-US" sz="1667" dirty="0">
-                <a:latin typeface="Tahoma" panose="020B0604030504040204" pitchFamily="34" charset="0"/>
-              </a:rPr>
-              <a:t>. The port number of the server is one of the well-known port.</a:t>
+              <a:t>The port number of the client is dynamically assigned to a random port above 1023(ephemeral ports). The port number of the server is one of the well-known port.</a:t>
             </a:r>
           </a:p>
           <a:p>
@@ -22641,7 +22547,15 @@
             </a:r>
             <a:r>
               <a:rPr lang="en-US" dirty="0"/>
-              <a:t>. </a:t>
+              <a:t>. This system is called a </a:t>
+            </a:r>
+            <a:r>
+              <a:rPr lang="en-US" b="1" dirty="0"/>
+              <a:t>packet-switching system</a:t>
+            </a:r>
+            <a:r>
+              <a:rPr lang="en-US" dirty="0"/>
+              <a:t>.</a:t>
             </a:r>
           </a:p>
           <a:p>
@@ -22699,17 +22613,13 @@
               <a:rPr lang="en-US" dirty="0"/>
               <a:t>, or selecting a path for traffic in a network.</a:t>
             </a:r>
-            <a:endParaRPr lang="en-US" altLang="en-US" sz="1833" dirty="0">
-              <a:latin typeface="Tahoma" panose="020B0604030504040204" pitchFamily="34" charset="0"/>
-              <a:ea typeface="ＭＳ Ｐゴシック" panose="020B0600070205080204" pitchFamily="34" charset="-128"/>
-            </a:endParaRPr>
           </a:p>
         </p:txBody>
       </p:sp>
     </p:spTree>
     <p:extLst>
       <p:ext uri="{BB962C8B-B14F-4D97-AF65-F5344CB8AC3E}">
-        <p14:creationId xmlns:p14="http://schemas.microsoft.com/office/powerpoint/2010/main" val="4126212206"/>
+        <p14:creationId xmlns:p14="http://schemas.microsoft.com/office/powerpoint/2010/main" val="1016158355"/>
       </p:ext>
     </p:extLst>
   </p:cSld>
@@ -22790,100 +22700,114 @@
         </p:nvSpPr>
         <p:spPr>
           <a:xfrm>
-            <a:off x="277402" y="801385"/>
-            <a:ext cx="8733034" cy="4831262"/>
+            <a:off x="133564" y="873303"/>
+            <a:ext cx="8876872" cy="4759344"/>
           </a:xfrm>
         </p:spPr>
         <p:txBody>
-          <a:bodyPr/>
+          <a:bodyPr>
+            <a:normAutofit/>
+          </a:bodyPr>
           <a:lstStyle/>
           <a:p>
             <a:pPr marL="0" indent="0">
               <a:buNone/>
             </a:pPr>
-            <a:r>
-              <a:rPr lang="en-US" dirty="0"/>
-              <a:t>The Internet transmits data from one computer to another by breaking the data down into small manageable units that are known as </a:t>
-            </a:r>
-            <a:r>
-              <a:rPr lang="en-US" b="1" dirty="0"/>
-              <a:t>packets</a:t>
-            </a:r>
-            <a:r>
-              <a:rPr lang="en-US" dirty="0"/>
-              <a:t>. This system is called a </a:t>
-            </a:r>
-            <a:r>
-              <a:rPr lang="en-US" b="1" dirty="0"/>
-              <a:t>packet-switching system</a:t>
-            </a:r>
-            <a:r>
-              <a:rPr lang="en-US" dirty="0"/>
-              <a:t>.</a:t>
-            </a:r>
+            <a:endParaRPr lang="en-US" sz="2000" dirty="0">
+              <a:latin typeface="Gill Sans MT" panose="020B0502020104020203" pitchFamily="34" charset="77"/>
+            </a:endParaRPr>
           </a:p>
           <a:p>
             <a:pPr marL="0" indent="0">
               <a:buNone/>
             </a:pPr>
-            <a:endParaRPr lang="en-US" dirty="0"/>
+            <a:r>
+              <a:rPr lang="en-US" sz="2000" dirty="0">
+                <a:latin typeface="Gill Sans MT" panose="020B0502020104020203" pitchFamily="34" charset="77"/>
+              </a:rPr>
+              <a:t>Packet-switching system is similar to traffic routing.</a:t>
+            </a:r>
           </a:p>
           <a:p>
             <a:pPr marL="0" indent="0">
               <a:buNone/>
             </a:pPr>
-            <a:r>
-              <a:rPr lang="en-US" dirty="0"/>
-              <a:t>A packet is defined as a small chunk of digital data (like an email or a picture) that contains both a sender address and an address to where the packet is supposed to go. </a:t>
-            </a:r>
+            <a:endParaRPr lang="en-US" sz="2000" dirty="0">
+              <a:latin typeface="Gill Sans MT" panose="020B0502020104020203" pitchFamily="34" charset="77"/>
+            </a:endParaRPr>
           </a:p>
           <a:p>
             <a:pPr marL="0" indent="0">
               <a:buNone/>
             </a:pPr>
-            <a:endParaRPr lang="en-US" dirty="0"/>
+            <a:r>
+              <a:rPr lang="en-US" sz="2000" dirty="0">
+                <a:latin typeface="Gill Sans MT" panose="020B0502020104020203" pitchFamily="34" charset="77"/>
+              </a:rPr>
+              <a:t>If a road is becoming too crowded, traffic lights that allow cars to go onto that road might turn red in order to prevent any more cars from coming on. </a:t>
+            </a:r>
           </a:p>
           <a:p>
             <a:pPr marL="0" indent="0">
               <a:buNone/>
             </a:pPr>
-            <a:r>
-              <a:rPr lang="en-US" dirty="0"/>
-              <a:t>A single image could contain anywhere from just a handful of packets to upwards of 10,000 depending on a variety of factors.</a:t>
-            </a:r>
+            <a:endParaRPr lang="en-US" sz="2000" dirty="0">
+              <a:latin typeface="Gill Sans MT" panose="020B0502020104020203" pitchFamily="34" charset="77"/>
+            </a:endParaRPr>
           </a:p>
           <a:p>
             <a:pPr marL="0" indent="0">
               <a:buNone/>
             </a:pPr>
-            <a:endParaRPr lang="en-US" altLang="en-US" sz="1833" dirty="0">
-              <a:latin typeface="Tahoma" panose="020B0604030504040204" pitchFamily="34" charset="0"/>
-              <a:ea typeface="ＭＳ Ｐゴシック" panose="020B0600070205080204" pitchFamily="34" charset="-128"/>
-            </a:endParaRPr>
+            <a:r>
+              <a:rPr lang="en-US" sz="2000" dirty="0">
+                <a:latin typeface="Gill Sans MT" panose="020B0502020104020203" pitchFamily="34" charset="77"/>
+              </a:rPr>
+              <a:t>A road might even be under construction, so no cars are able to enter that road. </a:t>
+            </a:r>
           </a:p>
           <a:p>
             <a:pPr marL="0" indent="0">
               <a:buNone/>
             </a:pPr>
-            <a:r>
-              <a:rPr lang="en-US" dirty="0"/>
-              <a:t>The process of determining where packets go is called </a:t>
-            </a:r>
-            <a:r>
-              <a:rPr lang="en-US" b="1" dirty="0"/>
-              <a:t>routing</a:t>
-            </a:r>
-            <a:r>
-              <a:rPr lang="en-US" dirty="0"/>
-              <a:t>, or selecting a path for traffic in a network.</a:t>
-            </a:r>
+            <a:endParaRPr lang="en-US" sz="2000" dirty="0">
+              <a:latin typeface="Gill Sans MT" panose="020B0502020104020203" pitchFamily="34" charset="77"/>
+            </a:endParaRPr>
+          </a:p>
+          <a:p>
+            <a:pPr marL="0" indent="0">
+              <a:buNone/>
+            </a:pPr>
+            <a:r>
+              <a:rPr lang="en-US" sz="2000" dirty="0">
+                <a:latin typeface="Gill Sans MT" panose="020B0502020104020203" pitchFamily="34" charset="77"/>
+              </a:rPr>
+              <a:t>Detour signs might route the cars to other roads that are more accessible in order for the cars to get to their destination.</a:t>
+            </a:r>
+          </a:p>
+          <a:p>
+            <a:pPr marL="0" indent="0">
+              <a:buNone/>
+            </a:pPr>
+            <a:endParaRPr lang="en-US" altLang="en-US" sz="2000" dirty="0">
+              <a:latin typeface="Gill Sans MT" panose="020B0502020104020203" pitchFamily="34" charset="77"/>
+              <a:ea typeface="ＭＳ Ｐゴシック" panose="020B0600070205080204" pitchFamily="34" charset="-128"/>
+            </a:endParaRPr>
+          </a:p>
+          <a:p>
+            <a:pPr marL="0" indent="0">
+              <a:buNone/>
+            </a:pPr>
+            <a:endParaRPr lang="en-US" sz="2000" dirty="0">
+              <a:latin typeface="Gill Sans MT" panose="020B0502020104020203" pitchFamily="34" charset="77"/>
+            </a:endParaRPr>
           </a:p>
         </p:txBody>
       </p:sp>
     </p:spTree>
     <p:extLst>
       <p:ext uri="{BB962C8B-B14F-4D97-AF65-F5344CB8AC3E}">
-        <p14:creationId xmlns:p14="http://schemas.microsoft.com/office/powerpoint/2010/main" val="1016158355"/>
+        <p14:creationId xmlns:p14="http://schemas.microsoft.com/office/powerpoint/2010/main" val="4204323314"/>
       </p:ext>
     </p:extLst>
   </p:cSld>
@@ -22964,194 +22888,6 @@
         </p:nvSpPr>
         <p:spPr>
           <a:xfrm>
-            <a:off x="133564" y="873303"/>
-            <a:ext cx="8876872" cy="4759344"/>
-          </a:xfrm>
-        </p:spPr>
-        <p:txBody>
-          <a:bodyPr>
-            <a:normAutofit/>
-          </a:bodyPr>
-          <a:lstStyle/>
-          <a:p>
-            <a:pPr marL="0" indent="0">
-              <a:buNone/>
-            </a:pPr>
-            <a:endParaRPr lang="en-US" sz="2000" dirty="0">
-              <a:latin typeface="Gill Sans MT" panose="020B0502020104020203" pitchFamily="34" charset="77"/>
-            </a:endParaRPr>
-          </a:p>
-          <a:p>
-            <a:pPr marL="0" indent="0">
-              <a:buNone/>
-            </a:pPr>
-            <a:r>
-              <a:rPr lang="en-US" sz="2000" dirty="0">
-                <a:latin typeface="Gill Sans MT" panose="020B0502020104020203" pitchFamily="34" charset="77"/>
-              </a:rPr>
-              <a:t>Packet-switching system is similar to traffic routing.</a:t>
-            </a:r>
-          </a:p>
-          <a:p>
-            <a:pPr marL="0" indent="0">
-              <a:buNone/>
-            </a:pPr>
-            <a:endParaRPr lang="en-US" sz="2000" dirty="0">
-              <a:latin typeface="Gill Sans MT" panose="020B0502020104020203" pitchFamily="34" charset="77"/>
-            </a:endParaRPr>
-          </a:p>
-          <a:p>
-            <a:pPr marL="0" indent="0">
-              <a:buNone/>
-            </a:pPr>
-            <a:r>
-              <a:rPr lang="en-US" sz="2000" dirty="0">
-                <a:latin typeface="Gill Sans MT" panose="020B0502020104020203" pitchFamily="34" charset="77"/>
-              </a:rPr>
-              <a:t>If a road is becoming too crowded, traffic lights that allow cars to go onto that road might turn red in order to prevent any more cars from coming on. </a:t>
-            </a:r>
-          </a:p>
-          <a:p>
-            <a:pPr marL="0" indent="0">
-              <a:buNone/>
-            </a:pPr>
-            <a:endParaRPr lang="en-US" sz="2000" dirty="0">
-              <a:latin typeface="Gill Sans MT" panose="020B0502020104020203" pitchFamily="34" charset="77"/>
-            </a:endParaRPr>
-          </a:p>
-          <a:p>
-            <a:pPr marL="0" indent="0">
-              <a:buNone/>
-            </a:pPr>
-            <a:r>
-              <a:rPr lang="en-US" sz="2000" dirty="0">
-                <a:latin typeface="Gill Sans MT" panose="020B0502020104020203" pitchFamily="34" charset="77"/>
-              </a:rPr>
-              <a:t>A road might even be under construction, so no cars are able to enter that road. </a:t>
-            </a:r>
-          </a:p>
-          <a:p>
-            <a:pPr marL="0" indent="0">
-              <a:buNone/>
-            </a:pPr>
-            <a:endParaRPr lang="en-US" sz="2000" dirty="0">
-              <a:latin typeface="Gill Sans MT" panose="020B0502020104020203" pitchFamily="34" charset="77"/>
-            </a:endParaRPr>
-          </a:p>
-          <a:p>
-            <a:pPr marL="0" indent="0">
-              <a:buNone/>
-            </a:pPr>
-            <a:r>
-              <a:rPr lang="en-US" sz="2000" dirty="0">
-                <a:latin typeface="Gill Sans MT" panose="020B0502020104020203" pitchFamily="34" charset="77"/>
-              </a:rPr>
-              <a:t>Detour signs might route the cars to other roads that are more accessible in order for the cars to get to their destination.</a:t>
-            </a:r>
-          </a:p>
-          <a:p>
-            <a:pPr marL="0" indent="0">
-              <a:buNone/>
-            </a:pPr>
-            <a:endParaRPr lang="en-US" altLang="en-US" sz="2000" dirty="0">
-              <a:latin typeface="Gill Sans MT" panose="020B0502020104020203" pitchFamily="34" charset="77"/>
-              <a:ea typeface="ＭＳ Ｐゴシック" panose="020B0600070205080204" pitchFamily="34" charset="-128"/>
-            </a:endParaRPr>
-          </a:p>
-          <a:p>
-            <a:pPr marL="0" indent="0">
-              <a:buNone/>
-            </a:pPr>
-            <a:endParaRPr lang="en-US" sz="2000" dirty="0">
-              <a:latin typeface="Gill Sans MT" panose="020B0502020104020203" pitchFamily="34" charset="77"/>
-            </a:endParaRPr>
-          </a:p>
-        </p:txBody>
-      </p:sp>
-    </p:spTree>
-    <p:extLst>
-      <p:ext uri="{BB962C8B-B14F-4D97-AF65-F5344CB8AC3E}">
-        <p14:creationId xmlns:p14="http://schemas.microsoft.com/office/powerpoint/2010/main" val="4204323314"/>
-      </p:ext>
-    </p:extLst>
-  </p:cSld>
-  <p:clrMapOvr>
-    <a:masterClrMapping/>
-  </p:clrMapOvr>
-</p:sld>
-</file>
-
-<file path=ppt/slides/slide34.xml><?xml version="1.0" encoding="utf-8"?>
-<p:sld xmlns:a="http://schemas.openxmlformats.org/drawingml/2006/main" xmlns:r="http://schemas.openxmlformats.org/officeDocument/2006/relationships" xmlns:p="http://schemas.openxmlformats.org/presentationml/2006/main">
-  <p:cSld>
-    <p:spTree>
-      <p:nvGrpSpPr>
-        <p:cNvPr id="1" name=""/>
-        <p:cNvGrpSpPr/>
-        <p:nvPr/>
-      </p:nvGrpSpPr>
-      <p:grpSpPr>
-        <a:xfrm>
-          <a:off x="0" y="0"/>
-          <a:ext cx="0" cy="0"/>
-          <a:chOff x="0" y="0"/>
-          <a:chExt cx="0" cy="0"/>
-        </a:xfrm>
-      </p:grpSpPr>
-      <p:sp>
-        <p:nvSpPr>
-          <p:cNvPr id="84993" name="Title 1">
-            <a:extLst>
-              <a:ext uri="{FF2B5EF4-FFF2-40B4-BE49-F238E27FC236}">
-                <a16:creationId xmlns:a16="http://schemas.microsoft.com/office/drawing/2014/main" id="{C169A412-E2F9-004D-A0EF-86F1C409823C}"/>
-              </a:ext>
-            </a:extLst>
-          </p:cNvPr>
-          <p:cNvSpPr>
-            <a:spLocks noGrp="1" noChangeArrowheads="1"/>
-          </p:cNvSpPr>
-          <p:nvPr>
-            <p:ph type="title"/>
-          </p:nvPr>
-        </p:nvSpPr>
-        <p:spPr>
-          <a:xfrm>
-            <a:off x="133564" y="106881"/>
-            <a:ext cx="7886700" cy="689517"/>
-          </a:xfrm>
-        </p:spPr>
-        <p:txBody>
-          <a:bodyPr/>
-          <a:lstStyle/>
-          <a:p>
-            <a:pPr eaLnBrk="1" hangingPunct="1"/>
-            <a:r>
-              <a:rPr lang="en-US" altLang="en-US" dirty="0">
-                <a:ea typeface="ＭＳ Ｐゴシック" panose="020B0600070205080204" pitchFamily="34" charset="-128"/>
-              </a:rPr>
-              <a:t>Packets</a:t>
-            </a:r>
-          </a:p>
-        </p:txBody>
-      </p:sp>
-      <p:sp>
-        <p:nvSpPr>
-          <p:cNvPr id="84994" name="Content Placeholder 2">
-            <a:extLst>
-              <a:ext uri="{FF2B5EF4-FFF2-40B4-BE49-F238E27FC236}">
-                <a16:creationId xmlns:a16="http://schemas.microsoft.com/office/drawing/2014/main" id="{6971D443-43C5-2E43-8019-712D595D62F2}"/>
-              </a:ext>
-            </a:extLst>
-          </p:cNvPr>
-          <p:cNvSpPr>
-            <a:spLocks noGrp="1" noChangeArrowheads="1"/>
-          </p:cNvSpPr>
-          <p:nvPr>
-            <p:ph idx="1"/>
-          </p:nvPr>
-        </p:nvSpPr>
-        <p:spPr>
-          <a:xfrm>
             <a:off x="297951" y="976045"/>
             <a:ext cx="8589196" cy="4656602"/>
           </a:xfrm>
@@ -23263,7 +22999,7 @@
 </p:sld>
 </file>
 
-<file path=ppt/slides/slide35.xml><?xml version="1.0" encoding="utf-8"?>
+<file path=ppt/slides/slide34.xml><?xml version="1.0" encoding="utf-8"?>
 <p:sld xmlns:a="http://schemas.openxmlformats.org/drawingml/2006/main" xmlns:r="http://schemas.openxmlformats.org/officeDocument/2006/relationships" xmlns:p="http://schemas.openxmlformats.org/presentationml/2006/main">
   <p:cSld>
     <p:spTree>
@@ -23585,6 +23321,212 @@
 </p:sld>
 </file>
 
+<file path=ppt/slides/slide35.xml><?xml version="1.0" encoding="utf-8"?>
+<p:sld xmlns:a="http://schemas.openxmlformats.org/drawingml/2006/main" xmlns:r="http://schemas.openxmlformats.org/officeDocument/2006/relationships" xmlns:p="http://schemas.openxmlformats.org/presentationml/2006/main">
+  <p:cSld>
+    <p:spTree>
+      <p:nvGrpSpPr>
+        <p:cNvPr id="1" name=""/>
+        <p:cNvGrpSpPr/>
+        <p:nvPr/>
+      </p:nvGrpSpPr>
+      <p:grpSpPr>
+        <a:xfrm>
+          <a:off x="0" y="0"/>
+          <a:ext cx="0" cy="0"/>
+          <a:chOff x="0" y="0"/>
+          <a:chExt cx="0" cy="0"/>
+        </a:xfrm>
+      </p:grpSpPr>
+      <p:sp>
+        <p:nvSpPr>
+          <p:cNvPr id="84993" name="Title 1">
+            <a:extLst>
+              <a:ext uri="{FF2B5EF4-FFF2-40B4-BE49-F238E27FC236}">
+                <a16:creationId xmlns:a16="http://schemas.microsoft.com/office/drawing/2014/main" id="{C169A412-E2F9-004D-A0EF-86F1C409823C}"/>
+              </a:ext>
+            </a:extLst>
+          </p:cNvPr>
+          <p:cNvSpPr>
+            <a:spLocks noGrp="1" noChangeArrowheads="1"/>
+          </p:cNvSpPr>
+          <p:nvPr>
+            <p:ph type="title"/>
+          </p:nvPr>
+        </p:nvSpPr>
+        <p:spPr>
+          <a:xfrm>
+            <a:off x="133564" y="106881"/>
+            <a:ext cx="7886700" cy="689517"/>
+          </a:xfrm>
+        </p:spPr>
+        <p:txBody>
+          <a:bodyPr/>
+          <a:lstStyle/>
+          <a:p>
+            <a:pPr eaLnBrk="1" hangingPunct="1"/>
+            <a:r>
+              <a:rPr lang="en-US" altLang="en-US" dirty="0">
+                <a:ea typeface="ＭＳ Ｐゴシック" panose="020B0600070205080204" pitchFamily="34" charset="-128"/>
+              </a:rPr>
+              <a:t>Hierarchy </a:t>
+            </a:r>
+          </a:p>
+        </p:txBody>
+      </p:sp>
+      <p:sp>
+        <p:nvSpPr>
+          <p:cNvPr id="84994" name="Content Placeholder 2">
+            <a:extLst>
+              <a:ext uri="{FF2B5EF4-FFF2-40B4-BE49-F238E27FC236}">
+                <a16:creationId xmlns:a16="http://schemas.microsoft.com/office/drawing/2014/main" id="{6971D443-43C5-2E43-8019-712D595D62F2}"/>
+              </a:ext>
+            </a:extLst>
+          </p:cNvPr>
+          <p:cNvSpPr>
+            <a:spLocks noGrp="1" noChangeArrowheads="1"/>
+          </p:cNvSpPr>
+          <p:nvPr>
+            <p:ph idx="1"/>
+          </p:nvPr>
+        </p:nvSpPr>
+        <p:spPr>
+          <a:xfrm>
+            <a:off x="277402" y="801385"/>
+            <a:ext cx="8733034" cy="4831262"/>
+          </a:xfrm>
+        </p:spPr>
+        <p:txBody>
+          <a:bodyPr/>
+          <a:lstStyle/>
+          <a:p>
+            <a:pPr marL="0" indent="0">
+              <a:buNone/>
+            </a:pPr>
+            <a:r>
+              <a:rPr lang="en-US" dirty="0"/>
+              <a:t>The Internet is built hierarchically.</a:t>
+            </a:r>
+          </a:p>
+          <a:p>
+            <a:pPr marL="0" indent="0">
+              <a:buNone/>
+            </a:pPr>
+            <a:endParaRPr lang="en-US" dirty="0"/>
+          </a:p>
+          <a:p>
+            <a:pPr marL="0" indent="0">
+              <a:buNone/>
+            </a:pPr>
+            <a:r>
+              <a:rPr lang="en-US" dirty="0"/>
+              <a:t>Domain names are broken into parts that provide general to specific information about the website you are trying to access. </a:t>
+            </a:r>
+          </a:p>
+          <a:p>
+            <a:pPr marL="0" indent="0">
+              <a:buNone/>
+            </a:pPr>
+            <a:endParaRPr lang="en-US" dirty="0"/>
+          </a:p>
+          <a:p>
+            <a:pPr marL="0" indent="0">
+              <a:buNone/>
+            </a:pPr>
+            <a:r>
+              <a:rPr lang="en-US" dirty="0"/>
+              <a:t>IP addresses are broken up into several numbers that delineate the different sections of the Internet from each other. </a:t>
+            </a:r>
+          </a:p>
+          <a:p>
+            <a:pPr marL="0" indent="0">
+              <a:buNone/>
+            </a:pPr>
+            <a:endParaRPr lang="en-US" dirty="0"/>
+          </a:p>
+          <a:p>
+            <a:pPr marL="0" indent="0">
+              <a:buNone/>
+            </a:pPr>
+            <a:r>
+              <a:rPr lang="en-US" dirty="0"/>
+              <a:t>Routing, especially, which uses the DNS to jump around from network to network to find its way to the destination, is built on the hierarchical system of networks that are all interconnected. </a:t>
+            </a:r>
+          </a:p>
+          <a:p>
+            <a:pPr marL="0" indent="0">
+              <a:buNone/>
+            </a:pPr>
+            <a:endParaRPr lang="en-US" dirty="0"/>
+          </a:p>
+          <a:p>
+            <a:pPr marL="0" indent="0">
+              <a:buNone/>
+            </a:pPr>
+            <a:r>
+              <a:rPr lang="en-US" dirty="0"/>
+              <a:t>This hierarchy and connectedness allowed the Internet to grow to the global scale that it is today.</a:t>
+            </a:r>
+            <a:endParaRPr lang="en-US" altLang="en-US" sz="1833" dirty="0">
+              <a:latin typeface="Tahoma" panose="020B0604030504040204" pitchFamily="34" charset="0"/>
+              <a:ea typeface="ＭＳ Ｐゴシック" panose="020B0600070205080204" pitchFamily="34" charset="-128"/>
+            </a:endParaRPr>
+          </a:p>
+          <a:p>
+            <a:pPr eaLnBrk="1" hangingPunct="1">
+              <a:buFontTx/>
+              <a:buNone/>
+            </a:pPr>
+            <a:endParaRPr lang="en-US" altLang="en-US" sz="1833" dirty="0">
+              <a:latin typeface="Tahoma" panose="020B0604030504040204" pitchFamily="34" charset="0"/>
+              <a:ea typeface="ＭＳ Ｐゴシック" panose="020B0600070205080204" pitchFamily="34" charset="-128"/>
+            </a:endParaRPr>
+          </a:p>
+          <a:p>
+            <a:pPr eaLnBrk="1" hangingPunct="1">
+              <a:buFontTx/>
+              <a:buNone/>
+            </a:pPr>
+            <a:endParaRPr lang="en-US" altLang="en-US" sz="1833" dirty="0">
+              <a:latin typeface="Tahoma" panose="020B0604030504040204" pitchFamily="34" charset="0"/>
+              <a:ea typeface="ＭＳ Ｐゴシック" panose="020B0600070205080204" pitchFamily="34" charset="-128"/>
+            </a:endParaRPr>
+          </a:p>
+          <a:p>
+            <a:pPr eaLnBrk="1" hangingPunct="1">
+              <a:buFontTx/>
+              <a:buAutoNum type="arabicParenR"/>
+            </a:pPr>
+            <a:endParaRPr lang="en-US" altLang="en-US" sz="1833" dirty="0">
+              <a:latin typeface="Tahoma" panose="020B0604030504040204" pitchFamily="34" charset="0"/>
+              <a:ea typeface="ＭＳ Ｐゴシック" panose="020B0600070205080204" pitchFamily="34" charset="-128"/>
+            </a:endParaRPr>
+          </a:p>
+          <a:p>
+            <a:pPr eaLnBrk="1" hangingPunct="1">
+              <a:buFontTx/>
+              <a:buNone/>
+            </a:pPr>
+            <a:endParaRPr lang="en-US" altLang="en-US" sz="1833" dirty="0">
+              <a:latin typeface="Tahoma" panose="020B0604030504040204" pitchFamily="34" charset="0"/>
+              <a:ea typeface="ＭＳ Ｐゴシック" panose="020B0600070205080204" pitchFamily="34" charset="-128"/>
+            </a:endParaRPr>
+          </a:p>
+        </p:txBody>
+      </p:sp>
+    </p:spTree>
+    <p:extLst>
+      <p:ext uri="{BB962C8B-B14F-4D97-AF65-F5344CB8AC3E}">
+        <p14:creationId xmlns:p14="http://schemas.microsoft.com/office/powerpoint/2010/main" val="2765543401"/>
+      </p:ext>
+    </p:extLst>
+  </p:cSld>
+  <p:clrMapOvr>
+    <a:masterClrMapping/>
+  </p:clrMapOvr>
+</p:sld>
+</file>
+
 <file path=ppt/slides/slide36.xml><?xml version="1.0" encoding="utf-8"?>
 <p:sld xmlns:a="http://schemas.openxmlformats.org/drawingml/2006/main" xmlns:r="http://schemas.openxmlformats.org/officeDocument/2006/relationships" xmlns:p="http://schemas.openxmlformats.org/presentationml/2006/main">
   <p:cSld>
@@ -23633,7 +23575,7 @@
               <a:rPr lang="en-US" altLang="en-US" dirty="0">
                 <a:ea typeface="ＭＳ Ｐゴシック" panose="020B0600070205080204" pitchFamily="34" charset="-128"/>
               </a:rPr>
-              <a:t>Hierarchy </a:t>
+              <a:t>Bandwidth and Latency</a:t>
             </a:r>
           </a:p>
         </p:txBody>
@@ -23669,212 +23611,6 @@
             </a:pPr>
             <a:r>
               <a:rPr lang="en-US" dirty="0"/>
-              <a:t>The Internet is built hierarchically.</a:t>
-            </a:r>
-          </a:p>
-          <a:p>
-            <a:pPr marL="0" indent="0">
-              <a:buNone/>
-            </a:pPr>
-            <a:endParaRPr lang="en-US" dirty="0"/>
-          </a:p>
-          <a:p>
-            <a:pPr marL="0" indent="0">
-              <a:buNone/>
-            </a:pPr>
-            <a:r>
-              <a:rPr lang="en-US" dirty="0"/>
-              <a:t>Domain names are broken into parts that provide general to specific information about the website you are trying to access. </a:t>
-            </a:r>
-          </a:p>
-          <a:p>
-            <a:pPr marL="0" indent="0">
-              <a:buNone/>
-            </a:pPr>
-            <a:endParaRPr lang="en-US" dirty="0"/>
-          </a:p>
-          <a:p>
-            <a:pPr marL="0" indent="0">
-              <a:buNone/>
-            </a:pPr>
-            <a:r>
-              <a:rPr lang="en-US" dirty="0"/>
-              <a:t>IP addresses are broken up into several numbers that delineate the different sections of the Internet from each other. </a:t>
-            </a:r>
-          </a:p>
-          <a:p>
-            <a:pPr marL="0" indent="0">
-              <a:buNone/>
-            </a:pPr>
-            <a:endParaRPr lang="en-US" dirty="0"/>
-          </a:p>
-          <a:p>
-            <a:pPr marL="0" indent="0">
-              <a:buNone/>
-            </a:pPr>
-            <a:r>
-              <a:rPr lang="en-US" dirty="0"/>
-              <a:t>Routing, especially, which uses the DNS to jump around from network to network to find its way to the destination, is built on the hierarchical system of networks that are all interconnected. </a:t>
-            </a:r>
-          </a:p>
-          <a:p>
-            <a:pPr marL="0" indent="0">
-              <a:buNone/>
-            </a:pPr>
-            <a:endParaRPr lang="en-US" dirty="0"/>
-          </a:p>
-          <a:p>
-            <a:pPr marL="0" indent="0">
-              <a:buNone/>
-            </a:pPr>
-            <a:r>
-              <a:rPr lang="en-US" dirty="0"/>
-              <a:t>This hierarchy and connectedness allowed the Internet to grow to the global scale that it is today.</a:t>
-            </a:r>
-            <a:endParaRPr lang="en-US" altLang="en-US" sz="1833" dirty="0">
-              <a:latin typeface="Tahoma" panose="020B0604030504040204" pitchFamily="34" charset="0"/>
-              <a:ea typeface="ＭＳ Ｐゴシック" panose="020B0600070205080204" pitchFamily="34" charset="-128"/>
-            </a:endParaRPr>
-          </a:p>
-          <a:p>
-            <a:pPr eaLnBrk="1" hangingPunct="1">
-              <a:buFontTx/>
-              <a:buNone/>
-            </a:pPr>
-            <a:endParaRPr lang="en-US" altLang="en-US" sz="1833" dirty="0">
-              <a:latin typeface="Tahoma" panose="020B0604030504040204" pitchFamily="34" charset="0"/>
-              <a:ea typeface="ＭＳ Ｐゴシック" panose="020B0600070205080204" pitchFamily="34" charset="-128"/>
-            </a:endParaRPr>
-          </a:p>
-          <a:p>
-            <a:pPr eaLnBrk="1" hangingPunct="1">
-              <a:buFontTx/>
-              <a:buNone/>
-            </a:pPr>
-            <a:endParaRPr lang="en-US" altLang="en-US" sz="1833" dirty="0">
-              <a:latin typeface="Tahoma" panose="020B0604030504040204" pitchFamily="34" charset="0"/>
-              <a:ea typeface="ＭＳ Ｐゴシック" panose="020B0600070205080204" pitchFamily="34" charset="-128"/>
-            </a:endParaRPr>
-          </a:p>
-          <a:p>
-            <a:pPr eaLnBrk="1" hangingPunct="1">
-              <a:buFontTx/>
-              <a:buAutoNum type="arabicParenR"/>
-            </a:pPr>
-            <a:endParaRPr lang="en-US" altLang="en-US" sz="1833" dirty="0">
-              <a:latin typeface="Tahoma" panose="020B0604030504040204" pitchFamily="34" charset="0"/>
-              <a:ea typeface="ＭＳ Ｐゴシック" panose="020B0600070205080204" pitchFamily="34" charset="-128"/>
-            </a:endParaRPr>
-          </a:p>
-          <a:p>
-            <a:pPr eaLnBrk="1" hangingPunct="1">
-              <a:buFontTx/>
-              <a:buNone/>
-            </a:pPr>
-            <a:endParaRPr lang="en-US" altLang="en-US" sz="1833" dirty="0">
-              <a:latin typeface="Tahoma" panose="020B0604030504040204" pitchFamily="34" charset="0"/>
-              <a:ea typeface="ＭＳ Ｐゴシック" panose="020B0600070205080204" pitchFamily="34" charset="-128"/>
-            </a:endParaRPr>
-          </a:p>
-        </p:txBody>
-      </p:sp>
-    </p:spTree>
-    <p:extLst>
-      <p:ext uri="{BB962C8B-B14F-4D97-AF65-F5344CB8AC3E}">
-        <p14:creationId xmlns:p14="http://schemas.microsoft.com/office/powerpoint/2010/main" val="2765543401"/>
-      </p:ext>
-    </p:extLst>
-  </p:cSld>
-  <p:clrMapOvr>
-    <a:masterClrMapping/>
-  </p:clrMapOvr>
-</p:sld>
-</file>
-
-<file path=ppt/slides/slide37.xml><?xml version="1.0" encoding="utf-8"?>
-<p:sld xmlns:a="http://schemas.openxmlformats.org/drawingml/2006/main" xmlns:r="http://schemas.openxmlformats.org/officeDocument/2006/relationships" xmlns:p="http://schemas.openxmlformats.org/presentationml/2006/main">
-  <p:cSld>
-    <p:spTree>
-      <p:nvGrpSpPr>
-        <p:cNvPr id="1" name=""/>
-        <p:cNvGrpSpPr/>
-        <p:nvPr/>
-      </p:nvGrpSpPr>
-      <p:grpSpPr>
-        <a:xfrm>
-          <a:off x="0" y="0"/>
-          <a:ext cx="0" cy="0"/>
-          <a:chOff x="0" y="0"/>
-          <a:chExt cx="0" cy="0"/>
-        </a:xfrm>
-      </p:grpSpPr>
-      <p:sp>
-        <p:nvSpPr>
-          <p:cNvPr id="84993" name="Title 1">
-            <a:extLst>
-              <a:ext uri="{FF2B5EF4-FFF2-40B4-BE49-F238E27FC236}">
-                <a16:creationId xmlns:a16="http://schemas.microsoft.com/office/drawing/2014/main" id="{C169A412-E2F9-004D-A0EF-86F1C409823C}"/>
-              </a:ext>
-            </a:extLst>
-          </p:cNvPr>
-          <p:cNvSpPr>
-            <a:spLocks noGrp="1" noChangeArrowheads="1"/>
-          </p:cNvSpPr>
-          <p:nvPr>
-            <p:ph type="title"/>
-          </p:nvPr>
-        </p:nvSpPr>
-        <p:spPr>
-          <a:xfrm>
-            <a:off x="133564" y="106881"/>
-            <a:ext cx="7886700" cy="689517"/>
-          </a:xfrm>
-        </p:spPr>
-        <p:txBody>
-          <a:bodyPr/>
-          <a:lstStyle/>
-          <a:p>
-            <a:pPr eaLnBrk="1" hangingPunct="1"/>
-            <a:r>
-              <a:rPr lang="en-US" altLang="en-US" dirty="0">
-                <a:ea typeface="ＭＳ Ｐゴシック" panose="020B0600070205080204" pitchFamily="34" charset="-128"/>
-              </a:rPr>
-              <a:t>Bandwidth and Latency</a:t>
-            </a:r>
-          </a:p>
-        </p:txBody>
-      </p:sp>
-      <p:sp>
-        <p:nvSpPr>
-          <p:cNvPr id="84994" name="Content Placeholder 2">
-            <a:extLst>
-              <a:ext uri="{FF2B5EF4-FFF2-40B4-BE49-F238E27FC236}">
-                <a16:creationId xmlns:a16="http://schemas.microsoft.com/office/drawing/2014/main" id="{6971D443-43C5-2E43-8019-712D595D62F2}"/>
-              </a:ext>
-            </a:extLst>
-          </p:cNvPr>
-          <p:cNvSpPr>
-            <a:spLocks noGrp="1" noChangeArrowheads="1"/>
-          </p:cNvSpPr>
-          <p:nvPr>
-            <p:ph idx="1"/>
-          </p:nvPr>
-        </p:nvSpPr>
-        <p:spPr>
-          <a:xfrm>
-            <a:off x="277402" y="801385"/>
-            <a:ext cx="8733034" cy="4831262"/>
-          </a:xfrm>
-        </p:spPr>
-        <p:txBody>
-          <a:bodyPr/>
-          <a:lstStyle/>
-          <a:p>
-            <a:pPr marL="0" indent="0">
-              <a:buNone/>
-            </a:pPr>
-            <a:r>
-              <a:rPr lang="en-US" dirty="0"/>
               <a:t>When you have a large system there is going to be </a:t>
             </a:r>
             <a:r>
@@ -23981,7 +23717,7 @@
 </p:sld>
 </file>
 
-<file path=ppt/slides/slide38.xml><?xml version="1.0" encoding="utf-8"?>
+<file path=ppt/slides/slide37.xml><?xml version="1.0" encoding="utf-8"?>
 <p:sld xmlns:a="http://schemas.openxmlformats.org/drawingml/2006/main" xmlns:r="http://schemas.openxmlformats.org/officeDocument/2006/relationships" xmlns:p="http://schemas.openxmlformats.org/presentationml/2006/main">
   <p:cSld>
     <p:spTree>
@@ -25777,66 +25513,59 @@
           <a:p>
             <a:pPr lvl="1" eaLnBrk="1" hangingPunct="1"/>
             <a:r>
-              <a:rPr lang="en-US" altLang="en-US" sz="1667" dirty="0">
+              <a:rPr lang="en-US" altLang="en-US" sz="2000" dirty="0">
                 <a:latin typeface="Gill Sans MT" panose="020B0502020104020203" pitchFamily="34" charset="77"/>
               </a:rPr>
               <a:t>Every device that can make </a:t>
             </a:r>
             <a:r>
-              <a:rPr lang="en-US" altLang="en-US" sz="1667" dirty="0" err="1">
+              <a:rPr lang="en-US" altLang="en-US" sz="2000" dirty="0" err="1">
                 <a:latin typeface="Gill Sans MT" panose="020B0502020104020203" pitchFamily="34" charset="77"/>
               </a:rPr>
               <a:t>Wifi</a:t>
             </a:r>
             <a:r>
-              <a:rPr lang="en-US" altLang="en-US" sz="1667" dirty="0">
+              <a:rPr lang="en-US" altLang="en-US" sz="2000" dirty="0">
                 <a:latin typeface="Gill Sans MT" panose="020B0502020104020203" pitchFamily="34" charset="77"/>
               </a:rPr>
               <a:t>, ethernet or </a:t>
             </a:r>
             <a:r>
-              <a:rPr lang="en-US" altLang="en-US" sz="1667" dirty="0" err="1">
+              <a:rPr lang="en-US" altLang="en-US" sz="2000" dirty="0" err="1">
                 <a:latin typeface="Gill Sans MT" panose="020B0502020104020203" pitchFamily="34" charset="77"/>
               </a:rPr>
               <a:t>bluetooth</a:t>
             </a:r>
             <a:r>
-              <a:rPr lang="en-US" altLang="en-US" sz="1667" dirty="0">
+              <a:rPr lang="en-US" altLang="en-US" sz="2000" dirty="0">
                 <a:latin typeface="Gill Sans MT" panose="020B0502020104020203" pitchFamily="34" charset="77"/>
               </a:rPr>
               <a:t> connections has a MAC address, e.g., laptops, phones, </a:t>
             </a:r>
             <a:r>
-              <a:rPr lang="en-US" altLang="en-US" sz="1667" dirty="0" err="1">
+              <a:rPr lang="en-US" altLang="en-US" sz="2000" dirty="0" err="1">
                 <a:latin typeface="Gill Sans MT" panose="020B0502020104020203" pitchFamily="34" charset="77"/>
               </a:rPr>
               <a:t>bluetooth</a:t>
             </a:r>
             <a:r>
-              <a:rPr lang="en-US" altLang="en-US" sz="1667" dirty="0">
+              <a:rPr lang="en-US" altLang="en-US" sz="2000" dirty="0">
                 <a:latin typeface="Gill Sans MT" panose="020B0502020104020203" pitchFamily="34" charset="77"/>
               </a:rPr>
               <a:t> speakers, smart fridge, tablets, </a:t>
             </a:r>
             <a:r>
-              <a:rPr lang="en-US" altLang="en-US" sz="1667" dirty="0" err="1">
+              <a:rPr lang="en-US" altLang="en-US" sz="2000" dirty="0" err="1">
                 <a:latin typeface="Gill Sans MT" panose="020B0502020104020203" pitchFamily="34" charset="77"/>
               </a:rPr>
               <a:t>etc</a:t>
             </a:r>
             <a:r>
-              <a:rPr lang="en-US" altLang="en-US" sz="1667" dirty="0">
+              <a:rPr lang="en-US" altLang="en-US" sz="2000" dirty="0">
                 <a:latin typeface="Gill Sans MT" panose="020B0502020104020203" pitchFamily="34" charset="77"/>
               </a:rPr>
               <a:t>…</a:t>
             </a:r>
-          </a:p>
-          <a:p>
-            <a:pPr eaLnBrk="1" hangingPunct="1"/>
-            <a:endParaRPr lang="en-US" altLang="en-US" sz="2000" dirty="0">
-              <a:latin typeface="Gill Sans MT" panose="020B0502020104020203" pitchFamily="34" charset="77"/>
-              <a:ea typeface="ＭＳ Ｐゴシック" panose="020B0600070205080204" pitchFamily="34" charset="-128"/>
-            </a:endParaRPr>
           </a:p>
           <a:p>
             <a:pPr marL="0" indent="0" eaLnBrk="1" hangingPunct="1">
@@ -25946,7 +25675,7 @@
                                         <p:tgtEl>
                                           <p:spTgt spid="25602">
                                             <p:txEl>
-                                              <p:pRg st="5" end="5"/>
+                                              <p:pRg st="4" end="4"/>
                                             </p:txEl>
                                           </p:spTgt>
                                         </p:tgtEl>
@@ -25977,7 +25706,7 @@
                                         <p:tgtEl>
                                           <p:spTgt spid="25602">
                                             <p:txEl>
-                                              <p:pRg st="6" end="6"/>
+                                              <p:pRg st="5" end="5"/>
                                             </p:txEl>
                                           </p:spTgt>
                                         </p:tgtEl>

--- a/courses/apcsp/lect18.pptx
+++ b/courses/apcsp/lect18.pptx
@@ -1892,7 +1892,7 @@
   <pc:docChgLst>
     <pc:chgData name="Long B Nguyen" userId="f59fb8f3-a021-417a-8bc1-65c8d471c621" providerId="ADAL" clId="{34A2CF11-652E-6345-AC5C-A89FACA07C4E}"/>
     <pc:docChg chg="custSel addSld delSld modSld">
-      <pc:chgData name="Long B Nguyen" userId="f59fb8f3-a021-417a-8bc1-65c8d471c621" providerId="ADAL" clId="{34A2CF11-652E-6345-AC5C-A89FACA07C4E}" dt="2020-02-28T14:52:21.453" v="1421" actId="2696"/>
+      <pc:chgData name="Long B Nguyen" userId="f59fb8f3-a021-417a-8bc1-65c8d471c621" providerId="ADAL" clId="{34A2CF11-652E-6345-AC5C-A89FACA07C4E}" dt="2020-03-05T10:05:57.927" v="1422" actId="20577"/>
       <pc:docMkLst>
         <pc:docMk/>
       </pc:docMkLst>
@@ -2646,13 +2646,13 @@
         </pc:cxnChg>
       </pc:sldChg>
       <pc:sldChg chg="modSp add">
-        <pc:chgData name="Long B Nguyen" userId="f59fb8f3-a021-417a-8bc1-65c8d471c621" providerId="ADAL" clId="{34A2CF11-652E-6345-AC5C-A89FACA07C4E}" dt="2020-02-25T15:59:50.399" v="727" actId="113"/>
+        <pc:chgData name="Long B Nguyen" userId="f59fb8f3-a021-417a-8bc1-65c8d471c621" providerId="ADAL" clId="{34A2CF11-652E-6345-AC5C-A89FACA07C4E}" dt="2020-03-05T10:05:57.927" v="1422" actId="20577"/>
         <pc:sldMkLst>
           <pc:docMk/>
           <pc:sldMk cId="1016158355" sldId="619"/>
         </pc:sldMkLst>
         <pc:spChg chg="mod">
-          <ac:chgData name="Long B Nguyen" userId="f59fb8f3-a021-417a-8bc1-65c8d471c621" providerId="ADAL" clId="{34A2CF11-652E-6345-AC5C-A89FACA07C4E}" dt="2020-02-25T15:59:50.399" v="727" actId="113"/>
+          <ac:chgData name="Long B Nguyen" userId="f59fb8f3-a021-417a-8bc1-65c8d471c621" providerId="ADAL" clId="{34A2CF11-652E-6345-AC5C-A89FACA07C4E}" dt="2020-03-05T10:05:57.927" v="1422" actId="20577"/>
           <ac:spMkLst>
             <pc:docMk/>
             <pc:sldMk cId="1016158355" sldId="619"/>
@@ -2885,7 +2885,7 @@
           <a:p>
             <a:fld id="{6EDD99D2-A624-5E4F-A4E3-584054837B5A}" type="datetimeFigureOut">
               <a:rPr lang="en-US" smtClean="0"/>
-              <a:t>2/28/20</a:t>
+              <a:t>3/4/20</a:t>
             </a:fld>
             <a:endParaRPr lang="en-US"/>
           </a:p>
@@ -11497,7 +11497,7 @@
           <a:p>
             <a:fld id="{4AAD347D-5ACD-4C99-B74B-A9C85AD731AF}" type="datetimeFigureOut">
               <a:rPr lang="en-US" smtClean="0"/>
-              <a:t>2/28/20</a:t>
+              <a:t>3/4/20</a:t>
             </a:fld>
             <a:endParaRPr lang="en-US" dirty="0"/>
           </a:p>
@@ -11667,7 +11667,7 @@
           <a:p>
             <a:fld id="{4509A250-FF31-4206-8172-F9D3106AACB1}" type="datetimeFigureOut">
               <a:rPr lang="en-US" smtClean="0"/>
-              <a:t>2/28/20</a:t>
+              <a:t>3/4/20</a:t>
             </a:fld>
             <a:endParaRPr lang="en-US" dirty="0"/>
           </a:p>
@@ -11847,7 +11847,7 @@
           <a:p>
             <a:fld id="{4509A250-FF31-4206-8172-F9D3106AACB1}" type="datetimeFigureOut">
               <a:rPr lang="en-US" smtClean="0"/>
-              <a:t>2/28/20</a:t>
+              <a:t>3/4/20</a:t>
             </a:fld>
             <a:endParaRPr lang="en-US" dirty="0"/>
           </a:p>
@@ -12017,7 +12017,7 @@
           <a:p>
             <a:fld id="{4509A250-FF31-4206-8172-F9D3106AACB1}" type="datetimeFigureOut">
               <a:rPr lang="en-US" smtClean="0"/>
-              <a:t>2/28/20</a:t>
+              <a:t>3/4/20</a:t>
             </a:fld>
             <a:endParaRPr lang="en-US" dirty="0"/>
           </a:p>
@@ -12263,7 +12263,7 @@
           <a:p>
             <a:fld id="{9796027F-7875-4030-9381-8BD8C4F21935}" type="datetimeFigureOut">
               <a:rPr lang="en-US" smtClean="0"/>
-              <a:t>2/28/20</a:t>
+              <a:t>3/4/20</a:t>
             </a:fld>
             <a:endParaRPr lang="en-US" dirty="0"/>
           </a:p>
@@ -12495,7 +12495,7 @@
           <a:p>
             <a:fld id="{9796027F-7875-4030-9381-8BD8C4F21935}" type="datetimeFigureOut">
               <a:rPr lang="en-US" smtClean="0"/>
-              <a:t>2/28/20</a:t>
+              <a:t>3/4/20</a:t>
             </a:fld>
             <a:endParaRPr lang="en-US" dirty="0"/>
           </a:p>
@@ -12862,7 +12862,7 @@
           <a:p>
             <a:fld id="{9796027F-7875-4030-9381-8BD8C4F21935}" type="datetimeFigureOut">
               <a:rPr lang="en-US" smtClean="0"/>
-              <a:t>2/28/20</a:t>
+              <a:t>3/4/20</a:t>
             </a:fld>
             <a:endParaRPr lang="en-US" dirty="0"/>
           </a:p>
@@ -12980,7 +12980,7 @@
           <a:p>
             <a:fld id="{4509A250-FF31-4206-8172-F9D3106AACB1}" type="datetimeFigureOut">
               <a:rPr lang="en-US" smtClean="0"/>
-              <a:t>2/28/20</a:t>
+              <a:t>3/4/20</a:t>
             </a:fld>
             <a:endParaRPr lang="en-US" dirty="0"/>
           </a:p>
@@ -13075,7 +13075,7 @@
           <a:p>
             <a:fld id="{4509A250-FF31-4206-8172-F9D3106AACB1}" type="datetimeFigureOut">
               <a:rPr lang="en-US" smtClean="0"/>
-              <a:t>2/28/20</a:t>
+              <a:t>3/4/20</a:t>
             </a:fld>
             <a:endParaRPr lang="en-US" dirty="0"/>
           </a:p>
@@ -13352,7 +13352,7 @@
           <a:p>
             <a:fld id="{4509A250-FF31-4206-8172-F9D3106AACB1}" type="datetimeFigureOut">
               <a:rPr lang="en-US" smtClean="0"/>
-              <a:t>2/28/20</a:t>
+              <a:t>3/4/20</a:t>
             </a:fld>
             <a:endParaRPr lang="en-US" dirty="0"/>
           </a:p>
@@ -13609,7 +13609,7 @@
           <a:p>
             <a:fld id="{4509A250-FF31-4206-8172-F9D3106AACB1}" type="datetimeFigureOut">
               <a:rPr lang="en-US" smtClean="0"/>
-              <a:t>2/28/20</a:t>
+              <a:t>3/4/20</a:t>
             </a:fld>
             <a:endParaRPr lang="en-US" dirty="0"/>
           </a:p>
@@ -13822,7 +13822,7 @@
           <a:p>
             <a:fld id="{4AAD347D-5ACD-4C99-B74B-A9C85AD731AF}" type="datetimeFigureOut">
               <a:rPr lang="en-US" smtClean="0"/>
-              <a:t>2/28/20</a:t>
+              <a:t>3/4/20</a:t>
             </a:fld>
             <a:endParaRPr lang="en-US" dirty="0"/>
           </a:p>
@@ -22570,7 +22570,15 @@
             </a:pPr>
             <a:r>
               <a:rPr lang="en-US" dirty="0"/>
-              <a:t>A packet is defined as a small chunk of digital data (like an email or a picture) that contains both a sender address and an address to where the packet is supposed to go. </a:t>
+              <a:t>A packet is defined as a small chunk of digital </a:t>
+            </a:r>
+            <a:r>
+              <a:rPr lang="en-US"/>
+              <a:t>data that </a:t>
+            </a:r>
+            <a:r>
+              <a:rPr lang="en-US" dirty="0"/>
+              <a:t>contains both a sender address and an address to where the packet is supposed to go. </a:t>
             </a:r>
           </a:p>
           <a:p>

--- a/courses/apcsp/lect18.pptx
+++ b/courses/apcsp/lect18.pptx
@@ -1892,7 +1892,7 @@
   <pc:docChgLst>
     <pc:chgData name="Long B Nguyen" userId="f59fb8f3-a021-417a-8bc1-65c8d471c621" providerId="ADAL" clId="{34A2CF11-652E-6345-AC5C-A89FACA07C4E}"/>
     <pc:docChg chg="custSel addSld delSld modSld">
-      <pc:chgData name="Long B Nguyen" userId="f59fb8f3-a021-417a-8bc1-65c8d471c621" providerId="ADAL" clId="{34A2CF11-652E-6345-AC5C-A89FACA07C4E}" dt="2020-03-05T10:05:57.927" v="1422" actId="20577"/>
+      <pc:chgData name="Long B Nguyen" userId="f59fb8f3-a021-417a-8bc1-65c8d471c621" providerId="ADAL" clId="{34A2CF11-652E-6345-AC5C-A89FACA07C4E}" dt="2020-03-15T23:28:25.241" v="1437" actId="20577"/>
       <pc:docMkLst>
         <pc:docMk/>
       </pc:docMkLst>
@@ -2160,6 +2160,21 @@
             <pc:docMk/>
             <pc:sldMk cId="665490485" sldId="579"/>
             <ac:spMk id="35842" creationId="{C6DC7E6C-DF38-9748-B0D1-7D7B63795E45}"/>
+          </ac:spMkLst>
+        </pc:spChg>
+      </pc:sldChg>
+      <pc:sldChg chg="modSp">
+        <pc:chgData name="Long B Nguyen" userId="f59fb8f3-a021-417a-8bc1-65c8d471c621" providerId="ADAL" clId="{34A2CF11-652E-6345-AC5C-A89FACA07C4E}" dt="2020-03-13T16:35:47.535" v="1431" actId="20577"/>
+        <pc:sldMkLst>
+          <pc:docMk/>
+          <pc:sldMk cId="2801305812" sldId="580"/>
+        </pc:sldMkLst>
+        <pc:spChg chg="mod">
+          <ac:chgData name="Long B Nguyen" userId="f59fb8f3-a021-417a-8bc1-65c8d471c621" providerId="ADAL" clId="{34A2CF11-652E-6345-AC5C-A89FACA07C4E}" dt="2020-03-13T16:35:47.535" v="1431" actId="20577"/>
+          <ac:spMkLst>
+            <pc:docMk/>
+            <pc:sldMk cId="2801305812" sldId="580"/>
+            <ac:spMk id="21505" creationId="{2B80FEFF-E638-C344-A551-37B339160B3A}"/>
           </ac:spMkLst>
         </pc:spChg>
       </pc:sldChg>
@@ -2752,7 +2767,7 @@
         </pc:cxnChg>
       </pc:sldChg>
       <pc:sldChg chg="modSp add">
-        <pc:chgData name="Long B Nguyen" userId="f59fb8f3-a021-417a-8bc1-65c8d471c621" providerId="ADAL" clId="{34A2CF11-652E-6345-AC5C-A89FACA07C4E}" dt="2020-02-25T16:19:36.680" v="1349" actId="20577"/>
+        <pc:chgData name="Long B Nguyen" userId="f59fb8f3-a021-417a-8bc1-65c8d471c621" providerId="ADAL" clId="{34A2CF11-652E-6345-AC5C-A89FACA07C4E}" dt="2020-03-15T23:28:25.241" v="1437" actId="20577"/>
         <pc:sldMkLst>
           <pc:docMk/>
           <pc:sldMk cId="3553270583" sldId="623"/>
@@ -2766,7 +2781,7 @@
           </ac:spMkLst>
         </pc:spChg>
         <pc:spChg chg="mod">
-          <ac:chgData name="Long B Nguyen" userId="f59fb8f3-a021-417a-8bc1-65c8d471c621" providerId="ADAL" clId="{34A2CF11-652E-6345-AC5C-A89FACA07C4E}" dt="2020-02-25T16:19:30.447" v="1328" actId="20577"/>
+          <ac:chgData name="Long B Nguyen" userId="f59fb8f3-a021-417a-8bc1-65c8d471c621" providerId="ADAL" clId="{34A2CF11-652E-6345-AC5C-A89FACA07C4E}" dt="2020-03-15T23:28:25.241" v="1437" actId="20577"/>
           <ac:spMkLst>
             <pc:docMk/>
             <pc:sldMk cId="3553270583" sldId="623"/>
@@ -2885,7 +2900,7 @@
           <a:p>
             <a:fld id="{6EDD99D2-A624-5E4F-A4E3-584054837B5A}" type="datetimeFigureOut">
               <a:rPr lang="en-US" smtClean="0"/>
-              <a:t>3/4/20</a:t>
+              <a:t>3/15/20</a:t>
             </a:fld>
             <a:endParaRPr lang="en-US"/>
           </a:p>
@@ -11497,7 +11512,7 @@
           <a:p>
             <a:fld id="{4AAD347D-5ACD-4C99-B74B-A9C85AD731AF}" type="datetimeFigureOut">
               <a:rPr lang="en-US" smtClean="0"/>
-              <a:t>3/4/20</a:t>
+              <a:t>3/15/20</a:t>
             </a:fld>
             <a:endParaRPr lang="en-US" dirty="0"/>
           </a:p>
@@ -11667,7 +11682,7 @@
           <a:p>
             <a:fld id="{4509A250-FF31-4206-8172-F9D3106AACB1}" type="datetimeFigureOut">
               <a:rPr lang="en-US" smtClean="0"/>
-              <a:t>3/4/20</a:t>
+              <a:t>3/15/20</a:t>
             </a:fld>
             <a:endParaRPr lang="en-US" dirty="0"/>
           </a:p>
@@ -11847,7 +11862,7 @@
           <a:p>
             <a:fld id="{4509A250-FF31-4206-8172-F9D3106AACB1}" type="datetimeFigureOut">
               <a:rPr lang="en-US" smtClean="0"/>
-              <a:t>3/4/20</a:t>
+              <a:t>3/15/20</a:t>
             </a:fld>
             <a:endParaRPr lang="en-US" dirty="0"/>
           </a:p>
@@ -12017,7 +12032,7 @@
           <a:p>
             <a:fld id="{4509A250-FF31-4206-8172-F9D3106AACB1}" type="datetimeFigureOut">
               <a:rPr lang="en-US" smtClean="0"/>
-              <a:t>3/4/20</a:t>
+              <a:t>3/15/20</a:t>
             </a:fld>
             <a:endParaRPr lang="en-US" dirty="0"/>
           </a:p>
@@ -12263,7 +12278,7 @@
           <a:p>
             <a:fld id="{9796027F-7875-4030-9381-8BD8C4F21935}" type="datetimeFigureOut">
               <a:rPr lang="en-US" smtClean="0"/>
-              <a:t>3/4/20</a:t>
+              <a:t>3/15/20</a:t>
             </a:fld>
             <a:endParaRPr lang="en-US" dirty="0"/>
           </a:p>
@@ -12495,7 +12510,7 @@
           <a:p>
             <a:fld id="{9796027F-7875-4030-9381-8BD8C4F21935}" type="datetimeFigureOut">
               <a:rPr lang="en-US" smtClean="0"/>
-              <a:t>3/4/20</a:t>
+              <a:t>3/15/20</a:t>
             </a:fld>
             <a:endParaRPr lang="en-US" dirty="0"/>
           </a:p>
@@ -12862,7 +12877,7 @@
           <a:p>
             <a:fld id="{9796027F-7875-4030-9381-8BD8C4F21935}" type="datetimeFigureOut">
               <a:rPr lang="en-US" smtClean="0"/>
-              <a:t>3/4/20</a:t>
+              <a:t>3/15/20</a:t>
             </a:fld>
             <a:endParaRPr lang="en-US" dirty="0"/>
           </a:p>
@@ -12980,7 +12995,7 @@
           <a:p>
             <a:fld id="{4509A250-FF31-4206-8172-F9D3106AACB1}" type="datetimeFigureOut">
               <a:rPr lang="en-US" smtClean="0"/>
-              <a:t>3/4/20</a:t>
+              <a:t>3/15/20</a:t>
             </a:fld>
             <a:endParaRPr lang="en-US" dirty="0"/>
           </a:p>
@@ -13075,7 +13090,7 @@
           <a:p>
             <a:fld id="{4509A250-FF31-4206-8172-F9D3106AACB1}" type="datetimeFigureOut">
               <a:rPr lang="en-US" smtClean="0"/>
-              <a:t>3/4/20</a:t>
+              <a:t>3/15/20</a:t>
             </a:fld>
             <a:endParaRPr lang="en-US" dirty="0"/>
           </a:p>
@@ -13352,7 +13367,7 @@
           <a:p>
             <a:fld id="{4509A250-FF31-4206-8172-F9D3106AACB1}" type="datetimeFigureOut">
               <a:rPr lang="en-US" smtClean="0"/>
-              <a:t>3/4/20</a:t>
+              <a:t>3/15/20</a:t>
             </a:fld>
             <a:endParaRPr lang="en-US" dirty="0"/>
           </a:p>
@@ -13609,7 +13624,7 @@
           <a:p>
             <a:fld id="{4509A250-FF31-4206-8172-F9D3106AACB1}" type="datetimeFigureOut">
               <a:rPr lang="en-US" smtClean="0"/>
-              <a:t>3/4/20</a:t>
+              <a:t>3/15/20</a:t>
             </a:fld>
             <a:endParaRPr lang="en-US" dirty="0"/>
           </a:p>
@@ -13822,7 +13837,7 @@
           <a:p>
             <a:fld id="{4AAD347D-5ACD-4C99-B74B-A9C85AD731AF}" type="datetimeFigureOut">
               <a:rPr lang="en-US" smtClean="0"/>
-              <a:t>3/4/20</a:t>
+              <a:t>3/15/20</a:t>
             </a:fld>
             <a:endParaRPr lang="en-US" dirty="0"/>
           </a:p>
@@ -23683,11 +23698,38 @@
               <a:buNone/>
             </a:pPr>
             <a:r>
-              <a:rPr lang="en-US" altLang="en-US" sz="2000" dirty="0">
+              <a:rPr lang="en-US" altLang="en-US" dirty="0">
                 <a:latin typeface="Gill Sans MT" panose="020B0502020104020203" pitchFamily="34" charset="77"/>
                 <a:ea typeface="ＭＳ Ｐゴシック" panose="020B0600070205080204" pitchFamily="34" charset="-128"/>
               </a:rPr>
-              <a:t>Downloading an email requires less bandwidth than watching a movie on Netflix. </a:t>
+              <a:t>Downloading an email requires less bandwidth than watching a </a:t>
+            </a:r>
+            <a:r>
+              <a:rPr lang="en-US" altLang="en-US">
+                <a:latin typeface="Gill Sans MT" panose="020B0502020104020203" pitchFamily="34" charset="77"/>
+                <a:ea typeface="ＭＳ Ｐゴシック" panose="020B0600070205080204" pitchFamily="34" charset="-128"/>
+              </a:rPr>
+              <a:t>movie on </a:t>
+            </a:r>
+          </a:p>
+          <a:p>
+            <a:pPr eaLnBrk="1" hangingPunct="1">
+              <a:buFontTx/>
+              <a:buNone/>
+            </a:pPr>
+            <a:r>
+              <a:rPr lang="en-US" altLang="en-US">
+                <a:latin typeface="Gill Sans MT" panose="020B0502020104020203" pitchFamily="34" charset="77"/>
+                <a:ea typeface="ＭＳ Ｐゴシック" panose="020B0600070205080204" pitchFamily="34" charset="-128"/>
+              </a:rPr>
+              <a:t>Netflix</a:t>
+            </a:r>
+            <a:r>
+              <a:rPr lang="en-US" altLang="en-US" dirty="0">
+                <a:latin typeface="Gill Sans MT" panose="020B0502020104020203" pitchFamily="34" charset="77"/>
+                <a:ea typeface="ＭＳ Ｐゴシック" panose="020B0600070205080204" pitchFamily="34" charset="-128"/>
+              </a:rPr>
+              <a:t>. </a:t>
             </a:r>
           </a:p>
           <a:p>
@@ -24895,12 +24937,16 @@
           <a:p>
             <a:pPr eaLnBrk="1" hangingPunct="1"/>
             <a:r>
-              <a:rPr lang="en-US" altLang="en-US" dirty="0">
+              <a:rPr lang="en-US" altLang="en-US">
                 <a:latin typeface="Tahoma" panose="020B0604030504040204" pitchFamily="34" charset="0"/>
                 <a:ea typeface="ＭＳ Ｐゴシック" panose="020B0600070205080204" pitchFamily="34" charset="-128"/>
               </a:rPr>
-              <a:t>Hubs and Switches</a:t>
-            </a:r>
+              <a:t>Switches</a:t>
+            </a:r>
+            <a:endParaRPr lang="en-US" altLang="en-US" dirty="0">
+              <a:latin typeface="Tahoma" panose="020B0604030504040204" pitchFamily="34" charset="0"/>
+              <a:ea typeface="ＭＳ Ｐゴシック" panose="020B0600070205080204" pitchFamily="34" charset="-128"/>
+            </a:endParaRPr>
           </a:p>
         </p:txBody>
       </p:sp>

--- a/courses/apcsp/lect18.pptx
+++ b/courses/apcsp/lect18.pptx
@@ -10,20 +10,20 @@
   <p:sldIdLst>
     <p:sldId id="256" r:id="rId2"/>
     <p:sldId id="527" r:id="rId3"/>
-    <p:sldId id="612" r:id="rId4"/>
-    <p:sldId id="611" r:id="rId5"/>
-    <p:sldId id="581" r:id="rId6"/>
-    <p:sldId id="580" r:id="rId7"/>
-    <p:sldId id="528" r:id="rId8"/>
-    <p:sldId id="566" r:id="rId9"/>
-    <p:sldId id="567" r:id="rId10"/>
-    <p:sldId id="568" r:id="rId11"/>
-    <p:sldId id="571" r:id="rId12"/>
-    <p:sldId id="578" r:id="rId13"/>
-    <p:sldId id="579" r:id="rId14"/>
-    <p:sldId id="573" r:id="rId15"/>
-    <p:sldId id="570" r:id="rId16"/>
-    <p:sldId id="576" r:id="rId17"/>
+    <p:sldId id="611" r:id="rId4"/>
+    <p:sldId id="581" r:id="rId5"/>
+    <p:sldId id="580" r:id="rId6"/>
+    <p:sldId id="528" r:id="rId7"/>
+    <p:sldId id="566" r:id="rId8"/>
+    <p:sldId id="567" r:id="rId9"/>
+    <p:sldId id="568" r:id="rId10"/>
+    <p:sldId id="571" r:id="rId11"/>
+    <p:sldId id="578" r:id="rId12"/>
+    <p:sldId id="579" r:id="rId13"/>
+    <p:sldId id="573" r:id="rId14"/>
+    <p:sldId id="570" r:id="rId15"/>
+    <p:sldId id="576" r:id="rId16"/>
+    <p:sldId id="612" r:id="rId17"/>
     <p:sldId id="583" r:id="rId18"/>
     <p:sldId id="575" r:id="rId19"/>
     <p:sldId id="588" r:id="rId20"/>
@@ -154,499 +154,13 @@
 <file path=ppt/revisionInfo.xml><?xml version="1.0" encoding="utf-8"?>
 <p1510:revInfo xmlns:a="http://schemas.openxmlformats.org/drawingml/2006/main" xmlns:r="http://schemas.openxmlformats.org/officeDocument/2006/relationships" xmlns:p1510="http://schemas.microsoft.com/office/powerpoint/2015/10/main">
   <p1510:revLst>
-    <p1510:client id="{34A2CF11-652E-6345-AC5C-A89FACA07C4E}" v="278" dt="2020-02-28T14:52:08.779"/>
+    <p1510:client id="{34A2CF11-652E-6345-AC5C-A89FACA07C4E}" v="416" dt="2021-03-23T13:51:09.572"/>
   </p1510:revLst>
 </p1510:revInfo>
 </file>
 
 <file path=ppt/changesInfos/changesInfo1.xml><?xml version="1.0" encoding="utf-8"?>
 <pc:chgInfo xmlns:a="http://schemas.openxmlformats.org/drawingml/2006/main" xmlns:r="http://schemas.openxmlformats.org/officeDocument/2006/relationships" xmlns:ac="http://schemas.microsoft.com/office/drawing/2013/main/command" xmlns:pc="http://schemas.microsoft.com/office/powerpoint/2013/main/command">
-  <pc:docChgLst>
-    <pc:chgData name="Long B Nguyen" userId="f59fb8f3-a021-417a-8bc1-65c8d471c621" providerId="ADAL" clId="{4BE6A6D3-80E1-E648-9A65-3053C53C3489}"/>
-    <pc:docChg chg="addSld delSld modSld">
-      <pc:chgData name="Long B Nguyen" userId="f59fb8f3-a021-417a-8bc1-65c8d471c621" providerId="ADAL" clId="{4BE6A6D3-80E1-E648-9A65-3053C53C3489}" dt="2020-01-13T13:50:20.439" v="74" actId="2696"/>
-      <pc:docMkLst>
-        <pc:docMk/>
-      </pc:docMkLst>
-      <pc:sldChg chg="modSp">
-        <pc:chgData name="Long B Nguyen" userId="f59fb8f3-a021-417a-8bc1-65c8d471c621" providerId="ADAL" clId="{4BE6A6D3-80E1-E648-9A65-3053C53C3489}" dt="2020-01-13T13:50:08.533" v="40" actId="20577"/>
-        <pc:sldMkLst>
-          <pc:docMk/>
-          <pc:sldMk cId="4247104139" sldId="256"/>
-        </pc:sldMkLst>
-        <pc:spChg chg="mod">
-          <ac:chgData name="Long B Nguyen" userId="f59fb8f3-a021-417a-8bc1-65c8d471c621" providerId="ADAL" clId="{4BE6A6D3-80E1-E648-9A65-3053C53C3489}" dt="2020-01-13T13:50:08.533" v="40" actId="20577"/>
-          <ac:spMkLst>
-            <pc:docMk/>
-            <pc:sldMk cId="4247104139" sldId="256"/>
-            <ac:spMk id="3" creationId="{1BDC47C8-6776-7B44-9CD4-95FC91452D62}"/>
-          </ac:spMkLst>
-        </pc:spChg>
-      </pc:sldChg>
-      <pc:sldChg chg="del">
-        <pc:chgData name="Long B Nguyen" userId="f59fb8f3-a021-417a-8bc1-65c8d471c621" providerId="ADAL" clId="{4BE6A6D3-80E1-E648-9A65-3053C53C3489}" dt="2020-01-13T13:50:20.439" v="74" actId="2696"/>
-        <pc:sldMkLst>
-          <pc:docMk/>
-          <pc:sldMk cId="1758448129" sldId="309"/>
-        </pc:sldMkLst>
-      </pc:sldChg>
-      <pc:sldChg chg="del">
-        <pc:chgData name="Long B Nguyen" userId="f59fb8f3-a021-417a-8bc1-65c8d471c621" providerId="ADAL" clId="{4BE6A6D3-80E1-E648-9A65-3053C53C3489}" dt="2020-01-13T13:50:12.196" v="42" actId="2696"/>
-        <pc:sldMkLst>
-          <pc:docMk/>
-          <pc:sldMk cId="3947558204" sldId="313"/>
-        </pc:sldMkLst>
-      </pc:sldChg>
-      <pc:sldChg chg="del">
-        <pc:chgData name="Long B Nguyen" userId="f59fb8f3-a021-417a-8bc1-65c8d471c621" providerId="ADAL" clId="{4BE6A6D3-80E1-E648-9A65-3053C53C3489}" dt="2020-01-13T13:50:19.961" v="43" actId="2696"/>
-        <pc:sldMkLst>
-          <pc:docMk/>
-          <pc:sldMk cId="2054265466" sldId="314"/>
-        </pc:sldMkLst>
-      </pc:sldChg>
-      <pc:sldChg chg="del">
-        <pc:chgData name="Long B Nguyen" userId="f59fb8f3-a021-417a-8bc1-65c8d471c621" providerId="ADAL" clId="{4BE6A6D3-80E1-E648-9A65-3053C53C3489}" dt="2020-01-13T13:50:19.999" v="45" actId="2696"/>
-        <pc:sldMkLst>
-          <pc:docMk/>
-          <pc:sldMk cId="917461937" sldId="315"/>
-        </pc:sldMkLst>
-      </pc:sldChg>
-      <pc:sldChg chg="del">
-        <pc:chgData name="Long B Nguyen" userId="f59fb8f3-a021-417a-8bc1-65c8d471c621" providerId="ADAL" clId="{4BE6A6D3-80E1-E648-9A65-3053C53C3489}" dt="2020-01-13T13:50:20.011" v="46" actId="2696"/>
-        <pc:sldMkLst>
-          <pc:docMk/>
-          <pc:sldMk cId="3266234076" sldId="316"/>
-        </pc:sldMkLst>
-      </pc:sldChg>
-      <pc:sldChg chg="del">
-        <pc:chgData name="Long B Nguyen" userId="f59fb8f3-a021-417a-8bc1-65c8d471c621" providerId="ADAL" clId="{4BE6A6D3-80E1-E648-9A65-3053C53C3489}" dt="2020-01-13T13:50:19.977" v="44" actId="2696"/>
-        <pc:sldMkLst>
-          <pc:docMk/>
-          <pc:sldMk cId="2886319738" sldId="317"/>
-        </pc:sldMkLst>
-      </pc:sldChg>
-      <pc:sldChg chg="del">
-        <pc:chgData name="Long B Nguyen" userId="f59fb8f3-a021-417a-8bc1-65c8d471c621" providerId="ADAL" clId="{4BE6A6D3-80E1-E648-9A65-3053C53C3489}" dt="2020-01-13T13:50:20.047" v="48" actId="2696"/>
-        <pc:sldMkLst>
-          <pc:docMk/>
-          <pc:sldMk cId="3906700287" sldId="319"/>
-        </pc:sldMkLst>
-      </pc:sldChg>
-      <pc:sldChg chg="del">
-        <pc:chgData name="Long B Nguyen" userId="f59fb8f3-a021-417a-8bc1-65c8d471c621" providerId="ADAL" clId="{4BE6A6D3-80E1-E648-9A65-3053C53C3489}" dt="2020-01-13T13:50:20.082" v="50" actId="2696"/>
-        <pc:sldMkLst>
-          <pc:docMk/>
-          <pc:sldMk cId="1810541734" sldId="320"/>
-        </pc:sldMkLst>
-      </pc:sldChg>
-      <pc:sldChg chg="del">
-        <pc:chgData name="Long B Nguyen" userId="f59fb8f3-a021-417a-8bc1-65c8d471c621" providerId="ADAL" clId="{4BE6A6D3-80E1-E648-9A65-3053C53C3489}" dt="2020-01-13T13:50:20.093" v="51" actId="2696"/>
-        <pc:sldMkLst>
-          <pc:docMk/>
-          <pc:sldMk cId="1359731776" sldId="321"/>
-        </pc:sldMkLst>
-      </pc:sldChg>
-      <pc:sldChg chg="del">
-        <pc:chgData name="Long B Nguyen" userId="f59fb8f3-a021-417a-8bc1-65c8d471c621" providerId="ADAL" clId="{4BE6A6D3-80E1-E648-9A65-3053C53C3489}" dt="2020-01-13T13:50:20.107" v="52" actId="2696"/>
-        <pc:sldMkLst>
-          <pc:docMk/>
-          <pc:sldMk cId="3651577480" sldId="322"/>
-        </pc:sldMkLst>
-      </pc:sldChg>
-      <pc:sldChg chg="del">
-        <pc:chgData name="Long B Nguyen" userId="f59fb8f3-a021-417a-8bc1-65c8d471c621" providerId="ADAL" clId="{4BE6A6D3-80E1-E648-9A65-3053C53C3489}" dt="2020-01-13T13:50:20.069" v="49" actId="2696"/>
-        <pc:sldMkLst>
-          <pc:docMk/>
-          <pc:sldMk cId="1496564367" sldId="323"/>
-        </pc:sldMkLst>
-      </pc:sldChg>
-      <pc:sldChg chg="del">
-        <pc:chgData name="Long B Nguyen" userId="f59fb8f3-a021-417a-8bc1-65c8d471c621" providerId="ADAL" clId="{4BE6A6D3-80E1-E648-9A65-3053C53C3489}" dt="2020-01-13T13:50:20.420" v="73" actId="2696"/>
-        <pc:sldMkLst>
-          <pc:docMk/>
-          <pc:sldMk cId="771866096" sldId="324"/>
-        </pc:sldMkLst>
-      </pc:sldChg>
-      <pc:sldChg chg="del">
-        <pc:chgData name="Long B Nguyen" userId="f59fb8f3-a021-417a-8bc1-65c8d471c621" providerId="ADAL" clId="{4BE6A6D3-80E1-E648-9A65-3053C53C3489}" dt="2020-01-13T13:50:20.162" v="56" actId="2696"/>
-        <pc:sldMkLst>
-          <pc:docMk/>
-          <pc:sldMk cId="1025355635" sldId="325"/>
-        </pc:sldMkLst>
-      </pc:sldChg>
-      <pc:sldChg chg="del">
-        <pc:chgData name="Long B Nguyen" userId="f59fb8f3-a021-417a-8bc1-65c8d471c621" providerId="ADAL" clId="{4BE6A6D3-80E1-E648-9A65-3053C53C3489}" dt="2020-01-13T13:50:20.149" v="55" actId="2696"/>
-        <pc:sldMkLst>
-          <pc:docMk/>
-          <pc:sldMk cId="4174920299" sldId="327"/>
-        </pc:sldMkLst>
-      </pc:sldChg>
-      <pc:sldChg chg="del">
-        <pc:chgData name="Long B Nguyen" userId="f59fb8f3-a021-417a-8bc1-65c8d471c621" providerId="ADAL" clId="{4BE6A6D3-80E1-E648-9A65-3053C53C3489}" dt="2020-01-13T13:50:20.176" v="57" actId="2696"/>
-        <pc:sldMkLst>
-          <pc:docMk/>
-          <pc:sldMk cId="2756462650" sldId="328"/>
-        </pc:sldMkLst>
-      </pc:sldChg>
-      <pc:sldChg chg="del">
-        <pc:chgData name="Long B Nguyen" userId="f59fb8f3-a021-417a-8bc1-65c8d471c621" providerId="ADAL" clId="{4BE6A6D3-80E1-E648-9A65-3053C53C3489}" dt="2020-01-13T13:50:20.191" v="58" actId="2696"/>
-        <pc:sldMkLst>
-          <pc:docMk/>
-          <pc:sldMk cId="3080714931" sldId="329"/>
-        </pc:sldMkLst>
-      </pc:sldChg>
-      <pc:sldChg chg="del">
-        <pc:chgData name="Long B Nguyen" userId="f59fb8f3-a021-417a-8bc1-65c8d471c621" providerId="ADAL" clId="{4BE6A6D3-80E1-E648-9A65-3053C53C3489}" dt="2020-01-13T13:50:20.204" v="59" actId="2696"/>
-        <pc:sldMkLst>
-          <pc:docMk/>
-          <pc:sldMk cId="532184546" sldId="330"/>
-        </pc:sldMkLst>
-      </pc:sldChg>
-      <pc:sldChg chg="del">
-        <pc:chgData name="Long B Nguyen" userId="f59fb8f3-a021-417a-8bc1-65c8d471c621" providerId="ADAL" clId="{4BE6A6D3-80E1-E648-9A65-3053C53C3489}" dt="2020-01-13T13:50:20.219" v="60" actId="2696"/>
-        <pc:sldMkLst>
-          <pc:docMk/>
-          <pc:sldMk cId="3264629021" sldId="331"/>
-        </pc:sldMkLst>
-      </pc:sldChg>
-      <pc:sldChg chg="del">
-        <pc:chgData name="Long B Nguyen" userId="f59fb8f3-a021-417a-8bc1-65c8d471c621" providerId="ADAL" clId="{4BE6A6D3-80E1-E648-9A65-3053C53C3489}" dt="2020-01-13T13:50:20.261" v="63" actId="2696"/>
-        <pc:sldMkLst>
-          <pc:docMk/>
-          <pc:sldMk cId="4022722016" sldId="332"/>
-        </pc:sldMkLst>
-      </pc:sldChg>
-      <pc:sldChg chg="del">
-        <pc:chgData name="Long B Nguyen" userId="f59fb8f3-a021-417a-8bc1-65c8d471c621" providerId="ADAL" clId="{4BE6A6D3-80E1-E648-9A65-3053C53C3489}" dt="2020-01-13T13:50:20.283" v="64" actId="2696"/>
-        <pc:sldMkLst>
-          <pc:docMk/>
-          <pc:sldMk cId="1710208723" sldId="333"/>
-        </pc:sldMkLst>
-      </pc:sldChg>
-      <pc:sldChg chg="del">
-        <pc:chgData name="Long B Nguyen" userId="f59fb8f3-a021-417a-8bc1-65c8d471c621" providerId="ADAL" clId="{4BE6A6D3-80E1-E648-9A65-3053C53C3489}" dt="2020-01-13T13:50:20.251" v="62" actId="2696"/>
-        <pc:sldMkLst>
-          <pc:docMk/>
-          <pc:sldMk cId="3404583044" sldId="334"/>
-        </pc:sldMkLst>
-      </pc:sldChg>
-      <pc:sldChg chg="del">
-        <pc:chgData name="Long B Nguyen" userId="f59fb8f3-a021-417a-8bc1-65c8d471c621" providerId="ADAL" clId="{4BE6A6D3-80E1-E648-9A65-3053C53C3489}" dt="2020-01-13T13:50:20.304" v="65" actId="2696"/>
-        <pc:sldMkLst>
-          <pc:docMk/>
-          <pc:sldMk cId="3866550465" sldId="335"/>
-        </pc:sldMkLst>
-      </pc:sldChg>
-      <pc:sldChg chg="del">
-        <pc:chgData name="Long B Nguyen" userId="f59fb8f3-a021-417a-8bc1-65c8d471c621" providerId="ADAL" clId="{4BE6A6D3-80E1-E648-9A65-3053C53C3489}" dt="2020-01-13T13:50:20.324" v="66" actId="2696"/>
-        <pc:sldMkLst>
-          <pc:docMk/>
-          <pc:sldMk cId="3749436800" sldId="336"/>
-        </pc:sldMkLst>
-      </pc:sldChg>
-      <pc:sldChg chg="del">
-        <pc:chgData name="Long B Nguyen" userId="f59fb8f3-a021-417a-8bc1-65c8d471c621" providerId="ADAL" clId="{4BE6A6D3-80E1-E648-9A65-3053C53C3489}" dt="2020-01-13T13:50:20.336" v="67" actId="2696"/>
-        <pc:sldMkLst>
-          <pc:docMk/>
-          <pc:sldMk cId="461704868" sldId="337"/>
-        </pc:sldMkLst>
-      </pc:sldChg>
-      <pc:sldChg chg="del">
-        <pc:chgData name="Long B Nguyen" userId="f59fb8f3-a021-417a-8bc1-65c8d471c621" providerId="ADAL" clId="{4BE6A6D3-80E1-E648-9A65-3053C53C3489}" dt="2020-01-13T13:50:20.351" v="68" actId="2696"/>
-        <pc:sldMkLst>
-          <pc:docMk/>
-          <pc:sldMk cId="545386500" sldId="338"/>
-        </pc:sldMkLst>
-      </pc:sldChg>
-      <pc:sldChg chg="del">
-        <pc:chgData name="Long B Nguyen" userId="f59fb8f3-a021-417a-8bc1-65c8d471c621" providerId="ADAL" clId="{4BE6A6D3-80E1-E648-9A65-3053C53C3489}" dt="2020-01-13T13:50:20.380" v="70" actId="2696"/>
-        <pc:sldMkLst>
-          <pc:docMk/>
-          <pc:sldMk cId="1791361008" sldId="339"/>
-        </pc:sldMkLst>
-      </pc:sldChg>
-      <pc:sldChg chg="del">
-        <pc:chgData name="Long B Nguyen" userId="f59fb8f3-a021-417a-8bc1-65c8d471c621" providerId="ADAL" clId="{4BE6A6D3-80E1-E648-9A65-3053C53C3489}" dt="2020-01-13T13:50:20.367" v="69" actId="2696"/>
-        <pc:sldMkLst>
-          <pc:docMk/>
-          <pc:sldMk cId="678299524" sldId="340"/>
-        </pc:sldMkLst>
-      </pc:sldChg>
-      <pc:sldChg chg="del">
-        <pc:chgData name="Long B Nguyen" userId="f59fb8f3-a021-417a-8bc1-65c8d471c621" providerId="ADAL" clId="{4BE6A6D3-80E1-E648-9A65-3053C53C3489}" dt="2020-01-13T13:50:20.393" v="71" actId="2696"/>
-        <pc:sldMkLst>
-          <pc:docMk/>
-          <pc:sldMk cId="225127645" sldId="341"/>
-        </pc:sldMkLst>
-      </pc:sldChg>
-      <pc:sldChg chg="del">
-        <pc:chgData name="Long B Nguyen" userId="f59fb8f3-a021-417a-8bc1-65c8d471c621" providerId="ADAL" clId="{4BE6A6D3-80E1-E648-9A65-3053C53C3489}" dt="2020-01-13T13:50:20.133" v="54" actId="2696"/>
-        <pc:sldMkLst>
-          <pc:docMk/>
-          <pc:sldMk cId="2214326257" sldId="342"/>
-        </pc:sldMkLst>
-      </pc:sldChg>
-      <pc:sldChg chg="del">
-        <pc:chgData name="Long B Nguyen" userId="f59fb8f3-a021-417a-8bc1-65c8d471c621" providerId="ADAL" clId="{4BE6A6D3-80E1-E648-9A65-3053C53C3489}" dt="2020-01-13T13:50:20.121" v="53" actId="2696"/>
-        <pc:sldMkLst>
-          <pc:docMk/>
-          <pc:sldMk cId="1356056044" sldId="343"/>
-        </pc:sldMkLst>
-      </pc:sldChg>
-      <pc:sldChg chg="del">
-        <pc:chgData name="Long B Nguyen" userId="f59fb8f3-a021-417a-8bc1-65c8d471c621" providerId="ADAL" clId="{4BE6A6D3-80E1-E648-9A65-3053C53C3489}" dt="2020-01-13T13:50:20.028" v="47" actId="2696"/>
-        <pc:sldMkLst>
-          <pc:docMk/>
-          <pc:sldMk cId="902308803" sldId="345"/>
-        </pc:sldMkLst>
-      </pc:sldChg>
-      <pc:sldChg chg="del">
-        <pc:chgData name="Long B Nguyen" userId="f59fb8f3-a021-417a-8bc1-65c8d471c621" providerId="ADAL" clId="{4BE6A6D3-80E1-E648-9A65-3053C53C3489}" dt="2020-01-13T13:50:20.235" v="61" actId="2696"/>
-        <pc:sldMkLst>
-          <pc:docMk/>
-          <pc:sldMk cId="2271372051" sldId="346"/>
-        </pc:sldMkLst>
-      </pc:sldChg>
-      <pc:sldChg chg="del">
-        <pc:chgData name="Long B Nguyen" userId="f59fb8f3-a021-417a-8bc1-65c8d471c621" providerId="ADAL" clId="{4BE6A6D3-80E1-E648-9A65-3053C53C3489}" dt="2020-01-13T13:50:20.403" v="72" actId="2696"/>
-        <pc:sldMkLst>
-          <pc:docMk/>
-          <pc:sldMk cId="198078322" sldId="347"/>
-        </pc:sldMkLst>
-      </pc:sldChg>
-      <pc:sldChg chg="add">
-        <pc:chgData name="Long B Nguyen" userId="f59fb8f3-a021-417a-8bc1-65c8d471c621" providerId="ADAL" clId="{4BE6A6D3-80E1-E648-9A65-3053C53C3489}" dt="2020-01-13T13:50:10.483" v="41"/>
-        <pc:sldMkLst>
-          <pc:docMk/>
-          <pc:sldMk cId="2218591065" sldId="348"/>
-        </pc:sldMkLst>
-      </pc:sldChg>
-      <pc:sldChg chg="add">
-        <pc:chgData name="Long B Nguyen" userId="f59fb8f3-a021-417a-8bc1-65c8d471c621" providerId="ADAL" clId="{4BE6A6D3-80E1-E648-9A65-3053C53C3489}" dt="2020-01-13T13:50:10.483" v="41"/>
-        <pc:sldMkLst>
-          <pc:docMk/>
-          <pc:sldMk cId="2191981710" sldId="349"/>
-        </pc:sldMkLst>
-      </pc:sldChg>
-    </pc:docChg>
-  </pc:docChgLst>
-  <pc:docChgLst>
-    <pc:chgData name="Long B Nguyen" userId="f59fb8f3-a021-417a-8bc1-65c8d471c621" providerId="ADAL" clId="{CC9C9D9A-5149-2947-86C0-576F501F60DC}"/>
-    <pc:docChg chg="addSld modSld">
-      <pc:chgData name="Long B Nguyen" userId="f59fb8f3-a021-417a-8bc1-65c8d471c621" providerId="ADAL" clId="{CC9C9D9A-5149-2947-86C0-576F501F60DC}" dt="2020-01-05T21:59:55.597" v="2392" actId="14100"/>
-      <pc:docMkLst>
-        <pc:docMk/>
-      </pc:docMkLst>
-      <pc:sldChg chg="modSp add modAnim">
-        <pc:chgData name="Long B Nguyen" userId="f59fb8f3-a021-417a-8bc1-65c8d471c621" providerId="ADAL" clId="{CC9C9D9A-5149-2947-86C0-576F501F60DC}" dt="2020-01-04T15:49:37.373" v="563" actId="20577"/>
-        <pc:sldMkLst>
-          <pc:docMk/>
-          <pc:sldMk cId="924617162" sldId="319"/>
-        </pc:sldMkLst>
-        <pc:spChg chg="mod">
-          <ac:chgData name="Long B Nguyen" userId="f59fb8f3-a021-417a-8bc1-65c8d471c621" providerId="ADAL" clId="{CC9C9D9A-5149-2947-86C0-576F501F60DC}" dt="2020-01-04T15:45:14.876" v="4" actId="20577"/>
-          <ac:spMkLst>
-            <pc:docMk/>
-            <pc:sldMk cId="924617162" sldId="319"/>
-            <ac:spMk id="2" creationId="{AA3A228F-61D0-D949-A5E7-F83756230BF8}"/>
-          </ac:spMkLst>
-        </pc:spChg>
-        <pc:spChg chg="mod">
-          <ac:chgData name="Long B Nguyen" userId="f59fb8f3-a021-417a-8bc1-65c8d471c621" providerId="ADAL" clId="{CC9C9D9A-5149-2947-86C0-576F501F60DC}" dt="2020-01-04T15:49:37.373" v="563" actId="20577"/>
-          <ac:spMkLst>
-            <pc:docMk/>
-            <pc:sldMk cId="924617162" sldId="319"/>
-            <ac:spMk id="9" creationId="{E3B2E017-30B2-884B-A113-B419A2ED51AD}"/>
-          </ac:spMkLst>
-        </pc:spChg>
-      </pc:sldChg>
-      <pc:sldChg chg="modSp add">
-        <pc:chgData name="Long B Nguyen" userId="f59fb8f3-a021-417a-8bc1-65c8d471c621" providerId="ADAL" clId="{CC9C9D9A-5149-2947-86C0-576F501F60DC}" dt="2020-01-04T15:57:55.835" v="789" actId="14100"/>
-        <pc:sldMkLst>
-          <pc:docMk/>
-          <pc:sldMk cId="3758830494" sldId="320"/>
-        </pc:sldMkLst>
-        <pc:spChg chg="mod">
-          <ac:chgData name="Long B Nguyen" userId="f59fb8f3-a021-417a-8bc1-65c8d471c621" providerId="ADAL" clId="{CC9C9D9A-5149-2947-86C0-576F501F60DC}" dt="2020-01-04T15:57:52.065" v="788" actId="1076"/>
-          <ac:spMkLst>
-            <pc:docMk/>
-            <pc:sldMk cId="3758830494" sldId="320"/>
-            <ac:spMk id="2" creationId="{AA3A228F-61D0-D949-A5E7-F83756230BF8}"/>
-          </ac:spMkLst>
-        </pc:spChg>
-        <pc:spChg chg="mod">
-          <ac:chgData name="Long B Nguyen" userId="f59fb8f3-a021-417a-8bc1-65c8d471c621" providerId="ADAL" clId="{CC9C9D9A-5149-2947-86C0-576F501F60DC}" dt="2020-01-04T15:57:55.835" v="789" actId="14100"/>
-          <ac:spMkLst>
-            <pc:docMk/>
-            <pc:sldMk cId="3758830494" sldId="320"/>
-            <ac:spMk id="9" creationId="{E3B2E017-30B2-884B-A113-B419A2ED51AD}"/>
-          </ac:spMkLst>
-        </pc:spChg>
-      </pc:sldChg>
-      <pc:sldChg chg="modSp add">
-        <pc:chgData name="Long B Nguyen" userId="f59fb8f3-a021-417a-8bc1-65c8d471c621" providerId="ADAL" clId="{CC9C9D9A-5149-2947-86C0-576F501F60DC}" dt="2020-01-05T21:51:37.442" v="2325" actId="20577"/>
-        <pc:sldMkLst>
-          <pc:docMk/>
-          <pc:sldMk cId="1022945305" sldId="321"/>
-        </pc:sldMkLst>
-        <pc:spChg chg="mod">
-          <ac:chgData name="Long B Nguyen" userId="f59fb8f3-a021-417a-8bc1-65c8d471c621" providerId="ADAL" clId="{CC9C9D9A-5149-2947-86C0-576F501F60DC}" dt="2020-01-05T21:51:37.442" v="2325" actId="20577"/>
-          <ac:spMkLst>
-            <pc:docMk/>
-            <pc:sldMk cId="1022945305" sldId="321"/>
-            <ac:spMk id="2" creationId="{AA3A228F-61D0-D949-A5E7-F83756230BF8}"/>
-          </ac:spMkLst>
-        </pc:spChg>
-        <pc:spChg chg="mod">
-          <ac:chgData name="Long B Nguyen" userId="f59fb8f3-a021-417a-8bc1-65c8d471c621" providerId="ADAL" clId="{CC9C9D9A-5149-2947-86C0-576F501F60DC}" dt="2020-01-05T21:33:21.485" v="2304" actId="20577"/>
-          <ac:spMkLst>
-            <pc:docMk/>
-            <pc:sldMk cId="1022945305" sldId="321"/>
-            <ac:spMk id="9" creationId="{E3B2E017-30B2-884B-A113-B419A2ED51AD}"/>
-          </ac:spMkLst>
-        </pc:spChg>
-      </pc:sldChg>
-      <pc:sldChg chg="modSp add">
-        <pc:chgData name="Long B Nguyen" userId="f59fb8f3-a021-417a-8bc1-65c8d471c621" providerId="ADAL" clId="{CC9C9D9A-5149-2947-86C0-576F501F60DC}" dt="2020-01-04T17:41:57.489" v="1203" actId="20577"/>
-        <pc:sldMkLst>
-          <pc:docMk/>
-          <pc:sldMk cId="3456840474" sldId="322"/>
-        </pc:sldMkLst>
-        <pc:spChg chg="mod">
-          <ac:chgData name="Long B Nguyen" userId="f59fb8f3-a021-417a-8bc1-65c8d471c621" providerId="ADAL" clId="{CC9C9D9A-5149-2947-86C0-576F501F60DC}" dt="2020-01-04T17:41:57.489" v="1203" actId="20577"/>
-          <ac:spMkLst>
-            <pc:docMk/>
-            <pc:sldMk cId="3456840474" sldId="322"/>
-            <ac:spMk id="9" creationId="{E3B2E017-30B2-884B-A113-B419A2ED51AD}"/>
-          </ac:spMkLst>
-        </pc:spChg>
-      </pc:sldChg>
-      <pc:sldChg chg="modSp add">
-        <pc:chgData name="Long B Nguyen" userId="f59fb8f3-a021-417a-8bc1-65c8d471c621" providerId="ADAL" clId="{CC9C9D9A-5149-2947-86C0-576F501F60DC}" dt="2020-01-04T18:38:26.241" v="1214" actId="113"/>
-        <pc:sldMkLst>
-          <pc:docMk/>
-          <pc:sldMk cId="1062075874" sldId="323"/>
-        </pc:sldMkLst>
-        <pc:spChg chg="mod">
-          <ac:chgData name="Long B Nguyen" userId="f59fb8f3-a021-417a-8bc1-65c8d471c621" providerId="ADAL" clId="{CC9C9D9A-5149-2947-86C0-576F501F60DC}" dt="2020-01-04T18:38:26.241" v="1214" actId="113"/>
-          <ac:spMkLst>
-            <pc:docMk/>
-            <pc:sldMk cId="1062075874" sldId="323"/>
-            <ac:spMk id="9" creationId="{E3B2E017-30B2-884B-A113-B419A2ED51AD}"/>
-          </ac:spMkLst>
-        </pc:spChg>
-      </pc:sldChg>
-      <pc:sldChg chg="modSp add">
-        <pc:chgData name="Long B Nguyen" userId="f59fb8f3-a021-417a-8bc1-65c8d471c621" providerId="ADAL" clId="{CC9C9D9A-5149-2947-86C0-576F501F60DC}" dt="2020-01-04T20:58:36.932" v="1972" actId="20577"/>
-        <pc:sldMkLst>
-          <pc:docMk/>
-          <pc:sldMk cId="1310010799" sldId="324"/>
-        </pc:sldMkLst>
-        <pc:spChg chg="mod">
-          <ac:chgData name="Long B Nguyen" userId="f59fb8f3-a021-417a-8bc1-65c8d471c621" providerId="ADAL" clId="{CC9C9D9A-5149-2947-86C0-576F501F60DC}" dt="2020-01-04T20:55:25.731" v="1962" actId="1076"/>
-          <ac:spMkLst>
-            <pc:docMk/>
-            <pc:sldMk cId="1310010799" sldId="324"/>
-            <ac:spMk id="2" creationId="{AA3A228F-61D0-D949-A5E7-F83756230BF8}"/>
-          </ac:spMkLst>
-        </pc:spChg>
-        <pc:spChg chg="mod">
-          <ac:chgData name="Long B Nguyen" userId="f59fb8f3-a021-417a-8bc1-65c8d471c621" providerId="ADAL" clId="{CC9C9D9A-5149-2947-86C0-576F501F60DC}" dt="2020-01-04T20:58:36.932" v="1972" actId="20577"/>
-          <ac:spMkLst>
-            <pc:docMk/>
-            <pc:sldMk cId="1310010799" sldId="324"/>
-            <ac:spMk id="9" creationId="{E3B2E017-30B2-884B-A113-B419A2ED51AD}"/>
-          </ac:spMkLst>
-        </pc:spChg>
-      </pc:sldChg>
-      <pc:sldChg chg="modSp add">
-        <pc:chgData name="Long B Nguyen" userId="f59fb8f3-a021-417a-8bc1-65c8d471c621" providerId="ADAL" clId="{CC9C9D9A-5149-2947-86C0-576F501F60DC}" dt="2020-01-05T21:27:04.952" v="2119" actId="20577"/>
-        <pc:sldMkLst>
-          <pc:docMk/>
-          <pc:sldMk cId="3314372952" sldId="325"/>
-        </pc:sldMkLst>
-        <pc:spChg chg="mod">
-          <ac:chgData name="Long B Nguyen" userId="f59fb8f3-a021-417a-8bc1-65c8d471c621" providerId="ADAL" clId="{CC9C9D9A-5149-2947-86C0-576F501F60DC}" dt="2020-01-05T21:26:41.210" v="2114" actId="20577"/>
-          <ac:spMkLst>
-            <pc:docMk/>
-            <pc:sldMk cId="3314372952" sldId="325"/>
-            <ac:spMk id="2" creationId="{AA3A228F-61D0-D949-A5E7-F83756230BF8}"/>
-          </ac:spMkLst>
-        </pc:spChg>
-        <pc:spChg chg="mod">
-          <ac:chgData name="Long B Nguyen" userId="f59fb8f3-a021-417a-8bc1-65c8d471c621" providerId="ADAL" clId="{CC9C9D9A-5149-2947-86C0-576F501F60DC}" dt="2020-01-05T21:27:04.952" v="2119" actId="20577"/>
-          <ac:spMkLst>
-            <pc:docMk/>
-            <pc:sldMk cId="3314372952" sldId="325"/>
-            <ac:spMk id="9" creationId="{E3B2E017-30B2-884B-A113-B419A2ED51AD}"/>
-          </ac:spMkLst>
-        </pc:spChg>
-      </pc:sldChg>
-      <pc:sldChg chg="modSp add">
-        <pc:chgData name="Long B Nguyen" userId="f59fb8f3-a021-417a-8bc1-65c8d471c621" providerId="ADAL" clId="{CC9C9D9A-5149-2947-86C0-576F501F60DC}" dt="2020-01-05T21:29:58.563" v="2178" actId="20577"/>
-        <pc:sldMkLst>
-          <pc:docMk/>
-          <pc:sldMk cId="3117943122" sldId="326"/>
-        </pc:sldMkLst>
-        <pc:spChg chg="mod">
-          <ac:chgData name="Long B Nguyen" userId="f59fb8f3-a021-417a-8bc1-65c8d471c621" providerId="ADAL" clId="{CC9C9D9A-5149-2947-86C0-576F501F60DC}" dt="2020-01-05T21:29:58.563" v="2178" actId="20577"/>
-          <ac:spMkLst>
-            <pc:docMk/>
-            <pc:sldMk cId="3117943122" sldId="326"/>
-            <ac:spMk id="9" creationId="{E3B2E017-30B2-884B-A113-B419A2ED51AD}"/>
-          </ac:spMkLst>
-        </pc:spChg>
-      </pc:sldChg>
-      <pc:sldChg chg="modSp add">
-        <pc:chgData name="Long B Nguyen" userId="f59fb8f3-a021-417a-8bc1-65c8d471c621" providerId="ADAL" clId="{CC9C9D9A-5149-2947-86C0-576F501F60DC}" dt="2020-01-05T21:59:55.597" v="2392" actId="14100"/>
-        <pc:sldMkLst>
-          <pc:docMk/>
-          <pc:sldMk cId="1025618360" sldId="327"/>
-        </pc:sldMkLst>
-        <pc:spChg chg="mod">
-          <ac:chgData name="Long B Nguyen" userId="f59fb8f3-a021-417a-8bc1-65c8d471c621" providerId="ADAL" clId="{CC9C9D9A-5149-2947-86C0-576F501F60DC}" dt="2020-01-05T21:59:55.597" v="2392" actId="14100"/>
-          <ac:spMkLst>
-            <pc:docMk/>
-            <pc:sldMk cId="1025618360" sldId="327"/>
-            <ac:spMk id="9" creationId="{E3B2E017-30B2-884B-A113-B419A2ED51AD}"/>
-          </ac:spMkLst>
-        </pc:spChg>
-      </pc:sldChg>
-      <pc:sldChg chg="modSp add">
-        <pc:chgData name="Long B Nguyen" userId="f59fb8f3-a021-417a-8bc1-65c8d471c621" providerId="ADAL" clId="{CC9C9D9A-5149-2947-86C0-576F501F60DC}" dt="2020-01-05T21:54:47.081" v="2356" actId="2711"/>
-        <pc:sldMkLst>
-          <pc:docMk/>
-          <pc:sldMk cId="3894299887" sldId="328"/>
-        </pc:sldMkLst>
-        <pc:spChg chg="mod">
-          <ac:chgData name="Long B Nguyen" userId="f59fb8f3-a021-417a-8bc1-65c8d471c621" providerId="ADAL" clId="{CC9C9D9A-5149-2947-86C0-576F501F60DC}" dt="2020-01-05T21:51:41.306" v="2327" actId="20577"/>
-          <ac:spMkLst>
-            <pc:docMk/>
-            <pc:sldMk cId="3894299887" sldId="328"/>
-            <ac:spMk id="2" creationId="{AA3A228F-61D0-D949-A5E7-F83756230BF8}"/>
-          </ac:spMkLst>
-        </pc:spChg>
-        <pc:spChg chg="mod">
-          <ac:chgData name="Long B Nguyen" userId="f59fb8f3-a021-417a-8bc1-65c8d471c621" providerId="ADAL" clId="{CC9C9D9A-5149-2947-86C0-576F501F60DC}" dt="2020-01-05T21:54:47.081" v="2356" actId="2711"/>
-          <ac:spMkLst>
-            <pc:docMk/>
-            <pc:sldMk cId="3894299887" sldId="328"/>
-            <ac:spMk id="9" creationId="{E3B2E017-30B2-884B-A113-B419A2ED51AD}"/>
-          </ac:spMkLst>
-        </pc:spChg>
-      </pc:sldChg>
-      <pc:sldChg chg="add">
-        <pc:chgData name="Long B Nguyen" userId="f59fb8f3-a021-417a-8bc1-65c8d471c621" providerId="ADAL" clId="{CC9C9D9A-5149-2947-86C0-576F501F60DC}" dt="2020-01-05T21:57:38.736" v="2357"/>
-        <pc:sldMkLst>
-          <pc:docMk/>
-          <pc:sldMk cId="4294143140" sldId="329"/>
-        </pc:sldMkLst>
-      </pc:sldChg>
-    </pc:docChg>
-  </pc:docChgLst>
-  <pc:docChgLst>
-    <pc:chgData name="Long B Nguyen" userId="f59fb8f3-a021-417a-8bc1-65c8d471c621" providerId="ADAL" clId="{359527BD-9D28-FA41-9B76-D4C412CACD55}"/>
-  </pc:docChgLst>
   <pc:docChgLst>
     <pc:chgData name="Long B Nguyen" userId="f59fb8f3-a021-417a-8bc1-65c8d471c621" providerId="ADAL" clId="{A54A5039-9BC6-1548-AC61-7314DB675A9D}"/>
     <pc:docChg chg="undo custSel addSld delSld modSld">
@@ -1144,6 +658,1428 @@
     </pc:docChg>
   </pc:docChgLst>
   <pc:docChgLst>
+    <pc:chgData name="Long B Nguyen" userId="f59fb8f3-a021-417a-8bc1-65c8d471c621" providerId="ADAL" clId="{34A2CF11-652E-6345-AC5C-A89FACA07C4E}"/>
+    <pc:docChg chg="undo custSel addSld delSld modSld">
+      <pc:chgData name="Long B Nguyen" userId="f59fb8f3-a021-417a-8bc1-65c8d471c621" providerId="ADAL" clId="{34A2CF11-652E-6345-AC5C-A89FACA07C4E}" dt="2021-03-23T13:51:09.571" v="1741"/>
+      <pc:docMkLst>
+        <pc:docMk/>
+      </pc:docMkLst>
+      <pc:sldChg chg="addSp modSp">
+        <pc:chgData name="Long B Nguyen" userId="f59fb8f3-a021-417a-8bc1-65c8d471c621" providerId="ADAL" clId="{34A2CF11-652E-6345-AC5C-A89FACA07C4E}" dt="2021-03-23T13:51:09.571" v="1741"/>
+        <pc:sldMkLst>
+          <pc:docMk/>
+          <pc:sldMk cId="4247104139" sldId="256"/>
+        </pc:sldMkLst>
+        <pc:spChg chg="add mod">
+          <ac:chgData name="Long B Nguyen" userId="f59fb8f3-a021-417a-8bc1-65c8d471c621" providerId="ADAL" clId="{34A2CF11-652E-6345-AC5C-A89FACA07C4E}" dt="2021-03-23T13:51:09.571" v="1741"/>
+          <ac:spMkLst>
+            <pc:docMk/>
+            <pc:sldMk cId="4247104139" sldId="256"/>
+            <ac:spMk id="5" creationId="{7D2F0CEE-29B6-D646-9B70-5696F11A4D71}"/>
+          </ac:spMkLst>
+        </pc:spChg>
+      </pc:sldChg>
+      <pc:sldChg chg="del">
+        <pc:chgData name="Long B Nguyen" userId="f59fb8f3-a021-417a-8bc1-65c8d471c621" providerId="ADAL" clId="{34A2CF11-652E-6345-AC5C-A89FACA07C4E}" dt="2020-02-25T16:20:06.450" v="1360" actId="2696"/>
+        <pc:sldMkLst>
+          <pc:docMk/>
+          <pc:sldMk cId="623736032" sldId="485"/>
+        </pc:sldMkLst>
+      </pc:sldChg>
+      <pc:sldChg chg="addSp modSp mod modAnim">
+        <pc:chgData name="Long B Nguyen" userId="f59fb8f3-a021-417a-8bc1-65c8d471c621" providerId="ADAL" clId="{34A2CF11-652E-6345-AC5C-A89FACA07C4E}" dt="2021-03-23T13:51:09.571" v="1741"/>
+        <pc:sldMkLst>
+          <pc:docMk/>
+          <pc:sldMk cId="3813527744" sldId="527"/>
+        </pc:sldMkLst>
+        <pc:spChg chg="add mod">
+          <ac:chgData name="Long B Nguyen" userId="f59fb8f3-a021-417a-8bc1-65c8d471c621" providerId="ADAL" clId="{34A2CF11-652E-6345-AC5C-A89FACA07C4E}" dt="2021-03-23T13:51:09.571" v="1741"/>
+          <ac:spMkLst>
+            <pc:docMk/>
+            <pc:sldMk cId="3813527744" sldId="527"/>
+            <ac:spMk id="2" creationId="{E309BF18-42ED-B44A-A12E-76B4CB92C034}"/>
+          </ac:spMkLst>
+        </pc:spChg>
+        <pc:spChg chg="mod">
+          <ac:chgData name="Long B Nguyen" userId="f59fb8f3-a021-417a-8bc1-65c8d471c621" providerId="ADAL" clId="{34A2CF11-652E-6345-AC5C-A89FACA07C4E}" dt="2021-03-22T13:05:59.822" v="1456" actId="1076"/>
+          <ac:spMkLst>
+            <pc:docMk/>
+            <pc:sldMk cId="3813527744" sldId="527"/>
+            <ac:spMk id="17409" creationId="{F8E6935E-FDF9-4D46-93BC-CE083007DBA8}"/>
+          </ac:spMkLst>
+        </pc:spChg>
+        <pc:spChg chg="mod">
+          <ac:chgData name="Long B Nguyen" userId="f59fb8f3-a021-417a-8bc1-65c8d471c621" providerId="ADAL" clId="{34A2CF11-652E-6345-AC5C-A89FACA07C4E}" dt="2021-03-22T13:15:25.005" v="1546" actId="113"/>
+          <ac:spMkLst>
+            <pc:docMk/>
+            <pc:sldMk cId="3813527744" sldId="527"/>
+            <ac:spMk id="17410" creationId="{C9772176-DC13-F64D-AC00-58F2A4791B97}"/>
+          </ac:spMkLst>
+        </pc:spChg>
+      </pc:sldChg>
+      <pc:sldChg chg="addSp modSp">
+        <pc:chgData name="Long B Nguyen" userId="f59fb8f3-a021-417a-8bc1-65c8d471c621" providerId="ADAL" clId="{34A2CF11-652E-6345-AC5C-A89FACA07C4E}" dt="2021-03-23T13:51:09.571" v="1741"/>
+        <pc:sldMkLst>
+          <pc:docMk/>
+          <pc:sldMk cId="1445950413" sldId="528"/>
+        </pc:sldMkLst>
+        <pc:spChg chg="add mod">
+          <ac:chgData name="Long B Nguyen" userId="f59fb8f3-a021-417a-8bc1-65c8d471c621" providerId="ADAL" clId="{34A2CF11-652E-6345-AC5C-A89FACA07C4E}" dt="2021-03-23T13:51:09.571" v="1741"/>
+          <ac:spMkLst>
+            <pc:docMk/>
+            <pc:sldMk cId="1445950413" sldId="528"/>
+            <ac:spMk id="2" creationId="{15F2D738-452A-D742-B2A7-39BB9C414871}"/>
+          </ac:spMkLst>
+        </pc:spChg>
+        <pc:spChg chg="mod">
+          <ac:chgData name="Long B Nguyen" userId="f59fb8f3-a021-417a-8bc1-65c8d471c621" providerId="ADAL" clId="{34A2CF11-652E-6345-AC5C-A89FACA07C4E}" dt="2020-02-25T15:08:00.858" v="55" actId="255"/>
+          <ac:spMkLst>
+            <pc:docMk/>
+            <pc:sldMk cId="1445950413" sldId="528"/>
+            <ac:spMk id="27651" creationId="{DCF5F58B-FD97-FE43-BD35-9AA575595114}"/>
+          </ac:spMkLst>
+        </pc:spChg>
+      </pc:sldChg>
+      <pc:sldChg chg="addSp modSp modAnim">
+        <pc:chgData name="Long B Nguyen" userId="f59fb8f3-a021-417a-8bc1-65c8d471c621" providerId="ADAL" clId="{34A2CF11-652E-6345-AC5C-A89FACA07C4E}" dt="2021-03-23T13:51:09.571" v="1741"/>
+        <pc:sldMkLst>
+          <pc:docMk/>
+          <pc:sldMk cId="1720314276" sldId="566"/>
+        </pc:sldMkLst>
+        <pc:spChg chg="add mod">
+          <ac:chgData name="Long B Nguyen" userId="f59fb8f3-a021-417a-8bc1-65c8d471c621" providerId="ADAL" clId="{34A2CF11-652E-6345-AC5C-A89FACA07C4E}" dt="2021-03-23T13:51:09.571" v="1741"/>
+          <ac:spMkLst>
+            <pc:docMk/>
+            <pc:sldMk cId="1720314276" sldId="566"/>
+            <ac:spMk id="2" creationId="{8E1E1AF1-66DE-4A48-96D8-13BC32D07B73}"/>
+          </ac:spMkLst>
+        </pc:spChg>
+        <pc:spChg chg="mod">
+          <ac:chgData name="Long B Nguyen" userId="f59fb8f3-a021-417a-8bc1-65c8d471c621" providerId="ADAL" clId="{34A2CF11-652E-6345-AC5C-A89FACA07C4E}" dt="2020-02-25T15:07:35.151" v="50" actId="1076"/>
+          <ac:spMkLst>
+            <pc:docMk/>
+            <pc:sldMk cId="1720314276" sldId="566"/>
+            <ac:spMk id="25601" creationId="{DE009A6C-99D8-1641-8A8A-B18B81FC62CD}"/>
+          </ac:spMkLst>
+        </pc:spChg>
+        <pc:spChg chg="mod">
+          <ac:chgData name="Long B Nguyen" userId="f59fb8f3-a021-417a-8bc1-65c8d471c621" providerId="ADAL" clId="{34A2CF11-652E-6345-AC5C-A89FACA07C4E}" dt="2020-02-28T13:56:32.314" v="1412" actId="20577"/>
+          <ac:spMkLst>
+            <pc:docMk/>
+            <pc:sldMk cId="1720314276" sldId="566"/>
+            <ac:spMk id="25602" creationId="{CB052219-FFAE-0F41-8A86-C30BB9EF6F35}"/>
+          </ac:spMkLst>
+        </pc:spChg>
+      </pc:sldChg>
+      <pc:sldChg chg="addSp modSp modAnim">
+        <pc:chgData name="Long B Nguyen" userId="f59fb8f3-a021-417a-8bc1-65c8d471c621" providerId="ADAL" clId="{34A2CF11-652E-6345-AC5C-A89FACA07C4E}" dt="2021-03-23T13:51:09.571" v="1741"/>
+        <pc:sldMkLst>
+          <pc:docMk/>
+          <pc:sldMk cId="198395083" sldId="567"/>
+        </pc:sldMkLst>
+        <pc:spChg chg="add mod">
+          <ac:chgData name="Long B Nguyen" userId="f59fb8f3-a021-417a-8bc1-65c8d471c621" providerId="ADAL" clId="{34A2CF11-652E-6345-AC5C-A89FACA07C4E}" dt="2021-03-23T13:51:09.571" v="1741"/>
+          <ac:spMkLst>
+            <pc:docMk/>
+            <pc:sldMk cId="198395083" sldId="567"/>
+            <ac:spMk id="2" creationId="{B380843C-29C4-BA47-A56F-89D728ED139B}"/>
+          </ac:spMkLst>
+        </pc:spChg>
+        <pc:spChg chg="mod">
+          <ac:chgData name="Long B Nguyen" userId="f59fb8f3-a021-417a-8bc1-65c8d471c621" providerId="ADAL" clId="{34A2CF11-652E-6345-AC5C-A89FACA07C4E}" dt="2020-02-25T15:04:29.039" v="8" actId="1076"/>
+          <ac:spMkLst>
+            <pc:docMk/>
+            <pc:sldMk cId="198395083" sldId="567"/>
+            <ac:spMk id="27649" creationId="{84C172EC-4FFF-674B-98FB-C1FB0C2BD605}"/>
+          </ac:spMkLst>
+        </pc:spChg>
+        <pc:spChg chg="mod">
+          <ac:chgData name="Long B Nguyen" userId="f59fb8f3-a021-417a-8bc1-65c8d471c621" providerId="ADAL" clId="{34A2CF11-652E-6345-AC5C-A89FACA07C4E}" dt="2020-02-25T15:09:21.882" v="167" actId="20577"/>
+          <ac:spMkLst>
+            <pc:docMk/>
+            <pc:sldMk cId="198395083" sldId="567"/>
+            <ac:spMk id="27650" creationId="{5760563D-95CB-F842-9A06-99DB9A606240}"/>
+          </ac:spMkLst>
+        </pc:spChg>
+      </pc:sldChg>
+      <pc:sldChg chg="addSp modSp">
+        <pc:chgData name="Long B Nguyen" userId="f59fb8f3-a021-417a-8bc1-65c8d471c621" providerId="ADAL" clId="{34A2CF11-652E-6345-AC5C-A89FACA07C4E}" dt="2021-03-23T13:51:09.571" v="1741"/>
+        <pc:sldMkLst>
+          <pc:docMk/>
+          <pc:sldMk cId="1070622160" sldId="568"/>
+        </pc:sldMkLst>
+        <pc:spChg chg="add mod">
+          <ac:chgData name="Long B Nguyen" userId="f59fb8f3-a021-417a-8bc1-65c8d471c621" providerId="ADAL" clId="{34A2CF11-652E-6345-AC5C-A89FACA07C4E}" dt="2021-03-23T13:51:09.571" v="1741"/>
+          <ac:spMkLst>
+            <pc:docMk/>
+            <pc:sldMk cId="1070622160" sldId="568"/>
+            <ac:spMk id="2" creationId="{B797C99C-9084-7E4F-818B-197B308F563C}"/>
+          </ac:spMkLst>
+        </pc:spChg>
+        <pc:spChg chg="mod">
+          <ac:chgData name="Long B Nguyen" userId="f59fb8f3-a021-417a-8bc1-65c8d471c621" providerId="ADAL" clId="{34A2CF11-652E-6345-AC5C-A89FACA07C4E}" dt="2020-02-25T15:04:56.343" v="16" actId="1076"/>
+          <ac:spMkLst>
+            <pc:docMk/>
+            <pc:sldMk cId="1070622160" sldId="568"/>
+            <ac:spMk id="29697" creationId="{FE344302-6250-2241-8F6D-C448D16804F4}"/>
+          </ac:spMkLst>
+        </pc:spChg>
+        <pc:spChg chg="mod">
+          <ac:chgData name="Long B Nguyen" userId="f59fb8f3-a021-417a-8bc1-65c8d471c621" providerId="ADAL" clId="{34A2CF11-652E-6345-AC5C-A89FACA07C4E}" dt="2020-02-25T15:05:08.271" v="21" actId="5793"/>
+          <ac:spMkLst>
+            <pc:docMk/>
+            <pc:sldMk cId="1070622160" sldId="568"/>
+            <ac:spMk id="29698" creationId="{E66559DC-645B-874B-9A56-EC803A4B4B92}"/>
+          </ac:spMkLst>
+        </pc:spChg>
+        <pc:picChg chg="mod">
+          <ac:chgData name="Long B Nguyen" userId="f59fb8f3-a021-417a-8bc1-65c8d471c621" providerId="ADAL" clId="{34A2CF11-652E-6345-AC5C-A89FACA07C4E}" dt="2020-02-25T15:05:17.624" v="22" actId="1076"/>
+          <ac:picMkLst>
+            <pc:docMk/>
+            <pc:sldMk cId="1070622160" sldId="568"/>
+            <ac:picMk id="29699" creationId="{090A5754-8CAB-3747-8068-84BA02EDFD26}"/>
+          </ac:picMkLst>
+        </pc:picChg>
+      </pc:sldChg>
+      <pc:sldChg chg="addSp modSp mod modAnim">
+        <pc:chgData name="Long B Nguyen" userId="f59fb8f3-a021-417a-8bc1-65c8d471c621" providerId="ADAL" clId="{34A2CF11-652E-6345-AC5C-A89FACA07C4E}" dt="2021-03-23T13:51:09.571" v="1741"/>
+        <pc:sldMkLst>
+          <pc:docMk/>
+          <pc:sldMk cId="4001486838" sldId="570"/>
+        </pc:sldMkLst>
+        <pc:spChg chg="add mod">
+          <ac:chgData name="Long B Nguyen" userId="f59fb8f3-a021-417a-8bc1-65c8d471c621" providerId="ADAL" clId="{34A2CF11-652E-6345-AC5C-A89FACA07C4E}" dt="2021-03-23T13:51:09.571" v="1741"/>
+          <ac:spMkLst>
+            <pc:docMk/>
+            <pc:sldMk cId="4001486838" sldId="570"/>
+            <ac:spMk id="2" creationId="{2DFB5F73-7978-E649-8250-72B092D5F916}"/>
+          </ac:spMkLst>
+        </pc:spChg>
+        <pc:spChg chg="mod">
+          <ac:chgData name="Long B Nguyen" userId="f59fb8f3-a021-417a-8bc1-65c8d471c621" providerId="ADAL" clId="{34A2CF11-652E-6345-AC5C-A89FACA07C4E}" dt="2021-03-22T13:12:35.044" v="1511" actId="1076"/>
+          <ac:spMkLst>
+            <pc:docMk/>
+            <pc:sldMk cId="4001486838" sldId="570"/>
+            <ac:spMk id="39937" creationId="{7CD89787-5856-7640-A8D5-FF2B48692349}"/>
+          </ac:spMkLst>
+        </pc:spChg>
+        <pc:spChg chg="mod">
+          <ac:chgData name="Long B Nguyen" userId="f59fb8f3-a021-417a-8bc1-65c8d471c621" providerId="ADAL" clId="{34A2CF11-652E-6345-AC5C-A89FACA07C4E}" dt="2021-03-22T13:13:42.894" v="1529" actId="20577"/>
+          <ac:spMkLst>
+            <pc:docMk/>
+            <pc:sldMk cId="4001486838" sldId="570"/>
+            <ac:spMk id="39938" creationId="{6D60C863-7ABD-3143-ABF5-601EEB054571}"/>
+          </ac:spMkLst>
+        </pc:spChg>
+        <pc:picChg chg="mod">
+          <ac:chgData name="Long B Nguyen" userId="f59fb8f3-a021-417a-8bc1-65c8d471c621" providerId="ADAL" clId="{34A2CF11-652E-6345-AC5C-A89FACA07C4E}" dt="2021-03-22T13:13:41.209" v="1528" actId="1076"/>
+          <ac:picMkLst>
+            <pc:docMk/>
+            <pc:sldMk cId="4001486838" sldId="570"/>
+            <ac:picMk id="39939" creationId="{B6683FC4-770C-FF44-B53E-865590A66759}"/>
+          </ac:picMkLst>
+        </pc:picChg>
+      </pc:sldChg>
+      <pc:sldChg chg="addSp modSp">
+        <pc:chgData name="Long B Nguyen" userId="f59fb8f3-a021-417a-8bc1-65c8d471c621" providerId="ADAL" clId="{34A2CF11-652E-6345-AC5C-A89FACA07C4E}" dt="2021-03-23T13:51:09.571" v="1741"/>
+        <pc:sldMkLst>
+          <pc:docMk/>
+          <pc:sldMk cId="2901569448" sldId="571"/>
+        </pc:sldMkLst>
+        <pc:spChg chg="add mod">
+          <ac:chgData name="Long B Nguyen" userId="f59fb8f3-a021-417a-8bc1-65c8d471c621" providerId="ADAL" clId="{34A2CF11-652E-6345-AC5C-A89FACA07C4E}" dt="2021-03-23T13:51:09.571" v="1741"/>
+          <ac:spMkLst>
+            <pc:docMk/>
+            <pc:sldMk cId="2901569448" sldId="571"/>
+            <ac:spMk id="2" creationId="{A3C069B8-ECAC-3A4D-87DF-270F19F2C240}"/>
+          </ac:spMkLst>
+        </pc:spChg>
+        <pc:spChg chg="mod">
+          <ac:chgData name="Long B Nguyen" userId="f59fb8f3-a021-417a-8bc1-65c8d471c621" providerId="ADAL" clId="{34A2CF11-652E-6345-AC5C-A89FACA07C4E}" dt="2020-02-25T15:05:31.134" v="26" actId="1076"/>
+          <ac:spMkLst>
+            <pc:docMk/>
+            <pc:sldMk cId="2901569448" sldId="571"/>
+            <ac:spMk id="31745" creationId="{C5308C83-3686-0243-B14A-C98C71EB681A}"/>
+          </ac:spMkLst>
+        </pc:spChg>
+        <pc:spChg chg="mod">
+          <ac:chgData name="Long B Nguyen" userId="f59fb8f3-a021-417a-8bc1-65c8d471c621" providerId="ADAL" clId="{34A2CF11-652E-6345-AC5C-A89FACA07C4E}" dt="2020-02-25T15:05:41.826" v="30" actId="5793"/>
+          <ac:spMkLst>
+            <pc:docMk/>
+            <pc:sldMk cId="2901569448" sldId="571"/>
+            <ac:spMk id="31746" creationId="{CA1C5CB3-5B3D-4641-9849-F15DD036946A}"/>
+          </ac:spMkLst>
+        </pc:spChg>
+      </pc:sldChg>
+      <pc:sldChg chg="addSp modSp">
+        <pc:chgData name="Long B Nguyen" userId="f59fb8f3-a021-417a-8bc1-65c8d471c621" providerId="ADAL" clId="{34A2CF11-652E-6345-AC5C-A89FACA07C4E}" dt="2021-03-23T13:51:09.571" v="1741"/>
+        <pc:sldMkLst>
+          <pc:docMk/>
+          <pc:sldMk cId="2135159274" sldId="573"/>
+        </pc:sldMkLst>
+        <pc:spChg chg="add mod">
+          <ac:chgData name="Long B Nguyen" userId="f59fb8f3-a021-417a-8bc1-65c8d471c621" providerId="ADAL" clId="{34A2CF11-652E-6345-AC5C-A89FACA07C4E}" dt="2021-03-23T13:51:09.571" v="1741"/>
+          <ac:spMkLst>
+            <pc:docMk/>
+            <pc:sldMk cId="2135159274" sldId="573"/>
+            <ac:spMk id="2" creationId="{BF2AAAB0-FA75-0E42-96DA-26069DDE4411}"/>
+          </ac:spMkLst>
+        </pc:spChg>
+        <pc:spChg chg="mod">
+          <ac:chgData name="Long B Nguyen" userId="f59fb8f3-a021-417a-8bc1-65c8d471c621" providerId="ADAL" clId="{34A2CF11-652E-6345-AC5C-A89FACA07C4E}" dt="2020-02-25T15:10:25.707" v="172" actId="14100"/>
+          <ac:spMkLst>
+            <pc:docMk/>
+            <pc:sldMk cId="2135159274" sldId="573"/>
+            <ac:spMk id="37890" creationId="{D5A7A0E7-48AA-5144-A3FE-3363DFC01CF5}"/>
+          </ac:spMkLst>
+        </pc:spChg>
+      </pc:sldChg>
+      <pc:sldChg chg="addSp modSp">
+        <pc:chgData name="Long B Nguyen" userId="f59fb8f3-a021-417a-8bc1-65c8d471c621" providerId="ADAL" clId="{34A2CF11-652E-6345-AC5C-A89FACA07C4E}" dt="2021-03-23T13:51:09.571" v="1741"/>
+        <pc:sldMkLst>
+          <pc:docMk/>
+          <pc:sldMk cId="3391101355" sldId="575"/>
+        </pc:sldMkLst>
+        <pc:spChg chg="add mod">
+          <ac:chgData name="Long B Nguyen" userId="f59fb8f3-a021-417a-8bc1-65c8d471c621" providerId="ADAL" clId="{34A2CF11-652E-6345-AC5C-A89FACA07C4E}" dt="2021-03-23T13:51:09.571" v="1741"/>
+          <ac:spMkLst>
+            <pc:docMk/>
+            <pc:sldMk cId="3391101355" sldId="575"/>
+            <ac:spMk id="2" creationId="{0D4698CC-51A3-9743-A3B8-151312364565}"/>
+          </ac:spMkLst>
+        </pc:spChg>
+        <pc:spChg chg="mod">
+          <ac:chgData name="Long B Nguyen" userId="f59fb8f3-a021-417a-8bc1-65c8d471c621" providerId="ADAL" clId="{34A2CF11-652E-6345-AC5C-A89FACA07C4E}" dt="2020-02-25T15:15:00.887" v="226" actId="5793"/>
+          <ac:spMkLst>
+            <pc:docMk/>
+            <pc:sldMk cId="3391101355" sldId="575"/>
+            <ac:spMk id="27651" creationId="{47FD0DF8-5133-F34E-AB80-6AF0E271D1FF}"/>
+          </ac:spMkLst>
+        </pc:spChg>
+        <pc:spChg chg="mod">
+          <ac:chgData name="Long B Nguyen" userId="f59fb8f3-a021-417a-8bc1-65c8d471c621" providerId="ADAL" clId="{34A2CF11-652E-6345-AC5C-A89FACA07C4E}" dt="2020-02-25T15:15:06.511" v="228" actId="1076"/>
+          <ac:spMkLst>
+            <pc:docMk/>
+            <pc:sldMk cId="3391101355" sldId="575"/>
+            <ac:spMk id="59393" creationId="{0845453A-A29A-9A42-9905-72E41E15DA8F}"/>
+          </ac:spMkLst>
+        </pc:spChg>
+      </pc:sldChg>
+      <pc:sldChg chg="addSp modSp mod modAnim">
+        <pc:chgData name="Long B Nguyen" userId="f59fb8f3-a021-417a-8bc1-65c8d471c621" providerId="ADAL" clId="{34A2CF11-652E-6345-AC5C-A89FACA07C4E}" dt="2021-03-23T13:51:09.571" v="1741"/>
+        <pc:sldMkLst>
+          <pc:docMk/>
+          <pc:sldMk cId="3275116272" sldId="576"/>
+        </pc:sldMkLst>
+        <pc:spChg chg="add mod">
+          <ac:chgData name="Long B Nguyen" userId="f59fb8f3-a021-417a-8bc1-65c8d471c621" providerId="ADAL" clId="{34A2CF11-652E-6345-AC5C-A89FACA07C4E}" dt="2021-03-23T13:51:09.571" v="1741"/>
+          <ac:spMkLst>
+            <pc:docMk/>
+            <pc:sldMk cId="3275116272" sldId="576"/>
+            <ac:spMk id="2" creationId="{43AE9546-02A9-9E48-8546-966302E8BC5C}"/>
+          </ac:spMkLst>
+        </pc:spChg>
+        <pc:spChg chg="mod">
+          <ac:chgData name="Long B Nguyen" userId="f59fb8f3-a021-417a-8bc1-65c8d471c621" providerId="ADAL" clId="{34A2CF11-652E-6345-AC5C-A89FACA07C4E}" dt="2021-03-22T13:43:23.847" v="1595" actId="14100"/>
+          <ac:spMkLst>
+            <pc:docMk/>
+            <pc:sldMk cId="3275116272" sldId="576"/>
+            <ac:spMk id="54274" creationId="{6A77A454-E9F7-204D-9394-2BA466B041AA}"/>
+          </ac:spMkLst>
+        </pc:spChg>
+        <pc:spChg chg="mod">
+          <ac:chgData name="Long B Nguyen" userId="f59fb8f3-a021-417a-8bc1-65c8d471c621" providerId="ADAL" clId="{34A2CF11-652E-6345-AC5C-A89FACA07C4E}" dt="2021-03-22T13:22:11.584" v="1548" actId="1076"/>
+          <ac:spMkLst>
+            <pc:docMk/>
+            <pc:sldMk cId="3275116272" sldId="576"/>
+            <ac:spMk id="55297" creationId="{D1309B3C-E6F6-2741-82EB-369B5DBEE833}"/>
+          </ac:spMkLst>
+        </pc:spChg>
+      </pc:sldChg>
+      <pc:sldChg chg="addSp modSp modAnim">
+        <pc:chgData name="Long B Nguyen" userId="f59fb8f3-a021-417a-8bc1-65c8d471c621" providerId="ADAL" clId="{34A2CF11-652E-6345-AC5C-A89FACA07C4E}" dt="2021-03-23T13:51:09.571" v="1741"/>
+        <pc:sldMkLst>
+          <pc:docMk/>
+          <pc:sldMk cId="1727266702" sldId="578"/>
+        </pc:sldMkLst>
+        <pc:spChg chg="add mod">
+          <ac:chgData name="Long B Nguyen" userId="f59fb8f3-a021-417a-8bc1-65c8d471c621" providerId="ADAL" clId="{34A2CF11-652E-6345-AC5C-A89FACA07C4E}" dt="2021-03-23T13:51:09.571" v="1741"/>
+          <ac:spMkLst>
+            <pc:docMk/>
+            <pc:sldMk cId="1727266702" sldId="578"/>
+            <ac:spMk id="2" creationId="{8DA154F2-93C3-7843-81A6-8703D82CDFFF}"/>
+          </ac:spMkLst>
+        </pc:spChg>
+        <pc:spChg chg="mod">
+          <ac:chgData name="Long B Nguyen" userId="f59fb8f3-a021-417a-8bc1-65c8d471c621" providerId="ADAL" clId="{34A2CF11-652E-6345-AC5C-A89FACA07C4E}" dt="2020-02-25T15:05:51.316" v="32" actId="1076"/>
+          <ac:spMkLst>
+            <pc:docMk/>
+            <pc:sldMk cId="1727266702" sldId="578"/>
+            <ac:spMk id="33793" creationId="{3553DE6C-30A9-C943-BBC0-80F5551E5745}"/>
+          </ac:spMkLst>
+        </pc:spChg>
+        <pc:spChg chg="mod">
+          <ac:chgData name="Long B Nguyen" userId="f59fb8f3-a021-417a-8bc1-65c8d471c621" providerId="ADAL" clId="{34A2CF11-652E-6345-AC5C-A89FACA07C4E}" dt="2020-02-25T15:06:05.921" v="39" actId="20577"/>
+          <ac:spMkLst>
+            <pc:docMk/>
+            <pc:sldMk cId="1727266702" sldId="578"/>
+            <ac:spMk id="33794" creationId="{1B9931B8-23E4-C546-8529-25A8A3CB57FD}"/>
+          </ac:spMkLst>
+        </pc:spChg>
+      </pc:sldChg>
+      <pc:sldChg chg="addSp modSp">
+        <pc:chgData name="Long B Nguyen" userId="f59fb8f3-a021-417a-8bc1-65c8d471c621" providerId="ADAL" clId="{34A2CF11-652E-6345-AC5C-A89FACA07C4E}" dt="2021-03-23T13:51:09.571" v="1741"/>
+        <pc:sldMkLst>
+          <pc:docMk/>
+          <pc:sldMk cId="665490485" sldId="579"/>
+        </pc:sldMkLst>
+        <pc:spChg chg="add mod">
+          <ac:chgData name="Long B Nguyen" userId="f59fb8f3-a021-417a-8bc1-65c8d471c621" providerId="ADAL" clId="{34A2CF11-652E-6345-AC5C-A89FACA07C4E}" dt="2021-03-23T13:51:09.571" v="1741"/>
+          <ac:spMkLst>
+            <pc:docMk/>
+            <pc:sldMk cId="665490485" sldId="579"/>
+            <ac:spMk id="2" creationId="{4526DE53-1E14-F84D-B02B-5D0C31AFC98B}"/>
+          </ac:spMkLst>
+        </pc:spChg>
+        <pc:spChg chg="mod">
+          <ac:chgData name="Long B Nguyen" userId="f59fb8f3-a021-417a-8bc1-65c8d471c621" providerId="ADAL" clId="{34A2CF11-652E-6345-AC5C-A89FACA07C4E}" dt="2020-02-25T15:06:19.876" v="43" actId="1076"/>
+          <ac:spMkLst>
+            <pc:docMk/>
+            <pc:sldMk cId="665490485" sldId="579"/>
+            <ac:spMk id="35841" creationId="{10C91E1B-6F62-5440-A8B3-71AEF2909C3E}"/>
+          </ac:spMkLst>
+        </pc:spChg>
+        <pc:spChg chg="mod">
+          <ac:chgData name="Long B Nguyen" userId="f59fb8f3-a021-417a-8bc1-65c8d471c621" providerId="ADAL" clId="{34A2CF11-652E-6345-AC5C-A89FACA07C4E}" dt="2020-02-25T15:10:09.921" v="168" actId="2711"/>
+          <ac:spMkLst>
+            <pc:docMk/>
+            <pc:sldMk cId="665490485" sldId="579"/>
+            <ac:spMk id="35842" creationId="{C6DC7E6C-DF38-9748-B0D1-7D7B63795E45}"/>
+          </ac:spMkLst>
+        </pc:spChg>
+      </pc:sldChg>
+      <pc:sldChg chg="addSp modSp">
+        <pc:chgData name="Long B Nguyen" userId="f59fb8f3-a021-417a-8bc1-65c8d471c621" providerId="ADAL" clId="{34A2CF11-652E-6345-AC5C-A89FACA07C4E}" dt="2021-03-23T13:51:09.571" v="1741"/>
+        <pc:sldMkLst>
+          <pc:docMk/>
+          <pc:sldMk cId="2801305812" sldId="580"/>
+        </pc:sldMkLst>
+        <pc:spChg chg="add mod">
+          <ac:chgData name="Long B Nguyen" userId="f59fb8f3-a021-417a-8bc1-65c8d471c621" providerId="ADAL" clId="{34A2CF11-652E-6345-AC5C-A89FACA07C4E}" dt="2021-03-23T13:51:09.571" v="1741"/>
+          <ac:spMkLst>
+            <pc:docMk/>
+            <pc:sldMk cId="2801305812" sldId="580"/>
+            <ac:spMk id="2" creationId="{4C7CDBB3-324D-4C4D-BCC9-7CEEFAF6DCA9}"/>
+          </ac:spMkLst>
+        </pc:spChg>
+        <pc:spChg chg="mod">
+          <ac:chgData name="Long B Nguyen" userId="f59fb8f3-a021-417a-8bc1-65c8d471c621" providerId="ADAL" clId="{34A2CF11-652E-6345-AC5C-A89FACA07C4E}" dt="2020-03-13T16:35:47.535" v="1431" actId="20577"/>
+          <ac:spMkLst>
+            <pc:docMk/>
+            <pc:sldMk cId="2801305812" sldId="580"/>
+            <ac:spMk id="21505" creationId="{2B80FEFF-E638-C344-A551-37B339160B3A}"/>
+          </ac:spMkLst>
+        </pc:spChg>
+      </pc:sldChg>
+      <pc:sldChg chg="addSp modSp mod">
+        <pc:chgData name="Long B Nguyen" userId="f59fb8f3-a021-417a-8bc1-65c8d471c621" providerId="ADAL" clId="{34A2CF11-652E-6345-AC5C-A89FACA07C4E}" dt="2021-03-23T13:51:09.571" v="1741"/>
+        <pc:sldMkLst>
+          <pc:docMk/>
+          <pc:sldMk cId="156416513" sldId="581"/>
+        </pc:sldMkLst>
+        <pc:spChg chg="add mod">
+          <ac:chgData name="Long B Nguyen" userId="f59fb8f3-a021-417a-8bc1-65c8d471c621" providerId="ADAL" clId="{34A2CF11-652E-6345-AC5C-A89FACA07C4E}" dt="2021-03-23T13:51:09.571" v="1741"/>
+          <ac:spMkLst>
+            <pc:docMk/>
+            <pc:sldMk cId="156416513" sldId="581"/>
+            <ac:spMk id="2" creationId="{BE72F363-D54C-594D-A0BA-22A17B32DCE1}"/>
+          </ac:spMkLst>
+        </pc:spChg>
+        <pc:spChg chg="mod">
+          <ac:chgData name="Long B Nguyen" userId="f59fb8f3-a021-417a-8bc1-65c8d471c621" providerId="ADAL" clId="{34A2CF11-652E-6345-AC5C-A89FACA07C4E}" dt="2021-03-22T13:10:35.646" v="1506" actId="1076"/>
+          <ac:spMkLst>
+            <pc:docMk/>
+            <pc:sldMk cId="156416513" sldId="581"/>
+            <ac:spMk id="19457" creationId="{934050D1-FB76-0047-81E2-B66160E98DA8}"/>
+          </ac:spMkLst>
+        </pc:spChg>
+        <pc:spChg chg="mod">
+          <ac:chgData name="Long B Nguyen" userId="f59fb8f3-a021-417a-8bc1-65c8d471c621" providerId="ADAL" clId="{34A2CF11-652E-6345-AC5C-A89FACA07C4E}" dt="2021-03-22T13:14:29.680" v="1542" actId="255"/>
+          <ac:spMkLst>
+            <pc:docMk/>
+            <pc:sldMk cId="156416513" sldId="581"/>
+            <ac:spMk id="19458" creationId="{13A6B99D-094D-F34F-B11C-2ECD1AC956F5}"/>
+          </ac:spMkLst>
+        </pc:spChg>
+        <pc:picChg chg="mod">
+          <ac:chgData name="Long B Nguyen" userId="f59fb8f3-a021-417a-8bc1-65c8d471c621" providerId="ADAL" clId="{34A2CF11-652E-6345-AC5C-A89FACA07C4E}" dt="2021-03-22T13:14:01.325" v="1535" actId="1076"/>
+          <ac:picMkLst>
+            <pc:docMk/>
+            <pc:sldMk cId="156416513" sldId="581"/>
+            <ac:picMk id="19459" creationId="{650612D4-1EFC-C443-AF16-757A3B8CFF56}"/>
+          </ac:picMkLst>
+        </pc:picChg>
+      </pc:sldChg>
+      <pc:sldChg chg="addSp delSp modSp mod modAnim">
+        <pc:chgData name="Long B Nguyen" userId="f59fb8f3-a021-417a-8bc1-65c8d471c621" providerId="ADAL" clId="{34A2CF11-652E-6345-AC5C-A89FACA07C4E}" dt="2021-03-23T13:51:09.571" v="1741"/>
+        <pc:sldMkLst>
+          <pc:docMk/>
+          <pc:sldMk cId="1237537268" sldId="583"/>
+        </pc:sldMkLst>
+        <pc:spChg chg="add mod">
+          <ac:chgData name="Long B Nguyen" userId="f59fb8f3-a021-417a-8bc1-65c8d471c621" providerId="ADAL" clId="{34A2CF11-652E-6345-AC5C-A89FACA07C4E}" dt="2021-03-23T13:51:09.571" v="1741"/>
+          <ac:spMkLst>
+            <pc:docMk/>
+            <pc:sldMk cId="1237537268" sldId="583"/>
+            <ac:spMk id="2" creationId="{E393A387-F719-7F42-BD63-57A9DB6AC09B}"/>
+          </ac:spMkLst>
+        </pc:spChg>
+        <pc:spChg chg="add del mod">
+          <ac:chgData name="Long B Nguyen" userId="f59fb8f3-a021-417a-8bc1-65c8d471c621" providerId="ADAL" clId="{34A2CF11-652E-6345-AC5C-A89FACA07C4E}" dt="2020-02-25T15:14:51.352" v="222"/>
+          <ac:spMkLst>
+            <pc:docMk/>
+            <pc:sldMk cId="1237537268" sldId="583"/>
+            <ac:spMk id="2" creationId="{ED646CD3-F452-494F-9C6B-294938DD2A28}"/>
+          </ac:spMkLst>
+        </pc:spChg>
+        <pc:spChg chg="mod">
+          <ac:chgData name="Long B Nguyen" userId="f59fb8f3-a021-417a-8bc1-65c8d471c621" providerId="ADAL" clId="{34A2CF11-652E-6345-AC5C-A89FACA07C4E}" dt="2021-03-22T13:45:36.398" v="1669" actId="14100"/>
+          <ac:spMkLst>
+            <pc:docMk/>
+            <pc:sldMk cId="1237537268" sldId="583"/>
+            <ac:spMk id="56322" creationId="{C6A7743F-88FF-7C47-8B09-99222CD5E28E}"/>
+          </ac:spMkLst>
+        </pc:spChg>
+        <pc:spChg chg="mod">
+          <ac:chgData name="Long B Nguyen" userId="f59fb8f3-a021-417a-8bc1-65c8d471c621" providerId="ADAL" clId="{34A2CF11-652E-6345-AC5C-A89FACA07C4E}" dt="2020-02-25T15:14:05.982" v="209" actId="1076"/>
+          <ac:spMkLst>
+            <pc:docMk/>
+            <pc:sldMk cId="1237537268" sldId="583"/>
+            <ac:spMk id="57345" creationId="{CDA4A9B2-8639-C840-B975-2791E963EF68}"/>
+          </ac:spMkLst>
+        </pc:spChg>
+      </pc:sldChg>
+      <pc:sldChg chg="addSp modSp">
+        <pc:chgData name="Long B Nguyen" userId="f59fb8f3-a021-417a-8bc1-65c8d471c621" providerId="ADAL" clId="{34A2CF11-652E-6345-AC5C-A89FACA07C4E}" dt="2021-03-23T13:51:09.571" v="1741"/>
+        <pc:sldMkLst>
+          <pc:docMk/>
+          <pc:sldMk cId="4256317276" sldId="584"/>
+        </pc:sldMkLst>
+        <pc:spChg chg="add mod">
+          <ac:chgData name="Long B Nguyen" userId="f59fb8f3-a021-417a-8bc1-65c8d471c621" providerId="ADAL" clId="{34A2CF11-652E-6345-AC5C-A89FACA07C4E}" dt="2021-03-23T13:51:09.571" v="1741"/>
+          <ac:spMkLst>
+            <pc:docMk/>
+            <pc:sldMk cId="4256317276" sldId="584"/>
+            <ac:spMk id="2" creationId="{831417BC-8881-C546-A28A-E3AF0CA46204}"/>
+          </ac:spMkLst>
+        </pc:spChg>
+        <pc:spChg chg="mod">
+          <ac:chgData name="Long B Nguyen" userId="f59fb8f3-a021-417a-8bc1-65c8d471c621" providerId="ADAL" clId="{34A2CF11-652E-6345-AC5C-A89FACA07C4E}" dt="2020-02-25T15:15:56.112" v="245" actId="20577"/>
+          <ac:spMkLst>
+            <pc:docMk/>
+            <pc:sldMk cId="4256317276" sldId="584"/>
+            <ac:spMk id="62466" creationId="{000A13C9-560A-5C49-962A-A1D927D320E7}"/>
+          </ac:spMkLst>
+        </pc:spChg>
+        <pc:spChg chg="mod">
+          <ac:chgData name="Long B Nguyen" userId="f59fb8f3-a021-417a-8bc1-65c8d471c621" providerId="ADAL" clId="{34A2CF11-652E-6345-AC5C-A89FACA07C4E}" dt="2020-02-25T15:15:43.613" v="238" actId="1076"/>
+          <ac:spMkLst>
+            <pc:docMk/>
+            <pc:sldMk cId="4256317276" sldId="584"/>
+            <ac:spMk id="63489" creationId="{06AE9859-A2B0-6240-B232-7259A57B6F5E}"/>
+          </ac:spMkLst>
+        </pc:spChg>
+      </pc:sldChg>
+      <pc:sldChg chg="addSp modSp mod modAnim">
+        <pc:chgData name="Long B Nguyen" userId="f59fb8f3-a021-417a-8bc1-65c8d471c621" providerId="ADAL" clId="{34A2CF11-652E-6345-AC5C-A89FACA07C4E}" dt="2021-03-23T13:51:09.571" v="1741"/>
+        <pc:sldMkLst>
+          <pc:docMk/>
+          <pc:sldMk cId="3977893820" sldId="585"/>
+        </pc:sldMkLst>
+        <pc:spChg chg="add mod">
+          <ac:chgData name="Long B Nguyen" userId="f59fb8f3-a021-417a-8bc1-65c8d471c621" providerId="ADAL" clId="{34A2CF11-652E-6345-AC5C-A89FACA07C4E}" dt="2021-03-23T13:51:09.571" v="1741"/>
+          <ac:spMkLst>
+            <pc:docMk/>
+            <pc:sldMk cId="3977893820" sldId="585"/>
+            <ac:spMk id="2" creationId="{71CC88F1-D93E-6B43-9B36-0FBAE8A23390}"/>
+          </ac:spMkLst>
+        </pc:spChg>
+        <pc:spChg chg="mod">
+          <ac:chgData name="Long B Nguyen" userId="f59fb8f3-a021-417a-8bc1-65c8d471c621" providerId="ADAL" clId="{34A2CF11-652E-6345-AC5C-A89FACA07C4E}" dt="2020-02-25T15:23:21.337" v="341" actId="255"/>
+          <ac:spMkLst>
+            <pc:docMk/>
+            <pc:sldMk cId="3977893820" sldId="585"/>
+            <ac:spMk id="64514" creationId="{7788F03B-8D64-E645-BC3F-DBD76C93C456}"/>
+          </ac:spMkLst>
+        </pc:spChg>
+        <pc:spChg chg="mod">
+          <ac:chgData name="Long B Nguyen" userId="f59fb8f3-a021-417a-8bc1-65c8d471c621" providerId="ADAL" clId="{34A2CF11-652E-6345-AC5C-A89FACA07C4E}" dt="2021-03-22T13:20:56.642" v="1547" actId="1076"/>
+          <ac:spMkLst>
+            <pc:docMk/>
+            <pc:sldMk cId="3977893820" sldId="585"/>
+            <ac:spMk id="65537" creationId="{86430671-77D5-6E4C-94A5-D61EB184D3ED}"/>
+          </ac:spMkLst>
+        </pc:spChg>
+      </pc:sldChg>
+      <pc:sldChg chg="addSp modSp modAnim">
+        <pc:chgData name="Long B Nguyen" userId="f59fb8f3-a021-417a-8bc1-65c8d471c621" providerId="ADAL" clId="{34A2CF11-652E-6345-AC5C-A89FACA07C4E}" dt="2021-03-23T13:51:09.571" v="1741"/>
+        <pc:sldMkLst>
+          <pc:docMk/>
+          <pc:sldMk cId="1319289224" sldId="586"/>
+        </pc:sldMkLst>
+        <pc:spChg chg="add mod">
+          <ac:chgData name="Long B Nguyen" userId="f59fb8f3-a021-417a-8bc1-65c8d471c621" providerId="ADAL" clId="{34A2CF11-652E-6345-AC5C-A89FACA07C4E}" dt="2021-03-23T13:51:09.571" v="1741"/>
+          <ac:spMkLst>
+            <pc:docMk/>
+            <pc:sldMk cId="1319289224" sldId="586"/>
+            <ac:spMk id="2" creationId="{78E9B749-C799-264E-857D-E725A11FA30F}"/>
+          </ac:spMkLst>
+        </pc:spChg>
+        <pc:spChg chg="mod">
+          <ac:chgData name="Long B Nguyen" userId="f59fb8f3-a021-417a-8bc1-65c8d471c621" providerId="ADAL" clId="{34A2CF11-652E-6345-AC5C-A89FACA07C4E}" dt="2020-02-25T15:47:51.312" v="428" actId="20577"/>
+          <ac:spMkLst>
+            <pc:docMk/>
+            <pc:sldMk cId="1319289224" sldId="586"/>
+            <ac:spMk id="66562" creationId="{6FAB6F92-236E-CB4C-AAB0-F158777360DD}"/>
+          </ac:spMkLst>
+        </pc:spChg>
+        <pc:spChg chg="mod">
+          <ac:chgData name="Long B Nguyen" userId="f59fb8f3-a021-417a-8bc1-65c8d471c621" providerId="ADAL" clId="{34A2CF11-652E-6345-AC5C-A89FACA07C4E}" dt="2020-02-25T15:46:37.078" v="420" actId="1076"/>
+          <ac:spMkLst>
+            <pc:docMk/>
+            <pc:sldMk cId="1319289224" sldId="586"/>
+            <ac:spMk id="67585" creationId="{6089FBFB-967C-FD45-992B-EB81E5CF2976}"/>
+          </ac:spMkLst>
+        </pc:spChg>
+      </pc:sldChg>
+      <pc:sldChg chg="addSp modSp">
+        <pc:chgData name="Long B Nguyen" userId="f59fb8f3-a021-417a-8bc1-65c8d471c621" providerId="ADAL" clId="{34A2CF11-652E-6345-AC5C-A89FACA07C4E}" dt="2021-03-23T13:51:09.571" v="1741"/>
+        <pc:sldMkLst>
+          <pc:docMk/>
+          <pc:sldMk cId="2894020677" sldId="587"/>
+        </pc:sldMkLst>
+        <pc:spChg chg="add mod">
+          <ac:chgData name="Long B Nguyen" userId="f59fb8f3-a021-417a-8bc1-65c8d471c621" providerId="ADAL" clId="{34A2CF11-652E-6345-AC5C-A89FACA07C4E}" dt="2021-03-23T13:51:09.571" v="1741"/>
+          <ac:spMkLst>
+            <pc:docMk/>
+            <pc:sldMk cId="2894020677" sldId="587"/>
+            <ac:spMk id="2" creationId="{56855C38-2F73-2E4A-A356-B4A07FEA6F46}"/>
+          </ac:spMkLst>
+        </pc:spChg>
+        <pc:spChg chg="mod">
+          <ac:chgData name="Long B Nguyen" userId="f59fb8f3-a021-417a-8bc1-65c8d471c621" providerId="ADAL" clId="{34A2CF11-652E-6345-AC5C-A89FACA07C4E}" dt="2020-02-28T14:52:08.779" v="1420" actId="113"/>
+          <ac:spMkLst>
+            <pc:docMk/>
+            <pc:sldMk cId="2894020677" sldId="587"/>
+            <ac:spMk id="68610" creationId="{A4345070-62DC-4946-AD43-299FA9B490E0}"/>
+          </ac:spMkLst>
+        </pc:spChg>
+        <pc:spChg chg="mod">
+          <ac:chgData name="Long B Nguyen" userId="f59fb8f3-a021-417a-8bc1-65c8d471c621" providerId="ADAL" clId="{34A2CF11-652E-6345-AC5C-A89FACA07C4E}" dt="2020-02-25T15:48:01.085" v="430" actId="1076"/>
+          <ac:spMkLst>
+            <pc:docMk/>
+            <pc:sldMk cId="2894020677" sldId="587"/>
+            <ac:spMk id="69633" creationId="{8C113226-FF22-D946-A8D9-BF2B6BAC62D2}"/>
+          </ac:spMkLst>
+        </pc:spChg>
+      </pc:sldChg>
+      <pc:sldChg chg="addSp modSp">
+        <pc:chgData name="Long B Nguyen" userId="f59fb8f3-a021-417a-8bc1-65c8d471c621" providerId="ADAL" clId="{34A2CF11-652E-6345-AC5C-A89FACA07C4E}" dt="2021-03-23T13:51:09.571" v="1741"/>
+        <pc:sldMkLst>
+          <pc:docMk/>
+          <pc:sldMk cId="3609960584" sldId="588"/>
+        </pc:sldMkLst>
+        <pc:spChg chg="add mod">
+          <ac:chgData name="Long B Nguyen" userId="f59fb8f3-a021-417a-8bc1-65c8d471c621" providerId="ADAL" clId="{34A2CF11-652E-6345-AC5C-A89FACA07C4E}" dt="2021-03-23T13:51:09.571" v="1741"/>
+          <ac:spMkLst>
+            <pc:docMk/>
+            <pc:sldMk cId="3609960584" sldId="588"/>
+            <ac:spMk id="2" creationId="{68075379-D95F-4C4C-8570-A75B9DA7B6F1}"/>
+          </ac:spMkLst>
+        </pc:spChg>
+        <pc:spChg chg="mod">
+          <ac:chgData name="Long B Nguyen" userId="f59fb8f3-a021-417a-8bc1-65c8d471c621" providerId="ADAL" clId="{34A2CF11-652E-6345-AC5C-A89FACA07C4E}" dt="2020-02-25T15:15:28.597" v="236" actId="5793"/>
+          <ac:spMkLst>
+            <pc:docMk/>
+            <pc:sldMk cId="3609960584" sldId="588"/>
+            <ac:spMk id="27651" creationId="{D2E8AD57-ED30-A247-A629-D196B221ADDD}"/>
+          </ac:spMkLst>
+        </pc:spChg>
+        <pc:spChg chg="mod">
+          <ac:chgData name="Long B Nguyen" userId="f59fb8f3-a021-417a-8bc1-65c8d471c621" providerId="ADAL" clId="{34A2CF11-652E-6345-AC5C-A89FACA07C4E}" dt="2020-02-25T15:15:15.892" v="230" actId="1076"/>
+          <ac:spMkLst>
+            <pc:docMk/>
+            <pc:sldMk cId="3609960584" sldId="588"/>
+            <ac:spMk id="61441" creationId="{5D868FC1-4364-924A-9574-ECC30E407753}"/>
+          </ac:spMkLst>
+        </pc:spChg>
+      </pc:sldChg>
+      <pc:sldChg chg="addSp modSp">
+        <pc:chgData name="Long B Nguyen" userId="f59fb8f3-a021-417a-8bc1-65c8d471c621" providerId="ADAL" clId="{34A2CF11-652E-6345-AC5C-A89FACA07C4E}" dt="2021-03-23T13:51:09.571" v="1741"/>
+        <pc:sldMkLst>
+          <pc:docMk/>
+          <pc:sldMk cId="2527578196" sldId="589"/>
+        </pc:sldMkLst>
+        <pc:spChg chg="add mod">
+          <ac:chgData name="Long B Nguyen" userId="f59fb8f3-a021-417a-8bc1-65c8d471c621" providerId="ADAL" clId="{34A2CF11-652E-6345-AC5C-A89FACA07C4E}" dt="2021-03-23T13:51:09.571" v="1741"/>
+          <ac:spMkLst>
+            <pc:docMk/>
+            <pc:sldMk cId="2527578196" sldId="589"/>
+            <ac:spMk id="2" creationId="{50AC805D-E9EA-5242-83D1-9D9470F9346C}"/>
+          </ac:spMkLst>
+        </pc:spChg>
+        <pc:spChg chg="mod">
+          <ac:chgData name="Long B Nguyen" userId="f59fb8f3-a021-417a-8bc1-65c8d471c621" providerId="ADAL" clId="{34A2CF11-652E-6345-AC5C-A89FACA07C4E}" dt="2020-02-25T15:49:00.714" v="453" actId="20577"/>
+          <ac:spMkLst>
+            <pc:docMk/>
+            <pc:sldMk cId="2527578196" sldId="589"/>
+            <ac:spMk id="75777" creationId="{188EB92C-DDEE-294E-96AE-5B2F5541A13E}"/>
+          </ac:spMkLst>
+        </pc:spChg>
+        <pc:spChg chg="mod">
+          <ac:chgData name="Long B Nguyen" userId="f59fb8f3-a021-417a-8bc1-65c8d471c621" providerId="ADAL" clId="{34A2CF11-652E-6345-AC5C-A89FACA07C4E}" dt="2020-02-25T15:48:49.697" v="436" actId="14100"/>
+          <ac:spMkLst>
+            <pc:docMk/>
+            <pc:sldMk cId="2527578196" sldId="589"/>
+            <ac:spMk id="75778" creationId="{23AB5E3C-D5D9-064C-9574-DFF97AF265D0}"/>
+          </ac:spMkLst>
+        </pc:spChg>
+      </pc:sldChg>
+      <pc:sldChg chg="addSp modSp">
+        <pc:chgData name="Long B Nguyen" userId="f59fb8f3-a021-417a-8bc1-65c8d471c621" providerId="ADAL" clId="{34A2CF11-652E-6345-AC5C-A89FACA07C4E}" dt="2021-03-23T13:51:09.571" v="1741"/>
+        <pc:sldMkLst>
+          <pc:docMk/>
+          <pc:sldMk cId="3609937493" sldId="590"/>
+        </pc:sldMkLst>
+        <pc:spChg chg="add mod">
+          <ac:chgData name="Long B Nguyen" userId="f59fb8f3-a021-417a-8bc1-65c8d471c621" providerId="ADAL" clId="{34A2CF11-652E-6345-AC5C-A89FACA07C4E}" dt="2021-03-23T13:51:09.571" v="1741"/>
+          <ac:spMkLst>
+            <pc:docMk/>
+            <pc:sldMk cId="3609937493" sldId="590"/>
+            <ac:spMk id="2" creationId="{5199F4C0-4116-4045-9BCD-E261CC62FD46}"/>
+          </ac:spMkLst>
+        </pc:spChg>
+        <pc:spChg chg="mod">
+          <ac:chgData name="Long B Nguyen" userId="f59fb8f3-a021-417a-8bc1-65c8d471c621" providerId="ADAL" clId="{34A2CF11-652E-6345-AC5C-A89FACA07C4E}" dt="2020-02-25T15:49:55.314" v="492" actId="1076"/>
+          <ac:spMkLst>
+            <pc:docMk/>
+            <pc:sldMk cId="3609937493" sldId="590"/>
+            <ac:spMk id="79873" creationId="{E8B36DA1-FD32-914E-8D09-91D267F39A7A}"/>
+          </ac:spMkLst>
+        </pc:spChg>
+        <pc:spChg chg="mod">
+          <ac:chgData name="Long B Nguyen" userId="f59fb8f3-a021-417a-8bc1-65c8d471c621" providerId="ADAL" clId="{34A2CF11-652E-6345-AC5C-A89FACA07C4E}" dt="2020-02-25T15:49:50.463" v="490" actId="14100"/>
+          <ac:spMkLst>
+            <pc:docMk/>
+            <pc:sldMk cId="3609937493" sldId="590"/>
+            <ac:spMk id="79874" creationId="{C365A828-14EF-694A-9BBF-E18CC423E31B}"/>
+          </ac:spMkLst>
+        </pc:spChg>
+        <pc:picChg chg="mod">
+          <ac:chgData name="Long B Nguyen" userId="f59fb8f3-a021-417a-8bc1-65c8d471c621" providerId="ADAL" clId="{34A2CF11-652E-6345-AC5C-A89FACA07C4E}" dt="2020-02-25T15:49:43.277" v="488" actId="14100"/>
+          <ac:picMkLst>
+            <pc:docMk/>
+            <pc:sldMk cId="3609937493" sldId="590"/>
+            <ac:picMk id="79875" creationId="{CE627FFA-2BD4-3244-9CFB-E9A8530A32E1}"/>
+          </ac:picMkLst>
+        </pc:picChg>
+      </pc:sldChg>
+      <pc:sldChg chg="addSp modSp">
+        <pc:chgData name="Long B Nguyen" userId="f59fb8f3-a021-417a-8bc1-65c8d471c621" providerId="ADAL" clId="{34A2CF11-652E-6345-AC5C-A89FACA07C4E}" dt="2021-03-23T13:51:09.571" v="1741"/>
+        <pc:sldMkLst>
+          <pc:docMk/>
+          <pc:sldMk cId="4266553646" sldId="591"/>
+        </pc:sldMkLst>
+        <pc:spChg chg="add mod">
+          <ac:chgData name="Long B Nguyen" userId="f59fb8f3-a021-417a-8bc1-65c8d471c621" providerId="ADAL" clId="{34A2CF11-652E-6345-AC5C-A89FACA07C4E}" dt="2021-03-23T13:51:09.571" v="1741"/>
+          <ac:spMkLst>
+            <pc:docMk/>
+            <pc:sldMk cId="4266553646" sldId="591"/>
+            <ac:spMk id="2" creationId="{5055F4B0-3B63-E540-8D9F-00C92CE9C7D0}"/>
+          </ac:spMkLst>
+        </pc:spChg>
+        <pc:spChg chg="mod">
+          <ac:chgData name="Long B Nguyen" userId="f59fb8f3-a021-417a-8bc1-65c8d471c621" providerId="ADAL" clId="{34A2CF11-652E-6345-AC5C-A89FACA07C4E}" dt="2020-02-25T15:49:31.728" v="486" actId="1036"/>
+          <ac:spMkLst>
+            <pc:docMk/>
+            <pc:sldMk cId="4266553646" sldId="591"/>
+            <ac:spMk id="77825" creationId="{21CC4A42-EA8F-BF47-ADD5-B721E414F5F2}"/>
+          </ac:spMkLst>
+        </pc:spChg>
+        <pc:spChg chg="mod">
+          <ac:chgData name="Long B Nguyen" userId="f59fb8f3-a021-417a-8bc1-65c8d471c621" providerId="ADAL" clId="{34A2CF11-652E-6345-AC5C-A89FACA07C4E}" dt="2020-02-25T15:49:20.882" v="474" actId="14100"/>
+          <ac:spMkLst>
+            <pc:docMk/>
+            <pc:sldMk cId="4266553646" sldId="591"/>
+            <ac:spMk id="77826" creationId="{07CDE7D8-6D62-BA4B-8A6C-4F0744144459}"/>
+          </ac:spMkLst>
+        </pc:spChg>
+      </pc:sldChg>
+      <pc:sldChg chg="delSp modSp del">
+        <pc:chgData name="Long B Nguyen" userId="f59fb8f3-a021-417a-8bc1-65c8d471c621" providerId="ADAL" clId="{34A2CF11-652E-6345-AC5C-A89FACA07C4E}" dt="2020-02-28T14:52:21.453" v="1421" actId="2696"/>
+        <pc:sldMkLst>
+          <pc:docMk/>
+          <pc:sldMk cId="4126212206" sldId="592"/>
+        </pc:sldMkLst>
+        <pc:spChg chg="mod">
+          <ac:chgData name="Long B Nguyen" userId="f59fb8f3-a021-417a-8bc1-65c8d471c621" providerId="ADAL" clId="{34A2CF11-652E-6345-AC5C-A89FACA07C4E}" dt="2020-02-25T15:50:54.514" v="505" actId="1076"/>
+          <ac:spMkLst>
+            <pc:docMk/>
+            <pc:sldMk cId="4126212206" sldId="592"/>
+            <ac:spMk id="84993" creationId="{C169A412-E2F9-004D-A0EF-86F1C409823C}"/>
+          </ac:spMkLst>
+        </pc:spChg>
+        <pc:spChg chg="mod">
+          <ac:chgData name="Long B Nguyen" userId="f59fb8f3-a021-417a-8bc1-65c8d471c621" providerId="ADAL" clId="{34A2CF11-652E-6345-AC5C-A89FACA07C4E}" dt="2020-02-25T15:54:31.469" v="526" actId="113"/>
+          <ac:spMkLst>
+            <pc:docMk/>
+            <pc:sldMk cId="4126212206" sldId="592"/>
+            <ac:spMk id="84994" creationId="{6971D443-43C5-2E43-8019-712D595D62F2}"/>
+          </ac:spMkLst>
+        </pc:spChg>
+        <pc:picChg chg="del mod">
+          <ac:chgData name="Long B Nguyen" userId="f59fb8f3-a021-417a-8bc1-65c8d471c621" providerId="ADAL" clId="{34A2CF11-652E-6345-AC5C-A89FACA07C4E}" dt="2020-02-25T15:53:53.262" v="513" actId="478"/>
+          <ac:picMkLst>
+            <pc:docMk/>
+            <pc:sldMk cId="4126212206" sldId="592"/>
+            <ac:picMk id="84995" creationId="{D74B79FF-3957-A841-989F-1A7CCA0A7940}"/>
+          </ac:picMkLst>
+        </pc:picChg>
+      </pc:sldChg>
+      <pc:sldChg chg="del">
+        <pc:chgData name="Long B Nguyen" userId="f59fb8f3-a021-417a-8bc1-65c8d471c621" providerId="ADAL" clId="{34A2CF11-652E-6345-AC5C-A89FACA07C4E}" dt="2020-02-25T15:53:20.954" v="511" actId="2696"/>
+        <pc:sldMkLst>
+          <pc:docMk/>
+          <pc:sldMk cId="2279088232" sldId="595"/>
+        </pc:sldMkLst>
+      </pc:sldChg>
+      <pc:sldChg chg="del">
+        <pc:chgData name="Long B Nguyen" userId="f59fb8f3-a021-417a-8bc1-65c8d471c621" providerId="ADAL" clId="{34A2CF11-652E-6345-AC5C-A89FACA07C4E}" dt="2020-02-25T15:53:19.581" v="510" actId="2696"/>
+        <pc:sldMkLst>
+          <pc:docMk/>
+          <pc:sldMk cId="1584709501" sldId="596"/>
+        </pc:sldMkLst>
+      </pc:sldChg>
+      <pc:sldChg chg="modSp del modAnim">
+        <pc:chgData name="Long B Nguyen" userId="f59fb8f3-a021-417a-8bc1-65c8d471c621" providerId="ADAL" clId="{34A2CF11-652E-6345-AC5C-A89FACA07C4E}" dt="2020-02-25T15:12:52.196" v="190" actId="2696"/>
+        <pc:sldMkLst>
+          <pc:docMk/>
+          <pc:sldMk cId="3065633131" sldId="604"/>
+        </pc:sldMkLst>
+        <pc:spChg chg="mod">
+          <ac:chgData name="Long B Nguyen" userId="f59fb8f3-a021-417a-8bc1-65c8d471c621" providerId="ADAL" clId="{34A2CF11-652E-6345-AC5C-A89FACA07C4E}" dt="2020-02-25T15:12:43.957" v="189" actId="20577"/>
+          <ac:spMkLst>
+            <pc:docMk/>
+            <pc:sldMk cId="3065633131" sldId="604"/>
+            <ac:spMk id="50178" creationId="{14937878-A5BD-0443-8F34-B0A863A78864}"/>
+          </ac:spMkLst>
+        </pc:spChg>
+        <pc:spChg chg="mod">
+          <ac:chgData name="Long B Nguyen" userId="f59fb8f3-a021-417a-8bc1-65c8d471c621" providerId="ADAL" clId="{34A2CF11-652E-6345-AC5C-A89FACA07C4E}" dt="2020-02-25T15:12:31.849" v="183" actId="1076"/>
+          <ac:spMkLst>
+            <pc:docMk/>
+            <pc:sldMk cId="3065633131" sldId="604"/>
+            <ac:spMk id="51201" creationId="{197E898E-0251-DF4C-8E64-7B1D3BF0CA82}"/>
+          </ac:spMkLst>
+        </pc:spChg>
+      </pc:sldChg>
+      <pc:sldChg chg="modSp del">
+        <pc:chgData name="Long B Nguyen" userId="f59fb8f3-a021-417a-8bc1-65c8d471c621" providerId="ADAL" clId="{34A2CF11-652E-6345-AC5C-A89FACA07C4E}" dt="2020-02-25T15:13:53.707" v="206" actId="2696"/>
+        <pc:sldMkLst>
+          <pc:docMk/>
+          <pc:sldMk cId="2263416976" sldId="605"/>
+        </pc:sldMkLst>
+        <pc:spChg chg="mod">
+          <ac:chgData name="Long B Nguyen" userId="f59fb8f3-a021-417a-8bc1-65c8d471c621" providerId="ADAL" clId="{34A2CF11-652E-6345-AC5C-A89FACA07C4E}" dt="2020-02-25T15:13:34.457" v="205" actId="5793"/>
+          <ac:spMkLst>
+            <pc:docMk/>
+            <pc:sldMk cId="2263416976" sldId="605"/>
+            <ac:spMk id="27651" creationId="{8414F638-A0BF-1B4A-9444-E7D185E09B3C}"/>
+          </ac:spMkLst>
+        </pc:spChg>
+        <pc:spChg chg="mod">
+          <ac:chgData name="Long B Nguyen" userId="f59fb8f3-a021-417a-8bc1-65c8d471c621" providerId="ADAL" clId="{34A2CF11-652E-6345-AC5C-A89FACA07C4E}" dt="2020-02-25T15:13:32.062" v="204" actId="1076"/>
+          <ac:spMkLst>
+            <pc:docMk/>
+            <pc:sldMk cId="2263416976" sldId="605"/>
+            <ac:spMk id="53249" creationId="{E45DFD43-86E0-7C46-B672-4F88F0E2A548}"/>
+          </ac:spMkLst>
+        </pc:spChg>
+      </pc:sldChg>
+      <pc:sldChg chg="addSp modSp">
+        <pc:chgData name="Long B Nguyen" userId="f59fb8f3-a021-417a-8bc1-65c8d471c621" providerId="ADAL" clId="{34A2CF11-652E-6345-AC5C-A89FACA07C4E}" dt="2021-03-23T13:51:09.571" v="1741"/>
+        <pc:sldMkLst>
+          <pc:docMk/>
+          <pc:sldMk cId="2319263073" sldId="610"/>
+        </pc:sldMkLst>
+        <pc:spChg chg="add mod">
+          <ac:chgData name="Long B Nguyen" userId="f59fb8f3-a021-417a-8bc1-65c8d471c621" providerId="ADAL" clId="{34A2CF11-652E-6345-AC5C-A89FACA07C4E}" dt="2021-03-23T13:51:09.571" v="1741"/>
+          <ac:spMkLst>
+            <pc:docMk/>
+            <pc:sldMk cId="2319263073" sldId="610"/>
+            <ac:spMk id="2" creationId="{6F9EB0BB-A183-EB48-9C1F-267545F9ED6D}"/>
+          </ac:spMkLst>
+        </pc:spChg>
+        <pc:spChg chg="mod">
+          <ac:chgData name="Long B Nguyen" userId="f59fb8f3-a021-417a-8bc1-65c8d471c621" providerId="ADAL" clId="{34A2CF11-652E-6345-AC5C-A89FACA07C4E}" dt="2020-02-25T16:21:01.033" v="1409"/>
+          <ac:spMkLst>
+            <pc:docMk/>
+            <pc:sldMk cId="2319263073" sldId="610"/>
+            <ac:spMk id="92162" creationId="{DFA6F312-AB30-8341-AC59-361BA5365D65}"/>
+          </ac:spMkLst>
+        </pc:spChg>
+      </pc:sldChg>
+      <pc:sldChg chg="addSp modSp mod">
+        <pc:chgData name="Long B Nguyen" userId="f59fb8f3-a021-417a-8bc1-65c8d471c621" providerId="ADAL" clId="{34A2CF11-652E-6345-AC5C-A89FACA07C4E}" dt="2021-03-23T13:51:09.571" v="1741"/>
+        <pc:sldMkLst>
+          <pc:docMk/>
+          <pc:sldMk cId="2164029680" sldId="611"/>
+        </pc:sldMkLst>
+        <pc:spChg chg="add mod">
+          <ac:chgData name="Long B Nguyen" userId="f59fb8f3-a021-417a-8bc1-65c8d471c621" providerId="ADAL" clId="{34A2CF11-652E-6345-AC5C-A89FACA07C4E}" dt="2021-03-23T13:51:09.571" v="1741"/>
+          <ac:spMkLst>
+            <pc:docMk/>
+            <pc:sldMk cId="2164029680" sldId="611"/>
+            <ac:spMk id="2" creationId="{9AC8533E-9BCB-F24D-9E7C-2F20AEB2C21D}"/>
+          </ac:spMkLst>
+        </pc:spChg>
+        <pc:spChg chg="mod">
+          <ac:chgData name="Long B Nguyen" userId="f59fb8f3-a021-417a-8bc1-65c8d471c621" providerId="ADAL" clId="{34A2CF11-652E-6345-AC5C-A89FACA07C4E}" dt="2021-03-22T13:07:54.001" v="1461" actId="1076"/>
+          <ac:spMkLst>
+            <pc:docMk/>
+            <pc:sldMk cId="2164029680" sldId="611"/>
+            <ac:spMk id="17409" creationId="{F8E6935E-FDF9-4D46-93BC-CE083007DBA8}"/>
+          </ac:spMkLst>
+        </pc:spChg>
+        <pc:spChg chg="mod">
+          <ac:chgData name="Long B Nguyen" userId="f59fb8f3-a021-417a-8bc1-65c8d471c621" providerId="ADAL" clId="{34A2CF11-652E-6345-AC5C-A89FACA07C4E}" dt="2021-03-22T13:10:44.451" v="1508" actId="1076"/>
+          <ac:spMkLst>
+            <pc:docMk/>
+            <pc:sldMk cId="2164029680" sldId="611"/>
+            <ac:spMk id="17410" creationId="{C9772176-DC13-F64D-AC00-58F2A4791B97}"/>
+          </ac:spMkLst>
+        </pc:spChg>
+        <pc:picChg chg="mod">
+          <ac:chgData name="Long B Nguyen" userId="f59fb8f3-a021-417a-8bc1-65c8d471c621" providerId="ADAL" clId="{34A2CF11-652E-6345-AC5C-A89FACA07C4E}" dt="2021-03-22T13:10:47.816" v="1509" actId="1076"/>
+          <ac:picMkLst>
+            <pc:docMk/>
+            <pc:sldMk cId="2164029680" sldId="611"/>
+            <ac:picMk id="17411" creationId="{B62521C5-B909-B44E-A0DB-22E03DEE6148}"/>
+          </ac:picMkLst>
+        </pc:picChg>
+      </pc:sldChg>
+      <pc:sldChg chg="addSp modSp add mod modAnim">
+        <pc:chgData name="Long B Nguyen" userId="f59fb8f3-a021-417a-8bc1-65c8d471c621" providerId="ADAL" clId="{34A2CF11-652E-6345-AC5C-A89FACA07C4E}" dt="2021-03-23T13:51:09.571" v="1741"/>
+        <pc:sldMkLst>
+          <pc:docMk/>
+          <pc:sldMk cId="1576202481" sldId="612"/>
+        </pc:sldMkLst>
+        <pc:spChg chg="add mod">
+          <ac:chgData name="Long B Nguyen" userId="f59fb8f3-a021-417a-8bc1-65c8d471c621" providerId="ADAL" clId="{34A2CF11-652E-6345-AC5C-A89FACA07C4E}" dt="2021-03-23T13:51:09.571" v="1741"/>
+          <ac:spMkLst>
+            <pc:docMk/>
+            <pc:sldMk cId="1576202481" sldId="612"/>
+            <ac:spMk id="2" creationId="{CE9EE246-109C-E440-A4E1-0DF6D2C5C46C}"/>
+          </ac:spMkLst>
+        </pc:spChg>
+        <pc:spChg chg="mod">
+          <ac:chgData name="Long B Nguyen" userId="f59fb8f3-a021-417a-8bc1-65c8d471c621" providerId="ADAL" clId="{34A2CF11-652E-6345-AC5C-A89FACA07C4E}" dt="2021-03-22T13:43:39.807" v="1641" actId="20577"/>
+          <ac:spMkLst>
+            <pc:docMk/>
+            <pc:sldMk cId="1576202481" sldId="612"/>
+            <ac:spMk id="17409" creationId="{F8E6935E-FDF9-4D46-93BC-CE083007DBA8}"/>
+          </ac:spMkLst>
+        </pc:spChg>
+        <pc:spChg chg="mod">
+          <ac:chgData name="Long B Nguyen" userId="f59fb8f3-a021-417a-8bc1-65c8d471c621" providerId="ADAL" clId="{34A2CF11-652E-6345-AC5C-A89FACA07C4E}" dt="2021-03-22T13:45:28.554" v="1668" actId="20577"/>
+          <ac:spMkLst>
+            <pc:docMk/>
+            <pc:sldMk cId="1576202481" sldId="612"/>
+            <ac:spMk id="17410" creationId="{C9772176-DC13-F64D-AC00-58F2A4791B97}"/>
+          </ac:spMkLst>
+        </pc:spChg>
+      </pc:sldChg>
+      <pc:sldChg chg="modSp del mod modAnim">
+        <pc:chgData name="Long B Nguyen" userId="f59fb8f3-a021-417a-8bc1-65c8d471c621" providerId="ADAL" clId="{34A2CF11-652E-6345-AC5C-A89FACA07C4E}" dt="2021-03-22T13:07:39.894" v="1458" actId="2696"/>
+        <pc:sldMkLst>
+          <pc:docMk/>
+          <pc:sldMk cId="2356037138" sldId="612"/>
+        </pc:sldMkLst>
+        <pc:spChg chg="mod">
+          <ac:chgData name="Long B Nguyen" userId="f59fb8f3-a021-417a-8bc1-65c8d471c621" providerId="ADAL" clId="{34A2CF11-652E-6345-AC5C-A89FACA07C4E}" dt="2021-03-22T13:05:24.896" v="1449" actId="1076"/>
+          <ac:spMkLst>
+            <pc:docMk/>
+            <pc:sldMk cId="2356037138" sldId="612"/>
+            <ac:spMk id="17409" creationId="{F8E6935E-FDF9-4D46-93BC-CE083007DBA8}"/>
+          </ac:spMkLst>
+        </pc:spChg>
+        <pc:spChg chg="mod">
+          <ac:chgData name="Long B Nguyen" userId="f59fb8f3-a021-417a-8bc1-65c8d471c621" providerId="ADAL" clId="{34A2CF11-652E-6345-AC5C-A89FACA07C4E}" dt="2021-03-22T13:05:42.527" v="1454" actId="20577"/>
+          <ac:spMkLst>
+            <pc:docMk/>
+            <pc:sldMk cId="2356037138" sldId="612"/>
+            <ac:spMk id="17410" creationId="{C9772176-DC13-F64D-AC00-58F2A4791B97}"/>
+          </ac:spMkLst>
+        </pc:spChg>
+      </pc:sldChg>
+      <pc:sldChg chg="add del">
+        <pc:chgData name="Long B Nguyen" userId="f59fb8f3-a021-417a-8bc1-65c8d471c621" providerId="ADAL" clId="{34A2CF11-652E-6345-AC5C-A89FACA07C4E}" dt="2021-03-22T13:43:08.160" v="1590" actId="2696"/>
+        <pc:sldMkLst>
+          <pc:docMk/>
+          <pc:sldMk cId="2361393618" sldId="612"/>
+        </pc:sldMkLst>
+      </pc:sldChg>
+      <pc:sldChg chg="modSp add del modAnim">
+        <pc:chgData name="Long B Nguyen" userId="f59fb8f3-a021-417a-8bc1-65c8d471c621" providerId="ADAL" clId="{34A2CF11-652E-6345-AC5C-A89FACA07C4E}" dt="2021-03-22T13:41:31.606" v="1588" actId="2696"/>
+        <pc:sldMkLst>
+          <pc:docMk/>
+          <pc:sldMk cId="2900571601" sldId="612"/>
+        </pc:sldMkLst>
+        <pc:spChg chg="mod">
+          <ac:chgData name="Long B Nguyen" userId="f59fb8f3-a021-417a-8bc1-65c8d471c621" providerId="ADAL" clId="{34A2CF11-652E-6345-AC5C-A89FACA07C4E}" dt="2021-03-22T13:41:24.207" v="1587"/>
+          <ac:spMkLst>
+            <pc:docMk/>
+            <pc:sldMk cId="2900571601" sldId="612"/>
+            <ac:spMk id="17410" creationId="{C9772176-DC13-F64D-AC00-58F2A4791B97}"/>
+          </ac:spMkLst>
+        </pc:spChg>
+      </pc:sldChg>
+      <pc:sldChg chg="addSp modSp add modAnim">
+        <pc:chgData name="Long B Nguyen" userId="f59fb8f3-a021-417a-8bc1-65c8d471c621" providerId="ADAL" clId="{34A2CF11-652E-6345-AC5C-A89FACA07C4E}" dt="2021-03-23T13:51:09.571" v="1741"/>
+        <pc:sldMkLst>
+          <pc:docMk/>
+          <pc:sldMk cId="1558241323" sldId="613"/>
+        </pc:sldMkLst>
+        <pc:spChg chg="add mod">
+          <ac:chgData name="Long B Nguyen" userId="f59fb8f3-a021-417a-8bc1-65c8d471c621" providerId="ADAL" clId="{34A2CF11-652E-6345-AC5C-A89FACA07C4E}" dt="2021-03-23T13:51:09.571" v="1741"/>
+          <ac:spMkLst>
+            <pc:docMk/>
+            <pc:sldMk cId="1558241323" sldId="613"/>
+            <ac:spMk id="2" creationId="{816E1766-DFA6-6940-AA77-C1226F6F4130}"/>
+          </ac:spMkLst>
+        </pc:spChg>
+        <pc:spChg chg="mod">
+          <ac:chgData name="Long B Nguyen" userId="f59fb8f3-a021-417a-8bc1-65c8d471c621" providerId="ADAL" clId="{34A2CF11-652E-6345-AC5C-A89FACA07C4E}" dt="2020-02-25T15:18:19.998" v="281" actId="20577"/>
+          <ac:spMkLst>
+            <pc:docMk/>
+            <pc:sldMk cId="1558241323" sldId="613"/>
+            <ac:spMk id="64514" creationId="{7788F03B-8D64-E645-BC3F-DBD76C93C456}"/>
+          </ac:spMkLst>
+        </pc:spChg>
+        <pc:spChg chg="mod">
+          <ac:chgData name="Long B Nguyen" userId="f59fb8f3-a021-417a-8bc1-65c8d471c621" providerId="ADAL" clId="{34A2CF11-652E-6345-AC5C-A89FACA07C4E}" dt="2020-02-25T15:18:40.361" v="298" actId="20577"/>
+          <ac:spMkLst>
+            <pc:docMk/>
+            <pc:sldMk cId="1558241323" sldId="613"/>
+            <ac:spMk id="65537" creationId="{86430671-77D5-6E4C-94A5-D61EB184D3ED}"/>
+          </ac:spMkLst>
+        </pc:spChg>
+      </pc:sldChg>
+      <pc:sldChg chg="modSp add del">
+        <pc:chgData name="Long B Nguyen" userId="f59fb8f3-a021-417a-8bc1-65c8d471c621" providerId="ADAL" clId="{34A2CF11-652E-6345-AC5C-A89FACA07C4E}" dt="2020-02-25T15:19:10.925" v="318" actId="2696"/>
+        <pc:sldMkLst>
+          <pc:docMk/>
+          <pc:sldMk cId="3595252648" sldId="614"/>
+        </pc:sldMkLst>
+        <pc:spChg chg="mod">
+          <ac:chgData name="Long B Nguyen" userId="f59fb8f3-a021-417a-8bc1-65c8d471c621" providerId="ADAL" clId="{34A2CF11-652E-6345-AC5C-A89FACA07C4E}" dt="2020-02-25T15:19:07.869" v="317"/>
+          <ac:spMkLst>
+            <pc:docMk/>
+            <pc:sldMk cId="3595252648" sldId="614"/>
+            <ac:spMk id="64514" creationId="{7788F03B-8D64-E645-BC3F-DBD76C93C456}"/>
+          </ac:spMkLst>
+        </pc:spChg>
+        <pc:spChg chg="mod">
+          <ac:chgData name="Long B Nguyen" userId="f59fb8f3-a021-417a-8bc1-65c8d471c621" providerId="ADAL" clId="{34A2CF11-652E-6345-AC5C-A89FACA07C4E}" dt="2020-02-25T15:18:46.486" v="310" actId="20577"/>
+          <ac:spMkLst>
+            <pc:docMk/>
+            <pc:sldMk cId="3595252648" sldId="614"/>
+            <ac:spMk id="65537" creationId="{86430671-77D5-6E4C-94A5-D61EB184D3ED}"/>
+          </ac:spMkLst>
+        </pc:spChg>
+      </pc:sldChg>
+      <pc:sldChg chg="addSp modSp add">
+        <pc:chgData name="Long B Nguyen" userId="f59fb8f3-a021-417a-8bc1-65c8d471c621" providerId="ADAL" clId="{34A2CF11-652E-6345-AC5C-A89FACA07C4E}" dt="2021-03-23T13:51:09.571" v="1741"/>
+        <pc:sldMkLst>
+          <pc:docMk/>
+          <pc:sldMk cId="1678415157" sldId="615"/>
+        </pc:sldMkLst>
+        <pc:spChg chg="add mod">
+          <ac:chgData name="Long B Nguyen" userId="f59fb8f3-a021-417a-8bc1-65c8d471c621" providerId="ADAL" clId="{34A2CF11-652E-6345-AC5C-A89FACA07C4E}" dt="2021-03-23T13:51:09.571" v="1741"/>
+          <ac:spMkLst>
+            <pc:docMk/>
+            <pc:sldMk cId="1678415157" sldId="615"/>
+            <ac:spMk id="2" creationId="{98DEE815-E49C-0546-8687-B6BC51BC7976}"/>
+          </ac:spMkLst>
+        </pc:spChg>
+        <pc:spChg chg="mod">
+          <ac:chgData name="Long B Nguyen" userId="f59fb8f3-a021-417a-8bc1-65c8d471c621" providerId="ADAL" clId="{34A2CF11-652E-6345-AC5C-A89FACA07C4E}" dt="2020-02-25T15:19:50.819" v="327"/>
+          <ac:spMkLst>
+            <pc:docMk/>
+            <pc:sldMk cId="1678415157" sldId="615"/>
+            <ac:spMk id="64514" creationId="{7788F03B-8D64-E645-BC3F-DBD76C93C456}"/>
+          </ac:spMkLst>
+        </pc:spChg>
+        <pc:spChg chg="mod">
+          <ac:chgData name="Long B Nguyen" userId="f59fb8f3-a021-417a-8bc1-65c8d471c621" providerId="ADAL" clId="{34A2CF11-652E-6345-AC5C-A89FACA07C4E}" dt="2020-02-25T15:21:23.981" v="339" actId="20577"/>
+          <ac:spMkLst>
+            <pc:docMk/>
+            <pc:sldMk cId="1678415157" sldId="615"/>
+            <ac:spMk id="65537" creationId="{86430671-77D5-6E4C-94A5-D61EB184D3ED}"/>
+          </ac:spMkLst>
+        </pc:spChg>
+      </pc:sldChg>
+      <pc:sldChg chg="addSp modSp add modAnim">
+        <pc:chgData name="Long B Nguyen" userId="f59fb8f3-a021-417a-8bc1-65c8d471c621" providerId="ADAL" clId="{34A2CF11-652E-6345-AC5C-A89FACA07C4E}" dt="2021-03-23T13:51:09.571" v="1741"/>
+        <pc:sldMkLst>
+          <pc:docMk/>
+          <pc:sldMk cId="827202224" sldId="616"/>
+        </pc:sldMkLst>
+        <pc:spChg chg="add mod">
+          <ac:chgData name="Long B Nguyen" userId="f59fb8f3-a021-417a-8bc1-65c8d471c621" providerId="ADAL" clId="{34A2CF11-652E-6345-AC5C-A89FACA07C4E}" dt="2021-03-23T13:51:09.571" v="1741"/>
+          <ac:spMkLst>
+            <pc:docMk/>
+            <pc:sldMk cId="827202224" sldId="616"/>
+            <ac:spMk id="2" creationId="{CA1F4191-4965-D44D-9FDC-D8BF3F813F33}"/>
+          </ac:spMkLst>
+        </pc:spChg>
+        <pc:spChg chg="mod">
+          <ac:chgData name="Long B Nguyen" userId="f59fb8f3-a021-417a-8bc1-65c8d471c621" providerId="ADAL" clId="{34A2CF11-652E-6345-AC5C-A89FACA07C4E}" dt="2020-02-25T15:25:36.066" v="381" actId="14100"/>
+          <ac:spMkLst>
+            <pc:docMk/>
+            <pc:sldMk cId="827202224" sldId="616"/>
+            <ac:spMk id="56322" creationId="{C6A7743F-88FF-7C47-8B09-99222CD5E28E}"/>
+          </ac:spMkLst>
+        </pc:spChg>
+        <pc:spChg chg="mod">
+          <ac:chgData name="Long B Nguyen" userId="f59fb8f3-a021-417a-8bc1-65c8d471c621" providerId="ADAL" clId="{34A2CF11-652E-6345-AC5C-A89FACA07C4E}" dt="2020-02-25T15:26:12.917" v="395" actId="20577"/>
+          <ac:spMkLst>
+            <pc:docMk/>
+            <pc:sldMk cId="827202224" sldId="616"/>
+            <ac:spMk id="57345" creationId="{CDA4A9B2-8639-C840-B975-2791E963EF68}"/>
+          </ac:spMkLst>
+        </pc:spChg>
+      </pc:sldChg>
+      <pc:sldChg chg="modSp add del">
+        <pc:chgData name="Long B Nguyen" userId="f59fb8f3-a021-417a-8bc1-65c8d471c621" providerId="ADAL" clId="{34A2CF11-652E-6345-AC5C-A89FACA07C4E}" dt="2020-02-25T15:24:04.912" v="356" actId="2696"/>
+        <pc:sldMkLst>
+          <pc:docMk/>
+          <pc:sldMk cId="2019408601" sldId="616"/>
+        </pc:sldMkLst>
+        <pc:spChg chg="mod">
+          <ac:chgData name="Long B Nguyen" userId="f59fb8f3-a021-417a-8bc1-65c8d471c621" providerId="ADAL" clId="{34A2CF11-652E-6345-AC5C-A89FACA07C4E}" dt="2020-02-25T15:23:49.972" v="355" actId="20577"/>
+          <ac:spMkLst>
+            <pc:docMk/>
+            <pc:sldMk cId="2019408601" sldId="616"/>
+            <ac:spMk id="57345" creationId="{CDA4A9B2-8639-C840-B975-2791E963EF68}"/>
+          </ac:spMkLst>
+        </pc:spChg>
+      </pc:sldChg>
+      <pc:sldChg chg="addSp modSp add">
+        <pc:chgData name="Long B Nguyen" userId="f59fb8f3-a021-417a-8bc1-65c8d471c621" providerId="ADAL" clId="{34A2CF11-652E-6345-AC5C-A89FACA07C4E}" dt="2021-03-23T13:51:09.571" v="1741"/>
+        <pc:sldMkLst>
+          <pc:docMk/>
+          <pc:sldMk cId="971732716" sldId="617"/>
+        </pc:sldMkLst>
+        <pc:spChg chg="add mod">
+          <ac:chgData name="Long B Nguyen" userId="f59fb8f3-a021-417a-8bc1-65c8d471c621" providerId="ADAL" clId="{34A2CF11-652E-6345-AC5C-A89FACA07C4E}" dt="2021-03-23T13:51:09.571" v="1741"/>
+          <ac:spMkLst>
+            <pc:docMk/>
+            <pc:sldMk cId="971732716" sldId="617"/>
+            <ac:spMk id="2" creationId="{03F0D2ED-2998-FD45-9ED2-94F946BF071B}"/>
+          </ac:spMkLst>
+        </pc:spChg>
+        <pc:spChg chg="mod">
+          <ac:chgData name="Long B Nguyen" userId="f59fb8f3-a021-417a-8bc1-65c8d471c621" providerId="ADAL" clId="{34A2CF11-652E-6345-AC5C-A89FACA07C4E}" dt="2020-02-25T15:28:05.754" v="418" actId="14100"/>
+          <ac:spMkLst>
+            <pc:docMk/>
+            <pc:sldMk cId="971732716" sldId="617"/>
+            <ac:spMk id="56322" creationId="{C6A7743F-88FF-7C47-8B09-99222CD5E28E}"/>
+          </ac:spMkLst>
+        </pc:spChg>
+        <pc:spChg chg="mod">
+          <ac:chgData name="Long B Nguyen" userId="f59fb8f3-a021-417a-8bc1-65c8d471c621" providerId="ADAL" clId="{34A2CF11-652E-6345-AC5C-A89FACA07C4E}" dt="2020-02-25T15:26:18.595" v="404" actId="20577"/>
+          <ac:spMkLst>
+            <pc:docMk/>
+            <pc:sldMk cId="971732716" sldId="617"/>
+            <ac:spMk id="57345" creationId="{CDA4A9B2-8639-C840-B975-2791E963EF68}"/>
+          </ac:spMkLst>
+        </pc:spChg>
+      </pc:sldChg>
+      <pc:sldChg chg="addSp delSp modSp add mod">
+        <pc:chgData name="Long B Nguyen" userId="f59fb8f3-a021-417a-8bc1-65c8d471c621" providerId="ADAL" clId="{34A2CF11-652E-6345-AC5C-A89FACA07C4E}" dt="2021-03-23T13:51:09.571" v="1741"/>
+        <pc:sldMkLst>
+          <pc:docMk/>
+          <pc:sldMk cId="1047995035" sldId="618"/>
+        </pc:sldMkLst>
+        <pc:spChg chg="add del mod">
+          <ac:chgData name="Long B Nguyen" userId="f59fb8f3-a021-417a-8bc1-65c8d471c621" providerId="ADAL" clId="{34A2CF11-652E-6345-AC5C-A89FACA07C4E}" dt="2021-03-23T13:46:05.856" v="1709" actId="478"/>
+          <ac:spMkLst>
+            <pc:docMk/>
+            <pc:sldMk cId="1047995035" sldId="618"/>
+            <ac:spMk id="2" creationId="{D2A0B21C-9D88-4849-A345-13DA31B7BEBE}"/>
+          </ac:spMkLst>
+        </pc:spChg>
+        <pc:spChg chg="add mod">
+          <ac:chgData name="Long B Nguyen" userId="f59fb8f3-a021-417a-8bc1-65c8d471c621" providerId="ADAL" clId="{34A2CF11-652E-6345-AC5C-A89FACA07C4E}" dt="2021-03-23T13:51:09.571" v="1741"/>
+          <ac:spMkLst>
+            <pc:docMk/>
+            <pc:sldMk cId="1047995035" sldId="618"/>
+            <ac:spMk id="3" creationId="{2BE80C14-A7AF-1C49-B21F-A9407BDBC219}"/>
+          </ac:spMkLst>
+        </pc:spChg>
+        <pc:spChg chg="add del mod">
+          <ac:chgData name="Long B Nguyen" userId="f59fb8f3-a021-417a-8bc1-65c8d471c621" providerId="ADAL" clId="{34A2CF11-652E-6345-AC5C-A89FACA07C4E}" dt="2021-03-23T13:46:03.420" v="1708" actId="478"/>
+          <ac:spMkLst>
+            <pc:docMk/>
+            <pc:sldMk cId="1047995035" sldId="618"/>
+            <ac:spMk id="7" creationId="{F51A5419-5B73-214D-B998-108B6DA4306F}"/>
+          </ac:spMkLst>
+        </pc:spChg>
+        <pc:spChg chg="add mod">
+          <ac:chgData name="Long B Nguyen" userId="f59fb8f3-a021-417a-8bc1-65c8d471c621" providerId="ADAL" clId="{34A2CF11-652E-6345-AC5C-A89FACA07C4E}" dt="2021-03-23T13:50:42.573" v="1740" actId="20577"/>
+          <ac:spMkLst>
+            <pc:docMk/>
+            <pc:sldMk cId="1047995035" sldId="618"/>
+            <ac:spMk id="8" creationId="{76F06D03-D5E1-174A-9507-1D3B402D4A27}"/>
+          </ac:spMkLst>
+        </pc:spChg>
+        <pc:spChg chg="add mod">
+          <ac:chgData name="Long B Nguyen" userId="f59fb8f3-a021-417a-8bc1-65c8d471c621" providerId="ADAL" clId="{34A2CF11-652E-6345-AC5C-A89FACA07C4E}" dt="2021-03-23T13:46:39.495" v="1718" actId="1076"/>
+          <ac:spMkLst>
+            <pc:docMk/>
+            <pc:sldMk cId="1047995035" sldId="618"/>
+            <ac:spMk id="10" creationId="{52DB6359-50C6-0D42-91B0-E58EBDED1380}"/>
+          </ac:spMkLst>
+        </pc:spChg>
+        <pc:spChg chg="mod">
+          <ac:chgData name="Long B Nguyen" userId="f59fb8f3-a021-417a-8bc1-65c8d471c621" providerId="ADAL" clId="{34A2CF11-652E-6345-AC5C-A89FACA07C4E}" dt="2021-03-23T13:45:49.614" v="1703" actId="21"/>
+          <ac:spMkLst>
+            <pc:docMk/>
+            <pc:sldMk cId="1047995035" sldId="618"/>
+            <ac:spMk id="84994" creationId="{6971D443-43C5-2E43-8019-712D595D62F2}"/>
+          </ac:spMkLst>
+        </pc:spChg>
+        <pc:picChg chg="add mod">
+          <ac:chgData name="Long B Nguyen" userId="f59fb8f3-a021-417a-8bc1-65c8d471c621" providerId="ADAL" clId="{34A2CF11-652E-6345-AC5C-A89FACA07C4E}" dt="2021-03-23T13:45:59.867" v="1707" actId="1076"/>
+          <ac:picMkLst>
+            <pc:docMk/>
+            <pc:sldMk cId="1047995035" sldId="618"/>
+            <ac:picMk id="9" creationId="{479D18BB-944E-8B46-A5C1-115AAFD5FF61}"/>
+          </ac:picMkLst>
+        </pc:picChg>
+        <pc:picChg chg="del">
+          <ac:chgData name="Long B Nguyen" userId="f59fb8f3-a021-417a-8bc1-65c8d471c621" providerId="ADAL" clId="{34A2CF11-652E-6345-AC5C-A89FACA07C4E}" dt="2021-03-23T13:45:58.213" v="1706" actId="478"/>
+          <ac:picMkLst>
+            <pc:docMk/>
+            <pc:sldMk cId="1047995035" sldId="618"/>
+            <ac:picMk id="84995" creationId="{D74B79FF-3957-A841-989F-1A7CCA0A7940}"/>
+          </ac:picMkLst>
+        </pc:picChg>
+        <pc:cxnChg chg="add mod">
+          <ac:chgData name="Long B Nguyen" userId="f59fb8f3-a021-417a-8bc1-65c8d471c621" providerId="ADAL" clId="{34A2CF11-652E-6345-AC5C-A89FACA07C4E}" dt="2020-02-25T16:13:27.291" v="1080" actId="692"/>
+          <ac:cxnSpMkLst>
+            <pc:docMk/>
+            <pc:sldMk cId="1047995035" sldId="618"/>
+            <ac:cxnSpMk id="4" creationId="{804AE6D5-7B42-A24B-B53A-7220982FA483}"/>
+          </ac:cxnSpMkLst>
+        </pc:cxnChg>
+      </pc:sldChg>
+      <pc:sldChg chg="addSp modSp add mod">
+        <pc:chgData name="Long B Nguyen" userId="f59fb8f3-a021-417a-8bc1-65c8d471c621" providerId="ADAL" clId="{34A2CF11-652E-6345-AC5C-A89FACA07C4E}" dt="2021-03-23T13:51:09.571" v="1741"/>
+        <pc:sldMkLst>
+          <pc:docMk/>
+          <pc:sldMk cId="1016158355" sldId="619"/>
+        </pc:sldMkLst>
+        <pc:spChg chg="add mod">
+          <ac:chgData name="Long B Nguyen" userId="f59fb8f3-a021-417a-8bc1-65c8d471c621" providerId="ADAL" clId="{34A2CF11-652E-6345-AC5C-A89FACA07C4E}" dt="2021-03-23T13:51:09.571" v="1741"/>
+          <ac:spMkLst>
+            <pc:docMk/>
+            <pc:sldMk cId="1016158355" sldId="619"/>
+            <ac:spMk id="2" creationId="{EA560605-ECCA-084C-9B6A-2DD49664CFCB}"/>
+          </ac:spMkLst>
+        </pc:spChg>
+        <pc:spChg chg="mod">
+          <ac:chgData name="Long B Nguyen" userId="f59fb8f3-a021-417a-8bc1-65c8d471c621" providerId="ADAL" clId="{34A2CF11-652E-6345-AC5C-A89FACA07C4E}" dt="2021-03-22T13:46:38.456" v="1682" actId="20577"/>
+          <ac:spMkLst>
+            <pc:docMk/>
+            <pc:sldMk cId="1016158355" sldId="619"/>
+            <ac:spMk id="84994" creationId="{6971D443-43C5-2E43-8019-712D595D62F2}"/>
+          </ac:spMkLst>
+        </pc:spChg>
+      </pc:sldChg>
+      <pc:sldChg chg="addSp modSp add mod">
+        <pc:chgData name="Long B Nguyen" userId="f59fb8f3-a021-417a-8bc1-65c8d471c621" providerId="ADAL" clId="{34A2CF11-652E-6345-AC5C-A89FACA07C4E}" dt="2021-03-23T13:51:09.571" v="1741"/>
+        <pc:sldMkLst>
+          <pc:docMk/>
+          <pc:sldMk cId="4204323314" sldId="620"/>
+        </pc:sldMkLst>
+        <pc:spChg chg="add mod">
+          <ac:chgData name="Long B Nguyen" userId="f59fb8f3-a021-417a-8bc1-65c8d471c621" providerId="ADAL" clId="{34A2CF11-652E-6345-AC5C-A89FACA07C4E}" dt="2021-03-23T13:51:09.571" v="1741"/>
+          <ac:spMkLst>
+            <pc:docMk/>
+            <pc:sldMk cId="4204323314" sldId="620"/>
+            <ac:spMk id="2" creationId="{E551E583-4F0C-5648-B4F9-D714B9F8E007}"/>
+          </ac:spMkLst>
+        </pc:spChg>
+        <pc:spChg chg="mod">
+          <ac:chgData name="Long B Nguyen" userId="f59fb8f3-a021-417a-8bc1-65c8d471c621" providerId="ADAL" clId="{34A2CF11-652E-6345-AC5C-A89FACA07C4E}" dt="2021-03-22T13:26:57.256" v="1573" actId="113"/>
+          <ac:spMkLst>
+            <pc:docMk/>
+            <pc:sldMk cId="4204323314" sldId="620"/>
+            <ac:spMk id="84994" creationId="{6971D443-43C5-2E43-8019-712D595D62F2}"/>
+          </ac:spMkLst>
+        </pc:spChg>
+      </pc:sldChg>
+      <pc:sldChg chg="addSp modSp add mod">
+        <pc:chgData name="Long B Nguyen" userId="f59fb8f3-a021-417a-8bc1-65c8d471c621" providerId="ADAL" clId="{34A2CF11-652E-6345-AC5C-A89FACA07C4E}" dt="2021-03-23T13:51:09.571" v="1741"/>
+        <pc:sldMkLst>
+          <pc:docMk/>
+          <pc:sldMk cId="1162857972" sldId="621"/>
+        </pc:sldMkLst>
+        <pc:spChg chg="add mod">
+          <ac:chgData name="Long B Nguyen" userId="f59fb8f3-a021-417a-8bc1-65c8d471c621" providerId="ADAL" clId="{34A2CF11-652E-6345-AC5C-A89FACA07C4E}" dt="2021-03-23T13:51:09.571" v="1741"/>
+          <ac:spMkLst>
+            <pc:docMk/>
+            <pc:sldMk cId="1162857972" sldId="621"/>
+            <ac:spMk id="2" creationId="{1D4A95CE-F36C-A949-B574-8B2112D61521}"/>
+          </ac:spMkLst>
+        </pc:spChg>
+        <pc:spChg chg="mod">
+          <ac:chgData name="Long B Nguyen" userId="f59fb8f3-a021-417a-8bc1-65c8d471c621" providerId="ADAL" clId="{34A2CF11-652E-6345-AC5C-A89FACA07C4E}" dt="2021-03-22T13:25:57.260" v="1569" actId="113"/>
+          <ac:spMkLst>
+            <pc:docMk/>
+            <pc:sldMk cId="1162857972" sldId="621"/>
+            <ac:spMk id="84994" creationId="{6971D443-43C5-2E43-8019-712D595D62F2}"/>
+          </ac:spMkLst>
+        </pc:spChg>
+      </pc:sldChg>
+      <pc:sldChg chg="add del">
+        <pc:chgData name="Long B Nguyen" userId="f59fb8f3-a021-417a-8bc1-65c8d471c621" providerId="ADAL" clId="{34A2CF11-652E-6345-AC5C-A89FACA07C4E}" dt="2020-02-25T16:03:03.964" v="864"/>
+        <pc:sldMkLst>
+          <pc:docMk/>
+          <pc:sldMk cId="800137632" sldId="622"/>
+        </pc:sldMkLst>
+      </pc:sldChg>
+      <pc:sldChg chg="add del">
+        <pc:chgData name="Long B Nguyen" userId="f59fb8f3-a021-417a-8bc1-65c8d471c621" providerId="ADAL" clId="{34A2CF11-652E-6345-AC5C-A89FACA07C4E}" dt="2020-02-25T16:03:17.168" v="866"/>
+        <pc:sldMkLst>
+          <pc:docMk/>
+          <pc:sldMk cId="2516517495" sldId="622"/>
+        </pc:sldMkLst>
+      </pc:sldChg>
+      <pc:sldChg chg="addSp delSp modSp add mod">
+        <pc:chgData name="Long B Nguyen" userId="f59fb8f3-a021-417a-8bc1-65c8d471c621" providerId="ADAL" clId="{34A2CF11-652E-6345-AC5C-A89FACA07C4E}" dt="2021-03-23T13:51:09.571" v="1741"/>
+        <pc:sldMkLst>
+          <pc:docMk/>
+          <pc:sldMk cId="2765543401" sldId="622"/>
+        </pc:sldMkLst>
+        <pc:spChg chg="add mod">
+          <ac:chgData name="Long B Nguyen" userId="f59fb8f3-a021-417a-8bc1-65c8d471c621" providerId="ADAL" clId="{34A2CF11-652E-6345-AC5C-A89FACA07C4E}" dt="2021-03-23T13:51:09.571" v="1741"/>
+          <ac:spMkLst>
+            <pc:docMk/>
+            <pc:sldMk cId="2765543401" sldId="622"/>
+            <ac:spMk id="2" creationId="{31F950C8-AA7C-3A45-BEC0-479ABA87BDC3}"/>
+          </ac:spMkLst>
+        </pc:spChg>
+        <pc:spChg chg="del">
+          <ac:chgData name="Long B Nguyen" userId="f59fb8f3-a021-417a-8bc1-65c8d471c621" providerId="ADAL" clId="{34A2CF11-652E-6345-AC5C-A89FACA07C4E}" dt="2020-02-25T16:14:55.037" v="1083" actId="478"/>
+          <ac:spMkLst>
+            <pc:docMk/>
+            <pc:sldMk cId="2765543401" sldId="622"/>
+            <ac:spMk id="2" creationId="{D2A0B21C-9D88-4849-A345-13DA31B7BEBE}"/>
+          </ac:spMkLst>
+        </pc:spChg>
+        <pc:spChg chg="mod">
+          <ac:chgData name="Long B Nguyen" userId="f59fb8f3-a021-417a-8bc1-65c8d471c621" providerId="ADAL" clId="{34A2CF11-652E-6345-AC5C-A89FACA07C4E}" dt="2020-02-25T16:19:48.413" v="1359" actId="20577"/>
+          <ac:spMkLst>
+            <pc:docMk/>
+            <pc:sldMk cId="2765543401" sldId="622"/>
+            <ac:spMk id="84993" creationId="{C169A412-E2F9-004D-A0EF-86F1C409823C}"/>
+          </ac:spMkLst>
+        </pc:spChg>
+        <pc:spChg chg="mod">
+          <ac:chgData name="Long B Nguyen" userId="f59fb8f3-a021-417a-8bc1-65c8d471c621" providerId="ADAL" clId="{34A2CF11-652E-6345-AC5C-A89FACA07C4E}" dt="2021-03-22T13:28:11.245" v="1584" actId="113"/>
+          <ac:spMkLst>
+            <pc:docMk/>
+            <pc:sldMk cId="2765543401" sldId="622"/>
+            <ac:spMk id="84994" creationId="{6971D443-43C5-2E43-8019-712D595D62F2}"/>
+          </ac:spMkLst>
+        </pc:spChg>
+        <pc:picChg chg="del">
+          <ac:chgData name="Long B Nguyen" userId="f59fb8f3-a021-417a-8bc1-65c8d471c621" providerId="ADAL" clId="{34A2CF11-652E-6345-AC5C-A89FACA07C4E}" dt="2020-02-25T16:14:53.215" v="1082" actId="478"/>
+          <ac:picMkLst>
+            <pc:docMk/>
+            <pc:sldMk cId="2765543401" sldId="622"/>
+            <ac:picMk id="84995" creationId="{D74B79FF-3957-A841-989F-1A7CCA0A7940}"/>
+          </ac:picMkLst>
+        </pc:picChg>
+        <pc:cxnChg chg="del">
+          <ac:chgData name="Long B Nguyen" userId="f59fb8f3-a021-417a-8bc1-65c8d471c621" providerId="ADAL" clId="{34A2CF11-652E-6345-AC5C-A89FACA07C4E}" dt="2020-02-25T16:14:56.245" v="1084" actId="478"/>
+          <ac:cxnSpMkLst>
+            <pc:docMk/>
+            <pc:sldMk cId="2765543401" sldId="622"/>
+            <ac:cxnSpMk id="4" creationId="{804AE6D5-7B42-A24B-B53A-7220982FA483}"/>
+          </ac:cxnSpMkLst>
+        </pc:cxnChg>
+      </pc:sldChg>
+      <pc:sldChg chg="addSp modSp add">
+        <pc:chgData name="Long B Nguyen" userId="f59fb8f3-a021-417a-8bc1-65c8d471c621" providerId="ADAL" clId="{34A2CF11-652E-6345-AC5C-A89FACA07C4E}" dt="2021-03-23T13:51:09.571" v="1741"/>
+        <pc:sldMkLst>
+          <pc:docMk/>
+          <pc:sldMk cId="3553270583" sldId="623"/>
+        </pc:sldMkLst>
+        <pc:spChg chg="add mod">
+          <ac:chgData name="Long B Nguyen" userId="f59fb8f3-a021-417a-8bc1-65c8d471c621" providerId="ADAL" clId="{34A2CF11-652E-6345-AC5C-A89FACA07C4E}" dt="2021-03-23T13:51:09.571" v="1741"/>
+          <ac:spMkLst>
+            <pc:docMk/>
+            <pc:sldMk cId="3553270583" sldId="623"/>
+            <ac:spMk id="2" creationId="{2C131E22-E7F1-6848-A430-CC742B4153E0}"/>
+          </ac:spMkLst>
+        </pc:spChg>
+        <pc:spChg chg="mod">
+          <ac:chgData name="Long B Nguyen" userId="f59fb8f3-a021-417a-8bc1-65c8d471c621" providerId="ADAL" clId="{34A2CF11-652E-6345-AC5C-A89FACA07C4E}" dt="2020-02-25T16:19:36.680" v="1349" actId="20577"/>
+          <ac:spMkLst>
+            <pc:docMk/>
+            <pc:sldMk cId="3553270583" sldId="623"/>
+            <ac:spMk id="84993" creationId="{C169A412-E2F9-004D-A0EF-86F1C409823C}"/>
+          </ac:spMkLst>
+        </pc:spChg>
+        <pc:spChg chg="mod">
+          <ac:chgData name="Long B Nguyen" userId="f59fb8f3-a021-417a-8bc1-65c8d471c621" providerId="ADAL" clId="{34A2CF11-652E-6345-AC5C-A89FACA07C4E}" dt="2020-03-15T23:28:25.241" v="1437" actId="20577"/>
+          <ac:spMkLst>
+            <pc:docMk/>
+            <pc:sldMk cId="3553270583" sldId="623"/>
+            <ac:spMk id="84994" creationId="{6971D443-43C5-2E43-8019-712D595D62F2}"/>
+          </ac:spMkLst>
+        </pc:spChg>
+      </pc:sldChg>
+      <pc:sldChg chg="delSp modSp new del mod">
+        <pc:chgData name="Long B Nguyen" userId="f59fb8f3-a021-417a-8bc1-65c8d471c621" providerId="ADAL" clId="{34A2CF11-652E-6345-AC5C-A89FACA07C4E}" dt="2021-03-23T12:53:04.592" v="1697" actId="2696"/>
+        <pc:sldMkLst>
+          <pc:docMk/>
+          <pc:sldMk cId="364851927" sldId="624"/>
+        </pc:sldMkLst>
+        <pc:spChg chg="del">
+          <ac:chgData name="Long B Nguyen" userId="f59fb8f3-a021-417a-8bc1-65c8d471c621" providerId="ADAL" clId="{34A2CF11-652E-6345-AC5C-A89FACA07C4E}" dt="2021-03-23T12:49:53.143" v="1684" actId="478"/>
+          <ac:spMkLst>
+            <pc:docMk/>
+            <pc:sldMk cId="364851927" sldId="624"/>
+            <ac:spMk id="2" creationId="{AADB05D2-F86B-4843-B8E9-49286665D69C}"/>
+          </ac:spMkLst>
+        </pc:spChg>
+        <pc:spChg chg="mod">
+          <ac:chgData name="Long B Nguyen" userId="f59fb8f3-a021-417a-8bc1-65c8d471c621" providerId="ADAL" clId="{34A2CF11-652E-6345-AC5C-A89FACA07C4E}" dt="2021-03-23T12:52:59.591" v="1696" actId="20577"/>
+          <ac:spMkLst>
+            <pc:docMk/>
+            <pc:sldMk cId="364851927" sldId="624"/>
+            <ac:spMk id="3" creationId="{23F84E3E-1E73-D843-BFFF-AC235A03A8E2}"/>
+          </ac:spMkLst>
+        </pc:spChg>
+      </pc:sldChg>
+    </pc:docChg>
+  </pc:docChgLst>
+  <pc:docChgLst>
     <pc:chgData name="Long B Nguyen" userId="f59fb8f3-a021-417a-8bc1-65c8d471c621" providerId="ADAL" clId="{6AC26564-89E3-E046-BFB4-F80582D7E17B}"/>
     <pc:docChg chg="custSel addSld delSld modSld">
       <pc:chgData name="Long B Nguyen" userId="f59fb8f3-a021-417a-8bc1-65c8d471c621" providerId="ADAL" clId="{6AC26564-89E3-E046-BFB4-F80582D7E17B}" dt="2020-01-13T13:46:56.810" v="92" actId="2696"/>
@@ -1555,10 +2491,487 @@
     </pc:docChg>
   </pc:docChgLst>
   <pc:docChgLst>
-    <pc:chgData name="Long B Nguyen" userId="f59fb8f3-a021-417a-8bc1-65c8d471c621" providerId="ADAL" clId="{E5BF62A1-4F8A-BC49-8FD7-ABEA3D28ED25}"/>
+    <pc:chgData name="Long B Nguyen" userId="f59fb8f3-a021-417a-8bc1-65c8d471c621" providerId="ADAL" clId="{4BE6A6D3-80E1-E648-9A65-3053C53C3489}"/>
+    <pc:docChg chg="addSld delSld modSld">
+      <pc:chgData name="Long B Nguyen" userId="f59fb8f3-a021-417a-8bc1-65c8d471c621" providerId="ADAL" clId="{4BE6A6D3-80E1-E648-9A65-3053C53C3489}" dt="2020-01-13T13:50:20.439" v="74" actId="2696"/>
+      <pc:docMkLst>
+        <pc:docMk/>
+      </pc:docMkLst>
+      <pc:sldChg chg="modSp">
+        <pc:chgData name="Long B Nguyen" userId="f59fb8f3-a021-417a-8bc1-65c8d471c621" providerId="ADAL" clId="{4BE6A6D3-80E1-E648-9A65-3053C53C3489}" dt="2020-01-13T13:50:08.533" v="40" actId="20577"/>
+        <pc:sldMkLst>
+          <pc:docMk/>
+          <pc:sldMk cId="4247104139" sldId="256"/>
+        </pc:sldMkLst>
+        <pc:spChg chg="mod">
+          <ac:chgData name="Long B Nguyen" userId="f59fb8f3-a021-417a-8bc1-65c8d471c621" providerId="ADAL" clId="{4BE6A6D3-80E1-E648-9A65-3053C53C3489}" dt="2020-01-13T13:50:08.533" v="40" actId="20577"/>
+          <ac:spMkLst>
+            <pc:docMk/>
+            <pc:sldMk cId="4247104139" sldId="256"/>
+            <ac:spMk id="3" creationId="{1BDC47C8-6776-7B44-9CD4-95FC91452D62}"/>
+          </ac:spMkLst>
+        </pc:spChg>
+      </pc:sldChg>
+      <pc:sldChg chg="del">
+        <pc:chgData name="Long B Nguyen" userId="f59fb8f3-a021-417a-8bc1-65c8d471c621" providerId="ADAL" clId="{4BE6A6D3-80E1-E648-9A65-3053C53C3489}" dt="2020-01-13T13:50:20.439" v="74" actId="2696"/>
+        <pc:sldMkLst>
+          <pc:docMk/>
+          <pc:sldMk cId="1758448129" sldId="309"/>
+        </pc:sldMkLst>
+      </pc:sldChg>
+      <pc:sldChg chg="del">
+        <pc:chgData name="Long B Nguyen" userId="f59fb8f3-a021-417a-8bc1-65c8d471c621" providerId="ADAL" clId="{4BE6A6D3-80E1-E648-9A65-3053C53C3489}" dt="2020-01-13T13:50:12.196" v="42" actId="2696"/>
+        <pc:sldMkLst>
+          <pc:docMk/>
+          <pc:sldMk cId="3947558204" sldId="313"/>
+        </pc:sldMkLst>
+      </pc:sldChg>
+      <pc:sldChg chg="del">
+        <pc:chgData name="Long B Nguyen" userId="f59fb8f3-a021-417a-8bc1-65c8d471c621" providerId="ADAL" clId="{4BE6A6D3-80E1-E648-9A65-3053C53C3489}" dt="2020-01-13T13:50:19.961" v="43" actId="2696"/>
+        <pc:sldMkLst>
+          <pc:docMk/>
+          <pc:sldMk cId="2054265466" sldId="314"/>
+        </pc:sldMkLst>
+      </pc:sldChg>
+      <pc:sldChg chg="del">
+        <pc:chgData name="Long B Nguyen" userId="f59fb8f3-a021-417a-8bc1-65c8d471c621" providerId="ADAL" clId="{4BE6A6D3-80E1-E648-9A65-3053C53C3489}" dt="2020-01-13T13:50:19.999" v="45" actId="2696"/>
+        <pc:sldMkLst>
+          <pc:docMk/>
+          <pc:sldMk cId="917461937" sldId="315"/>
+        </pc:sldMkLst>
+      </pc:sldChg>
+      <pc:sldChg chg="del">
+        <pc:chgData name="Long B Nguyen" userId="f59fb8f3-a021-417a-8bc1-65c8d471c621" providerId="ADAL" clId="{4BE6A6D3-80E1-E648-9A65-3053C53C3489}" dt="2020-01-13T13:50:20.011" v="46" actId="2696"/>
+        <pc:sldMkLst>
+          <pc:docMk/>
+          <pc:sldMk cId="3266234076" sldId="316"/>
+        </pc:sldMkLst>
+      </pc:sldChg>
+      <pc:sldChg chg="del">
+        <pc:chgData name="Long B Nguyen" userId="f59fb8f3-a021-417a-8bc1-65c8d471c621" providerId="ADAL" clId="{4BE6A6D3-80E1-E648-9A65-3053C53C3489}" dt="2020-01-13T13:50:19.977" v="44" actId="2696"/>
+        <pc:sldMkLst>
+          <pc:docMk/>
+          <pc:sldMk cId="2886319738" sldId="317"/>
+        </pc:sldMkLst>
+      </pc:sldChg>
+      <pc:sldChg chg="del">
+        <pc:chgData name="Long B Nguyen" userId="f59fb8f3-a021-417a-8bc1-65c8d471c621" providerId="ADAL" clId="{4BE6A6D3-80E1-E648-9A65-3053C53C3489}" dt="2020-01-13T13:50:20.047" v="48" actId="2696"/>
+        <pc:sldMkLst>
+          <pc:docMk/>
+          <pc:sldMk cId="3906700287" sldId="319"/>
+        </pc:sldMkLst>
+      </pc:sldChg>
+      <pc:sldChg chg="del">
+        <pc:chgData name="Long B Nguyen" userId="f59fb8f3-a021-417a-8bc1-65c8d471c621" providerId="ADAL" clId="{4BE6A6D3-80E1-E648-9A65-3053C53C3489}" dt="2020-01-13T13:50:20.082" v="50" actId="2696"/>
+        <pc:sldMkLst>
+          <pc:docMk/>
+          <pc:sldMk cId="1810541734" sldId="320"/>
+        </pc:sldMkLst>
+      </pc:sldChg>
+      <pc:sldChg chg="del">
+        <pc:chgData name="Long B Nguyen" userId="f59fb8f3-a021-417a-8bc1-65c8d471c621" providerId="ADAL" clId="{4BE6A6D3-80E1-E648-9A65-3053C53C3489}" dt="2020-01-13T13:50:20.093" v="51" actId="2696"/>
+        <pc:sldMkLst>
+          <pc:docMk/>
+          <pc:sldMk cId="1359731776" sldId="321"/>
+        </pc:sldMkLst>
+      </pc:sldChg>
+      <pc:sldChg chg="del">
+        <pc:chgData name="Long B Nguyen" userId="f59fb8f3-a021-417a-8bc1-65c8d471c621" providerId="ADAL" clId="{4BE6A6D3-80E1-E648-9A65-3053C53C3489}" dt="2020-01-13T13:50:20.107" v="52" actId="2696"/>
+        <pc:sldMkLst>
+          <pc:docMk/>
+          <pc:sldMk cId="3651577480" sldId="322"/>
+        </pc:sldMkLst>
+      </pc:sldChg>
+      <pc:sldChg chg="del">
+        <pc:chgData name="Long B Nguyen" userId="f59fb8f3-a021-417a-8bc1-65c8d471c621" providerId="ADAL" clId="{4BE6A6D3-80E1-E648-9A65-3053C53C3489}" dt="2020-01-13T13:50:20.069" v="49" actId="2696"/>
+        <pc:sldMkLst>
+          <pc:docMk/>
+          <pc:sldMk cId="1496564367" sldId="323"/>
+        </pc:sldMkLst>
+      </pc:sldChg>
+      <pc:sldChg chg="del">
+        <pc:chgData name="Long B Nguyen" userId="f59fb8f3-a021-417a-8bc1-65c8d471c621" providerId="ADAL" clId="{4BE6A6D3-80E1-E648-9A65-3053C53C3489}" dt="2020-01-13T13:50:20.420" v="73" actId="2696"/>
+        <pc:sldMkLst>
+          <pc:docMk/>
+          <pc:sldMk cId="771866096" sldId="324"/>
+        </pc:sldMkLst>
+      </pc:sldChg>
+      <pc:sldChg chg="del">
+        <pc:chgData name="Long B Nguyen" userId="f59fb8f3-a021-417a-8bc1-65c8d471c621" providerId="ADAL" clId="{4BE6A6D3-80E1-E648-9A65-3053C53C3489}" dt="2020-01-13T13:50:20.162" v="56" actId="2696"/>
+        <pc:sldMkLst>
+          <pc:docMk/>
+          <pc:sldMk cId="1025355635" sldId="325"/>
+        </pc:sldMkLst>
+      </pc:sldChg>
+      <pc:sldChg chg="del">
+        <pc:chgData name="Long B Nguyen" userId="f59fb8f3-a021-417a-8bc1-65c8d471c621" providerId="ADAL" clId="{4BE6A6D3-80E1-E648-9A65-3053C53C3489}" dt="2020-01-13T13:50:20.149" v="55" actId="2696"/>
+        <pc:sldMkLst>
+          <pc:docMk/>
+          <pc:sldMk cId="4174920299" sldId="327"/>
+        </pc:sldMkLst>
+      </pc:sldChg>
+      <pc:sldChg chg="del">
+        <pc:chgData name="Long B Nguyen" userId="f59fb8f3-a021-417a-8bc1-65c8d471c621" providerId="ADAL" clId="{4BE6A6D3-80E1-E648-9A65-3053C53C3489}" dt="2020-01-13T13:50:20.176" v="57" actId="2696"/>
+        <pc:sldMkLst>
+          <pc:docMk/>
+          <pc:sldMk cId="2756462650" sldId="328"/>
+        </pc:sldMkLst>
+      </pc:sldChg>
+      <pc:sldChg chg="del">
+        <pc:chgData name="Long B Nguyen" userId="f59fb8f3-a021-417a-8bc1-65c8d471c621" providerId="ADAL" clId="{4BE6A6D3-80E1-E648-9A65-3053C53C3489}" dt="2020-01-13T13:50:20.191" v="58" actId="2696"/>
+        <pc:sldMkLst>
+          <pc:docMk/>
+          <pc:sldMk cId="3080714931" sldId="329"/>
+        </pc:sldMkLst>
+      </pc:sldChg>
+      <pc:sldChg chg="del">
+        <pc:chgData name="Long B Nguyen" userId="f59fb8f3-a021-417a-8bc1-65c8d471c621" providerId="ADAL" clId="{4BE6A6D3-80E1-E648-9A65-3053C53C3489}" dt="2020-01-13T13:50:20.204" v="59" actId="2696"/>
+        <pc:sldMkLst>
+          <pc:docMk/>
+          <pc:sldMk cId="532184546" sldId="330"/>
+        </pc:sldMkLst>
+      </pc:sldChg>
+      <pc:sldChg chg="del">
+        <pc:chgData name="Long B Nguyen" userId="f59fb8f3-a021-417a-8bc1-65c8d471c621" providerId="ADAL" clId="{4BE6A6D3-80E1-E648-9A65-3053C53C3489}" dt="2020-01-13T13:50:20.219" v="60" actId="2696"/>
+        <pc:sldMkLst>
+          <pc:docMk/>
+          <pc:sldMk cId="3264629021" sldId="331"/>
+        </pc:sldMkLst>
+      </pc:sldChg>
+      <pc:sldChg chg="del">
+        <pc:chgData name="Long B Nguyen" userId="f59fb8f3-a021-417a-8bc1-65c8d471c621" providerId="ADAL" clId="{4BE6A6D3-80E1-E648-9A65-3053C53C3489}" dt="2020-01-13T13:50:20.261" v="63" actId="2696"/>
+        <pc:sldMkLst>
+          <pc:docMk/>
+          <pc:sldMk cId="4022722016" sldId="332"/>
+        </pc:sldMkLst>
+      </pc:sldChg>
+      <pc:sldChg chg="del">
+        <pc:chgData name="Long B Nguyen" userId="f59fb8f3-a021-417a-8bc1-65c8d471c621" providerId="ADAL" clId="{4BE6A6D3-80E1-E648-9A65-3053C53C3489}" dt="2020-01-13T13:50:20.283" v="64" actId="2696"/>
+        <pc:sldMkLst>
+          <pc:docMk/>
+          <pc:sldMk cId="1710208723" sldId="333"/>
+        </pc:sldMkLst>
+      </pc:sldChg>
+      <pc:sldChg chg="del">
+        <pc:chgData name="Long B Nguyen" userId="f59fb8f3-a021-417a-8bc1-65c8d471c621" providerId="ADAL" clId="{4BE6A6D3-80E1-E648-9A65-3053C53C3489}" dt="2020-01-13T13:50:20.251" v="62" actId="2696"/>
+        <pc:sldMkLst>
+          <pc:docMk/>
+          <pc:sldMk cId="3404583044" sldId="334"/>
+        </pc:sldMkLst>
+      </pc:sldChg>
+      <pc:sldChg chg="del">
+        <pc:chgData name="Long B Nguyen" userId="f59fb8f3-a021-417a-8bc1-65c8d471c621" providerId="ADAL" clId="{4BE6A6D3-80E1-E648-9A65-3053C53C3489}" dt="2020-01-13T13:50:20.304" v="65" actId="2696"/>
+        <pc:sldMkLst>
+          <pc:docMk/>
+          <pc:sldMk cId="3866550465" sldId="335"/>
+        </pc:sldMkLst>
+      </pc:sldChg>
+      <pc:sldChg chg="del">
+        <pc:chgData name="Long B Nguyen" userId="f59fb8f3-a021-417a-8bc1-65c8d471c621" providerId="ADAL" clId="{4BE6A6D3-80E1-E648-9A65-3053C53C3489}" dt="2020-01-13T13:50:20.324" v="66" actId="2696"/>
+        <pc:sldMkLst>
+          <pc:docMk/>
+          <pc:sldMk cId="3749436800" sldId="336"/>
+        </pc:sldMkLst>
+      </pc:sldChg>
+      <pc:sldChg chg="del">
+        <pc:chgData name="Long B Nguyen" userId="f59fb8f3-a021-417a-8bc1-65c8d471c621" providerId="ADAL" clId="{4BE6A6D3-80E1-E648-9A65-3053C53C3489}" dt="2020-01-13T13:50:20.336" v="67" actId="2696"/>
+        <pc:sldMkLst>
+          <pc:docMk/>
+          <pc:sldMk cId="461704868" sldId="337"/>
+        </pc:sldMkLst>
+      </pc:sldChg>
+      <pc:sldChg chg="del">
+        <pc:chgData name="Long B Nguyen" userId="f59fb8f3-a021-417a-8bc1-65c8d471c621" providerId="ADAL" clId="{4BE6A6D3-80E1-E648-9A65-3053C53C3489}" dt="2020-01-13T13:50:20.351" v="68" actId="2696"/>
+        <pc:sldMkLst>
+          <pc:docMk/>
+          <pc:sldMk cId="545386500" sldId="338"/>
+        </pc:sldMkLst>
+      </pc:sldChg>
+      <pc:sldChg chg="del">
+        <pc:chgData name="Long B Nguyen" userId="f59fb8f3-a021-417a-8bc1-65c8d471c621" providerId="ADAL" clId="{4BE6A6D3-80E1-E648-9A65-3053C53C3489}" dt="2020-01-13T13:50:20.380" v="70" actId="2696"/>
+        <pc:sldMkLst>
+          <pc:docMk/>
+          <pc:sldMk cId="1791361008" sldId="339"/>
+        </pc:sldMkLst>
+      </pc:sldChg>
+      <pc:sldChg chg="del">
+        <pc:chgData name="Long B Nguyen" userId="f59fb8f3-a021-417a-8bc1-65c8d471c621" providerId="ADAL" clId="{4BE6A6D3-80E1-E648-9A65-3053C53C3489}" dt="2020-01-13T13:50:20.367" v="69" actId="2696"/>
+        <pc:sldMkLst>
+          <pc:docMk/>
+          <pc:sldMk cId="678299524" sldId="340"/>
+        </pc:sldMkLst>
+      </pc:sldChg>
+      <pc:sldChg chg="del">
+        <pc:chgData name="Long B Nguyen" userId="f59fb8f3-a021-417a-8bc1-65c8d471c621" providerId="ADAL" clId="{4BE6A6D3-80E1-E648-9A65-3053C53C3489}" dt="2020-01-13T13:50:20.393" v="71" actId="2696"/>
+        <pc:sldMkLst>
+          <pc:docMk/>
+          <pc:sldMk cId="225127645" sldId="341"/>
+        </pc:sldMkLst>
+      </pc:sldChg>
+      <pc:sldChg chg="del">
+        <pc:chgData name="Long B Nguyen" userId="f59fb8f3-a021-417a-8bc1-65c8d471c621" providerId="ADAL" clId="{4BE6A6D3-80E1-E648-9A65-3053C53C3489}" dt="2020-01-13T13:50:20.133" v="54" actId="2696"/>
+        <pc:sldMkLst>
+          <pc:docMk/>
+          <pc:sldMk cId="2214326257" sldId="342"/>
+        </pc:sldMkLst>
+      </pc:sldChg>
+      <pc:sldChg chg="del">
+        <pc:chgData name="Long B Nguyen" userId="f59fb8f3-a021-417a-8bc1-65c8d471c621" providerId="ADAL" clId="{4BE6A6D3-80E1-E648-9A65-3053C53C3489}" dt="2020-01-13T13:50:20.121" v="53" actId="2696"/>
+        <pc:sldMkLst>
+          <pc:docMk/>
+          <pc:sldMk cId="1356056044" sldId="343"/>
+        </pc:sldMkLst>
+      </pc:sldChg>
+      <pc:sldChg chg="del">
+        <pc:chgData name="Long B Nguyen" userId="f59fb8f3-a021-417a-8bc1-65c8d471c621" providerId="ADAL" clId="{4BE6A6D3-80E1-E648-9A65-3053C53C3489}" dt="2020-01-13T13:50:20.028" v="47" actId="2696"/>
+        <pc:sldMkLst>
+          <pc:docMk/>
+          <pc:sldMk cId="902308803" sldId="345"/>
+        </pc:sldMkLst>
+      </pc:sldChg>
+      <pc:sldChg chg="del">
+        <pc:chgData name="Long B Nguyen" userId="f59fb8f3-a021-417a-8bc1-65c8d471c621" providerId="ADAL" clId="{4BE6A6D3-80E1-E648-9A65-3053C53C3489}" dt="2020-01-13T13:50:20.235" v="61" actId="2696"/>
+        <pc:sldMkLst>
+          <pc:docMk/>
+          <pc:sldMk cId="2271372051" sldId="346"/>
+        </pc:sldMkLst>
+      </pc:sldChg>
+      <pc:sldChg chg="del">
+        <pc:chgData name="Long B Nguyen" userId="f59fb8f3-a021-417a-8bc1-65c8d471c621" providerId="ADAL" clId="{4BE6A6D3-80E1-E648-9A65-3053C53C3489}" dt="2020-01-13T13:50:20.403" v="72" actId="2696"/>
+        <pc:sldMkLst>
+          <pc:docMk/>
+          <pc:sldMk cId="198078322" sldId="347"/>
+        </pc:sldMkLst>
+      </pc:sldChg>
+      <pc:sldChg chg="add">
+        <pc:chgData name="Long B Nguyen" userId="f59fb8f3-a021-417a-8bc1-65c8d471c621" providerId="ADAL" clId="{4BE6A6D3-80E1-E648-9A65-3053C53C3489}" dt="2020-01-13T13:50:10.483" v="41"/>
+        <pc:sldMkLst>
+          <pc:docMk/>
+          <pc:sldMk cId="2218591065" sldId="348"/>
+        </pc:sldMkLst>
+      </pc:sldChg>
+      <pc:sldChg chg="add">
+        <pc:chgData name="Long B Nguyen" userId="f59fb8f3-a021-417a-8bc1-65c8d471c621" providerId="ADAL" clId="{4BE6A6D3-80E1-E648-9A65-3053C53C3489}" dt="2020-01-13T13:50:10.483" v="41"/>
+        <pc:sldMkLst>
+          <pc:docMk/>
+          <pc:sldMk cId="2191981710" sldId="349"/>
+        </pc:sldMkLst>
+      </pc:sldChg>
+    </pc:docChg>
   </pc:docChgLst>
   <pc:docChgLst>
-    <pc:chgData name="Long B Nguyen" userId="f59fb8f3-a021-417a-8bc1-65c8d471c621" providerId="ADAL" clId="{6CD83B71-C243-244B-B302-DE2E82069201}"/>
+    <pc:chgData name="Long B Nguyen" userId="f59fb8f3-a021-417a-8bc1-65c8d471c621" providerId="ADAL" clId="{CC9C9D9A-5149-2947-86C0-576F501F60DC}"/>
+    <pc:docChg chg="addSld modSld">
+      <pc:chgData name="Long B Nguyen" userId="f59fb8f3-a021-417a-8bc1-65c8d471c621" providerId="ADAL" clId="{CC9C9D9A-5149-2947-86C0-576F501F60DC}" dt="2020-01-05T21:59:55.597" v="2392" actId="14100"/>
+      <pc:docMkLst>
+        <pc:docMk/>
+      </pc:docMkLst>
+      <pc:sldChg chg="modSp add modAnim">
+        <pc:chgData name="Long B Nguyen" userId="f59fb8f3-a021-417a-8bc1-65c8d471c621" providerId="ADAL" clId="{CC9C9D9A-5149-2947-86C0-576F501F60DC}" dt="2020-01-04T15:49:37.373" v="563" actId="20577"/>
+        <pc:sldMkLst>
+          <pc:docMk/>
+          <pc:sldMk cId="924617162" sldId="319"/>
+        </pc:sldMkLst>
+        <pc:spChg chg="mod">
+          <ac:chgData name="Long B Nguyen" userId="f59fb8f3-a021-417a-8bc1-65c8d471c621" providerId="ADAL" clId="{CC9C9D9A-5149-2947-86C0-576F501F60DC}" dt="2020-01-04T15:45:14.876" v="4" actId="20577"/>
+          <ac:spMkLst>
+            <pc:docMk/>
+            <pc:sldMk cId="924617162" sldId="319"/>
+            <ac:spMk id="2" creationId="{AA3A228F-61D0-D949-A5E7-F83756230BF8}"/>
+          </ac:spMkLst>
+        </pc:spChg>
+        <pc:spChg chg="mod">
+          <ac:chgData name="Long B Nguyen" userId="f59fb8f3-a021-417a-8bc1-65c8d471c621" providerId="ADAL" clId="{CC9C9D9A-5149-2947-86C0-576F501F60DC}" dt="2020-01-04T15:49:37.373" v="563" actId="20577"/>
+          <ac:spMkLst>
+            <pc:docMk/>
+            <pc:sldMk cId="924617162" sldId="319"/>
+            <ac:spMk id="9" creationId="{E3B2E017-30B2-884B-A113-B419A2ED51AD}"/>
+          </ac:spMkLst>
+        </pc:spChg>
+      </pc:sldChg>
+      <pc:sldChg chg="modSp add">
+        <pc:chgData name="Long B Nguyen" userId="f59fb8f3-a021-417a-8bc1-65c8d471c621" providerId="ADAL" clId="{CC9C9D9A-5149-2947-86C0-576F501F60DC}" dt="2020-01-04T15:57:55.835" v="789" actId="14100"/>
+        <pc:sldMkLst>
+          <pc:docMk/>
+          <pc:sldMk cId="3758830494" sldId="320"/>
+        </pc:sldMkLst>
+        <pc:spChg chg="mod">
+          <ac:chgData name="Long B Nguyen" userId="f59fb8f3-a021-417a-8bc1-65c8d471c621" providerId="ADAL" clId="{CC9C9D9A-5149-2947-86C0-576F501F60DC}" dt="2020-01-04T15:57:52.065" v="788" actId="1076"/>
+          <ac:spMkLst>
+            <pc:docMk/>
+            <pc:sldMk cId="3758830494" sldId="320"/>
+            <ac:spMk id="2" creationId="{AA3A228F-61D0-D949-A5E7-F83756230BF8}"/>
+          </ac:spMkLst>
+        </pc:spChg>
+        <pc:spChg chg="mod">
+          <ac:chgData name="Long B Nguyen" userId="f59fb8f3-a021-417a-8bc1-65c8d471c621" providerId="ADAL" clId="{CC9C9D9A-5149-2947-86C0-576F501F60DC}" dt="2020-01-04T15:57:55.835" v="789" actId="14100"/>
+          <ac:spMkLst>
+            <pc:docMk/>
+            <pc:sldMk cId="3758830494" sldId="320"/>
+            <ac:spMk id="9" creationId="{E3B2E017-30B2-884B-A113-B419A2ED51AD}"/>
+          </ac:spMkLst>
+        </pc:spChg>
+      </pc:sldChg>
+      <pc:sldChg chg="modSp add">
+        <pc:chgData name="Long B Nguyen" userId="f59fb8f3-a021-417a-8bc1-65c8d471c621" providerId="ADAL" clId="{CC9C9D9A-5149-2947-86C0-576F501F60DC}" dt="2020-01-05T21:51:37.442" v="2325" actId="20577"/>
+        <pc:sldMkLst>
+          <pc:docMk/>
+          <pc:sldMk cId="1022945305" sldId="321"/>
+        </pc:sldMkLst>
+        <pc:spChg chg="mod">
+          <ac:chgData name="Long B Nguyen" userId="f59fb8f3-a021-417a-8bc1-65c8d471c621" providerId="ADAL" clId="{CC9C9D9A-5149-2947-86C0-576F501F60DC}" dt="2020-01-05T21:51:37.442" v="2325" actId="20577"/>
+          <ac:spMkLst>
+            <pc:docMk/>
+            <pc:sldMk cId="1022945305" sldId="321"/>
+            <ac:spMk id="2" creationId="{AA3A228F-61D0-D949-A5E7-F83756230BF8}"/>
+          </ac:spMkLst>
+        </pc:spChg>
+        <pc:spChg chg="mod">
+          <ac:chgData name="Long B Nguyen" userId="f59fb8f3-a021-417a-8bc1-65c8d471c621" providerId="ADAL" clId="{CC9C9D9A-5149-2947-86C0-576F501F60DC}" dt="2020-01-05T21:33:21.485" v="2304" actId="20577"/>
+          <ac:spMkLst>
+            <pc:docMk/>
+            <pc:sldMk cId="1022945305" sldId="321"/>
+            <ac:spMk id="9" creationId="{E3B2E017-30B2-884B-A113-B419A2ED51AD}"/>
+          </ac:spMkLst>
+        </pc:spChg>
+      </pc:sldChg>
+      <pc:sldChg chg="modSp add">
+        <pc:chgData name="Long B Nguyen" userId="f59fb8f3-a021-417a-8bc1-65c8d471c621" providerId="ADAL" clId="{CC9C9D9A-5149-2947-86C0-576F501F60DC}" dt="2020-01-04T17:41:57.489" v="1203" actId="20577"/>
+        <pc:sldMkLst>
+          <pc:docMk/>
+          <pc:sldMk cId="3456840474" sldId="322"/>
+        </pc:sldMkLst>
+        <pc:spChg chg="mod">
+          <ac:chgData name="Long B Nguyen" userId="f59fb8f3-a021-417a-8bc1-65c8d471c621" providerId="ADAL" clId="{CC9C9D9A-5149-2947-86C0-576F501F60DC}" dt="2020-01-04T17:41:57.489" v="1203" actId="20577"/>
+          <ac:spMkLst>
+            <pc:docMk/>
+            <pc:sldMk cId="3456840474" sldId="322"/>
+            <ac:spMk id="9" creationId="{E3B2E017-30B2-884B-A113-B419A2ED51AD}"/>
+          </ac:spMkLst>
+        </pc:spChg>
+      </pc:sldChg>
+      <pc:sldChg chg="modSp add">
+        <pc:chgData name="Long B Nguyen" userId="f59fb8f3-a021-417a-8bc1-65c8d471c621" providerId="ADAL" clId="{CC9C9D9A-5149-2947-86C0-576F501F60DC}" dt="2020-01-04T18:38:26.241" v="1214" actId="113"/>
+        <pc:sldMkLst>
+          <pc:docMk/>
+          <pc:sldMk cId="1062075874" sldId="323"/>
+        </pc:sldMkLst>
+        <pc:spChg chg="mod">
+          <ac:chgData name="Long B Nguyen" userId="f59fb8f3-a021-417a-8bc1-65c8d471c621" providerId="ADAL" clId="{CC9C9D9A-5149-2947-86C0-576F501F60DC}" dt="2020-01-04T18:38:26.241" v="1214" actId="113"/>
+          <ac:spMkLst>
+            <pc:docMk/>
+            <pc:sldMk cId="1062075874" sldId="323"/>
+            <ac:spMk id="9" creationId="{E3B2E017-30B2-884B-A113-B419A2ED51AD}"/>
+          </ac:spMkLst>
+        </pc:spChg>
+      </pc:sldChg>
+      <pc:sldChg chg="modSp add">
+        <pc:chgData name="Long B Nguyen" userId="f59fb8f3-a021-417a-8bc1-65c8d471c621" providerId="ADAL" clId="{CC9C9D9A-5149-2947-86C0-576F501F60DC}" dt="2020-01-04T20:58:36.932" v="1972" actId="20577"/>
+        <pc:sldMkLst>
+          <pc:docMk/>
+          <pc:sldMk cId="1310010799" sldId="324"/>
+        </pc:sldMkLst>
+        <pc:spChg chg="mod">
+          <ac:chgData name="Long B Nguyen" userId="f59fb8f3-a021-417a-8bc1-65c8d471c621" providerId="ADAL" clId="{CC9C9D9A-5149-2947-86C0-576F501F60DC}" dt="2020-01-04T20:55:25.731" v="1962" actId="1076"/>
+          <ac:spMkLst>
+            <pc:docMk/>
+            <pc:sldMk cId="1310010799" sldId="324"/>
+            <ac:spMk id="2" creationId="{AA3A228F-61D0-D949-A5E7-F83756230BF8}"/>
+          </ac:spMkLst>
+        </pc:spChg>
+        <pc:spChg chg="mod">
+          <ac:chgData name="Long B Nguyen" userId="f59fb8f3-a021-417a-8bc1-65c8d471c621" providerId="ADAL" clId="{CC9C9D9A-5149-2947-86C0-576F501F60DC}" dt="2020-01-04T20:58:36.932" v="1972" actId="20577"/>
+          <ac:spMkLst>
+            <pc:docMk/>
+            <pc:sldMk cId="1310010799" sldId="324"/>
+            <ac:spMk id="9" creationId="{E3B2E017-30B2-884B-A113-B419A2ED51AD}"/>
+          </ac:spMkLst>
+        </pc:spChg>
+      </pc:sldChg>
+      <pc:sldChg chg="modSp add">
+        <pc:chgData name="Long B Nguyen" userId="f59fb8f3-a021-417a-8bc1-65c8d471c621" providerId="ADAL" clId="{CC9C9D9A-5149-2947-86C0-576F501F60DC}" dt="2020-01-05T21:27:04.952" v="2119" actId="20577"/>
+        <pc:sldMkLst>
+          <pc:docMk/>
+          <pc:sldMk cId="3314372952" sldId="325"/>
+        </pc:sldMkLst>
+        <pc:spChg chg="mod">
+          <ac:chgData name="Long B Nguyen" userId="f59fb8f3-a021-417a-8bc1-65c8d471c621" providerId="ADAL" clId="{CC9C9D9A-5149-2947-86C0-576F501F60DC}" dt="2020-01-05T21:26:41.210" v="2114" actId="20577"/>
+          <ac:spMkLst>
+            <pc:docMk/>
+            <pc:sldMk cId="3314372952" sldId="325"/>
+            <ac:spMk id="2" creationId="{AA3A228F-61D0-D949-A5E7-F83756230BF8}"/>
+          </ac:spMkLst>
+        </pc:spChg>
+        <pc:spChg chg="mod">
+          <ac:chgData name="Long B Nguyen" userId="f59fb8f3-a021-417a-8bc1-65c8d471c621" providerId="ADAL" clId="{CC9C9D9A-5149-2947-86C0-576F501F60DC}" dt="2020-01-05T21:27:04.952" v="2119" actId="20577"/>
+          <ac:spMkLst>
+            <pc:docMk/>
+            <pc:sldMk cId="3314372952" sldId="325"/>
+            <ac:spMk id="9" creationId="{E3B2E017-30B2-884B-A113-B419A2ED51AD}"/>
+          </ac:spMkLst>
+        </pc:spChg>
+      </pc:sldChg>
+      <pc:sldChg chg="modSp add">
+        <pc:chgData name="Long B Nguyen" userId="f59fb8f3-a021-417a-8bc1-65c8d471c621" providerId="ADAL" clId="{CC9C9D9A-5149-2947-86C0-576F501F60DC}" dt="2020-01-05T21:29:58.563" v="2178" actId="20577"/>
+        <pc:sldMkLst>
+          <pc:docMk/>
+          <pc:sldMk cId="3117943122" sldId="326"/>
+        </pc:sldMkLst>
+        <pc:spChg chg="mod">
+          <ac:chgData name="Long B Nguyen" userId="f59fb8f3-a021-417a-8bc1-65c8d471c621" providerId="ADAL" clId="{CC9C9D9A-5149-2947-86C0-576F501F60DC}" dt="2020-01-05T21:29:58.563" v="2178" actId="20577"/>
+          <ac:spMkLst>
+            <pc:docMk/>
+            <pc:sldMk cId="3117943122" sldId="326"/>
+            <ac:spMk id="9" creationId="{E3B2E017-30B2-884B-A113-B419A2ED51AD}"/>
+          </ac:spMkLst>
+        </pc:spChg>
+      </pc:sldChg>
+      <pc:sldChg chg="modSp add">
+        <pc:chgData name="Long B Nguyen" userId="f59fb8f3-a021-417a-8bc1-65c8d471c621" providerId="ADAL" clId="{CC9C9D9A-5149-2947-86C0-576F501F60DC}" dt="2020-01-05T21:59:55.597" v="2392" actId="14100"/>
+        <pc:sldMkLst>
+          <pc:docMk/>
+          <pc:sldMk cId="1025618360" sldId="327"/>
+        </pc:sldMkLst>
+        <pc:spChg chg="mod">
+          <ac:chgData name="Long B Nguyen" userId="f59fb8f3-a021-417a-8bc1-65c8d471c621" providerId="ADAL" clId="{CC9C9D9A-5149-2947-86C0-576F501F60DC}" dt="2020-01-05T21:59:55.597" v="2392" actId="14100"/>
+          <ac:spMkLst>
+            <pc:docMk/>
+            <pc:sldMk cId="1025618360" sldId="327"/>
+            <ac:spMk id="9" creationId="{E3B2E017-30B2-884B-A113-B419A2ED51AD}"/>
+          </ac:spMkLst>
+        </pc:spChg>
+      </pc:sldChg>
+      <pc:sldChg chg="modSp add">
+        <pc:chgData name="Long B Nguyen" userId="f59fb8f3-a021-417a-8bc1-65c8d471c621" providerId="ADAL" clId="{CC9C9D9A-5149-2947-86C0-576F501F60DC}" dt="2020-01-05T21:54:47.081" v="2356" actId="2711"/>
+        <pc:sldMkLst>
+          <pc:docMk/>
+          <pc:sldMk cId="3894299887" sldId="328"/>
+        </pc:sldMkLst>
+        <pc:spChg chg="mod">
+          <ac:chgData name="Long B Nguyen" userId="f59fb8f3-a021-417a-8bc1-65c8d471c621" providerId="ADAL" clId="{CC9C9D9A-5149-2947-86C0-576F501F60DC}" dt="2020-01-05T21:51:41.306" v="2327" actId="20577"/>
+          <ac:spMkLst>
+            <pc:docMk/>
+            <pc:sldMk cId="3894299887" sldId="328"/>
+            <ac:spMk id="2" creationId="{AA3A228F-61D0-D949-A5E7-F83756230BF8}"/>
+          </ac:spMkLst>
+        </pc:spChg>
+        <pc:spChg chg="mod">
+          <ac:chgData name="Long B Nguyen" userId="f59fb8f3-a021-417a-8bc1-65c8d471c621" providerId="ADAL" clId="{CC9C9D9A-5149-2947-86C0-576F501F60DC}" dt="2020-01-05T21:54:47.081" v="2356" actId="2711"/>
+          <ac:spMkLst>
+            <pc:docMk/>
+            <pc:sldMk cId="3894299887" sldId="328"/>
+            <ac:spMk id="9" creationId="{E3B2E017-30B2-884B-A113-B419A2ED51AD}"/>
+          </ac:spMkLst>
+        </pc:spChg>
+      </pc:sldChg>
+      <pc:sldChg chg="add">
+        <pc:chgData name="Long B Nguyen" userId="f59fb8f3-a021-417a-8bc1-65c8d471c621" providerId="ADAL" clId="{CC9C9D9A-5149-2947-86C0-576F501F60DC}" dt="2020-01-05T21:57:38.736" v="2357"/>
+        <pc:sldMkLst>
+          <pc:docMk/>
+          <pc:sldMk cId="4294143140" sldId="329"/>
+        </pc:sldMkLst>
+      </pc:sldChg>
+    </pc:docChg>
   </pc:docChgLst>
   <pc:docChgLst>
     <pc:chgData name="Long B Nguyen" userId="f59fb8f3-a021-417a-8bc1-65c8d471c621" providerId="ADAL" clId="{AA9102B5-DACA-D841-B260-AEEBF90FC60A}"/>
@@ -1890,908 +3303,6 @@
     </pc:docChg>
   </pc:docChgLst>
   <pc:docChgLst>
-    <pc:chgData name="Long B Nguyen" userId="f59fb8f3-a021-417a-8bc1-65c8d471c621" providerId="ADAL" clId="{34A2CF11-652E-6345-AC5C-A89FACA07C4E}"/>
-    <pc:docChg chg="custSel addSld delSld modSld">
-      <pc:chgData name="Long B Nguyen" userId="f59fb8f3-a021-417a-8bc1-65c8d471c621" providerId="ADAL" clId="{34A2CF11-652E-6345-AC5C-A89FACA07C4E}" dt="2020-03-15T23:28:25.241" v="1437" actId="20577"/>
-      <pc:docMkLst>
-        <pc:docMk/>
-      </pc:docMkLst>
-      <pc:sldChg chg="del">
-        <pc:chgData name="Long B Nguyen" userId="f59fb8f3-a021-417a-8bc1-65c8d471c621" providerId="ADAL" clId="{34A2CF11-652E-6345-AC5C-A89FACA07C4E}" dt="2020-02-25T16:20:06.450" v="1360" actId="2696"/>
-        <pc:sldMkLst>
-          <pc:docMk/>
-          <pc:sldMk cId="623736032" sldId="485"/>
-        </pc:sldMkLst>
-      </pc:sldChg>
-      <pc:sldChg chg="modSp modAnim">
-        <pc:chgData name="Long B Nguyen" userId="f59fb8f3-a021-417a-8bc1-65c8d471c621" providerId="ADAL" clId="{34A2CF11-652E-6345-AC5C-A89FACA07C4E}" dt="2020-02-28T13:54:19.243" v="1410" actId="20577"/>
-        <pc:sldMkLst>
-          <pc:docMk/>
-          <pc:sldMk cId="3813527744" sldId="527"/>
-        </pc:sldMkLst>
-        <pc:spChg chg="mod">
-          <ac:chgData name="Long B Nguyen" userId="f59fb8f3-a021-417a-8bc1-65c8d471c621" providerId="ADAL" clId="{34A2CF11-652E-6345-AC5C-A89FACA07C4E}" dt="2020-02-28T13:54:19.243" v="1410" actId="20577"/>
-          <ac:spMkLst>
-            <pc:docMk/>
-            <pc:sldMk cId="3813527744" sldId="527"/>
-            <ac:spMk id="17410" creationId="{C9772176-DC13-F64D-AC00-58F2A4791B97}"/>
-          </ac:spMkLst>
-        </pc:spChg>
-      </pc:sldChg>
-      <pc:sldChg chg="modSp">
-        <pc:chgData name="Long B Nguyen" userId="f59fb8f3-a021-417a-8bc1-65c8d471c621" providerId="ADAL" clId="{34A2CF11-652E-6345-AC5C-A89FACA07C4E}" dt="2020-02-25T15:08:00.858" v="55" actId="255"/>
-        <pc:sldMkLst>
-          <pc:docMk/>
-          <pc:sldMk cId="1445950413" sldId="528"/>
-        </pc:sldMkLst>
-        <pc:spChg chg="mod">
-          <ac:chgData name="Long B Nguyen" userId="f59fb8f3-a021-417a-8bc1-65c8d471c621" providerId="ADAL" clId="{34A2CF11-652E-6345-AC5C-A89FACA07C4E}" dt="2020-02-25T15:08:00.858" v="55" actId="255"/>
-          <ac:spMkLst>
-            <pc:docMk/>
-            <pc:sldMk cId="1445950413" sldId="528"/>
-            <ac:spMk id="27651" creationId="{DCF5F58B-FD97-FE43-BD35-9AA575595114}"/>
-          </ac:spMkLst>
-        </pc:spChg>
-      </pc:sldChg>
-      <pc:sldChg chg="modSp modAnim">
-        <pc:chgData name="Long B Nguyen" userId="f59fb8f3-a021-417a-8bc1-65c8d471c621" providerId="ADAL" clId="{34A2CF11-652E-6345-AC5C-A89FACA07C4E}" dt="2020-02-28T13:56:32.314" v="1412" actId="20577"/>
-        <pc:sldMkLst>
-          <pc:docMk/>
-          <pc:sldMk cId="1720314276" sldId="566"/>
-        </pc:sldMkLst>
-        <pc:spChg chg="mod">
-          <ac:chgData name="Long B Nguyen" userId="f59fb8f3-a021-417a-8bc1-65c8d471c621" providerId="ADAL" clId="{34A2CF11-652E-6345-AC5C-A89FACA07C4E}" dt="2020-02-25T15:07:35.151" v="50" actId="1076"/>
-          <ac:spMkLst>
-            <pc:docMk/>
-            <pc:sldMk cId="1720314276" sldId="566"/>
-            <ac:spMk id="25601" creationId="{DE009A6C-99D8-1641-8A8A-B18B81FC62CD}"/>
-          </ac:spMkLst>
-        </pc:spChg>
-        <pc:spChg chg="mod">
-          <ac:chgData name="Long B Nguyen" userId="f59fb8f3-a021-417a-8bc1-65c8d471c621" providerId="ADAL" clId="{34A2CF11-652E-6345-AC5C-A89FACA07C4E}" dt="2020-02-28T13:56:32.314" v="1412" actId="20577"/>
-          <ac:spMkLst>
-            <pc:docMk/>
-            <pc:sldMk cId="1720314276" sldId="566"/>
-            <ac:spMk id="25602" creationId="{CB052219-FFAE-0F41-8A86-C30BB9EF6F35}"/>
-          </ac:spMkLst>
-        </pc:spChg>
-      </pc:sldChg>
-      <pc:sldChg chg="modSp modAnim">
-        <pc:chgData name="Long B Nguyen" userId="f59fb8f3-a021-417a-8bc1-65c8d471c621" providerId="ADAL" clId="{34A2CF11-652E-6345-AC5C-A89FACA07C4E}" dt="2020-02-25T15:09:21.882" v="167" actId="20577"/>
-        <pc:sldMkLst>
-          <pc:docMk/>
-          <pc:sldMk cId="198395083" sldId="567"/>
-        </pc:sldMkLst>
-        <pc:spChg chg="mod">
-          <ac:chgData name="Long B Nguyen" userId="f59fb8f3-a021-417a-8bc1-65c8d471c621" providerId="ADAL" clId="{34A2CF11-652E-6345-AC5C-A89FACA07C4E}" dt="2020-02-25T15:04:29.039" v="8" actId="1076"/>
-          <ac:spMkLst>
-            <pc:docMk/>
-            <pc:sldMk cId="198395083" sldId="567"/>
-            <ac:spMk id="27649" creationId="{84C172EC-4FFF-674B-98FB-C1FB0C2BD605}"/>
-          </ac:spMkLst>
-        </pc:spChg>
-        <pc:spChg chg="mod">
-          <ac:chgData name="Long B Nguyen" userId="f59fb8f3-a021-417a-8bc1-65c8d471c621" providerId="ADAL" clId="{34A2CF11-652E-6345-AC5C-A89FACA07C4E}" dt="2020-02-25T15:09:21.882" v="167" actId="20577"/>
-          <ac:spMkLst>
-            <pc:docMk/>
-            <pc:sldMk cId="198395083" sldId="567"/>
-            <ac:spMk id="27650" creationId="{5760563D-95CB-F842-9A06-99DB9A606240}"/>
-          </ac:spMkLst>
-        </pc:spChg>
-      </pc:sldChg>
-      <pc:sldChg chg="modSp">
-        <pc:chgData name="Long B Nguyen" userId="f59fb8f3-a021-417a-8bc1-65c8d471c621" providerId="ADAL" clId="{34A2CF11-652E-6345-AC5C-A89FACA07C4E}" dt="2020-02-25T15:05:17.624" v="22" actId="1076"/>
-        <pc:sldMkLst>
-          <pc:docMk/>
-          <pc:sldMk cId="1070622160" sldId="568"/>
-        </pc:sldMkLst>
-        <pc:spChg chg="mod">
-          <ac:chgData name="Long B Nguyen" userId="f59fb8f3-a021-417a-8bc1-65c8d471c621" providerId="ADAL" clId="{34A2CF11-652E-6345-AC5C-A89FACA07C4E}" dt="2020-02-25T15:04:56.343" v="16" actId="1076"/>
-          <ac:spMkLst>
-            <pc:docMk/>
-            <pc:sldMk cId="1070622160" sldId="568"/>
-            <ac:spMk id="29697" creationId="{FE344302-6250-2241-8F6D-C448D16804F4}"/>
-          </ac:spMkLst>
-        </pc:spChg>
-        <pc:spChg chg="mod">
-          <ac:chgData name="Long B Nguyen" userId="f59fb8f3-a021-417a-8bc1-65c8d471c621" providerId="ADAL" clId="{34A2CF11-652E-6345-AC5C-A89FACA07C4E}" dt="2020-02-25T15:05:08.271" v="21" actId="5793"/>
-          <ac:spMkLst>
-            <pc:docMk/>
-            <pc:sldMk cId="1070622160" sldId="568"/>
-            <ac:spMk id="29698" creationId="{E66559DC-645B-874B-9A56-EC803A4B4B92}"/>
-          </ac:spMkLst>
-        </pc:spChg>
-        <pc:picChg chg="mod">
-          <ac:chgData name="Long B Nguyen" userId="f59fb8f3-a021-417a-8bc1-65c8d471c621" providerId="ADAL" clId="{34A2CF11-652E-6345-AC5C-A89FACA07C4E}" dt="2020-02-25T15:05:17.624" v="22" actId="1076"/>
-          <ac:picMkLst>
-            <pc:docMk/>
-            <pc:sldMk cId="1070622160" sldId="568"/>
-            <ac:picMk id="29699" creationId="{090A5754-8CAB-3747-8068-84BA02EDFD26}"/>
-          </ac:picMkLst>
-        </pc:picChg>
-      </pc:sldChg>
-      <pc:sldChg chg="modSp modAnim">
-        <pc:chgData name="Long B Nguyen" userId="f59fb8f3-a021-417a-8bc1-65c8d471c621" providerId="ADAL" clId="{34A2CF11-652E-6345-AC5C-A89FACA07C4E}" dt="2020-02-25T15:11:25.959" v="181" actId="20577"/>
-        <pc:sldMkLst>
-          <pc:docMk/>
-          <pc:sldMk cId="4001486838" sldId="570"/>
-        </pc:sldMkLst>
-        <pc:spChg chg="mod">
-          <ac:chgData name="Long B Nguyen" userId="f59fb8f3-a021-417a-8bc1-65c8d471c621" providerId="ADAL" clId="{34A2CF11-652E-6345-AC5C-A89FACA07C4E}" dt="2020-02-25T15:10:37.671" v="176" actId="1076"/>
-          <ac:spMkLst>
-            <pc:docMk/>
-            <pc:sldMk cId="4001486838" sldId="570"/>
-            <ac:spMk id="39937" creationId="{7CD89787-5856-7640-A8D5-FF2B48692349}"/>
-          </ac:spMkLst>
-        </pc:spChg>
-        <pc:spChg chg="mod">
-          <ac:chgData name="Long B Nguyen" userId="f59fb8f3-a021-417a-8bc1-65c8d471c621" providerId="ADAL" clId="{34A2CF11-652E-6345-AC5C-A89FACA07C4E}" dt="2020-02-25T15:11:25.959" v="181" actId="20577"/>
-          <ac:spMkLst>
-            <pc:docMk/>
-            <pc:sldMk cId="4001486838" sldId="570"/>
-            <ac:spMk id="39938" creationId="{6D60C863-7ABD-3143-ABF5-601EEB054571}"/>
-          </ac:spMkLst>
-        </pc:spChg>
-      </pc:sldChg>
-      <pc:sldChg chg="modSp">
-        <pc:chgData name="Long B Nguyen" userId="f59fb8f3-a021-417a-8bc1-65c8d471c621" providerId="ADAL" clId="{34A2CF11-652E-6345-AC5C-A89FACA07C4E}" dt="2020-02-25T15:05:41.826" v="30" actId="5793"/>
-        <pc:sldMkLst>
-          <pc:docMk/>
-          <pc:sldMk cId="2901569448" sldId="571"/>
-        </pc:sldMkLst>
-        <pc:spChg chg="mod">
-          <ac:chgData name="Long B Nguyen" userId="f59fb8f3-a021-417a-8bc1-65c8d471c621" providerId="ADAL" clId="{34A2CF11-652E-6345-AC5C-A89FACA07C4E}" dt="2020-02-25T15:05:31.134" v="26" actId="1076"/>
-          <ac:spMkLst>
-            <pc:docMk/>
-            <pc:sldMk cId="2901569448" sldId="571"/>
-            <ac:spMk id="31745" creationId="{C5308C83-3686-0243-B14A-C98C71EB681A}"/>
-          </ac:spMkLst>
-        </pc:spChg>
-        <pc:spChg chg="mod">
-          <ac:chgData name="Long B Nguyen" userId="f59fb8f3-a021-417a-8bc1-65c8d471c621" providerId="ADAL" clId="{34A2CF11-652E-6345-AC5C-A89FACA07C4E}" dt="2020-02-25T15:05:41.826" v="30" actId="5793"/>
-          <ac:spMkLst>
-            <pc:docMk/>
-            <pc:sldMk cId="2901569448" sldId="571"/>
-            <ac:spMk id="31746" creationId="{CA1C5CB3-5B3D-4641-9849-F15DD036946A}"/>
-          </ac:spMkLst>
-        </pc:spChg>
-      </pc:sldChg>
-      <pc:sldChg chg="modSp">
-        <pc:chgData name="Long B Nguyen" userId="f59fb8f3-a021-417a-8bc1-65c8d471c621" providerId="ADAL" clId="{34A2CF11-652E-6345-AC5C-A89FACA07C4E}" dt="2020-02-25T15:10:25.707" v="172" actId="14100"/>
-        <pc:sldMkLst>
-          <pc:docMk/>
-          <pc:sldMk cId="2135159274" sldId="573"/>
-        </pc:sldMkLst>
-        <pc:spChg chg="mod">
-          <ac:chgData name="Long B Nguyen" userId="f59fb8f3-a021-417a-8bc1-65c8d471c621" providerId="ADAL" clId="{34A2CF11-652E-6345-AC5C-A89FACA07C4E}" dt="2020-02-25T15:10:25.707" v="172" actId="14100"/>
-          <ac:spMkLst>
-            <pc:docMk/>
-            <pc:sldMk cId="2135159274" sldId="573"/>
-            <ac:spMk id="37890" creationId="{D5A7A0E7-48AA-5144-A3FE-3363DFC01CF5}"/>
-          </ac:spMkLst>
-        </pc:spChg>
-      </pc:sldChg>
-      <pc:sldChg chg="modSp">
-        <pc:chgData name="Long B Nguyen" userId="f59fb8f3-a021-417a-8bc1-65c8d471c621" providerId="ADAL" clId="{34A2CF11-652E-6345-AC5C-A89FACA07C4E}" dt="2020-02-25T15:15:06.511" v="228" actId="1076"/>
-        <pc:sldMkLst>
-          <pc:docMk/>
-          <pc:sldMk cId="3391101355" sldId="575"/>
-        </pc:sldMkLst>
-        <pc:spChg chg="mod">
-          <ac:chgData name="Long B Nguyen" userId="f59fb8f3-a021-417a-8bc1-65c8d471c621" providerId="ADAL" clId="{34A2CF11-652E-6345-AC5C-A89FACA07C4E}" dt="2020-02-25T15:15:00.887" v="226" actId="5793"/>
-          <ac:spMkLst>
-            <pc:docMk/>
-            <pc:sldMk cId="3391101355" sldId="575"/>
-            <ac:spMk id="27651" creationId="{47FD0DF8-5133-F34E-AB80-6AF0E271D1FF}"/>
-          </ac:spMkLst>
-        </pc:spChg>
-        <pc:spChg chg="mod">
-          <ac:chgData name="Long B Nguyen" userId="f59fb8f3-a021-417a-8bc1-65c8d471c621" providerId="ADAL" clId="{34A2CF11-652E-6345-AC5C-A89FACA07C4E}" dt="2020-02-25T15:15:06.511" v="228" actId="1076"/>
-          <ac:spMkLst>
-            <pc:docMk/>
-            <pc:sldMk cId="3391101355" sldId="575"/>
-            <ac:spMk id="59393" creationId="{0845453A-A29A-9A42-9905-72E41E15DA8F}"/>
-          </ac:spMkLst>
-        </pc:spChg>
-      </pc:sldChg>
-      <pc:sldChg chg="modSp">
-        <pc:chgData name="Long B Nguyen" userId="f59fb8f3-a021-417a-8bc1-65c8d471c621" providerId="ADAL" clId="{34A2CF11-652E-6345-AC5C-A89FACA07C4E}" dt="2020-02-25T15:13:13.689" v="198" actId="5793"/>
-        <pc:sldMkLst>
-          <pc:docMk/>
-          <pc:sldMk cId="3275116272" sldId="576"/>
-        </pc:sldMkLst>
-        <pc:spChg chg="mod">
-          <ac:chgData name="Long B Nguyen" userId="f59fb8f3-a021-417a-8bc1-65c8d471c621" providerId="ADAL" clId="{34A2CF11-652E-6345-AC5C-A89FACA07C4E}" dt="2020-02-25T15:13:13.689" v="198" actId="5793"/>
-          <ac:spMkLst>
-            <pc:docMk/>
-            <pc:sldMk cId="3275116272" sldId="576"/>
-            <ac:spMk id="54274" creationId="{6A77A454-E9F7-204D-9394-2BA466B041AA}"/>
-          </ac:spMkLst>
-        </pc:spChg>
-        <pc:spChg chg="mod">
-          <ac:chgData name="Long B Nguyen" userId="f59fb8f3-a021-417a-8bc1-65c8d471c621" providerId="ADAL" clId="{34A2CF11-652E-6345-AC5C-A89FACA07C4E}" dt="2020-02-25T15:13:00.991" v="192" actId="1076"/>
-          <ac:spMkLst>
-            <pc:docMk/>
-            <pc:sldMk cId="3275116272" sldId="576"/>
-            <ac:spMk id="55297" creationId="{D1309B3C-E6F6-2741-82EB-369B5DBEE833}"/>
-          </ac:spMkLst>
-        </pc:spChg>
-      </pc:sldChg>
-      <pc:sldChg chg="modSp modAnim">
-        <pc:chgData name="Long B Nguyen" userId="f59fb8f3-a021-417a-8bc1-65c8d471c621" providerId="ADAL" clId="{34A2CF11-652E-6345-AC5C-A89FACA07C4E}" dt="2020-02-25T15:06:05.921" v="39" actId="20577"/>
-        <pc:sldMkLst>
-          <pc:docMk/>
-          <pc:sldMk cId="1727266702" sldId="578"/>
-        </pc:sldMkLst>
-        <pc:spChg chg="mod">
-          <ac:chgData name="Long B Nguyen" userId="f59fb8f3-a021-417a-8bc1-65c8d471c621" providerId="ADAL" clId="{34A2CF11-652E-6345-AC5C-A89FACA07C4E}" dt="2020-02-25T15:05:51.316" v="32" actId="1076"/>
-          <ac:spMkLst>
-            <pc:docMk/>
-            <pc:sldMk cId="1727266702" sldId="578"/>
-            <ac:spMk id="33793" creationId="{3553DE6C-30A9-C943-BBC0-80F5551E5745}"/>
-          </ac:spMkLst>
-        </pc:spChg>
-        <pc:spChg chg="mod">
-          <ac:chgData name="Long B Nguyen" userId="f59fb8f3-a021-417a-8bc1-65c8d471c621" providerId="ADAL" clId="{34A2CF11-652E-6345-AC5C-A89FACA07C4E}" dt="2020-02-25T15:06:05.921" v="39" actId="20577"/>
-          <ac:spMkLst>
-            <pc:docMk/>
-            <pc:sldMk cId="1727266702" sldId="578"/>
-            <ac:spMk id="33794" creationId="{1B9931B8-23E4-C546-8529-25A8A3CB57FD}"/>
-          </ac:spMkLst>
-        </pc:spChg>
-      </pc:sldChg>
-      <pc:sldChg chg="modSp">
-        <pc:chgData name="Long B Nguyen" userId="f59fb8f3-a021-417a-8bc1-65c8d471c621" providerId="ADAL" clId="{34A2CF11-652E-6345-AC5C-A89FACA07C4E}" dt="2020-02-25T15:10:09.921" v="168" actId="2711"/>
-        <pc:sldMkLst>
-          <pc:docMk/>
-          <pc:sldMk cId="665490485" sldId="579"/>
-        </pc:sldMkLst>
-        <pc:spChg chg="mod">
-          <ac:chgData name="Long B Nguyen" userId="f59fb8f3-a021-417a-8bc1-65c8d471c621" providerId="ADAL" clId="{34A2CF11-652E-6345-AC5C-A89FACA07C4E}" dt="2020-02-25T15:06:19.876" v="43" actId="1076"/>
-          <ac:spMkLst>
-            <pc:docMk/>
-            <pc:sldMk cId="665490485" sldId="579"/>
-            <ac:spMk id="35841" creationId="{10C91E1B-6F62-5440-A8B3-71AEF2909C3E}"/>
-          </ac:spMkLst>
-        </pc:spChg>
-        <pc:spChg chg="mod">
-          <ac:chgData name="Long B Nguyen" userId="f59fb8f3-a021-417a-8bc1-65c8d471c621" providerId="ADAL" clId="{34A2CF11-652E-6345-AC5C-A89FACA07C4E}" dt="2020-02-25T15:10:09.921" v="168" actId="2711"/>
-          <ac:spMkLst>
-            <pc:docMk/>
-            <pc:sldMk cId="665490485" sldId="579"/>
-            <ac:spMk id="35842" creationId="{C6DC7E6C-DF38-9748-B0D1-7D7B63795E45}"/>
-          </ac:spMkLst>
-        </pc:spChg>
-      </pc:sldChg>
-      <pc:sldChg chg="modSp">
-        <pc:chgData name="Long B Nguyen" userId="f59fb8f3-a021-417a-8bc1-65c8d471c621" providerId="ADAL" clId="{34A2CF11-652E-6345-AC5C-A89FACA07C4E}" dt="2020-03-13T16:35:47.535" v="1431" actId="20577"/>
-        <pc:sldMkLst>
-          <pc:docMk/>
-          <pc:sldMk cId="2801305812" sldId="580"/>
-        </pc:sldMkLst>
-        <pc:spChg chg="mod">
-          <ac:chgData name="Long B Nguyen" userId="f59fb8f3-a021-417a-8bc1-65c8d471c621" providerId="ADAL" clId="{34A2CF11-652E-6345-AC5C-A89FACA07C4E}" dt="2020-03-13T16:35:47.535" v="1431" actId="20577"/>
-          <ac:spMkLst>
-            <pc:docMk/>
-            <pc:sldMk cId="2801305812" sldId="580"/>
-            <ac:spMk id="21505" creationId="{2B80FEFF-E638-C344-A551-37B339160B3A}"/>
-          </ac:spMkLst>
-        </pc:spChg>
-      </pc:sldChg>
-      <pc:sldChg chg="addSp delSp modSp modAnim">
-        <pc:chgData name="Long B Nguyen" userId="f59fb8f3-a021-417a-8bc1-65c8d471c621" providerId="ADAL" clId="{34A2CF11-652E-6345-AC5C-A89FACA07C4E}" dt="2020-02-28T14:46:23.469" v="1418" actId="113"/>
-        <pc:sldMkLst>
-          <pc:docMk/>
-          <pc:sldMk cId="1237537268" sldId="583"/>
-        </pc:sldMkLst>
-        <pc:spChg chg="add del mod">
-          <ac:chgData name="Long B Nguyen" userId="f59fb8f3-a021-417a-8bc1-65c8d471c621" providerId="ADAL" clId="{34A2CF11-652E-6345-AC5C-A89FACA07C4E}" dt="2020-02-25T15:14:51.352" v="222"/>
-          <ac:spMkLst>
-            <pc:docMk/>
-            <pc:sldMk cId="1237537268" sldId="583"/>
-            <ac:spMk id="2" creationId="{ED646CD3-F452-494F-9C6B-294938DD2A28}"/>
-          </ac:spMkLst>
-        </pc:spChg>
-        <pc:spChg chg="mod">
-          <ac:chgData name="Long B Nguyen" userId="f59fb8f3-a021-417a-8bc1-65c8d471c621" providerId="ADAL" clId="{34A2CF11-652E-6345-AC5C-A89FACA07C4E}" dt="2020-02-28T14:46:23.469" v="1418" actId="113"/>
-          <ac:spMkLst>
-            <pc:docMk/>
-            <pc:sldMk cId="1237537268" sldId="583"/>
-            <ac:spMk id="56322" creationId="{C6A7743F-88FF-7C47-8B09-99222CD5E28E}"/>
-          </ac:spMkLst>
-        </pc:spChg>
-        <pc:spChg chg="mod">
-          <ac:chgData name="Long B Nguyen" userId="f59fb8f3-a021-417a-8bc1-65c8d471c621" providerId="ADAL" clId="{34A2CF11-652E-6345-AC5C-A89FACA07C4E}" dt="2020-02-25T15:14:05.982" v="209" actId="1076"/>
-          <ac:spMkLst>
-            <pc:docMk/>
-            <pc:sldMk cId="1237537268" sldId="583"/>
-            <ac:spMk id="57345" creationId="{CDA4A9B2-8639-C840-B975-2791E963EF68}"/>
-          </ac:spMkLst>
-        </pc:spChg>
-      </pc:sldChg>
-      <pc:sldChg chg="modSp">
-        <pc:chgData name="Long B Nguyen" userId="f59fb8f3-a021-417a-8bc1-65c8d471c621" providerId="ADAL" clId="{34A2CF11-652E-6345-AC5C-A89FACA07C4E}" dt="2020-02-25T15:15:56.112" v="245" actId="20577"/>
-        <pc:sldMkLst>
-          <pc:docMk/>
-          <pc:sldMk cId="4256317276" sldId="584"/>
-        </pc:sldMkLst>
-        <pc:spChg chg="mod">
-          <ac:chgData name="Long B Nguyen" userId="f59fb8f3-a021-417a-8bc1-65c8d471c621" providerId="ADAL" clId="{34A2CF11-652E-6345-AC5C-A89FACA07C4E}" dt="2020-02-25T15:15:56.112" v="245" actId="20577"/>
-          <ac:spMkLst>
-            <pc:docMk/>
-            <pc:sldMk cId="4256317276" sldId="584"/>
-            <ac:spMk id="62466" creationId="{000A13C9-560A-5C49-962A-A1D927D320E7}"/>
-          </ac:spMkLst>
-        </pc:spChg>
-        <pc:spChg chg="mod">
-          <ac:chgData name="Long B Nguyen" userId="f59fb8f3-a021-417a-8bc1-65c8d471c621" providerId="ADAL" clId="{34A2CF11-652E-6345-AC5C-A89FACA07C4E}" dt="2020-02-25T15:15:43.613" v="238" actId="1076"/>
-          <ac:spMkLst>
-            <pc:docMk/>
-            <pc:sldMk cId="4256317276" sldId="584"/>
-            <ac:spMk id="63489" creationId="{06AE9859-A2B0-6240-B232-7259A57B6F5E}"/>
-          </ac:spMkLst>
-        </pc:spChg>
-      </pc:sldChg>
-      <pc:sldChg chg="modSp modAnim">
-        <pc:chgData name="Long B Nguyen" userId="f59fb8f3-a021-417a-8bc1-65c8d471c621" providerId="ADAL" clId="{34A2CF11-652E-6345-AC5C-A89FACA07C4E}" dt="2020-02-25T15:23:21.337" v="341" actId="255"/>
-        <pc:sldMkLst>
-          <pc:docMk/>
-          <pc:sldMk cId="3977893820" sldId="585"/>
-        </pc:sldMkLst>
-        <pc:spChg chg="mod">
-          <ac:chgData name="Long B Nguyen" userId="f59fb8f3-a021-417a-8bc1-65c8d471c621" providerId="ADAL" clId="{34A2CF11-652E-6345-AC5C-A89FACA07C4E}" dt="2020-02-25T15:23:21.337" v="341" actId="255"/>
-          <ac:spMkLst>
-            <pc:docMk/>
-            <pc:sldMk cId="3977893820" sldId="585"/>
-            <ac:spMk id="64514" creationId="{7788F03B-8D64-E645-BC3F-DBD76C93C456}"/>
-          </ac:spMkLst>
-        </pc:spChg>
-        <pc:spChg chg="mod">
-          <ac:chgData name="Long B Nguyen" userId="f59fb8f3-a021-417a-8bc1-65c8d471c621" providerId="ADAL" clId="{34A2CF11-652E-6345-AC5C-A89FACA07C4E}" dt="2020-02-25T15:16:10.848" v="249" actId="1076"/>
-          <ac:spMkLst>
-            <pc:docMk/>
-            <pc:sldMk cId="3977893820" sldId="585"/>
-            <ac:spMk id="65537" creationId="{86430671-77D5-6E4C-94A5-D61EB184D3ED}"/>
-          </ac:spMkLst>
-        </pc:spChg>
-      </pc:sldChg>
-      <pc:sldChg chg="modSp modAnim">
-        <pc:chgData name="Long B Nguyen" userId="f59fb8f3-a021-417a-8bc1-65c8d471c621" providerId="ADAL" clId="{34A2CF11-652E-6345-AC5C-A89FACA07C4E}" dt="2020-02-25T15:47:51.312" v="428" actId="20577"/>
-        <pc:sldMkLst>
-          <pc:docMk/>
-          <pc:sldMk cId="1319289224" sldId="586"/>
-        </pc:sldMkLst>
-        <pc:spChg chg="mod">
-          <ac:chgData name="Long B Nguyen" userId="f59fb8f3-a021-417a-8bc1-65c8d471c621" providerId="ADAL" clId="{34A2CF11-652E-6345-AC5C-A89FACA07C4E}" dt="2020-02-25T15:47:51.312" v="428" actId="20577"/>
-          <ac:spMkLst>
-            <pc:docMk/>
-            <pc:sldMk cId="1319289224" sldId="586"/>
-            <ac:spMk id="66562" creationId="{6FAB6F92-236E-CB4C-AAB0-F158777360DD}"/>
-          </ac:spMkLst>
-        </pc:spChg>
-        <pc:spChg chg="mod">
-          <ac:chgData name="Long B Nguyen" userId="f59fb8f3-a021-417a-8bc1-65c8d471c621" providerId="ADAL" clId="{34A2CF11-652E-6345-AC5C-A89FACA07C4E}" dt="2020-02-25T15:46:37.078" v="420" actId="1076"/>
-          <ac:spMkLst>
-            <pc:docMk/>
-            <pc:sldMk cId="1319289224" sldId="586"/>
-            <ac:spMk id="67585" creationId="{6089FBFB-967C-FD45-992B-EB81E5CF2976}"/>
-          </ac:spMkLst>
-        </pc:spChg>
-      </pc:sldChg>
-      <pc:sldChg chg="modSp">
-        <pc:chgData name="Long B Nguyen" userId="f59fb8f3-a021-417a-8bc1-65c8d471c621" providerId="ADAL" clId="{34A2CF11-652E-6345-AC5C-A89FACA07C4E}" dt="2020-02-28T14:52:08.779" v="1420" actId="113"/>
-        <pc:sldMkLst>
-          <pc:docMk/>
-          <pc:sldMk cId="2894020677" sldId="587"/>
-        </pc:sldMkLst>
-        <pc:spChg chg="mod">
-          <ac:chgData name="Long B Nguyen" userId="f59fb8f3-a021-417a-8bc1-65c8d471c621" providerId="ADAL" clId="{34A2CF11-652E-6345-AC5C-A89FACA07C4E}" dt="2020-02-28T14:52:08.779" v="1420" actId="113"/>
-          <ac:spMkLst>
-            <pc:docMk/>
-            <pc:sldMk cId="2894020677" sldId="587"/>
-            <ac:spMk id="68610" creationId="{A4345070-62DC-4946-AD43-299FA9B490E0}"/>
-          </ac:spMkLst>
-        </pc:spChg>
-        <pc:spChg chg="mod">
-          <ac:chgData name="Long B Nguyen" userId="f59fb8f3-a021-417a-8bc1-65c8d471c621" providerId="ADAL" clId="{34A2CF11-652E-6345-AC5C-A89FACA07C4E}" dt="2020-02-25T15:48:01.085" v="430" actId="1076"/>
-          <ac:spMkLst>
-            <pc:docMk/>
-            <pc:sldMk cId="2894020677" sldId="587"/>
-            <ac:spMk id="69633" creationId="{8C113226-FF22-D946-A8D9-BF2B6BAC62D2}"/>
-          </ac:spMkLst>
-        </pc:spChg>
-      </pc:sldChg>
-      <pc:sldChg chg="modSp">
-        <pc:chgData name="Long B Nguyen" userId="f59fb8f3-a021-417a-8bc1-65c8d471c621" providerId="ADAL" clId="{34A2CF11-652E-6345-AC5C-A89FACA07C4E}" dt="2020-02-25T15:15:28.597" v="236" actId="5793"/>
-        <pc:sldMkLst>
-          <pc:docMk/>
-          <pc:sldMk cId="3609960584" sldId="588"/>
-        </pc:sldMkLst>
-        <pc:spChg chg="mod">
-          <ac:chgData name="Long B Nguyen" userId="f59fb8f3-a021-417a-8bc1-65c8d471c621" providerId="ADAL" clId="{34A2CF11-652E-6345-AC5C-A89FACA07C4E}" dt="2020-02-25T15:15:28.597" v="236" actId="5793"/>
-          <ac:spMkLst>
-            <pc:docMk/>
-            <pc:sldMk cId="3609960584" sldId="588"/>
-            <ac:spMk id="27651" creationId="{D2E8AD57-ED30-A247-A629-D196B221ADDD}"/>
-          </ac:spMkLst>
-        </pc:spChg>
-        <pc:spChg chg="mod">
-          <ac:chgData name="Long B Nguyen" userId="f59fb8f3-a021-417a-8bc1-65c8d471c621" providerId="ADAL" clId="{34A2CF11-652E-6345-AC5C-A89FACA07C4E}" dt="2020-02-25T15:15:15.892" v="230" actId="1076"/>
-          <ac:spMkLst>
-            <pc:docMk/>
-            <pc:sldMk cId="3609960584" sldId="588"/>
-            <ac:spMk id="61441" creationId="{5D868FC1-4364-924A-9574-ECC30E407753}"/>
-          </ac:spMkLst>
-        </pc:spChg>
-      </pc:sldChg>
-      <pc:sldChg chg="modSp">
-        <pc:chgData name="Long B Nguyen" userId="f59fb8f3-a021-417a-8bc1-65c8d471c621" providerId="ADAL" clId="{34A2CF11-652E-6345-AC5C-A89FACA07C4E}" dt="2020-02-25T15:49:00.714" v="453" actId="20577"/>
-        <pc:sldMkLst>
-          <pc:docMk/>
-          <pc:sldMk cId="2527578196" sldId="589"/>
-        </pc:sldMkLst>
-        <pc:spChg chg="mod">
-          <ac:chgData name="Long B Nguyen" userId="f59fb8f3-a021-417a-8bc1-65c8d471c621" providerId="ADAL" clId="{34A2CF11-652E-6345-AC5C-A89FACA07C4E}" dt="2020-02-25T15:49:00.714" v="453" actId="20577"/>
-          <ac:spMkLst>
-            <pc:docMk/>
-            <pc:sldMk cId="2527578196" sldId="589"/>
-            <ac:spMk id="75777" creationId="{188EB92C-DDEE-294E-96AE-5B2F5541A13E}"/>
-          </ac:spMkLst>
-        </pc:spChg>
-        <pc:spChg chg="mod">
-          <ac:chgData name="Long B Nguyen" userId="f59fb8f3-a021-417a-8bc1-65c8d471c621" providerId="ADAL" clId="{34A2CF11-652E-6345-AC5C-A89FACA07C4E}" dt="2020-02-25T15:48:49.697" v="436" actId="14100"/>
-          <ac:spMkLst>
-            <pc:docMk/>
-            <pc:sldMk cId="2527578196" sldId="589"/>
-            <ac:spMk id="75778" creationId="{23AB5E3C-D5D9-064C-9574-DFF97AF265D0}"/>
-          </ac:spMkLst>
-        </pc:spChg>
-      </pc:sldChg>
-      <pc:sldChg chg="modSp">
-        <pc:chgData name="Long B Nguyen" userId="f59fb8f3-a021-417a-8bc1-65c8d471c621" providerId="ADAL" clId="{34A2CF11-652E-6345-AC5C-A89FACA07C4E}" dt="2020-02-25T15:49:55.314" v="492" actId="1076"/>
-        <pc:sldMkLst>
-          <pc:docMk/>
-          <pc:sldMk cId="3609937493" sldId="590"/>
-        </pc:sldMkLst>
-        <pc:spChg chg="mod">
-          <ac:chgData name="Long B Nguyen" userId="f59fb8f3-a021-417a-8bc1-65c8d471c621" providerId="ADAL" clId="{34A2CF11-652E-6345-AC5C-A89FACA07C4E}" dt="2020-02-25T15:49:55.314" v="492" actId="1076"/>
-          <ac:spMkLst>
-            <pc:docMk/>
-            <pc:sldMk cId="3609937493" sldId="590"/>
-            <ac:spMk id="79873" creationId="{E8B36DA1-FD32-914E-8D09-91D267F39A7A}"/>
-          </ac:spMkLst>
-        </pc:spChg>
-        <pc:spChg chg="mod">
-          <ac:chgData name="Long B Nguyen" userId="f59fb8f3-a021-417a-8bc1-65c8d471c621" providerId="ADAL" clId="{34A2CF11-652E-6345-AC5C-A89FACA07C4E}" dt="2020-02-25T15:49:50.463" v="490" actId="14100"/>
-          <ac:spMkLst>
-            <pc:docMk/>
-            <pc:sldMk cId="3609937493" sldId="590"/>
-            <ac:spMk id="79874" creationId="{C365A828-14EF-694A-9BBF-E18CC423E31B}"/>
-          </ac:spMkLst>
-        </pc:spChg>
-        <pc:picChg chg="mod">
-          <ac:chgData name="Long B Nguyen" userId="f59fb8f3-a021-417a-8bc1-65c8d471c621" providerId="ADAL" clId="{34A2CF11-652E-6345-AC5C-A89FACA07C4E}" dt="2020-02-25T15:49:43.277" v="488" actId="14100"/>
-          <ac:picMkLst>
-            <pc:docMk/>
-            <pc:sldMk cId="3609937493" sldId="590"/>
-            <ac:picMk id="79875" creationId="{CE627FFA-2BD4-3244-9CFB-E9A8530A32E1}"/>
-          </ac:picMkLst>
-        </pc:picChg>
-      </pc:sldChg>
-      <pc:sldChg chg="modSp">
-        <pc:chgData name="Long B Nguyen" userId="f59fb8f3-a021-417a-8bc1-65c8d471c621" providerId="ADAL" clId="{34A2CF11-652E-6345-AC5C-A89FACA07C4E}" dt="2020-02-25T15:49:31.728" v="486" actId="1036"/>
-        <pc:sldMkLst>
-          <pc:docMk/>
-          <pc:sldMk cId="4266553646" sldId="591"/>
-        </pc:sldMkLst>
-        <pc:spChg chg="mod">
-          <ac:chgData name="Long B Nguyen" userId="f59fb8f3-a021-417a-8bc1-65c8d471c621" providerId="ADAL" clId="{34A2CF11-652E-6345-AC5C-A89FACA07C4E}" dt="2020-02-25T15:49:31.728" v="486" actId="1036"/>
-          <ac:spMkLst>
-            <pc:docMk/>
-            <pc:sldMk cId="4266553646" sldId="591"/>
-            <ac:spMk id="77825" creationId="{21CC4A42-EA8F-BF47-ADD5-B721E414F5F2}"/>
-          </ac:spMkLst>
-        </pc:spChg>
-        <pc:spChg chg="mod">
-          <ac:chgData name="Long B Nguyen" userId="f59fb8f3-a021-417a-8bc1-65c8d471c621" providerId="ADAL" clId="{34A2CF11-652E-6345-AC5C-A89FACA07C4E}" dt="2020-02-25T15:49:20.882" v="474" actId="14100"/>
-          <ac:spMkLst>
-            <pc:docMk/>
-            <pc:sldMk cId="4266553646" sldId="591"/>
-            <ac:spMk id="77826" creationId="{07CDE7D8-6D62-BA4B-8A6C-4F0744144459}"/>
-          </ac:spMkLst>
-        </pc:spChg>
-      </pc:sldChg>
-      <pc:sldChg chg="delSp modSp del">
-        <pc:chgData name="Long B Nguyen" userId="f59fb8f3-a021-417a-8bc1-65c8d471c621" providerId="ADAL" clId="{34A2CF11-652E-6345-AC5C-A89FACA07C4E}" dt="2020-02-28T14:52:21.453" v="1421" actId="2696"/>
-        <pc:sldMkLst>
-          <pc:docMk/>
-          <pc:sldMk cId="4126212206" sldId="592"/>
-        </pc:sldMkLst>
-        <pc:spChg chg="mod">
-          <ac:chgData name="Long B Nguyen" userId="f59fb8f3-a021-417a-8bc1-65c8d471c621" providerId="ADAL" clId="{34A2CF11-652E-6345-AC5C-A89FACA07C4E}" dt="2020-02-25T15:50:54.514" v="505" actId="1076"/>
-          <ac:spMkLst>
-            <pc:docMk/>
-            <pc:sldMk cId="4126212206" sldId="592"/>
-            <ac:spMk id="84993" creationId="{C169A412-E2F9-004D-A0EF-86F1C409823C}"/>
-          </ac:spMkLst>
-        </pc:spChg>
-        <pc:spChg chg="mod">
-          <ac:chgData name="Long B Nguyen" userId="f59fb8f3-a021-417a-8bc1-65c8d471c621" providerId="ADAL" clId="{34A2CF11-652E-6345-AC5C-A89FACA07C4E}" dt="2020-02-25T15:54:31.469" v="526" actId="113"/>
-          <ac:spMkLst>
-            <pc:docMk/>
-            <pc:sldMk cId="4126212206" sldId="592"/>
-            <ac:spMk id="84994" creationId="{6971D443-43C5-2E43-8019-712D595D62F2}"/>
-          </ac:spMkLst>
-        </pc:spChg>
-        <pc:picChg chg="del mod">
-          <ac:chgData name="Long B Nguyen" userId="f59fb8f3-a021-417a-8bc1-65c8d471c621" providerId="ADAL" clId="{34A2CF11-652E-6345-AC5C-A89FACA07C4E}" dt="2020-02-25T15:53:53.262" v="513" actId="478"/>
-          <ac:picMkLst>
-            <pc:docMk/>
-            <pc:sldMk cId="4126212206" sldId="592"/>
-            <ac:picMk id="84995" creationId="{D74B79FF-3957-A841-989F-1A7CCA0A7940}"/>
-          </ac:picMkLst>
-        </pc:picChg>
-      </pc:sldChg>
-      <pc:sldChg chg="del">
-        <pc:chgData name="Long B Nguyen" userId="f59fb8f3-a021-417a-8bc1-65c8d471c621" providerId="ADAL" clId="{34A2CF11-652E-6345-AC5C-A89FACA07C4E}" dt="2020-02-25T15:53:20.954" v="511" actId="2696"/>
-        <pc:sldMkLst>
-          <pc:docMk/>
-          <pc:sldMk cId="2279088232" sldId="595"/>
-        </pc:sldMkLst>
-      </pc:sldChg>
-      <pc:sldChg chg="del">
-        <pc:chgData name="Long B Nguyen" userId="f59fb8f3-a021-417a-8bc1-65c8d471c621" providerId="ADAL" clId="{34A2CF11-652E-6345-AC5C-A89FACA07C4E}" dt="2020-02-25T15:53:19.581" v="510" actId="2696"/>
-        <pc:sldMkLst>
-          <pc:docMk/>
-          <pc:sldMk cId="1584709501" sldId="596"/>
-        </pc:sldMkLst>
-      </pc:sldChg>
-      <pc:sldChg chg="modSp del modAnim">
-        <pc:chgData name="Long B Nguyen" userId="f59fb8f3-a021-417a-8bc1-65c8d471c621" providerId="ADAL" clId="{34A2CF11-652E-6345-AC5C-A89FACA07C4E}" dt="2020-02-25T15:12:52.196" v="190" actId="2696"/>
-        <pc:sldMkLst>
-          <pc:docMk/>
-          <pc:sldMk cId="3065633131" sldId="604"/>
-        </pc:sldMkLst>
-        <pc:spChg chg="mod">
-          <ac:chgData name="Long B Nguyen" userId="f59fb8f3-a021-417a-8bc1-65c8d471c621" providerId="ADAL" clId="{34A2CF11-652E-6345-AC5C-A89FACA07C4E}" dt="2020-02-25T15:12:43.957" v="189" actId="20577"/>
-          <ac:spMkLst>
-            <pc:docMk/>
-            <pc:sldMk cId="3065633131" sldId="604"/>
-            <ac:spMk id="50178" creationId="{14937878-A5BD-0443-8F34-B0A863A78864}"/>
-          </ac:spMkLst>
-        </pc:spChg>
-        <pc:spChg chg="mod">
-          <ac:chgData name="Long B Nguyen" userId="f59fb8f3-a021-417a-8bc1-65c8d471c621" providerId="ADAL" clId="{34A2CF11-652E-6345-AC5C-A89FACA07C4E}" dt="2020-02-25T15:12:31.849" v="183" actId="1076"/>
-          <ac:spMkLst>
-            <pc:docMk/>
-            <pc:sldMk cId="3065633131" sldId="604"/>
-            <ac:spMk id="51201" creationId="{197E898E-0251-DF4C-8E64-7B1D3BF0CA82}"/>
-          </ac:spMkLst>
-        </pc:spChg>
-      </pc:sldChg>
-      <pc:sldChg chg="modSp del">
-        <pc:chgData name="Long B Nguyen" userId="f59fb8f3-a021-417a-8bc1-65c8d471c621" providerId="ADAL" clId="{34A2CF11-652E-6345-AC5C-A89FACA07C4E}" dt="2020-02-25T15:13:53.707" v="206" actId="2696"/>
-        <pc:sldMkLst>
-          <pc:docMk/>
-          <pc:sldMk cId="2263416976" sldId="605"/>
-        </pc:sldMkLst>
-        <pc:spChg chg="mod">
-          <ac:chgData name="Long B Nguyen" userId="f59fb8f3-a021-417a-8bc1-65c8d471c621" providerId="ADAL" clId="{34A2CF11-652E-6345-AC5C-A89FACA07C4E}" dt="2020-02-25T15:13:34.457" v="205" actId="5793"/>
-          <ac:spMkLst>
-            <pc:docMk/>
-            <pc:sldMk cId="2263416976" sldId="605"/>
-            <ac:spMk id="27651" creationId="{8414F638-A0BF-1B4A-9444-E7D185E09B3C}"/>
-          </ac:spMkLst>
-        </pc:spChg>
-        <pc:spChg chg="mod">
-          <ac:chgData name="Long B Nguyen" userId="f59fb8f3-a021-417a-8bc1-65c8d471c621" providerId="ADAL" clId="{34A2CF11-652E-6345-AC5C-A89FACA07C4E}" dt="2020-02-25T15:13:32.062" v="204" actId="1076"/>
-          <ac:spMkLst>
-            <pc:docMk/>
-            <pc:sldMk cId="2263416976" sldId="605"/>
-            <ac:spMk id="53249" creationId="{E45DFD43-86E0-7C46-B672-4F88F0E2A548}"/>
-          </ac:spMkLst>
-        </pc:spChg>
-      </pc:sldChg>
-      <pc:sldChg chg="modSp">
-        <pc:chgData name="Long B Nguyen" userId="f59fb8f3-a021-417a-8bc1-65c8d471c621" providerId="ADAL" clId="{34A2CF11-652E-6345-AC5C-A89FACA07C4E}" dt="2020-02-25T16:21:01.033" v="1409"/>
-        <pc:sldMkLst>
-          <pc:docMk/>
-          <pc:sldMk cId="2319263073" sldId="610"/>
-        </pc:sldMkLst>
-        <pc:spChg chg="mod">
-          <ac:chgData name="Long B Nguyen" userId="f59fb8f3-a021-417a-8bc1-65c8d471c621" providerId="ADAL" clId="{34A2CF11-652E-6345-AC5C-A89FACA07C4E}" dt="2020-02-25T16:21:01.033" v="1409"/>
-          <ac:spMkLst>
-            <pc:docMk/>
-            <pc:sldMk cId="2319263073" sldId="610"/>
-            <ac:spMk id="92162" creationId="{DFA6F312-AB30-8341-AC59-361BA5365D65}"/>
-          </ac:spMkLst>
-        </pc:spChg>
-      </pc:sldChg>
-      <pc:sldChg chg="modSp add modAnim">
-        <pc:chgData name="Long B Nguyen" userId="f59fb8f3-a021-417a-8bc1-65c8d471c621" providerId="ADAL" clId="{34A2CF11-652E-6345-AC5C-A89FACA07C4E}" dt="2020-02-25T15:18:40.361" v="298" actId="20577"/>
-        <pc:sldMkLst>
-          <pc:docMk/>
-          <pc:sldMk cId="1558241323" sldId="613"/>
-        </pc:sldMkLst>
-        <pc:spChg chg="mod">
-          <ac:chgData name="Long B Nguyen" userId="f59fb8f3-a021-417a-8bc1-65c8d471c621" providerId="ADAL" clId="{34A2CF11-652E-6345-AC5C-A89FACA07C4E}" dt="2020-02-25T15:18:19.998" v="281" actId="20577"/>
-          <ac:spMkLst>
-            <pc:docMk/>
-            <pc:sldMk cId="1558241323" sldId="613"/>
-            <ac:spMk id="64514" creationId="{7788F03B-8D64-E645-BC3F-DBD76C93C456}"/>
-          </ac:spMkLst>
-        </pc:spChg>
-        <pc:spChg chg="mod">
-          <ac:chgData name="Long B Nguyen" userId="f59fb8f3-a021-417a-8bc1-65c8d471c621" providerId="ADAL" clId="{34A2CF11-652E-6345-AC5C-A89FACA07C4E}" dt="2020-02-25T15:18:40.361" v="298" actId="20577"/>
-          <ac:spMkLst>
-            <pc:docMk/>
-            <pc:sldMk cId="1558241323" sldId="613"/>
-            <ac:spMk id="65537" creationId="{86430671-77D5-6E4C-94A5-D61EB184D3ED}"/>
-          </ac:spMkLst>
-        </pc:spChg>
-      </pc:sldChg>
-      <pc:sldChg chg="modSp add del">
-        <pc:chgData name="Long B Nguyen" userId="f59fb8f3-a021-417a-8bc1-65c8d471c621" providerId="ADAL" clId="{34A2CF11-652E-6345-AC5C-A89FACA07C4E}" dt="2020-02-25T15:19:10.925" v="318" actId="2696"/>
-        <pc:sldMkLst>
-          <pc:docMk/>
-          <pc:sldMk cId="3595252648" sldId="614"/>
-        </pc:sldMkLst>
-        <pc:spChg chg="mod">
-          <ac:chgData name="Long B Nguyen" userId="f59fb8f3-a021-417a-8bc1-65c8d471c621" providerId="ADAL" clId="{34A2CF11-652E-6345-AC5C-A89FACA07C4E}" dt="2020-02-25T15:19:07.869" v="317"/>
-          <ac:spMkLst>
-            <pc:docMk/>
-            <pc:sldMk cId="3595252648" sldId="614"/>
-            <ac:spMk id="64514" creationId="{7788F03B-8D64-E645-BC3F-DBD76C93C456}"/>
-          </ac:spMkLst>
-        </pc:spChg>
-        <pc:spChg chg="mod">
-          <ac:chgData name="Long B Nguyen" userId="f59fb8f3-a021-417a-8bc1-65c8d471c621" providerId="ADAL" clId="{34A2CF11-652E-6345-AC5C-A89FACA07C4E}" dt="2020-02-25T15:18:46.486" v="310" actId="20577"/>
-          <ac:spMkLst>
-            <pc:docMk/>
-            <pc:sldMk cId="3595252648" sldId="614"/>
-            <ac:spMk id="65537" creationId="{86430671-77D5-6E4C-94A5-D61EB184D3ED}"/>
-          </ac:spMkLst>
-        </pc:spChg>
-      </pc:sldChg>
-      <pc:sldChg chg="modSp add">
-        <pc:chgData name="Long B Nguyen" userId="f59fb8f3-a021-417a-8bc1-65c8d471c621" providerId="ADAL" clId="{34A2CF11-652E-6345-AC5C-A89FACA07C4E}" dt="2020-02-25T15:21:23.981" v="339" actId="20577"/>
-        <pc:sldMkLst>
-          <pc:docMk/>
-          <pc:sldMk cId="1678415157" sldId="615"/>
-        </pc:sldMkLst>
-        <pc:spChg chg="mod">
-          <ac:chgData name="Long B Nguyen" userId="f59fb8f3-a021-417a-8bc1-65c8d471c621" providerId="ADAL" clId="{34A2CF11-652E-6345-AC5C-A89FACA07C4E}" dt="2020-02-25T15:19:50.819" v="327"/>
-          <ac:spMkLst>
-            <pc:docMk/>
-            <pc:sldMk cId="1678415157" sldId="615"/>
-            <ac:spMk id="64514" creationId="{7788F03B-8D64-E645-BC3F-DBD76C93C456}"/>
-          </ac:spMkLst>
-        </pc:spChg>
-        <pc:spChg chg="mod">
-          <ac:chgData name="Long B Nguyen" userId="f59fb8f3-a021-417a-8bc1-65c8d471c621" providerId="ADAL" clId="{34A2CF11-652E-6345-AC5C-A89FACA07C4E}" dt="2020-02-25T15:21:23.981" v="339" actId="20577"/>
-          <ac:spMkLst>
-            <pc:docMk/>
-            <pc:sldMk cId="1678415157" sldId="615"/>
-            <ac:spMk id="65537" creationId="{86430671-77D5-6E4C-94A5-D61EB184D3ED}"/>
-          </ac:spMkLst>
-        </pc:spChg>
-      </pc:sldChg>
-      <pc:sldChg chg="modSp add modAnim">
-        <pc:chgData name="Long B Nguyen" userId="f59fb8f3-a021-417a-8bc1-65c8d471c621" providerId="ADAL" clId="{34A2CF11-652E-6345-AC5C-A89FACA07C4E}" dt="2020-02-25T15:26:12.917" v="395" actId="20577"/>
-        <pc:sldMkLst>
-          <pc:docMk/>
-          <pc:sldMk cId="827202224" sldId="616"/>
-        </pc:sldMkLst>
-        <pc:spChg chg="mod">
-          <ac:chgData name="Long B Nguyen" userId="f59fb8f3-a021-417a-8bc1-65c8d471c621" providerId="ADAL" clId="{34A2CF11-652E-6345-AC5C-A89FACA07C4E}" dt="2020-02-25T15:25:36.066" v="381" actId="14100"/>
-          <ac:spMkLst>
-            <pc:docMk/>
-            <pc:sldMk cId="827202224" sldId="616"/>
-            <ac:spMk id="56322" creationId="{C6A7743F-88FF-7C47-8B09-99222CD5E28E}"/>
-          </ac:spMkLst>
-        </pc:spChg>
-        <pc:spChg chg="mod">
-          <ac:chgData name="Long B Nguyen" userId="f59fb8f3-a021-417a-8bc1-65c8d471c621" providerId="ADAL" clId="{34A2CF11-652E-6345-AC5C-A89FACA07C4E}" dt="2020-02-25T15:26:12.917" v="395" actId="20577"/>
-          <ac:spMkLst>
-            <pc:docMk/>
-            <pc:sldMk cId="827202224" sldId="616"/>
-            <ac:spMk id="57345" creationId="{CDA4A9B2-8639-C840-B975-2791E963EF68}"/>
-          </ac:spMkLst>
-        </pc:spChg>
-      </pc:sldChg>
-      <pc:sldChg chg="modSp add del">
-        <pc:chgData name="Long B Nguyen" userId="f59fb8f3-a021-417a-8bc1-65c8d471c621" providerId="ADAL" clId="{34A2CF11-652E-6345-AC5C-A89FACA07C4E}" dt="2020-02-25T15:24:04.912" v="356" actId="2696"/>
-        <pc:sldMkLst>
-          <pc:docMk/>
-          <pc:sldMk cId="2019408601" sldId="616"/>
-        </pc:sldMkLst>
-        <pc:spChg chg="mod">
-          <ac:chgData name="Long B Nguyen" userId="f59fb8f3-a021-417a-8bc1-65c8d471c621" providerId="ADAL" clId="{34A2CF11-652E-6345-AC5C-A89FACA07C4E}" dt="2020-02-25T15:23:49.972" v="355" actId="20577"/>
-          <ac:spMkLst>
-            <pc:docMk/>
-            <pc:sldMk cId="2019408601" sldId="616"/>
-            <ac:spMk id="57345" creationId="{CDA4A9B2-8639-C840-B975-2791E963EF68}"/>
-          </ac:spMkLst>
-        </pc:spChg>
-      </pc:sldChg>
-      <pc:sldChg chg="modSp add">
-        <pc:chgData name="Long B Nguyen" userId="f59fb8f3-a021-417a-8bc1-65c8d471c621" providerId="ADAL" clId="{34A2CF11-652E-6345-AC5C-A89FACA07C4E}" dt="2020-02-25T15:28:05.754" v="418" actId="14100"/>
-        <pc:sldMkLst>
-          <pc:docMk/>
-          <pc:sldMk cId="971732716" sldId="617"/>
-        </pc:sldMkLst>
-        <pc:spChg chg="mod">
-          <ac:chgData name="Long B Nguyen" userId="f59fb8f3-a021-417a-8bc1-65c8d471c621" providerId="ADAL" clId="{34A2CF11-652E-6345-AC5C-A89FACA07C4E}" dt="2020-02-25T15:28:05.754" v="418" actId="14100"/>
-          <ac:spMkLst>
-            <pc:docMk/>
-            <pc:sldMk cId="971732716" sldId="617"/>
-            <ac:spMk id="56322" creationId="{C6A7743F-88FF-7C47-8B09-99222CD5E28E}"/>
-          </ac:spMkLst>
-        </pc:spChg>
-        <pc:spChg chg="mod">
-          <ac:chgData name="Long B Nguyen" userId="f59fb8f3-a021-417a-8bc1-65c8d471c621" providerId="ADAL" clId="{34A2CF11-652E-6345-AC5C-A89FACA07C4E}" dt="2020-02-25T15:26:18.595" v="404" actId="20577"/>
-          <ac:spMkLst>
-            <pc:docMk/>
-            <pc:sldMk cId="971732716" sldId="617"/>
-            <ac:spMk id="57345" creationId="{CDA4A9B2-8639-C840-B975-2791E963EF68}"/>
-          </ac:spMkLst>
-        </pc:spChg>
-      </pc:sldChg>
-      <pc:sldChg chg="addSp modSp add">
-        <pc:chgData name="Long B Nguyen" userId="f59fb8f3-a021-417a-8bc1-65c8d471c621" providerId="ADAL" clId="{34A2CF11-652E-6345-AC5C-A89FACA07C4E}" dt="2020-02-25T16:13:27.291" v="1080" actId="692"/>
-        <pc:sldMkLst>
-          <pc:docMk/>
-          <pc:sldMk cId="1047995035" sldId="618"/>
-        </pc:sldMkLst>
-        <pc:spChg chg="add mod">
-          <ac:chgData name="Long B Nguyen" userId="f59fb8f3-a021-417a-8bc1-65c8d471c621" providerId="ADAL" clId="{34A2CF11-652E-6345-AC5C-A89FACA07C4E}" dt="2020-02-25T16:12:56.188" v="1066" actId="1076"/>
-          <ac:spMkLst>
-            <pc:docMk/>
-            <pc:sldMk cId="1047995035" sldId="618"/>
-            <ac:spMk id="2" creationId="{D2A0B21C-9D88-4849-A345-13DA31B7BEBE}"/>
-          </ac:spMkLst>
-        </pc:spChg>
-        <pc:cxnChg chg="add mod">
-          <ac:chgData name="Long B Nguyen" userId="f59fb8f3-a021-417a-8bc1-65c8d471c621" providerId="ADAL" clId="{34A2CF11-652E-6345-AC5C-A89FACA07C4E}" dt="2020-02-25T16:13:27.291" v="1080" actId="692"/>
-          <ac:cxnSpMkLst>
-            <pc:docMk/>
-            <pc:sldMk cId="1047995035" sldId="618"/>
-            <ac:cxnSpMk id="4" creationId="{804AE6D5-7B42-A24B-B53A-7220982FA483}"/>
-          </ac:cxnSpMkLst>
-        </pc:cxnChg>
-      </pc:sldChg>
-      <pc:sldChg chg="modSp add">
-        <pc:chgData name="Long B Nguyen" userId="f59fb8f3-a021-417a-8bc1-65c8d471c621" providerId="ADAL" clId="{34A2CF11-652E-6345-AC5C-A89FACA07C4E}" dt="2020-03-05T10:05:57.927" v="1422" actId="20577"/>
-        <pc:sldMkLst>
-          <pc:docMk/>
-          <pc:sldMk cId="1016158355" sldId="619"/>
-        </pc:sldMkLst>
-        <pc:spChg chg="mod">
-          <ac:chgData name="Long B Nguyen" userId="f59fb8f3-a021-417a-8bc1-65c8d471c621" providerId="ADAL" clId="{34A2CF11-652E-6345-AC5C-A89FACA07C4E}" dt="2020-03-05T10:05:57.927" v="1422" actId="20577"/>
-          <ac:spMkLst>
-            <pc:docMk/>
-            <pc:sldMk cId="1016158355" sldId="619"/>
-            <ac:spMk id="84994" creationId="{6971D443-43C5-2E43-8019-712D595D62F2}"/>
-          </ac:spMkLst>
-        </pc:spChg>
-      </pc:sldChg>
-      <pc:sldChg chg="modSp add">
-        <pc:chgData name="Long B Nguyen" userId="f59fb8f3-a021-417a-8bc1-65c8d471c621" providerId="ADAL" clId="{34A2CF11-652E-6345-AC5C-A89FACA07C4E}" dt="2020-02-25T16:00:03.623" v="759" actId="20577"/>
-        <pc:sldMkLst>
-          <pc:docMk/>
-          <pc:sldMk cId="4204323314" sldId="620"/>
-        </pc:sldMkLst>
-        <pc:spChg chg="mod">
-          <ac:chgData name="Long B Nguyen" userId="f59fb8f3-a021-417a-8bc1-65c8d471c621" providerId="ADAL" clId="{34A2CF11-652E-6345-AC5C-A89FACA07C4E}" dt="2020-02-25T16:00:03.623" v="759" actId="20577"/>
-          <ac:spMkLst>
-            <pc:docMk/>
-            <pc:sldMk cId="4204323314" sldId="620"/>
-            <ac:spMk id="84994" creationId="{6971D443-43C5-2E43-8019-712D595D62F2}"/>
-          </ac:spMkLst>
-        </pc:spChg>
-      </pc:sldChg>
-      <pc:sldChg chg="modSp add">
-        <pc:chgData name="Long B Nguyen" userId="f59fb8f3-a021-417a-8bc1-65c8d471c621" providerId="ADAL" clId="{34A2CF11-652E-6345-AC5C-A89FACA07C4E}" dt="2020-02-25T16:05:30.380" v="1035" actId="20577"/>
-        <pc:sldMkLst>
-          <pc:docMk/>
-          <pc:sldMk cId="1162857972" sldId="621"/>
-        </pc:sldMkLst>
-        <pc:spChg chg="mod">
-          <ac:chgData name="Long B Nguyen" userId="f59fb8f3-a021-417a-8bc1-65c8d471c621" providerId="ADAL" clId="{34A2CF11-652E-6345-AC5C-A89FACA07C4E}" dt="2020-02-25T16:05:30.380" v="1035" actId="20577"/>
-          <ac:spMkLst>
-            <pc:docMk/>
-            <pc:sldMk cId="1162857972" sldId="621"/>
-            <ac:spMk id="84994" creationId="{6971D443-43C5-2E43-8019-712D595D62F2}"/>
-          </ac:spMkLst>
-        </pc:spChg>
-      </pc:sldChg>
-      <pc:sldChg chg="add del">
-        <pc:chgData name="Long B Nguyen" userId="f59fb8f3-a021-417a-8bc1-65c8d471c621" providerId="ADAL" clId="{34A2CF11-652E-6345-AC5C-A89FACA07C4E}" dt="2020-02-25T16:03:03.964" v="864"/>
-        <pc:sldMkLst>
-          <pc:docMk/>
-          <pc:sldMk cId="800137632" sldId="622"/>
-        </pc:sldMkLst>
-      </pc:sldChg>
-      <pc:sldChg chg="add del">
-        <pc:chgData name="Long B Nguyen" userId="f59fb8f3-a021-417a-8bc1-65c8d471c621" providerId="ADAL" clId="{34A2CF11-652E-6345-AC5C-A89FACA07C4E}" dt="2020-02-25T16:03:17.168" v="866"/>
-        <pc:sldMkLst>
-          <pc:docMk/>
-          <pc:sldMk cId="2516517495" sldId="622"/>
-        </pc:sldMkLst>
-      </pc:sldChg>
-      <pc:sldChg chg="delSp modSp add">
-        <pc:chgData name="Long B Nguyen" userId="f59fb8f3-a021-417a-8bc1-65c8d471c621" providerId="ADAL" clId="{34A2CF11-652E-6345-AC5C-A89FACA07C4E}" dt="2020-02-25T16:19:48.413" v="1359" actId="20577"/>
-        <pc:sldMkLst>
-          <pc:docMk/>
-          <pc:sldMk cId="2765543401" sldId="622"/>
-        </pc:sldMkLst>
-        <pc:spChg chg="del">
-          <ac:chgData name="Long B Nguyen" userId="f59fb8f3-a021-417a-8bc1-65c8d471c621" providerId="ADAL" clId="{34A2CF11-652E-6345-AC5C-A89FACA07C4E}" dt="2020-02-25T16:14:55.037" v="1083" actId="478"/>
-          <ac:spMkLst>
-            <pc:docMk/>
-            <pc:sldMk cId="2765543401" sldId="622"/>
-            <ac:spMk id="2" creationId="{D2A0B21C-9D88-4849-A345-13DA31B7BEBE}"/>
-          </ac:spMkLst>
-        </pc:spChg>
-        <pc:spChg chg="mod">
-          <ac:chgData name="Long B Nguyen" userId="f59fb8f3-a021-417a-8bc1-65c8d471c621" providerId="ADAL" clId="{34A2CF11-652E-6345-AC5C-A89FACA07C4E}" dt="2020-02-25T16:19:48.413" v="1359" actId="20577"/>
-          <ac:spMkLst>
-            <pc:docMk/>
-            <pc:sldMk cId="2765543401" sldId="622"/>
-            <ac:spMk id="84993" creationId="{C169A412-E2F9-004D-A0EF-86F1C409823C}"/>
-          </ac:spMkLst>
-        </pc:spChg>
-        <pc:spChg chg="mod">
-          <ac:chgData name="Long B Nguyen" userId="f59fb8f3-a021-417a-8bc1-65c8d471c621" providerId="ADAL" clId="{34A2CF11-652E-6345-AC5C-A89FACA07C4E}" dt="2020-02-25T16:15:58.869" v="1141" actId="20577"/>
-          <ac:spMkLst>
-            <pc:docMk/>
-            <pc:sldMk cId="2765543401" sldId="622"/>
-            <ac:spMk id="84994" creationId="{6971D443-43C5-2E43-8019-712D595D62F2}"/>
-          </ac:spMkLst>
-        </pc:spChg>
-        <pc:picChg chg="del">
-          <ac:chgData name="Long B Nguyen" userId="f59fb8f3-a021-417a-8bc1-65c8d471c621" providerId="ADAL" clId="{34A2CF11-652E-6345-AC5C-A89FACA07C4E}" dt="2020-02-25T16:14:53.215" v="1082" actId="478"/>
-          <ac:picMkLst>
-            <pc:docMk/>
-            <pc:sldMk cId="2765543401" sldId="622"/>
-            <ac:picMk id="84995" creationId="{D74B79FF-3957-A841-989F-1A7CCA0A7940}"/>
-          </ac:picMkLst>
-        </pc:picChg>
-        <pc:cxnChg chg="del">
-          <ac:chgData name="Long B Nguyen" userId="f59fb8f3-a021-417a-8bc1-65c8d471c621" providerId="ADAL" clId="{34A2CF11-652E-6345-AC5C-A89FACA07C4E}" dt="2020-02-25T16:14:56.245" v="1084" actId="478"/>
-          <ac:cxnSpMkLst>
-            <pc:docMk/>
-            <pc:sldMk cId="2765543401" sldId="622"/>
-            <ac:cxnSpMk id="4" creationId="{804AE6D5-7B42-A24B-B53A-7220982FA483}"/>
-          </ac:cxnSpMkLst>
-        </pc:cxnChg>
-      </pc:sldChg>
-      <pc:sldChg chg="modSp add">
-        <pc:chgData name="Long B Nguyen" userId="f59fb8f3-a021-417a-8bc1-65c8d471c621" providerId="ADAL" clId="{34A2CF11-652E-6345-AC5C-A89FACA07C4E}" dt="2020-03-15T23:28:25.241" v="1437" actId="20577"/>
-        <pc:sldMkLst>
-          <pc:docMk/>
-          <pc:sldMk cId="3553270583" sldId="623"/>
-        </pc:sldMkLst>
-        <pc:spChg chg="mod">
-          <ac:chgData name="Long B Nguyen" userId="f59fb8f3-a021-417a-8bc1-65c8d471c621" providerId="ADAL" clId="{34A2CF11-652E-6345-AC5C-A89FACA07C4E}" dt="2020-02-25T16:19:36.680" v="1349" actId="20577"/>
-          <ac:spMkLst>
-            <pc:docMk/>
-            <pc:sldMk cId="3553270583" sldId="623"/>
-            <ac:spMk id="84993" creationId="{C169A412-E2F9-004D-A0EF-86F1C409823C}"/>
-          </ac:spMkLst>
-        </pc:spChg>
-        <pc:spChg chg="mod">
-          <ac:chgData name="Long B Nguyen" userId="f59fb8f3-a021-417a-8bc1-65c8d471c621" providerId="ADAL" clId="{34A2CF11-652E-6345-AC5C-A89FACA07C4E}" dt="2020-03-15T23:28:25.241" v="1437" actId="20577"/>
-          <ac:spMkLst>
-            <pc:docMk/>
-            <pc:sldMk cId="3553270583" sldId="623"/>
-            <ac:spMk id="84994" creationId="{6971D443-43C5-2E43-8019-712D595D62F2}"/>
-          </ac:spMkLst>
-        </pc:spChg>
-      </pc:sldChg>
-    </pc:docChg>
-  </pc:docChgLst>
-  <pc:docChgLst>
     <pc:chgData name="Long B Nguyen" userId="f59fb8f3-a021-417a-8bc1-65c8d471c621" providerId="ADAL" clId="{B5860C40-AA08-4447-A918-2D2782E0FC0B}"/>
     <pc:docChg chg="delSld modSld">
       <pc:chgData name="Long B Nguyen" userId="f59fb8f3-a021-417a-8bc1-65c8d471c621" providerId="ADAL" clId="{B5860C40-AA08-4447-A918-2D2782E0FC0B}" dt="2019-09-16T13:59:20.091" v="35" actId="2696"/>
@@ -2900,7 +3411,7 @@
           <a:p>
             <a:fld id="{6EDD99D2-A624-5E4F-A4E3-584054837B5A}" type="datetimeFigureOut">
               <a:rPr lang="en-US" smtClean="0"/>
-              <a:t>3/15/20</a:t>
+              <a:t>3/23/21</a:t>
             </a:fld>
             <a:endParaRPr lang="en-US"/>
           </a:p>
@@ -3471,291 +3982,6 @@
       </p:grpSpPr>
       <p:sp>
         <p:nvSpPr>
-          <p:cNvPr id="32769" name="Rectangle 7">
-            <a:extLst>
-              <a:ext uri="{FF2B5EF4-FFF2-40B4-BE49-F238E27FC236}">
-                <a16:creationId xmlns:a16="http://schemas.microsoft.com/office/drawing/2014/main" id="{BE10DE50-8927-F343-933F-13BBE4500F37}"/>
-              </a:ext>
-            </a:extLst>
-          </p:cNvPr>
-          <p:cNvSpPr>
-            <a:spLocks noGrp="1" noChangeArrowheads="1"/>
-          </p:cNvSpPr>
-          <p:nvPr>
-            <p:ph type="sldNum" sz="quarter" idx="5"/>
-          </p:nvPr>
-        </p:nvSpPr>
-        <p:spPr bwMode="auto">
-          <a:noFill/>
-          <a:extLst>
-            <a:ext uri="{909E8E84-426E-40DD-AFC4-6F175D3DCCD1}">
-              <a14:hiddenFill xmlns:a14="http://schemas.microsoft.com/office/drawing/2010/main">
-                <a:solidFill>
-                  <a:srgbClr val="FFFFFF"/>
-                </a:solidFill>
-              </a14:hiddenFill>
-            </a:ext>
-            <a:ext uri="{91240B29-F687-4F45-9708-019B960494DF}">
-              <a14:hiddenLine xmlns:a14="http://schemas.microsoft.com/office/drawing/2010/main" w="9525">
-                <a:solidFill>
-                  <a:srgbClr val="000000"/>
-                </a:solidFill>
-                <a:miter lim="800000"/>
-                <a:headEnd/>
-                <a:tailEnd/>
-              </a14:hiddenLine>
-            </a:ext>
-          </a:extLst>
-        </p:spPr>
-        <p:txBody>
-          <a:bodyPr/>
-          <a:lstStyle>
-            <a:lvl1pPr>
-              <a:defRPr>
-                <a:solidFill>
-                  <a:schemeClr val="tx1"/>
-                </a:solidFill>
-                <a:latin typeface="Arial" panose="020B0604020202020204" pitchFamily="34" charset="0"/>
-                <a:ea typeface="ＭＳ Ｐゴシック" panose="020B0600070205080204" pitchFamily="34" charset="-128"/>
-              </a:defRPr>
-            </a:lvl1pPr>
-            <a:lvl2pPr marL="742950" indent="-285750">
-              <a:defRPr>
-                <a:solidFill>
-                  <a:schemeClr val="tx1"/>
-                </a:solidFill>
-                <a:latin typeface="Arial" panose="020B0604020202020204" pitchFamily="34" charset="0"/>
-                <a:ea typeface="ＭＳ Ｐゴシック" panose="020B0600070205080204" pitchFamily="34" charset="-128"/>
-              </a:defRPr>
-            </a:lvl2pPr>
-            <a:lvl3pPr marL="1143000" indent="-228600">
-              <a:defRPr>
-                <a:solidFill>
-                  <a:schemeClr val="tx1"/>
-                </a:solidFill>
-                <a:latin typeface="Arial" panose="020B0604020202020204" pitchFamily="34" charset="0"/>
-                <a:ea typeface="ＭＳ Ｐゴシック" panose="020B0600070205080204" pitchFamily="34" charset="-128"/>
-              </a:defRPr>
-            </a:lvl3pPr>
-            <a:lvl4pPr marL="1600200" indent="-228600">
-              <a:defRPr>
-                <a:solidFill>
-                  <a:schemeClr val="tx1"/>
-                </a:solidFill>
-                <a:latin typeface="Arial" panose="020B0604020202020204" pitchFamily="34" charset="0"/>
-                <a:ea typeface="ＭＳ Ｐゴシック" panose="020B0600070205080204" pitchFamily="34" charset="-128"/>
-              </a:defRPr>
-            </a:lvl4pPr>
-            <a:lvl5pPr marL="2057400" indent="-228600">
-              <a:defRPr>
-                <a:solidFill>
-                  <a:schemeClr val="tx1"/>
-                </a:solidFill>
-                <a:latin typeface="Arial" panose="020B0604020202020204" pitchFamily="34" charset="0"/>
-                <a:ea typeface="ＭＳ Ｐゴシック" panose="020B0600070205080204" pitchFamily="34" charset="-128"/>
-              </a:defRPr>
-            </a:lvl5pPr>
-            <a:lvl6pPr marL="2514600" indent="-228600" eaLnBrk="0" fontAlgn="base" hangingPunct="0">
-              <a:spcBef>
-                <a:spcPct val="0"/>
-              </a:spcBef>
-              <a:spcAft>
-                <a:spcPct val="0"/>
-              </a:spcAft>
-              <a:defRPr>
-                <a:solidFill>
-                  <a:schemeClr val="tx1"/>
-                </a:solidFill>
-                <a:latin typeface="Arial" panose="020B0604020202020204" pitchFamily="34" charset="0"/>
-                <a:ea typeface="ＭＳ Ｐゴシック" panose="020B0600070205080204" pitchFamily="34" charset="-128"/>
-              </a:defRPr>
-            </a:lvl6pPr>
-            <a:lvl7pPr marL="2971800" indent="-228600" eaLnBrk="0" fontAlgn="base" hangingPunct="0">
-              <a:spcBef>
-                <a:spcPct val="0"/>
-              </a:spcBef>
-              <a:spcAft>
-                <a:spcPct val="0"/>
-              </a:spcAft>
-              <a:defRPr>
-                <a:solidFill>
-                  <a:schemeClr val="tx1"/>
-                </a:solidFill>
-                <a:latin typeface="Arial" panose="020B0604020202020204" pitchFamily="34" charset="0"/>
-                <a:ea typeface="ＭＳ Ｐゴシック" panose="020B0600070205080204" pitchFamily="34" charset="-128"/>
-              </a:defRPr>
-            </a:lvl7pPr>
-            <a:lvl8pPr marL="3429000" indent="-228600" eaLnBrk="0" fontAlgn="base" hangingPunct="0">
-              <a:spcBef>
-                <a:spcPct val="0"/>
-              </a:spcBef>
-              <a:spcAft>
-                <a:spcPct val="0"/>
-              </a:spcAft>
-              <a:defRPr>
-                <a:solidFill>
-                  <a:schemeClr val="tx1"/>
-                </a:solidFill>
-                <a:latin typeface="Arial" panose="020B0604020202020204" pitchFamily="34" charset="0"/>
-                <a:ea typeface="ＭＳ Ｐゴシック" panose="020B0600070205080204" pitchFamily="34" charset="-128"/>
-              </a:defRPr>
-            </a:lvl8pPr>
-            <a:lvl9pPr marL="3886200" indent="-228600" eaLnBrk="0" fontAlgn="base" hangingPunct="0">
-              <a:spcBef>
-                <a:spcPct val="0"/>
-              </a:spcBef>
-              <a:spcAft>
-                <a:spcPct val="0"/>
-              </a:spcAft>
-              <a:defRPr>
-                <a:solidFill>
-                  <a:schemeClr val="tx1"/>
-                </a:solidFill>
-                <a:latin typeface="Arial" panose="020B0604020202020204" pitchFamily="34" charset="0"/>
-                <a:ea typeface="ＭＳ Ｐゴシック" panose="020B0600070205080204" pitchFamily="34" charset="-128"/>
-              </a:defRPr>
-            </a:lvl9pPr>
-          </a:lstStyle>
-          <a:p>
-            <a:fld id="{4CF13696-9FD2-1245-90FA-E3B25160C85C}" type="slidenum">
-              <a:rPr lang="en-US" altLang="en-US" smtClean="0"/>
-              <a:pPr/>
-              <a:t>11</a:t>
-            </a:fld>
-            <a:endParaRPr lang="en-US" altLang="en-US"/>
-          </a:p>
-        </p:txBody>
-      </p:sp>
-      <p:sp>
-        <p:nvSpPr>
-          <p:cNvPr id="32770" name="Rectangle 2">
-            <a:extLst>
-              <a:ext uri="{FF2B5EF4-FFF2-40B4-BE49-F238E27FC236}">
-                <a16:creationId xmlns:a16="http://schemas.microsoft.com/office/drawing/2014/main" id="{845C0A7D-A12A-A042-8CA0-C7BF8ABE2AFB}"/>
-              </a:ext>
-            </a:extLst>
-          </p:cNvPr>
-          <p:cNvSpPr>
-            <a:spLocks noGrp="1" noRot="1" noChangeAspect="1" noChangeArrowheads="1" noTextEdit="1"/>
-          </p:cNvSpPr>
-          <p:nvPr>
-            <p:ph type="sldImg"/>
-          </p:nvPr>
-        </p:nvSpPr>
-        <p:spPr bwMode="auto">
-          <a:xfrm>
-            <a:off x="687388" y="685800"/>
-            <a:ext cx="5486400" cy="3429000"/>
-          </a:xfrm>
-          <a:noFill/>
-          <a:ln>
-            <a:solidFill>
-              <a:srgbClr val="000000"/>
-            </a:solidFill>
-            <a:miter lim="800000"/>
-            <a:headEnd/>
-            <a:tailEnd/>
-          </a:ln>
-          <a:extLst>
-            <a:ext uri="{909E8E84-426E-40DD-AFC4-6F175D3DCCD1}">
-              <a14:hiddenFill xmlns:a14="http://schemas.microsoft.com/office/drawing/2010/main">
-                <a:solidFill>
-                  <a:srgbClr val="FFFFFF"/>
-                </a:solidFill>
-              </a14:hiddenFill>
-            </a:ext>
-          </a:extLst>
-        </p:spPr>
-      </p:sp>
-      <p:sp>
-        <p:nvSpPr>
-          <p:cNvPr id="32771" name="Rectangle 3">
-            <a:extLst>
-              <a:ext uri="{FF2B5EF4-FFF2-40B4-BE49-F238E27FC236}">
-                <a16:creationId xmlns:a16="http://schemas.microsoft.com/office/drawing/2014/main" id="{4D4E2E48-C8BF-B841-AA12-794B31C39484}"/>
-              </a:ext>
-            </a:extLst>
-          </p:cNvPr>
-          <p:cNvSpPr>
-            <a:spLocks noGrp="1" noChangeArrowheads="1"/>
-          </p:cNvSpPr>
-          <p:nvPr>
-            <p:ph type="body" idx="1"/>
-          </p:nvPr>
-        </p:nvSpPr>
-        <p:spPr bwMode="auto">
-          <a:xfrm>
-            <a:off x="914400" y="4343400"/>
-            <a:ext cx="5029200" cy="4114800"/>
-          </a:xfrm>
-          <a:noFill/>
-          <a:extLst>
-            <a:ext uri="{909E8E84-426E-40DD-AFC4-6F175D3DCCD1}">
-              <a14:hiddenFill xmlns:a14="http://schemas.microsoft.com/office/drawing/2010/main">
-                <a:solidFill>
-                  <a:srgbClr val="FFFFFF"/>
-                </a:solidFill>
-              </a14:hiddenFill>
-            </a:ext>
-            <a:ext uri="{91240B29-F687-4F45-9708-019B960494DF}">
-              <a14:hiddenLine xmlns:a14="http://schemas.microsoft.com/office/drawing/2010/main" w="9525">
-                <a:solidFill>
-                  <a:srgbClr val="000000"/>
-                </a:solidFill>
-                <a:miter lim="800000"/>
-                <a:headEnd/>
-                <a:tailEnd/>
-              </a14:hiddenLine>
-            </a:ext>
-          </a:extLst>
-        </p:spPr>
-        <p:txBody>
-          <a:bodyPr wrap="square" lIns="91433" tIns="45716" rIns="91433" bIns="45716" numCol="1" anchor="t" anchorCtr="0" compatLnSpc="1">
-            <a:prstTxWarp prst="textNoShape">
-              <a:avLst/>
-            </a:prstTxWarp>
-          </a:bodyPr>
-          <a:lstStyle/>
-          <a:p>
-            <a:pPr eaLnBrk="1" hangingPunct="1"/>
-            <a:endParaRPr lang="en-US" altLang="en-US">
-              <a:ea typeface="ＭＳ Ｐゴシック" panose="020B0600070205080204" pitchFamily="34" charset="-128"/>
-            </a:endParaRPr>
-          </a:p>
-        </p:txBody>
-      </p:sp>
-    </p:spTree>
-    <p:extLst>
-      <p:ext uri="{BB962C8B-B14F-4D97-AF65-F5344CB8AC3E}">
-        <p14:creationId xmlns:p14="http://schemas.microsoft.com/office/powerpoint/2010/main" val="1721812828"/>
-      </p:ext>
-    </p:extLst>
-  </p:cSld>
-  <p:clrMapOvr>
-    <a:masterClrMapping/>
-  </p:clrMapOvr>
-</p:notes>
-</file>
-
-<file path=ppt/notesSlides/notesSlide11.xml><?xml version="1.0" encoding="utf-8"?>
-<p:notes xmlns:a="http://schemas.openxmlformats.org/drawingml/2006/main" xmlns:r="http://schemas.openxmlformats.org/officeDocument/2006/relationships" xmlns:p="http://schemas.openxmlformats.org/presentationml/2006/main">
-  <p:cSld>
-    <p:spTree>
-      <p:nvGrpSpPr>
-        <p:cNvPr id="1" name=""/>
-        <p:cNvGrpSpPr/>
-        <p:nvPr/>
-      </p:nvGrpSpPr>
-      <p:grpSpPr>
-        <a:xfrm>
-          <a:off x="0" y="0"/>
-          <a:ext cx="0" cy="0"/>
-          <a:chOff x="0" y="0"/>
-          <a:chExt cx="0" cy="0"/>
-        </a:xfrm>
-      </p:grpSpPr>
-      <p:sp>
-        <p:nvSpPr>
           <p:cNvPr id="34817" name="Rectangle 7">
             <a:extLst>
               <a:ext uri="{FF2B5EF4-FFF2-40B4-BE49-F238E27FC236}">
@@ -3905,7 +4131,7 @@
             <a:fld id="{C3B926A0-F904-F944-ACCE-458101EF99C3}" type="slidenum">
               <a:rPr lang="en-US" altLang="en-US" smtClean="0"/>
               <a:pPr/>
-              <a:t>12</a:t>
+              <a:t>11</a:t>
             </a:fld>
             <a:endParaRPr lang="en-US" altLang="en-US"/>
           </a:p>
@@ -4022,7 +4248,7 @@
 </p:notes>
 </file>
 
-<file path=ppt/notesSlides/notesSlide12.xml><?xml version="1.0" encoding="utf-8"?>
+<file path=ppt/notesSlides/notesSlide11.xml><?xml version="1.0" encoding="utf-8"?>
 <p:notes xmlns:a="http://schemas.openxmlformats.org/drawingml/2006/main" xmlns:r="http://schemas.openxmlformats.org/officeDocument/2006/relationships" xmlns:p="http://schemas.openxmlformats.org/presentationml/2006/main">
   <p:cSld>
     <p:spTree>
@@ -4190,7 +4416,7 @@
             <a:fld id="{F9DA0DF2-0A39-704E-AF24-17446C76AB9E}" type="slidenum">
               <a:rPr lang="en-US" altLang="en-US" smtClean="0"/>
               <a:pPr/>
-              <a:t>13</a:t>
+              <a:t>12</a:t>
             </a:fld>
             <a:endParaRPr lang="en-US" altLang="en-US"/>
           </a:p>
@@ -4307,7 +4533,7 @@
 </p:notes>
 </file>
 
-<file path=ppt/notesSlides/notesSlide13.xml><?xml version="1.0" encoding="utf-8"?>
+<file path=ppt/notesSlides/notesSlide12.xml><?xml version="1.0" encoding="utf-8"?>
 <p:notes xmlns:a="http://schemas.openxmlformats.org/drawingml/2006/main" xmlns:r="http://schemas.openxmlformats.org/officeDocument/2006/relationships" xmlns:p="http://schemas.openxmlformats.org/presentationml/2006/main">
   <p:cSld>
     <p:spTree>
@@ -4475,7 +4701,7 @@
             <a:fld id="{8C062810-3250-C04E-9826-40DE9564AB44}" type="slidenum">
               <a:rPr lang="en-US" altLang="en-US" smtClean="0"/>
               <a:pPr/>
-              <a:t>14</a:t>
+              <a:t>13</a:t>
             </a:fld>
             <a:endParaRPr lang="en-US" altLang="en-US"/>
           </a:p>
@@ -4592,7 +4818,7 @@
 </p:notes>
 </file>
 
-<file path=ppt/notesSlides/notesSlide14.xml><?xml version="1.0" encoding="utf-8"?>
+<file path=ppt/notesSlides/notesSlide13.xml><?xml version="1.0" encoding="utf-8"?>
 <p:notes xmlns:a="http://schemas.openxmlformats.org/drawingml/2006/main" xmlns:r="http://schemas.openxmlformats.org/officeDocument/2006/relationships" xmlns:p="http://schemas.openxmlformats.org/presentationml/2006/main">
   <p:cSld>
     <p:spTree>
@@ -4760,7 +4986,7 @@
             <a:fld id="{BA3A9032-1F54-474E-906D-EF35843467EE}" type="slidenum">
               <a:rPr lang="en-US" altLang="en-US" smtClean="0"/>
               <a:pPr/>
-              <a:t>15</a:t>
+              <a:t>14</a:t>
             </a:fld>
             <a:endParaRPr lang="en-US" altLang="en-US"/>
           </a:p>
@@ -4877,7 +5103,7 @@
 </p:notes>
 </file>
 
-<file path=ppt/notesSlides/notesSlide15.xml><?xml version="1.0" encoding="utf-8"?>
+<file path=ppt/notesSlides/notesSlide14.xml><?xml version="1.0" encoding="utf-8"?>
 <p:notes xmlns:a="http://schemas.openxmlformats.org/drawingml/2006/main" xmlns:r="http://schemas.openxmlformats.org/officeDocument/2006/relationships" xmlns:p="http://schemas.openxmlformats.org/presentationml/2006/main">
   <p:cSld>
     <p:spTree>
@@ -5045,7 +5271,7 @@
             <a:fld id="{617968F5-FFB6-9142-BA43-506E989FCAAE}" type="slidenum">
               <a:rPr lang="en-US" altLang="en-US" smtClean="0"/>
               <a:pPr/>
-              <a:t>16</a:t>
+              <a:t>15</a:t>
             </a:fld>
             <a:endParaRPr lang="en-US" altLang="en-US"/>
           </a:p>
@@ -5138,6 +5364,291 @@
     <p:extLst>
       <p:ext uri="{BB962C8B-B14F-4D97-AF65-F5344CB8AC3E}">
         <p14:creationId xmlns:p14="http://schemas.microsoft.com/office/powerpoint/2010/main" val="1780637517"/>
+      </p:ext>
+    </p:extLst>
+  </p:cSld>
+  <p:clrMapOvr>
+    <a:masterClrMapping/>
+  </p:clrMapOvr>
+</p:notes>
+</file>
+
+<file path=ppt/notesSlides/notesSlide15.xml><?xml version="1.0" encoding="utf-8"?>
+<p:notes xmlns:a="http://schemas.openxmlformats.org/drawingml/2006/main" xmlns:r="http://schemas.openxmlformats.org/officeDocument/2006/relationships" xmlns:p="http://schemas.openxmlformats.org/presentationml/2006/main">
+  <p:cSld>
+    <p:spTree>
+      <p:nvGrpSpPr>
+        <p:cNvPr id="1" name=""/>
+        <p:cNvGrpSpPr/>
+        <p:nvPr/>
+      </p:nvGrpSpPr>
+      <p:grpSpPr>
+        <a:xfrm>
+          <a:off x="0" y="0"/>
+          <a:ext cx="0" cy="0"/>
+          <a:chOff x="0" y="0"/>
+          <a:chExt cx="0" cy="0"/>
+        </a:xfrm>
+      </p:grpSpPr>
+      <p:sp>
+        <p:nvSpPr>
+          <p:cNvPr id="18433" name="Rectangle 7">
+            <a:extLst>
+              <a:ext uri="{FF2B5EF4-FFF2-40B4-BE49-F238E27FC236}">
+                <a16:creationId xmlns:a16="http://schemas.microsoft.com/office/drawing/2014/main" id="{191BDEB7-AA7B-7447-9829-E2778EEC70AB}"/>
+              </a:ext>
+            </a:extLst>
+          </p:cNvPr>
+          <p:cNvSpPr>
+            <a:spLocks noGrp="1" noChangeArrowheads="1"/>
+          </p:cNvSpPr>
+          <p:nvPr>
+            <p:ph type="sldNum" sz="quarter" idx="5"/>
+          </p:nvPr>
+        </p:nvSpPr>
+        <p:spPr bwMode="auto">
+          <a:noFill/>
+          <a:extLst>
+            <a:ext uri="{909E8E84-426E-40DD-AFC4-6F175D3DCCD1}">
+              <a14:hiddenFill xmlns:a14="http://schemas.microsoft.com/office/drawing/2010/main">
+                <a:solidFill>
+                  <a:srgbClr val="FFFFFF"/>
+                </a:solidFill>
+              </a14:hiddenFill>
+            </a:ext>
+            <a:ext uri="{91240B29-F687-4F45-9708-019B960494DF}">
+              <a14:hiddenLine xmlns:a14="http://schemas.microsoft.com/office/drawing/2010/main" w="9525">
+                <a:solidFill>
+                  <a:srgbClr val="000000"/>
+                </a:solidFill>
+                <a:miter lim="800000"/>
+                <a:headEnd/>
+                <a:tailEnd/>
+              </a14:hiddenLine>
+            </a:ext>
+          </a:extLst>
+        </p:spPr>
+        <p:txBody>
+          <a:bodyPr/>
+          <a:lstStyle>
+            <a:lvl1pPr>
+              <a:defRPr>
+                <a:solidFill>
+                  <a:schemeClr val="tx1"/>
+                </a:solidFill>
+                <a:latin typeface="Arial" panose="020B0604020202020204" pitchFamily="34" charset="0"/>
+                <a:ea typeface="ＭＳ Ｐゴシック" panose="020B0600070205080204" pitchFamily="34" charset="-128"/>
+              </a:defRPr>
+            </a:lvl1pPr>
+            <a:lvl2pPr marL="742950" indent="-285750">
+              <a:defRPr>
+                <a:solidFill>
+                  <a:schemeClr val="tx1"/>
+                </a:solidFill>
+                <a:latin typeface="Arial" panose="020B0604020202020204" pitchFamily="34" charset="0"/>
+                <a:ea typeface="ＭＳ Ｐゴシック" panose="020B0600070205080204" pitchFamily="34" charset="-128"/>
+              </a:defRPr>
+            </a:lvl2pPr>
+            <a:lvl3pPr marL="1143000" indent="-228600">
+              <a:defRPr>
+                <a:solidFill>
+                  <a:schemeClr val="tx1"/>
+                </a:solidFill>
+                <a:latin typeface="Arial" panose="020B0604020202020204" pitchFamily="34" charset="0"/>
+                <a:ea typeface="ＭＳ Ｐゴシック" panose="020B0600070205080204" pitchFamily="34" charset="-128"/>
+              </a:defRPr>
+            </a:lvl3pPr>
+            <a:lvl4pPr marL="1600200" indent="-228600">
+              <a:defRPr>
+                <a:solidFill>
+                  <a:schemeClr val="tx1"/>
+                </a:solidFill>
+                <a:latin typeface="Arial" panose="020B0604020202020204" pitchFamily="34" charset="0"/>
+                <a:ea typeface="ＭＳ Ｐゴシック" panose="020B0600070205080204" pitchFamily="34" charset="-128"/>
+              </a:defRPr>
+            </a:lvl4pPr>
+            <a:lvl5pPr marL="2057400" indent="-228600">
+              <a:defRPr>
+                <a:solidFill>
+                  <a:schemeClr val="tx1"/>
+                </a:solidFill>
+                <a:latin typeface="Arial" panose="020B0604020202020204" pitchFamily="34" charset="0"/>
+                <a:ea typeface="ＭＳ Ｐゴシック" panose="020B0600070205080204" pitchFamily="34" charset="-128"/>
+              </a:defRPr>
+            </a:lvl5pPr>
+            <a:lvl6pPr marL="2514600" indent="-228600" eaLnBrk="0" fontAlgn="base" hangingPunct="0">
+              <a:spcBef>
+                <a:spcPct val="0"/>
+              </a:spcBef>
+              <a:spcAft>
+                <a:spcPct val="0"/>
+              </a:spcAft>
+              <a:defRPr>
+                <a:solidFill>
+                  <a:schemeClr val="tx1"/>
+                </a:solidFill>
+                <a:latin typeface="Arial" panose="020B0604020202020204" pitchFamily="34" charset="0"/>
+                <a:ea typeface="ＭＳ Ｐゴシック" panose="020B0600070205080204" pitchFamily="34" charset="-128"/>
+              </a:defRPr>
+            </a:lvl6pPr>
+            <a:lvl7pPr marL="2971800" indent="-228600" eaLnBrk="0" fontAlgn="base" hangingPunct="0">
+              <a:spcBef>
+                <a:spcPct val="0"/>
+              </a:spcBef>
+              <a:spcAft>
+                <a:spcPct val="0"/>
+              </a:spcAft>
+              <a:defRPr>
+                <a:solidFill>
+                  <a:schemeClr val="tx1"/>
+                </a:solidFill>
+                <a:latin typeface="Arial" panose="020B0604020202020204" pitchFamily="34" charset="0"/>
+                <a:ea typeface="ＭＳ Ｐゴシック" panose="020B0600070205080204" pitchFamily="34" charset="-128"/>
+              </a:defRPr>
+            </a:lvl7pPr>
+            <a:lvl8pPr marL="3429000" indent="-228600" eaLnBrk="0" fontAlgn="base" hangingPunct="0">
+              <a:spcBef>
+                <a:spcPct val="0"/>
+              </a:spcBef>
+              <a:spcAft>
+                <a:spcPct val="0"/>
+              </a:spcAft>
+              <a:defRPr>
+                <a:solidFill>
+                  <a:schemeClr val="tx1"/>
+                </a:solidFill>
+                <a:latin typeface="Arial" panose="020B0604020202020204" pitchFamily="34" charset="0"/>
+                <a:ea typeface="ＭＳ Ｐゴシック" panose="020B0600070205080204" pitchFamily="34" charset="-128"/>
+              </a:defRPr>
+            </a:lvl8pPr>
+            <a:lvl9pPr marL="3886200" indent="-228600" eaLnBrk="0" fontAlgn="base" hangingPunct="0">
+              <a:spcBef>
+                <a:spcPct val="0"/>
+              </a:spcBef>
+              <a:spcAft>
+                <a:spcPct val="0"/>
+              </a:spcAft>
+              <a:defRPr>
+                <a:solidFill>
+                  <a:schemeClr val="tx1"/>
+                </a:solidFill>
+                <a:latin typeface="Arial" panose="020B0604020202020204" pitchFamily="34" charset="0"/>
+                <a:ea typeface="ＭＳ Ｐゴシック" panose="020B0600070205080204" pitchFamily="34" charset="-128"/>
+              </a:defRPr>
+            </a:lvl9pPr>
+          </a:lstStyle>
+          <a:p>
+            <a:fld id="{6DB29332-37D6-9546-8E86-CF839893C15B}" type="slidenum">
+              <a:rPr lang="en-US" altLang="en-US" smtClean="0"/>
+              <a:pPr/>
+              <a:t>16</a:t>
+            </a:fld>
+            <a:endParaRPr lang="en-US" altLang="en-US"/>
+          </a:p>
+        </p:txBody>
+      </p:sp>
+      <p:sp>
+        <p:nvSpPr>
+          <p:cNvPr id="18434" name="Rectangle 2">
+            <a:extLst>
+              <a:ext uri="{FF2B5EF4-FFF2-40B4-BE49-F238E27FC236}">
+                <a16:creationId xmlns:a16="http://schemas.microsoft.com/office/drawing/2014/main" id="{B7E6A49B-BB0F-A143-8EBC-A6C9CD1EB162}"/>
+              </a:ext>
+            </a:extLst>
+          </p:cNvPr>
+          <p:cNvSpPr>
+            <a:spLocks noGrp="1" noRot="1" noChangeAspect="1" noChangeArrowheads="1" noTextEdit="1"/>
+          </p:cNvSpPr>
+          <p:nvPr>
+            <p:ph type="sldImg"/>
+          </p:nvPr>
+        </p:nvSpPr>
+        <p:spPr bwMode="auto">
+          <a:xfrm>
+            <a:off x="687388" y="685800"/>
+            <a:ext cx="5486400" cy="3429000"/>
+          </a:xfrm>
+          <a:noFill/>
+          <a:ln>
+            <a:solidFill>
+              <a:srgbClr val="000000"/>
+            </a:solidFill>
+            <a:miter lim="800000"/>
+            <a:headEnd/>
+            <a:tailEnd/>
+          </a:ln>
+          <a:extLst>
+            <a:ext uri="{909E8E84-426E-40DD-AFC4-6F175D3DCCD1}">
+              <a14:hiddenFill xmlns:a14="http://schemas.microsoft.com/office/drawing/2010/main">
+                <a:solidFill>
+                  <a:srgbClr val="FFFFFF"/>
+                </a:solidFill>
+              </a14:hiddenFill>
+            </a:ext>
+          </a:extLst>
+        </p:spPr>
+      </p:sp>
+      <p:sp>
+        <p:nvSpPr>
+          <p:cNvPr id="18435" name="Rectangle 3">
+            <a:extLst>
+              <a:ext uri="{FF2B5EF4-FFF2-40B4-BE49-F238E27FC236}">
+                <a16:creationId xmlns:a16="http://schemas.microsoft.com/office/drawing/2014/main" id="{68BB4F20-4ECF-A743-A880-FB4CF592697C}"/>
+              </a:ext>
+            </a:extLst>
+          </p:cNvPr>
+          <p:cNvSpPr>
+            <a:spLocks noGrp="1" noChangeArrowheads="1"/>
+          </p:cNvSpPr>
+          <p:nvPr>
+            <p:ph type="body" idx="1"/>
+          </p:nvPr>
+        </p:nvSpPr>
+        <p:spPr bwMode="auto">
+          <a:xfrm>
+            <a:off x="914400" y="4343400"/>
+            <a:ext cx="5029200" cy="4114800"/>
+          </a:xfrm>
+          <a:noFill/>
+          <a:extLst>
+            <a:ext uri="{909E8E84-426E-40DD-AFC4-6F175D3DCCD1}">
+              <a14:hiddenFill xmlns:a14="http://schemas.microsoft.com/office/drawing/2010/main">
+                <a:solidFill>
+                  <a:srgbClr val="FFFFFF"/>
+                </a:solidFill>
+              </a14:hiddenFill>
+            </a:ext>
+            <a:ext uri="{91240B29-F687-4F45-9708-019B960494DF}">
+              <a14:hiddenLine xmlns:a14="http://schemas.microsoft.com/office/drawing/2010/main" w="9525">
+                <a:solidFill>
+                  <a:srgbClr val="000000"/>
+                </a:solidFill>
+                <a:miter lim="800000"/>
+                <a:headEnd/>
+                <a:tailEnd/>
+              </a14:hiddenLine>
+            </a:ext>
+          </a:extLst>
+        </p:spPr>
+        <p:txBody>
+          <a:bodyPr wrap="square" numCol="1" anchor="t" anchorCtr="0" compatLnSpc="1">
+            <a:prstTxWarp prst="textNoShape">
+              <a:avLst/>
+            </a:prstTxWarp>
+          </a:bodyPr>
+          <a:lstStyle/>
+          <a:p>
+            <a:pPr eaLnBrk="1" hangingPunct="1"/>
+            <a:endParaRPr lang="en-US" altLang="en-US">
+              <a:ea typeface="ＭＳ Ｐゴシック" panose="020B0600070205080204" pitchFamily="34" charset="-128"/>
+            </a:endParaRPr>
+          </a:p>
+        </p:txBody>
+      </p:sp>
+    </p:spTree>
+    <p:extLst>
+      <p:ext uri="{BB962C8B-B14F-4D97-AF65-F5344CB8AC3E}">
+        <p14:creationId xmlns:p14="http://schemas.microsoft.com/office/powerpoint/2010/main" val="3717898540"/>
       </p:ext>
     </p:extLst>
   </p:cSld>
@@ -6550,7 +7061,7 @@
     </p:spTree>
     <p:extLst>
       <p:ext uri="{BB962C8B-B14F-4D97-AF65-F5344CB8AC3E}">
-        <p14:creationId xmlns:p14="http://schemas.microsoft.com/office/powerpoint/2010/main" val="3757615493"/>
+        <p14:creationId xmlns:p14="http://schemas.microsoft.com/office/powerpoint/2010/main" val="2083393601"/>
       </p:ext>
     </p:extLst>
   </p:cSld>
@@ -9405,291 +9916,6 @@
       </p:grpSpPr>
       <p:sp>
         <p:nvSpPr>
-          <p:cNvPr id="18433" name="Rectangle 7">
-            <a:extLst>
-              <a:ext uri="{FF2B5EF4-FFF2-40B4-BE49-F238E27FC236}">
-                <a16:creationId xmlns:a16="http://schemas.microsoft.com/office/drawing/2014/main" id="{191BDEB7-AA7B-7447-9829-E2778EEC70AB}"/>
-              </a:ext>
-            </a:extLst>
-          </p:cNvPr>
-          <p:cNvSpPr>
-            <a:spLocks noGrp="1" noChangeArrowheads="1"/>
-          </p:cNvSpPr>
-          <p:nvPr>
-            <p:ph type="sldNum" sz="quarter" idx="5"/>
-          </p:nvPr>
-        </p:nvSpPr>
-        <p:spPr bwMode="auto">
-          <a:noFill/>
-          <a:extLst>
-            <a:ext uri="{909E8E84-426E-40DD-AFC4-6F175D3DCCD1}">
-              <a14:hiddenFill xmlns:a14="http://schemas.microsoft.com/office/drawing/2010/main">
-                <a:solidFill>
-                  <a:srgbClr val="FFFFFF"/>
-                </a:solidFill>
-              </a14:hiddenFill>
-            </a:ext>
-            <a:ext uri="{91240B29-F687-4F45-9708-019B960494DF}">
-              <a14:hiddenLine xmlns:a14="http://schemas.microsoft.com/office/drawing/2010/main" w="9525">
-                <a:solidFill>
-                  <a:srgbClr val="000000"/>
-                </a:solidFill>
-                <a:miter lim="800000"/>
-                <a:headEnd/>
-                <a:tailEnd/>
-              </a14:hiddenLine>
-            </a:ext>
-          </a:extLst>
-        </p:spPr>
-        <p:txBody>
-          <a:bodyPr/>
-          <a:lstStyle>
-            <a:lvl1pPr>
-              <a:defRPr>
-                <a:solidFill>
-                  <a:schemeClr val="tx1"/>
-                </a:solidFill>
-                <a:latin typeface="Arial" panose="020B0604020202020204" pitchFamily="34" charset="0"/>
-                <a:ea typeface="ＭＳ Ｐゴシック" panose="020B0600070205080204" pitchFamily="34" charset="-128"/>
-              </a:defRPr>
-            </a:lvl1pPr>
-            <a:lvl2pPr marL="742950" indent="-285750">
-              <a:defRPr>
-                <a:solidFill>
-                  <a:schemeClr val="tx1"/>
-                </a:solidFill>
-                <a:latin typeface="Arial" panose="020B0604020202020204" pitchFamily="34" charset="0"/>
-                <a:ea typeface="ＭＳ Ｐゴシック" panose="020B0600070205080204" pitchFamily="34" charset="-128"/>
-              </a:defRPr>
-            </a:lvl2pPr>
-            <a:lvl3pPr marL="1143000" indent="-228600">
-              <a:defRPr>
-                <a:solidFill>
-                  <a:schemeClr val="tx1"/>
-                </a:solidFill>
-                <a:latin typeface="Arial" panose="020B0604020202020204" pitchFamily="34" charset="0"/>
-                <a:ea typeface="ＭＳ Ｐゴシック" panose="020B0600070205080204" pitchFamily="34" charset="-128"/>
-              </a:defRPr>
-            </a:lvl3pPr>
-            <a:lvl4pPr marL="1600200" indent="-228600">
-              <a:defRPr>
-                <a:solidFill>
-                  <a:schemeClr val="tx1"/>
-                </a:solidFill>
-                <a:latin typeface="Arial" panose="020B0604020202020204" pitchFamily="34" charset="0"/>
-                <a:ea typeface="ＭＳ Ｐゴシック" panose="020B0600070205080204" pitchFamily="34" charset="-128"/>
-              </a:defRPr>
-            </a:lvl4pPr>
-            <a:lvl5pPr marL="2057400" indent="-228600">
-              <a:defRPr>
-                <a:solidFill>
-                  <a:schemeClr val="tx1"/>
-                </a:solidFill>
-                <a:latin typeface="Arial" panose="020B0604020202020204" pitchFamily="34" charset="0"/>
-                <a:ea typeface="ＭＳ Ｐゴシック" panose="020B0600070205080204" pitchFamily="34" charset="-128"/>
-              </a:defRPr>
-            </a:lvl5pPr>
-            <a:lvl6pPr marL="2514600" indent="-228600" eaLnBrk="0" fontAlgn="base" hangingPunct="0">
-              <a:spcBef>
-                <a:spcPct val="0"/>
-              </a:spcBef>
-              <a:spcAft>
-                <a:spcPct val="0"/>
-              </a:spcAft>
-              <a:defRPr>
-                <a:solidFill>
-                  <a:schemeClr val="tx1"/>
-                </a:solidFill>
-                <a:latin typeface="Arial" panose="020B0604020202020204" pitchFamily="34" charset="0"/>
-                <a:ea typeface="ＭＳ Ｐゴシック" panose="020B0600070205080204" pitchFamily="34" charset="-128"/>
-              </a:defRPr>
-            </a:lvl6pPr>
-            <a:lvl7pPr marL="2971800" indent="-228600" eaLnBrk="0" fontAlgn="base" hangingPunct="0">
-              <a:spcBef>
-                <a:spcPct val="0"/>
-              </a:spcBef>
-              <a:spcAft>
-                <a:spcPct val="0"/>
-              </a:spcAft>
-              <a:defRPr>
-                <a:solidFill>
-                  <a:schemeClr val="tx1"/>
-                </a:solidFill>
-                <a:latin typeface="Arial" panose="020B0604020202020204" pitchFamily="34" charset="0"/>
-                <a:ea typeface="ＭＳ Ｐゴシック" panose="020B0600070205080204" pitchFamily="34" charset="-128"/>
-              </a:defRPr>
-            </a:lvl7pPr>
-            <a:lvl8pPr marL="3429000" indent="-228600" eaLnBrk="0" fontAlgn="base" hangingPunct="0">
-              <a:spcBef>
-                <a:spcPct val="0"/>
-              </a:spcBef>
-              <a:spcAft>
-                <a:spcPct val="0"/>
-              </a:spcAft>
-              <a:defRPr>
-                <a:solidFill>
-                  <a:schemeClr val="tx1"/>
-                </a:solidFill>
-                <a:latin typeface="Arial" panose="020B0604020202020204" pitchFamily="34" charset="0"/>
-                <a:ea typeface="ＭＳ Ｐゴシック" panose="020B0600070205080204" pitchFamily="34" charset="-128"/>
-              </a:defRPr>
-            </a:lvl8pPr>
-            <a:lvl9pPr marL="3886200" indent="-228600" eaLnBrk="0" fontAlgn="base" hangingPunct="0">
-              <a:spcBef>
-                <a:spcPct val="0"/>
-              </a:spcBef>
-              <a:spcAft>
-                <a:spcPct val="0"/>
-              </a:spcAft>
-              <a:defRPr>
-                <a:solidFill>
-                  <a:schemeClr val="tx1"/>
-                </a:solidFill>
-                <a:latin typeface="Arial" panose="020B0604020202020204" pitchFamily="34" charset="0"/>
-                <a:ea typeface="ＭＳ Ｐゴシック" panose="020B0600070205080204" pitchFamily="34" charset="-128"/>
-              </a:defRPr>
-            </a:lvl9pPr>
-          </a:lstStyle>
-          <a:p>
-            <a:fld id="{6DB29332-37D6-9546-8E86-CF839893C15B}" type="slidenum">
-              <a:rPr lang="en-US" altLang="en-US" smtClean="0"/>
-              <a:pPr/>
-              <a:t>4</a:t>
-            </a:fld>
-            <a:endParaRPr lang="en-US" altLang="en-US"/>
-          </a:p>
-        </p:txBody>
-      </p:sp>
-      <p:sp>
-        <p:nvSpPr>
-          <p:cNvPr id="18434" name="Rectangle 2">
-            <a:extLst>
-              <a:ext uri="{FF2B5EF4-FFF2-40B4-BE49-F238E27FC236}">
-                <a16:creationId xmlns:a16="http://schemas.microsoft.com/office/drawing/2014/main" id="{B7E6A49B-BB0F-A143-8EBC-A6C9CD1EB162}"/>
-              </a:ext>
-            </a:extLst>
-          </p:cNvPr>
-          <p:cNvSpPr>
-            <a:spLocks noGrp="1" noRot="1" noChangeAspect="1" noChangeArrowheads="1" noTextEdit="1"/>
-          </p:cNvSpPr>
-          <p:nvPr>
-            <p:ph type="sldImg"/>
-          </p:nvPr>
-        </p:nvSpPr>
-        <p:spPr bwMode="auto">
-          <a:xfrm>
-            <a:off x="687388" y="685800"/>
-            <a:ext cx="5486400" cy="3429000"/>
-          </a:xfrm>
-          <a:noFill/>
-          <a:ln>
-            <a:solidFill>
-              <a:srgbClr val="000000"/>
-            </a:solidFill>
-            <a:miter lim="800000"/>
-            <a:headEnd/>
-            <a:tailEnd/>
-          </a:ln>
-          <a:extLst>
-            <a:ext uri="{909E8E84-426E-40DD-AFC4-6F175D3DCCD1}">
-              <a14:hiddenFill xmlns:a14="http://schemas.microsoft.com/office/drawing/2010/main">
-                <a:solidFill>
-                  <a:srgbClr val="FFFFFF"/>
-                </a:solidFill>
-              </a14:hiddenFill>
-            </a:ext>
-          </a:extLst>
-        </p:spPr>
-      </p:sp>
-      <p:sp>
-        <p:nvSpPr>
-          <p:cNvPr id="18435" name="Rectangle 3">
-            <a:extLst>
-              <a:ext uri="{FF2B5EF4-FFF2-40B4-BE49-F238E27FC236}">
-                <a16:creationId xmlns:a16="http://schemas.microsoft.com/office/drawing/2014/main" id="{68BB4F20-4ECF-A743-A880-FB4CF592697C}"/>
-              </a:ext>
-            </a:extLst>
-          </p:cNvPr>
-          <p:cNvSpPr>
-            <a:spLocks noGrp="1" noChangeArrowheads="1"/>
-          </p:cNvSpPr>
-          <p:nvPr>
-            <p:ph type="body" idx="1"/>
-          </p:nvPr>
-        </p:nvSpPr>
-        <p:spPr bwMode="auto">
-          <a:xfrm>
-            <a:off x="914400" y="4343400"/>
-            <a:ext cx="5029200" cy="4114800"/>
-          </a:xfrm>
-          <a:noFill/>
-          <a:extLst>
-            <a:ext uri="{909E8E84-426E-40DD-AFC4-6F175D3DCCD1}">
-              <a14:hiddenFill xmlns:a14="http://schemas.microsoft.com/office/drawing/2010/main">
-                <a:solidFill>
-                  <a:srgbClr val="FFFFFF"/>
-                </a:solidFill>
-              </a14:hiddenFill>
-            </a:ext>
-            <a:ext uri="{91240B29-F687-4F45-9708-019B960494DF}">
-              <a14:hiddenLine xmlns:a14="http://schemas.microsoft.com/office/drawing/2010/main" w="9525">
-                <a:solidFill>
-                  <a:srgbClr val="000000"/>
-                </a:solidFill>
-                <a:miter lim="800000"/>
-                <a:headEnd/>
-                <a:tailEnd/>
-              </a14:hiddenLine>
-            </a:ext>
-          </a:extLst>
-        </p:spPr>
-        <p:txBody>
-          <a:bodyPr wrap="square" numCol="1" anchor="t" anchorCtr="0" compatLnSpc="1">
-            <a:prstTxWarp prst="textNoShape">
-              <a:avLst/>
-            </a:prstTxWarp>
-          </a:bodyPr>
-          <a:lstStyle/>
-          <a:p>
-            <a:pPr eaLnBrk="1" hangingPunct="1"/>
-            <a:endParaRPr lang="en-US" altLang="en-US">
-              <a:ea typeface="ＭＳ Ｐゴシック" panose="020B0600070205080204" pitchFamily="34" charset="-128"/>
-            </a:endParaRPr>
-          </a:p>
-        </p:txBody>
-      </p:sp>
-    </p:spTree>
-    <p:extLst>
-      <p:ext uri="{BB962C8B-B14F-4D97-AF65-F5344CB8AC3E}">
-        <p14:creationId xmlns:p14="http://schemas.microsoft.com/office/powerpoint/2010/main" val="2083393601"/>
-      </p:ext>
-    </p:extLst>
-  </p:cSld>
-  <p:clrMapOvr>
-    <a:masterClrMapping/>
-  </p:clrMapOvr>
-</p:notes>
-</file>
-
-<file path=ppt/notesSlides/notesSlide4.xml><?xml version="1.0" encoding="utf-8"?>
-<p:notes xmlns:a="http://schemas.openxmlformats.org/drawingml/2006/main" xmlns:r="http://schemas.openxmlformats.org/officeDocument/2006/relationships" xmlns:p="http://schemas.openxmlformats.org/presentationml/2006/main">
-  <p:cSld>
-    <p:spTree>
-      <p:nvGrpSpPr>
-        <p:cNvPr id="1" name=""/>
-        <p:cNvGrpSpPr/>
-        <p:nvPr/>
-      </p:nvGrpSpPr>
-      <p:grpSpPr>
-        <a:xfrm>
-          <a:off x="0" y="0"/>
-          <a:ext cx="0" cy="0"/>
-          <a:chOff x="0" y="0"/>
-          <a:chExt cx="0" cy="0"/>
-        </a:xfrm>
-      </p:grpSpPr>
-      <p:sp>
-        <p:nvSpPr>
           <p:cNvPr id="20481" name="Rectangle 7">
             <a:extLst>
               <a:ext uri="{FF2B5EF4-FFF2-40B4-BE49-F238E27FC236}">
@@ -9839,7 +10065,7 @@
             <a:fld id="{2749D796-FD18-8549-865C-9B05C57A32C5}" type="slidenum">
               <a:rPr lang="en-US" altLang="en-US" smtClean="0"/>
               <a:pPr/>
-              <a:t>5</a:t>
+              <a:t>4</a:t>
             </a:fld>
             <a:endParaRPr lang="en-US" altLang="en-US"/>
           </a:p>
@@ -9956,7 +10182,7 @@
 </p:notes>
 </file>
 
-<file path=ppt/notesSlides/notesSlide5.xml><?xml version="1.0" encoding="utf-8"?>
+<file path=ppt/notesSlides/notesSlide4.xml><?xml version="1.0" encoding="utf-8"?>
 <p:notes xmlns:a="http://schemas.openxmlformats.org/drawingml/2006/main" xmlns:r="http://schemas.openxmlformats.org/officeDocument/2006/relationships" xmlns:p="http://schemas.openxmlformats.org/presentationml/2006/main">
   <p:cSld>
     <p:spTree>
@@ -10124,7 +10350,7 @@
             <a:fld id="{9064C952-EC3B-5A4D-93C5-528FC5D2586E}" type="slidenum">
               <a:rPr lang="en-US" altLang="en-US" smtClean="0"/>
               <a:pPr/>
-              <a:t>6</a:t>
+              <a:t>5</a:t>
             </a:fld>
             <a:endParaRPr lang="en-US" altLang="en-US"/>
           </a:p>
@@ -10241,7 +10467,7 @@
 </p:notes>
 </file>
 
-<file path=ppt/notesSlides/notesSlide6.xml><?xml version="1.0" encoding="utf-8"?>
+<file path=ppt/notesSlides/notesSlide5.xml><?xml version="1.0" encoding="utf-8"?>
 <p:notes xmlns:a="http://schemas.openxmlformats.org/drawingml/2006/main" xmlns:r="http://schemas.openxmlformats.org/officeDocument/2006/relationships" xmlns:p="http://schemas.openxmlformats.org/presentationml/2006/main">
   <p:cSld>
     <p:spTree>
@@ -10409,7 +10635,7 @@
             <a:fld id="{3BB5F292-FC89-8B4A-89A2-4A95094363A7}" type="slidenum">
               <a:rPr lang="en-US" altLang="en-US" smtClean="0"/>
               <a:pPr/>
-              <a:t>7</a:t>
+              <a:t>6</a:t>
             </a:fld>
             <a:endParaRPr lang="en-US" altLang="en-US"/>
           </a:p>
@@ -10526,7 +10752,7 @@
 </p:notes>
 </file>
 
-<file path=ppt/notesSlides/notesSlide7.xml><?xml version="1.0" encoding="utf-8"?>
+<file path=ppt/notesSlides/notesSlide6.xml><?xml version="1.0" encoding="utf-8"?>
 <p:notes xmlns:a="http://schemas.openxmlformats.org/drawingml/2006/main" xmlns:r="http://schemas.openxmlformats.org/officeDocument/2006/relationships" xmlns:p="http://schemas.openxmlformats.org/presentationml/2006/main">
   <p:cSld>
     <p:spTree>
@@ -10694,7 +10920,7 @@
             <a:fld id="{6709EC10-BEB2-EC49-AD76-7F6045F62F12}" type="slidenum">
               <a:rPr lang="en-US" altLang="en-US" smtClean="0"/>
               <a:pPr/>
-              <a:t>8</a:t>
+              <a:t>7</a:t>
             </a:fld>
             <a:endParaRPr lang="en-US" altLang="en-US"/>
           </a:p>
@@ -10811,7 +11037,7 @@
 </p:notes>
 </file>
 
-<file path=ppt/notesSlides/notesSlide8.xml><?xml version="1.0" encoding="utf-8"?>
+<file path=ppt/notesSlides/notesSlide7.xml><?xml version="1.0" encoding="utf-8"?>
 <p:notes xmlns:a="http://schemas.openxmlformats.org/drawingml/2006/main" xmlns:r="http://schemas.openxmlformats.org/officeDocument/2006/relationships" xmlns:p="http://schemas.openxmlformats.org/presentationml/2006/main">
   <p:cSld>
     <p:spTree>
@@ -10979,7 +11205,7 @@
             <a:fld id="{C7172B89-058E-A448-A4F6-08B1C4EEFE57}" type="slidenum">
               <a:rPr lang="en-US" altLang="en-US" smtClean="0"/>
               <a:pPr/>
-              <a:t>9</a:t>
+              <a:t>8</a:t>
             </a:fld>
             <a:endParaRPr lang="en-US" altLang="en-US"/>
           </a:p>
@@ -11096,7 +11322,7 @@
 </p:notes>
 </file>
 
-<file path=ppt/notesSlides/notesSlide9.xml><?xml version="1.0" encoding="utf-8"?>
+<file path=ppt/notesSlides/notesSlide8.xml><?xml version="1.0" encoding="utf-8"?>
 <p:notes xmlns:a="http://schemas.openxmlformats.org/drawingml/2006/main" xmlns:r="http://schemas.openxmlformats.org/officeDocument/2006/relationships" xmlns:p="http://schemas.openxmlformats.org/presentationml/2006/main">
   <p:cSld>
     <p:spTree>
@@ -11264,7 +11490,7 @@
             <a:fld id="{E43D7782-E9D8-6049-AF37-0FD02B2FA85D}" type="slidenum">
               <a:rPr lang="en-US" altLang="en-US" smtClean="0"/>
               <a:pPr/>
-              <a:t>10</a:t>
+              <a:t>9</a:t>
             </a:fld>
             <a:endParaRPr lang="en-US" altLang="en-US"/>
           </a:p>
@@ -11372,6 +11598,291 @@
     <p:extLst>
       <p:ext uri="{BB962C8B-B14F-4D97-AF65-F5344CB8AC3E}">
         <p14:creationId xmlns:p14="http://schemas.microsoft.com/office/powerpoint/2010/main" val="262132625"/>
+      </p:ext>
+    </p:extLst>
+  </p:cSld>
+  <p:clrMapOvr>
+    <a:masterClrMapping/>
+  </p:clrMapOvr>
+</p:notes>
+</file>
+
+<file path=ppt/notesSlides/notesSlide9.xml><?xml version="1.0" encoding="utf-8"?>
+<p:notes xmlns:a="http://schemas.openxmlformats.org/drawingml/2006/main" xmlns:r="http://schemas.openxmlformats.org/officeDocument/2006/relationships" xmlns:p="http://schemas.openxmlformats.org/presentationml/2006/main">
+  <p:cSld>
+    <p:spTree>
+      <p:nvGrpSpPr>
+        <p:cNvPr id="1" name=""/>
+        <p:cNvGrpSpPr/>
+        <p:nvPr/>
+      </p:nvGrpSpPr>
+      <p:grpSpPr>
+        <a:xfrm>
+          <a:off x="0" y="0"/>
+          <a:ext cx="0" cy="0"/>
+          <a:chOff x="0" y="0"/>
+          <a:chExt cx="0" cy="0"/>
+        </a:xfrm>
+      </p:grpSpPr>
+      <p:sp>
+        <p:nvSpPr>
+          <p:cNvPr id="32769" name="Rectangle 7">
+            <a:extLst>
+              <a:ext uri="{FF2B5EF4-FFF2-40B4-BE49-F238E27FC236}">
+                <a16:creationId xmlns:a16="http://schemas.microsoft.com/office/drawing/2014/main" id="{BE10DE50-8927-F343-933F-13BBE4500F37}"/>
+              </a:ext>
+            </a:extLst>
+          </p:cNvPr>
+          <p:cNvSpPr>
+            <a:spLocks noGrp="1" noChangeArrowheads="1"/>
+          </p:cNvSpPr>
+          <p:nvPr>
+            <p:ph type="sldNum" sz="quarter" idx="5"/>
+          </p:nvPr>
+        </p:nvSpPr>
+        <p:spPr bwMode="auto">
+          <a:noFill/>
+          <a:extLst>
+            <a:ext uri="{909E8E84-426E-40DD-AFC4-6F175D3DCCD1}">
+              <a14:hiddenFill xmlns:a14="http://schemas.microsoft.com/office/drawing/2010/main">
+                <a:solidFill>
+                  <a:srgbClr val="FFFFFF"/>
+                </a:solidFill>
+              </a14:hiddenFill>
+            </a:ext>
+            <a:ext uri="{91240B29-F687-4F45-9708-019B960494DF}">
+              <a14:hiddenLine xmlns:a14="http://schemas.microsoft.com/office/drawing/2010/main" w="9525">
+                <a:solidFill>
+                  <a:srgbClr val="000000"/>
+                </a:solidFill>
+                <a:miter lim="800000"/>
+                <a:headEnd/>
+                <a:tailEnd/>
+              </a14:hiddenLine>
+            </a:ext>
+          </a:extLst>
+        </p:spPr>
+        <p:txBody>
+          <a:bodyPr/>
+          <a:lstStyle>
+            <a:lvl1pPr>
+              <a:defRPr>
+                <a:solidFill>
+                  <a:schemeClr val="tx1"/>
+                </a:solidFill>
+                <a:latin typeface="Arial" panose="020B0604020202020204" pitchFamily="34" charset="0"/>
+                <a:ea typeface="ＭＳ Ｐゴシック" panose="020B0600070205080204" pitchFamily="34" charset="-128"/>
+              </a:defRPr>
+            </a:lvl1pPr>
+            <a:lvl2pPr marL="742950" indent="-285750">
+              <a:defRPr>
+                <a:solidFill>
+                  <a:schemeClr val="tx1"/>
+                </a:solidFill>
+                <a:latin typeface="Arial" panose="020B0604020202020204" pitchFamily="34" charset="0"/>
+                <a:ea typeface="ＭＳ Ｐゴシック" panose="020B0600070205080204" pitchFamily="34" charset="-128"/>
+              </a:defRPr>
+            </a:lvl2pPr>
+            <a:lvl3pPr marL="1143000" indent="-228600">
+              <a:defRPr>
+                <a:solidFill>
+                  <a:schemeClr val="tx1"/>
+                </a:solidFill>
+                <a:latin typeface="Arial" panose="020B0604020202020204" pitchFamily="34" charset="0"/>
+                <a:ea typeface="ＭＳ Ｐゴシック" panose="020B0600070205080204" pitchFamily="34" charset="-128"/>
+              </a:defRPr>
+            </a:lvl3pPr>
+            <a:lvl4pPr marL="1600200" indent="-228600">
+              <a:defRPr>
+                <a:solidFill>
+                  <a:schemeClr val="tx1"/>
+                </a:solidFill>
+                <a:latin typeface="Arial" panose="020B0604020202020204" pitchFamily="34" charset="0"/>
+                <a:ea typeface="ＭＳ Ｐゴシック" panose="020B0600070205080204" pitchFamily="34" charset="-128"/>
+              </a:defRPr>
+            </a:lvl4pPr>
+            <a:lvl5pPr marL="2057400" indent="-228600">
+              <a:defRPr>
+                <a:solidFill>
+                  <a:schemeClr val="tx1"/>
+                </a:solidFill>
+                <a:latin typeface="Arial" panose="020B0604020202020204" pitchFamily="34" charset="0"/>
+                <a:ea typeface="ＭＳ Ｐゴシック" panose="020B0600070205080204" pitchFamily="34" charset="-128"/>
+              </a:defRPr>
+            </a:lvl5pPr>
+            <a:lvl6pPr marL="2514600" indent="-228600" eaLnBrk="0" fontAlgn="base" hangingPunct="0">
+              <a:spcBef>
+                <a:spcPct val="0"/>
+              </a:spcBef>
+              <a:spcAft>
+                <a:spcPct val="0"/>
+              </a:spcAft>
+              <a:defRPr>
+                <a:solidFill>
+                  <a:schemeClr val="tx1"/>
+                </a:solidFill>
+                <a:latin typeface="Arial" panose="020B0604020202020204" pitchFamily="34" charset="0"/>
+                <a:ea typeface="ＭＳ Ｐゴシック" panose="020B0600070205080204" pitchFamily="34" charset="-128"/>
+              </a:defRPr>
+            </a:lvl6pPr>
+            <a:lvl7pPr marL="2971800" indent="-228600" eaLnBrk="0" fontAlgn="base" hangingPunct="0">
+              <a:spcBef>
+                <a:spcPct val="0"/>
+              </a:spcBef>
+              <a:spcAft>
+                <a:spcPct val="0"/>
+              </a:spcAft>
+              <a:defRPr>
+                <a:solidFill>
+                  <a:schemeClr val="tx1"/>
+                </a:solidFill>
+                <a:latin typeface="Arial" panose="020B0604020202020204" pitchFamily="34" charset="0"/>
+                <a:ea typeface="ＭＳ Ｐゴシック" panose="020B0600070205080204" pitchFamily="34" charset="-128"/>
+              </a:defRPr>
+            </a:lvl7pPr>
+            <a:lvl8pPr marL="3429000" indent="-228600" eaLnBrk="0" fontAlgn="base" hangingPunct="0">
+              <a:spcBef>
+                <a:spcPct val="0"/>
+              </a:spcBef>
+              <a:spcAft>
+                <a:spcPct val="0"/>
+              </a:spcAft>
+              <a:defRPr>
+                <a:solidFill>
+                  <a:schemeClr val="tx1"/>
+                </a:solidFill>
+                <a:latin typeface="Arial" panose="020B0604020202020204" pitchFamily="34" charset="0"/>
+                <a:ea typeface="ＭＳ Ｐゴシック" panose="020B0600070205080204" pitchFamily="34" charset="-128"/>
+              </a:defRPr>
+            </a:lvl8pPr>
+            <a:lvl9pPr marL="3886200" indent="-228600" eaLnBrk="0" fontAlgn="base" hangingPunct="0">
+              <a:spcBef>
+                <a:spcPct val="0"/>
+              </a:spcBef>
+              <a:spcAft>
+                <a:spcPct val="0"/>
+              </a:spcAft>
+              <a:defRPr>
+                <a:solidFill>
+                  <a:schemeClr val="tx1"/>
+                </a:solidFill>
+                <a:latin typeface="Arial" panose="020B0604020202020204" pitchFamily="34" charset="0"/>
+                <a:ea typeface="ＭＳ Ｐゴシック" panose="020B0600070205080204" pitchFamily="34" charset="-128"/>
+              </a:defRPr>
+            </a:lvl9pPr>
+          </a:lstStyle>
+          <a:p>
+            <a:fld id="{4CF13696-9FD2-1245-90FA-E3B25160C85C}" type="slidenum">
+              <a:rPr lang="en-US" altLang="en-US" smtClean="0"/>
+              <a:pPr/>
+              <a:t>10</a:t>
+            </a:fld>
+            <a:endParaRPr lang="en-US" altLang="en-US"/>
+          </a:p>
+        </p:txBody>
+      </p:sp>
+      <p:sp>
+        <p:nvSpPr>
+          <p:cNvPr id="32770" name="Rectangle 2">
+            <a:extLst>
+              <a:ext uri="{FF2B5EF4-FFF2-40B4-BE49-F238E27FC236}">
+                <a16:creationId xmlns:a16="http://schemas.microsoft.com/office/drawing/2014/main" id="{845C0A7D-A12A-A042-8CA0-C7BF8ABE2AFB}"/>
+              </a:ext>
+            </a:extLst>
+          </p:cNvPr>
+          <p:cNvSpPr>
+            <a:spLocks noGrp="1" noRot="1" noChangeAspect="1" noChangeArrowheads="1" noTextEdit="1"/>
+          </p:cNvSpPr>
+          <p:nvPr>
+            <p:ph type="sldImg"/>
+          </p:nvPr>
+        </p:nvSpPr>
+        <p:spPr bwMode="auto">
+          <a:xfrm>
+            <a:off x="687388" y="685800"/>
+            <a:ext cx="5486400" cy="3429000"/>
+          </a:xfrm>
+          <a:noFill/>
+          <a:ln>
+            <a:solidFill>
+              <a:srgbClr val="000000"/>
+            </a:solidFill>
+            <a:miter lim="800000"/>
+            <a:headEnd/>
+            <a:tailEnd/>
+          </a:ln>
+          <a:extLst>
+            <a:ext uri="{909E8E84-426E-40DD-AFC4-6F175D3DCCD1}">
+              <a14:hiddenFill xmlns:a14="http://schemas.microsoft.com/office/drawing/2010/main">
+                <a:solidFill>
+                  <a:srgbClr val="FFFFFF"/>
+                </a:solidFill>
+              </a14:hiddenFill>
+            </a:ext>
+          </a:extLst>
+        </p:spPr>
+      </p:sp>
+      <p:sp>
+        <p:nvSpPr>
+          <p:cNvPr id="32771" name="Rectangle 3">
+            <a:extLst>
+              <a:ext uri="{FF2B5EF4-FFF2-40B4-BE49-F238E27FC236}">
+                <a16:creationId xmlns:a16="http://schemas.microsoft.com/office/drawing/2014/main" id="{4D4E2E48-C8BF-B841-AA12-794B31C39484}"/>
+              </a:ext>
+            </a:extLst>
+          </p:cNvPr>
+          <p:cNvSpPr>
+            <a:spLocks noGrp="1" noChangeArrowheads="1"/>
+          </p:cNvSpPr>
+          <p:nvPr>
+            <p:ph type="body" idx="1"/>
+          </p:nvPr>
+        </p:nvSpPr>
+        <p:spPr bwMode="auto">
+          <a:xfrm>
+            <a:off x="914400" y="4343400"/>
+            <a:ext cx="5029200" cy="4114800"/>
+          </a:xfrm>
+          <a:noFill/>
+          <a:extLst>
+            <a:ext uri="{909E8E84-426E-40DD-AFC4-6F175D3DCCD1}">
+              <a14:hiddenFill xmlns:a14="http://schemas.microsoft.com/office/drawing/2010/main">
+                <a:solidFill>
+                  <a:srgbClr val="FFFFFF"/>
+                </a:solidFill>
+              </a14:hiddenFill>
+            </a:ext>
+            <a:ext uri="{91240B29-F687-4F45-9708-019B960494DF}">
+              <a14:hiddenLine xmlns:a14="http://schemas.microsoft.com/office/drawing/2010/main" w="9525">
+                <a:solidFill>
+                  <a:srgbClr val="000000"/>
+                </a:solidFill>
+                <a:miter lim="800000"/>
+                <a:headEnd/>
+                <a:tailEnd/>
+              </a14:hiddenLine>
+            </a:ext>
+          </a:extLst>
+        </p:spPr>
+        <p:txBody>
+          <a:bodyPr wrap="square" lIns="91433" tIns="45716" rIns="91433" bIns="45716" numCol="1" anchor="t" anchorCtr="0" compatLnSpc="1">
+            <a:prstTxWarp prst="textNoShape">
+              <a:avLst/>
+            </a:prstTxWarp>
+          </a:bodyPr>
+          <a:lstStyle/>
+          <a:p>
+            <a:pPr eaLnBrk="1" hangingPunct="1"/>
+            <a:endParaRPr lang="en-US" altLang="en-US">
+              <a:ea typeface="ＭＳ Ｐゴシック" panose="020B0600070205080204" pitchFamily="34" charset="-128"/>
+            </a:endParaRPr>
+          </a:p>
+        </p:txBody>
+      </p:sp>
+    </p:spTree>
+    <p:extLst>
+      <p:ext uri="{BB962C8B-B14F-4D97-AF65-F5344CB8AC3E}">
+        <p14:creationId xmlns:p14="http://schemas.microsoft.com/office/powerpoint/2010/main" val="1721812828"/>
       </p:ext>
     </p:extLst>
   </p:cSld>
@@ -11510,9 +12021,9 @@
           <a:bodyPr/>
           <a:lstStyle/>
           <a:p>
-            <a:fld id="{4AAD347D-5ACD-4C99-B74B-A9C85AD731AF}" type="datetimeFigureOut">
+            <a:fld id="{B87722C1-40EC-ED43-91EC-B98ED320650C}" type="datetime1">
               <a:rPr lang="en-US" smtClean="0"/>
-              <a:t>3/15/20</a:t>
+              <a:t>3/23/21</a:t>
             </a:fld>
             <a:endParaRPr lang="en-US" dirty="0"/>
           </a:p>
@@ -11680,9 +12191,9 @@
           <a:bodyPr/>
           <a:lstStyle/>
           <a:p>
-            <a:fld id="{4509A250-FF31-4206-8172-F9D3106AACB1}" type="datetimeFigureOut">
+            <a:fld id="{FEAA3499-9783-414F-AB56-30EDF5B6AD7C}" type="datetime1">
               <a:rPr lang="en-US" smtClean="0"/>
-              <a:t>3/15/20</a:t>
+              <a:t>3/23/21</a:t>
             </a:fld>
             <a:endParaRPr lang="en-US" dirty="0"/>
           </a:p>
@@ -11860,9 +12371,9 @@
           <a:bodyPr/>
           <a:lstStyle/>
           <a:p>
-            <a:fld id="{4509A250-FF31-4206-8172-F9D3106AACB1}" type="datetimeFigureOut">
+            <a:fld id="{724D64E5-63F2-5449-AD8F-FA5D349B4404}" type="datetime1">
               <a:rPr lang="en-US" smtClean="0"/>
-              <a:t>3/15/20</a:t>
+              <a:t>3/23/21</a:t>
             </a:fld>
             <a:endParaRPr lang="en-US" dirty="0"/>
           </a:p>
@@ -12030,9 +12541,9 @@
           <a:bodyPr/>
           <a:lstStyle/>
           <a:p>
-            <a:fld id="{4509A250-FF31-4206-8172-F9D3106AACB1}" type="datetimeFigureOut">
+            <a:fld id="{EB3D4CA9-CE62-4E49-B3B8-F71ED47BF7C9}" type="datetime1">
               <a:rPr lang="en-US" smtClean="0"/>
-              <a:t>3/15/20</a:t>
+              <a:t>3/23/21</a:t>
             </a:fld>
             <a:endParaRPr lang="en-US" dirty="0"/>
           </a:p>
@@ -12276,9 +12787,9 @@
           <a:bodyPr/>
           <a:lstStyle/>
           <a:p>
-            <a:fld id="{9796027F-7875-4030-9381-8BD8C4F21935}" type="datetimeFigureOut">
+            <a:fld id="{A25DC6E7-CDA3-444A-BA6F-C759166D947A}" type="datetime1">
               <a:rPr lang="en-US" smtClean="0"/>
-              <a:t>3/15/20</a:t>
+              <a:t>3/23/21</a:t>
             </a:fld>
             <a:endParaRPr lang="en-US" dirty="0"/>
           </a:p>
@@ -12508,9 +13019,9 @@
           <a:bodyPr/>
           <a:lstStyle/>
           <a:p>
-            <a:fld id="{9796027F-7875-4030-9381-8BD8C4F21935}" type="datetimeFigureOut">
+            <a:fld id="{C37969F5-3BA4-8142-B442-1AF77983C374}" type="datetime1">
               <a:rPr lang="en-US" smtClean="0"/>
-              <a:t>3/15/20</a:t>
+              <a:t>3/23/21</a:t>
             </a:fld>
             <a:endParaRPr lang="en-US" dirty="0"/>
           </a:p>
@@ -12875,9 +13386,9 @@
           <a:bodyPr/>
           <a:lstStyle/>
           <a:p>
-            <a:fld id="{9796027F-7875-4030-9381-8BD8C4F21935}" type="datetimeFigureOut">
+            <a:fld id="{7BD2D818-999B-E64C-AB06-944CE77FC710}" type="datetime1">
               <a:rPr lang="en-US" smtClean="0"/>
-              <a:t>3/15/20</a:t>
+              <a:t>3/23/21</a:t>
             </a:fld>
             <a:endParaRPr lang="en-US" dirty="0"/>
           </a:p>
@@ -12993,9 +13504,9 @@
           <a:bodyPr/>
           <a:lstStyle/>
           <a:p>
-            <a:fld id="{4509A250-FF31-4206-8172-F9D3106AACB1}" type="datetimeFigureOut">
+            <a:fld id="{1DBEBAD1-BDD9-9947-B065-7A967766785F}" type="datetime1">
               <a:rPr lang="en-US" smtClean="0"/>
-              <a:t>3/15/20</a:t>
+              <a:t>3/23/21</a:t>
             </a:fld>
             <a:endParaRPr lang="en-US" dirty="0"/>
           </a:p>
@@ -13088,9 +13599,9 @@
           <a:bodyPr/>
           <a:lstStyle/>
           <a:p>
-            <a:fld id="{4509A250-FF31-4206-8172-F9D3106AACB1}" type="datetimeFigureOut">
+            <a:fld id="{C1900C48-8719-9D4F-82DE-76E34B0BA82F}" type="datetime1">
               <a:rPr lang="en-US" smtClean="0"/>
-              <a:t>3/15/20</a:t>
+              <a:t>3/23/21</a:t>
             </a:fld>
             <a:endParaRPr lang="en-US" dirty="0"/>
           </a:p>
@@ -13365,9 +13876,9 @@
           <a:bodyPr/>
           <a:lstStyle/>
           <a:p>
-            <a:fld id="{4509A250-FF31-4206-8172-F9D3106AACB1}" type="datetimeFigureOut">
+            <a:fld id="{90B71D16-025D-3C42-9FB4-C3EC6CA1A989}" type="datetime1">
               <a:rPr lang="en-US" smtClean="0"/>
-              <a:t>3/15/20</a:t>
+              <a:t>3/23/21</a:t>
             </a:fld>
             <a:endParaRPr lang="en-US" dirty="0"/>
           </a:p>
@@ -13622,9 +14133,9 @@
           <a:bodyPr/>
           <a:lstStyle/>
           <a:p>
-            <a:fld id="{4509A250-FF31-4206-8172-F9D3106AACB1}" type="datetimeFigureOut">
+            <a:fld id="{913BB745-65CE-4943-B7D5-34583DF6D0C8}" type="datetime1">
               <a:rPr lang="en-US" smtClean="0"/>
-              <a:t>3/15/20</a:t>
+              <a:t>3/23/21</a:t>
             </a:fld>
             <a:endParaRPr lang="en-US" dirty="0"/>
           </a:p>
@@ -13835,9 +14346,9 @@
             </a:lvl1pPr>
           </a:lstStyle>
           <a:p>
-            <a:fld id="{4AAD347D-5ACD-4C99-B74B-A9C85AD731AF}" type="datetimeFigureOut">
+            <a:fld id="{F99DF739-3EF3-8249-9B6D-641DAC3A4900}" type="datetime1">
               <a:rPr lang="en-US" smtClean="0"/>
-              <a:t>3/15/20</a:t>
+              <a:t>3/23/21</a:t>
             </a:fld>
             <a:endParaRPr lang="en-US" dirty="0"/>
           </a:p>
@@ -13942,7 +14453,7 @@
     <p:sldLayoutId id="2147483801" r:id="rId10"/>
     <p:sldLayoutId id="2147483802" r:id="rId11"/>
   </p:sldLayoutIdLst>
-  <p:hf sldNum="0" hdr="0" ftr="0" dt="0"/>
+  <p:hf hdr="0" ftr="0" dt="0"/>
   <p:txStyles>
     <p:titleStyle>
       <a:lvl1pPr algn="l" defTabSz="685800" rtl="0" eaLnBrk="1" latinLnBrk="0" hangingPunct="1">
@@ -14656,6 +15167,35 @@
           </a:p>
         </p:txBody>
       </p:sp>
+      <p:sp>
+        <p:nvSpPr>
+          <p:cNvPr id="5" name="Slide Number Placeholder 4">
+            <a:extLst>
+              <a:ext uri="{FF2B5EF4-FFF2-40B4-BE49-F238E27FC236}">
+                <a16:creationId xmlns:a16="http://schemas.microsoft.com/office/drawing/2014/main" id="{7D2F0CEE-29B6-D646-9B70-5696F11A4D71}"/>
+              </a:ext>
+            </a:extLst>
+          </p:cNvPr>
+          <p:cNvSpPr>
+            <a:spLocks noGrp="1"/>
+          </p:cNvSpPr>
+          <p:nvPr>
+            <p:ph type="sldNum" sz="quarter" idx="12"/>
+          </p:nvPr>
+        </p:nvSpPr>
+        <p:spPr/>
+        <p:txBody>
+          <a:bodyPr/>
+          <a:lstStyle/>
+          <a:p>
+            <a:fld id="{D57F1E4F-1CFF-5643-939E-02111984F565}" type="slidenum">
+              <a:rPr lang="en-US" smtClean="0"/>
+              <a:t>1</a:t>
+            </a:fld>
+            <a:endParaRPr lang="en-US" dirty="0"/>
+          </a:p>
+        </p:txBody>
+      </p:sp>
     </p:spTree>
     <p:extLst>
       <p:ext uri="{BB962C8B-B14F-4D97-AF65-F5344CB8AC3E}">
@@ -14670,420 +15210,6 @@
 </file>
 
 <file path=ppt/slides/slide10.xml><?xml version="1.0" encoding="utf-8"?>
-<p:sld xmlns:a="http://schemas.openxmlformats.org/drawingml/2006/main" xmlns:r="http://schemas.openxmlformats.org/officeDocument/2006/relationships" xmlns:p="http://schemas.openxmlformats.org/presentationml/2006/main">
-  <p:cSld>
-    <p:spTree>
-      <p:nvGrpSpPr>
-        <p:cNvPr id="1" name=""/>
-        <p:cNvGrpSpPr/>
-        <p:nvPr/>
-      </p:nvGrpSpPr>
-      <p:grpSpPr>
-        <a:xfrm>
-          <a:off x="0" y="0"/>
-          <a:ext cx="0" cy="0"/>
-          <a:chOff x="0" y="0"/>
-          <a:chExt cx="0" cy="0"/>
-        </a:xfrm>
-      </p:grpSpPr>
-      <p:sp>
-        <p:nvSpPr>
-          <p:cNvPr id="29697" name="Rectangle 2">
-            <a:extLst>
-              <a:ext uri="{FF2B5EF4-FFF2-40B4-BE49-F238E27FC236}">
-                <a16:creationId xmlns:a16="http://schemas.microsoft.com/office/drawing/2014/main" id="{FE344302-6250-2241-8F6D-C448D16804F4}"/>
-              </a:ext>
-            </a:extLst>
-          </p:cNvPr>
-          <p:cNvSpPr>
-            <a:spLocks noGrp="1" noChangeArrowheads="1"/>
-          </p:cNvSpPr>
-          <p:nvPr>
-            <p:ph type="title" idx="4294967295"/>
-          </p:nvPr>
-        </p:nvSpPr>
-        <p:spPr>
-          <a:xfrm>
-            <a:off x="195209" y="193328"/>
-            <a:ext cx="7886700" cy="761635"/>
-          </a:xfrm>
-        </p:spPr>
-        <p:txBody>
-          <a:bodyPr vert="horz" lIns="0" tIns="45720" rIns="0" bIns="0" rtlCol="0" anchor="b">
-            <a:normAutofit/>
-          </a:bodyPr>
-          <a:lstStyle/>
-          <a:p>
-            <a:pPr eaLnBrk="1" hangingPunct="1"/>
-            <a:r>
-              <a:rPr lang="en-US" altLang="en-US" dirty="0">
-                <a:latin typeface="Tahoma" panose="020B0604030504040204" pitchFamily="34" charset="0"/>
-                <a:ea typeface="ＭＳ Ｐゴシック" panose="020B0600070205080204" pitchFamily="34" charset="-128"/>
-              </a:rPr>
-              <a:t>IP Address(IPv4)</a:t>
-            </a:r>
-          </a:p>
-        </p:txBody>
-      </p:sp>
-      <p:sp>
-        <p:nvSpPr>
-          <p:cNvPr id="29698" name="Rectangle 3">
-            <a:extLst>
-              <a:ext uri="{FF2B5EF4-FFF2-40B4-BE49-F238E27FC236}">
-                <a16:creationId xmlns:a16="http://schemas.microsoft.com/office/drawing/2014/main" id="{E66559DC-645B-874B-9A56-EC803A4B4B92}"/>
-              </a:ext>
-            </a:extLst>
-          </p:cNvPr>
-          <p:cNvSpPr>
-            <a:spLocks noGrp="1" noChangeArrowheads="1"/>
-          </p:cNvSpPr>
-          <p:nvPr>
-            <p:ph type="body" idx="4294967295"/>
-          </p:nvPr>
-        </p:nvSpPr>
-        <p:spPr>
-          <a:xfrm>
-            <a:off x="195209" y="1130157"/>
-            <a:ext cx="8743308" cy="4304871"/>
-          </a:xfrm>
-        </p:spPr>
-        <p:txBody>
-          <a:bodyPr/>
-          <a:lstStyle/>
-          <a:p>
-            <a:pPr marL="0" indent="0" eaLnBrk="1" hangingPunct="1">
-              <a:buNone/>
-            </a:pPr>
-            <a:r>
-              <a:rPr lang="en-US" altLang="en-US" sz="1667" dirty="0">
-                <a:latin typeface="Tahoma" panose="020B0604030504040204" pitchFamily="34" charset="0"/>
-                <a:ea typeface="ＭＳ Ｐゴシック" panose="020B0600070205080204" pitchFamily="34" charset="-128"/>
-              </a:rPr>
-              <a:t>The </a:t>
-            </a:r>
-            <a:r>
-              <a:rPr lang="en-US" altLang="en-US" sz="1667" b="1" dirty="0">
-                <a:latin typeface="Tahoma" panose="020B0604030504040204" pitchFamily="34" charset="0"/>
-                <a:ea typeface="ＭＳ Ｐゴシック" panose="020B0600070205080204" pitchFamily="34" charset="-128"/>
-              </a:rPr>
-              <a:t>IP address</a:t>
-            </a:r>
-            <a:r>
-              <a:rPr lang="en-US" altLang="en-US" sz="1667" dirty="0">
-                <a:latin typeface="Tahoma" panose="020B0604030504040204" pitchFamily="34" charset="0"/>
-                <a:ea typeface="ＭＳ Ｐゴシック" panose="020B0600070205080204" pitchFamily="34" charset="-128"/>
-              </a:rPr>
-              <a:t> is a unique 32-bit that identifies on which network the computer is located as well as differentiates the computer from all other devices on the same network. </a:t>
-            </a:r>
-          </a:p>
-          <a:p>
-            <a:pPr eaLnBrk="1" hangingPunct="1"/>
-            <a:endParaRPr lang="en-US" altLang="en-US" sz="1667" dirty="0">
-              <a:latin typeface="Tahoma" panose="020B0604030504040204" pitchFamily="34" charset="0"/>
-              <a:ea typeface="ＭＳ Ｐゴシック" panose="020B0600070205080204" pitchFamily="34" charset="-128"/>
-            </a:endParaRPr>
-          </a:p>
-          <a:p>
-            <a:pPr marL="0" indent="0" eaLnBrk="1" hangingPunct="1">
-              <a:buNone/>
-            </a:pPr>
-            <a:r>
-              <a:rPr lang="en-US" altLang="en-US" sz="1667" dirty="0">
-                <a:latin typeface="Tahoma" panose="020B0604030504040204" pitchFamily="34" charset="0"/>
-                <a:ea typeface="ＭＳ Ｐゴシック" panose="020B0600070205080204" pitchFamily="34" charset="-128"/>
-              </a:rPr>
-              <a:t>The address is divided into four 8-bit parts. The format is A.B.C.D, where A,B,C,D are decimal equivalent of the 8-bit binary value. Each value is in the range 0-255. </a:t>
-            </a:r>
-          </a:p>
-          <a:p>
-            <a:pPr eaLnBrk="1" hangingPunct="1"/>
-            <a:endParaRPr lang="en-US" altLang="en-US" sz="1667" dirty="0">
-              <a:latin typeface="Tahoma" panose="020B0604030504040204" pitchFamily="34" charset="0"/>
-              <a:ea typeface="ＭＳ Ｐゴシック" panose="020B0600070205080204" pitchFamily="34" charset="-128"/>
-            </a:endParaRPr>
-          </a:p>
-          <a:p>
-            <a:pPr marL="0" indent="0" eaLnBrk="1" hangingPunct="1">
-              <a:buNone/>
-            </a:pPr>
-            <a:r>
-              <a:rPr lang="en-US" altLang="en-US" sz="1667" dirty="0">
-                <a:latin typeface="Tahoma" panose="020B0604030504040204" pitchFamily="34" charset="0"/>
-                <a:ea typeface="ＭＳ Ｐゴシック" panose="020B0600070205080204" pitchFamily="34" charset="-128"/>
-              </a:rPr>
-              <a:t>IP address has three parts: network number(identifies the network), subnet and host ID number(identifies the particular computer or host). For example:</a:t>
-            </a:r>
-          </a:p>
-          <a:p>
-            <a:pPr eaLnBrk="1" hangingPunct="1"/>
-            <a:endParaRPr lang="en-US" altLang="en-US" sz="1333" dirty="0">
-              <a:latin typeface="Tahoma" panose="020B0604030504040204" pitchFamily="34" charset="0"/>
-              <a:ea typeface="ＭＳ Ｐゴシック" panose="020B0600070205080204" pitchFamily="34" charset="-128"/>
-            </a:endParaRPr>
-          </a:p>
-          <a:p>
-            <a:pPr eaLnBrk="1" hangingPunct="1"/>
-            <a:endParaRPr lang="en-US" altLang="en-US" sz="1333" dirty="0">
-              <a:latin typeface="Tahoma" panose="020B0604030504040204" pitchFamily="34" charset="0"/>
-              <a:ea typeface="ＭＳ Ｐゴシック" panose="020B0600070205080204" pitchFamily="34" charset="-128"/>
-            </a:endParaRPr>
-          </a:p>
-          <a:p>
-            <a:pPr lvl="3" eaLnBrk="1" hangingPunct="1"/>
-            <a:endParaRPr lang="en-US" altLang="en-US" sz="667" dirty="0">
-              <a:latin typeface="Tahoma" panose="020B0604030504040204" pitchFamily="34" charset="0"/>
-            </a:endParaRPr>
-          </a:p>
-        </p:txBody>
-      </p:sp>
-      <p:pic>
-        <p:nvPicPr>
-          <p:cNvPr id="29699" name="Picture 1">
-            <a:extLst>
-              <a:ext uri="{FF2B5EF4-FFF2-40B4-BE49-F238E27FC236}">
-                <a16:creationId xmlns:a16="http://schemas.microsoft.com/office/drawing/2014/main" id="{090A5754-8CAB-3747-8068-84BA02EDFD26}"/>
-              </a:ext>
-            </a:extLst>
-          </p:cNvPr>
-          <p:cNvPicPr>
-            <a:picLocks noChangeAspect="1"/>
-          </p:cNvPicPr>
-          <p:nvPr/>
-        </p:nvPicPr>
-        <p:blipFill>
-          <a:blip r:embed="rId3">
-            <a:extLst>
-              <a:ext uri="{28A0092B-C50C-407E-A947-70E740481C1C}">
-                <a14:useLocalDpi xmlns:a14="http://schemas.microsoft.com/office/drawing/2010/main" val="0"/>
-              </a:ext>
-            </a:extLst>
-          </a:blip>
-          <a:srcRect/>
-          <a:stretch>
-            <a:fillRect/>
-          </a:stretch>
-        </p:blipFill>
-        <p:spPr bwMode="auto">
-          <a:xfrm>
-            <a:off x="2703819" y="3728850"/>
-            <a:ext cx="3059906" cy="723635"/>
-          </a:xfrm>
-          <a:prstGeom prst="rect">
-            <a:avLst/>
-          </a:prstGeom>
-          <a:noFill/>
-          <a:ln>
-            <a:noFill/>
-          </a:ln>
-          <a:extLst>
-            <a:ext uri="{909E8E84-426E-40DD-AFC4-6F175D3DCCD1}">
-              <a14:hiddenFill xmlns:a14="http://schemas.microsoft.com/office/drawing/2010/main">
-                <a:solidFill>
-                  <a:srgbClr val="FFFFFF"/>
-                </a:solidFill>
-              </a14:hiddenFill>
-            </a:ext>
-            <a:ext uri="{91240B29-F687-4F45-9708-019B960494DF}">
-              <a14:hiddenLine xmlns:a14="http://schemas.microsoft.com/office/drawing/2010/main" w="9525">
-                <a:solidFill>
-                  <a:srgbClr val="000000"/>
-                </a:solidFill>
-                <a:miter lim="800000"/>
-                <a:headEnd/>
-                <a:tailEnd/>
-              </a14:hiddenLine>
-            </a:ext>
-          </a:extLst>
-        </p:spPr>
-      </p:pic>
-    </p:spTree>
-    <p:extLst>
-      <p:ext uri="{BB962C8B-B14F-4D97-AF65-F5344CB8AC3E}">
-        <p14:creationId xmlns:p14="http://schemas.microsoft.com/office/powerpoint/2010/main" val="1070622160"/>
-      </p:ext>
-    </p:extLst>
-  </p:cSld>
-  <p:clrMapOvr>
-    <a:masterClrMapping/>
-  </p:clrMapOvr>
-  <p:transition/>
-  <p:timing>
-    <p:tnLst>
-      <p:par>
-        <p:cTn id="1" dur="indefinite" restart="never" nodeType="tmRoot">
-          <p:childTnLst>
-            <p:seq concurrent="1" nextAc="seek">
-              <p:cTn id="2" dur="indefinite" nodeType="mainSeq">
-                <p:childTnLst>
-                  <p:par>
-                    <p:cTn id="3" fill="hold" nodeType="clickPar">
-                      <p:stCondLst>
-                        <p:cond delay="indefinite"/>
-                      </p:stCondLst>
-                      <p:childTnLst>
-                        <p:par>
-                          <p:cTn id="4" fill="hold" nodeType="withGroup">
-                            <p:stCondLst>
-                              <p:cond delay="0"/>
-                            </p:stCondLst>
-                            <p:childTnLst>
-                              <p:par>
-                                <p:cTn id="5" presetID="1" presetClass="entr" presetSubtype="0" fill="hold" nodeType="clickEffect">
-                                  <p:stCondLst>
-                                    <p:cond delay="0"/>
-                                  </p:stCondLst>
-                                  <p:childTnLst>
-                                    <p:set>
-                                      <p:cBhvr>
-                                        <p:cTn id="6" dur="1" fill="hold">
-                                          <p:stCondLst>
-                                            <p:cond delay="0"/>
-                                          </p:stCondLst>
-                                        </p:cTn>
-                                        <p:tgtEl>
-                                          <p:spTgt spid="29698">
-                                            <p:txEl>
-                                              <p:pRg st="2" end="2"/>
-                                            </p:txEl>
-                                          </p:spTgt>
-                                        </p:tgtEl>
-                                        <p:attrNameLst>
-                                          <p:attrName>style.visibility</p:attrName>
-                                        </p:attrNameLst>
-                                      </p:cBhvr>
-                                      <p:to>
-                                        <p:strVal val="visible"/>
-                                      </p:to>
-                                    </p:set>
-                                  </p:childTnLst>
-                                </p:cTn>
-                              </p:par>
-                            </p:childTnLst>
-                          </p:cTn>
-                        </p:par>
-                      </p:childTnLst>
-                    </p:cTn>
-                  </p:par>
-                  <p:par>
-                    <p:cTn id="7" fill="hold" nodeType="clickPar">
-                      <p:stCondLst>
-                        <p:cond delay="indefinite"/>
-                      </p:stCondLst>
-                      <p:childTnLst>
-                        <p:par>
-                          <p:cTn id="8" fill="hold" nodeType="withGroup">
-                            <p:stCondLst>
-                              <p:cond delay="0"/>
-                            </p:stCondLst>
-                            <p:childTnLst>
-                              <p:par>
-                                <p:cTn id="9" presetID="1" presetClass="entr" presetSubtype="0" fill="hold" nodeType="clickEffect">
-                                  <p:stCondLst>
-                                    <p:cond delay="0"/>
-                                  </p:stCondLst>
-                                  <p:childTnLst>
-                                    <p:set>
-                                      <p:cBhvr>
-                                        <p:cTn id="10" dur="1" fill="hold">
-                                          <p:stCondLst>
-                                            <p:cond delay="0"/>
-                                          </p:stCondLst>
-                                        </p:cTn>
-                                        <p:tgtEl>
-                                          <p:spTgt spid="29698">
-                                            <p:txEl>
-                                              <p:pRg st="4" end="4"/>
-                                            </p:txEl>
-                                          </p:spTgt>
-                                        </p:tgtEl>
-                                        <p:attrNameLst>
-                                          <p:attrName>style.visibility</p:attrName>
-                                        </p:attrNameLst>
-                                      </p:cBhvr>
-                                      <p:to>
-                                        <p:strVal val="visible"/>
-                                      </p:to>
-                                    </p:set>
-                                  </p:childTnLst>
-                                </p:cTn>
-                              </p:par>
-                            </p:childTnLst>
-                          </p:cTn>
-                        </p:par>
-                      </p:childTnLst>
-                    </p:cTn>
-                  </p:par>
-                  <p:par>
-                    <p:cTn id="11" fill="hold" nodeType="clickPar">
-                      <p:stCondLst>
-                        <p:cond delay="indefinite"/>
-                      </p:stCondLst>
-                      <p:childTnLst>
-                        <p:par>
-                          <p:cTn id="12" fill="hold" nodeType="withGroup">
-                            <p:stCondLst>
-                              <p:cond delay="0"/>
-                            </p:stCondLst>
-                            <p:childTnLst>
-                              <p:par>
-                                <p:cTn id="13" presetID="1" presetClass="entr" presetSubtype="0" fill="hold" nodeType="clickEffect">
-                                  <p:stCondLst>
-                                    <p:cond delay="0"/>
-                                  </p:stCondLst>
-                                  <p:childTnLst>
-                                    <p:set>
-                                      <p:cBhvr>
-                                        <p:cTn id="14" dur="1" fill="hold">
-                                          <p:stCondLst>
-                                            <p:cond delay="0"/>
-                                          </p:stCondLst>
-                                        </p:cTn>
-                                        <p:tgtEl>
-                                          <p:spTgt spid="29699"/>
-                                        </p:tgtEl>
-                                        <p:attrNameLst>
-                                          <p:attrName>style.visibility</p:attrName>
-                                        </p:attrNameLst>
-                                      </p:cBhvr>
-                                      <p:to>
-                                        <p:strVal val="visible"/>
-                                      </p:to>
-                                    </p:set>
-                                  </p:childTnLst>
-                                </p:cTn>
-                              </p:par>
-                            </p:childTnLst>
-                          </p:cTn>
-                        </p:par>
-                      </p:childTnLst>
-                    </p:cTn>
-                  </p:par>
-                </p:childTnLst>
-              </p:cTn>
-              <p:prevCondLst>
-                <p:cond evt="onPrev" delay="0">
-                  <p:tgtEl>
-                    <p:sldTgt/>
-                  </p:tgtEl>
-                </p:cond>
-              </p:prevCondLst>
-              <p:nextCondLst>
-                <p:cond evt="onNext" delay="0">
-                  <p:tgtEl>
-                    <p:sldTgt/>
-                  </p:tgtEl>
-                </p:cond>
-              </p:nextCondLst>
-            </p:seq>
-          </p:childTnLst>
-        </p:cTn>
-      </p:par>
-    </p:tnLst>
-  </p:timing>
-</p:sld>
-</file>
-
-<file path=ppt/slides/slide11.xml><?xml version="1.0" encoding="utf-8"?>
 <p:sld xmlns:a="http://schemas.openxmlformats.org/drawingml/2006/main" xmlns:r="http://schemas.openxmlformats.org/officeDocument/2006/relationships" xmlns:p="http://schemas.openxmlformats.org/presentationml/2006/main">
   <p:cSld>
     <p:spTree>
@@ -15292,6 +15418,35 @@
             <a:endParaRPr lang="en-US" altLang="en-US" sz="667" dirty="0">
               <a:latin typeface="Tahoma" panose="020B0604030504040204" pitchFamily="34" charset="0"/>
             </a:endParaRPr>
+          </a:p>
+        </p:txBody>
+      </p:sp>
+      <p:sp>
+        <p:nvSpPr>
+          <p:cNvPr id="2" name="Slide Number Placeholder 1">
+            <a:extLst>
+              <a:ext uri="{FF2B5EF4-FFF2-40B4-BE49-F238E27FC236}">
+                <a16:creationId xmlns:a16="http://schemas.microsoft.com/office/drawing/2014/main" id="{A3C069B8-ECAC-3A4D-87DF-270F19F2C240}"/>
+              </a:ext>
+            </a:extLst>
+          </p:cNvPr>
+          <p:cNvSpPr>
+            <a:spLocks noGrp="1"/>
+          </p:cNvSpPr>
+          <p:nvPr>
+            <p:ph type="sldNum" sz="quarter" idx="12"/>
+          </p:nvPr>
+        </p:nvSpPr>
+        <p:spPr/>
+        <p:txBody>
+          <a:bodyPr/>
+          <a:lstStyle/>
+          <a:p>
+            <a:fld id="{D57F1E4F-1CFF-5643-939E-02111984F565}" type="slidenum">
+              <a:rPr lang="en-US" smtClean="0"/>
+              <a:t>10</a:t>
+            </a:fld>
+            <a:endParaRPr lang="en-US" dirty="0"/>
           </a:p>
         </p:txBody>
       </p:sp>
@@ -15579,7 +15734,7 @@
 </p:sld>
 </file>
 
-<file path=ppt/slides/slide12.xml><?xml version="1.0" encoding="utf-8"?>
+<file path=ppt/slides/slide11.xml><?xml version="1.0" encoding="utf-8"?>
 <p:sld xmlns:a="http://schemas.openxmlformats.org/drawingml/2006/main" xmlns:r="http://schemas.openxmlformats.org/officeDocument/2006/relationships" xmlns:p="http://schemas.openxmlformats.org/presentationml/2006/main">
   <p:cSld>
     <p:spTree>
@@ -15752,6 +15907,35 @@
               </a:rPr>
               <a:t>(ISP) assigns one public IP address to the entire network. Any outside traffic to and from computers inside the network is routed to this public IP address. </a:t>
             </a:r>
+          </a:p>
+        </p:txBody>
+      </p:sp>
+      <p:sp>
+        <p:nvSpPr>
+          <p:cNvPr id="2" name="Slide Number Placeholder 1">
+            <a:extLst>
+              <a:ext uri="{FF2B5EF4-FFF2-40B4-BE49-F238E27FC236}">
+                <a16:creationId xmlns:a16="http://schemas.microsoft.com/office/drawing/2014/main" id="{8DA154F2-93C3-7843-81A6-8703D82CDFFF}"/>
+              </a:ext>
+            </a:extLst>
+          </p:cNvPr>
+          <p:cNvSpPr>
+            <a:spLocks noGrp="1"/>
+          </p:cNvSpPr>
+          <p:nvPr>
+            <p:ph type="sldNum" sz="quarter" idx="12"/>
+          </p:nvPr>
+        </p:nvSpPr>
+        <p:spPr/>
+        <p:txBody>
+          <a:bodyPr/>
+          <a:lstStyle/>
+          <a:p>
+            <a:fld id="{D57F1E4F-1CFF-5643-939E-02111984F565}" type="slidenum">
+              <a:rPr lang="en-US" smtClean="0"/>
+              <a:t>11</a:t>
+            </a:fld>
+            <a:endParaRPr lang="en-US" dirty="0"/>
           </a:p>
         </p:txBody>
       </p:sp>
@@ -15946,7 +16130,7 @@
 </p:sld>
 </file>
 
-<file path=ppt/slides/slide13.xml><?xml version="1.0" encoding="utf-8"?>
+<file path=ppt/slides/slide12.xml><?xml version="1.0" encoding="utf-8"?>
 <p:sld xmlns:a="http://schemas.openxmlformats.org/drawingml/2006/main" xmlns:r="http://schemas.openxmlformats.org/officeDocument/2006/relationships" xmlns:p="http://schemas.openxmlformats.org/presentationml/2006/main">
   <p:cSld>
     <p:spTree>
@@ -16105,6 +16289,35 @@
             <a:endParaRPr lang="en-US" altLang="en-US" sz="2000" dirty="0">
               <a:latin typeface="Gill Sans MT" panose="020B0502020104020203" pitchFamily="34" charset="77"/>
             </a:endParaRPr>
+          </a:p>
+        </p:txBody>
+      </p:sp>
+      <p:sp>
+        <p:nvSpPr>
+          <p:cNvPr id="2" name="Slide Number Placeholder 1">
+            <a:extLst>
+              <a:ext uri="{FF2B5EF4-FFF2-40B4-BE49-F238E27FC236}">
+                <a16:creationId xmlns:a16="http://schemas.microsoft.com/office/drawing/2014/main" id="{4526DE53-1E14-F84D-B02B-5D0C31AFC98B}"/>
+              </a:ext>
+            </a:extLst>
+          </p:cNvPr>
+          <p:cNvSpPr>
+            <a:spLocks noGrp="1"/>
+          </p:cNvSpPr>
+          <p:nvPr>
+            <p:ph type="sldNum" sz="quarter" idx="12"/>
+          </p:nvPr>
+        </p:nvSpPr>
+        <p:spPr/>
+        <p:txBody>
+          <a:bodyPr/>
+          <a:lstStyle/>
+          <a:p>
+            <a:fld id="{D57F1E4F-1CFF-5643-939E-02111984F565}" type="slidenum">
+              <a:rPr lang="en-US" smtClean="0"/>
+              <a:t>12</a:t>
+            </a:fld>
+            <a:endParaRPr lang="en-US" dirty="0"/>
           </a:p>
         </p:txBody>
       </p:sp>
@@ -16201,7 +16414,7 @@
 </p:sld>
 </file>
 
-<file path=ppt/slides/slide14.xml><?xml version="1.0" encoding="utf-8"?>
+<file path=ppt/slides/slide13.xml><?xml version="1.0" encoding="utf-8"?>
 <p:sld xmlns:a="http://schemas.openxmlformats.org/drawingml/2006/main" xmlns:r="http://schemas.openxmlformats.org/officeDocument/2006/relationships" xmlns:p="http://schemas.openxmlformats.org/presentationml/2006/main">
   <p:cSld>
     <p:spTree>
@@ -16407,6 +16620,35 @@
           </a:extLst>
         </p:spPr>
       </p:pic>
+      <p:sp>
+        <p:nvSpPr>
+          <p:cNvPr id="2" name="Slide Number Placeholder 1">
+            <a:extLst>
+              <a:ext uri="{FF2B5EF4-FFF2-40B4-BE49-F238E27FC236}">
+                <a16:creationId xmlns:a16="http://schemas.microsoft.com/office/drawing/2014/main" id="{BF2AAAB0-FA75-0E42-96DA-26069DDE4411}"/>
+              </a:ext>
+            </a:extLst>
+          </p:cNvPr>
+          <p:cNvSpPr>
+            <a:spLocks noGrp="1"/>
+          </p:cNvSpPr>
+          <p:nvPr>
+            <p:ph type="sldNum" sz="quarter" idx="12"/>
+          </p:nvPr>
+        </p:nvSpPr>
+        <p:spPr/>
+        <p:txBody>
+          <a:bodyPr/>
+          <a:lstStyle/>
+          <a:p>
+            <a:fld id="{D57F1E4F-1CFF-5643-939E-02111984F565}" type="slidenum">
+              <a:rPr lang="en-US" smtClean="0"/>
+              <a:t>13</a:t>
+            </a:fld>
+            <a:endParaRPr lang="en-US" dirty="0"/>
+          </a:p>
+        </p:txBody>
+      </p:sp>
     </p:spTree>
     <p:extLst>
       <p:ext uri="{BB962C8B-B14F-4D97-AF65-F5344CB8AC3E}">
@@ -16421,7 +16663,7 @@
 </p:sld>
 </file>
 
-<file path=ppt/slides/slide15.xml><?xml version="1.0" encoding="utf-8"?>
+<file path=ppt/slides/slide14.xml><?xml version="1.0" encoding="utf-8"?>
 <p:sld xmlns:a="http://schemas.openxmlformats.org/drawingml/2006/main" xmlns:r="http://schemas.openxmlformats.org/officeDocument/2006/relationships" xmlns:p="http://schemas.openxmlformats.org/presentationml/2006/main">
   <p:cSld>
     <p:spTree>
@@ -16456,8 +16698,8 @@
         </p:nvSpPr>
         <p:spPr>
           <a:xfrm>
-            <a:off x="154112" y="243221"/>
-            <a:ext cx="7886700" cy="648619"/>
+            <a:off x="154112" y="128148"/>
+            <a:ext cx="7886700" cy="509128"/>
           </a:xfrm>
         </p:spPr>
         <p:txBody>
@@ -16495,8 +16737,8 @@
         </p:nvSpPr>
         <p:spPr>
           <a:xfrm>
-            <a:off x="154112" y="1047964"/>
-            <a:ext cx="8835776" cy="4284324"/>
+            <a:off x="154112" y="637276"/>
+            <a:ext cx="8989888" cy="5077724"/>
           </a:xfrm>
         </p:spPr>
         <p:txBody>
@@ -16506,6 +16748,15 @@
             <a:pPr marL="0" indent="0" eaLnBrk="1" hangingPunct="1">
               <a:buNone/>
             </a:pPr>
+            <a:endParaRPr lang="en-US" altLang="en-US" sz="1667" dirty="0">
+              <a:latin typeface="Tahoma" panose="020B0604030504040204" pitchFamily="34" charset="0"/>
+              <a:ea typeface="ＭＳ Ｐゴシック" panose="020B0600070205080204" pitchFamily="34" charset="-128"/>
+            </a:endParaRPr>
+          </a:p>
+          <a:p>
+            <a:pPr marL="0" indent="0" eaLnBrk="1" hangingPunct="1">
+              <a:buNone/>
+            </a:pPr>
             <a:r>
               <a:rPr lang="en-US" altLang="en-US" sz="1667" dirty="0">
                 <a:latin typeface="Tahoma" panose="020B0604030504040204" pitchFamily="34" charset="0"/>
@@ -16545,14 +16796,9 @@
               </a:rPr>
               <a:t>A data unit sent by a switch is a frame. </a:t>
             </a:r>
-            <a:endParaRPr lang="en-US" altLang="en-US" sz="1667" dirty="0">
-              <a:latin typeface="Tahoma" panose="020B0604030504040204" pitchFamily="34" charset="0"/>
-            </a:endParaRPr>
-          </a:p>
-          <a:p>
-            <a:pPr marL="0" indent="0" eaLnBrk="1" hangingPunct="1">
-              <a:buNone/>
-            </a:pPr>
+          </a:p>
+          <a:p>
+            <a:pPr lvl="1" eaLnBrk="1" hangingPunct="1"/>
             <a:endParaRPr lang="en-US" altLang="en-US" sz="1667" dirty="0">
               <a:latin typeface="Tahoma" panose="020B0604030504040204" pitchFamily="34" charset="0"/>
               <a:ea typeface="ＭＳ Ｐゴシック" panose="020B0600070205080204" pitchFamily="34" charset="-128"/>
@@ -16677,7 +16923,7 @@
         </p:blipFill>
         <p:spPr bwMode="auto">
           <a:xfrm>
-            <a:off x="738188" y="3877470"/>
+            <a:off x="762000" y="3665114"/>
             <a:ext cx="7620000" cy="1584854"/>
           </a:xfrm>
           <a:prstGeom prst="rect">
@@ -16708,6 +16954,35 @@
           </a:extLst>
         </p:spPr>
       </p:pic>
+      <p:sp>
+        <p:nvSpPr>
+          <p:cNvPr id="2" name="Slide Number Placeholder 1">
+            <a:extLst>
+              <a:ext uri="{FF2B5EF4-FFF2-40B4-BE49-F238E27FC236}">
+                <a16:creationId xmlns:a16="http://schemas.microsoft.com/office/drawing/2014/main" id="{2DFB5F73-7978-E649-8250-72B092D5F916}"/>
+              </a:ext>
+            </a:extLst>
+          </p:cNvPr>
+          <p:cNvSpPr>
+            <a:spLocks noGrp="1"/>
+          </p:cNvSpPr>
+          <p:nvPr>
+            <p:ph type="sldNum" sz="quarter" idx="12"/>
+          </p:nvPr>
+        </p:nvSpPr>
+        <p:spPr/>
+        <p:txBody>
+          <a:bodyPr/>
+          <a:lstStyle/>
+          <a:p>
+            <a:fld id="{D57F1E4F-1CFF-5643-939E-02111984F565}" type="slidenum">
+              <a:rPr lang="en-US" smtClean="0"/>
+              <a:t>14</a:t>
+            </a:fld>
+            <a:endParaRPr lang="en-US" dirty="0"/>
+          </a:p>
+        </p:txBody>
+      </p:sp>
     </p:spTree>
     <p:extLst>
       <p:ext uri="{BB962C8B-B14F-4D97-AF65-F5344CB8AC3E}">
@@ -16755,7 +17030,7 @@
                                         <p:tgtEl>
                                           <p:spTgt spid="39938">
                                             <p:txEl>
-                                              <p:pRg st="4" end="4"/>
+                                              <p:pRg st="5" end="5"/>
                                             </p:txEl>
                                           </p:spTgt>
                                         </p:tgtEl>
@@ -16786,7 +17061,7 @@
                                         <p:tgtEl>
                                           <p:spTgt spid="39938">
                                             <p:txEl>
-                                              <p:pRg st="5" end="5"/>
+                                              <p:pRg st="6" end="6"/>
                                             </p:txEl>
                                           </p:spTgt>
                                         </p:tgtEl>
@@ -16817,7 +17092,7 @@
                                         <p:tgtEl>
                                           <p:spTgt spid="39938">
                                             <p:txEl>
-                                              <p:pRg st="6" end="6"/>
+                                              <p:pRg st="7" end="7"/>
                                             </p:txEl>
                                           </p:spTgt>
                                         </p:tgtEl>
@@ -16863,7 +17138,7 @@
 </p:sld>
 </file>
 
-<file path=ppt/slides/slide16.xml><?xml version="1.0" encoding="utf-8"?>
+<file path=ppt/slides/slide15.xml><?xml version="1.0" encoding="utf-8"?>
 <p:sld xmlns:a="http://schemas.openxmlformats.org/drawingml/2006/main" xmlns:r="http://schemas.openxmlformats.org/officeDocument/2006/relationships" xmlns:p="http://schemas.openxmlformats.org/presentationml/2006/main">
   <p:cSld>
     <p:spTree>
@@ -16898,7 +17173,7 @@
         </p:nvSpPr>
         <p:spPr>
           <a:xfrm>
-            <a:off x="197135" y="421240"/>
+            <a:off x="197135" y="156545"/>
             <a:ext cx="7886700" cy="628071"/>
           </a:xfrm>
         </p:spPr>
@@ -17039,6 +17314,35 @@
             <a:endParaRPr lang="en-US" altLang="en-US" sz="1833" dirty="0">
               <a:latin typeface="Tahoma" panose="020B0604030504040204" pitchFamily="34" charset="0"/>
             </a:endParaRPr>
+          </a:p>
+        </p:txBody>
+      </p:sp>
+      <p:sp>
+        <p:nvSpPr>
+          <p:cNvPr id="2" name="Slide Number Placeholder 1">
+            <a:extLst>
+              <a:ext uri="{FF2B5EF4-FFF2-40B4-BE49-F238E27FC236}">
+                <a16:creationId xmlns:a16="http://schemas.microsoft.com/office/drawing/2014/main" id="{43AE9546-02A9-9E48-8546-966302E8BC5C}"/>
+              </a:ext>
+            </a:extLst>
+          </p:cNvPr>
+          <p:cNvSpPr>
+            <a:spLocks noGrp="1"/>
+          </p:cNvSpPr>
+          <p:nvPr>
+            <p:ph type="sldNum" sz="quarter" idx="12"/>
+          </p:nvPr>
+        </p:nvSpPr>
+        <p:spPr/>
+        <p:txBody>
+          <a:bodyPr/>
+          <a:lstStyle/>
+          <a:p>
+            <a:fld id="{D57F1E4F-1CFF-5643-939E-02111984F565}" type="slidenum">
+              <a:rPr lang="en-US" smtClean="0"/>
+              <a:t>15</a:t>
+            </a:fld>
+            <a:endParaRPr lang="en-US" dirty="0"/>
           </a:p>
         </p:txBody>
       </p:sp>
@@ -17184,6 +17488,398 @@
 </p:sld>
 </file>
 
+<file path=ppt/slides/slide16.xml><?xml version="1.0" encoding="utf-8"?>
+<p:sld xmlns:a="http://schemas.openxmlformats.org/drawingml/2006/main" xmlns:r="http://schemas.openxmlformats.org/officeDocument/2006/relationships" xmlns:p="http://schemas.openxmlformats.org/presentationml/2006/main">
+  <p:cSld>
+    <p:spTree>
+      <p:nvGrpSpPr>
+        <p:cNvPr id="1" name=""/>
+        <p:cNvGrpSpPr/>
+        <p:nvPr/>
+      </p:nvGrpSpPr>
+      <p:grpSpPr>
+        <a:xfrm>
+          <a:off x="0" y="0"/>
+          <a:ext cx="0" cy="0"/>
+          <a:chOff x="0" y="0"/>
+          <a:chExt cx="0" cy="0"/>
+        </a:xfrm>
+      </p:grpSpPr>
+      <p:sp>
+        <p:nvSpPr>
+          <p:cNvPr id="17409" name="Rectangle 2">
+            <a:extLst>
+              <a:ext uri="{FF2B5EF4-FFF2-40B4-BE49-F238E27FC236}">
+                <a16:creationId xmlns:a16="http://schemas.microsoft.com/office/drawing/2014/main" id="{F8E6935E-FDF9-4D46-93BC-CE083007DBA8}"/>
+              </a:ext>
+            </a:extLst>
+          </p:cNvPr>
+          <p:cNvSpPr>
+            <a:spLocks noGrp="1" noChangeArrowheads="1"/>
+          </p:cNvSpPr>
+          <p:nvPr>
+            <p:ph type="title"/>
+          </p:nvPr>
+        </p:nvSpPr>
+        <p:spPr>
+          <a:xfrm>
+            <a:off x="246580" y="178064"/>
+            <a:ext cx="7814781" cy="720962"/>
+          </a:xfrm>
+        </p:spPr>
+        <p:txBody>
+          <a:bodyPr/>
+          <a:lstStyle/>
+          <a:p>
+            <a:pPr eaLnBrk="1" hangingPunct="1"/>
+            <a:r>
+              <a:rPr lang="en-US" altLang="en-US" dirty="0">
+                <a:latin typeface="Tahoma" panose="020B0604030504040204" pitchFamily="34" charset="0"/>
+                <a:ea typeface="ＭＳ Ｐゴシック" panose="020B0600070205080204" pitchFamily="34" charset="-128"/>
+              </a:rPr>
+              <a:t>The World Wide Web</a:t>
+            </a:r>
+          </a:p>
+        </p:txBody>
+      </p:sp>
+      <p:sp>
+        <p:nvSpPr>
+          <p:cNvPr id="17410" name="Rectangle 3">
+            <a:extLst>
+              <a:ext uri="{FF2B5EF4-FFF2-40B4-BE49-F238E27FC236}">
+                <a16:creationId xmlns:a16="http://schemas.microsoft.com/office/drawing/2014/main" id="{C9772176-DC13-F64D-AC00-58F2A4791B97}"/>
+              </a:ext>
+            </a:extLst>
+          </p:cNvPr>
+          <p:cNvSpPr>
+            <a:spLocks noGrp="1" noChangeArrowheads="1"/>
+          </p:cNvSpPr>
+          <p:nvPr>
+            <p:ph type="body" idx="1"/>
+          </p:nvPr>
+        </p:nvSpPr>
+        <p:spPr>
+          <a:xfrm>
+            <a:off x="246580" y="899026"/>
+            <a:ext cx="8897420" cy="4539248"/>
+          </a:xfrm>
+        </p:spPr>
+        <p:txBody>
+          <a:bodyPr/>
+          <a:lstStyle/>
+          <a:p>
+            <a:pPr marL="0" indent="0">
+              <a:buNone/>
+            </a:pPr>
+            <a:endParaRPr lang="en-US" dirty="0"/>
+          </a:p>
+          <a:p>
+            <a:pPr marL="0" indent="0">
+              <a:buNone/>
+            </a:pPr>
+            <a:r>
+              <a:rPr lang="en-US" dirty="0"/>
+              <a:t>The World Wide Web is a system of linked pages, programs, and files. The World Wide Web uses the Internet. </a:t>
+            </a:r>
+          </a:p>
+          <a:p>
+            <a:pPr marL="0" indent="0">
+              <a:buNone/>
+            </a:pPr>
+            <a:endParaRPr lang="en-US" dirty="0"/>
+          </a:p>
+          <a:p>
+            <a:pPr marL="0" indent="0">
+              <a:buNone/>
+            </a:pPr>
+            <a:r>
+              <a:rPr lang="en-US" dirty="0"/>
+              <a:t>HTTP(</a:t>
+            </a:r>
+            <a:r>
+              <a:rPr lang="en-US" altLang="en-US" b="1" dirty="0">
+                <a:latin typeface="Tahoma" panose="020B0604030504040204" pitchFamily="34" charset="0"/>
+              </a:rPr>
+              <a:t>Hypertext Transfer Protocol)</a:t>
+            </a:r>
+            <a:r>
+              <a:rPr lang="en-US" dirty="0"/>
+              <a:t> is a protocol used by the World Wide </a:t>
+            </a:r>
+            <a:r>
+              <a:rPr lang="en-US" altLang="en-US" dirty="0"/>
+              <a:t>for sending/receiving webpages.</a:t>
+            </a:r>
+          </a:p>
+          <a:p>
+            <a:pPr marL="0" indent="0">
+              <a:buNone/>
+            </a:pPr>
+            <a:endParaRPr lang="en-US" dirty="0"/>
+          </a:p>
+          <a:p>
+            <a:pPr marL="0" indent="0">
+              <a:buNone/>
+            </a:pPr>
+            <a:r>
+              <a:rPr lang="en-US" dirty="0"/>
+              <a:t>Communication between connections on the Internet are governed by rules known as </a:t>
+            </a:r>
+            <a:r>
+              <a:rPr lang="en-US" b="1" dirty="0"/>
+              <a:t>protocols</a:t>
+            </a:r>
+            <a:r>
+              <a:rPr lang="en-US" dirty="0"/>
+              <a:t>. A </a:t>
+            </a:r>
+            <a:r>
+              <a:rPr lang="en-US" b="1" dirty="0"/>
+              <a:t>protocol</a:t>
+            </a:r>
+            <a:r>
+              <a:rPr lang="en-US" i="1" dirty="0"/>
+              <a:t> </a:t>
+            </a:r>
+            <a:r>
+              <a:rPr lang="en-US" dirty="0"/>
+              <a:t>is an agreed-upon set of rules that specify the behavior of a system. </a:t>
+            </a:r>
+          </a:p>
+          <a:p>
+            <a:pPr marL="0" indent="0">
+              <a:buNone/>
+            </a:pPr>
+            <a:endParaRPr lang="en-US" dirty="0"/>
+          </a:p>
+          <a:p>
+            <a:pPr marL="0" indent="0">
+              <a:buNone/>
+            </a:pPr>
+            <a:endParaRPr lang="en-US" dirty="0"/>
+          </a:p>
+        </p:txBody>
+      </p:sp>
+      <p:sp>
+        <p:nvSpPr>
+          <p:cNvPr id="2" name="Slide Number Placeholder 1">
+            <a:extLst>
+              <a:ext uri="{FF2B5EF4-FFF2-40B4-BE49-F238E27FC236}">
+                <a16:creationId xmlns:a16="http://schemas.microsoft.com/office/drawing/2014/main" id="{CE9EE246-109C-E440-A4E1-0DF6D2C5C46C}"/>
+              </a:ext>
+            </a:extLst>
+          </p:cNvPr>
+          <p:cNvSpPr>
+            <a:spLocks noGrp="1"/>
+          </p:cNvSpPr>
+          <p:nvPr>
+            <p:ph type="sldNum" sz="quarter" idx="12"/>
+          </p:nvPr>
+        </p:nvSpPr>
+        <p:spPr/>
+        <p:txBody>
+          <a:bodyPr/>
+          <a:lstStyle/>
+          <a:p>
+            <a:fld id="{D57F1E4F-1CFF-5643-939E-02111984F565}" type="slidenum">
+              <a:rPr lang="en-US" smtClean="0"/>
+              <a:t>16</a:t>
+            </a:fld>
+            <a:endParaRPr lang="en-US" dirty="0"/>
+          </a:p>
+        </p:txBody>
+      </p:sp>
+    </p:spTree>
+    <p:extLst>
+      <p:ext uri="{BB962C8B-B14F-4D97-AF65-F5344CB8AC3E}">
+        <p14:creationId xmlns:p14="http://schemas.microsoft.com/office/powerpoint/2010/main" val="1576202481"/>
+      </p:ext>
+    </p:extLst>
+  </p:cSld>
+  <p:clrMapOvr>
+    <a:masterClrMapping/>
+  </p:clrMapOvr>
+  <p:transition/>
+  <p:timing>
+    <p:tnLst>
+      <p:par>
+        <p:cTn id="1" dur="indefinite" restart="never" nodeType="tmRoot">
+          <p:childTnLst>
+            <p:seq concurrent="1" nextAc="seek">
+              <p:cTn id="2" dur="indefinite" nodeType="mainSeq">
+                <p:childTnLst>
+                  <p:par>
+                    <p:cTn id="3" fill="hold">
+                      <p:stCondLst>
+                        <p:cond delay="indefinite"/>
+                      </p:stCondLst>
+                      <p:childTnLst>
+                        <p:par>
+                          <p:cTn id="4" fill="hold">
+                            <p:stCondLst>
+                              <p:cond delay="0"/>
+                            </p:stCondLst>
+                            <p:childTnLst>
+                              <p:par>
+                                <p:cTn id="5" presetID="1" presetClass="entr" presetSubtype="0" fill="hold" nodeType="clickEffect">
+                                  <p:stCondLst>
+                                    <p:cond delay="0"/>
+                                  </p:stCondLst>
+                                  <p:childTnLst>
+                                    <p:set>
+                                      <p:cBhvr>
+                                        <p:cTn id="6" dur="1" fill="hold">
+                                          <p:stCondLst>
+                                            <p:cond delay="0"/>
+                                          </p:stCondLst>
+                                        </p:cTn>
+                                        <p:tgtEl>
+                                          <p:spTgt spid="17410">
+                                            <p:txEl>
+                                              <p:pRg st="1" end="1"/>
+                                            </p:txEl>
+                                          </p:spTgt>
+                                        </p:tgtEl>
+                                        <p:attrNameLst>
+                                          <p:attrName>style.visibility</p:attrName>
+                                        </p:attrNameLst>
+                                      </p:cBhvr>
+                                      <p:to>
+                                        <p:strVal val="visible"/>
+                                      </p:to>
+                                    </p:set>
+                                  </p:childTnLst>
+                                </p:cTn>
+                              </p:par>
+                            </p:childTnLst>
+                          </p:cTn>
+                        </p:par>
+                      </p:childTnLst>
+                    </p:cTn>
+                  </p:par>
+                  <p:par>
+                    <p:cTn id="7" fill="hold">
+                      <p:stCondLst>
+                        <p:cond delay="indefinite"/>
+                      </p:stCondLst>
+                      <p:childTnLst>
+                        <p:par>
+                          <p:cTn id="8" fill="hold">
+                            <p:stCondLst>
+                              <p:cond delay="0"/>
+                            </p:stCondLst>
+                            <p:childTnLst>
+                              <p:par>
+                                <p:cTn id="9" presetID="1" presetClass="entr" presetSubtype="0" fill="hold" nodeType="clickEffect">
+                                  <p:stCondLst>
+                                    <p:cond delay="0"/>
+                                  </p:stCondLst>
+                                  <p:childTnLst>
+                                    <p:set>
+                                      <p:cBhvr>
+                                        <p:cTn id="10" dur="1" fill="hold">
+                                          <p:stCondLst>
+                                            <p:cond delay="0"/>
+                                          </p:stCondLst>
+                                        </p:cTn>
+                                        <p:tgtEl>
+                                          <p:spTgt spid="17410">
+                                            <p:txEl>
+                                              <p:pRg st="3" end="3"/>
+                                            </p:txEl>
+                                          </p:spTgt>
+                                        </p:tgtEl>
+                                        <p:attrNameLst>
+                                          <p:attrName>style.visibility</p:attrName>
+                                        </p:attrNameLst>
+                                      </p:cBhvr>
+                                      <p:to>
+                                        <p:strVal val="visible"/>
+                                      </p:to>
+                                    </p:set>
+                                  </p:childTnLst>
+                                </p:cTn>
+                              </p:par>
+                            </p:childTnLst>
+                          </p:cTn>
+                        </p:par>
+                      </p:childTnLst>
+                    </p:cTn>
+                  </p:par>
+                  <p:par>
+                    <p:cTn id="11" fill="hold">
+                      <p:stCondLst>
+                        <p:cond delay="indefinite"/>
+                      </p:stCondLst>
+                      <p:childTnLst>
+                        <p:par>
+                          <p:cTn id="12" fill="hold">
+                            <p:stCondLst>
+                              <p:cond delay="0"/>
+                            </p:stCondLst>
+                            <p:childTnLst>
+                              <p:par>
+                                <p:cTn id="13" presetID="1" presetClass="entr" presetSubtype="0" fill="hold" nodeType="clickEffect">
+                                  <p:stCondLst>
+                                    <p:cond delay="0"/>
+                                  </p:stCondLst>
+                                  <p:childTnLst>
+                                    <p:set>
+                                      <p:cBhvr>
+                                        <p:cTn id="14" dur="1" fill="hold">
+                                          <p:stCondLst>
+                                            <p:cond delay="0"/>
+                                          </p:stCondLst>
+                                        </p:cTn>
+                                        <p:tgtEl>
+                                          <p:spTgt spid="17410">
+                                            <p:txEl>
+                                              <p:pRg st="5" end="5"/>
+                                            </p:txEl>
+                                          </p:spTgt>
+                                        </p:tgtEl>
+                                        <p:attrNameLst>
+                                          <p:attrName>style.visibility</p:attrName>
+                                        </p:attrNameLst>
+                                      </p:cBhvr>
+                                      <p:to>
+                                        <p:strVal val="visible"/>
+                                      </p:to>
+                                    </p:set>
+                                  </p:childTnLst>
+                                </p:cTn>
+                              </p:par>
+                            </p:childTnLst>
+                          </p:cTn>
+                        </p:par>
+                      </p:childTnLst>
+                    </p:cTn>
+                  </p:par>
+                </p:childTnLst>
+              </p:cTn>
+              <p:prevCondLst>
+                <p:cond evt="onPrev" delay="0">
+                  <p:tgtEl>
+                    <p:sldTgt/>
+                  </p:tgtEl>
+                </p:cond>
+              </p:prevCondLst>
+              <p:nextCondLst>
+                <p:cond evt="onNext" delay="0">
+                  <p:tgtEl>
+                    <p:sldTgt/>
+                  </p:tgtEl>
+                </p:cond>
+              </p:nextCondLst>
+            </p:seq>
+          </p:childTnLst>
+        </p:cTn>
+      </p:par>
+    </p:tnLst>
+  </p:timing>
+</p:sld>
+</file>
+
 <file path=ppt/slides/slide17.xml><?xml version="1.0" encoding="utf-8"?>
 <p:sld xmlns:a="http://schemas.openxmlformats.org/drawingml/2006/main" xmlns:r="http://schemas.openxmlformats.org/officeDocument/2006/relationships" xmlns:p="http://schemas.openxmlformats.org/presentationml/2006/main">
   <p:cSld>
@@ -17258,8 +17954,8 @@
         </p:nvSpPr>
         <p:spPr>
           <a:xfrm>
-            <a:off x="236306" y="1333500"/>
-            <a:ext cx="8630292" cy="4044157"/>
+            <a:off x="114300" y="1251284"/>
+            <a:ext cx="8752298" cy="4126373"/>
           </a:xfrm>
         </p:spPr>
         <p:txBody>
@@ -17401,6 +18097,35 @@
             <a:endParaRPr lang="en-US" altLang="en-US" sz="2000" dirty="0">
               <a:latin typeface="Tahoma" panose="020B0604030504040204" pitchFamily="34" charset="0"/>
             </a:endParaRPr>
+          </a:p>
+        </p:txBody>
+      </p:sp>
+      <p:sp>
+        <p:nvSpPr>
+          <p:cNvPr id="2" name="Slide Number Placeholder 1">
+            <a:extLst>
+              <a:ext uri="{FF2B5EF4-FFF2-40B4-BE49-F238E27FC236}">
+                <a16:creationId xmlns:a16="http://schemas.microsoft.com/office/drawing/2014/main" id="{E393A387-F719-7F42-BD63-57A9DB6AC09B}"/>
+              </a:ext>
+            </a:extLst>
+          </p:cNvPr>
+          <p:cNvSpPr>
+            <a:spLocks noGrp="1"/>
+          </p:cNvSpPr>
+          <p:nvPr>
+            <p:ph type="sldNum" sz="quarter" idx="12"/>
+          </p:nvPr>
+        </p:nvSpPr>
+        <p:spPr/>
+        <p:txBody>
+          <a:bodyPr/>
+          <a:lstStyle/>
+          <a:p>
+            <a:fld id="{D57F1E4F-1CFF-5643-939E-02111984F565}" type="slidenum">
+              <a:rPr lang="en-US" smtClean="0"/>
+              <a:t>17</a:t>
+            </a:fld>
+            <a:endParaRPr lang="en-US" dirty="0"/>
           </a:p>
         </p:txBody>
       </p:sp>
@@ -17992,6 +18717,35 @@
           </a:p>
         </p:txBody>
       </p:sp>
+      <p:sp>
+        <p:nvSpPr>
+          <p:cNvPr id="2" name="Slide Number Placeholder 1">
+            <a:extLst>
+              <a:ext uri="{FF2B5EF4-FFF2-40B4-BE49-F238E27FC236}">
+                <a16:creationId xmlns:a16="http://schemas.microsoft.com/office/drawing/2014/main" id="{0D4698CC-51A3-9743-A3B8-151312364565}"/>
+              </a:ext>
+            </a:extLst>
+          </p:cNvPr>
+          <p:cNvSpPr>
+            <a:spLocks noGrp="1"/>
+          </p:cNvSpPr>
+          <p:nvPr>
+            <p:ph type="sldNum" sz="quarter" idx="12"/>
+          </p:nvPr>
+        </p:nvSpPr>
+        <p:spPr/>
+        <p:txBody>
+          <a:bodyPr/>
+          <a:lstStyle/>
+          <a:p>
+            <a:fld id="{D57F1E4F-1CFF-5643-939E-02111984F565}" type="slidenum">
+              <a:rPr lang="en-US" smtClean="0"/>
+              <a:t>18</a:t>
+            </a:fld>
+            <a:endParaRPr lang="en-US" dirty="0"/>
+          </a:p>
+        </p:txBody>
+      </p:sp>
     </p:spTree>
     <p:extLst>
       <p:ext uri="{BB962C8B-B14F-4D97-AF65-F5344CB8AC3E}">
@@ -18444,6 +19198,35 @@
           </a:p>
         </p:txBody>
       </p:sp>
+      <p:sp>
+        <p:nvSpPr>
+          <p:cNvPr id="2" name="Slide Number Placeholder 1">
+            <a:extLst>
+              <a:ext uri="{FF2B5EF4-FFF2-40B4-BE49-F238E27FC236}">
+                <a16:creationId xmlns:a16="http://schemas.microsoft.com/office/drawing/2014/main" id="{68075379-D95F-4C4C-8570-A75B9DA7B6F1}"/>
+              </a:ext>
+            </a:extLst>
+          </p:cNvPr>
+          <p:cNvSpPr>
+            <a:spLocks noGrp="1"/>
+          </p:cNvSpPr>
+          <p:nvPr>
+            <p:ph type="sldNum" sz="quarter" idx="12"/>
+          </p:nvPr>
+        </p:nvSpPr>
+        <p:spPr/>
+        <p:txBody>
+          <a:bodyPr/>
+          <a:lstStyle/>
+          <a:p>
+            <a:fld id="{D57F1E4F-1CFF-5643-939E-02111984F565}" type="slidenum">
+              <a:rPr lang="en-US" smtClean="0"/>
+              <a:t>19</a:t>
+            </a:fld>
+            <a:endParaRPr lang="en-US" dirty="0"/>
+          </a:p>
+        </p:txBody>
+      </p:sp>
     </p:spTree>
     <p:extLst>
       <p:ext uri="{BB962C8B-B14F-4D97-AF65-F5344CB8AC3E}">
@@ -18670,8 +19453,8 @@
         </p:nvSpPr>
         <p:spPr>
           <a:xfrm>
-            <a:off x="495300" y="161396"/>
-            <a:ext cx="7886700" cy="1104636"/>
+            <a:off x="132348" y="127000"/>
+            <a:ext cx="7864642" cy="688516"/>
           </a:xfrm>
         </p:spPr>
         <p:txBody>
@@ -18707,8 +19490,8 @@
         </p:nvSpPr>
         <p:spPr>
           <a:xfrm>
-            <a:off x="318499" y="1079500"/>
-            <a:ext cx="8578921" cy="4508500"/>
+            <a:off x="132349" y="815516"/>
+            <a:ext cx="8765072" cy="4772484"/>
           </a:xfrm>
         </p:spPr>
         <p:txBody>
@@ -18735,7 +19518,15 @@
             </a:pPr>
             <a:r>
               <a:rPr lang="en-US" dirty="0"/>
-              <a:t>All of these computers work together to form the Internet.</a:t>
+              <a:t>All of these computers work together to form the Internet. The </a:t>
+            </a:r>
+            <a:r>
+              <a:rPr lang="en-US" b="1" dirty="0"/>
+              <a:t>Internet</a:t>
+            </a:r>
+            <a:r>
+              <a:rPr lang="en-US" dirty="0"/>
+              <a:t> is a computer network consisting of interconnected networks that use standardized, open (nonproprietary) communication protocols. </a:t>
             </a:r>
             <a:endParaRPr lang="en-US" altLang="en-US" sz="1667" dirty="0">
               <a:latin typeface="Tahoma" panose="020B0604030504040204" pitchFamily="34" charset="0"/>
@@ -18791,6 +19582,35 @@
               <a:latin typeface="Courier New" panose="02070309020205020404" pitchFamily="49" charset="0"/>
               <a:ea typeface="ＭＳ Ｐゴシック" panose="020B0600070205080204" pitchFamily="34" charset="-128"/>
             </a:endParaRPr>
+          </a:p>
+        </p:txBody>
+      </p:sp>
+      <p:sp>
+        <p:nvSpPr>
+          <p:cNvPr id="2" name="Slide Number Placeholder 1">
+            <a:extLst>
+              <a:ext uri="{FF2B5EF4-FFF2-40B4-BE49-F238E27FC236}">
+                <a16:creationId xmlns:a16="http://schemas.microsoft.com/office/drawing/2014/main" id="{E309BF18-42ED-B44A-A12E-76B4CB92C034}"/>
+              </a:ext>
+            </a:extLst>
+          </p:cNvPr>
+          <p:cNvSpPr>
+            <a:spLocks noGrp="1"/>
+          </p:cNvSpPr>
+          <p:nvPr>
+            <p:ph type="sldNum" sz="quarter" idx="12"/>
+          </p:nvPr>
+        </p:nvSpPr>
+        <p:spPr/>
+        <p:txBody>
+          <a:bodyPr/>
+          <a:lstStyle/>
+          <a:p>
+            <a:fld id="{D57F1E4F-1CFF-5643-939E-02111984F565}" type="slidenum">
+              <a:rPr lang="en-US" smtClean="0"/>
+              <a:t>2</a:t>
+            </a:fld>
+            <a:endParaRPr lang="en-US" dirty="0"/>
           </a:p>
         </p:txBody>
       </p:sp>
@@ -19190,6 +20010,35 @@
           </a:p>
         </p:txBody>
       </p:sp>
+      <p:sp>
+        <p:nvSpPr>
+          <p:cNvPr id="2" name="Slide Number Placeholder 1">
+            <a:extLst>
+              <a:ext uri="{FF2B5EF4-FFF2-40B4-BE49-F238E27FC236}">
+                <a16:creationId xmlns:a16="http://schemas.microsoft.com/office/drawing/2014/main" id="{831417BC-8881-C546-A28A-E3AF0CA46204}"/>
+              </a:ext>
+            </a:extLst>
+          </p:cNvPr>
+          <p:cNvSpPr>
+            <a:spLocks noGrp="1"/>
+          </p:cNvSpPr>
+          <p:nvPr>
+            <p:ph type="sldNum" sz="quarter" idx="12"/>
+          </p:nvPr>
+        </p:nvSpPr>
+        <p:spPr/>
+        <p:txBody>
+          <a:bodyPr/>
+          <a:lstStyle/>
+          <a:p>
+            <a:fld id="{D57F1E4F-1CFF-5643-939E-02111984F565}" type="slidenum">
+              <a:rPr lang="en-US" smtClean="0"/>
+              <a:t>20</a:t>
+            </a:fld>
+            <a:endParaRPr lang="en-US" dirty="0"/>
+          </a:p>
+        </p:txBody>
+      </p:sp>
     </p:spTree>
     <p:extLst>
       <p:ext uri="{BB962C8B-B14F-4D97-AF65-F5344CB8AC3E}">
@@ -19570,6 +20419,35 @@
           </a:p>
         </p:txBody>
       </p:sp>
+      <p:sp>
+        <p:nvSpPr>
+          <p:cNvPr id="2" name="Slide Number Placeholder 1">
+            <a:extLst>
+              <a:ext uri="{FF2B5EF4-FFF2-40B4-BE49-F238E27FC236}">
+                <a16:creationId xmlns:a16="http://schemas.microsoft.com/office/drawing/2014/main" id="{CA1F4191-4965-D44D-9FDC-D8BF3F813F33}"/>
+              </a:ext>
+            </a:extLst>
+          </p:cNvPr>
+          <p:cNvSpPr>
+            <a:spLocks noGrp="1"/>
+          </p:cNvSpPr>
+          <p:nvPr>
+            <p:ph type="sldNum" sz="quarter" idx="12"/>
+          </p:nvPr>
+        </p:nvSpPr>
+        <p:spPr/>
+        <p:txBody>
+          <a:bodyPr/>
+          <a:lstStyle/>
+          <a:p>
+            <a:fld id="{D57F1E4F-1CFF-5643-939E-02111984F565}" type="slidenum">
+              <a:rPr lang="en-US" smtClean="0"/>
+              <a:t>21</a:t>
+            </a:fld>
+            <a:endParaRPr lang="en-US" dirty="0"/>
+          </a:p>
+        </p:txBody>
+      </p:sp>
     </p:spTree>
     <p:extLst>
       <p:ext uri="{BB962C8B-B14F-4D97-AF65-F5344CB8AC3E}">
@@ -19739,6 +20617,35 @@
           </a:p>
         </p:txBody>
       </p:sp>
+      <p:sp>
+        <p:nvSpPr>
+          <p:cNvPr id="2" name="Slide Number Placeholder 1">
+            <a:extLst>
+              <a:ext uri="{FF2B5EF4-FFF2-40B4-BE49-F238E27FC236}">
+                <a16:creationId xmlns:a16="http://schemas.microsoft.com/office/drawing/2014/main" id="{03F0D2ED-2998-FD45-9ED2-94F946BF071B}"/>
+              </a:ext>
+            </a:extLst>
+          </p:cNvPr>
+          <p:cNvSpPr>
+            <a:spLocks noGrp="1"/>
+          </p:cNvSpPr>
+          <p:nvPr>
+            <p:ph type="sldNum" sz="quarter" idx="12"/>
+          </p:nvPr>
+        </p:nvSpPr>
+        <p:spPr/>
+        <p:txBody>
+          <a:bodyPr/>
+          <a:lstStyle/>
+          <a:p>
+            <a:fld id="{D57F1E4F-1CFF-5643-939E-02111984F565}" type="slidenum">
+              <a:rPr lang="en-US" smtClean="0"/>
+              <a:t>22</a:t>
+            </a:fld>
+            <a:endParaRPr lang="en-US" dirty="0"/>
+          </a:p>
+        </p:txBody>
+      </p:sp>
     </p:spTree>
     <p:extLst>
       <p:ext uri="{BB962C8B-B14F-4D97-AF65-F5344CB8AC3E}">
@@ -19788,7 +20695,7 @@
         </p:nvSpPr>
         <p:spPr>
           <a:xfrm>
-            <a:off x="236305" y="380144"/>
+            <a:off x="128020" y="232947"/>
             <a:ext cx="7886700" cy="669168"/>
           </a:xfrm>
         </p:spPr>
@@ -20041,6 +20948,35 @@
             <a:endParaRPr lang="en-US" altLang="en-US" sz="667" dirty="0">
               <a:latin typeface="Tahoma" panose="020B0604030504040204" pitchFamily="34" charset="0"/>
             </a:endParaRPr>
+          </a:p>
+        </p:txBody>
+      </p:sp>
+      <p:sp>
+        <p:nvSpPr>
+          <p:cNvPr id="2" name="Slide Number Placeholder 1">
+            <a:extLst>
+              <a:ext uri="{FF2B5EF4-FFF2-40B4-BE49-F238E27FC236}">
+                <a16:creationId xmlns:a16="http://schemas.microsoft.com/office/drawing/2014/main" id="{71CC88F1-D93E-6B43-9B36-0FBAE8A23390}"/>
+              </a:ext>
+            </a:extLst>
+          </p:cNvPr>
+          <p:cNvSpPr>
+            <a:spLocks noGrp="1"/>
+          </p:cNvSpPr>
+          <p:nvPr>
+            <p:ph type="sldNum" sz="quarter" idx="12"/>
+          </p:nvPr>
+        </p:nvSpPr>
+        <p:spPr/>
+        <p:txBody>
+          <a:bodyPr/>
+          <a:lstStyle/>
+          <a:p>
+            <a:fld id="{D57F1E4F-1CFF-5643-939E-02111984F565}" type="slidenum">
+              <a:rPr lang="en-US" smtClean="0"/>
+              <a:t>23</a:t>
+            </a:fld>
+            <a:endParaRPr lang="en-US" dirty="0"/>
           </a:p>
         </p:txBody>
       </p:sp>
@@ -20568,6 +21504,35 @@
           </a:p>
         </p:txBody>
       </p:sp>
+      <p:sp>
+        <p:nvSpPr>
+          <p:cNvPr id="2" name="Slide Number Placeholder 1">
+            <a:extLst>
+              <a:ext uri="{FF2B5EF4-FFF2-40B4-BE49-F238E27FC236}">
+                <a16:creationId xmlns:a16="http://schemas.microsoft.com/office/drawing/2014/main" id="{816E1766-DFA6-6940-AA77-C1226F6F4130}"/>
+              </a:ext>
+            </a:extLst>
+          </p:cNvPr>
+          <p:cNvSpPr>
+            <a:spLocks noGrp="1"/>
+          </p:cNvSpPr>
+          <p:nvPr>
+            <p:ph type="sldNum" sz="quarter" idx="12"/>
+          </p:nvPr>
+        </p:nvSpPr>
+        <p:spPr/>
+        <p:txBody>
+          <a:bodyPr/>
+          <a:lstStyle/>
+          <a:p>
+            <a:fld id="{D57F1E4F-1CFF-5643-939E-02111984F565}" type="slidenum">
+              <a:rPr lang="en-US" smtClean="0"/>
+              <a:t>24</a:t>
+            </a:fld>
+            <a:endParaRPr lang="en-US" dirty="0"/>
+          </a:p>
+        </p:txBody>
+      </p:sp>
     </p:spTree>
     <p:extLst>
       <p:ext uri="{BB962C8B-B14F-4D97-AF65-F5344CB8AC3E}">
@@ -20768,6 +21733,35 @@
             <a:endParaRPr lang="en-US" altLang="en-US" sz="667" dirty="0">
               <a:latin typeface="Tahoma" panose="020B0604030504040204" pitchFamily="34" charset="0"/>
             </a:endParaRPr>
+          </a:p>
+        </p:txBody>
+      </p:sp>
+      <p:sp>
+        <p:nvSpPr>
+          <p:cNvPr id="2" name="Slide Number Placeholder 1">
+            <a:extLst>
+              <a:ext uri="{FF2B5EF4-FFF2-40B4-BE49-F238E27FC236}">
+                <a16:creationId xmlns:a16="http://schemas.microsoft.com/office/drawing/2014/main" id="{98DEE815-E49C-0546-8687-B6BC51BC7976}"/>
+              </a:ext>
+            </a:extLst>
+          </p:cNvPr>
+          <p:cNvSpPr>
+            <a:spLocks noGrp="1"/>
+          </p:cNvSpPr>
+          <p:nvPr>
+            <p:ph type="sldNum" sz="quarter" idx="12"/>
+          </p:nvPr>
+        </p:nvSpPr>
+        <p:spPr/>
+        <p:txBody>
+          <a:bodyPr/>
+          <a:lstStyle/>
+          <a:p>
+            <a:fld id="{D57F1E4F-1CFF-5643-939E-02111984F565}" type="slidenum">
+              <a:rPr lang="en-US" smtClean="0"/>
+              <a:t>25</a:t>
+            </a:fld>
+            <a:endParaRPr lang="en-US" dirty="0"/>
           </a:p>
         </p:txBody>
       </p:sp>
@@ -20985,6 +21979,35 @@
             <a:endParaRPr lang="en-US" altLang="en-US" sz="2000" dirty="0">
               <a:latin typeface="Gill Sans MT" panose="020B0502020104020203" pitchFamily="34" charset="77"/>
             </a:endParaRPr>
+          </a:p>
+        </p:txBody>
+      </p:sp>
+      <p:sp>
+        <p:nvSpPr>
+          <p:cNvPr id="2" name="Slide Number Placeholder 1">
+            <a:extLst>
+              <a:ext uri="{FF2B5EF4-FFF2-40B4-BE49-F238E27FC236}">
+                <a16:creationId xmlns:a16="http://schemas.microsoft.com/office/drawing/2014/main" id="{78E9B749-C799-264E-857D-E725A11FA30F}"/>
+              </a:ext>
+            </a:extLst>
+          </p:cNvPr>
+          <p:cNvSpPr>
+            <a:spLocks noGrp="1"/>
+          </p:cNvSpPr>
+          <p:nvPr>
+            <p:ph type="sldNum" sz="quarter" idx="12"/>
+          </p:nvPr>
+        </p:nvSpPr>
+        <p:spPr/>
+        <p:txBody>
+          <a:bodyPr/>
+          <a:lstStyle/>
+          <a:p>
+            <a:fld id="{D57F1E4F-1CFF-5643-939E-02111984F565}" type="slidenum">
+              <a:rPr lang="en-US" smtClean="0"/>
+              <a:t>26</a:t>
+            </a:fld>
+            <a:endParaRPr lang="en-US" dirty="0"/>
           </a:p>
         </p:txBody>
       </p:sp>
@@ -21374,6 +22397,35 @@
           </a:p>
         </p:txBody>
       </p:sp>
+      <p:sp>
+        <p:nvSpPr>
+          <p:cNvPr id="2" name="Slide Number Placeholder 1">
+            <a:extLst>
+              <a:ext uri="{FF2B5EF4-FFF2-40B4-BE49-F238E27FC236}">
+                <a16:creationId xmlns:a16="http://schemas.microsoft.com/office/drawing/2014/main" id="{56855C38-2F73-2E4A-A356-B4A07FEA6F46}"/>
+              </a:ext>
+            </a:extLst>
+          </p:cNvPr>
+          <p:cNvSpPr>
+            <a:spLocks noGrp="1"/>
+          </p:cNvSpPr>
+          <p:nvPr>
+            <p:ph type="sldNum" sz="quarter" idx="12"/>
+          </p:nvPr>
+        </p:nvSpPr>
+        <p:spPr/>
+        <p:txBody>
+          <a:bodyPr/>
+          <a:lstStyle/>
+          <a:p>
+            <a:fld id="{D57F1E4F-1CFF-5643-939E-02111984F565}" type="slidenum">
+              <a:rPr lang="en-US" smtClean="0"/>
+              <a:t>27</a:t>
+            </a:fld>
+            <a:endParaRPr lang="en-US" dirty="0"/>
+          </a:p>
+        </p:txBody>
+      </p:sp>
     </p:spTree>
     <p:extLst>
       <p:ext uri="{BB962C8B-B14F-4D97-AF65-F5344CB8AC3E}">
@@ -21718,6 +22770,35 @@
           </a:extLst>
         </p:spPr>
       </p:pic>
+      <p:sp>
+        <p:nvSpPr>
+          <p:cNvPr id="2" name="Slide Number Placeholder 1">
+            <a:extLst>
+              <a:ext uri="{FF2B5EF4-FFF2-40B4-BE49-F238E27FC236}">
+                <a16:creationId xmlns:a16="http://schemas.microsoft.com/office/drawing/2014/main" id="{50AC805D-E9EA-5242-83D1-9D9470F9346C}"/>
+              </a:ext>
+            </a:extLst>
+          </p:cNvPr>
+          <p:cNvSpPr>
+            <a:spLocks noGrp="1"/>
+          </p:cNvSpPr>
+          <p:nvPr>
+            <p:ph type="sldNum" sz="quarter" idx="12"/>
+          </p:nvPr>
+        </p:nvSpPr>
+        <p:spPr/>
+        <p:txBody>
+          <a:bodyPr/>
+          <a:lstStyle/>
+          <a:p>
+            <a:fld id="{D57F1E4F-1CFF-5643-939E-02111984F565}" type="slidenum">
+              <a:rPr lang="en-US" smtClean="0"/>
+              <a:t>28</a:t>
+            </a:fld>
+            <a:endParaRPr lang="en-US" dirty="0"/>
+          </a:p>
+        </p:txBody>
+      </p:sp>
     </p:spTree>
     <p:extLst>
       <p:ext uri="{BB962C8B-B14F-4D97-AF65-F5344CB8AC3E}">
@@ -21885,6 +22966,35 @@
           </a:extLst>
         </p:spPr>
       </p:pic>
+      <p:sp>
+        <p:nvSpPr>
+          <p:cNvPr id="2" name="Slide Number Placeholder 1">
+            <a:extLst>
+              <a:ext uri="{FF2B5EF4-FFF2-40B4-BE49-F238E27FC236}">
+                <a16:creationId xmlns:a16="http://schemas.microsoft.com/office/drawing/2014/main" id="{5055F4B0-3B63-E540-8D9F-00C92CE9C7D0}"/>
+              </a:ext>
+            </a:extLst>
+          </p:cNvPr>
+          <p:cNvSpPr>
+            <a:spLocks noGrp="1"/>
+          </p:cNvSpPr>
+          <p:nvPr>
+            <p:ph type="sldNum" sz="quarter" idx="12"/>
+          </p:nvPr>
+        </p:nvSpPr>
+        <p:spPr/>
+        <p:txBody>
+          <a:bodyPr/>
+          <a:lstStyle/>
+          <a:p>
+            <a:fld id="{D57F1E4F-1CFF-5643-939E-02111984F565}" type="slidenum">
+              <a:rPr lang="en-US" smtClean="0"/>
+              <a:t>29</a:t>
+            </a:fld>
+            <a:endParaRPr lang="en-US" dirty="0"/>
+          </a:p>
+        </p:txBody>
+      </p:sp>
     </p:spTree>
     <p:extLst>
       <p:ext uri="{BB962C8B-B14F-4D97-AF65-F5344CB8AC3E}">
@@ -21934,8 +23044,8 @@
         </p:nvSpPr>
         <p:spPr>
           <a:xfrm>
-            <a:off x="495300" y="161396"/>
-            <a:ext cx="7886700" cy="1104636"/>
+            <a:off x="208623" y="127000"/>
+            <a:ext cx="7886701" cy="738341"/>
           </a:xfrm>
         </p:spPr>
         <p:txBody>
@@ -21948,7 +23058,7 @@
                 <a:latin typeface="Tahoma" panose="020B0604030504040204" pitchFamily="34" charset="0"/>
                 <a:ea typeface="ＭＳ Ｐゴシック" panose="020B0600070205080204" pitchFamily="34" charset="-128"/>
               </a:rPr>
-              <a:t>Protocols</a:t>
+              <a:t>LAN</a:t>
             </a:r>
           </a:p>
         </p:txBody>
@@ -21971,8 +23081,8 @@
         </p:nvSpPr>
         <p:spPr>
           <a:xfrm>
-            <a:off x="318499" y="1079500"/>
-            <a:ext cx="8578921" cy="4508500"/>
+            <a:off x="208623" y="738341"/>
+            <a:ext cx="8935377" cy="4849659"/>
           </a:xfrm>
         </p:spPr>
         <p:txBody>
@@ -21984,14 +23094,23 @@
             </a:pPr>
             <a:r>
               <a:rPr lang="en-US" dirty="0"/>
-              <a:t>Once they’re connected, how do they communicate? Through network protocols. </a:t>
-            </a:r>
+              <a:t>A </a:t>
+            </a:r>
+            <a:r>
+              <a:rPr lang="en-US" b="1" dirty="0"/>
+              <a:t>computing device </a:t>
+            </a:r>
+            <a:r>
+              <a:rPr lang="en-US" dirty="0"/>
+              <a:t>is a physical artifact that can run a program. Some examples include computers, tablets and phones.</a:t>
+            </a:r>
+            <a:endParaRPr lang="en-US" sz="2000" dirty="0"/>
           </a:p>
           <a:p>
             <a:pPr marL="0" indent="0">
               <a:buNone/>
             </a:pPr>
-            <a:endParaRPr lang="en-US" dirty="0"/>
+            <a:endParaRPr lang="en-US" sz="2000" dirty="0"/>
           </a:p>
           <a:p>
             <a:pPr marL="0" indent="0">
@@ -21999,54 +23118,160 @@
             </a:pPr>
             <a:r>
               <a:rPr lang="en-US" dirty="0"/>
-              <a:t>Communication between connections on the Internet are governed by rules known as </a:t>
+              <a:t>A </a:t>
             </a:r>
             <a:r>
               <a:rPr lang="en-US" b="1" dirty="0"/>
-              <a:t>protocols,</a:t>
+              <a:t>computer network </a:t>
             </a:r>
             <a:r>
               <a:rPr lang="en-US" dirty="0"/>
-              <a:t> or formal standards for transmitting information. </a:t>
-            </a:r>
+              <a:t>is a group of interconnected computing devices capable of sending or receiving data. </a:t>
+            </a:r>
+            <a:endParaRPr lang="en-US" sz="2000" dirty="0"/>
           </a:p>
           <a:p>
             <a:pPr marL="0" indent="0">
               <a:buNone/>
             </a:pPr>
-            <a:endParaRPr lang="en-US" dirty="0"/>
-          </a:p>
-          <a:p>
-            <a:pPr marL="0" indent="0">
+            <a:endParaRPr lang="en-US" sz="2000" dirty="0"/>
+          </a:p>
+          <a:p>
+            <a:pPr marL="0" indent="0" eaLnBrk="1" hangingPunct="1">
               <a:buNone/>
             </a:pPr>
-            <a:r>
-              <a:rPr lang="en-US" dirty="0"/>
-              <a:t>Protocols on the Internet work the same way. In order for every system to communicate with each other, every computer on the Internet has agreed to communicate using the exact same protocols. </a:t>
-            </a:r>
-          </a:p>
-          <a:p>
-            <a:pPr marL="0" indent="0">
+            <a:endParaRPr lang="en-US" altLang="en-US" sz="2000" b="1" dirty="0">
+              <a:latin typeface="Tahoma" panose="020B0604030504040204" pitchFamily="34" charset="0"/>
+              <a:ea typeface="ＭＳ Ｐゴシック" panose="020B0600070205080204" pitchFamily="34" charset="-128"/>
+            </a:endParaRPr>
+          </a:p>
+          <a:p>
+            <a:pPr marL="0" indent="0" eaLnBrk="1" hangingPunct="1">
               <a:buNone/>
             </a:pPr>
-            <a:endParaRPr lang="en-US" dirty="0"/>
-          </a:p>
-          <a:p>
-            <a:pPr marL="0" indent="0">
+            <a:endParaRPr lang="en-US" altLang="en-US" sz="2000" b="1" dirty="0">
+              <a:latin typeface="Tahoma" panose="020B0604030504040204" pitchFamily="34" charset="0"/>
+              <a:ea typeface="ＭＳ Ｐゴシック" panose="020B0600070205080204" pitchFamily="34" charset="-128"/>
+            </a:endParaRPr>
+          </a:p>
+          <a:p>
+            <a:pPr marL="0" indent="0" eaLnBrk="1" hangingPunct="1">
               <a:buNone/>
             </a:pPr>
             <a:r>
-              <a:rPr lang="en-US" dirty="0"/>
-              <a:t>These protocols and standards are what constitute the “Network of Autonomous Systems” that is the Internet. The word </a:t>
-            </a:r>
-            <a:r>
-              <a:rPr lang="en-US" i="1" dirty="0"/>
-              <a:t>autonomous</a:t>
-            </a:r>
-            <a:r>
-              <a:rPr lang="en-US" dirty="0"/>
-              <a:t> here is used to mean that the Internet works without any human intervention.</a:t>
-            </a:r>
+              <a:rPr lang="en-US" altLang="en-US" sz="2000" b="1" dirty="0">
+                <a:latin typeface="Tahoma" panose="020B0604030504040204" pitchFamily="34" charset="0"/>
+                <a:ea typeface="ＭＳ Ｐゴシック" panose="020B0600070205080204" pitchFamily="34" charset="-128"/>
+              </a:rPr>
+              <a:t>local area network</a:t>
+            </a:r>
+            <a:r>
+              <a:rPr lang="en-US" altLang="en-US" sz="2000" dirty="0">
+                <a:latin typeface="Tahoma" panose="020B0604030504040204" pitchFamily="34" charset="0"/>
+                <a:ea typeface="ＭＳ Ｐゴシック" panose="020B0600070205080204" pitchFamily="34" charset="-128"/>
+              </a:rPr>
+              <a:t>(LAN): a group of interconnected computers that share resources in a small geographic area. </a:t>
+            </a:r>
+          </a:p>
+          <a:p>
+            <a:pPr lvl="1" eaLnBrk="1" hangingPunct="1"/>
+            <a:r>
+              <a:rPr lang="en-US" altLang="en-US" sz="2000" dirty="0">
+                <a:latin typeface="Tahoma" panose="020B0604030504040204" pitchFamily="34" charset="0"/>
+              </a:rPr>
+              <a:t>Smallest example of a LAN is two computers connected by an CAT6(ethernet cable).</a:t>
+            </a:r>
+          </a:p>
+          <a:p>
+            <a:pPr lvl="1" eaLnBrk="1" hangingPunct="1">
+              <a:buFontTx/>
+              <a:buNone/>
+            </a:pPr>
+            <a:r>
+              <a:rPr lang="en-US" altLang="en-US" sz="1000" dirty="0">
+                <a:latin typeface="Tahoma" panose="020B0604030504040204" pitchFamily="34" charset="0"/>
+              </a:rPr>
+              <a:t>		</a:t>
+            </a:r>
+            <a:r>
+              <a:rPr lang="en-US" altLang="en-US" sz="1000" dirty="0" err="1">
+                <a:latin typeface="Tahoma" panose="020B0604030504040204" pitchFamily="34" charset="0"/>
+              </a:rPr>
+              <a:t>Image:Michael</a:t>
+            </a:r>
+            <a:r>
+              <a:rPr lang="en-US" altLang="en-US" sz="1000" dirty="0">
+                <a:latin typeface="Tahoma" panose="020B0604030504040204" pitchFamily="34" charset="0"/>
+              </a:rPr>
+              <a:t> Lamont; </a:t>
+            </a:r>
+            <a:r>
+              <a:rPr lang="en-US" altLang="en-US" sz="1000" dirty="0">
+                <a:latin typeface="Tahoma" panose="020B0604030504040204" pitchFamily="34" charset="0"/>
+                <a:hlinkClick r:id="rId3"/>
+              </a:rPr>
+              <a:t>www.slideshare.net/MichaelLamont</a:t>
+            </a:r>
+            <a:endParaRPr lang="en-US" altLang="en-US" sz="1000" dirty="0">
+              <a:latin typeface="Tahoma" panose="020B0604030504040204" pitchFamily="34" charset="0"/>
+            </a:endParaRPr>
+          </a:p>
+          <a:p>
+            <a:pPr lvl="1" eaLnBrk="1" hangingPunct="1"/>
+            <a:endParaRPr lang="en-US" altLang="en-US" sz="2000" dirty="0">
+              <a:latin typeface="Tahoma" panose="020B0604030504040204" pitchFamily="34" charset="0"/>
+            </a:endParaRPr>
+          </a:p>
+          <a:p>
+            <a:pPr lvl="1" eaLnBrk="1" hangingPunct="1"/>
+            <a:r>
+              <a:rPr lang="en-US" altLang="en-US" sz="2000" dirty="0">
+                <a:latin typeface="Tahoma" panose="020B0604030504040204" pitchFamily="34" charset="0"/>
+              </a:rPr>
+              <a:t>A </a:t>
+            </a:r>
+            <a:r>
+              <a:rPr lang="en-US" altLang="en-US" sz="2000" b="1" dirty="0">
+                <a:latin typeface="Tahoma" panose="020B0604030504040204" pitchFamily="34" charset="0"/>
+              </a:rPr>
+              <a:t>host</a:t>
+            </a:r>
+            <a:r>
+              <a:rPr lang="en-US" altLang="en-US" sz="2000" dirty="0">
+                <a:latin typeface="Tahoma" panose="020B0604030504040204" pitchFamily="34" charset="0"/>
+              </a:rPr>
+              <a:t> is a computer on a network. </a:t>
+            </a:r>
+          </a:p>
+          <a:p>
+            <a:pPr lvl="1" eaLnBrk="1" hangingPunct="1"/>
+            <a:endParaRPr lang="en-US" altLang="en-US" sz="2000" dirty="0">
+              <a:latin typeface="Tahoma" panose="020B0604030504040204" pitchFamily="34" charset="0"/>
+            </a:endParaRPr>
+          </a:p>
+          <a:p>
+            <a:pPr marL="0" indent="0" eaLnBrk="1" hangingPunct="1">
+              <a:buNone/>
+            </a:pPr>
+            <a:endParaRPr lang="en-US" altLang="en-US" dirty="0">
+              <a:latin typeface="Tahoma" panose="020B0604030504040204" pitchFamily="34" charset="0"/>
+              <a:ea typeface="ＭＳ Ｐゴシック" panose="020B0600070205080204" pitchFamily="34" charset="-128"/>
+            </a:endParaRPr>
+          </a:p>
+          <a:p>
+            <a:pPr lvl="1" eaLnBrk="1" hangingPunct="1">
+              <a:buFontTx/>
+              <a:buNone/>
+            </a:pPr>
+            <a:endParaRPr lang="en-US" altLang="en-US" sz="1667" dirty="0">
+              <a:latin typeface="Tahoma" panose="020B0604030504040204" pitchFamily="34" charset="0"/>
+            </a:endParaRPr>
+          </a:p>
+          <a:p>
+            <a:pPr lvl="1" eaLnBrk="1" hangingPunct="1"/>
+            <a:endParaRPr lang="en-US" altLang="en-US" sz="1667" dirty="0">
+              <a:latin typeface="Tahoma" panose="020B0604030504040204" pitchFamily="34" charset="0"/>
+            </a:endParaRPr>
           </a:p>
           <a:p>
             <a:pPr eaLnBrk="1" hangingPunct="1">
@@ -22063,10 +23288,99 @@
           </a:p>
         </p:txBody>
       </p:sp>
+      <p:pic>
+        <p:nvPicPr>
+          <p:cNvPr id="17411" name="Picture 1">
+            <a:extLst>
+              <a:ext uri="{FF2B5EF4-FFF2-40B4-BE49-F238E27FC236}">
+                <a16:creationId xmlns:a16="http://schemas.microsoft.com/office/drawing/2014/main" id="{B62521C5-B909-B44E-A0DB-22E03DEE6148}"/>
+              </a:ext>
+            </a:extLst>
+          </p:cNvPr>
+          <p:cNvPicPr>
+            <a:picLocks noChangeAspect="1"/>
+          </p:cNvPicPr>
+          <p:nvPr/>
+        </p:nvPicPr>
+        <p:blipFill>
+          <a:blip r:embed="rId4">
+            <a:extLst>
+              <a:ext uri="{28A0092B-C50C-407E-A947-70E740481C1C}">
+                <a14:useLocalDpi xmlns:a14="http://schemas.microsoft.com/office/drawing/2010/main" val="0"/>
+              </a:ext>
+            </a:extLst>
+          </a:blip>
+          <a:srcRect/>
+          <a:stretch>
+            <a:fillRect/>
+          </a:stretch>
+        </p:blipFill>
+        <p:spPr bwMode="auto">
+          <a:xfrm>
+            <a:off x="2411676" y="2588572"/>
+            <a:ext cx="3480593" cy="552979"/>
+          </a:xfrm>
+          <a:prstGeom prst="rect">
+            <a:avLst/>
+          </a:prstGeom>
+          <a:noFill/>
+          <a:ln>
+            <a:noFill/>
+          </a:ln>
+          <a:extLst>
+            <a:ext uri="{909E8E84-426E-40DD-AFC4-6F175D3DCCD1}">
+              <a14:hiddenFill xmlns:a14="http://schemas.microsoft.com/office/drawing/2010/main">
+                <a:solidFill>
+                  <a:srgbClr val="FFFFFF"/>
+                </a:solidFill>
+              </a14:hiddenFill>
+            </a:ext>
+            <a:ext uri="{91240B29-F687-4F45-9708-019B960494DF}">
+              <a14:hiddenLine xmlns:a14="http://schemas.microsoft.com/office/drawing/2010/main" w="9525">
+                <a:solidFill>
+                  <a:srgbClr val="000000"/>
+                </a:solidFill>
+                <a:miter lim="800000"/>
+                <a:headEnd/>
+                <a:tailEnd/>
+              </a14:hiddenLine>
+            </a:ext>
+          </a:extLst>
+        </p:spPr>
+      </p:pic>
+      <p:sp>
+        <p:nvSpPr>
+          <p:cNvPr id="2" name="Slide Number Placeholder 1">
+            <a:extLst>
+              <a:ext uri="{FF2B5EF4-FFF2-40B4-BE49-F238E27FC236}">
+                <a16:creationId xmlns:a16="http://schemas.microsoft.com/office/drawing/2014/main" id="{9AC8533E-9BCB-F24D-9E7C-2F20AEB2C21D}"/>
+              </a:ext>
+            </a:extLst>
+          </p:cNvPr>
+          <p:cNvSpPr>
+            <a:spLocks noGrp="1"/>
+          </p:cNvSpPr>
+          <p:nvPr>
+            <p:ph type="sldNum" sz="quarter" idx="12"/>
+          </p:nvPr>
+        </p:nvSpPr>
+        <p:spPr/>
+        <p:txBody>
+          <a:bodyPr/>
+          <a:lstStyle/>
+          <a:p>
+            <a:fld id="{D57F1E4F-1CFF-5643-939E-02111984F565}" type="slidenum">
+              <a:rPr lang="en-US" smtClean="0"/>
+              <a:t>3</a:t>
+            </a:fld>
+            <a:endParaRPr lang="en-US" dirty="0"/>
+          </a:p>
+        </p:txBody>
+      </p:sp>
     </p:spTree>
     <p:extLst>
       <p:ext uri="{BB962C8B-B14F-4D97-AF65-F5344CB8AC3E}">
-        <p14:creationId xmlns:p14="http://schemas.microsoft.com/office/powerpoint/2010/main" val="2356037138"/>
+        <p14:creationId xmlns:p14="http://schemas.microsoft.com/office/powerpoint/2010/main" val="2164029680"/>
       </p:ext>
     </p:extLst>
   </p:cSld>
@@ -22083,13 +23397,13 @@
               <p:cTn id="2" dur="indefinite" nodeType="mainSeq">
                 <p:childTnLst>
                   <p:par>
-                    <p:cTn id="3" fill="hold">
+                    <p:cTn id="3" fill="hold" nodeType="clickPar">
                       <p:stCondLst>
                         <p:cond delay="indefinite"/>
                       </p:stCondLst>
                       <p:childTnLst>
                         <p:par>
-                          <p:cTn id="4" fill="hold">
+                          <p:cTn id="4" fill="hold" nodeType="withGroup">
                             <p:stCondLst>
                               <p:cond delay="0"/>
                             </p:stCondLst>
@@ -22110,7 +23424,7 @@
                                         <p:tgtEl>
                                           <p:spTgt spid="17410">
                                             <p:txEl>
-                                              <p:pRg st="0" end="0"/>
+                                              <p:pRg st="7" end="7"/>
                                             </p:txEl>
                                           </p:spTgt>
                                         </p:tgtEl>
@@ -22132,13 +23446,13 @@
                     </p:cTn>
                   </p:par>
                   <p:par>
-                    <p:cTn id="7" fill="hold">
+                    <p:cTn id="7" fill="hold" nodeType="clickPar">
                       <p:stCondLst>
                         <p:cond delay="indefinite"/>
                       </p:stCondLst>
                       <p:childTnLst>
                         <p:par>
-                          <p:cTn id="8" fill="hold">
+                          <p:cTn id="8" fill="hold" nodeType="withGroup">
                             <p:stCondLst>
                               <p:cond delay="0"/>
                             </p:stCondLst>
@@ -22157,9 +23471,36 @@
                                           </p:stCondLst>
                                         </p:cTn>
                                         <p:tgtEl>
+                                          <p:spTgt spid="17411"/>
+                                        </p:tgtEl>
+                                        <p:attrNameLst>
+                                          <p:attrName>style.visibility</p:attrName>
+                                        </p:attrNameLst>
+                                      </p:cBhvr>
+                                      <p:to>
+                                        <p:strVal val="visible"/>
+                                      </p:to>
+                                    </p:set>
+                                  </p:childTnLst>
+                                </p:cTn>
+                              </p:par>
+                              <p:par>
+                                <p:cTn id="11" presetID="1" presetClass="entr" presetSubtype="0" fill="hold" nodeType="withEffect">
+                                  <p:stCondLst>
+                                    <p:cond delay="0"/>
+                                  </p:stCondLst>
+                                  <p:childTnLst>
+                                    <p:set>
+                                      <p:cBhvr>
+                                        <p:cTn id="12" dur="1" fill="hold">
+                                          <p:stCondLst>
+                                            <p:cond delay="0"/>
+                                          </p:stCondLst>
+                                        </p:cTn>
+                                        <p:tgtEl>
                                           <p:spTgt spid="17410">
                                             <p:txEl>
-                                              <p:pRg st="2" end="2"/>
+                                              <p:pRg st="8" end="8"/>
                                             </p:txEl>
                                           </p:spTgt>
                                         </p:tgtEl>
@@ -22181,26 +23522,26 @@
                     </p:cTn>
                   </p:par>
                   <p:par>
-                    <p:cTn id="11" fill="hold">
+                    <p:cTn id="13" fill="hold" nodeType="clickPar">
                       <p:stCondLst>
                         <p:cond delay="indefinite"/>
                       </p:stCondLst>
                       <p:childTnLst>
                         <p:par>
-                          <p:cTn id="12" fill="hold">
+                          <p:cTn id="14" fill="hold" nodeType="withGroup">
                             <p:stCondLst>
                               <p:cond delay="0"/>
                             </p:stCondLst>
                             <p:childTnLst>
                               <p:par>
-                                <p:cTn id="13" presetID="1" presetClass="entr" presetSubtype="0" fill="hold" nodeType="clickEffect">
+                                <p:cTn id="15" presetID="1" presetClass="entr" presetSubtype="0" fill="hold" nodeType="clickEffect">
                                   <p:stCondLst>
                                     <p:cond delay="0"/>
                                   </p:stCondLst>
                                   <p:childTnLst>
                                     <p:set>
                                       <p:cBhvr>
-                                        <p:cTn id="14" dur="1" fill="hold">
+                                        <p:cTn id="16" dur="1" fill="hold">
                                           <p:stCondLst>
                                             <p:cond delay="0"/>
                                           </p:stCondLst>
@@ -22208,56 +23549,7 @@
                                         <p:tgtEl>
                                           <p:spTgt spid="17410">
                                             <p:txEl>
-                                              <p:pRg st="4" end="4"/>
-                                            </p:txEl>
-                                          </p:spTgt>
-                                        </p:tgtEl>
-                                        <p:attrNameLst>
-                                          <p:attrName>style.visibility</p:attrName>
-                                        </p:attrNameLst>
-                                      </p:cBhvr>
-                                      <p:to>
-                                        <p:strVal val="visible"/>
-                                      </p:to>
-                                    </p:set>
-                                  </p:childTnLst>
-                                </p:cTn>
-                              </p:par>
-                            </p:childTnLst>
-                          </p:cTn>
-                        </p:par>
-                      </p:childTnLst>
-                    </p:cTn>
-                  </p:par>
-                  <p:par>
-                    <p:cTn id="15" fill="hold">
-                      <p:stCondLst>
-                        <p:cond delay="indefinite"/>
-                      </p:stCondLst>
-                      <p:childTnLst>
-                        <p:par>
-                          <p:cTn id="16" fill="hold">
-                            <p:stCondLst>
-                              <p:cond delay="0"/>
-                            </p:stCondLst>
-                            <p:childTnLst>
-                              <p:par>
-                                <p:cTn id="17" presetID="1" presetClass="entr" presetSubtype="0" fill="hold" nodeType="clickEffect">
-                                  <p:stCondLst>
-                                    <p:cond delay="0"/>
-                                  </p:stCondLst>
-                                  <p:childTnLst>
-                                    <p:set>
-                                      <p:cBhvr>
-                                        <p:cTn id="18" dur="1" fill="hold">
-                                          <p:stCondLst>
-                                            <p:cond delay="0"/>
-                                          </p:stCondLst>
-                                        </p:cTn>
-                                        <p:tgtEl>
-                                          <p:spTgt spid="17410">
-                                            <p:txEl>
-                                              <p:pRg st="6" end="6"/>
+                                              <p:pRg st="10" end="10"/>
                                             </p:txEl>
                                           </p:spTgt>
                                         </p:tgtEl>
@@ -22456,6 +23748,35 @@
           </a:extLst>
         </p:spPr>
       </p:pic>
+      <p:sp>
+        <p:nvSpPr>
+          <p:cNvPr id="2" name="Slide Number Placeholder 1">
+            <a:extLst>
+              <a:ext uri="{FF2B5EF4-FFF2-40B4-BE49-F238E27FC236}">
+                <a16:creationId xmlns:a16="http://schemas.microsoft.com/office/drawing/2014/main" id="{5199F4C0-4116-4045-9BCD-E261CC62FD46}"/>
+              </a:ext>
+            </a:extLst>
+          </p:cNvPr>
+          <p:cNvSpPr>
+            <a:spLocks noGrp="1"/>
+          </p:cNvSpPr>
+          <p:nvPr>
+            <p:ph type="sldNum" sz="quarter" idx="12"/>
+          </p:nvPr>
+        </p:nvSpPr>
+        <p:spPr/>
+        <p:txBody>
+          <a:bodyPr/>
+          <a:lstStyle/>
+          <a:p>
+            <a:fld id="{D57F1E4F-1CFF-5643-939E-02111984F565}" type="slidenum">
+              <a:rPr lang="en-US" smtClean="0"/>
+              <a:t>30</a:t>
+            </a:fld>
+            <a:endParaRPr lang="en-US" dirty="0"/>
+          </a:p>
+        </p:txBody>
+      </p:sp>
     </p:spTree>
     <p:extLst>
       <p:ext uri="{BB962C8B-B14F-4D97-AF65-F5344CB8AC3E}">
@@ -22554,7 +23875,19 @@
             </a:pPr>
             <a:r>
               <a:rPr lang="en-US" dirty="0"/>
-              <a:t>The Internet transmits data from one computer to another by breaking the data down into small manageable units that are known as </a:t>
+              <a:t>The Internet transmits </a:t>
+            </a:r>
+            <a:r>
+              <a:rPr lang="en-US" b="1"/>
+              <a:t>data streams</a:t>
+            </a:r>
+            <a:r>
+              <a:rPr lang="en-US"/>
+              <a:t> </a:t>
+            </a:r>
+            <a:r>
+              <a:rPr lang="en-US" dirty="0"/>
+              <a:t>from one computer to another by breaking the data down into small manageable units that are known as </a:t>
             </a:r>
             <a:r>
               <a:rPr lang="en-US" b="1" dirty="0"/>
@@ -22585,15 +23918,7 @@
             </a:pPr>
             <a:r>
               <a:rPr lang="en-US" dirty="0"/>
-              <a:t>A packet is defined as a small chunk of digital </a:t>
-            </a:r>
-            <a:r>
-              <a:rPr lang="en-US"/>
-              <a:t>data that </a:t>
-            </a:r>
-            <a:r>
-              <a:rPr lang="en-US" dirty="0"/>
-              <a:t>contains both a sender address and an address to where the packet is supposed to go. </a:t>
+              <a:t>A packet is defined as a small chunk of digital data that contains both a sender address and an address to where the packet is supposed to go. </a:t>
             </a:r>
           </a:p>
           <a:p>
@@ -22630,12 +23955,41 @@
             </a:r>
             <a:r>
               <a:rPr lang="en-US" b="1" dirty="0"/>
-              <a:t>routing</a:t>
+              <a:t>routing </a:t>
             </a:r>
             <a:r>
               <a:rPr lang="en-US" dirty="0"/>
-              <a:t>, or selecting a path for traffic in a network.</a:t>
-            </a:r>
+              <a:t>or selecting a path for traffic in a network.</a:t>
+            </a:r>
+          </a:p>
+        </p:txBody>
+      </p:sp>
+      <p:sp>
+        <p:nvSpPr>
+          <p:cNvPr id="2" name="Slide Number Placeholder 1">
+            <a:extLst>
+              <a:ext uri="{FF2B5EF4-FFF2-40B4-BE49-F238E27FC236}">
+                <a16:creationId xmlns:a16="http://schemas.microsoft.com/office/drawing/2014/main" id="{EA560605-ECCA-084C-9B6A-2DD49664CFCB}"/>
+              </a:ext>
+            </a:extLst>
+          </p:cNvPr>
+          <p:cNvSpPr>
+            <a:spLocks noGrp="1"/>
+          </p:cNvSpPr>
+          <p:nvPr>
+            <p:ph type="sldNum" sz="quarter" idx="12"/>
+          </p:nvPr>
+        </p:nvSpPr>
+        <p:spPr/>
+        <p:txBody>
+          <a:bodyPr/>
+          <a:lstStyle/>
+          <a:p>
+            <a:fld id="{D57F1E4F-1CFF-5643-939E-02111984F565}" type="slidenum">
+              <a:rPr lang="en-US" smtClean="0"/>
+              <a:t>31</a:t>
+            </a:fld>
+            <a:endParaRPr lang="en-US" dirty="0"/>
           </a:p>
         </p:txBody>
       </p:sp>
@@ -22748,8 +24102,21 @@
               <a:rPr lang="en-US" sz="2000" dirty="0">
                 <a:latin typeface="Gill Sans MT" panose="020B0502020104020203" pitchFamily="34" charset="77"/>
               </a:rPr>
-              <a:t>Packet-switching system is similar to traffic routing.</a:t>
-            </a:r>
+              <a:t>Packet-switching system is similar to traffic routing. </a:t>
+            </a:r>
+            <a:r>
+              <a:rPr lang="en-US" dirty="0"/>
+              <a:t>Routing on the Internet is usually </a:t>
+            </a:r>
+            <a:r>
+              <a:rPr lang="en-US" b="1" dirty="0"/>
+              <a:t>dynamic</a:t>
+            </a:r>
+            <a:r>
+              <a:rPr lang="en-US" dirty="0"/>
+              <a:t>; it is not specified in advance. </a:t>
+            </a:r>
+            <a:endParaRPr lang="en-US" sz="2000" dirty="0"/>
           </a:p>
           <a:p>
             <a:pPr marL="0" indent="0">
@@ -22824,6 +24191,35 @@
             <a:endParaRPr lang="en-US" sz="2000" dirty="0">
               <a:latin typeface="Gill Sans MT" panose="020B0502020104020203" pitchFamily="34" charset="77"/>
             </a:endParaRPr>
+          </a:p>
+        </p:txBody>
+      </p:sp>
+      <p:sp>
+        <p:nvSpPr>
+          <p:cNvPr id="2" name="Slide Number Placeholder 1">
+            <a:extLst>
+              <a:ext uri="{FF2B5EF4-FFF2-40B4-BE49-F238E27FC236}">
+                <a16:creationId xmlns:a16="http://schemas.microsoft.com/office/drawing/2014/main" id="{E551E583-4F0C-5648-B4F9-D714B9F8E007}"/>
+              </a:ext>
+            </a:extLst>
+          </p:cNvPr>
+          <p:cNvSpPr>
+            <a:spLocks noGrp="1"/>
+          </p:cNvSpPr>
+          <p:nvPr>
+            <p:ph type="sldNum" sz="quarter" idx="12"/>
+          </p:nvPr>
+        </p:nvSpPr>
+        <p:spPr/>
+        <p:txBody>
+          <a:bodyPr/>
+          <a:lstStyle/>
+          <a:p>
+            <a:fld id="{D57F1E4F-1CFF-5643-939E-02111984F565}" type="slidenum">
+              <a:rPr lang="en-US" smtClean="0"/>
+              <a:t>32</a:t>
+            </a:fld>
+            <a:endParaRPr lang="en-US" dirty="0"/>
           </a:p>
         </p:txBody>
       </p:sp>
@@ -22911,8 +24307,8 @@
         </p:nvSpPr>
         <p:spPr>
           <a:xfrm>
-            <a:off x="297951" y="976045"/>
-            <a:ext cx="8589196" cy="4656602"/>
+            <a:off x="133564" y="771870"/>
+            <a:ext cx="8646515" cy="4836249"/>
           </a:xfrm>
         </p:spPr>
         <p:txBody>
@@ -22924,15 +24320,6 @@
             <a:pPr marL="0" indent="0">
               <a:buNone/>
             </a:pPr>
-            <a:endParaRPr lang="en-US" altLang="en-US" sz="2000" dirty="0">
-              <a:latin typeface="Gill Sans MT" panose="020B0502020104020203" pitchFamily="34" charset="77"/>
-              <a:ea typeface="ＭＳ Ｐゴシック" panose="020B0600070205080204" pitchFamily="34" charset="-128"/>
-            </a:endParaRPr>
-          </a:p>
-          <a:p>
-            <a:pPr marL="0" indent="0">
-              <a:buNone/>
-            </a:pPr>
             <a:r>
               <a:rPr lang="en-US" altLang="en-US" sz="2000" dirty="0">
                 <a:latin typeface="Gill Sans MT" panose="020B0502020104020203" pitchFamily="34" charset="77"/>
@@ -22972,11 +24359,14 @@
               <a:buNone/>
             </a:pPr>
             <a:r>
-              <a:rPr lang="en-US" sz="2000" dirty="0">
-                <a:latin typeface="Gill Sans MT" panose="020B0502020104020203" pitchFamily="34" charset="77"/>
-              </a:rPr>
-              <a:t>Redundancy increases the reliability of the internet and helps it scale to more devices and people.</a:t>
-            </a:r>
+              <a:rPr lang="en-US" i="1" dirty="0"/>
+              <a:t>Redundancy </a:t>
+            </a:r>
+            <a:r>
+              <a:rPr lang="en-US" dirty="0"/>
+              <a:t>is the inclusion of extra components that can be used to mitigate failure of a system if other components fail. </a:t>
+            </a:r>
+            <a:endParaRPr lang="en-US" sz="2000" dirty="0"/>
           </a:p>
           <a:p>
             <a:pPr marL="0" indent="0">
@@ -22994,18 +24384,76 @@
               <a:rPr lang="en-US" sz="2000" dirty="0">
                 <a:latin typeface="Gill Sans MT" panose="020B0502020104020203" pitchFamily="34" charset="77"/>
               </a:rPr>
-              <a:t>If some connection is broken or doesn’t function, the router needs to find a new path for the data to get to its destination, otherwise the packets will never be delivered. Thus, routing is dynamic and </a:t>
+              <a:t>Redundancy increases the reliability of the internet and helps it scale to more devices and people.</a:t>
+            </a:r>
+          </a:p>
+          <a:p>
+            <a:pPr marL="0" indent="0">
+              <a:buNone/>
+            </a:pPr>
+            <a:endParaRPr lang="en-US" dirty="0"/>
+          </a:p>
+          <a:p>
+            <a:pPr marL="0" indent="0">
+              <a:buNone/>
+            </a:pPr>
+            <a:r>
+              <a:rPr lang="en-US" dirty="0"/>
+              <a:t>When a system can support failures and still continue to function, it is called </a:t>
+            </a:r>
+            <a:r>
+              <a:rPr lang="en-US" b="1" dirty="0"/>
+              <a:t>fault-tolerant</a:t>
+            </a:r>
+            <a:r>
+              <a:rPr lang="en-US" dirty="0"/>
+              <a:t>. </a:t>
+            </a:r>
+            <a:r>
+              <a:rPr lang="en-US" sz="2000" dirty="0">
+                <a:latin typeface="Gill Sans MT" panose="020B0502020104020203" pitchFamily="34" charset="77"/>
+              </a:rPr>
+              <a:t>If some connection is broken or doesn’t function, the router needs to find a new path for the data to get to its destination, otherwise the packets will never be delivered. Thus, routing is dynamic and fault tolerant</a:t>
             </a:r>
             <a:r>
               <a:rPr lang="en-US" sz="2000" b="1" dirty="0">
                 <a:latin typeface="Gill Sans MT" panose="020B0502020104020203" pitchFamily="34" charset="77"/>
               </a:rPr>
-              <a:t>fault tolerant.</a:t>
+              <a:t>.</a:t>
             </a:r>
             <a:endParaRPr lang="en-US" altLang="en-US" sz="2000" b="1" dirty="0">
               <a:latin typeface="Gill Sans MT" panose="020B0502020104020203" pitchFamily="34" charset="77"/>
               <a:ea typeface="ＭＳ Ｐゴシック" panose="020B0600070205080204" pitchFamily="34" charset="-128"/>
             </a:endParaRPr>
+          </a:p>
+        </p:txBody>
+      </p:sp>
+      <p:sp>
+        <p:nvSpPr>
+          <p:cNvPr id="2" name="Slide Number Placeholder 1">
+            <a:extLst>
+              <a:ext uri="{FF2B5EF4-FFF2-40B4-BE49-F238E27FC236}">
+                <a16:creationId xmlns:a16="http://schemas.microsoft.com/office/drawing/2014/main" id="{1D4A95CE-F36C-A949-B574-8B2112D61521}"/>
+              </a:ext>
+            </a:extLst>
+          </p:cNvPr>
+          <p:cNvSpPr>
+            <a:spLocks noGrp="1"/>
+          </p:cNvSpPr>
+          <p:nvPr>
+            <p:ph type="sldNum" sz="quarter" idx="12"/>
+          </p:nvPr>
+        </p:nvSpPr>
+        <p:spPr/>
+        <p:txBody>
+          <a:bodyPr/>
+          <a:lstStyle/>
+          <a:p>
+            <a:fld id="{D57F1E4F-1CFF-5643-939E-02111984F565}" type="slidenum">
+              <a:rPr lang="en-US" smtClean="0"/>
+              <a:t>33</a:t>
+            </a:fld>
+            <a:endParaRPr lang="en-US" dirty="0"/>
           </a:p>
         </p:txBody>
       </p:sp>
@@ -23101,30 +24549,31 @@
           <a:bodyPr/>
           <a:lstStyle/>
           <a:p>
+            <a:pPr marL="0" indent="0">
+              <a:buNone/>
+            </a:pPr>
+            <a:r>
+              <a:rPr lang="en-US" dirty="0"/>
+              <a:t>Packets contain a chunk of data and </a:t>
+            </a:r>
+            <a:r>
+              <a:rPr lang="en-US" b="1" dirty="0"/>
+              <a:t>metadata</a:t>
+            </a:r>
+            <a:r>
+              <a:rPr lang="en-US" dirty="0"/>
+              <a:t> used for routing the packet between the origin and the destination on the Internet, as well as for data reassembly. </a:t>
+            </a:r>
+            <a:endParaRPr lang="en-US" sz="2000" dirty="0"/>
+          </a:p>
+          <a:p>
             <a:pPr marL="0" indent="0" eaLnBrk="1" hangingPunct="1">
               <a:buNone/>
             </a:pPr>
-            <a:r>
-              <a:rPr lang="en-US" altLang="en-US" sz="2000" dirty="0">
-                <a:latin typeface="Gill Sans MT" panose="020B0502020104020203" pitchFamily="34" charset="77"/>
-                <a:ea typeface="ＭＳ Ｐゴシック" panose="020B0600070205080204" pitchFamily="34" charset="-128"/>
-              </a:rPr>
-              <a:t>A message that needs to be sent across the internet receives headers from each layer as it travels down the protocol stack. The headers provide routing/addressing information, e.g., port numbers, IP addresses, MAC addresses, </a:t>
-            </a:r>
-            <a:r>
-              <a:rPr lang="en-US" altLang="en-US" sz="2000" dirty="0" err="1">
-                <a:latin typeface="Gill Sans MT" panose="020B0502020104020203" pitchFamily="34" charset="77"/>
-                <a:ea typeface="ＭＳ Ｐゴシック" panose="020B0600070205080204" pitchFamily="34" charset="-128"/>
-              </a:rPr>
-              <a:t>etc</a:t>
-            </a:r>
-            <a:r>
-              <a:rPr lang="en-US" altLang="en-US" sz="2000" dirty="0">
-                <a:latin typeface="Gill Sans MT" panose="020B0502020104020203" pitchFamily="34" charset="77"/>
-                <a:ea typeface="ＭＳ Ｐゴシック" panose="020B0600070205080204" pitchFamily="34" charset="-128"/>
-              </a:rPr>
-              <a:t>…</a:t>
-            </a:r>
+            <a:endParaRPr lang="en-US" altLang="en-US" sz="2000" dirty="0">
+              <a:latin typeface="Gill Sans MT" panose="020B0502020104020203" pitchFamily="34" charset="77"/>
+              <a:ea typeface="ＭＳ Ｐゴシック" panose="020B0600070205080204" pitchFamily="34" charset="-128"/>
+            </a:endParaRPr>
           </a:p>
           <a:p>
             <a:pPr eaLnBrk="1" hangingPunct="1">
@@ -23175,115 +24624,6 @@
               <a:latin typeface="Tahoma" panose="020B0604030504040204" pitchFamily="34" charset="0"/>
               <a:ea typeface="ＭＳ Ｐゴシック" panose="020B0600070205080204" pitchFamily="34" charset="-128"/>
             </a:endParaRPr>
-          </a:p>
-        </p:txBody>
-      </p:sp>
-      <p:pic>
-        <p:nvPicPr>
-          <p:cNvPr id="84995" name="Picture 4">
-            <a:extLst>
-              <a:ext uri="{FF2B5EF4-FFF2-40B4-BE49-F238E27FC236}">
-                <a16:creationId xmlns:a16="http://schemas.microsoft.com/office/drawing/2014/main" id="{D74B79FF-3957-A841-989F-1A7CCA0A7940}"/>
-              </a:ext>
-            </a:extLst>
-          </p:cNvPr>
-          <p:cNvPicPr>
-            <a:picLocks noChangeAspect="1"/>
-          </p:cNvPicPr>
-          <p:nvPr/>
-        </p:nvPicPr>
-        <p:blipFill>
-          <a:blip r:embed="rId2">
-            <a:extLst>
-              <a:ext uri="{28A0092B-C50C-407E-A947-70E740481C1C}">
-                <a14:useLocalDpi xmlns:a14="http://schemas.microsoft.com/office/drawing/2010/main" val="0"/>
-              </a:ext>
-            </a:extLst>
-          </a:blip>
-          <a:srcRect/>
-          <a:stretch>
-            <a:fillRect/>
-          </a:stretch>
-        </p:blipFill>
-        <p:spPr bwMode="auto">
-          <a:xfrm>
-            <a:off x="1428108" y="1708924"/>
-            <a:ext cx="6308332" cy="3923723"/>
-          </a:xfrm>
-          <a:prstGeom prst="rect">
-            <a:avLst/>
-          </a:prstGeom>
-          <a:noFill/>
-          <a:ln>
-            <a:noFill/>
-          </a:ln>
-          <a:extLst>
-            <a:ext uri="{909E8E84-426E-40DD-AFC4-6F175D3DCCD1}">
-              <a14:hiddenFill xmlns:a14="http://schemas.microsoft.com/office/drawing/2010/main">
-                <a:solidFill>
-                  <a:srgbClr val="FFFFFF"/>
-                </a:solidFill>
-              </a14:hiddenFill>
-            </a:ext>
-            <a:ext uri="{91240B29-F687-4F45-9708-019B960494DF}">
-              <a14:hiddenLine xmlns:a14="http://schemas.microsoft.com/office/drawing/2010/main" w="9525">
-                <a:solidFill>
-                  <a:srgbClr val="000000"/>
-                </a:solidFill>
-                <a:miter lim="800000"/>
-                <a:headEnd/>
-                <a:tailEnd/>
-              </a14:hiddenLine>
-            </a:ext>
-          </a:extLst>
-        </p:spPr>
-      </p:pic>
-      <p:sp>
-        <p:nvSpPr>
-          <p:cNvPr id="2" name="TextBox 1">
-            <a:extLst>
-              <a:ext uri="{FF2B5EF4-FFF2-40B4-BE49-F238E27FC236}">
-                <a16:creationId xmlns:a16="http://schemas.microsoft.com/office/drawing/2014/main" id="{D2A0B21C-9D88-4849-A345-13DA31B7BEBE}"/>
-              </a:ext>
-            </a:extLst>
-          </p:cNvPr>
-          <p:cNvSpPr txBox="1"/>
-          <p:nvPr/>
-        </p:nvSpPr>
-        <p:spPr>
-          <a:xfrm>
-            <a:off x="5480339" y="1797978"/>
-            <a:ext cx="1928733" cy="707886"/>
-          </a:xfrm>
-          <a:prstGeom prst="rect">
-            <a:avLst/>
-          </a:prstGeom>
-          <a:noFill/>
-        </p:spPr>
-        <p:txBody>
-          <a:bodyPr wrap="none" rtlCol="0">
-            <a:spAutoFit/>
-          </a:bodyPr>
-          <a:lstStyle/>
-          <a:p>
-            <a:r>
-              <a:rPr lang="en-US" sz="2000" dirty="0">
-                <a:solidFill>
-                  <a:srgbClr val="FF0000"/>
-                </a:solidFill>
-              </a:rPr>
-              <a:t>For example,</a:t>
-            </a:r>
-          </a:p>
-          <a:p>
-            <a:r>
-              <a:rPr lang="en-US" sz="2000" dirty="0">
-                <a:solidFill>
-                  <a:srgbClr val="FF0000"/>
-                </a:solidFill>
-              </a:rPr>
-              <a:t>HTTP and SMTP</a:t>
-            </a:r>
           </a:p>
         </p:txBody>
       </p:sp>
@@ -23331,6 +24671,205 @@
           </a:fontRef>
         </p:style>
       </p:cxnSp>
+      <p:pic>
+        <p:nvPicPr>
+          <p:cNvPr id="9" name="Picture 4">
+            <a:extLst>
+              <a:ext uri="{FF2B5EF4-FFF2-40B4-BE49-F238E27FC236}">
+                <a16:creationId xmlns:a16="http://schemas.microsoft.com/office/drawing/2014/main" id="{479D18BB-944E-8B46-A5C1-115AAFD5FF61}"/>
+              </a:ext>
+            </a:extLst>
+          </p:cNvPr>
+          <p:cNvPicPr>
+            <a:picLocks noChangeAspect="1"/>
+          </p:cNvPicPr>
+          <p:nvPr/>
+        </p:nvPicPr>
+        <p:blipFill>
+          <a:blip r:embed="rId2">
+            <a:extLst>
+              <a:ext uri="{28A0092B-C50C-407E-A947-70E740481C1C}">
+                <a14:useLocalDpi xmlns:a14="http://schemas.microsoft.com/office/drawing/2010/main" val="0"/>
+              </a:ext>
+            </a:extLst>
+          </a:blip>
+          <a:srcRect/>
+          <a:stretch>
+            <a:fillRect/>
+          </a:stretch>
+        </p:blipFill>
+        <p:spPr bwMode="auto">
+          <a:xfrm>
+            <a:off x="288773" y="1791277"/>
+            <a:ext cx="6308332" cy="3923723"/>
+          </a:xfrm>
+          <a:prstGeom prst="rect">
+            <a:avLst/>
+          </a:prstGeom>
+          <a:noFill/>
+          <a:ln>
+            <a:noFill/>
+          </a:ln>
+          <a:extLst>
+            <a:ext uri="{909E8E84-426E-40DD-AFC4-6F175D3DCCD1}">
+              <a14:hiddenFill xmlns:a14="http://schemas.microsoft.com/office/drawing/2010/main">
+                <a:solidFill>
+                  <a:srgbClr val="FFFFFF"/>
+                </a:solidFill>
+              </a14:hiddenFill>
+            </a:ext>
+            <a:ext uri="{91240B29-F687-4F45-9708-019B960494DF}">
+              <a14:hiddenLine xmlns:a14="http://schemas.microsoft.com/office/drawing/2010/main" w="9525">
+                <a:solidFill>
+                  <a:srgbClr val="000000"/>
+                </a:solidFill>
+                <a:miter lim="800000"/>
+                <a:headEnd/>
+                <a:tailEnd/>
+              </a14:hiddenLine>
+            </a:ext>
+          </a:extLst>
+        </p:spPr>
+      </p:pic>
+      <p:sp>
+        <p:nvSpPr>
+          <p:cNvPr id="10" name="TextBox 9">
+            <a:extLst>
+              <a:ext uri="{FF2B5EF4-FFF2-40B4-BE49-F238E27FC236}">
+                <a16:creationId xmlns:a16="http://schemas.microsoft.com/office/drawing/2014/main" id="{52DB6359-50C6-0D42-91B0-E58EBDED1380}"/>
+              </a:ext>
+            </a:extLst>
+          </p:cNvPr>
+          <p:cNvSpPr txBox="1"/>
+          <p:nvPr/>
+        </p:nvSpPr>
+        <p:spPr>
+          <a:xfrm>
+            <a:off x="2831742" y="1444035"/>
+            <a:ext cx="1928733" cy="707886"/>
+          </a:xfrm>
+          <a:prstGeom prst="rect">
+            <a:avLst/>
+          </a:prstGeom>
+          <a:noFill/>
+        </p:spPr>
+        <p:txBody>
+          <a:bodyPr wrap="none" rtlCol="0">
+            <a:spAutoFit/>
+          </a:bodyPr>
+          <a:lstStyle/>
+          <a:p>
+            <a:r>
+              <a:rPr lang="en-US" sz="2000" dirty="0">
+                <a:solidFill>
+                  <a:srgbClr val="FF0000"/>
+                </a:solidFill>
+              </a:rPr>
+              <a:t>For example,</a:t>
+            </a:r>
+          </a:p>
+          <a:p>
+            <a:r>
+              <a:rPr lang="en-US" sz="2000" dirty="0">
+                <a:solidFill>
+                  <a:srgbClr val="FF0000"/>
+                </a:solidFill>
+              </a:rPr>
+              <a:t>HTTP and SMTP</a:t>
+            </a:r>
+          </a:p>
+        </p:txBody>
+      </p:sp>
+      <p:sp>
+        <p:nvSpPr>
+          <p:cNvPr id="8" name="TextBox 7">
+            <a:extLst>
+              <a:ext uri="{FF2B5EF4-FFF2-40B4-BE49-F238E27FC236}">
+                <a16:creationId xmlns:a16="http://schemas.microsoft.com/office/drawing/2014/main" id="{76F06D03-D5E1-174A-9507-1D3B402D4A27}"/>
+              </a:ext>
+            </a:extLst>
+          </p:cNvPr>
+          <p:cNvSpPr txBox="1"/>
+          <p:nvPr/>
+        </p:nvSpPr>
+        <p:spPr>
+          <a:xfrm>
+            <a:off x="5071930" y="1539015"/>
+            <a:ext cx="4008329" cy="2554545"/>
+          </a:xfrm>
+          <a:prstGeom prst="rect">
+            <a:avLst/>
+          </a:prstGeom>
+          <a:noFill/>
+        </p:spPr>
+        <p:txBody>
+          <a:bodyPr wrap="square" rtlCol="0">
+            <a:spAutoFit/>
+          </a:bodyPr>
+          <a:lstStyle/>
+          <a:p>
+            <a:r>
+              <a:rPr lang="en-US" altLang="en-US" sz="2000" dirty="0">
+                <a:solidFill>
+                  <a:srgbClr val="FF0000"/>
+                </a:solidFill>
+                <a:latin typeface="Gill Sans MT" panose="020B0502020104020203" pitchFamily="34" charset="77"/>
+                <a:ea typeface="ＭＳ Ｐゴシック" panose="020B0600070205080204" pitchFamily="34" charset="-128"/>
+              </a:rPr>
+              <a:t>A message that needs to be sent across the internet receives headers from each layer as it travels down the protocol stack. The headers provide metadata such as routing/addressing information, e.g., port numbers, IP addresses, MAC addresses, </a:t>
+            </a:r>
+            <a:r>
+              <a:rPr lang="en-US" altLang="en-US" sz="2000" dirty="0" err="1">
+                <a:solidFill>
+                  <a:srgbClr val="FF0000"/>
+                </a:solidFill>
+                <a:latin typeface="Gill Sans MT" panose="020B0502020104020203" pitchFamily="34" charset="77"/>
+                <a:ea typeface="ＭＳ Ｐゴシック" panose="020B0600070205080204" pitchFamily="34" charset="-128"/>
+              </a:rPr>
+              <a:t>etc</a:t>
+            </a:r>
+            <a:r>
+              <a:rPr lang="en-US" altLang="en-US" sz="2000" dirty="0">
+                <a:solidFill>
+                  <a:srgbClr val="FF0000"/>
+                </a:solidFill>
+                <a:latin typeface="Gill Sans MT" panose="020B0502020104020203" pitchFamily="34" charset="77"/>
+                <a:ea typeface="ＭＳ Ｐゴシック" panose="020B0600070205080204" pitchFamily="34" charset="-128"/>
+              </a:rPr>
+              <a:t>…</a:t>
+            </a:r>
+          </a:p>
+        </p:txBody>
+      </p:sp>
+      <p:sp>
+        <p:nvSpPr>
+          <p:cNvPr id="3" name="Slide Number Placeholder 2">
+            <a:extLst>
+              <a:ext uri="{FF2B5EF4-FFF2-40B4-BE49-F238E27FC236}">
+                <a16:creationId xmlns:a16="http://schemas.microsoft.com/office/drawing/2014/main" id="{2BE80C14-A7AF-1C49-B21F-A9407BDBC219}"/>
+              </a:ext>
+            </a:extLst>
+          </p:cNvPr>
+          <p:cNvSpPr>
+            <a:spLocks noGrp="1"/>
+          </p:cNvSpPr>
+          <p:nvPr>
+            <p:ph type="sldNum" sz="quarter" idx="12"/>
+          </p:nvPr>
+        </p:nvSpPr>
+        <p:spPr/>
+        <p:txBody>
+          <a:bodyPr/>
+          <a:lstStyle/>
+          <a:p>
+            <a:fld id="{D57F1E4F-1CFF-5643-939E-02111984F565}" type="slidenum">
+              <a:rPr lang="en-US" smtClean="0"/>
+              <a:t>34</a:t>
+            </a:fld>
+            <a:endParaRPr lang="en-US" dirty="0"/>
+          </a:p>
+        </p:txBody>
+      </p:sp>
     </p:spTree>
     <p:extLst>
       <p:ext uri="{BB962C8B-B14F-4D97-AF65-F5344CB8AC3E}">
@@ -23428,7 +24967,7 @@
             </a:pPr>
             <a:r>
               <a:rPr lang="en-US" dirty="0"/>
-              <a:t>The Internet is built hierarchically.</a:t>
+              <a:t>The Internet is built hierarchically. Domain names are broken into parts that provide general to specific information about the website you are trying to access. </a:t>
             </a:r>
           </a:p>
           <a:p>
@@ -23443,7 +24982,7 @@
             </a:pPr>
             <a:r>
               <a:rPr lang="en-US" dirty="0"/>
-              <a:t>Domain names are broken into parts that provide general to specific information about the website you are trying to access. </a:t>
+              <a:t>IP addresses are broken up into several numbers that delineate the different sections of the Internet from each other. </a:t>
             </a:r>
           </a:p>
           <a:p>
@@ -23458,7 +24997,7 @@
             </a:pPr>
             <a:r>
               <a:rPr lang="en-US" dirty="0"/>
-              <a:t>IP addresses are broken up into several numbers that delineate the different sections of the Internet from each other. </a:t>
+              <a:t>Routing, especially, which uses the DNS to jump around from network to network to find its way to the destination, is built on the hierarchical system of networks that are all interconnected. </a:t>
             </a:r>
           </a:p>
           <a:p>
@@ -23473,22 +25012,19 @@
             </a:pPr>
             <a:r>
               <a:rPr lang="en-US" dirty="0"/>
-              <a:t>Routing, especially, which uses the DNS to jump around from network to network to find its way to the destination, is built on the hierarchical system of networks that are all interconnected. </a:t>
-            </a:r>
-          </a:p>
-          <a:p>
-            <a:pPr marL="0" indent="0">
-              <a:buNone/>
-            </a:pPr>
-            <a:endParaRPr lang="en-US" dirty="0"/>
-          </a:p>
-          <a:p>
-            <a:pPr marL="0" indent="0">
-              <a:buNone/>
-            </a:pPr>
+              <a:t>The </a:t>
+            </a:r>
+            <a:r>
+              <a:rPr lang="en-US" b="1" dirty="0"/>
+              <a:t>scalability</a:t>
+            </a:r>
+            <a:r>
+              <a:rPr lang="en-US" i="1" dirty="0"/>
+              <a:t> </a:t>
+            </a:r>
             <a:r>
               <a:rPr lang="en-US" dirty="0"/>
-              <a:t>This hierarchy and connectedness allowed the Internet to grow to the global scale that it is today.</a:t>
+              <a:t>of a system is the capacity for the system to change in size and scale to meet new demands. This hierarchy and connectedness allowed the Internet to grow to the global scale that it is today.</a:t>
             </a:r>
             <a:endParaRPr lang="en-US" altLang="en-US" sz="1833" dirty="0">
               <a:latin typeface="Tahoma" panose="020B0604030504040204" pitchFamily="34" charset="0"/>
@@ -23534,6 +25070,35 @@
               <a:latin typeface="Tahoma" panose="020B0604030504040204" pitchFamily="34" charset="0"/>
               <a:ea typeface="ＭＳ Ｐゴシック" panose="020B0600070205080204" pitchFamily="34" charset="-128"/>
             </a:endParaRPr>
+          </a:p>
+        </p:txBody>
+      </p:sp>
+      <p:sp>
+        <p:nvSpPr>
+          <p:cNvPr id="2" name="Slide Number Placeholder 1">
+            <a:extLst>
+              <a:ext uri="{FF2B5EF4-FFF2-40B4-BE49-F238E27FC236}">
+                <a16:creationId xmlns:a16="http://schemas.microsoft.com/office/drawing/2014/main" id="{31F950C8-AA7C-3A45-BEC0-479ABA87BDC3}"/>
+              </a:ext>
+            </a:extLst>
+          </p:cNvPr>
+          <p:cNvSpPr>
+            <a:spLocks noGrp="1"/>
+          </p:cNvSpPr>
+          <p:nvPr>
+            <p:ph type="sldNum" sz="quarter" idx="12"/>
+          </p:nvPr>
+        </p:nvSpPr>
+        <p:spPr/>
+        <p:txBody>
+          <a:bodyPr/>
+          <a:lstStyle/>
+          <a:p>
+            <a:fld id="{D57F1E4F-1CFF-5643-939E-02111984F565}" type="slidenum">
+              <a:rPr lang="en-US" smtClean="0"/>
+              <a:t>35</a:t>
+            </a:fld>
+            <a:endParaRPr lang="en-US" dirty="0"/>
           </a:p>
         </p:txBody>
       </p:sp>
@@ -23754,6 +25319,35 @@
           </a:p>
         </p:txBody>
       </p:sp>
+      <p:sp>
+        <p:nvSpPr>
+          <p:cNvPr id="2" name="Slide Number Placeholder 1">
+            <a:extLst>
+              <a:ext uri="{FF2B5EF4-FFF2-40B4-BE49-F238E27FC236}">
+                <a16:creationId xmlns:a16="http://schemas.microsoft.com/office/drawing/2014/main" id="{2C131E22-E7F1-6848-A430-CC742B4153E0}"/>
+              </a:ext>
+            </a:extLst>
+          </p:cNvPr>
+          <p:cNvSpPr>
+            <a:spLocks noGrp="1"/>
+          </p:cNvSpPr>
+          <p:nvPr>
+            <p:ph type="sldNum" sz="quarter" idx="12"/>
+          </p:nvPr>
+        </p:nvSpPr>
+        <p:spPr/>
+        <p:txBody>
+          <a:bodyPr/>
+          <a:lstStyle/>
+          <a:p>
+            <a:fld id="{D57F1E4F-1CFF-5643-939E-02111984F565}" type="slidenum">
+              <a:rPr lang="en-US" smtClean="0"/>
+              <a:t>36</a:t>
+            </a:fld>
+            <a:endParaRPr lang="en-US" dirty="0"/>
+          </a:p>
+        </p:txBody>
+      </p:sp>
     </p:spTree>
     <p:extLst>
       <p:ext uri="{BB962C8B-B14F-4D97-AF65-F5344CB8AC3E}">
@@ -23997,6 +25591,35 @@
           </a:p>
         </p:txBody>
       </p:sp>
+      <p:sp>
+        <p:nvSpPr>
+          <p:cNvPr id="2" name="Slide Number Placeholder 1">
+            <a:extLst>
+              <a:ext uri="{FF2B5EF4-FFF2-40B4-BE49-F238E27FC236}">
+                <a16:creationId xmlns:a16="http://schemas.microsoft.com/office/drawing/2014/main" id="{6F9EB0BB-A183-EB48-9C1F-267545F9ED6D}"/>
+              </a:ext>
+            </a:extLst>
+          </p:cNvPr>
+          <p:cNvSpPr>
+            <a:spLocks noGrp="1"/>
+          </p:cNvSpPr>
+          <p:nvPr>
+            <p:ph type="sldNum" sz="quarter" idx="12"/>
+          </p:nvPr>
+        </p:nvSpPr>
+        <p:spPr/>
+        <p:txBody>
+          <a:bodyPr/>
+          <a:lstStyle/>
+          <a:p>
+            <a:fld id="{D57F1E4F-1CFF-5643-939E-02111984F565}" type="slidenum">
+              <a:rPr lang="en-US" smtClean="0"/>
+              <a:t>37</a:t>
+            </a:fld>
+            <a:endParaRPr lang="en-US" dirty="0"/>
+          </a:p>
+        </p:txBody>
+      </p:sp>
     </p:spTree>
     <p:extLst>
       <p:ext uri="{BB962C8B-B14F-4D97-AF65-F5344CB8AC3E}">
@@ -24029,10 +25652,10 @@
       </p:grpSpPr>
       <p:sp>
         <p:nvSpPr>
-          <p:cNvPr id="17409" name="Rectangle 2">
+          <p:cNvPr id="19457" name="Rectangle 2">
             <a:extLst>
               <a:ext uri="{FF2B5EF4-FFF2-40B4-BE49-F238E27FC236}">
-                <a16:creationId xmlns:a16="http://schemas.microsoft.com/office/drawing/2014/main" id="{F8E6935E-FDF9-4D46-93BC-CE083007DBA8}"/>
+                <a16:creationId xmlns:a16="http://schemas.microsoft.com/office/drawing/2014/main" id="{934050D1-FB76-0047-81E2-B66160E98DA8}"/>
               </a:ext>
             </a:extLst>
           </p:cNvPr>
@@ -24045,8 +25668,8 @@
         </p:nvSpPr>
         <p:spPr>
           <a:xfrm>
-            <a:off x="289602" y="127000"/>
-            <a:ext cx="7886700" cy="1104636"/>
+            <a:off x="90338" y="127000"/>
+            <a:ext cx="7886700" cy="690569"/>
           </a:xfrm>
         </p:spPr>
         <p:txBody>
@@ -24059,17 +25682,17 @@
                 <a:latin typeface="Tahoma" panose="020B0604030504040204" pitchFamily="34" charset="0"/>
                 <a:ea typeface="ＭＳ Ｐゴシック" panose="020B0600070205080204" pitchFamily="34" charset="-128"/>
               </a:rPr>
-              <a:t>LAN</a:t>
+              <a:t>Server-Client</a:t>
             </a:r>
           </a:p>
         </p:txBody>
       </p:sp>
       <p:sp>
         <p:nvSpPr>
-          <p:cNvPr id="17410" name="Rectangle 3">
+          <p:cNvPr id="19458" name="Rectangle 3">
             <a:extLst>
               <a:ext uri="{FF2B5EF4-FFF2-40B4-BE49-F238E27FC236}">
-                <a16:creationId xmlns:a16="http://schemas.microsoft.com/office/drawing/2014/main" id="{C9772176-DC13-F64D-AC00-58F2A4791B97}"/>
+                <a16:creationId xmlns:a16="http://schemas.microsoft.com/office/drawing/2014/main" id="{13A6B99D-094D-F34F-B11C-2ECD1AC956F5}"/>
               </a:ext>
             </a:extLst>
           </p:cNvPr>
@@ -24082,150 +25705,165 @@
         </p:nvSpPr>
         <p:spPr>
           <a:xfrm>
-            <a:off x="289601" y="1079500"/>
-            <a:ext cx="8648915" cy="4508500"/>
+            <a:off x="90338" y="733926"/>
+            <a:ext cx="8794882" cy="4854074"/>
           </a:xfrm>
         </p:spPr>
         <p:txBody>
           <a:bodyPr/>
           <a:lstStyle/>
           <a:p>
+            <a:pPr marL="0" indent="0">
+              <a:buNone/>
+            </a:pPr>
+            <a:r>
+              <a:rPr lang="en-US" sz="1800" dirty="0">
+                <a:latin typeface="Tahoma" panose="020B0604030504040204" pitchFamily="34" charset="0"/>
+                <a:ea typeface="Tahoma" panose="020B0604030504040204" pitchFamily="34" charset="0"/>
+                <a:cs typeface="Tahoma" panose="020B0604030504040204" pitchFamily="34" charset="0"/>
+              </a:rPr>
+              <a:t>A </a:t>
+            </a:r>
+            <a:r>
+              <a:rPr lang="en-US" sz="1800" b="1" dirty="0">
+                <a:latin typeface="Tahoma" panose="020B0604030504040204" pitchFamily="34" charset="0"/>
+                <a:ea typeface="Tahoma" panose="020B0604030504040204" pitchFamily="34" charset="0"/>
+                <a:cs typeface="Tahoma" panose="020B0604030504040204" pitchFamily="34" charset="0"/>
+              </a:rPr>
+              <a:t>computing system </a:t>
+            </a:r>
+            <a:r>
+              <a:rPr lang="en-US" sz="1800" dirty="0">
+                <a:latin typeface="Tahoma" panose="020B0604030504040204" pitchFamily="34" charset="0"/>
+                <a:ea typeface="Tahoma" panose="020B0604030504040204" pitchFamily="34" charset="0"/>
+                <a:cs typeface="Tahoma" panose="020B0604030504040204" pitchFamily="34" charset="0"/>
+              </a:rPr>
+              <a:t>is a group of computing devices and programs working together for a common purpose. A computer network is a type of computing system. </a:t>
+            </a:r>
+          </a:p>
+          <a:p>
+            <a:pPr marL="0" indent="0">
+              <a:buNone/>
+            </a:pPr>
+            <a:r>
+              <a:rPr lang="en-US" sz="1800" dirty="0">
+                <a:latin typeface="Tahoma" panose="020B0604030504040204" pitchFamily="34" charset="0"/>
+                <a:ea typeface="Tahoma" panose="020B0604030504040204" pitchFamily="34" charset="0"/>
+                <a:cs typeface="Tahoma" panose="020B0604030504040204" pitchFamily="34" charset="0"/>
+              </a:rPr>
+              <a:t>A </a:t>
+            </a:r>
+            <a:r>
+              <a:rPr lang="en-US" sz="1800" b="1" dirty="0">
+                <a:latin typeface="Tahoma" panose="020B0604030504040204" pitchFamily="34" charset="0"/>
+                <a:ea typeface="Tahoma" panose="020B0604030504040204" pitchFamily="34" charset="0"/>
+                <a:cs typeface="Tahoma" panose="020B0604030504040204" pitchFamily="34" charset="0"/>
+              </a:rPr>
+              <a:t>path</a:t>
+            </a:r>
+            <a:r>
+              <a:rPr lang="en-US" sz="1800" i="1" dirty="0">
+                <a:latin typeface="Tahoma" panose="020B0604030504040204" pitchFamily="34" charset="0"/>
+                <a:ea typeface="Tahoma" panose="020B0604030504040204" pitchFamily="34" charset="0"/>
+                <a:cs typeface="Tahoma" panose="020B0604030504040204" pitchFamily="34" charset="0"/>
+              </a:rPr>
+              <a:t> </a:t>
+            </a:r>
+            <a:r>
+              <a:rPr lang="en-US" sz="1800" dirty="0">
+                <a:latin typeface="Tahoma" panose="020B0604030504040204" pitchFamily="34" charset="0"/>
+                <a:ea typeface="Tahoma" panose="020B0604030504040204" pitchFamily="34" charset="0"/>
+                <a:cs typeface="Tahoma" panose="020B0604030504040204" pitchFamily="34" charset="0"/>
+              </a:rPr>
+              <a:t>between two computing devices on a computer network (a sender and a receiver) is a sequence of directly connected computing devices that begins at the sender and ends at the receiver. </a:t>
+            </a:r>
+            <a:endParaRPr lang="en-US" altLang="en-US" sz="1800" dirty="0">
+              <a:latin typeface="Tahoma" panose="020B0604030504040204" pitchFamily="34" charset="0"/>
+              <a:ea typeface="ＭＳ Ｐゴシック" panose="020B0600070205080204" pitchFamily="34" charset="-128"/>
+            </a:endParaRPr>
+          </a:p>
+          <a:p>
             <a:pPr marL="0" indent="0" eaLnBrk="1" hangingPunct="1">
               <a:buNone/>
             </a:pPr>
-            <a:endParaRPr lang="en-US" altLang="en-US" sz="2000" b="1" dirty="0">
-              <a:latin typeface="Tahoma" panose="020B0604030504040204" pitchFamily="34" charset="0"/>
-              <a:ea typeface="ＭＳ Ｐゴシック" panose="020B0600070205080204" pitchFamily="34" charset="-128"/>
-            </a:endParaRPr>
+            <a:r>
+              <a:rPr lang="en-US" altLang="en-US" sz="1800" dirty="0">
+                <a:latin typeface="Tahoma" panose="020B0604030504040204" pitchFamily="34" charset="0"/>
+                <a:ea typeface="ＭＳ Ｐゴシック" panose="020B0600070205080204" pitchFamily="34" charset="-128"/>
+              </a:rPr>
+              <a:t>A </a:t>
+            </a:r>
+            <a:r>
+              <a:rPr lang="en-US" altLang="en-US" sz="1800" b="1" dirty="0">
+                <a:latin typeface="Tahoma" panose="020B0604030504040204" pitchFamily="34" charset="0"/>
+                <a:ea typeface="ＭＳ Ｐゴシック" panose="020B0600070205080204" pitchFamily="34" charset="-128"/>
+              </a:rPr>
+              <a:t>client</a:t>
+            </a:r>
+            <a:r>
+              <a:rPr lang="en-US" altLang="en-US" sz="1800" dirty="0">
+                <a:latin typeface="Tahoma" panose="020B0604030504040204" pitchFamily="34" charset="0"/>
+                <a:ea typeface="ＭＳ Ｐゴシック" panose="020B0600070205080204" pitchFamily="34" charset="-128"/>
+              </a:rPr>
+              <a:t> is a computer that is requesting a resource or service. </a:t>
+            </a:r>
           </a:p>
           <a:p>
             <a:pPr marL="0" indent="0" eaLnBrk="1" hangingPunct="1">
               <a:buNone/>
             </a:pPr>
             <a:r>
-              <a:rPr lang="en-US" altLang="en-US" sz="2000" b="1" dirty="0">
+              <a:rPr lang="en-US" altLang="en-US" sz="1800" dirty="0">
                 <a:latin typeface="Tahoma" panose="020B0604030504040204" pitchFamily="34" charset="0"/>
                 <a:ea typeface="ＭＳ Ｐゴシック" panose="020B0600070205080204" pitchFamily="34" charset="-128"/>
               </a:rPr>
-              <a:t>local area network</a:t>
-            </a:r>
-            <a:r>
-              <a:rPr lang="en-US" altLang="en-US" sz="2000" dirty="0">
+              <a:t>A </a:t>
+            </a:r>
+            <a:r>
+              <a:rPr lang="en-US" altLang="en-US" sz="1800" b="1" dirty="0">
                 <a:latin typeface="Tahoma" panose="020B0604030504040204" pitchFamily="34" charset="0"/>
                 <a:ea typeface="ＭＳ Ｐゴシック" panose="020B0600070205080204" pitchFamily="34" charset="-128"/>
               </a:rPr>
-              <a:t>(LAN): a group of interconnected computers that share resources in a small geographic area. </a:t>
+              <a:t>server</a:t>
+            </a:r>
+            <a:r>
+              <a:rPr lang="en-US" altLang="en-US" sz="1800" dirty="0">
+                <a:latin typeface="Tahoma" panose="020B0604030504040204" pitchFamily="34" charset="0"/>
+                <a:ea typeface="ＭＳ Ｐゴシック" panose="020B0600070205080204" pitchFamily="34" charset="-128"/>
+              </a:rPr>
+              <a:t> is a computer that provides a resource or service.</a:t>
             </a:r>
           </a:p>
           <a:p>
             <a:pPr lvl="1" eaLnBrk="1" hangingPunct="1"/>
             <a:r>
-              <a:rPr lang="en-US" altLang="en-US" sz="2000" dirty="0">
+              <a:rPr lang="en-US" altLang="en-US" dirty="0">
                 <a:latin typeface="Tahoma" panose="020B0604030504040204" pitchFamily="34" charset="0"/>
               </a:rPr>
-              <a:t>Smallest example of a LAN is two computers connected by an CAT6(ethernet cable).</a:t>
+              <a:t>Print servers provides printing service, web servers serves webpages, email servers, file servers, </a:t>
+            </a:r>
+            <a:r>
+              <a:rPr lang="en-US" altLang="en-US" dirty="0" err="1">
+                <a:latin typeface="Tahoma" panose="020B0604030504040204" pitchFamily="34" charset="0"/>
+              </a:rPr>
+              <a:t>etc</a:t>
+            </a:r>
+            <a:r>
+              <a:rPr lang="en-US" altLang="en-US" dirty="0">
+                <a:latin typeface="Tahoma" panose="020B0604030504040204" pitchFamily="34" charset="0"/>
+              </a:rPr>
+              <a:t>…</a:t>
             </a:r>
           </a:p>
           <a:p>
             <a:pPr lvl="1" eaLnBrk="1" hangingPunct="1"/>
-            <a:endParaRPr lang="en-US" altLang="en-US" sz="2000" dirty="0">
+            <a:endParaRPr lang="en-US" altLang="en-US" sz="1833" dirty="0">
               <a:latin typeface="Tahoma" panose="020B0604030504040204" pitchFamily="34" charset="0"/>
             </a:endParaRPr>
           </a:p>
           <a:p>
             <a:pPr lvl="1" eaLnBrk="1" hangingPunct="1"/>
-            <a:endParaRPr lang="en-US" altLang="en-US" sz="2000" dirty="0">
-              <a:latin typeface="Tahoma" panose="020B0604030504040204" pitchFamily="34" charset="0"/>
-            </a:endParaRPr>
-          </a:p>
-          <a:p>
-            <a:pPr lvl="1" eaLnBrk="1" hangingPunct="1">
-              <a:buFontTx/>
-              <a:buNone/>
-            </a:pPr>
-            <a:r>
-              <a:rPr lang="en-US" altLang="en-US" sz="1000" dirty="0">
-                <a:latin typeface="Tahoma" panose="020B0604030504040204" pitchFamily="34" charset="0"/>
-              </a:rPr>
-              <a:t>		</a:t>
-            </a:r>
-            <a:r>
-              <a:rPr lang="en-US" altLang="en-US" sz="1000" dirty="0" err="1">
-                <a:latin typeface="Tahoma" panose="020B0604030504040204" pitchFamily="34" charset="0"/>
-              </a:rPr>
-              <a:t>Image:Michael</a:t>
-            </a:r>
-            <a:r>
-              <a:rPr lang="en-US" altLang="en-US" sz="1000" dirty="0">
-                <a:latin typeface="Tahoma" panose="020B0604030504040204" pitchFamily="34" charset="0"/>
-              </a:rPr>
-              <a:t> Lamont; </a:t>
-            </a:r>
-            <a:r>
-              <a:rPr lang="en-US" altLang="en-US" sz="1000" dirty="0">
-                <a:latin typeface="Tahoma" panose="020B0604030504040204" pitchFamily="34" charset="0"/>
-                <a:hlinkClick r:id="rId3"/>
-              </a:rPr>
-              <a:t>www.slideshare.net/MichaelLamont</a:t>
-            </a:r>
-            <a:endParaRPr lang="en-US" altLang="en-US" sz="1000" dirty="0">
-              <a:latin typeface="Tahoma" panose="020B0604030504040204" pitchFamily="34" charset="0"/>
-            </a:endParaRPr>
-          </a:p>
-          <a:p>
-            <a:pPr lvl="1" eaLnBrk="1" hangingPunct="1"/>
-            <a:endParaRPr lang="en-US" altLang="en-US" sz="2000" dirty="0">
-              <a:latin typeface="Tahoma" panose="020B0604030504040204" pitchFamily="34" charset="0"/>
-            </a:endParaRPr>
-          </a:p>
-          <a:p>
-            <a:pPr lvl="1" eaLnBrk="1" hangingPunct="1"/>
-            <a:r>
-              <a:rPr lang="en-US" altLang="en-US" sz="2000" dirty="0">
-                <a:latin typeface="Tahoma" panose="020B0604030504040204" pitchFamily="34" charset="0"/>
-              </a:rPr>
-              <a:t>A </a:t>
-            </a:r>
-            <a:r>
-              <a:rPr lang="en-US" altLang="en-US" sz="2000" b="1" dirty="0">
-                <a:latin typeface="Tahoma" panose="020B0604030504040204" pitchFamily="34" charset="0"/>
-              </a:rPr>
-              <a:t>host</a:t>
-            </a:r>
-            <a:r>
-              <a:rPr lang="en-US" altLang="en-US" sz="2000" dirty="0">
-                <a:latin typeface="Tahoma" panose="020B0604030504040204" pitchFamily="34" charset="0"/>
-              </a:rPr>
-              <a:t> is a computer on a network. </a:t>
-            </a:r>
-          </a:p>
-          <a:p>
-            <a:pPr lvl="1" eaLnBrk="1" hangingPunct="1"/>
-            <a:endParaRPr lang="en-US" altLang="en-US" sz="2000" dirty="0">
-              <a:latin typeface="Tahoma" panose="020B0604030504040204" pitchFamily="34" charset="0"/>
-            </a:endParaRPr>
-          </a:p>
-          <a:p>
-            <a:pPr marL="0" indent="0" eaLnBrk="1" hangingPunct="1">
-              <a:buNone/>
-            </a:pPr>
-            <a:endParaRPr lang="en-US" altLang="en-US" dirty="0">
-              <a:latin typeface="Tahoma" panose="020B0604030504040204" pitchFamily="34" charset="0"/>
-              <a:ea typeface="ＭＳ Ｐゴシック" panose="020B0600070205080204" pitchFamily="34" charset="-128"/>
-            </a:endParaRPr>
-          </a:p>
-          <a:p>
-            <a:pPr lvl="1" eaLnBrk="1" hangingPunct="1">
-              <a:buFontTx/>
-              <a:buNone/>
-            </a:pPr>
-            <a:endParaRPr lang="en-US" altLang="en-US" sz="1667" dirty="0">
-              <a:latin typeface="Tahoma" panose="020B0604030504040204" pitchFamily="34" charset="0"/>
-            </a:endParaRPr>
-          </a:p>
-          <a:p>
-            <a:pPr lvl="1" eaLnBrk="1" hangingPunct="1"/>
-            <a:endParaRPr lang="en-US" altLang="en-US" sz="1667" dirty="0">
+            <a:endParaRPr lang="en-US" altLang="en-US" sz="1833" dirty="0">
               <a:latin typeface="Tahoma" panose="020B0604030504040204" pitchFamily="34" charset="0"/>
             </a:endParaRPr>
           </a:p>
@@ -24234,7 +25872,7 @@
               <a:buFontTx/>
               <a:buNone/>
             </a:pPr>
-            <a:endParaRPr lang="en-US" altLang="en-US" sz="1667" b="1" dirty="0">
+            <a:endParaRPr lang="en-US" altLang="en-US" sz="1833" b="1" dirty="0">
               <a:solidFill>
                 <a:srgbClr val="008000"/>
               </a:solidFill>
@@ -24246,10 +25884,10 @@
       </p:sp>
       <p:pic>
         <p:nvPicPr>
-          <p:cNvPr id="17411" name="Picture 1">
+          <p:cNvPr id="19459" name="Picture 1">
             <a:extLst>
               <a:ext uri="{FF2B5EF4-FFF2-40B4-BE49-F238E27FC236}">
-                <a16:creationId xmlns:a16="http://schemas.microsoft.com/office/drawing/2014/main" id="{B62521C5-B909-B44E-A0DB-22E03DEE6148}"/>
+                <a16:creationId xmlns:a16="http://schemas.microsoft.com/office/drawing/2014/main" id="{650612D4-1EFC-C443-AF16-757A3B8CFF56}"/>
               </a:ext>
             </a:extLst>
           </p:cNvPr>
@@ -24259,7 +25897,7 @@
           <p:nvPr/>
         </p:nvPicPr>
         <p:blipFill>
-          <a:blip r:embed="rId4">
+          <a:blip r:embed="rId3">
             <a:extLst>
               <a:ext uri="{28A0092B-C50C-407E-A947-70E740481C1C}">
                 <a14:useLocalDpi xmlns:a14="http://schemas.microsoft.com/office/drawing/2010/main" val="0"/>
@@ -24273,8 +25911,8 @@
         </p:blipFill>
         <p:spPr bwMode="auto">
           <a:xfrm>
-            <a:off x="2411678" y="2690761"/>
-            <a:ext cx="3480593" cy="552979"/>
+            <a:off x="4110159" y="3892579"/>
+            <a:ext cx="3036599" cy="1822421"/>
           </a:xfrm>
           <a:prstGeom prst="rect">
             <a:avLst/>
@@ -24304,10 +25942,39 @@
           </a:extLst>
         </p:spPr>
       </p:pic>
+      <p:sp>
+        <p:nvSpPr>
+          <p:cNvPr id="2" name="Slide Number Placeholder 1">
+            <a:extLst>
+              <a:ext uri="{FF2B5EF4-FFF2-40B4-BE49-F238E27FC236}">
+                <a16:creationId xmlns:a16="http://schemas.microsoft.com/office/drawing/2014/main" id="{BE72F363-D54C-594D-A0BA-22A17B32DCE1}"/>
+              </a:ext>
+            </a:extLst>
+          </p:cNvPr>
+          <p:cNvSpPr>
+            <a:spLocks noGrp="1"/>
+          </p:cNvSpPr>
+          <p:nvPr>
+            <p:ph type="sldNum" sz="quarter" idx="12"/>
+          </p:nvPr>
+        </p:nvSpPr>
+        <p:spPr/>
+        <p:txBody>
+          <a:bodyPr/>
+          <a:lstStyle/>
+          <a:p>
+            <a:fld id="{D57F1E4F-1CFF-5643-939E-02111984F565}" type="slidenum">
+              <a:rPr lang="en-US" smtClean="0"/>
+              <a:t>4</a:t>
+            </a:fld>
+            <a:endParaRPr lang="en-US" dirty="0"/>
+          </a:p>
+        </p:txBody>
+      </p:sp>
     </p:spTree>
     <p:extLst>
       <p:ext uri="{BB962C8B-B14F-4D97-AF65-F5344CB8AC3E}">
-        <p14:creationId xmlns:p14="http://schemas.microsoft.com/office/powerpoint/2010/main" val="2164029680"/>
+        <p14:creationId xmlns:p14="http://schemas.microsoft.com/office/powerpoint/2010/main" val="156416513"/>
       </p:ext>
     </p:extLst>
   </p:cSld>
@@ -24349,9 +26016,9 @@
                                           </p:stCondLst>
                                         </p:cTn>
                                         <p:tgtEl>
-                                          <p:spTgt spid="17410">
+                                          <p:spTgt spid="19458">
                                             <p:txEl>
-                                              <p:pRg st="2" end="2"/>
+                                              <p:pRg st="3" end="3"/>
                                             </p:txEl>
                                           </p:spTgt>
                                         </p:tgtEl>
@@ -24366,117 +26033,23 @@
                                   </p:childTnLst>
                                 </p:cTn>
                               </p:par>
-                            </p:childTnLst>
-                          </p:cTn>
-                        </p:par>
-                      </p:childTnLst>
-                    </p:cTn>
-                  </p:par>
-                  <p:par>
-                    <p:cTn id="7" fill="hold" nodeType="clickPar">
-                      <p:stCondLst>
-                        <p:cond delay="indefinite"/>
-                      </p:stCondLst>
-                      <p:childTnLst>
-                        <p:par>
-                          <p:cTn id="8" fill="hold" nodeType="withGroup">
-                            <p:stCondLst>
-                              <p:cond delay="0"/>
-                            </p:stCondLst>
-                            <p:childTnLst>
                               <p:par>
-                                <p:cTn id="9" presetID="1" presetClass="entr" presetSubtype="0" fill="hold" nodeType="clickEffect">
+                                <p:cTn id="7" presetID="1" presetClass="entr" presetSubtype="0" fill="hold" nodeType="withEffect">
                                   <p:stCondLst>
                                     <p:cond delay="0"/>
                                   </p:stCondLst>
                                   <p:childTnLst>
                                     <p:set>
                                       <p:cBhvr>
-                                        <p:cTn id="10" dur="1" fill="hold">
+                                        <p:cTn id="8" dur="1" fill="hold">
                                           <p:stCondLst>
                                             <p:cond delay="0"/>
                                           </p:stCondLst>
                                         </p:cTn>
                                         <p:tgtEl>
-                                          <p:spTgt spid="17411"/>
-                                        </p:tgtEl>
-                                        <p:attrNameLst>
-                                          <p:attrName>style.visibility</p:attrName>
-                                        </p:attrNameLst>
-                                      </p:cBhvr>
-                                      <p:to>
-                                        <p:strVal val="visible"/>
-                                      </p:to>
-                                    </p:set>
-                                  </p:childTnLst>
-                                </p:cTn>
-                              </p:par>
-                              <p:par>
-                                <p:cTn id="11" presetID="1" presetClass="entr" presetSubtype="0" fill="hold" nodeType="withEffect">
-                                  <p:stCondLst>
-                                    <p:cond delay="0"/>
-                                  </p:stCondLst>
-                                  <p:childTnLst>
-                                    <p:set>
-                                      <p:cBhvr>
-                                        <p:cTn id="12" dur="1" fill="hold">
-                                          <p:stCondLst>
-                                            <p:cond delay="0"/>
-                                          </p:stCondLst>
-                                        </p:cTn>
-                                        <p:tgtEl>
-                                          <p:spTgt spid="17410">
+                                          <p:spTgt spid="19458">
                                             <p:txEl>
-                                              <p:pRg st="5" end="5"/>
-                                            </p:txEl>
-                                          </p:spTgt>
-                                        </p:tgtEl>
-                                        <p:attrNameLst>
-                                          <p:attrName>style.visibility</p:attrName>
-                                        </p:attrNameLst>
-                                      </p:cBhvr>
-                                      <p:to>
-                                        <p:strVal val="visible"/>
-                                      </p:to>
-                                    </p:set>
-                                  </p:childTnLst>
-                                </p:cTn>
-                              </p:par>
-                            </p:childTnLst>
-                          </p:cTn>
-                        </p:par>
-                      </p:childTnLst>
-                    </p:cTn>
-                  </p:par>
-                  <p:par>
-                    <p:cTn id="13" fill="hold" nodeType="clickPar">
-                      <p:stCondLst>
-                        <p:cond delay="indefinite"/>
-                      </p:stCondLst>
-                      <p:childTnLst>
-                        <p:par>
-                          <p:cTn id="14" fill="hold" nodeType="withGroup">
-                            <p:stCondLst>
-                              <p:cond delay="0"/>
-                            </p:stCondLst>
-                            <p:childTnLst>
-                              <p:par>
-                                <p:cTn id="15" presetID="1" presetClass="entr" presetSubtype="0" fill="hold" nodeType="clickEffect">
-                                  <p:stCondLst>
-                                    <p:cond delay="0"/>
-                                  </p:stCondLst>
-                                  <p:childTnLst>
-                                    <p:set>
-                                      <p:cBhvr>
-                                        <p:cTn id="16" dur="1" fill="hold">
-                                          <p:stCondLst>
-                                            <p:cond delay="0"/>
-                                          </p:stCondLst>
-                                        </p:cTn>
-                                        <p:tgtEl>
-                                          <p:spTgt spid="17410">
-                                            <p:txEl>
-                                              <p:pRg st="7" end="7"/>
+                                              <p:pRg st="4" end="4"/>
                                             </p:txEl>
                                           </p:spTgt>
                                         </p:tgtEl>
@@ -24541,376 +26114,6 @@
       </p:grpSpPr>
       <p:sp>
         <p:nvSpPr>
-          <p:cNvPr id="19457" name="Rectangle 2">
-            <a:extLst>
-              <a:ext uri="{FF2B5EF4-FFF2-40B4-BE49-F238E27FC236}">
-                <a16:creationId xmlns:a16="http://schemas.microsoft.com/office/drawing/2014/main" id="{934050D1-FB76-0047-81E2-B66160E98DA8}"/>
-              </a:ext>
-            </a:extLst>
-          </p:cNvPr>
-          <p:cNvSpPr>
-            <a:spLocks noGrp="1" noChangeArrowheads="1"/>
-          </p:cNvSpPr>
-          <p:nvPr>
-            <p:ph type="title"/>
-          </p:nvPr>
-        </p:nvSpPr>
-        <p:spPr>
-          <a:xfrm>
-            <a:off x="258780" y="156765"/>
-            <a:ext cx="7886700" cy="1104636"/>
-          </a:xfrm>
-        </p:spPr>
-        <p:txBody>
-          <a:bodyPr/>
-          <a:lstStyle/>
-          <a:p>
-            <a:pPr eaLnBrk="1" hangingPunct="1"/>
-            <a:r>
-              <a:rPr lang="en-US" altLang="en-US" dirty="0">
-                <a:latin typeface="Tahoma" panose="020B0604030504040204" pitchFamily="34" charset="0"/>
-                <a:ea typeface="ＭＳ Ｐゴシック" panose="020B0600070205080204" pitchFamily="34" charset="-128"/>
-              </a:rPr>
-              <a:t>Server-Client</a:t>
-            </a:r>
-          </a:p>
-        </p:txBody>
-      </p:sp>
-      <p:sp>
-        <p:nvSpPr>
-          <p:cNvPr id="19458" name="Rectangle 3">
-            <a:extLst>
-              <a:ext uri="{FF2B5EF4-FFF2-40B4-BE49-F238E27FC236}">
-                <a16:creationId xmlns:a16="http://schemas.microsoft.com/office/drawing/2014/main" id="{13A6B99D-094D-F34F-B11C-2ECD1AC956F5}"/>
-              </a:ext>
-            </a:extLst>
-          </p:cNvPr>
-          <p:cNvSpPr>
-            <a:spLocks noGrp="1" noChangeArrowheads="1"/>
-          </p:cNvSpPr>
-          <p:nvPr>
-            <p:ph type="body" idx="1"/>
-          </p:nvPr>
-        </p:nvSpPr>
-        <p:spPr>
-          <a:xfrm>
-            <a:off x="258780" y="1079500"/>
-            <a:ext cx="8626440" cy="4508500"/>
-          </a:xfrm>
-        </p:spPr>
-        <p:txBody>
-          <a:bodyPr/>
-          <a:lstStyle/>
-          <a:p>
-            <a:pPr marL="0" indent="0" eaLnBrk="1" hangingPunct="1">
-              <a:buNone/>
-            </a:pPr>
-            <a:r>
-              <a:rPr lang="en-US" altLang="en-US" sz="1833" dirty="0">
-                <a:latin typeface="Tahoma" panose="020B0604030504040204" pitchFamily="34" charset="0"/>
-                <a:ea typeface="ＭＳ Ｐゴシック" panose="020B0600070205080204" pitchFamily="34" charset="-128"/>
-              </a:rPr>
-              <a:t>A </a:t>
-            </a:r>
-            <a:r>
-              <a:rPr lang="en-US" altLang="en-US" sz="1833" b="1" dirty="0">
-                <a:latin typeface="Tahoma" panose="020B0604030504040204" pitchFamily="34" charset="0"/>
-                <a:ea typeface="ＭＳ Ｐゴシック" panose="020B0600070205080204" pitchFamily="34" charset="-128"/>
-              </a:rPr>
-              <a:t>client</a:t>
-            </a:r>
-            <a:r>
-              <a:rPr lang="en-US" altLang="en-US" sz="1833" dirty="0">
-                <a:latin typeface="Tahoma" panose="020B0604030504040204" pitchFamily="34" charset="0"/>
-                <a:ea typeface="ＭＳ Ｐゴシック" panose="020B0600070205080204" pitchFamily="34" charset="-128"/>
-              </a:rPr>
-              <a:t> is a computer that is requesting a resource or service. </a:t>
-            </a:r>
-          </a:p>
-          <a:p>
-            <a:pPr eaLnBrk="1" hangingPunct="1"/>
-            <a:endParaRPr lang="en-US" altLang="en-US" sz="1833" dirty="0">
-              <a:latin typeface="Tahoma" panose="020B0604030504040204" pitchFamily="34" charset="0"/>
-              <a:ea typeface="ＭＳ Ｐゴシック" panose="020B0600070205080204" pitchFamily="34" charset="-128"/>
-            </a:endParaRPr>
-          </a:p>
-          <a:p>
-            <a:pPr marL="0" indent="0" eaLnBrk="1" hangingPunct="1">
-              <a:buNone/>
-            </a:pPr>
-            <a:r>
-              <a:rPr lang="en-US" altLang="en-US" sz="1833" dirty="0">
-                <a:latin typeface="Tahoma" panose="020B0604030504040204" pitchFamily="34" charset="0"/>
-                <a:ea typeface="ＭＳ Ｐゴシック" panose="020B0600070205080204" pitchFamily="34" charset="-128"/>
-              </a:rPr>
-              <a:t>A </a:t>
-            </a:r>
-            <a:r>
-              <a:rPr lang="en-US" altLang="en-US" sz="1833" b="1" dirty="0">
-                <a:latin typeface="Tahoma" panose="020B0604030504040204" pitchFamily="34" charset="0"/>
-                <a:ea typeface="ＭＳ Ｐゴシック" panose="020B0600070205080204" pitchFamily="34" charset="-128"/>
-              </a:rPr>
-              <a:t>server</a:t>
-            </a:r>
-            <a:r>
-              <a:rPr lang="en-US" altLang="en-US" sz="1833" dirty="0">
-                <a:latin typeface="Tahoma" panose="020B0604030504040204" pitchFamily="34" charset="0"/>
-                <a:ea typeface="ＭＳ Ｐゴシック" panose="020B0600070205080204" pitchFamily="34" charset="-128"/>
-              </a:rPr>
-              <a:t> is a computer that provides a resource or service.</a:t>
-            </a:r>
-          </a:p>
-          <a:p>
-            <a:pPr lvl="1" eaLnBrk="1" hangingPunct="1"/>
-            <a:r>
-              <a:rPr lang="en-US" altLang="en-US" sz="1833" dirty="0">
-                <a:latin typeface="Tahoma" panose="020B0604030504040204" pitchFamily="34" charset="0"/>
-              </a:rPr>
-              <a:t>Print servers provides printing service, web servers serves webpages, email servers, file servers, </a:t>
-            </a:r>
-            <a:r>
-              <a:rPr lang="en-US" altLang="en-US" sz="1833" dirty="0" err="1">
-                <a:latin typeface="Tahoma" panose="020B0604030504040204" pitchFamily="34" charset="0"/>
-              </a:rPr>
-              <a:t>etc</a:t>
-            </a:r>
-            <a:r>
-              <a:rPr lang="en-US" altLang="en-US" sz="1833" dirty="0">
-                <a:latin typeface="Tahoma" panose="020B0604030504040204" pitchFamily="34" charset="0"/>
-              </a:rPr>
-              <a:t>…</a:t>
-            </a:r>
-          </a:p>
-          <a:p>
-            <a:pPr lvl="1" eaLnBrk="1" hangingPunct="1"/>
-            <a:endParaRPr lang="en-US" altLang="en-US" sz="1833" dirty="0">
-              <a:latin typeface="Tahoma" panose="020B0604030504040204" pitchFamily="34" charset="0"/>
-            </a:endParaRPr>
-          </a:p>
-          <a:p>
-            <a:pPr lvl="1" eaLnBrk="1" hangingPunct="1"/>
-            <a:endParaRPr lang="en-US" altLang="en-US" sz="1833" dirty="0">
-              <a:latin typeface="Tahoma" panose="020B0604030504040204" pitchFamily="34" charset="0"/>
-            </a:endParaRPr>
-          </a:p>
-          <a:p>
-            <a:pPr eaLnBrk="1" hangingPunct="1">
-              <a:buFontTx/>
-              <a:buNone/>
-            </a:pPr>
-            <a:endParaRPr lang="en-US" altLang="en-US" sz="1833" b="1" dirty="0">
-              <a:solidFill>
-                <a:srgbClr val="008000"/>
-              </a:solidFill>
-              <a:latin typeface="Courier New" panose="02070309020205020404" pitchFamily="49" charset="0"/>
-              <a:ea typeface="ＭＳ Ｐゴシック" panose="020B0600070205080204" pitchFamily="34" charset="-128"/>
-            </a:endParaRPr>
-          </a:p>
-        </p:txBody>
-      </p:sp>
-      <p:pic>
-        <p:nvPicPr>
-          <p:cNvPr id="19459" name="Picture 1">
-            <a:extLst>
-              <a:ext uri="{FF2B5EF4-FFF2-40B4-BE49-F238E27FC236}">
-                <a16:creationId xmlns:a16="http://schemas.microsoft.com/office/drawing/2014/main" id="{650612D4-1EFC-C443-AF16-757A3B8CFF56}"/>
-              </a:ext>
-            </a:extLst>
-          </p:cNvPr>
-          <p:cNvPicPr>
-            <a:picLocks noChangeAspect="1"/>
-          </p:cNvPicPr>
-          <p:nvPr/>
-        </p:nvPicPr>
-        <p:blipFill>
-          <a:blip r:embed="rId3">
-            <a:extLst>
-              <a:ext uri="{28A0092B-C50C-407E-A947-70E740481C1C}">
-                <a14:useLocalDpi xmlns:a14="http://schemas.microsoft.com/office/drawing/2010/main" val="0"/>
-              </a:ext>
-            </a:extLst>
-          </a:blip>
-          <a:srcRect/>
-          <a:stretch>
-            <a:fillRect/>
-          </a:stretch>
-        </p:blipFill>
-        <p:spPr bwMode="auto">
-          <a:xfrm>
-            <a:off x="2461833" y="3101966"/>
-            <a:ext cx="3480593" cy="2088885"/>
-          </a:xfrm>
-          <a:prstGeom prst="rect">
-            <a:avLst/>
-          </a:prstGeom>
-          <a:noFill/>
-          <a:ln>
-            <a:noFill/>
-          </a:ln>
-          <a:extLst>
-            <a:ext uri="{909E8E84-426E-40DD-AFC4-6F175D3DCCD1}">
-              <a14:hiddenFill xmlns:a14="http://schemas.microsoft.com/office/drawing/2010/main">
-                <a:solidFill>
-                  <a:srgbClr val="FFFFFF"/>
-                </a:solidFill>
-              </a14:hiddenFill>
-            </a:ext>
-            <a:ext uri="{91240B29-F687-4F45-9708-019B960494DF}">
-              <a14:hiddenLine xmlns:a14="http://schemas.microsoft.com/office/drawing/2010/main" w="9525">
-                <a:solidFill>
-                  <a:srgbClr val="000000"/>
-                </a:solidFill>
-                <a:miter lim="800000"/>
-                <a:headEnd/>
-                <a:tailEnd/>
-              </a14:hiddenLine>
-            </a:ext>
-          </a:extLst>
-        </p:spPr>
-      </p:pic>
-    </p:spTree>
-    <p:extLst>
-      <p:ext uri="{BB962C8B-B14F-4D97-AF65-F5344CB8AC3E}">
-        <p14:creationId xmlns:p14="http://schemas.microsoft.com/office/powerpoint/2010/main" val="156416513"/>
-      </p:ext>
-    </p:extLst>
-  </p:cSld>
-  <p:clrMapOvr>
-    <a:masterClrMapping/>
-  </p:clrMapOvr>
-  <p:transition/>
-  <p:timing>
-    <p:tnLst>
-      <p:par>
-        <p:cTn id="1" dur="indefinite" restart="never" nodeType="tmRoot">
-          <p:childTnLst>
-            <p:seq concurrent="1" nextAc="seek">
-              <p:cTn id="2" dur="indefinite" nodeType="mainSeq">
-                <p:childTnLst>
-                  <p:par>
-                    <p:cTn id="3" fill="hold" nodeType="clickPar">
-                      <p:stCondLst>
-                        <p:cond delay="indefinite"/>
-                      </p:stCondLst>
-                      <p:childTnLst>
-                        <p:par>
-                          <p:cTn id="4" fill="hold" nodeType="withGroup">
-                            <p:stCondLst>
-                              <p:cond delay="0"/>
-                            </p:stCondLst>
-                            <p:childTnLst>
-                              <p:par>
-                                <p:cTn id="5" presetID="1" presetClass="entr" presetSubtype="0" fill="hold" nodeType="clickEffect">
-                                  <p:stCondLst>
-                                    <p:cond delay="0"/>
-                                  </p:stCondLst>
-                                  <p:childTnLst>
-                                    <p:set>
-                                      <p:cBhvr>
-                                        <p:cTn id="6" dur="1" fill="hold">
-                                          <p:stCondLst>
-                                            <p:cond delay="0"/>
-                                          </p:stCondLst>
-                                        </p:cTn>
-                                        <p:tgtEl>
-                                          <p:spTgt spid="19458">
-                                            <p:txEl>
-                                              <p:pRg st="2" end="2"/>
-                                            </p:txEl>
-                                          </p:spTgt>
-                                        </p:tgtEl>
-                                        <p:attrNameLst>
-                                          <p:attrName>style.visibility</p:attrName>
-                                        </p:attrNameLst>
-                                      </p:cBhvr>
-                                      <p:to>
-                                        <p:strVal val="visible"/>
-                                      </p:to>
-                                    </p:set>
-                                  </p:childTnLst>
-                                </p:cTn>
-                              </p:par>
-                              <p:par>
-                                <p:cTn id="7" presetID="1" presetClass="entr" presetSubtype="0" fill="hold" nodeType="withEffect">
-                                  <p:stCondLst>
-                                    <p:cond delay="0"/>
-                                  </p:stCondLst>
-                                  <p:childTnLst>
-                                    <p:set>
-                                      <p:cBhvr>
-                                        <p:cTn id="8" dur="1" fill="hold">
-                                          <p:stCondLst>
-                                            <p:cond delay="0"/>
-                                          </p:stCondLst>
-                                        </p:cTn>
-                                        <p:tgtEl>
-                                          <p:spTgt spid="19458">
-                                            <p:txEl>
-                                              <p:pRg st="3" end="3"/>
-                                            </p:txEl>
-                                          </p:spTgt>
-                                        </p:tgtEl>
-                                        <p:attrNameLst>
-                                          <p:attrName>style.visibility</p:attrName>
-                                        </p:attrNameLst>
-                                      </p:cBhvr>
-                                      <p:to>
-                                        <p:strVal val="visible"/>
-                                      </p:to>
-                                    </p:set>
-                                  </p:childTnLst>
-                                </p:cTn>
-                              </p:par>
-                            </p:childTnLst>
-                          </p:cTn>
-                        </p:par>
-                      </p:childTnLst>
-                    </p:cTn>
-                  </p:par>
-                </p:childTnLst>
-              </p:cTn>
-              <p:prevCondLst>
-                <p:cond evt="onPrev" delay="0">
-                  <p:tgtEl>
-                    <p:sldTgt/>
-                  </p:tgtEl>
-                </p:cond>
-              </p:prevCondLst>
-              <p:nextCondLst>
-                <p:cond evt="onNext" delay="0">
-                  <p:tgtEl>
-                    <p:sldTgt/>
-                  </p:tgtEl>
-                </p:cond>
-              </p:nextCondLst>
-            </p:seq>
-          </p:childTnLst>
-        </p:cTn>
-      </p:par>
-    </p:tnLst>
-  </p:timing>
-</p:sld>
-</file>
-
-<file path=ppt/slides/slide6.xml><?xml version="1.0" encoding="utf-8"?>
-<p:sld xmlns:a="http://schemas.openxmlformats.org/drawingml/2006/main" xmlns:r="http://schemas.openxmlformats.org/officeDocument/2006/relationships" xmlns:p="http://schemas.openxmlformats.org/presentationml/2006/main">
-  <p:cSld>
-    <p:spTree>
-      <p:nvGrpSpPr>
-        <p:cNvPr id="1" name=""/>
-        <p:cNvGrpSpPr/>
-        <p:nvPr/>
-      </p:nvGrpSpPr>
-      <p:grpSpPr>
-        <a:xfrm>
-          <a:off x="0" y="0"/>
-          <a:ext cx="0" cy="0"/>
-          <a:chOff x="0" y="0"/>
-          <a:chExt cx="0" cy="0"/>
-        </a:xfrm>
-      </p:grpSpPr>
-      <p:sp>
-        <p:nvSpPr>
           <p:cNvPr id="21505" name="Rectangle 2">
             <a:extLst>
               <a:ext uri="{FF2B5EF4-FFF2-40B4-BE49-F238E27FC236}">
@@ -25069,6 +26272,35 @@
           </a:extLst>
         </p:spPr>
       </p:pic>
+      <p:sp>
+        <p:nvSpPr>
+          <p:cNvPr id="2" name="Slide Number Placeholder 1">
+            <a:extLst>
+              <a:ext uri="{FF2B5EF4-FFF2-40B4-BE49-F238E27FC236}">
+                <a16:creationId xmlns:a16="http://schemas.microsoft.com/office/drawing/2014/main" id="{4C7CDBB3-324D-4C4D-BCC9-7CEEFAF6DCA9}"/>
+              </a:ext>
+            </a:extLst>
+          </p:cNvPr>
+          <p:cNvSpPr>
+            <a:spLocks noGrp="1"/>
+          </p:cNvSpPr>
+          <p:nvPr>
+            <p:ph type="sldNum" sz="quarter" idx="12"/>
+          </p:nvPr>
+        </p:nvSpPr>
+        <p:spPr/>
+        <p:txBody>
+          <a:bodyPr/>
+          <a:lstStyle/>
+          <a:p>
+            <a:fld id="{D57F1E4F-1CFF-5643-939E-02111984F565}" type="slidenum">
+              <a:rPr lang="en-US" smtClean="0"/>
+              <a:t>5</a:t>
+            </a:fld>
+            <a:endParaRPr lang="en-US" dirty="0"/>
+          </a:p>
+        </p:txBody>
+      </p:sp>
     </p:spTree>
     <p:extLst>
       <p:ext uri="{BB962C8B-B14F-4D97-AF65-F5344CB8AC3E}">
@@ -25083,7 +26315,7 @@
 </p:sld>
 </file>
 
-<file path=ppt/slides/slide7.xml><?xml version="1.0" encoding="utf-8"?>
+<file path=ppt/slides/slide6.xml><?xml version="1.0" encoding="utf-8"?>
 <p:sld xmlns:a="http://schemas.openxmlformats.org/drawingml/2006/main" xmlns:r="http://schemas.openxmlformats.org/officeDocument/2006/relationships" xmlns:p="http://schemas.openxmlformats.org/presentationml/2006/main">
   <p:cSld>
     <p:spTree>
@@ -25258,6 +26490,35 @@
             <a:endParaRPr lang="en-US" sz="2200" dirty="0">
               <a:latin typeface="Gill Sans MT" panose="020B0502020104020203" pitchFamily="34" charset="77"/>
             </a:endParaRPr>
+          </a:p>
+        </p:txBody>
+      </p:sp>
+      <p:sp>
+        <p:nvSpPr>
+          <p:cNvPr id="2" name="Slide Number Placeholder 1">
+            <a:extLst>
+              <a:ext uri="{FF2B5EF4-FFF2-40B4-BE49-F238E27FC236}">
+                <a16:creationId xmlns:a16="http://schemas.microsoft.com/office/drawing/2014/main" id="{15F2D738-452A-D742-B2A7-39BB9C414871}"/>
+              </a:ext>
+            </a:extLst>
+          </p:cNvPr>
+          <p:cNvSpPr>
+            <a:spLocks noGrp="1"/>
+          </p:cNvSpPr>
+          <p:nvPr>
+            <p:ph type="sldNum" sz="quarter" idx="12"/>
+          </p:nvPr>
+        </p:nvSpPr>
+        <p:spPr/>
+        <p:txBody>
+          <a:bodyPr/>
+          <a:lstStyle/>
+          <a:p>
+            <a:fld id="{D57F1E4F-1CFF-5643-939E-02111984F565}" type="slidenum">
+              <a:rPr lang="en-US" smtClean="0"/>
+              <a:t>6</a:t>
+            </a:fld>
+            <a:endParaRPr lang="en-US" dirty="0"/>
           </a:p>
         </p:txBody>
       </p:sp>
@@ -25434,7 +26695,7 @@
 </p:sld>
 </file>
 
-<file path=ppt/slides/slide8.xml><?xml version="1.0" encoding="utf-8"?>
+<file path=ppt/slides/slide7.xml><?xml version="1.0" encoding="utf-8"?>
 <p:sld xmlns:a="http://schemas.openxmlformats.org/drawingml/2006/main" xmlns:r="http://schemas.openxmlformats.org/officeDocument/2006/relationships" xmlns:p="http://schemas.openxmlformats.org/presentationml/2006/main">
   <p:cSld>
     <p:spTree>
@@ -25679,6 +26940,35 @@
             <a:endParaRPr lang="en-US" altLang="en-US" sz="667" dirty="0">
               <a:latin typeface="Gill Sans MT" panose="020B0502020104020203" pitchFamily="34" charset="77"/>
             </a:endParaRPr>
+          </a:p>
+        </p:txBody>
+      </p:sp>
+      <p:sp>
+        <p:nvSpPr>
+          <p:cNvPr id="2" name="Slide Number Placeholder 1">
+            <a:extLst>
+              <a:ext uri="{FF2B5EF4-FFF2-40B4-BE49-F238E27FC236}">
+                <a16:creationId xmlns:a16="http://schemas.microsoft.com/office/drawing/2014/main" id="{8E1E1AF1-66DE-4A48-96D8-13BC32D07B73}"/>
+              </a:ext>
+            </a:extLst>
+          </p:cNvPr>
+          <p:cNvSpPr>
+            <a:spLocks noGrp="1"/>
+          </p:cNvSpPr>
+          <p:nvPr>
+            <p:ph type="sldNum" sz="quarter" idx="12"/>
+          </p:nvPr>
+        </p:nvSpPr>
+        <p:spPr/>
+        <p:txBody>
+          <a:bodyPr/>
+          <a:lstStyle/>
+          <a:p>
+            <a:fld id="{D57F1E4F-1CFF-5643-939E-02111984F565}" type="slidenum">
+              <a:rPr lang="en-US" smtClean="0"/>
+              <a:t>7</a:t>
+            </a:fld>
+            <a:endParaRPr lang="en-US" dirty="0"/>
           </a:p>
         </p:txBody>
       </p:sp>
@@ -25806,7 +27096,7 @@
 </p:sld>
 </file>
 
-<file path=ppt/slides/slide9.xml><?xml version="1.0" encoding="utf-8"?>
+<file path=ppt/slides/slide8.xml><?xml version="1.0" encoding="utf-8"?>
 <p:sld xmlns:a="http://schemas.openxmlformats.org/drawingml/2006/main" xmlns:r="http://schemas.openxmlformats.org/officeDocument/2006/relationships" xmlns:p="http://schemas.openxmlformats.org/presentationml/2006/main">
   <p:cSld>
     <p:spTree>
@@ -26007,6 +27297,35 @@
             <a:endParaRPr lang="en-US" altLang="en-US" sz="667" dirty="0">
               <a:latin typeface="Gill Sans MT" panose="020B0502020104020203" pitchFamily="34" charset="77"/>
             </a:endParaRPr>
+          </a:p>
+        </p:txBody>
+      </p:sp>
+      <p:sp>
+        <p:nvSpPr>
+          <p:cNvPr id="2" name="Slide Number Placeholder 1">
+            <a:extLst>
+              <a:ext uri="{FF2B5EF4-FFF2-40B4-BE49-F238E27FC236}">
+                <a16:creationId xmlns:a16="http://schemas.microsoft.com/office/drawing/2014/main" id="{B380843C-29C4-BA47-A56F-89D728ED139B}"/>
+              </a:ext>
+            </a:extLst>
+          </p:cNvPr>
+          <p:cNvSpPr>
+            <a:spLocks noGrp="1"/>
+          </p:cNvSpPr>
+          <p:nvPr>
+            <p:ph type="sldNum" sz="quarter" idx="12"/>
+          </p:nvPr>
+        </p:nvSpPr>
+        <p:spPr/>
+        <p:txBody>
+          <a:bodyPr/>
+          <a:lstStyle/>
+          <a:p>
+            <a:fld id="{D57F1E4F-1CFF-5643-939E-02111984F565}" type="slidenum">
+              <a:rPr lang="en-US" smtClean="0"/>
+              <a:t>8</a:t>
+            </a:fld>
+            <a:endParaRPr lang="en-US" dirty="0"/>
           </a:p>
         </p:txBody>
       </p:sp>
@@ -26184,6 +27503,449 @@
                                               <p:pRg st="7" end="7"/>
                                             </p:txEl>
                                           </p:spTgt>
+                                        </p:tgtEl>
+                                        <p:attrNameLst>
+                                          <p:attrName>style.visibility</p:attrName>
+                                        </p:attrNameLst>
+                                      </p:cBhvr>
+                                      <p:to>
+                                        <p:strVal val="visible"/>
+                                      </p:to>
+                                    </p:set>
+                                  </p:childTnLst>
+                                </p:cTn>
+                              </p:par>
+                            </p:childTnLst>
+                          </p:cTn>
+                        </p:par>
+                      </p:childTnLst>
+                    </p:cTn>
+                  </p:par>
+                </p:childTnLst>
+              </p:cTn>
+              <p:prevCondLst>
+                <p:cond evt="onPrev" delay="0">
+                  <p:tgtEl>
+                    <p:sldTgt/>
+                  </p:tgtEl>
+                </p:cond>
+              </p:prevCondLst>
+              <p:nextCondLst>
+                <p:cond evt="onNext" delay="0">
+                  <p:tgtEl>
+                    <p:sldTgt/>
+                  </p:tgtEl>
+                </p:cond>
+              </p:nextCondLst>
+            </p:seq>
+          </p:childTnLst>
+        </p:cTn>
+      </p:par>
+    </p:tnLst>
+  </p:timing>
+</p:sld>
+</file>
+
+<file path=ppt/slides/slide9.xml><?xml version="1.0" encoding="utf-8"?>
+<p:sld xmlns:a="http://schemas.openxmlformats.org/drawingml/2006/main" xmlns:r="http://schemas.openxmlformats.org/officeDocument/2006/relationships" xmlns:p="http://schemas.openxmlformats.org/presentationml/2006/main">
+  <p:cSld>
+    <p:spTree>
+      <p:nvGrpSpPr>
+        <p:cNvPr id="1" name=""/>
+        <p:cNvGrpSpPr/>
+        <p:nvPr/>
+      </p:nvGrpSpPr>
+      <p:grpSpPr>
+        <a:xfrm>
+          <a:off x="0" y="0"/>
+          <a:ext cx="0" cy="0"/>
+          <a:chOff x="0" y="0"/>
+          <a:chExt cx="0" cy="0"/>
+        </a:xfrm>
+      </p:grpSpPr>
+      <p:sp>
+        <p:nvSpPr>
+          <p:cNvPr id="29697" name="Rectangle 2">
+            <a:extLst>
+              <a:ext uri="{FF2B5EF4-FFF2-40B4-BE49-F238E27FC236}">
+                <a16:creationId xmlns:a16="http://schemas.microsoft.com/office/drawing/2014/main" id="{FE344302-6250-2241-8F6D-C448D16804F4}"/>
+              </a:ext>
+            </a:extLst>
+          </p:cNvPr>
+          <p:cNvSpPr>
+            <a:spLocks noGrp="1" noChangeArrowheads="1"/>
+          </p:cNvSpPr>
+          <p:nvPr>
+            <p:ph type="title" idx="4294967295"/>
+          </p:nvPr>
+        </p:nvSpPr>
+        <p:spPr>
+          <a:xfrm>
+            <a:off x="195209" y="193328"/>
+            <a:ext cx="7886700" cy="761635"/>
+          </a:xfrm>
+        </p:spPr>
+        <p:txBody>
+          <a:bodyPr vert="horz" lIns="0" tIns="45720" rIns="0" bIns="0" rtlCol="0" anchor="b">
+            <a:normAutofit/>
+          </a:bodyPr>
+          <a:lstStyle/>
+          <a:p>
+            <a:pPr eaLnBrk="1" hangingPunct="1"/>
+            <a:r>
+              <a:rPr lang="en-US" altLang="en-US" dirty="0">
+                <a:latin typeface="Tahoma" panose="020B0604030504040204" pitchFamily="34" charset="0"/>
+                <a:ea typeface="ＭＳ Ｐゴシック" panose="020B0600070205080204" pitchFamily="34" charset="-128"/>
+              </a:rPr>
+              <a:t>IP Address(IPv4)</a:t>
+            </a:r>
+          </a:p>
+        </p:txBody>
+      </p:sp>
+      <p:sp>
+        <p:nvSpPr>
+          <p:cNvPr id="29698" name="Rectangle 3">
+            <a:extLst>
+              <a:ext uri="{FF2B5EF4-FFF2-40B4-BE49-F238E27FC236}">
+                <a16:creationId xmlns:a16="http://schemas.microsoft.com/office/drawing/2014/main" id="{E66559DC-645B-874B-9A56-EC803A4B4B92}"/>
+              </a:ext>
+            </a:extLst>
+          </p:cNvPr>
+          <p:cNvSpPr>
+            <a:spLocks noGrp="1" noChangeArrowheads="1"/>
+          </p:cNvSpPr>
+          <p:nvPr>
+            <p:ph type="body" idx="4294967295"/>
+          </p:nvPr>
+        </p:nvSpPr>
+        <p:spPr>
+          <a:xfrm>
+            <a:off x="195209" y="1130157"/>
+            <a:ext cx="8743308" cy="4304871"/>
+          </a:xfrm>
+        </p:spPr>
+        <p:txBody>
+          <a:bodyPr/>
+          <a:lstStyle/>
+          <a:p>
+            <a:pPr marL="0" indent="0" eaLnBrk="1" hangingPunct="1">
+              <a:buNone/>
+            </a:pPr>
+            <a:r>
+              <a:rPr lang="en-US" altLang="en-US" sz="1667" dirty="0">
+                <a:latin typeface="Tahoma" panose="020B0604030504040204" pitchFamily="34" charset="0"/>
+                <a:ea typeface="ＭＳ Ｐゴシック" panose="020B0600070205080204" pitchFamily="34" charset="-128"/>
+              </a:rPr>
+              <a:t>The </a:t>
+            </a:r>
+            <a:r>
+              <a:rPr lang="en-US" altLang="en-US" sz="1667" b="1" dirty="0">
+                <a:latin typeface="Tahoma" panose="020B0604030504040204" pitchFamily="34" charset="0"/>
+                <a:ea typeface="ＭＳ Ｐゴシック" panose="020B0600070205080204" pitchFamily="34" charset="-128"/>
+              </a:rPr>
+              <a:t>IP address</a:t>
+            </a:r>
+            <a:r>
+              <a:rPr lang="en-US" altLang="en-US" sz="1667" dirty="0">
+                <a:latin typeface="Tahoma" panose="020B0604030504040204" pitchFamily="34" charset="0"/>
+                <a:ea typeface="ＭＳ Ｐゴシック" panose="020B0600070205080204" pitchFamily="34" charset="-128"/>
+              </a:rPr>
+              <a:t> is a unique 32-bit that identifies on which network the computer is located as well as differentiates the computer from all other devices on the same network. </a:t>
+            </a:r>
+          </a:p>
+          <a:p>
+            <a:pPr eaLnBrk="1" hangingPunct="1"/>
+            <a:endParaRPr lang="en-US" altLang="en-US" sz="1667" dirty="0">
+              <a:latin typeface="Tahoma" panose="020B0604030504040204" pitchFamily="34" charset="0"/>
+              <a:ea typeface="ＭＳ Ｐゴシック" panose="020B0600070205080204" pitchFamily="34" charset="-128"/>
+            </a:endParaRPr>
+          </a:p>
+          <a:p>
+            <a:pPr marL="0" indent="0" eaLnBrk="1" hangingPunct="1">
+              <a:buNone/>
+            </a:pPr>
+            <a:r>
+              <a:rPr lang="en-US" altLang="en-US" sz="1667" dirty="0">
+                <a:latin typeface="Tahoma" panose="020B0604030504040204" pitchFamily="34" charset="0"/>
+                <a:ea typeface="ＭＳ Ｐゴシック" panose="020B0600070205080204" pitchFamily="34" charset="-128"/>
+              </a:rPr>
+              <a:t>The address is divided into four 8-bit parts. The format is A.B.C.D, where A,B,C,D are decimal equivalent of the 8-bit binary value. Each value is in the range 0-255. </a:t>
+            </a:r>
+          </a:p>
+          <a:p>
+            <a:pPr eaLnBrk="1" hangingPunct="1"/>
+            <a:endParaRPr lang="en-US" altLang="en-US" sz="1667" dirty="0">
+              <a:latin typeface="Tahoma" panose="020B0604030504040204" pitchFamily="34" charset="0"/>
+              <a:ea typeface="ＭＳ Ｐゴシック" panose="020B0600070205080204" pitchFamily="34" charset="-128"/>
+            </a:endParaRPr>
+          </a:p>
+          <a:p>
+            <a:pPr marL="0" indent="0" eaLnBrk="1" hangingPunct="1">
+              <a:buNone/>
+            </a:pPr>
+            <a:r>
+              <a:rPr lang="en-US" altLang="en-US" sz="1667" dirty="0">
+                <a:latin typeface="Tahoma" panose="020B0604030504040204" pitchFamily="34" charset="0"/>
+                <a:ea typeface="ＭＳ Ｐゴシック" panose="020B0600070205080204" pitchFamily="34" charset="-128"/>
+              </a:rPr>
+              <a:t>IP address has three parts: network number(identifies the network), subnet and host ID number(identifies the particular computer or host). For example:</a:t>
+            </a:r>
+          </a:p>
+          <a:p>
+            <a:pPr eaLnBrk="1" hangingPunct="1"/>
+            <a:endParaRPr lang="en-US" altLang="en-US" sz="1333" dirty="0">
+              <a:latin typeface="Tahoma" panose="020B0604030504040204" pitchFamily="34" charset="0"/>
+              <a:ea typeface="ＭＳ Ｐゴシック" panose="020B0600070205080204" pitchFamily="34" charset="-128"/>
+            </a:endParaRPr>
+          </a:p>
+          <a:p>
+            <a:pPr eaLnBrk="1" hangingPunct="1"/>
+            <a:endParaRPr lang="en-US" altLang="en-US" sz="1333" dirty="0">
+              <a:latin typeface="Tahoma" panose="020B0604030504040204" pitchFamily="34" charset="0"/>
+              <a:ea typeface="ＭＳ Ｐゴシック" panose="020B0600070205080204" pitchFamily="34" charset="-128"/>
+            </a:endParaRPr>
+          </a:p>
+          <a:p>
+            <a:pPr lvl="3" eaLnBrk="1" hangingPunct="1"/>
+            <a:endParaRPr lang="en-US" altLang="en-US" sz="667" dirty="0">
+              <a:latin typeface="Tahoma" panose="020B0604030504040204" pitchFamily="34" charset="0"/>
+            </a:endParaRPr>
+          </a:p>
+        </p:txBody>
+      </p:sp>
+      <p:pic>
+        <p:nvPicPr>
+          <p:cNvPr id="29699" name="Picture 1">
+            <a:extLst>
+              <a:ext uri="{FF2B5EF4-FFF2-40B4-BE49-F238E27FC236}">
+                <a16:creationId xmlns:a16="http://schemas.microsoft.com/office/drawing/2014/main" id="{090A5754-8CAB-3747-8068-84BA02EDFD26}"/>
+              </a:ext>
+            </a:extLst>
+          </p:cNvPr>
+          <p:cNvPicPr>
+            <a:picLocks noChangeAspect="1"/>
+          </p:cNvPicPr>
+          <p:nvPr/>
+        </p:nvPicPr>
+        <p:blipFill>
+          <a:blip r:embed="rId3">
+            <a:extLst>
+              <a:ext uri="{28A0092B-C50C-407E-A947-70E740481C1C}">
+                <a14:useLocalDpi xmlns:a14="http://schemas.microsoft.com/office/drawing/2010/main" val="0"/>
+              </a:ext>
+            </a:extLst>
+          </a:blip>
+          <a:srcRect/>
+          <a:stretch>
+            <a:fillRect/>
+          </a:stretch>
+        </p:blipFill>
+        <p:spPr bwMode="auto">
+          <a:xfrm>
+            <a:off x="2703819" y="3728850"/>
+            <a:ext cx="3059906" cy="723635"/>
+          </a:xfrm>
+          <a:prstGeom prst="rect">
+            <a:avLst/>
+          </a:prstGeom>
+          <a:noFill/>
+          <a:ln>
+            <a:noFill/>
+          </a:ln>
+          <a:extLst>
+            <a:ext uri="{909E8E84-426E-40DD-AFC4-6F175D3DCCD1}">
+              <a14:hiddenFill xmlns:a14="http://schemas.microsoft.com/office/drawing/2010/main">
+                <a:solidFill>
+                  <a:srgbClr val="FFFFFF"/>
+                </a:solidFill>
+              </a14:hiddenFill>
+            </a:ext>
+            <a:ext uri="{91240B29-F687-4F45-9708-019B960494DF}">
+              <a14:hiddenLine xmlns:a14="http://schemas.microsoft.com/office/drawing/2010/main" w="9525">
+                <a:solidFill>
+                  <a:srgbClr val="000000"/>
+                </a:solidFill>
+                <a:miter lim="800000"/>
+                <a:headEnd/>
+                <a:tailEnd/>
+              </a14:hiddenLine>
+            </a:ext>
+          </a:extLst>
+        </p:spPr>
+      </p:pic>
+      <p:sp>
+        <p:nvSpPr>
+          <p:cNvPr id="2" name="Slide Number Placeholder 1">
+            <a:extLst>
+              <a:ext uri="{FF2B5EF4-FFF2-40B4-BE49-F238E27FC236}">
+                <a16:creationId xmlns:a16="http://schemas.microsoft.com/office/drawing/2014/main" id="{B797C99C-9084-7E4F-818B-197B308F563C}"/>
+              </a:ext>
+            </a:extLst>
+          </p:cNvPr>
+          <p:cNvSpPr>
+            <a:spLocks noGrp="1"/>
+          </p:cNvSpPr>
+          <p:nvPr>
+            <p:ph type="sldNum" sz="quarter" idx="12"/>
+          </p:nvPr>
+        </p:nvSpPr>
+        <p:spPr/>
+        <p:txBody>
+          <a:bodyPr/>
+          <a:lstStyle/>
+          <a:p>
+            <a:fld id="{D57F1E4F-1CFF-5643-939E-02111984F565}" type="slidenum">
+              <a:rPr lang="en-US" smtClean="0"/>
+              <a:t>9</a:t>
+            </a:fld>
+            <a:endParaRPr lang="en-US" dirty="0"/>
+          </a:p>
+        </p:txBody>
+      </p:sp>
+    </p:spTree>
+    <p:extLst>
+      <p:ext uri="{BB962C8B-B14F-4D97-AF65-F5344CB8AC3E}">
+        <p14:creationId xmlns:p14="http://schemas.microsoft.com/office/powerpoint/2010/main" val="1070622160"/>
+      </p:ext>
+    </p:extLst>
+  </p:cSld>
+  <p:clrMapOvr>
+    <a:masterClrMapping/>
+  </p:clrMapOvr>
+  <p:transition/>
+  <p:timing>
+    <p:tnLst>
+      <p:par>
+        <p:cTn id="1" dur="indefinite" restart="never" nodeType="tmRoot">
+          <p:childTnLst>
+            <p:seq concurrent="1" nextAc="seek">
+              <p:cTn id="2" dur="indefinite" nodeType="mainSeq">
+                <p:childTnLst>
+                  <p:par>
+                    <p:cTn id="3" fill="hold" nodeType="clickPar">
+                      <p:stCondLst>
+                        <p:cond delay="indefinite"/>
+                      </p:stCondLst>
+                      <p:childTnLst>
+                        <p:par>
+                          <p:cTn id="4" fill="hold" nodeType="withGroup">
+                            <p:stCondLst>
+                              <p:cond delay="0"/>
+                            </p:stCondLst>
+                            <p:childTnLst>
+                              <p:par>
+                                <p:cTn id="5" presetID="1" presetClass="entr" presetSubtype="0" fill="hold" nodeType="clickEffect">
+                                  <p:stCondLst>
+                                    <p:cond delay="0"/>
+                                  </p:stCondLst>
+                                  <p:childTnLst>
+                                    <p:set>
+                                      <p:cBhvr>
+                                        <p:cTn id="6" dur="1" fill="hold">
+                                          <p:stCondLst>
+                                            <p:cond delay="0"/>
+                                          </p:stCondLst>
+                                        </p:cTn>
+                                        <p:tgtEl>
+                                          <p:spTgt spid="29698">
+                                            <p:txEl>
+                                              <p:pRg st="2" end="2"/>
+                                            </p:txEl>
+                                          </p:spTgt>
+                                        </p:tgtEl>
+                                        <p:attrNameLst>
+                                          <p:attrName>style.visibility</p:attrName>
+                                        </p:attrNameLst>
+                                      </p:cBhvr>
+                                      <p:to>
+                                        <p:strVal val="visible"/>
+                                      </p:to>
+                                    </p:set>
+                                  </p:childTnLst>
+                                </p:cTn>
+                              </p:par>
+                            </p:childTnLst>
+                          </p:cTn>
+                        </p:par>
+                      </p:childTnLst>
+                    </p:cTn>
+                  </p:par>
+                  <p:par>
+                    <p:cTn id="7" fill="hold" nodeType="clickPar">
+                      <p:stCondLst>
+                        <p:cond delay="indefinite"/>
+                      </p:stCondLst>
+                      <p:childTnLst>
+                        <p:par>
+                          <p:cTn id="8" fill="hold" nodeType="withGroup">
+                            <p:stCondLst>
+                              <p:cond delay="0"/>
+                            </p:stCondLst>
+                            <p:childTnLst>
+                              <p:par>
+                                <p:cTn id="9" presetID="1" presetClass="entr" presetSubtype="0" fill="hold" nodeType="clickEffect">
+                                  <p:stCondLst>
+                                    <p:cond delay="0"/>
+                                  </p:stCondLst>
+                                  <p:childTnLst>
+                                    <p:set>
+                                      <p:cBhvr>
+                                        <p:cTn id="10" dur="1" fill="hold">
+                                          <p:stCondLst>
+                                            <p:cond delay="0"/>
+                                          </p:stCondLst>
+                                        </p:cTn>
+                                        <p:tgtEl>
+                                          <p:spTgt spid="29698">
+                                            <p:txEl>
+                                              <p:pRg st="4" end="4"/>
+                                            </p:txEl>
+                                          </p:spTgt>
+                                        </p:tgtEl>
+                                        <p:attrNameLst>
+                                          <p:attrName>style.visibility</p:attrName>
+                                        </p:attrNameLst>
+                                      </p:cBhvr>
+                                      <p:to>
+                                        <p:strVal val="visible"/>
+                                      </p:to>
+                                    </p:set>
+                                  </p:childTnLst>
+                                </p:cTn>
+                              </p:par>
+                            </p:childTnLst>
+                          </p:cTn>
+                        </p:par>
+                      </p:childTnLst>
+                    </p:cTn>
+                  </p:par>
+                  <p:par>
+                    <p:cTn id="11" fill="hold" nodeType="clickPar">
+                      <p:stCondLst>
+                        <p:cond delay="indefinite"/>
+                      </p:stCondLst>
+                      <p:childTnLst>
+                        <p:par>
+                          <p:cTn id="12" fill="hold" nodeType="withGroup">
+                            <p:stCondLst>
+                              <p:cond delay="0"/>
+                            </p:stCondLst>
+                            <p:childTnLst>
+                              <p:par>
+                                <p:cTn id="13" presetID="1" presetClass="entr" presetSubtype="0" fill="hold" nodeType="clickEffect">
+                                  <p:stCondLst>
+                                    <p:cond delay="0"/>
+                                  </p:stCondLst>
+                                  <p:childTnLst>
+                                    <p:set>
+                                      <p:cBhvr>
+                                        <p:cTn id="14" dur="1" fill="hold">
+                                          <p:stCondLst>
+                                            <p:cond delay="0"/>
+                                          </p:stCondLst>
+                                        </p:cTn>
+                                        <p:tgtEl>
+                                          <p:spTgt spid="29699"/>
                                         </p:tgtEl>
                                         <p:attrNameLst>
                                           <p:attrName>style.visibility</p:attrName>

--- a/courses/apcsp/lect18.pptx
+++ b/courses/apcsp/lect18.pptx
@@ -5,7 +5,7 @@
     <p:sldMasterId id="2147483791" r:id="rId1"/>
   </p:sldMasterIdLst>
   <p:notesMasterIdLst>
-    <p:notesMasterId r:id="rId39"/>
+    <p:notesMasterId r:id="rId33"/>
   </p:notesMasterIdLst>
   <p:sldIdLst>
     <p:sldId id="256" r:id="rId2"/>
@@ -26,25 +26,19 @@
     <p:sldId id="612" r:id="rId17"/>
     <p:sldId id="583" r:id="rId18"/>
     <p:sldId id="575" r:id="rId19"/>
-    <p:sldId id="588" r:id="rId20"/>
-    <p:sldId id="584" r:id="rId21"/>
-    <p:sldId id="616" r:id="rId22"/>
-    <p:sldId id="617" r:id="rId23"/>
-    <p:sldId id="585" r:id="rId24"/>
-    <p:sldId id="613" r:id="rId25"/>
-    <p:sldId id="615" r:id="rId26"/>
-    <p:sldId id="586" r:id="rId27"/>
-    <p:sldId id="587" r:id="rId28"/>
-    <p:sldId id="589" r:id="rId29"/>
-    <p:sldId id="591" r:id="rId30"/>
-    <p:sldId id="590" r:id="rId31"/>
-    <p:sldId id="619" r:id="rId32"/>
-    <p:sldId id="620" r:id="rId33"/>
-    <p:sldId id="621" r:id="rId34"/>
-    <p:sldId id="618" r:id="rId35"/>
-    <p:sldId id="622" r:id="rId36"/>
-    <p:sldId id="623" r:id="rId37"/>
-    <p:sldId id="610" r:id="rId38"/>
+    <p:sldId id="616" r:id="rId20"/>
+    <p:sldId id="585" r:id="rId21"/>
+    <p:sldId id="586" r:id="rId22"/>
+    <p:sldId id="587" r:id="rId23"/>
+    <p:sldId id="589" r:id="rId24"/>
+    <p:sldId id="591" r:id="rId25"/>
+    <p:sldId id="590" r:id="rId26"/>
+    <p:sldId id="619" r:id="rId27"/>
+    <p:sldId id="620" r:id="rId28"/>
+    <p:sldId id="621" r:id="rId29"/>
+    <p:sldId id="618" r:id="rId30"/>
+    <p:sldId id="623" r:id="rId31"/>
+    <p:sldId id="610" r:id="rId32"/>
   </p:sldIdLst>
   <p:sldSz cx="9144000" cy="5715000" type="screen16x10"/>
   <p:notesSz cx="6858000" cy="9144000"/>
@@ -154,7 +148,7 @@
 <file path=ppt/revisionInfo.xml><?xml version="1.0" encoding="utf-8"?>
 <p1510:revInfo xmlns:a="http://schemas.openxmlformats.org/drawingml/2006/main" xmlns:r="http://schemas.openxmlformats.org/officeDocument/2006/relationships" xmlns:p1510="http://schemas.microsoft.com/office/powerpoint/2015/10/main">
   <p1510:revLst>
-    <p1510:client id="{34A2CF11-652E-6345-AC5C-A89FACA07C4E}" v="416" dt="2021-03-23T13:51:09.572"/>
+    <p1510:client id="{571B3557-016F-8544-9E94-291716046DD1}" v="2" dt="2022-03-09T20:10:44.292"/>
   </p1510:revLst>
 </p1510:revInfo>
 </file>
@@ -2491,6 +2485,133 @@
     </pc:docChg>
   </pc:docChgLst>
   <pc:docChgLst>
+    <pc:chgData name="Long Nguyen" userId="f59fb8f3-a021-417a-8bc1-65c8d471c621" providerId="ADAL" clId="{571B3557-016F-8544-9E94-291716046DD1}"/>
+    <pc:docChg chg="custSel delSld modSld">
+      <pc:chgData name="Long Nguyen" userId="f59fb8f3-a021-417a-8bc1-65c8d471c621" providerId="ADAL" clId="{571B3557-016F-8544-9E94-291716046DD1}" dt="2022-03-09T20:10:46.065" v="16" actId="2696"/>
+      <pc:docMkLst>
+        <pc:docMk/>
+      </pc:docMkLst>
+      <pc:sldChg chg="modSp mod">
+        <pc:chgData name="Long Nguyen" userId="f59fb8f3-a021-417a-8bc1-65c8d471c621" providerId="ADAL" clId="{571B3557-016F-8544-9E94-291716046DD1}" dt="2022-03-09T20:10:35.666" v="9" actId="27636"/>
+        <pc:sldMkLst>
+          <pc:docMk/>
+          <pc:sldMk cId="3813527744" sldId="527"/>
+        </pc:sldMkLst>
+        <pc:spChg chg="mod">
+          <ac:chgData name="Long Nguyen" userId="f59fb8f3-a021-417a-8bc1-65c8d471c621" providerId="ADAL" clId="{571B3557-016F-8544-9E94-291716046DD1}" dt="2022-03-09T20:10:35.666" v="9" actId="27636"/>
+          <ac:spMkLst>
+            <pc:docMk/>
+            <pc:sldMk cId="3813527744" sldId="527"/>
+            <ac:spMk id="17410" creationId="{C9772176-DC13-F64D-AC00-58F2A4791B97}"/>
+          </ac:spMkLst>
+        </pc:spChg>
+      </pc:sldChg>
+      <pc:sldChg chg="modSp mod modAnim">
+        <pc:chgData name="Long Nguyen" userId="f59fb8f3-a021-417a-8bc1-65c8d471c621" providerId="ADAL" clId="{571B3557-016F-8544-9E94-291716046DD1}" dt="2022-03-09T20:10:44.323" v="15" actId="27636"/>
+        <pc:sldMkLst>
+          <pc:docMk/>
+          <pc:sldMk cId="3391101355" sldId="575"/>
+        </pc:sldMkLst>
+        <pc:spChg chg="mod">
+          <ac:chgData name="Long Nguyen" userId="f59fb8f3-a021-417a-8bc1-65c8d471c621" providerId="ADAL" clId="{571B3557-016F-8544-9E94-291716046DD1}" dt="2022-03-09T20:10:44.323" v="15" actId="27636"/>
+          <ac:spMkLst>
+            <pc:docMk/>
+            <pc:sldMk cId="3391101355" sldId="575"/>
+            <ac:spMk id="27651" creationId="{47FD0DF8-5133-F34E-AB80-6AF0E271D1FF}"/>
+          </ac:spMkLst>
+        </pc:spChg>
+        <pc:spChg chg="mod">
+          <ac:chgData name="Long Nguyen" userId="f59fb8f3-a021-417a-8bc1-65c8d471c621" providerId="ADAL" clId="{571B3557-016F-8544-9E94-291716046DD1}" dt="2022-03-09T20:10:42.046" v="13" actId="1076"/>
+          <ac:spMkLst>
+            <pc:docMk/>
+            <pc:sldMk cId="3391101355" sldId="575"/>
+            <ac:spMk id="59393" creationId="{0845453A-A29A-9A42-9905-72E41E15DA8F}"/>
+          </ac:spMkLst>
+        </pc:spChg>
+      </pc:sldChg>
+      <pc:sldChg chg="del">
+        <pc:chgData name="Long Nguyen" userId="f59fb8f3-a021-417a-8bc1-65c8d471c621" providerId="ADAL" clId="{571B3557-016F-8544-9E94-291716046DD1}" dt="2022-03-09T20:09:47.813" v="4" actId="2696"/>
+        <pc:sldMkLst>
+          <pc:docMk/>
+          <pc:sldMk cId="4256317276" sldId="584"/>
+        </pc:sldMkLst>
+      </pc:sldChg>
+      <pc:sldChg chg="modSp del mod">
+        <pc:chgData name="Long Nguyen" userId="f59fb8f3-a021-417a-8bc1-65c8d471c621" providerId="ADAL" clId="{571B3557-016F-8544-9E94-291716046DD1}" dt="2022-03-09T20:10:46.065" v="16" actId="2696"/>
+        <pc:sldMkLst>
+          <pc:docMk/>
+          <pc:sldMk cId="3609960584" sldId="588"/>
+        </pc:sldMkLst>
+        <pc:spChg chg="mod">
+          <ac:chgData name="Long Nguyen" userId="f59fb8f3-a021-417a-8bc1-65c8d471c621" providerId="ADAL" clId="{571B3557-016F-8544-9E94-291716046DD1}" dt="2022-03-09T20:10:33.238" v="5" actId="21"/>
+          <ac:spMkLst>
+            <pc:docMk/>
+            <pc:sldMk cId="3609960584" sldId="588"/>
+            <ac:spMk id="27651" creationId="{D2E8AD57-ED30-A247-A629-D196B221ADDD}"/>
+          </ac:spMkLst>
+        </pc:spChg>
+      </pc:sldChg>
+      <pc:sldChg chg="modSp mod">
+        <pc:chgData name="Long Nguyen" userId="f59fb8f3-a021-417a-8bc1-65c8d471c621" providerId="ADAL" clId="{571B3557-016F-8544-9E94-291716046DD1}" dt="2022-03-09T20:10:35.683" v="10" actId="27636"/>
+        <pc:sldMkLst>
+          <pc:docMk/>
+          <pc:sldMk cId="2164029680" sldId="611"/>
+        </pc:sldMkLst>
+        <pc:spChg chg="mod">
+          <ac:chgData name="Long Nguyen" userId="f59fb8f3-a021-417a-8bc1-65c8d471c621" providerId="ADAL" clId="{571B3557-016F-8544-9E94-291716046DD1}" dt="2022-03-09T20:10:35.683" v="10" actId="27636"/>
+          <ac:spMkLst>
+            <pc:docMk/>
+            <pc:sldMk cId="2164029680" sldId="611"/>
+            <ac:spMk id="17410" creationId="{C9772176-DC13-F64D-AC00-58F2A4791B97}"/>
+          </ac:spMkLst>
+        </pc:spChg>
+      </pc:sldChg>
+      <pc:sldChg chg="del">
+        <pc:chgData name="Long Nguyen" userId="f59fb8f3-a021-417a-8bc1-65c8d471c621" providerId="ADAL" clId="{571B3557-016F-8544-9E94-291716046DD1}" dt="2022-03-09T20:07:29.721" v="0" actId="2696"/>
+        <pc:sldMkLst>
+          <pc:docMk/>
+          <pc:sldMk cId="1558241323" sldId="613"/>
+        </pc:sldMkLst>
+      </pc:sldChg>
+      <pc:sldChg chg="del">
+        <pc:chgData name="Long Nguyen" userId="f59fb8f3-a021-417a-8bc1-65c8d471c621" providerId="ADAL" clId="{571B3557-016F-8544-9E94-291716046DD1}" dt="2022-03-09T20:07:32.081" v="1" actId="2696"/>
+        <pc:sldMkLst>
+          <pc:docMk/>
+          <pc:sldMk cId="1678415157" sldId="615"/>
+        </pc:sldMkLst>
+      </pc:sldChg>
+      <pc:sldChg chg="del">
+        <pc:chgData name="Long Nguyen" userId="f59fb8f3-a021-417a-8bc1-65c8d471c621" providerId="ADAL" clId="{571B3557-016F-8544-9E94-291716046DD1}" dt="2022-03-09T20:09:34.560" v="3" actId="2696"/>
+        <pc:sldMkLst>
+          <pc:docMk/>
+          <pc:sldMk cId="971732716" sldId="617"/>
+        </pc:sldMkLst>
+      </pc:sldChg>
+      <pc:sldChg chg="modSp mod">
+        <pc:chgData name="Long Nguyen" userId="f59fb8f3-a021-417a-8bc1-65c8d471c621" providerId="ADAL" clId="{571B3557-016F-8544-9E94-291716046DD1}" dt="2022-03-09T20:10:35.650" v="8" actId="27636"/>
+        <pc:sldMkLst>
+          <pc:docMk/>
+          <pc:sldMk cId="1162857972" sldId="621"/>
+        </pc:sldMkLst>
+        <pc:spChg chg="mod">
+          <ac:chgData name="Long Nguyen" userId="f59fb8f3-a021-417a-8bc1-65c8d471c621" providerId="ADAL" clId="{571B3557-016F-8544-9E94-291716046DD1}" dt="2022-03-09T20:10:35.650" v="8" actId="27636"/>
+          <ac:spMkLst>
+            <pc:docMk/>
+            <pc:sldMk cId="1162857972" sldId="621"/>
+            <ac:spMk id="84994" creationId="{6971D443-43C5-2E43-8019-712D595D62F2}"/>
+          </ac:spMkLst>
+        </pc:spChg>
+      </pc:sldChg>
+      <pc:sldChg chg="del">
+        <pc:chgData name="Long Nguyen" userId="f59fb8f3-a021-417a-8bc1-65c8d471c621" providerId="ADAL" clId="{571B3557-016F-8544-9E94-291716046DD1}" dt="2022-03-09T20:08:43.550" v="2" actId="2696"/>
+        <pc:sldMkLst>
+          <pc:docMk/>
+          <pc:sldMk cId="2765543401" sldId="622"/>
+        </pc:sldMkLst>
+      </pc:sldChg>
+    </pc:docChg>
+  </pc:docChgLst>
+  <pc:docChgLst>
     <pc:chgData name="Long B Nguyen" userId="f59fb8f3-a021-417a-8bc1-65c8d471c621" providerId="ADAL" clId="{4BE6A6D3-80E1-E648-9A65-3053C53C3489}"/>
     <pc:docChg chg="addSld delSld modSld">
       <pc:chgData name="Long B Nguyen" userId="f59fb8f3-a021-417a-8bc1-65c8d471c621" providerId="ADAL" clId="{4BE6A6D3-80E1-E648-9A65-3053C53C3489}" dt="2020-01-13T13:50:20.439" v="74" actId="2696"/>
@@ -3411,7 +3532,7 @@
           <a:p>
             <a:fld id="{6EDD99D2-A624-5E4F-A4E3-584054837B5A}" type="datetimeFigureOut">
               <a:rPr lang="en-US" smtClean="0"/>
-              <a:t>3/23/21</a:t>
+              <a:t>3/8/22</a:t>
             </a:fld>
             <a:endParaRPr lang="en-US"/>
           </a:p>
@@ -6235,10 +6356,10 @@
       </p:grpSpPr>
       <p:sp>
         <p:nvSpPr>
-          <p:cNvPr id="62465" name="Rectangle 7">
+          <p:cNvPr id="58369" name="Rectangle 7">
             <a:extLst>
               <a:ext uri="{FF2B5EF4-FFF2-40B4-BE49-F238E27FC236}">
-                <a16:creationId xmlns:a16="http://schemas.microsoft.com/office/drawing/2014/main" id="{79556C38-9041-D848-9E44-B2F1C145DA0A}"/>
+                <a16:creationId xmlns:a16="http://schemas.microsoft.com/office/drawing/2014/main" id="{348E57DD-3C79-2C4A-8D4F-7134C348CA85}"/>
               </a:ext>
             </a:extLst>
           </p:cNvPr>
@@ -6381,7 +6502,7 @@
             </a:lvl9pPr>
           </a:lstStyle>
           <a:p>
-            <a:fld id="{BB2CD9F8-8844-3D46-80E4-D3F356130E18}" type="slidenum">
+            <a:fld id="{BCF08ACF-13BD-4D42-9F20-7662A50B159F}" type="slidenum">
               <a:rPr lang="en-US" altLang="en-US" smtClean="0"/>
               <a:pPr/>
               <a:t>19</a:t>
@@ -6392,10 +6513,10 @@
       </p:sp>
       <p:sp>
         <p:nvSpPr>
-          <p:cNvPr id="62466" name="Rectangle 2">
+          <p:cNvPr id="58370" name="Rectangle 2">
             <a:extLst>
               <a:ext uri="{FF2B5EF4-FFF2-40B4-BE49-F238E27FC236}">
-                <a16:creationId xmlns:a16="http://schemas.microsoft.com/office/drawing/2014/main" id="{7EE8F76F-1A9C-DB41-B992-0BCEEACBBAAC}"/>
+                <a16:creationId xmlns:a16="http://schemas.microsoft.com/office/drawing/2014/main" id="{A4D7E43E-C642-2746-862B-5F2C6E58C9D5}"/>
               </a:ext>
             </a:extLst>
           </p:cNvPr>
@@ -6433,10 +6554,10 @@
       </p:sp>
       <p:sp>
         <p:nvSpPr>
-          <p:cNvPr id="62467" name="Rectangle 3">
+          <p:cNvPr id="56324" name="Rectangle 3">
             <a:extLst>
               <a:ext uri="{FF2B5EF4-FFF2-40B4-BE49-F238E27FC236}">
-                <a16:creationId xmlns:a16="http://schemas.microsoft.com/office/drawing/2014/main" id="{C6047259-2D22-824A-9CF9-D55AB24F0FFE}"/>
+                <a16:creationId xmlns:a16="http://schemas.microsoft.com/office/drawing/2014/main" id="{F86C0564-C8F3-E14B-B8AC-DD713107AA10}"/>
               </a:ext>
             </a:extLst>
           </p:cNvPr>
@@ -6452,25 +6573,8 @@
             <a:off x="914400" y="4343400"/>
             <a:ext cx="5029200" cy="4114800"/>
           </a:xfrm>
-          <a:noFill/>
           <a:extLst>
-            <a:ext uri="{909E8E84-426E-40DD-AFC4-6F175D3DCCD1}">
-              <a14:hiddenFill xmlns:a14="http://schemas.microsoft.com/office/drawing/2010/main">
-                <a:solidFill>
-                  <a:srgbClr val="FFFFFF"/>
-                </a:solidFill>
-              </a14:hiddenFill>
-            </a:ext>
-            <a:ext uri="{91240B29-F687-4F45-9708-019B960494DF}">
-              <a14:hiddenLine xmlns:a14="http://schemas.microsoft.com/office/drawing/2010/main" w="9525">
-                <a:solidFill>
-                  <a:srgbClr val="000000"/>
-                </a:solidFill>
-                <a:miter lim="800000"/>
-                <a:headEnd/>
-                <a:tailEnd/>
-              </a14:hiddenLine>
-            </a:ext>
+            <a:ext uri="{FAA26D3D-D897-4be2-8F04-BA451C77F1D7}"/>
           </a:extLst>
         </p:spPr>
         <p:txBody>
@@ -6481,17 +6585,22 @@
           </a:bodyPr>
           <a:lstStyle/>
           <a:p>
-            <a:pPr eaLnBrk="1" hangingPunct="1"/>
-            <a:endParaRPr lang="en-US" altLang="en-US">
-              <a:ea typeface="ＭＳ Ｐゴシック" panose="020B0600070205080204" pitchFamily="34" charset="-128"/>
-            </a:endParaRPr>
+            <a:pPr eaLnBrk="1" hangingPunct="1">
+              <a:defRPr/>
+            </a:pPr>
+            <a:r>
+              <a:rPr lang="en-US">
+                <a:cs typeface="+mn-cs"/>
+              </a:rPr>
+              <a:t>Michael Lamont</a:t>
+            </a:r>
           </a:p>
         </p:txBody>
       </p:sp>
     </p:spTree>
     <p:extLst>
       <p:ext uri="{BB962C8B-B14F-4D97-AF65-F5344CB8AC3E}">
-        <p14:creationId xmlns:p14="http://schemas.microsoft.com/office/powerpoint/2010/main" val="3955560789"/>
+        <p14:creationId xmlns:p14="http://schemas.microsoft.com/office/powerpoint/2010/main" val="1495581611"/>
       </p:ext>
     </p:extLst>
   </p:cSld>
@@ -6520,10 +6629,10 @@
       </p:grpSpPr>
       <p:sp>
         <p:nvSpPr>
-          <p:cNvPr id="64513" name="Rectangle 7">
+          <p:cNvPr id="66561" name="Rectangle 7">
             <a:extLst>
               <a:ext uri="{FF2B5EF4-FFF2-40B4-BE49-F238E27FC236}">
-                <a16:creationId xmlns:a16="http://schemas.microsoft.com/office/drawing/2014/main" id="{5A3F9C4D-DD1A-C14F-9728-7F45ED83C4C4}"/>
+                <a16:creationId xmlns:a16="http://schemas.microsoft.com/office/drawing/2014/main" id="{0B48ABEC-FD93-5649-A6D9-357400C92D17}"/>
               </a:ext>
             </a:extLst>
           </p:cNvPr>
@@ -6666,7 +6775,7 @@
             </a:lvl9pPr>
           </a:lstStyle>
           <a:p>
-            <a:fld id="{01A91485-34F2-1644-A8F8-FAA94A673ED1}" type="slidenum">
+            <a:fld id="{5E01D6DC-9A63-F540-B16E-E3632FEADE3F}" type="slidenum">
               <a:rPr lang="en-US" altLang="en-US" smtClean="0"/>
               <a:pPr/>
               <a:t>20</a:t>
@@ -6677,10 +6786,10 @@
       </p:sp>
       <p:sp>
         <p:nvSpPr>
-          <p:cNvPr id="64514" name="Rectangle 2">
+          <p:cNvPr id="66562" name="Rectangle 2">
             <a:extLst>
               <a:ext uri="{FF2B5EF4-FFF2-40B4-BE49-F238E27FC236}">
-                <a16:creationId xmlns:a16="http://schemas.microsoft.com/office/drawing/2014/main" id="{2DBAEF0C-F100-CC4B-BF5C-A08112FA7201}"/>
+                <a16:creationId xmlns:a16="http://schemas.microsoft.com/office/drawing/2014/main" id="{E35163EB-9D41-EC4B-9CD6-311F36543F0C}"/>
               </a:ext>
             </a:extLst>
           </p:cNvPr>
@@ -6718,10 +6827,10 @@
       </p:sp>
       <p:sp>
         <p:nvSpPr>
-          <p:cNvPr id="64515" name="Rectangle 3">
+          <p:cNvPr id="66563" name="Rectangle 3">
             <a:extLst>
               <a:ext uri="{FF2B5EF4-FFF2-40B4-BE49-F238E27FC236}">
-                <a16:creationId xmlns:a16="http://schemas.microsoft.com/office/drawing/2014/main" id="{4EE62894-1FA7-DB47-9023-276296B035BF}"/>
+                <a16:creationId xmlns:a16="http://schemas.microsoft.com/office/drawing/2014/main" id="{81DCCE0E-16FE-D943-99E9-F378796B5C8B}"/>
               </a:ext>
             </a:extLst>
           </p:cNvPr>
@@ -6776,7 +6885,7 @@
     </p:spTree>
     <p:extLst>
       <p:ext uri="{BB962C8B-B14F-4D97-AF65-F5344CB8AC3E}">
-        <p14:creationId xmlns:p14="http://schemas.microsoft.com/office/powerpoint/2010/main" val="264421146"/>
+        <p14:creationId xmlns:p14="http://schemas.microsoft.com/office/powerpoint/2010/main" val="1738252272"/>
       </p:ext>
     </p:extLst>
   </p:cSld>
@@ -7090,1407 +7199,6 @@
       </p:grpSpPr>
       <p:sp>
         <p:nvSpPr>
-          <p:cNvPr id="58369" name="Rectangle 7">
-            <a:extLst>
-              <a:ext uri="{FF2B5EF4-FFF2-40B4-BE49-F238E27FC236}">
-                <a16:creationId xmlns:a16="http://schemas.microsoft.com/office/drawing/2014/main" id="{348E57DD-3C79-2C4A-8D4F-7134C348CA85}"/>
-              </a:ext>
-            </a:extLst>
-          </p:cNvPr>
-          <p:cNvSpPr>
-            <a:spLocks noGrp="1" noChangeArrowheads="1"/>
-          </p:cNvSpPr>
-          <p:nvPr>
-            <p:ph type="sldNum" sz="quarter" idx="5"/>
-          </p:nvPr>
-        </p:nvSpPr>
-        <p:spPr bwMode="auto">
-          <a:noFill/>
-          <a:extLst>
-            <a:ext uri="{909E8E84-426E-40DD-AFC4-6F175D3DCCD1}">
-              <a14:hiddenFill xmlns:a14="http://schemas.microsoft.com/office/drawing/2010/main">
-                <a:solidFill>
-                  <a:srgbClr val="FFFFFF"/>
-                </a:solidFill>
-              </a14:hiddenFill>
-            </a:ext>
-            <a:ext uri="{91240B29-F687-4F45-9708-019B960494DF}">
-              <a14:hiddenLine xmlns:a14="http://schemas.microsoft.com/office/drawing/2010/main" w="9525">
-                <a:solidFill>
-                  <a:srgbClr val="000000"/>
-                </a:solidFill>
-                <a:miter lim="800000"/>
-                <a:headEnd/>
-                <a:tailEnd/>
-              </a14:hiddenLine>
-            </a:ext>
-          </a:extLst>
-        </p:spPr>
-        <p:txBody>
-          <a:bodyPr/>
-          <a:lstStyle>
-            <a:lvl1pPr>
-              <a:defRPr>
-                <a:solidFill>
-                  <a:schemeClr val="tx1"/>
-                </a:solidFill>
-                <a:latin typeface="Arial" panose="020B0604020202020204" pitchFamily="34" charset="0"/>
-                <a:ea typeface="ＭＳ Ｐゴシック" panose="020B0600070205080204" pitchFamily="34" charset="-128"/>
-              </a:defRPr>
-            </a:lvl1pPr>
-            <a:lvl2pPr marL="742950" indent="-285750">
-              <a:defRPr>
-                <a:solidFill>
-                  <a:schemeClr val="tx1"/>
-                </a:solidFill>
-                <a:latin typeface="Arial" panose="020B0604020202020204" pitchFamily="34" charset="0"/>
-                <a:ea typeface="ＭＳ Ｐゴシック" panose="020B0600070205080204" pitchFamily="34" charset="-128"/>
-              </a:defRPr>
-            </a:lvl2pPr>
-            <a:lvl3pPr marL="1143000" indent="-228600">
-              <a:defRPr>
-                <a:solidFill>
-                  <a:schemeClr val="tx1"/>
-                </a:solidFill>
-                <a:latin typeface="Arial" panose="020B0604020202020204" pitchFamily="34" charset="0"/>
-                <a:ea typeface="ＭＳ Ｐゴシック" panose="020B0600070205080204" pitchFamily="34" charset="-128"/>
-              </a:defRPr>
-            </a:lvl3pPr>
-            <a:lvl4pPr marL="1600200" indent="-228600">
-              <a:defRPr>
-                <a:solidFill>
-                  <a:schemeClr val="tx1"/>
-                </a:solidFill>
-                <a:latin typeface="Arial" panose="020B0604020202020204" pitchFamily="34" charset="0"/>
-                <a:ea typeface="ＭＳ Ｐゴシック" panose="020B0600070205080204" pitchFamily="34" charset="-128"/>
-              </a:defRPr>
-            </a:lvl4pPr>
-            <a:lvl5pPr marL="2057400" indent="-228600">
-              <a:defRPr>
-                <a:solidFill>
-                  <a:schemeClr val="tx1"/>
-                </a:solidFill>
-                <a:latin typeface="Arial" panose="020B0604020202020204" pitchFamily="34" charset="0"/>
-                <a:ea typeface="ＭＳ Ｐゴシック" panose="020B0600070205080204" pitchFamily="34" charset="-128"/>
-              </a:defRPr>
-            </a:lvl5pPr>
-            <a:lvl6pPr marL="2514600" indent="-228600" eaLnBrk="0" fontAlgn="base" hangingPunct="0">
-              <a:spcBef>
-                <a:spcPct val="0"/>
-              </a:spcBef>
-              <a:spcAft>
-                <a:spcPct val="0"/>
-              </a:spcAft>
-              <a:defRPr>
-                <a:solidFill>
-                  <a:schemeClr val="tx1"/>
-                </a:solidFill>
-                <a:latin typeface="Arial" panose="020B0604020202020204" pitchFamily="34" charset="0"/>
-                <a:ea typeface="ＭＳ Ｐゴシック" panose="020B0600070205080204" pitchFamily="34" charset="-128"/>
-              </a:defRPr>
-            </a:lvl6pPr>
-            <a:lvl7pPr marL="2971800" indent="-228600" eaLnBrk="0" fontAlgn="base" hangingPunct="0">
-              <a:spcBef>
-                <a:spcPct val="0"/>
-              </a:spcBef>
-              <a:spcAft>
-                <a:spcPct val="0"/>
-              </a:spcAft>
-              <a:defRPr>
-                <a:solidFill>
-                  <a:schemeClr val="tx1"/>
-                </a:solidFill>
-                <a:latin typeface="Arial" panose="020B0604020202020204" pitchFamily="34" charset="0"/>
-                <a:ea typeface="ＭＳ Ｐゴシック" panose="020B0600070205080204" pitchFamily="34" charset="-128"/>
-              </a:defRPr>
-            </a:lvl7pPr>
-            <a:lvl8pPr marL="3429000" indent="-228600" eaLnBrk="0" fontAlgn="base" hangingPunct="0">
-              <a:spcBef>
-                <a:spcPct val="0"/>
-              </a:spcBef>
-              <a:spcAft>
-                <a:spcPct val="0"/>
-              </a:spcAft>
-              <a:defRPr>
-                <a:solidFill>
-                  <a:schemeClr val="tx1"/>
-                </a:solidFill>
-                <a:latin typeface="Arial" panose="020B0604020202020204" pitchFamily="34" charset="0"/>
-                <a:ea typeface="ＭＳ Ｐゴシック" panose="020B0600070205080204" pitchFamily="34" charset="-128"/>
-              </a:defRPr>
-            </a:lvl8pPr>
-            <a:lvl9pPr marL="3886200" indent="-228600" eaLnBrk="0" fontAlgn="base" hangingPunct="0">
-              <a:spcBef>
-                <a:spcPct val="0"/>
-              </a:spcBef>
-              <a:spcAft>
-                <a:spcPct val="0"/>
-              </a:spcAft>
-              <a:defRPr>
-                <a:solidFill>
-                  <a:schemeClr val="tx1"/>
-                </a:solidFill>
-                <a:latin typeface="Arial" panose="020B0604020202020204" pitchFamily="34" charset="0"/>
-                <a:ea typeface="ＭＳ Ｐゴシック" panose="020B0600070205080204" pitchFamily="34" charset="-128"/>
-              </a:defRPr>
-            </a:lvl9pPr>
-          </a:lstStyle>
-          <a:p>
-            <a:fld id="{BCF08ACF-13BD-4D42-9F20-7662A50B159F}" type="slidenum">
-              <a:rPr lang="en-US" altLang="en-US" smtClean="0"/>
-              <a:pPr/>
-              <a:t>21</a:t>
-            </a:fld>
-            <a:endParaRPr lang="en-US" altLang="en-US"/>
-          </a:p>
-        </p:txBody>
-      </p:sp>
-      <p:sp>
-        <p:nvSpPr>
-          <p:cNvPr id="58370" name="Rectangle 2">
-            <a:extLst>
-              <a:ext uri="{FF2B5EF4-FFF2-40B4-BE49-F238E27FC236}">
-                <a16:creationId xmlns:a16="http://schemas.microsoft.com/office/drawing/2014/main" id="{A4D7E43E-C642-2746-862B-5F2C6E58C9D5}"/>
-              </a:ext>
-            </a:extLst>
-          </p:cNvPr>
-          <p:cNvSpPr>
-            <a:spLocks noGrp="1" noRot="1" noChangeAspect="1" noChangeArrowheads="1" noTextEdit="1"/>
-          </p:cNvSpPr>
-          <p:nvPr>
-            <p:ph type="sldImg"/>
-          </p:nvPr>
-        </p:nvSpPr>
-        <p:spPr bwMode="auto">
-          <a:xfrm>
-            <a:off x="687388" y="685800"/>
-            <a:ext cx="5486400" cy="3429000"/>
-          </a:xfrm>
-          <a:noFill/>
-          <a:ln>
-            <a:solidFill>
-              <a:srgbClr val="000000"/>
-            </a:solidFill>
-            <a:miter lim="800000"/>
-            <a:headEnd/>
-            <a:tailEnd/>
-          </a:ln>
-          <a:extLst>
-            <a:ext uri="{909E8E84-426E-40DD-AFC4-6F175D3DCCD1}">
-              <a14:hiddenFill xmlns:a14="http://schemas.microsoft.com/office/drawing/2010/main">
-                <a:solidFill>
-                  <a:srgbClr val="FFFFFF"/>
-                </a:solidFill>
-              </a14:hiddenFill>
-            </a:ext>
-          </a:extLst>
-        </p:spPr>
-      </p:sp>
-      <p:sp>
-        <p:nvSpPr>
-          <p:cNvPr id="56324" name="Rectangle 3">
-            <a:extLst>
-              <a:ext uri="{FF2B5EF4-FFF2-40B4-BE49-F238E27FC236}">
-                <a16:creationId xmlns:a16="http://schemas.microsoft.com/office/drawing/2014/main" id="{F86C0564-C8F3-E14B-B8AC-DD713107AA10}"/>
-              </a:ext>
-            </a:extLst>
-          </p:cNvPr>
-          <p:cNvSpPr>
-            <a:spLocks noGrp="1" noChangeArrowheads="1"/>
-          </p:cNvSpPr>
-          <p:nvPr>
-            <p:ph type="body" idx="1"/>
-          </p:nvPr>
-        </p:nvSpPr>
-        <p:spPr bwMode="auto">
-          <a:xfrm>
-            <a:off x="914400" y="4343400"/>
-            <a:ext cx="5029200" cy="4114800"/>
-          </a:xfrm>
-          <a:extLst>
-            <a:ext uri="{FAA26D3D-D897-4be2-8F04-BA451C77F1D7}"/>
-          </a:extLst>
-        </p:spPr>
-        <p:txBody>
-          <a:bodyPr wrap="square" lIns="91433" tIns="45716" rIns="91433" bIns="45716" numCol="1" anchor="t" anchorCtr="0" compatLnSpc="1">
-            <a:prstTxWarp prst="textNoShape">
-              <a:avLst/>
-            </a:prstTxWarp>
-          </a:bodyPr>
-          <a:lstStyle/>
-          <a:p>
-            <a:pPr eaLnBrk="1" hangingPunct="1">
-              <a:defRPr/>
-            </a:pPr>
-            <a:r>
-              <a:rPr lang="en-US">
-                <a:cs typeface="+mn-cs"/>
-              </a:rPr>
-              <a:t>Michael Lamont</a:t>
-            </a:r>
-          </a:p>
-        </p:txBody>
-      </p:sp>
-    </p:spTree>
-    <p:extLst>
-      <p:ext uri="{BB962C8B-B14F-4D97-AF65-F5344CB8AC3E}">
-        <p14:creationId xmlns:p14="http://schemas.microsoft.com/office/powerpoint/2010/main" val="1495581611"/>
-      </p:ext>
-    </p:extLst>
-  </p:cSld>
-  <p:clrMapOvr>
-    <a:masterClrMapping/>
-  </p:clrMapOvr>
-</p:notes>
-</file>
-
-<file path=ppt/notesSlides/notesSlide21.xml><?xml version="1.0" encoding="utf-8"?>
-<p:notes xmlns:a="http://schemas.openxmlformats.org/drawingml/2006/main" xmlns:r="http://schemas.openxmlformats.org/officeDocument/2006/relationships" xmlns:p="http://schemas.openxmlformats.org/presentationml/2006/main">
-  <p:cSld>
-    <p:spTree>
-      <p:nvGrpSpPr>
-        <p:cNvPr id="1" name=""/>
-        <p:cNvGrpSpPr/>
-        <p:nvPr/>
-      </p:nvGrpSpPr>
-      <p:grpSpPr>
-        <a:xfrm>
-          <a:off x="0" y="0"/>
-          <a:ext cx="0" cy="0"/>
-          <a:chOff x="0" y="0"/>
-          <a:chExt cx="0" cy="0"/>
-        </a:xfrm>
-      </p:grpSpPr>
-      <p:sp>
-        <p:nvSpPr>
-          <p:cNvPr id="58369" name="Rectangle 7">
-            <a:extLst>
-              <a:ext uri="{FF2B5EF4-FFF2-40B4-BE49-F238E27FC236}">
-                <a16:creationId xmlns:a16="http://schemas.microsoft.com/office/drawing/2014/main" id="{348E57DD-3C79-2C4A-8D4F-7134C348CA85}"/>
-              </a:ext>
-            </a:extLst>
-          </p:cNvPr>
-          <p:cNvSpPr>
-            <a:spLocks noGrp="1" noChangeArrowheads="1"/>
-          </p:cNvSpPr>
-          <p:nvPr>
-            <p:ph type="sldNum" sz="quarter" idx="5"/>
-          </p:nvPr>
-        </p:nvSpPr>
-        <p:spPr bwMode="auto">
-          <a:noFill/>
-          <a:extLst>
-            <a:ext uri="{909E8E84-426E-40DD-AFC4-6F175D3DCCD1}">
-              <a14:hiddenFill xmlns:a14="http://schemas.microsoft.com/office/drawing/2010/main">
-                <a:solidFill>
-                  <a:srgbClr val="FFFFFF"/>
-                </a:solidFill>
-              </a14:hiddenFill>
-            </a:ext>
-            <a:ext uri="{91240B29-F687-4F45-9708-019B960494DF}">
-              <a14:hiddenLine xmlns:a14="http://schemas.microsoft.com/office/drawing/2010/main" w="9525">
-                <a:solidFill>
-                  <a:srgbClr val="000000"/>
-                </a:solidFill>
-                <a:miter lim="800000"/>
-                <a:headEnd/>
-                <a:tailEnd/>
-              </a14:hiddenLine>
-            </a:ext>
-          </a:extLst>
-        </p:spPr>
-        <p:txBody>
-          <a:bodyPr/>
-          <a:lstStyle>
-            <a:lvl1pPr>
-              <a:defRPr>
-                <a:solidFill>
-                  <a:schemeClr val="tx1"/>
-                </a:solidFill>
-                <a:latin typeface="Arial" panose="020B0604020202020204" pitchFamily="34" charset="0"/>
-                <a:ea typeface="ＭＳ Ｐゴシック" panose="020B0600070205080204" pitchFamily="34" charset="-128"/>
-              </a:defRPr>
-            </a:lvl1pPr>
-            <a:lvl2pPr marL="742950" indent="-285750">
-              <a:defRPr>
-                <a:solidFill>
-                  <a:schemeClr val="tx1"/>
-                </a:solidFill>
-                <a:latin typeface="Arial" panose="020B0604020202020204" pitchFamily="34" charset="0"/>
-                <a:ea typeface="ＭＳ Ｐゴシック" panose="020B0600070205080204" pitchFamily="34" charset="-128"/>
-              </a:defRPr>
-            </a:lvl2pPr>
-            <a:lvl3pPr marL="1143000" indent="-228600">
-              <a:defRPr>
-                <a:solidFill>
-                  <a:schemeClr val="tx1"/>
-                </a:solidFill>
-                <a:latin typeface="Arial" panose="020B0604020202020204" pitchFamily="34" charset="0"/>
-                <a:ea typeface="ＭＳ Ｐゴシック" panose="020B0600070205080204" pitchFamily="34" charset="-128"/>
-              </a:defRPr>
-            </a:lvl3pPr>
-            <a:lvl4pPr marL="1600200" indent="-228600">
-              <a:defRPr>
-                <a:solidFill>
-                  <a:schemeClr val="tx1"/>
-                </a:solidFill>
-                <a:latin typeface="Arial" panose="020B0604020202020204" pitchFamily="34" charset="0"/>
-                <a:ea typeface="ＭＳ Ｐゴシック" panose="020B0600070205080204" pitchFamily="34" charset="-128"/>
-              </a:defRPr>
-            </a:lvl4pPr>
-            <a:lvl5pPr marL="2057400" indent="-228600">
-              <a:defRPr>
-                <a:solidFill>
-                  <a:schemeClr val="tx1"/>
-                </a:solidFill>
-                <a:latin typeface="Arial" panose="020B0604020202020204" pitchFamily="34" charset="0"/>
-                <a:ea typeface="ＭＳ Ｐゴシック" panose="020B0600070205080204" pitchFamily="34" charset="-128"/>
-              </a:defRPr>
-            </a:lvl5pPr>
-            <a:lvl6pPr marL="2514600" indent="-228600" eaLnBrk="0" fontAlgn="base" hangingPunct="0">
-              <a:spcBef>
-                <a:spcPct val="0"/>
-              </a:spcBef>
-              <a:spcAft>
-                <a:spcPct val="0"/>
-              </a:spcAft>
-              <a:defRPr>
-                <a:solidFill>
-                  <a:schemeClr val="tx1"/>
-                </a:solidFill>
-                <a:latin typeface="Arial" panose="020B0604020202020204" pitchFamily="34" charset="0"/>
-                <a:ea typeface="ＭＳ Ｐゴシック" panose="020B0600070205080204" pitchFamily="34" charset="-128"/>
-              </a:defRPr>
-            </a:lvl6pPr>
-            <a:lvl7pPr marL="2971800" indent="-228600" eaLnBrk="0" fontAlgn="base" hangingPunct="0">
-              <a:spcBef>
-                <a:spcPct val="0"/>
-              </a:spcBef>
-              <a:spcAft>
-                <a:spcPct val="0"/>
-              </a:spcAft>
-              <a:defRPr>
-                <a:solidFill>
-                  <a:schemeClr val="tx1"/>
-                </a:solidFill>
-                <a:latin typeface="Arial" panose="020B0604020202020204" pitchFamily="34" charset="0"/>
-                <a:ea typeface="ＭＳ Ｐゴシック" panose="020B0600070205080204" pitchFamily="34" charset="-128"/>
-              </a:defRPr>
-            </a:lvl7pPr>
-            <a:lvl8pPr marL="3429000" indent="-228600" eaLnBrk="0" fontAlgn="base" hangingPunct="0">
-              <a:spcBef>
-                <a:spcPct val="0"/>
-              </a:spcBef>
-              <a:spcAft>
-                <a:spcPct val="0"/>
-              </a:spcAft>
-              <a:defRPr>
-                <a:solidFill>
-                  <a:schemeClr val="tx1"/>
-                </a:solidFill>
-                <a:latin typeface="Arial" panose="020B0604020202020204" pitchFamily="34" charset="0"/>
-                <a:ea typeface="ＭＳ Ｐゴシック" panose="020B0600070205080204" pitchFamily="34" charset="-128"/>
-              </a:defRPr>
-            </a:lvl8pPr>
-            <a:lvl9pPr marL="3886200" indent="-228600" eaLnBrk="0" fontAlgn="base" hangingPunct="0">
-              <a:spcBef>
-                <a:spcPct val="0"/>
-              </a:spcBef>
-              <a:spcAft>
-                <a:spcPct val="0"/>
-              </a:spcAft>
-              <a:defRPr>
-                <a:solidFill>
-                  <a:schemeClr val="tx1"/>
-                </a:solidFill>
-                <a:latin typeface="Arial" panose="020B0604020202020204" pitchFamily="34" charset="0"/>
-                <a:ea typeface="ＭＳ Ｐゴシック" panose="020B0600070205080204" pitchFamily="34" charset="-128"/>
-              </a:defRPr>
-            </a:lvl9pPr>
-          </a:lstStyle>
-          <a:p>
-            <a:fld id="{BCF08ACF-13BD-4D42-9F20-7662A50B159F}" type="slidenum">
-              <a:rPr lang="en-US" altLang="en-US" smtClean="0"/>
-              <a:pPr/>
-              <a:t>22</a:t>
-            </a:fld>
-            <a:endParaRPr lang="en-US" altLang="en-US"/>
-          </a:p>
-        </p:txBody>
-      </p:sp>
-      <p:sp>
-        <p:nvSpPr>
-          <p:cNvPr id="58370" name="Rectangle 2">
-            <a:extLst>
-              <a:ext uri="{FF2B5EF4-FFF2-40B4-BE49-F238E27FC236}">
-                <a16:creationId xmlns:a16="http://schemas.microsoft.com/office/drawing/2014/main" id="{A4D7E43E-C642-2746-862B-5F2C6E58C9D5}"/>
-              </a:ext>
-            </a:extLst>
-          </p:cNvPr>
-          <p:cNvSpPr>
-            <a:spLocks noGrp="1" noRot="1" noChangeAspect="1" noChangeArrowheads="1" noTextEdit="1"/>
-          </p:cNvSpPr>
-          <p:nvPr>
-            <p:ph type="sldImg"/>
-          </p:nvPr>
-        </p:nvSpPr>
-        <p:spPr bwMode="auto">
-          <a:xfrm>
-            <a:off x="687388" y="685800"/>
-            <a:ext cx="5486400" cy="3429000"/>
-          </a:xfrm>
-          <a:noFill/>
-          <a:ln>
-            <a:solidFill>
-              <a:srgbClr val="000000"/>
-            </a:solidFill>
-            <a:miter lim="800000"/>
-            <a:headEnd/>
-            <a:tailEnd/>
-          </a:ln>
-          <a:extLst>
-            <a:ext uri="{909E8E84-426E-40DD-AFC4-6F175D3DCCD1}">
-              <a14:hiddenFill xmlns:a14="http://schemas.microsoft.com/office/drawing/2010/main">
-                <a:solidFill>
-                  <a:srgbClr val="FFFFFF"/>
-                </a:solidFill>
-              </a14:hiddenFill>
-            </a:ext>
-          </a:extLst>
-        </p:spPr>
-      </p:sp>
-      <p:sp>
-        <p:nvSpPr>
-          <p:cNvPr id="56324" name="Rectangle 3">
-            <a:extLst>
-              <a:ext uri="{FF2B5EF4-FFF2-40B4-BE49-F238E27FC236}">
-                <a16:creationId xmlns:a16="http://schemas.microsoft.com/office/drawing/2014/main" id="{F86C0564-C8F3-E14B-B8AC-DD713107AA10}"/>
-              </a:ext>
-            </a:extLst>
-          </p:cNvPr>
-          <p:cNvSpPr>
-            <a:spLocks noGrp="1" noChangeArrowheads="1"/>
-          </p:cNvSpPr>
-          <p:nvPr>
-            <p:ph type="body" idx="1"/>
-          </p:nvPr>
-        </p:nvSpPr>
-        <p:spPr bwMode="auto">
-          <a:xfrm>
-            <a:off x="914400" y="4343400"/>
-            <a:ext cx="5029200" cy="4114800"/>
-          </a:xfrm>
-          <a:extLst>
-            <a:ext uri="{FAA26D3D-D897-4be2-8F04-BA451C77F1D7}"/>
-          </a:extLst>
-        </p:spPr>
-        <p:txBody>
-          <a:bodyPr wrap="square" lIns="91433" tIns="45716" rIns="91433" bIns="45716" numCol="1" anchor="t" anchorCtr="0" compatLnSpc="1">
-            <a:prstTxWarp prst="textNoShape">
-              <a:avLst/>
-            </a:prstTxWarp>
-          </a:bodyPr>
-          <a:lstStyle/>
-          <a:p>
-            <a:pPr eaLnBrk="1" hangingPunct="1">
-              <a:defRPr/>
-            </a:pPr>
-            <a:r>
-              <a:rPr lang="en-US">
-                <a:cs typeface="+mn-cs"/>
-              </a:rPr>
-              <a:t>Michael Lamont</a:t>
-            </a:r>
-          </a:p>
-        </p:txBody>
-      </p:sp>
-    </p:spTree>
-    <p:extLst>
-      <p:ext uri="{BB962C8B-B14F-4D97-AF65-F5344CB8AC3E}">
-        <p14:creationId xmlns:p14="http://schemas.microsoft.com/office/powerpoint/2010/main" val="3879905292"/>
-      </p:ext>
-    </p:extLst>
-  </p:cSld>
-  <p:clrMapOvr>
-    <a:masterClrMapping/>
-  </p:clrMapOvr>
-</p:notes>
-</file>
-
-<file path=ppt/notesSlides/notesSlide22.xml><?xml version="1.0" encoding="utf-8"?>
-<p:notes xmlns:a="http://schemas.openxmlformats.org/drawingml/2006/main" xmlns:r="http://schemas.openxmlformats.org/officeDocument/2006/relationships" xmlns:p="http://schemas.openxmlformats.org/presentationml/2006/main">
-  <p:cSld>
-    <p:spTree>
-      <p:nvGrpSpPr>
-        <p:cNvPr id="1" name=""/>
-        <p:cNvGrpSpPr/>
-        <p:nvPr/>
-      </p:nvGrpSpPr>
-      <p:grpSpPr>
-        <a:xfrm>
-          <a:off x="0" y="0"/>
-          <a:ext cx="0" cy="0"/>
-          <a:chOff x="0" y="0"/>
-          <a:chExt cx="0" cy="0"/>
-        </a:xfrm>
-      </p:grpSpPr>
-      <p:sp>
-        <p:nvSpPr>
-          <p:cNvPr id="66561" name="Rectangle 7">
-            <a:extLst>
-              <a:ext uri="{FF2B5EF4-FFF2-40B4-BE49-F238E27FC236}">
-                <a16:creationId xmlns:a16="http://schemas.microsoft.com/office/drawing/2014/main" id="{0B48ABEC-FD93-5649-A6D9-357400C92D17}"/>
-              </a:ext>
-            </a:extLst>
-          </p:cNvPr>
-          <p:cNvSpPr>
-            <a:spLocks noGrp="1" noChangeArrowheads="1"/>
-          </p:cNvSpPr>
-          <p:nvPr>
-            <p:ph type="sldNum" sz="quarter" idx="5"/>
-          </p:nvPr>
-        </p:nvSpPr>
-        <p:spPr bwMode="auto">
-          <a:noFill/>
-          <a:extLst>
-            <a:ext uri="{909E8E84-426E-40DD-AFC4-6F175D3DCCD1}">
-              <a14:hiddenFill xmlns:a14="http://schemas.microsoft.com/office/drawing/2010/main">
-                <a:solidFill>
-                  <a:srgbClr val="FFFFFF"/>
-                </a:solidFill>
-              </a14:hiddenFill>
-            </a:ext>
-            <a:ext uri="{91240B29-F687-4F45-9708-019B960494DF}">
-              <a14:hiddenLine xmlns:a14="http://schemas.microsoft.com/office/drawing/2010/main" w="9525">
-                <a:solidFill>
-                  <a:srgbClr val="000000"/>
-                </a:solidFill>
-                <a:miter lim="800000"/>
-                <a:headEnd/>
-                <a:tailEnd/>
-              </a14:hiddenLine>
-            </a:ext>
-          </a:extLst>
-        </p:spPr>
-        <p:txBody>
-          <a:bodyPr/>
-          <a:lstStyle>
-            <a:lvl1pPr>
-              <a:defRPr>
-                <a:solidFill>
-                  <a:schemeClr val="tx1"/>
-                </a:solidFill>
-                <a:latin typeface="Arial" panose="020B0604020202020204" pitchFamily="34" charset="0"/>
-                <a:ea typeface="ＭＳ Ｐゴシック" panose="020B0600070205080204" pitchFamily="34" charset="-128"/>
-              </a:defRPr>
-            </a:lvl1pPr>
-            <a:lvl2pPr marL="742950" indent="-285750">
-              <a:defRPr>
-                <a:solidFill>
-                  <a:schemeClr val="tx1"/>
-                </a:solidFill>
-                <a:latin typeface="Arial" panose="020B0604020202020204" pitchFamily="34" charset="0"/>
-                <a:ea typeface="ＭＳ Ｐゴシック" panose="020B0600070205080204" pitchFamily="34" charset="-128"/>
-              </a:defRPr>
-            </a:lvl2pPr>
-            <a:lvl3pPr marL="1143000" indent="-228600">
-              <a:defRPr>
-                <a:solidFill>
-                  <a:schemeClr val="tx1"/>
-                </a:solidFill>
-                <a:latin typeface="Arial" panose="020B0604020202020204" pitchFamily="34" charset="0"/>
-                <a:ea typeface="ＭＳ Ｐゴシック" panose="020B0600070205080204" pitchFamily="34" charset="-128"/>
-              </a:defRPr>
-            </a:lvl3pPr>
-            <a:lvl4pPr marL="1600200" indent="-228600">
-              <a:defRPr>
-                <a:solidFill>
-                  <a:schemeClr val="tx1"/>
-                </a:solidFill>
-                <a:latin typeface="Arial" panose="020B0604020202020204" pitchFamily="34" charset="0"/>
-                <a:ea typeface="ＭＳ Ｐゴシック" panose="020B0600070205080204" pitchFamily="34" charset="-128"/>
-              </a:defRPr>
-            </a:lvl4pPr>
-            <a:lvl5pPr marL="2057400" indent="-228600">
-              <a:defRPr>
-                <a:solidFill>
-                  <a:schemeClr val="tx1"/>
-                </a:solidFill>
-                <a:latin typeface="Arial" panose="020B0604020202020204" pitchFamily="34" charset="0"/>
-                <a:ea typeface="ＭＳ Ｐゴシック" panose="020B0600070205080204" pitchFamily="34" charset="-128"/>
-              </a:defRPr>
-            </a:lvl5pPr>
-            <a:lvl6pPr marL="2514600" indent="-228600" eaLnBrk="0" fontAlgn="base" hangingPunct="0">
-              <a:spcBef>
-                <a:spcPct val="0"/>
-              </a:spcBef>
-              <a:spcAft>
-                <a:spcPct val="0"/>
-              </a:spcAft>
-              <a:defRPr>
-                <a:solidFill>
-                  <a:schemeClr val="tx1"/>
-                </a:solidFill>
-                <a:latin typeface="Arial" panose="020B0604020202020204" pitchFamily="34" charset="0"/>
-                <a:ea typeface="ＭＳ Ｐゴシック" panose="020B0600070205080204" pitchFamily="34" charset="-128"/>
-              </a:defRPr>
-            </a:lvl6pPr>
-            <a:lvl7pPr marL="2971800" indent="-228600" eaLnBrk="0" fontAlgn="base" hangingPunct="0">
-              <a:spcBef>
-                <a:spcPct val="0"/>
-              </a:spcBef>
-              <a:spcAft>
-                <a:spcPct val="0"/>
-              </a:spcAft>
-              <a:defRPr>
-                <a:solidFill>
-                  <a:schemeClr val="tx1"/>
-                </a:solidFill>
-                <a:latin typeface="Arial" panose="020B0604020202020204" pitchFamily="34" charset="0"/>
-                <a:ea typeface="ＭＳ Ｐゴシック" panose="020B0600070205080204" pitchFamily="34" charset="-128"/>
-              </a:defRPr>
-            </a:lvl7pPr>
-            <a:lvl8pPr marL="3429000" indent="-228600" eaLnBrk="0" fontAlgn="base" hangingPunct="0">
-              <a:spcBef>
-                <a:spcPct val="0"/>
-              </a:spcBef>
-              <a:spcAft>
-                <a:spcPct val="0"/>
-              </a:spcAft>
-              <a:defRPr>
-                <a:solidFill>
-                  <a:schemeClr val="tx1"/>
-                </a:solidFill>
-                <a:latin typeface="Arial" panose="020B0604020202020204" pitchFamily="34" charset="0"/>
-                <a:ea typeface="ＭＳ Ｐゴシック" panose="020B0600070205080204" pitchFamily="34" charset="-128"/>
-              </a:defRPr>
-            </a:lvl8pPr>
-            <a:lvl9pPr marL="3886200" indent="-228600" eaLnBrk="0" fontAlgn="base" hangingPunct="0">
-              <a:spcBef>
-                <a:spcPct val="0"/>
-              </a:spcBef>
-              <a:spcAft>
-                <a:spcPct val="0"/>
-              </a:spcAft>
-              <a:defRPr>
-                <a:solidFill>
-                  <a:schemeClr val="tx1"/>
-                </a:solidFill>
-                <a:latin typeface="Arial" panose="020B0604020202020204" pitchFamily="34" charset="0"/>
-                <a:ea typeface="ＭＳ Ｐゴシック" panose="020B0600070205080204" pitchFamily="34" charset="-128"/>
-              </a:defRPr>
-            </a:lvl9pPr>
-          </a:lstStyle>
-          <a:p>
-            <a:fld id="{5E01D6DC-9A63-F540-B16E-E3632FEADE3F}" type="slidenum">
-              <a:rPr lang="en-US" altLang="en-US" smtClean="0"/>
-              <a:pPr/>
-              <a:t>23</a:t>
-            </a:fld>
-            <a:endParaRPr lang="en-US" altLang="en-US"/>
-          </a:p>
-        </p:txBody>
-      </p:sp>
-      <p:sp>
-        <p:nvSpPr>
-          <p:cNvPr id="66562" name="Rectangle 2">
-            <a:extLst>
-              <a:ext uri="{FF2B5EF4-FFF2-40B4-BE49-F238E27FC236}">
-                <a16:creationId xmlns:a16="http://schemas.microsoft.com/office/drawing/2014/main" id="{E35163EB-9D41-EC4B-9CD6-311F36543F0C}"/>
-              </a:ext>
-            </a:extLst>
-          </p:cNvPr>
-          <p:cNvSpPr>
-            <a:spLocks noGrp="1" noRot="1" noChangeAspect="1" noChangeArrowheads="1" noTextEdit="1"/>
-          </p:cNvSpPr>
-          <p:nvPr>
-            <p:ph type="sldImg"/>
-          </p:nvPr>
-        </p:nvSpPr>
-        <p:spPr bwMode="auto">
-          <a:xfrm>
-            <a:off x="687388" y="685800"/>
-            <a:ext cx="5486400" cy="3429000"/>
-          </a:xfrm>
-          <a:noFill/>
-          <a:ln>
-            <a:solidFill>
-              <a:srgbClr val="000000"/>
-            </a:solidFill>
-            <a:miter lim="800000"/>
-            <a:headEnd/>
-            <a:tailEnd/>
-          </a:ln>
-          <a:extLst>
-            <a:ext uri="{909E8E84-426E-40DD-AFC4-6F175D3DCCD1}">
-              <a14:hiddenFill xmlns:a14="http://schemas.microsoft.com/office/drawing/2010/main">
-                <a:solidFill>
-                  <a:srgbClr val="FFFFFF"/>
-                </a:solidFill>
-              </a14:hiddenFill>
-            </a:ext>
-          </a:extLst>
-        </p:spPr>
-      </p:sp>
-      <p:sp>
-        <p:nvSpPr>
-          <p:cNvPr id="66563" name="Rectangle 3">
-            <a:extLst>
-              <a:ext uri="{FF2B5EF4-FFF2-40B4-BE49-F238E27FC236}">
-                <a16:creationId xmlns:a16="http://schemas.microsoft.com/office/drawing/2014/main" id="{81DCCE0E-16FE-D943-99E9-F378796B5C8B}"/>
-              </a:ext>
-            </a:extLst>
-          </p:cNvPr>
-          <p:cNvSpPr>
-            <a:spLocks noGrp="1" noChangeArrowheads="1"/>
-          </p:cNvSpPr>
-          <p:nvPr>
-            <p:ph type="body" idx="1"/>
-          </p:nvPr>
-        </p:nvSpPr>
-        <p:spPr bwMode="auto">
-          <a:xfrm>
-            <a:off x="914400" y="4343400"/>
-            <a:ext cx="5029200" cy="4114800"/>
-          </a:xfrm>
-          <a:noFill/>
-          <a:extLst>
-            <a:ext uri="{909E8E84-426E-40DD-AFC4-6F175D3DCCD1}">
-              <a14:hiddenFill xmlns:a14="http://schemas.microsoft.com/office/drawing/2010/main">
-                <a:solidFill>
-                  <a:srgbClr val="FFFFFF"/>
-                </a:solidFill>
-              </a14:hiddenFill>
-            </a:ext>
-            <a:ext uri="{91240B29-F687-4F45-9708-019B960494DF}">
-              <a14:hiddenLine xmlns:a14="http://schemas.microsoft.com/office/drawing/2010/main" w="9525">
-                <a:solidFill>
-                  <a:srgbClr val="000000"/>
-                </a:solidFill>
-                <a:miter lim="800000"/>
-                <a:headEnd/>
-                <a:tailEnd/>
-              </a14:hiddenLine>
-            </a:ext>
-          </a:extLst>
-        </p:spPr>
-        <p:txBody>
-          <a:bodyPr wrap="square" lIns="91433" tIns="45716" rIns="91433" bIns="45716" numCol="1" anchor="t" anchorCtr="0" compatLnSpc="1">
-            <a:prstTxWarp prst="textNoShape">
-              <a:avLst/>
-            </a:prstTxWarp>
-          </a:bodyPr>
-          <a:lstStyle/>
-          <a:p>
-            <a:pPr eaLnBrk="1" hangingPunct="1"/>
-            <a:endParaRPr lang="en-US" altLang="en-US">
-              <a:ea typeface="ＭＳ Ｐゴシック" panose="020B0600070205080204" pitchFamily="34" charset="-128"/>
-            </a:endParaRPr>
-          </a:p>
-        </p:txBody>
-      </p:sp>
-    </p:spTree>
-    <p:extLst>
-      <p:ext uri="{BB962C8B-B14F-4D97-AF65-F5344CB8AC3E}">
-        <p14:creationId xmlns:p14="http://schemas.microsoft.com/office/powerpoint/2010/main" val="1738252272"/>
-      </p:ext>
-    </p:extLst>
-  </p:cSld>
-  <p:clrMapOvr>
-    <a:masterClrMapping/>
-  </p:clrMapOvr>
-</p:notes>
-</file>
-
-<file path=ppt/notesSlides/notesSlide23.xml><?xml version="1.0" encoding="utf-8"?>
-<p:notes xmlns:a="http://schemas.openxmlformats.org/drawingml/2006/main" xmlns:r="http://schemas.openxmlformats.org/officeDocument/2006/relationships" xmlns:p="http://schemas.openxmlformats.org/presentationml/2006/main">
-  <p:cSld>
-    <p:spTree>
-      <p:nvGrpSpPr>
-        <p:cNvPr id="1" name=""/>
-        <p:cNvGrpSpPr/>
-        <p:nvPr/>
-      </p:nvGrpSpPr>
-      <p:grpSpPr>
-        <a:xfrm>
-          <a:off x="0" y="0"/>
-          <a:ext cx="0" cy="0"/>
-          <a:chOff x="0" y="0"/>
-          <a:chExt cx="0" cy="0"/>
-        </a:xfrm>
-      </p:grpSpPr>
-      <p:sp>
-        <p:nvSpPr>
-          <p:cNvPr id="66561" name="Rectangle 7">
-            <a:extLst>
-              <a:ext uri="{FF2B5EF4-FFF2-40B4-BE49-F238E27FC236}">
-                <a16:creationId xmlns:a16="http://schemas.microsoft.com/office/drawing/2014/main" id="{0B48ABEC-FD93-5649-A6D9-357400C92D17}"/>
-              </a:ext>
-            </a:extLst>
-          </p:cNvPr>
-          <p:cNvSpPr>
-            <a:spLocks noGrp="1" noChangeArrowheads="1"/>
-          </p:cNvSpPr>
-          <p:nvPr>
-            <p:ph type="sldNum" sz="quarter" idx="5"/>
-          </p:nvPr>
-        </p:nvSpPr>
-        <p:spPr bwMode="auto">
-          <a:noFill/>
-          <a:extLst>
-            <a:ext uri="{909E8E84-426E-40DD-AFC4-6F175D3DCCD1}">
-              <a14:hiddenFill xmlns:a14="http://schemas.microsoft.com/office/drawing/2010/main">
-                <a:solidFill>
-                  <a:srgbClr val="FFFFFF"/>
-                </a:solidFill>
-              </a14:hiddenFill>
-            </a:ext>
-            <a:ext uri="{91240B29-F687-4F45-9708-019B960494DF}">
-              <a14:hiddenLine xmlns:a14="http://schemas.microsoft.com/office/drawing/2010/main" w="9525">
-                <a:solidFill>
-                  <a:srgbClr val="000000"/>
-                </a:solidFill>
-                <a:miter lim="800000"/>
-                <a:headEnd/>
-                <a:tailEnd/>
-              </a14:hiddenLine>
-            </a:ext>
-          </a:extLst>
-        </p:spPr>
-        <p:txBody>
-          <a:bodyPr/>
-          <a:lstStyle>
-            <a:lvl1pPr>
-              <a:defRPr>
-                <a:solidFill>
-                  <a:schemeClr val="tx1"/>
-                </a:solidFill>
-                <a:latin typeface="Arial" panose="020B0604020202020204" pitchFamily="34" charset="0"/>
-                <a:ea typeface="ＭＳ Ｐゴシック" panose="020B0600070205080204" pitchFamily="34" charset="-128"/>
-              </a:defRPr>
-            </a:lvl1pPr>
-            <a:lvl2pPr marL="742950" indent="-285750">
-              <a:defRPr>
-                <a:solidFill>
-                  <a:schemeClr val="tx1"/>
-                </a:solidFill>
-                <a:latin typeface="Arial" panose="020B0604020202020204" pitchFamily="34" charset="0"/>
-                <a:ea typeface="ＭＳ Ｐゴシック" panose="020B0600070205080204" pitchFamily="34" charset="-128"/>
-              </a:defRPr>
-            </a:lvl2pPr>
-            <a:lvl3pPr marL="1143000" indent="-228600">
-              <a:defRPr>
-                <a:solidFill>
-                  <a:schemeClr val="tx1"/>
-                </a:solidFill>
-                <a:latin typeface="Arial" panose="020B0604020202020204" pitchFamily="34" charset="0"/>
-                <a:ea typeface="ＭＳ Ｐゴシック" panose="020B0600070205080204" pitchFamily="34" charset="-128"/>
-              </a:defRPr>
-            </a:lvl3pPr>
-            <a:lvl4pPr marL="1600200" indent="-228600">
-              <a:defRPr>
-                <a:solidFill>
-                  <a:schemeClr val="tx1"/>
-                </a:solidFill>
-                <a:latin typeface="Arial" panose="020B0604020202020204" pitchFamily="34" charset="0"/>
-                <a:ea typeface="ＭＳ Ｐゴシック" panose="020B0600070205080204" pitchFamily="34" charset="-128"/>
-              </a:defRPr>
-            </a:lvl4pPr>
-            <a:lvl5pPr marL="2057400" indent="-228600">
-              <a:defRPr>
-                <a:solidFill>
-                  <a:schemeClr val="tx1"/>
-                </a:solidFill>
-                <a:latin typeface="Arial" panose="020B0604020202020204" pitchFamily="34" charset="0"/>
-                <a:ea typeface="ＭＳ Ｐゴシック" panose="020B0600070205080204" pitchFamily="34" charset="-128"/>
-              </a:defRPr>
-            </a:lvl5pPr>
-            <a:lvl6pPr marL="2514600" indent="-228600" eaLnBrk="0" fontAlgn="base" hangingPunct="0">
-              <a:spcBef>
-                <a:spcPct val="0"/>
-              </a:spcBef>
-              <a:spcAft>
-                <a:spcPct val="0"/>
-              </a:spcAft>
-              <a:defRPr>
-                <a:solidFill>
-                  <a:schemeClr val="tx1"/>
-                </a:solidFill>
-                <a:latin typeface="Arial" panose="020B0604020202020204" pitchFamily="34" charset="0"/>
-                <a:ea typeface="ＭＳ Ｐゴシック" panose="020B0600070205080204" pitchFamily="34" charset="-128"/>
-              </a:defRPr>
-            </a:lvl6pPr>
-            <a:lvl7pPr marL="2971800" indent="-228600" eaLnBrk="0" fontAlgn="base" hangingPunct="0">
-              <a:spcBef>
-                <a:spcPct val="0"/>
-              </a:spcBef>
-              <a:spcAft>
-                <a:spcPct val="0"/>
-              </a:spcAft>
-              <a:defRPr>
-                <a:solidFill>
-                  <a:schemeClr val="tx1"/>
-                </a:solidFill>
-                <a:latin typeface="Arial" panose="020B0604020202020204" pitchFamily="34" charset="0"/>
-                <a:ea typeface="ＭＳ Ｐゴシック" panose="020B0600070205080204" pitchFamily="34" charset="-128"/>
-              </a:defRPr>
-            </a:lvl7pPr>
-            <a:lvl8pPr marL="3429000" indent="-228600" eaLnBrk="0" fontAlgn="base" hangingPunct="0">
-              <a:spcBef>
-                <a:spcPct val="0"/>
-              </a:spcBef>
-              <a:spcAft>
-                <a:spcPct val="0"/>
-              </a:spcAft>
-              <a:defRPr>
-                <a:solidFill>
-                  <a:schemeClr val="tx1"/>
-                </a:solidFill>
-                <a:latin typeface="Arial" panose="020B0604020202020204" pitchFamily="34" charset="0"/>
-                <a:ea typeface="ＭＳ Ｐゴシック" panose="020B0600070205080204" pitchFamily="34" charset="-128"/>
-              </a:defRPr>
-            </a:lvl8pPr>
-            <a:lvl9pPr marL="3886200" indent="-228600" eaLnBrk="0" fontAlgn="base" hangingPunct="0">
-              <a:spcBef>
-                <a:spcPct val="0"/>
-              </a:spcBef>
-              <a:spcAft>
-                <a:spcPct val="0"/>
-              </a:spcAft>
-              <a:defRPr>
-                <a:solidFill>
-                  <a:schemeClr val="tx1"/>
-                </a:solidFill>
-                <a:latin typeface="Arial" panose="020B0604020202020204" pitchFamily="34" charset="0"/>
-                <a:ea typeface="ＭＳ Ｐゴシック" panose="020B0600070205080204" pitchFamily="34" charset="-128"/>
-              </a:defRPr>
-            </a:lvl9pPr>
-          </a:lstStyle>
-          <a:p>
-            <a:fld id="{5E01D6DC-9A63-F540-B16E-E3632FEADE3F}" type="slidenum">
-              <a:rPr lang="en-US" altLang="en-US" smtClean="0"/>
-              <a:pPr/>
-              <a:t>24</a:t>
-            </a:fld>
-            <a:endParaRPr lang="en-US" altLang="en-US"/>
-          </a:p>
-        </p:txBody>
-      </p:sp>
-      <p:sp>
-        <p:nvSpPr>
-          <p:cNvPr id="66562" name="Rectangle 2">
-            <a:extLst>
-              <a:ext uri="{FF2B5EF4-FFF2-40B4-BE49-F238E27FC236}">
-                <a16:creationId xmlns:a16="http://schemas.microsoft.com/office/drawing/2014/main" id="{E35163EB-9D41-EC4B-9CD6-311F36543F0C}"/>
-              </a:ext>
-            </a:extLst>
-          </p:cNvPr>
-          <p:cNvSpPr>
-            <a:spLocks noGrp="1" noRot="1" noChangeAspect="1" noChangeArrowheads="1" noTextEdit="1"/>
-          </p:cNvSpPr>
-          <p:nvPr>
-            <p:ph type="sldImg"/>
-          </p:nvPr>
-        </p:nvSpPr>
-        <p:spPr bwMode="auto">
-          <a:xfrm>
-            <a:off x="687388" y="685800"/>
-            <a:ext cx="5486400" cy="3429000"/>
-          </a:xfrm>
-          <a:noFill/>
-          <a:ln>
-            <a:solidFill>
-              <a:srgbClr val="000000"/>
-            </a:solidFill>
-            <a:miter lim="800000"/>
-            <a:headEnd/>
-            <a:tailEnd/>
-          </a:ln>
-          <a:extLst>
-            <a:ext uri="{909E8E84-426E-40DD-AFC4-6F175D3DCCD1}">
-              <a14:hiddenFill xmlns:a14="http://schemas.microsoft.com/office/drawing/2010/main">
-                <a:solidFill>
-                  <a:srgbClr val="FFFFFF"/>
-                </a:solidFill>
-              </a14:hiddenFill>
-            </a:ext>
-          </a:extLst>
-        </p:spPr>
-      </p:sp>
-      <p:sp>
-        <p:nvSpPr>
-          <p:cNvPr id="66563" name="Rectangle 3">
-            <a:extLst>
-              <a:ext uri="{FF2B5EF4-FFF2-40B4-BE49-F238E27FC236}">
-                <a16:creationId xmlns:a16="http://schemas.microsoft.com/office/drawing/2014/main" id="{81DCCE0E-16FE-D943-99E9-F378796B5C8B}"/>
-              </a:ext>
-            </a:extLst>
-          </p:cNvPr>
-          <p:cNvSpPr>
-            <a:spLocks noGrp="1" noChangeArrowheads="1"/>
-          </p:cNvSpPr>
-          <p:nvPr>
-            <p:ph type="body" idx="1"/>
-          </p:nvPr>
-        </p:nvSpPr>
-        <p:spPr bwMode="auto">
-          <a:xfrm>
-            <a:off x="914400" y="4343400"/>
-            <a:ext cx="5029200" cy="4114800"/>
-          </a:xfrm>
-          <a:noFill/>
-          <a:extLst>
-            <a:ext uri="{909E8E84-426E-40DD-AFC4-6F175D3DCCD1}">
-              <a14:hiddenFill xmlns:a14="http://schemas.microsoft.com/office/drawing/2010/main">
-                <a:solidFill>
-                  <a:srgbClr val="FFFFFF"/>
-                </a:solidFill>
-              </a14:hiddenFill>
-            </a:ext>
-            <a:ext uri="{91240B29-F687-4F45-9708-019B960494DF}">
-              <a14:hiddenLine xmlns:a14="http://schemas.microsoft.com/office/drawing/2010/main" w="9525">
-                <a:solidFill>
-                  <a:srgbClr val="000000"/>
-                </a:solidFill>
-                <a:miter lim="800000"/>
-                <a:headEnd/>
-                <a:tailEnd/>
-              </a14:hiddenLine>
-            </a:ext>
-          </a:extLst>
-        </p:spPr>
-        <p:txBody>
-          <a:bodyPr wrap="square" lIns="91433" tIns="45716" rIns="91433" bIns="45716" numCol="1" anchor="t" anchorCtr="0" compatLnSpc="1">
-            <a:prstTxWarp prst="textNoShape">
-              <a:avLst/>
-            </a:prstTxWarp>
-          </a:bodyPr>
-          <a:lstStyle/>
-          <a:p>
-            <a:pPr eaLnBrk="1" hangingPunct="1"/>
-            <a:endParaRPr lang="en-US" altLang="en-US">
-              <a:ea typeface="ＭＳ Ｐゴシック" panose="020B0600070205080204" pitchFamily="34" charset="-128"/>
-            </a:endParaRPr>
-          </a:p>
-        </p:txBody>
-      </p:sp>
-    </p:spTree>
-    <p:extLst>
-      <p:ext uri="{BB962C8B-B14F-4D97-AF65-F5344CB8AC3E}">
-        <p14:creationId xmlns:p14="http://schemas.microsoft.com/office/powerpoint/2010/main" val="1215209769"/>
-      </p:ext>
-    </p:extLst>
-  </p:cSld>
-  <p:clrMapOvr>
-    <a:masterClrMapping/>
-  </p:clrMapOvr>
-</p:notes>
-</file>
-
-<file path=ppt/notesSlides/notesSlide24.xml><?xml version="1.0" encoding="utf-8"?>
-<p:notes xmlns:a="http://schemas.openxmlformats.org/drawingml/2006/main" xmlns:r="http://schemas.openxmlformats.org/officeDocument/2006/relationships" xmlns:p="http://schemas.openxmlformats.org/presentationml/2006/main">
-  <p:cSld>
-    <p:spTree>
-      <p:nvGrpSpPr>
-        <p:cNvPr id="1" name=""/>
-        <p:cNvGrpSpPr/>
-        <p:nvPr/>
-      </p:nvGrpSpPr>
-      <p:grpSpPr>
-        <a:xfrm>
-          <a:off x="0" y="0"/>
-          <a:ext cx="0" cy="0"/>
-          <a:chOff x="0" y="0"/>
-          <a:chExt cx="0" cy="0"/>
-        </a:xfrm>
-      </p:grpSpPr>
-      <p:sp>
-        <p:nvSpPr>
-          <p:cNvPr id="66561" name="Rectangle 7">
-            <a:extLst>
-              <a:ext uri="{FF2B5EF4-FFF2-40B4-BE49-F238E27FC236}">
-                <a16:creationId xmlns:a16="http://schemas.microsoft.com/office/drawing/2014/main" id="{0B48ABEC-FD93-5649-A6D9-357400C92D17}"/>
-              </a:ext>
-            </a:extLst>
-          </p:cNvPr>
-          <p:cNvSpPr>
-            <a:spLocks noGrp="1" noChangeArrowheads="1"/>
-          </p:cNvSpPr>
-          <p:nvPr>
-            <p:ph type="sldNum" sz="quarter" idx="5"/>
-          </p:nvPr>
-        </p:nvSpPr>
-        <p:spPr bwMode="auto">
-          <a:noFill/>
-          <a:extLst>
-            <a:ext uri="{909E8E84-426E-40DD-AFC4-6F175D3DCCD1}">
-              <a14:hiddenFill xmlns:a14="http://schemas.microsoft.com/office/drawing/2010/main">
-                <a:solidFill>
-                  <a:srgbClr val="FFFFFF"/>
-                </a:solidFill>
-              </a14:hiddenFill>
-            </a:ext>
-            <a:ext uri="{91240B29-F687-4F45-9708-019B960494DF}">
-              <a14:hiddenLine xmlns:a14="http://schemas.microsoft.com/office/drawing/2010/main" w="9525">
-                <a:solidFill>
-                  <a:srgbClr val="000000"/>
-                </a:solidFill>
-                <a:miter lim="800000"/>
-                <a:headEnd/>
-                <a:tailEnd/>
-              </a14:hiddenLine>
-            </a:ext>
-          </a:extLst>
-        </p:spPr>
-        <p:txBody>
-          <a:bodyPr/>
-          <a:lstStyle>
-            <a:lvl1pPr>
-              <a:defRPr>
-                <a:solidFill>
-                  <a:schemeClr val="tx1"/>
-                </a:solidFill>
-                <a:latin typeface="Arial" panose="020B0604020202020204" pitchFamily="34" charset="0"/>
-                <a:ea typeface="ＭＳ Ｐゴシック" panose="020B0600070205080204" pitchFamily="34" charset="-128"/>
-              </a:defRPr>
-            </a:lvl1pPr>
-            <a:lvl2pPr marL="742950" indent="-285750">
-              <a:defRPr>
-                <a:solidFill>
-                  <a:schemeClr val="tx1"/>
-                </a:solidFill>
-                <a:latin typeface="Arial" panose="020B0604020202020204" pitchFamily="34" charset="0"/>
-                <a:ea typeface="ＭＳ Ｐゴシック" panose="020B0600070205080204" pitchFamily="34" charset="-128"/>
-              </a:defRPr>
-            </a:lvl2pPr>
-            <a:lvl3pPr marL="1143000" indent="-228600">
-              <a:defRPr>
-                <a:solidFill>
-                  <a:schemeClr val="tx1"/>
-                </a:solidFill>
-                <a:latin typeface="Arial" panose="020B0604020202020204" pitchFamily="34" charset="0"/>
-                <a:ea typeface="ＭＳ Ｐゴシック" panose="020B0600070205080204" pitchFamily="34" charset="-128"/>
-              </a:defRPr>
-            </a:lvl3pPr>
-            <a:lvl4pPr marL="1600200" indent="-228600">
-              <a:defRPr>
-                <a:solidFill>
-                  <a:schemeClr val="tx1"/>
-                </a:solidFill>
-                <a:latin typeface="Arial" panose="020B0604020202020204" pitchFamily="34" charset="0"/>
-                <a:ea typeface="ＭＳ Ｐゴシック" panose="020B0600070205080204" pitchFamily="34" charset="-128"/>
-              </a:defRPr>
-            </a:lvl4pPr>
-            <a:lvl5pPr marL="2057400" indent="-228600">
-              <a:defRPr>
-                <a:solidFill>
-                  <a:schemeClr val="tx1"/>
-                </a:solidFill>
-                <a:latin typeface="Arial" panose="020B0604020202020204" pitchFamily="34" charset="0"/>
-                <a:ea typeface="ＭＳ Ｐゴシック" panose="020B0600070205080204" pitchFamily="34" charset="-128"/>
-              </a:defRPr>
-            </a:lvl5pPr>
-            <a:lvl6pPr marL="2514600" indent="-228600" eaLnBrk="0" fontAlgn="base" hangingPunct="0">
-              <a:spcBef>
-                <a:spcPct val="0"/>
-              </a:spcBef>
-              <a:spcAft>
-                <a:spcPct val="0"/>
-              </a:spcAft>
-              <a:defRPr>
-                <a:solidFill>
-                  <a:schemeClr val="tx1"/>
-                </a:solidFill>
-                <a:latin typeface="Arial" panose="020B0604020202020204" pitchFamily="34" charset="0"/>
-                <a:ea typeface="ＭＳ Ｐゴシック" panose="020B0600070205080204" pitchFamily="34" charset="-128"/>
-              </a:defRPr>
-            </a:lvl6pPr>
-            <a:lvl7pPr marL="2971800" indent="-228600" eaLnBrk="0" fontAlgn="base" hangingPunct="0">
-              <a:spcBef>
-                <a:spcPct val="0"/>
-              </a:spcBef>
-              <a:spcAft>
-                <a:spcPct val="0"/>
-              </a:spcAft>
-              <a:defRPr>
-                <a:solidFill>
-                  <a:schemeClr val="tx1"/>
-                </a:solidFill>
-                <a:latin typeface="Arial" panose="020B0604020202020204" pitchFamily="34" charset="0"/>
-                <a:ea typeface="ＭＳ Ｐゴシック" panose="020B0600070205080204" pitchFamily="34" charset="-128"/>
-              </a:defRPr>
-            </a:lvl7pPr>
-            <a:lvl8pPr marL="3429000" indent="-228600" eaLnBrk="0" fontAlgn="base" hangingPunct="0">
-              <a:spcBef>
-                <a:spcPct val="0"/>
-              </a:spcBef>
-              <a:spcAft>
-                <a:spcPct val="0"/>
-              </a:spcAft>
-              <a:defRPr>
-                <a:solidFill>
-                  <a:schemeClr val="tx1"/>
-                </a:solidFill>
-                <a:latin typeface="Arial" panose="020B0604020202020204" pitchFamily="34" charset="0"/>
-                <a:ea typeface="ＭＳ Ｐゴシック" panose="020B0600070205080204" pitchFamily="34" charset="-128"/>
-              </a:defRPr>
-            </a:lvl8pPr>
-            <a:lvl9pPr marL="3886200" indent="-228600" eaLnBrk="0" fontAlgn="base" hangingPunct="0">
-              <a:spcBef>
-                <a:spcPct val="0"/>
-              </a:spcBef>
-              <a:spcAft>
-                <a:spcPct val="0"/>
-              </a:spcAft>
-              <a:defRPr>
-                <a:solidFill>
-                  <a:schemeClr val="tx1"/>
-                </a:solidFill>
-                <a:latin typeface="Arial" panose="020B0604020202020204" pitchFamily="34" charset="0"/>
-                <a:ea typeface="ＭＳ Ｐゴシック" panose="020B0600070205080204" pitchFamily="34" charset="-128"/>
-              </a:defRPr>
-            </a:lvl9pPr>
-          </a:lstStyle>
-          <a:p>
-            <a:fld id="{5E01D6DC-9A63-F540-B16E-E3632FEADE3F}" type="slidenum">
-              <a:rPr lang="en-US" altLang="en-US" smtClean="0"/>
-              <a:pPr/>
-              <a:t>25</a:t>
-            </a:fld>
-            <a:endParaRPr lang="en-US" altLang="en-US"/>
-          </a:p>
-        </p:txBody>
-      </p:sp>
-      <p:sp>
-        <p:nvSpPr>
-          <p:cNvPr id="66562" name="Rectangle 2">
-            <a:extLst>
-              <a:ext uri="{FF2B5EF4-FFF2-40B4-BE49-F238E27FC236}">
-                <a16:creationId xmlns:a16="http://schemas.microsoft.com/office/drawing/2014/main" id="{E35163EB-9D41-EC4B-9CD6-311F36543F0C}"/>
-              </a:ext>
-            </a:extLst>
-          </p:cNvPr>
-          <p:cNvSpPr>
-            <a:spLocks noGrp="1" noRot="1" noChangeAspect="1" noChangeArrowheads="1" noTextEdit="1"/>
-          </p:cNvSpPr>
-          <p:nvPr>
-            <p:ph type="sldImg"/>
-          </p:nvPr>
-        </p:nvSpPr>
-        <p:spPr bwMode="auto">
-          <a:xfrm>
-            <a:off x="687388" y="685800"/>
-            <a:ext cx="5486400" cy="3429000"/>
-          </a:xfrm>
-          <a:noFill/>
-          <a:ln>
-            <a:solidFill>
-              <a:srgbClr val="000000"/>
-            </a:solidFill>
-            <a:miter lim="800000"/>
-            <a:headEnd/>
-            <a:tailEnd/>
-          </a:ln>
-          <a:extLst>
-            <a:ext uri="{909E8E84-426E-40DD-AFC4-6F175D3DCCD1}">
-              <a14:hiddenFill xmlns:a14="http://schemas.microsoft.com/office/drawing/2010/main">
-                <a:solidFill>
-                  <a:srgbClr val="FFFFFF"/>
-                </a:solidFill>
-              </a14:hiddenFill>
-            </a:ext>
-          </a:extLst>
-        </p:spPr>
-      </p:sp>
-      <p:sp>
-        <p:nvSpPr>
-          <p:cNvPr id="66563" name="Rectangle 3">
-            <a:extLst>
-              <a:ext uri="{FF2B5EF4-FFF2-40B4-BE49-F238E27FC236}">
-                <a16:creationId xmlns:a16="http://schemas.microsoft.com/office/drawing/2014/main" id="{81DCCE0E-16FE-D943-99E9-F378796B5C8B}"/>
-              </a:ext>
-            </a:extLst>
-          </p:cNvPr>
-          <p:cNvSpPr>
-            <a:spLocks noGrp="1" noChangeArrowheads="1"/>
-          </p:cNvSpPr>
-          <p:nvPr>
-            <p:ph type="body" idx="1"/>
-          </p:nvPr>
-        </p:nvSpPr>
-        <p:spPr bwMode="auto">
-          <a:xfrm>
-            <a:off x="914400" y="4343400"/>
-            <a:ext cx="5029200" cy="4114800"/>
-          </a:xfrm>
-          <a:noFill/>
-          <a:extLst>
-            <a:ext uri="{909E8E84-426E-40DD-AFC4-6F175D3DCCD1}">
-              <a14:hiddenFill xmlns:a14="http://schemas.microsoft.com/office/drawing/2010/main">
-                <a:solidFill>
-                  <a:srgbClr val="FFFFFF"/>
-                </a:solidFill>
-              </a14:hiddenFill>
-            </a:ext>
-            <a:ext uri="{91240B29-F687-4F45-9708-019B960494DF}">
-              <a14:hiddenLine xmlns:a14="http://schemas.microsoft.com/office/drawing/2010/main" w="9525">
-                <a:solidFill>
-                  <a:srgbClr val="000000"/>
-                </a:solidFill>
-                <a:miter lim="800000"/>
-                <a:headEnd/>
-                <a:tailEnd/>
-              </a14:hiddenLine>
-            </a:ext>
-          </a:extLst>
-        </p:spPr>
-        <p:txBody>
-          <a:bodyPr wrap="square" lIns="91433" tIns="45716" rIns="91433" bIns="45716" numCol="1" anchor="t" anchorCtr="0" compatLnSpc="1">
-            <a:prstTxWarp prst="textNoShape">
-              <a:avLst/>
-            </a:prstTxWarp>
-          </a:bodyPr>
-          <a:lstStyle/>
-          <a:p>
-            <a:pPr eaLnBrk="1" hangingPunct="1"/>
-            <a:endParaRPr lang="en-US" altLang="en-US">
-              <a:ea typeface="ＭＳ Ｐゴシック" panose="020B0600070205080204" pitchFamily="34" charset="-128"/>
-            </a:endParaRPr>
-          </a:p>
-        </p:txBody>
-      </p:sp>
-    </p:spTree>
-    <p:extLst>
-      <p:ext uri="{BB962C8B-B14F-4D97-AF65-F5344CB8AC3E}">
-        <p14:creationId xmlns:p14="http://schemas.microsoft.com/office/powerpoint/2010/main" val="2287286629"/>
-      </p:ext>
-    </p:extLst>
-  </p:cSld>
-  <p:clrMapOvr>
-    <a:masterClrMapping/>
-  </p:clrMapOvr>
-</p:notes>
-</file>
-
-<file path=ppt/notesSlides/notesSlide25.xml><?xml version="1.0" encoding="utf-8"?>
-<p:notes xmlns:a="http://schemas.openxmlformats.org/drawingml/2006/main" xmlns:r="http://schemas.openxmlformats.org/officeDocument/2006/relationships" xmlns:p="http://schemas.openxmlformats.org/presentationml/2006/main">
-  <p:cSld>
-    <p:spTree>
-      <p:nvGrpSpPr>
-        <p:cNvPr id="1" name=""/>
-        <p:cNvGrpSpPr/>
-        <p:nvPr/>
-      </p:nvGrpSpPr>
-      <p:grpSpPr>
-        <a:xfrm>
-          <a:off x="0" y="0"/>
-          <a:ext cx="0" cy="0"/>
-          <a:chOff x="0" y="0"/>
-          <a:chExt cx="0" cy="0"/>
-        </a:xfrm>
-      </p:grpSpPr>
-      <p:sp>
-        <p:nvSpPr>
           <p:cNvPr id="68609" name="Rectangle 7">
             <a:extLst>
               <a:ext uri="{FF2B5EF4-FFF2-40B4-BE49-F238E27FC236}">
@@ -8640,7 +7348,7 @@
             <a:fld id="{9411FBA1-E5E8-894C-BCFA-2B459A05F617}" type="slidenum">
               <a:rPr lang="en-US" altLang="en-US" smtClean="0"/>
               <a:pPr/>
-              <a:t>26</a:t>
+              <a:t>21</a:t>
             </a:fld>
             <a:endParaRPr lang="en-US" altLang="en-US"/>
           </a:p>
@@ -8757,7 +7465,7 @@
 </p:notes>
 </file>
 
-<file path=ppt/notesSlides/notesSlide26.xml><?xml version="1.0" encoding="utf-8"?>
+<file path=ppt/notesSlides/notesSlide21.xml><?xml version="1.0" encoding="utf-8"?>
 <p:notes xmlns:a="http://schemas.openxmlformats.org/drawingml/2006/main" xmlns:r="http://schemas.openxmlformats.org/officeDocument/2006/relationships" xmlns:p="http://schemas.openxmlformats.org/presentationml/2006/main">
   <p:cSld>
     <p:spTree>
@@ -8925,7 +7633,7 @@
             <a:fld id="{54A36AFB-B5E0-FF4A-B5D6-EF086060C46F}" type="slidenum">
               <a:rPr lang="en-US" altLang="en-US" smtClean="0"/>
               <a:pPr/>
-              <a:t>27</a:t>
+              <a:t>22</a:t>
             </a:fld>
             <a:endParaRPr lang="en-US" altLang="en-US"/>
           </a:p>
@@ -9042,7 +7750,7 @@
 </p:notes>
 </file>
 
-<file path=ppt/notesSlides/notesSlide27.xml><?xml version="1.0" encoding="utf-8"?>
+<file path=ppt/notesSlides/notesSlide22.xml><?xml version="1.0" encoding="utf-8"?>
 <p:notes xmlns:a="http://schemas.openxmlformats.org/drawingml/2006/main" xmlns:r="http://schemas.openxmlformats.org/officeDocument/2006/relationships" xmlns:p="http://schemas.openxmlformats.org/presentationml/2006/main">
   <p:cSld>
     <p:spTree>
@@ -9210,7 +7918,7 @@
             <a:fld id="{5FB09501-AD3D-D043-823D-0BAB7EB5B926}" type="slidenum">
               <a:rPr lang="en-US" altLang="en-US" smtClean="0"/>
               <a:pPr/>
-              <a:t>28</a:t>
+              <a:t>23</a:t>
             </a:fld>
             <a:endParaRPr lang="en-US" altLang="en-US"/>
           </a:p>
@@ -9327,7 +8035,7 @@
 </p:notes>
 </file>
 
-<file path=ppt/notesSlides/notesSlide28.xml><?xml version="1.0" encoding="utf-8"?>
+<file path=ppt/notesSlides/notesSlide23.xml><?xml version="1.0" encoding="utf-8"?>
 <p:notes xmlns:a="http://schemas.openxmlformats.org/drawingml/2006/main" xmlns:r="http://schemas.openxmlformats.org/officeDocument/2006/relationships" xmlns:p="http://schemas.openxmlformats.org/presentationml/2006/main">
   <p:cSld>
     <p:spTree>
@@ -9495,7 +8203,7 @@
             <a:fld id="{3D433EE7-F53B-2F42-A6AF-86D88745413D}" type="slidenum">
               <a:rPr lang="en-US" altLang="en-US" smtClean="0"/>
               <a:pPr/>
-              <a:t>29</a:t>
+              <a:t>24</a:t>
             </a:fld>
             <a:endParaRPr lang="en-US" altLang="en-US"/>
           </a:p>
@@ -9612,7 +8320,7 @@
 </p:notes>
 </file>
 
-<file path=ppt/notesSlides/notesSlide29.xml><?xml version="1.0" encoding="utf-8"?>
+<file path=ppt/notesSlides/notesSlide24.xml><?xml version="1.0" encoding="utf-8"?>
 <p:notes xmlns:a="http://schemas.openxmlformats.org/drawingml/2006/main" xmlns:r="http://schemas.openxmlformats.org/officeDocument/2006/relationships" xmlns:p="http://schemas.openxmlformats.org/presentationml/2006/main">
   <p:cSld>
     <p:spTree>
@@ -9780,7 +8488,7 @@
             <a:fld id="{74AFB83C-0D8C-6A47-88CC-8606ED98D975}" type="slidenum">
               <a:rPr lang="en-US" altLang="en-US" smtClean="0"/>
               <a:pPr/>
-              <a:t>30</a:t>
+              <a:t>25</a:t>
             </a:fld>
             <a:endParaRPr lang="en-US" altLang="en-US"/>
           </a:p>
@@ -12023,7 +10731,7 @@
           <a:p>
             <a:fld id="{B87722C1-40EC-ED43-91EC-B98ED320650C}" type="datetime1">
               <a:rPr lang="en-US" smtClean="0"/>
-              <a:t>3/23/21</a:t>
+              <a:t>3/8/22</a:t>
             </a:fld>
             <a:endParaRPr lang="en-US" dirty="0"/>
           </a:p>
@@ -12193,7 +10901,7 @@
           <a:p>
             <a:fld id="{FEAA3499-9783-414F-AB56-30EDF5B6AD7C}" type="datetime1">
               <a:rPr lang="en-US" smtClean="0"/>
-              <a:t>3/23/21</a:t>
+              <a:t>3/8/22</a:t>
             </a:fld>
             <a:endParaRPr lang="en-US" dirty="0"/>
           </a:p>
@@ -12373,7 +11081,7 @@
           <a:p>
             <a:fld id="{724D64E5-63F2-5449-AD8F-FA5D349B4404}" type="datetime1">
               <a:rPr lang="en-US" smtClean="0"/>
-              <a:t>3/23/21</a:t>
+              <a:t>3/8/22</a:t>
             </a:fld>
             <a:endParaRPr lang="en-US" dirty="0"/>
           </a:p>
@@ -12543,7 +11251,7 @@
           <a:p>
             <a:fld id="{EB3D4CA9-CE62-4E49-B3B8-F71ED47BF7C9}" type="datetime1">
               <a:rPr lang="en-US" smtClean="0"/>
-              <a:t>3/23/21</a:t>
+              <a:t>3/8/22</a:t>
             </a:fld>
             <a:endParaRPr lang="en-US" dirty="0"/>
           </a:p>
@@ -12789,7 +11497,7 @@
           <a:p>
             <a:fld id="{A25DC6E7-CDA3-444A-BA6F-C759166D947A}" type="datetime1">
               <a:rPr lang="en-US" smtClean="0"/>
-              <a:t>3/23/21</a:t>
+              <a:t>3/8/22</a:t>
             </a:fld>
             <a:endParaRPr lang="en-US" dirty="0"/>
           </a:p>
@@ -13021,7 +11729,7 @@
           <a:p>
             <a:fld id="{C37969F5-3BA4-8142-B442-1AF77983C374}" type="datetime1">
               <a:rPr lang="en-US" smtClean="0"/>
-              <a:t>3/23/21</a:t>
+              <a:t>3/8/22</a:t>
             </a:fld>
             <a:endParaRPr lang="en-US" dirty="0"/>
           </a:p>
@@ -13388,7 +12096,7 @@
           <a:p>
             <a:fld id="{7BD2D818-999B-E64C-AB06-944CE77FC710}" type="datetime1">
               <a:rPr lang="en-US" smtClean="0"/>
-              <a:t>3/23/21</a:t>
+              <a:t>3/8/22</a:t>
             </a:fld>
             <a:endParaRPr lang="en-US" dirty="0"/>
           </a:p>
@@ -13506,7 +12214,7 @@
           <a:p>
             <a:fld id="{1DBEBAD1-BDD9-9947-B065-7A967766785F}" type="datetime1">
               <a:rPr lang="en-US" smtClean="0"/>
-              <a:t>3/23/21</a:t>
+              <a:t>3/8/22</a:t>
             </a:fld>
             <a:endParaRPr lang="en-US" dirty="0"/>
           </a:p>
@@ -13601,7 +12309,7 @@
           <a:p>
             <a:fld id="{C1900C48-8719-9D4F-82DE-76E34B0BA82F}" type="datetime1">
               <a:rPr lang="en-US" smtClean="0"/>
-              <a:t>3/23/21</a:t>
+              <a:t>3/8/22</a:t>
             </a:fld>
             <a:endParaRPr lang="en-US" dirty="0"/>
           </a:p>
@@ -13878,7 +12586,7 @@
           <a:p>
             <a:fld id="{90B71D16-025D-3C42-9FB4-C3EC6CA1A989}" type="datetime1">
               <a:rPr lang="en-US" smtClean="0"/>
-              <a:t>3/23/21</a:t>
+              <a:t>3/8/22</a:t>
             </a:fld>
             <a:endParaRPr lang="en-US" dirty="0"/>
           </a:p>
@@ -14135,7 +12843,7 @@
           <a:p>
             <a:fld id="{913BB745-65CE-4943-B7D5-34583DF6D0C8}" type="datetime1">
               <a:rPr lang="en-US" smtClean="0"/>
-              <a:t>3/23/21</a:t>
+              <a:t>3/8/22</a:t>
             </a:fld>
             <a:endParaRPr lang="en-US" dirty="0"/>
           </a:p>
@@ -14348,7 +13056,7 @@
           <a:p>
             <a:fld id="{F99DF739-3EF3-8249-9B6D-641DAC3A4900}" type="datetime1">
               <a:rPr lang="en-US" smtClean="0"/>
-              <a:t>3/23/21</a:t>
+              <a:t>3/8/22</a:t>
             </a:fld>
             <a:endParaRPr lang="en-US" dirty="0"/>
           </a:p>
@@ -18551,7 +17259,7 @@
         </p:nvSpPr>
         <p:spPr>
           <a:xfrm>
-            <a:off x="226031" y="410966"/>
+            <a:off x="143839" y="113770"/>
             <a:ext cx="7886700" cy="689716"/>
           </a:xfrm>
         </p:spPr>
@@ -18590,12 +17298,14 @@
         </p:nvSpPr>
         <p:spPr>
           <a:xfrm>
-            <a:off x="226031" y="1521354"/>
-            <a:ext cx="8784405" cy="3626115"/>
+            <a:off x="143839" y="1202076"/>
+            <a:ext cx="8866598" cy="3945393"/>
           </a:xfrm>
         </p:spPr>
         <p:txBody>
-          <a:bodyPr/>
+          <a:bodyPr>
+            <a:normAutofit fontScale="92500" lnSpcReduction="20000"/>
+          </a:bodyPr>
           <a:lstStyle/>
           <a:p>
             <a:pPr marL="0" indent="0">
@@ -18681,6 +17391,40 @@
             <a:r>
               <a:rPr lang="en-US" altLang="en-US" sz="1667" dirty="0"/>
               <a:t>: Using a system of acknowledgements called the Three-Way-Handshake, two computers confirm the connection before data transmission.</a:t>
+            </a:r>
+          </a:p>
+          <a:p>
+            <a:pPr marL="0" indent="0">
+              <a:buNone/>
+              <a:defRPr/>
+            </a:pPr>
+            <a:endParaRPr lang="en-US" sz="1833" dirty="0"/>
+          </a:p>
+          <a:p>
+            <a:pPr marL="0" indent="0">
+              <a:buNone/>
+              <a:defRPr/>
+            </a:pPr>
+            <a:r>
+              <a:rPr lang="en-US" sz="1833" dirty="0"/>
+              <a:t>Another protocol similar to TCP is </a:t>
+            </a:r>
+            <a:r>
+              <a:rPr lang="en-US" sz="1833" b="1" dirty="0"/>
+              <a:t>User Datagram Protocol(UDP)</a:t>
+            </a:r>
+            <a:r>
+              <a:rPr lang="en-US" sz="1833" dirty="0"/>
+              <a:t>, which is a connectionless protocol. </a:t>
+            </a:r>
+          </a:p>
+          <a:p>
+            <a:pPr lvl="1">
+              <a:defRPr/>
+            </a:pPr>
+            <a:r>
+              <a:rPr lang="en-US" sz="1667" dirty="0"/>
+              <a:t>Unlike TCP, UDP has no guarantee of delivery or correct assembly. It requires less overhead and is faster. (Skype uses UDP) </a:t>
             </a:r>
           </a:p>
           <a:p>
@@ -18961,312 +17705,27 @@
                       </p:childTnLst>
                     </p:cTn>
                   </p:par>
-                </p:childTnLst>
-              </p:cTn>
-              <p:prevCondLst>
-                <p:cond evt="onPrev" delay="0">
-                  <p:tgtEl>
-                    <p:sldTgt/>
-                  </p:tgtEl>
-                </p:cond>
-              </p:prevCondLst>
-              <p:nextCondLst>
-                <p:cond evt="onNext" delay="0">
-                  <p:tgtEl>
-                    <p:sldTgt/>
-                  </p:tgtEl>
-                </p:cond>
-              </p:nextCondLst>
-            </p:seq>
-          </p:childTnLst>
-        </p:cTn>
-      </p:par>
-    </p:tnLst>
-  </p:timing>
-</p:sld>
-</file>
-
-<file path=ppt/slides/slide19.xml><?xml version="1.0" encoding="utf-8"?>
-<p:sld xmlns:a="http://schemas.openxmlformats.org/drawingml/2006/main" xmlns:r="http://schemas.openxmlformats.org/officeDocument/2006/relationships" xmlns:p="http://schemas.openxmlformats.org/presentationml/2006/main">
-  <p:cSld>
-    <p:spTree>
-      <p:nvGrpSpPr>
-        <p:cNvPr id="1" name=""/>
-        <p:cNvGrpSpPr/>
-        <p:nvPr/>
-      </p:nvGrpSpPr>
-      <p:grpSpPr>
-        <a:xfrm>
-          <a:off x="0" y="0"/>
-          <a:ext cx="0" cy="0"/>
-          <a:chOff x="0" y="0"/>
-          <a:chExt cx="0" cy="0"/>
-        </a:xfrm>
-      </p:grpSpPr>
-      <p:sp>
-        <p:nvSpPr>
-          <p:cNvPr id="61441" name="Rectangle 2">
-            <a:extLst>
-              <a:ext uri="{FF2B5EF4-FFF2-40B4-BE49-F238E27FC236}">
-                <a16:creationId xmlns:a16="http://schemas.microsoft.com/office/drawing/2014/main" id="{5D868FC1-4364-924A-9574-ECC30E407753}"/>
-              </a:ext>
-            </a:extLst>
-          </p:cNvPr>
-          <p:cNvSpPr>
-            <a:spLocks noGrp="1" noChangeArrowheads="1"/>
-          </p:cNvSpPr>
-          <p:nvPr>
-            <p:ph type="title" idx="4294967295"/>
-          </p:nvPr>
-        </p:nvSpPr>
-        <p:spPr>
-          <a:xfrm>
-            <a:off x="217684" y="431514"/>
-            <a:ext cx="7886700" cy="669168"/>
-          </a:xfrm>
-        </p:spPr>
-        <p:txBody>
-          <a:bodyPr vert="horz" lIns="0" tIns="45720" rIns="0" bIns="0" rtlCol="0" anchor="b">
-            <a:normAutofit/>
-          </a:bodyPr>
-          <a:lstStyle/>
-          <a:p>
-            <a:pPr eaLnBrk="1" hangingPunct="1"/>
-            <a:r>
-              <a:rPr lang="en-US" altLang="en-US" dirty="0">
-                <a:latin typeface="Tahoma" panose="020B0604030504040204" pitchFamily="34" charset="0"/>
-                <a:ea typeface="ＭＳ Ｐゴシック" panose="020B0600070205080204" pitchFamily="34" charset="-128"/>
-              </a:rPr>
-              <a:t>TCP/IP</a:t>
-            </a:r>
-          </a:p>
-        </p:txBody>
-      </p:sp>
-      <p:sp>
-        <p:nvSpPr>
-          <p:cNvPr id="27651" name="Rectangle 3">
-            <a:extLst>
-              <a:ext uri="{FF2B5EF4-FFF2-40B4-BE49-F238E27FC236}">
-                <a16:creationId xmlns:a16="http://schemas.microsoft.com/office/drawing/2014/main" id="{D2E8AD57-ED30-A247-A629-D196B221ADDD}"/>
-              </a:ext>
-            </a:extLst>
-          </p:cNvPr>
-          <p:cNvSpPr>
-            <a:spLocks noGrp="1"/>
-          </p:cNvSpPr>
-          <p:nvPr>
-            <p:ph type="body" idx="4294967295"/>
-          </p:nvPr>
-        </p:nvSpPr>
-        <p:spPr>
-          <a:xfrm>
-            <a:off x="217683" y="1232900"/>
-            <a:ext cx="8761929" cy="3914570"/>
-          </a:xfrm>
-        </p:spPr>
-        <p:txBody>
-          <a:bodyPr/>
-          <a:lstStyle/>
-          <a:p>
-            <a:pPr marL="0" indent="0">
-              <a:buNone/>
-              <a:defRPr/>
-            </a:pPr>
-            <a:r>
-              <a:rPr lang="en-US" sz="1833" dirty="0"/>
-              <a:t>The suite of protocols that make up </a:t>
-            </a:r>
-            <a:r>
-              <a:rPr lang="en-US" sz="1833" b="1" dirty="0"/>
-              <a:t>TCP/IP(Transmission Control Protocol/Internet Protocol)</a:t>
-            </a:r>
-            <a:r>
-              <a:rPr lang="en-US" sz="1833" dirty="0"/>
-              <a:t> define: </a:t>
-            </a:r>
-          </a:p>
-          <a:p>
-            <a:pPr lvl="1">
-              <a:defRPr/>
-            </a:pPr>
-            <a:r>
-              <a:rPr lang="en-US" sz="1667" dirty="0"/>
-              <a:t>How data is transmitted across a network </a:t>
-            </a:r>
-          </a:p>
-          <a:p>
-            <a:pPr lvl="1">
-              <a:defRPr/>
-            </a:pPr>
-            <a:r>
-              <a:rPr lang="en-US" sz="1667" dirty="0"/>
-              <a:t>How data should be formatted so other networked systems can understand it </a:t>
-            </a:r>
-          </a:p>
-          <a:p>
-            <a:pPr marL="0" indent="0">
-              <a:buNone/>
-              <a:defRPr/>
-            </a:pPr>
-            <a:endParaRPr lang="en-US" sz="1833" dirty="0"/>
-          </a:p>
-          <a:p>
-            <a:pPr marL="0" indent="0">
-              <a:buNone/>
-              <a:defRPr/>
-            </a:pPr>
-            <a:r>
-              <a:rPr lang="en-US" sz="1833" dirty="0"/>
-              <a:t>TCP/IP is the standard for modern data communications across all networks. </a:t>
-            </a:r>
-          </a:p>
-          <a:p>
-            <a:pPr>
-              <a:defRPr/>
-            </a:pPr>
-            <a:endParaRPr lang="en-US" sz="1833" dirty="0"/>
-          </a:p>
-          <a:p>
-            <a:pPr marL="0" indent="0">
-              <a:buNone/>
-              <a:defRPr/>
-            </a:pPr>
-            <a:r>
-              <a:rPr lang="en-US" sz="1833" dirty="0"/>
-              <a:t>Another protocol similar to TCP is </a:t>
-            </a:r>
-            <a:r>
-              <a:rPr lang="en-US" sz="1833" b="1" dirty="0"/>
-              <a:t>User Datagram Protocol(UDP)</a:t>
-            </a:r>
-            <a:r>
-              <a:rPr lang="en-US" sz="1833" dirty="0"/>
-              <a:t>, which is a connectionless protocol. </a:t>
-            </a:r>
-          </a:p>
-          <a:p>
-            <a:pPr lvl="1">
-              <a:defRPr/>
-            </a:pPr>
-            <a:r>
-              <a:rPr lang="en-US" sz="1667" dirty="0"/>
-              <a:t>Unlike TCP, UDP has no guarantee of delivery or correct assembly. It requires less overhead and is faster. (Skype uses UDP) </a:t>
-            </a:r>
-          </a:p>
-          <a:p>
-            <a:pPr>
-              <a:defRPr/>
-            </a:pPr>
-            <a:endParaRPr lang="en-US" sz="1833" dirty="0"/>
-          </a:p>
-          <a:p>
-            <a:pPr>
-              <a:defRPr/>
-            </a:pPr>
-            <a:endParaRPr lang="en-US" sz="1833" dirty="0"/>
-          </a:p>
-          <a:p>
-            <a:pPr>
-              <a:buFontTx/>
-              <a:buNone/>
-              <a:defRPr/>
-            </a:pPr>
-            <a:r>
-              <a:rPr lang="en-US" sz="1833" dirty="0"/>
-              <a:t>.</a:t>
-            </a:r>
-          </a:p>
-          <a:p>
-            <a:pPr>
-              <a:defRPr/>
-            </a:pPr>
-            <a:endParaRPr lang="en-US" sz="1833" dirty="0"/>
-          </a:p>
-          <a:p>
-            <a:pPr lvl="1">
-              <a:defRPr/>
-            </a:pPr>
-            <a:endParaRPr lang="en-US" sz="1833" dirty="0"/>
-          </a:p>
-          <a:p>
-            <a:pPr lvl="3" eaLnBrk="1" hangingPunct="1">
-              <a:defRPr/>
-            </a:pPr>
-            <a:endParaRPr lang="en-US" sz="1833" dirty="0">
-              <a:latin typeface="Tahoma" charset="0"/>
-            </a:endParaRPr>
-          </a:p>
-        </p:txBody>
-      </p:sp>
-      <p:sp>
-        <p:nvSpPr>
-          <p:cNvPr id="2" name="Slide Number Placeholder 1">
-            <a:extLst>
-              <a:ext uri="{FF2B5EF4-FFF2-40B4-BE49-F238E27FC236}">
-                <a16:creationId xmlns:a16="http://schemas.microsoft.com/office/drawing/2014/main" id="{68075379-D95F-4C4C-8570-A75B9DA7B6F1}"/>
-              </a:ext>
-            </a:extLst>
-          </p:cNvPr>
-          <p:cNvSpPr>
-            <a:spLocks noGrp="1"/>
-          </p:cNvSpPr>
-          <p:nvPr>
-            <p:ph type="sldNum" sz="quarter" idx="12"/>
-          </p:nvPr>
-        </p:nvSpPr>
-        <p:spPr/>
-        <p:txBody>
-          <a:bodyPr/>
-          <a:lstStyle/>
-          <a:p>
-            <a:fld id="{D57F1E4F-1CFF-5643-939E-02111984F565}" type="slidenum">
-              <a:rPr lang="en-US" smtClean="0"/>
-              <a:t>19</a:t>
-            </a:fld>
-            <a:endParaRPr lang="en-US" dirty="0"/>
-          </a:p>
-        </p:txBody>
-      </p:sp>
-    </p:spTree>
-    <p:extLst>
-      <p:ext uri="{BB962C8B-B14F-4D97-AF65-F5344CB8AC3E}">
-        <p14:creationId xmlns:p14="http://schemas.microsoft.com/office/powerpoint/2010/main" val="3609960584"/>
-      </p:ext>
-    </p:extLst>
-  </p:cSld>
-  <p:clrMapOvr>
-    <a:masterClrMapping/>
-  </p:clrMapOvr>
-  <p:transition/>
-  <p:timing>
-    <p:tnLst>
-      <p:par>
-        <p:cTn id="1" dur="indefinite" restart="never" nodeType="tmRoot">
-          <p:childTnLst>
-            <p:seq concurrent="1" nextAc="seek">
-              <p:cTn id="2" dur="indefinite" nodeType="mainSeq">
-                <p:childTnLst>
                   <p:par>
-                    <p:cTn id="3" fill="hold" nodeType="clickPar">
+                    <p:cTn id="19" fill="hold">
                       <p:stCondLst>
                         <p:cond delay="indefinite"/>
                       </p:stCondLst>
                       <p:childTnLst>
                         <p:par>
-                          <p:cTn id="4" fill="hold" nodeType="withGroup">
+                          <p:cTn id="20" fill="hold">
                             <p:stCondLst>
                               <p:cond delay="0"/>
                             </p:stCondLst>
                             <p:childTnLst>
                               <p:par>
-                                <p:cTn id="5" presetID="1" presetClass="entr" presetSubtype="0" fill="hold" nodeType="clickEffect">
+                                <p:cTn id="21" presetID="1" presetClass="entr" presetSubtype="0" fill="hold" nodeType="clickEffect">
                                   <p:stCondLst>
                                     <p:cond delay="0"/>
                                   </p:stCondLst>
                                   <p:childTnLst>
                                     <p:set>
                                       <p:cBhvr>
-                                        <p:cTn id="6" dur="1" fill="hold">
+                                        <p:cTn id="22" dur="1" fill="hold">
                                           <p:stCondLst>
                                             <p:cond delay="0"/>
                                           </p:stCondLst>
@@ -19274,7 +17733,7 @@
                                         <p:tgtEl>
                                           <p:spTgt spid="27651">
                                             <p:txEl>
-                                              <p:pRg st="4" end="4"/>
+                                              <p:pRg st="7" end="7"/>
                                             </p:txEl>
                                           </p:spTgt>
                                         </p:tgtEl>
@@ -19296,26 +17755,26 @@
                     </p:cTn>
                   </p:par>
                   <p:par>
-                    <p:cTn id="7" fill="hold" nodeType="clickPar">
+                    <p:cTn id="23" fill="hold">
                       <p:stCondLst>
                         <p:cond delay="indefinite"/>
                       </p:stCondLst>
                       <p:childTnLst>
                         <p:par>
-                          <p:cTn id="8" fill="hold" nodeType="withGroup">
+                          <p:cTn id="24" fill="hold">
                             <p:stCondLst>
                               <p:cond delay="0"/>
                             </p:stCondLst>
                             <p:childTnLst>
                               <p:par>
-                                <p:cTn id="9" presetID="1" presetClass="entr" presetSubtype="0" fill="hold" nodeType="clickEffect">
+                                <p:cTn id="25" presetID="1" presetClass="entr" presetSubtype="0" fill="hold" nodeType="clickEffect">
                                   <p:stCondLst>
                                     <p:cond delay="0"/>
                                   </p:stCondLst>
                                   <p:childTnLst>
                                     <p:set>
                                       <p:cBhvr>
-                                        <p:cTn id="10" dur="1" fill="hold">
+                                        <p:cTn id="26" dur="1" fill="hold">
                                           <p:stCondLst>
                                             <p:cond delay="0"/>
                                           </p:stCondLst>
@@ -19323,56 +17782,7 @@
                                         <p:tgtEl>
                                           <p:spTgt spid="27651">
                                             <p:txEl>
-                                              <p:pRg st="6" end="6"/>
-                                            </p:txEl>
-                                          </p:spTgt>
-                                        </p:tgtEl>
-                                        <p:attrNameLst>
-                                          <p:attrName>style.visibility</p:attrName>
-                                        </p:attrNameLst>
-                                      </p:cBhvr>
-                                      <p:to>
-                                        <p:strVal val="visible"/>
-                                      </p:to>
-                                    </p:set>
-                                  </p:childTnLst>
-                                </p:cTn>
-                              </p:par>
-                            </p:childTnLst>
-                          </p:cTn>
-                        </p:par>
-                      </p:childTnLst>
-                    </p:cTn>
-                  </p:par>
-                  <p:par>
-                    <p:cTn id="11" fill="hold" nodeType="clickPar">
-                      <p:stCondLst>
-                        <p:cond delay="indefinite"/>
-                      </p:stCondLst>
-                      <p:childTnLst>
-                        <p:par>
-                          <p:cTn id="12" fill="hold" nodeType="withGroup">
-                            <p:stCondLst>
-                              <p:cond delay="0"/>
-                            </p:stCondLst>
-                            <p:childTnLst>
-                              <p:par>
-                                <p:cTn id="13" presetID="1" presetClass="entr" presetSubtype="0" fill="hold" nodeType="clickEffect">
-                                  <p:stCondLst>
-                                    <p:cond delay="0"/>
-                                  </p:stCondLst>
-                                  <p:childTnLst>
-                                    <p:set>
-                                      <p:cBhvr>
-                                        <p:cTn id="14" dur="1" fill="hold">
-                                          <p:stCondLst>
-                                            <p:cond delay="0"/>
-                                          </p:stCondLst>
-                                        </p:cTn>
-                                        <p:tgtEl>
-                                          <p:spTgt spid="27651">
-                                            <p:txEl>
-                                              <p:pRg st="7" end="7"/>
+                                              <p:pRg st="8" end="8"/>
                                             </p:txEl>
                                           </p:spTgt>
                                         </p:tgtEl>
@@ -19418,6 +17828,238 @@
 </p:sld>
 </file>
 
+<file path=ppt/slides/slide19.xml><?xml version="1.0" encoding="utf-8"?>
+<p:sld xmlns:a="http://schemas.openxmlformats.org/drawingml/2006/main" xmlns:r="http://schemas.openxmlformats.org/officeDocument/2006/relationships" xmlns:p="http://schemas.openxmlformats.org/presentationml/2006/main">
+  <p:cSld>
+    <p:spTree>
+      <p:nvGrpSpPr>
+        <p:cNvPr id="1" name=""/>
+        <p:cNvGrpSpPr/>
+        <p:nvPr/>
+      </p:nvGrpSpPr>
+      <p:grpSpPr>
+        <a:xfrm>
+          <a:off x="0" y="0"/>
+          <a:ext cx="0" cy="0"/>
+          <a:chOff x="0" y="0"/>
+          <a:chExt cx="0" cy="0"/>
+        </a:xfrm>
+      </p:grpSpPr>
+      <p:sp>
+        <p:nvSpPr>
+          <p:cNvPr id="57345" name="Rectangle 2">
+            <a:extLst>
+              <a:ext uri="{FF2B5EF4-FFF2-40B4-BE49-F238E27FC236}">
+                <a16:creationId xmlns:a16="http://schemas.microsoft.com/office/drawing/2014/main" id="{CDA4A9B2-8639-C840-B975-2791E963EF68}"/>
+              </a:ext>
+            </a:extLst>
+          </p:cNvPr>
+          <p:cNvSpPr>
+            <a:spLocks noGrp="1" noChangeArrowheads="1"/>
+          </p:cNvSpPr>
+          <p:nvPr>
+            <p:ph type="title" idx="4294967295"/>
+          </p:nvPr>
+        </p:nvSpPr>
+        <p:spPr>
+          <a:xfrm>
+            <a:off x="236306" y="220220"/>
+            <a:ext cx="7886700" cy="669168"/>
+          </a:xfrm>
+        </p:spPr>
+        <p:txBody>
+          <a:bodyPr vert="horz" lIns="0" tIns="45720" rIns="0" bIns="0" rtlCol="0" anchor="b">
+            <a:normAutofit/>
+          </a:bodyPr>
+          <a:lstStyle/>
+          <a:p>
+            <a:r>
+              <a:rPr lang="en-US" altLang="en-US" dirty="0">
+                <a:latin typeface="Tahoma" panose="020B0604030504040204" pitchFamily="34" charset="0"/>
+                <a:ea typeface="ＭＳ Ｐゴシック" panose="020B0600070205080204" pitchFamily="34" charset="-128"/>
+              </a:rPr>
+              <a:t>HTTP</a:t>
+            </a:r>
+          </a:p>
+        </p:txBody>
+      </p:sp>
+      <p:sp>
+        <p:nvSpPr>
+          <p:cNvPr id="56322" name="Rectangle 3">
+            <a:extLst>
+              <a:ext uri="{FF2B5EF4-FFF2-40B4-BE49-F238E27FC236}">
+                <a16:creationId xmlns:a16="http://schemas.microsoft.com/office/drawing/2014/main" id="{C6A7743F-88FF-7C47-8B09-99222CD5E28E}"/>
+              </a:ext>
+            </a:extLst>
+          </p:cNvPr>
+          <p:cNvSpPr>
+            <a:spLocks noGrp="1" noChangeArrowheads="1"/>
+          </p:cNvSpPr>
+          <p:nvPr>
+            <p:ph type="body" idx="4294967295"/>
+          </p:nvPr>
+        </p:nvSpPr>
+        <p:spPr>
+          <a:xfrm>
+            <a:off x="236306" y="1089062"/>
+            <a:ext cx="8630292" cy="4288596"/>
+          </a:xfrm>
+        </p:spPr>
+        <p:txBody>
+          <a:bodyPr>
+            <a:normAutofit/>
+          </a:bodyPr>
+          <a:lstStyle/>
+          <a:p>
+            <a:pPr marL="0" indent="0">
+              <a:buNone/>
+            </a:pPr>
+            <a:r>
+              <a:rPr lang="en-US" dirty="0"/>
+              <a:t>In addition to lower-level protocols such as </a:t>
+            </a:r>
+            <a:r>
+              <a:rPr lang="en-US" b="1" dirty="0"/>
+              <a:t>TCP/IP</a:t>
+            </a:r>
+            <a:r>
+              <a:rPr lang="en-US" dirty="0"/>
+              <a:t>, there are higher-level protocols (protocols that operate on top of TCP/IP) such as </a:t>
+            </a:r>
+            <a:r>
+              <a:rPr lang="en-US" b="1" dirty="0"/>
+              <a:t>HTTP</a:t>
+            </a:r>
+            <a:r>
+              <a:rPr lang="en-US" dirty="0"/>
+              <a:t> and </a:t>
+            </a:r>
+            <a:r>
+              <a:rPr lang="en-US" b="1" dirty="0"/>
+              <a:t>SMTP</a:t>
+            </a:r>
+            <a:r>
+              <a:rPr lang="en-US" dirty="0"/>
+              <a:t>. </a:t>
+            </a:r>
+          </a:p>
+          <a:p>
+            <a:pPr marL="0" indent="0">
+              <a:buNone/>
+            </a:pPr>
+            <a:endParaRPr lang="en-US" altLang="en-US" sz="2000" dirty="0">
+              <a:ea typeface="ＭＳ Ｐゴシック" panose="020B0600070205080204" pitchFamily="34" charset="-128"/>
+            </a:endParaRPr>
+          </a:p>
+          <a:p>
+            <a:pPr marL="0" indent="0">
+              <a:buNone/>
+            </a:pPr>
+            <a:r>
+              <a:rPr lang="en-US" dirty="0"/>
+              <a:t>Computers on the Internet need to know not only how to send data to each other but also need to know what to do with the data. For example, when viewing websites, your computer is communicating using </a:t>
+            </a:r>
+            <a:r>
+              <a:rPr lang="en-US" b="1" dirty="0"/>
+              <a:t>HTTP (Hypertext Transfer Protocol).</a:t>
+            </a:r>
+          </a:p>
+          <a:p>
+            <a:pPr marL="0" indent="0">
+              <a:buNone/>
+            </a:pPr>
+            <a:endParaRPr lang="en-US" altLang="en-US" sz="2000" dirty="0">
+              <a:ea typeface="ＭＳ Ｐゴシック" panose="020B0600070205080204" pitchFamily="34" charset="-128"/>
+            </a:endParaRPr>
+          </a:p>
+          <a:p>
+            <a:pPr marL="0" indent="0">
+              <a:buNone/>
+            </a:pPr>
+            <a:r>
+              <a:rPr lang="en-US" dirty="0"/>
+              <a:t> This is also the reason that you sometimes see web addresses begin with an </a:t>
+            </a:r>
+            <a:r>
+              <a:rPr lang="en-US" sz="2000" dirty="0"/>
+              <a:t>http://</a:t>
+            </a:r>
+            <a:r>
+              <a:rPr lang="en-US" dirty="0"/>
+              <a:t> or an </a:t>
+            </a:r>
+            <a:r>
+              <a:rPr lang="en-US" sz="2000" dirty="0"/>
+              <a:t>https://</a:t>
+            </a:r>
+            <a:r>
+              <a:rPr lang="en-US" dirty="0"/>
+              <a:t>. </a:t>
+            </a:r>
+          </a:p>
+          <a:p>
+            <a:pPr marL="0" indent="0">
+              <a:buNone/>
+            </a:pPr>
+            <a:r>
+              <a:rPr lang="en-US" dirty="0"/>
+              <a:t>This indicates to the browser to use the HTTP protocol to communicate.</a:t>
+            </a:r>
+            <a:endParaRPr lang="en-US" altLang="en-US" sz="2000" dirty="0">
+              <a:ea typeface="ＭＳ Ｐゴシック" panose="020B0600070205080204" pitchFamily="34" charset="-128"/>
+            </a:endParaRPr>
+          </a:p>
+          <a:p>
+            <a:pPr lvl="3" eaLnBrk="1" hangingPunct="1"/>
+            <a:endParaRPr lang="en-US" altLang="en-US" sz="2000" dirty="0">
+              <a:latin typeface="Tahoma" panose="020B0604030504040204" pitchFamily="34" charset="0"/>
+            </a:endParaRPr>
+          </a:p>
+        </p:txBody>
+      </p:sp>
+      <p:sp>
+        <p:nvSpPr>
+          <p:cNvPr id="2" name="Slide Number Placeholder 1">
+            <a:extLst>
+              <a:ext uri="{FF2B5EF4-FFF2-40B4-BE49-F238E27FC236}">
+                <a16:creationId xmlns:a16="http://schemas.microsoft.com/office/drawing/2014/main" id="{CA1F4191-4965-D44D-9FDC-D8BF3F813F33}"/>
+              </a:ext>
+            </a:extLst>
+          </p:cNvPr>
+          <p:cNvSpPr>
+            <a:spLocks noGrp="1"/>
+          </p:cNvSpPr>
+          <p:nvPr>
+            <p:ph type="sldNum" sz="quarter" idx="12"/>
+          </p:nvPr>
+        </p:nvSpPr>
+        <p:spPr/>
+        <p:txBody>
+          <a:bodyPr/>
+          <a:lstStyle/>
+          <a:p>
+            <a:fld id="{D57F1E4F-1CFF-5643-939E-02111984F565}" type="slidenum">
+              <a:rPr lang="en-US" smtClean="0"/>
+              <a:t>19</a:t>
+            </a:fld>
+            <a:endParaRPr lang="en-US" dirty="0"/>
+          </a:p>
+        </p:txBody>
+      </p:sp>
+    </p:spTree>
+    <p:extLst>
+      <p:ext uri="{BB962C8B-B14F-4D97-AF65-F5344CB8AC3E}">
+        <p14:creationId xmlns:p14="http://schemas.microsoft.com/office/powerpoint/2010/main" val="827202224"/>
+      </p:ext>
+    </p:extLst>
+  </p:cSld>
+  <p:clrMapOvr>
+    <a:masterClrMapping/>
+  </p:clrMapOvr>
+  <p:transition/>
+</p:sld>
+</file>
+
 <file path=ppt/slides/slide2.xml><?xml version="1.0" encoding="utf-8"?>
 <p:sld xmlns:a="http://schemas.openxmlformats.org/drawingml/2006/main" xmlns:r="http://schemas.openxmlformats.org/officeDocument/2006/relationships" xmlns:p="http://schemas.openxmlformats.org/presentationml/2006/main">
   <p:cSld>
@@ -19495,7 +18137,9 @@
           </a:xfrm>
         </p:spPr>
         <p:txBody>
-          <a:bodyPr/>
+          <a:bodyPr>
+            <a:normAutofit lnSpcReduction="10000"/>
+          </a:bodyPr>
           <a:lstStyle/>
           <a:p>
             <a:pPr marL="0" indent="0">
@@ -19873,812 +18517,6 @@
       </p:grpSpPr>
       <p:sp>
         <p:nvSpPr>
-          <p:cNvPr id="63489" name="Rectangle 2">
-            <a:extLst>
-              <a:ext uri="{FF2B5EF4-FFF2-40B4-BE49-F238E27FC236}">
-                <a16:creationId xmlns:a16="http://schemas.microsoft.com/office/drawing/2014/main" id="{06AE9859-A2B0-6240-B232-7259A57B6F5E}"/>
-              </a:ext>
-            </a:extLst>
-          </p:cNvPr>
-          <p:cNvSpPr>
-            <a:spLocks noGrp="1" noChangeArrowheads="1"/>
-          </p:cNvSpPr>
-          <p:nvPr>
-            <p:ph type="title" idx="4294967295"/>
-          </p:nvPr>
-        </p:nvSpPr>
-        <p:spPr>
-          <a:xfrm>
-            <a:off x="269055" y="349321"/>
-            <a:ext cx="7886700" cy="710264"/>
-          </a:xfrm>
-        </p:spPr>
-        <p:txBody>
-          <a:bodyPr vert="horz" lIns="0" tIns="45720" rIns="0" bIns="0" rtlCol="0" anchor="b">
-            <a:normAutofit/>
-          </a:bodyPr>
-          <a:lstStyle/>
-          <a:p>
-            <a:pPr eaLnBrk="1" hangingPunct="1"/>
-            <a:r>
-              <a:rPr lang="en-US" altLang="en-US" dirty="0">
-                <a:latin typeface="Tahoma" panose="020B0604030504040204" pitchFamily="34" charset="0"/>
-                <a:ea typeface="ＭＳ Ｐゴシック" panose="020B0600070205080204" pitchFamily="34" charset="-128"/>
-              </a:rPr>
-              <a:t>TCP/IP</a:t>
-            </a:r>
-          </a:p>
-        </p:txBody>
-      </p:sp>
-      <p:sp>
-        <p:nvSpPr>
-          <p:cNvPr id="62466" name="Rectangle 3">
-            <a:extLst>
-              <a:ext uri="{FF2B5EF4-FFF2-40B4-BE49-F238E27FC236}">
-                <a16:creationId xmlns:a16="http://schemas.microsoft.com/office/drawing/2014/main" id="{000A13C9-560A-5C49-962A-A1D927D320E7}"/>
-              </a:ext>
-            </a:extLst>
-          </p:cNvPr>
-          <p:cNvSpPr>
-            <a:spLocks noGrp="1" noChangeArrowheads="1"/>
-          </p:cNvSpPr>
-          <p:nvPr>
-            <p:ph type="body" idx="4294967295"/>
-          </p:nvPr>
-        </p:nvSpPr>
-        <p:spPr>
-          <a:xfrm>
-            <a:off x="269055" y="1222626"/>
-            <a:ext cx="8597543" cy="3924844"/>
-          </a:xfrm>
-        </p:spPr>
-        <p:txBody>
-          <a:bodyPr/>
-          <a:lstStyle/>
-          <a:p>
-            <a:pPr marL="0" indent="0">
-              <a:buNone/>
-            </a:pPr>
-            <a:r>
-              <a:rPr lang="en-US" altLang="en-US" sz="1833" dirty="0">
-                <a:ea typeface="ＭＳ Ｐゴシック" panose="020B0600070205080204" pitchFamily="34" charset="-128"/>
-              </a:rPr>
-              <a:t>TCP/IP came out of ARPAnet the Department Of Defense(DoD)’s attempt to create a decentralized, no single point of failure network. </a:t>
-            </a:r>
-          </a:p>
-          <a:p>
-            <a:pPr lvl="1"/>
-            <a:r>
-              <a:rPr lang="en-US" altLang="en-US" sz="1667" dirty="0"/>
-              <a:t>There were many network protocols in the 1990’s. The “Protocol Wars” ensued and TCP/IP won the war. </a:t>
-            </a:r>
-          </a:p>
-          <a:p>
-            <a:pPr lvl="1"/>
-            <a:endParaRPr lang="en-US" altLang="en-US" sz="1667" dirty="0"/>
-          </a:p>
-          <a:p>
-            <a:pPr marL="0" indent="0">
-              <a:buNone/>
-            </a:pPr>
-            <a:r>
-              <a:rPr lang="en-US" altLang="en-US" sz="1833" dirty="0">
-                <a:ea typeface="ＭＳ Ｐゴシック" panose="020B0600070205080204" pitchFamily="34" charset="-128"/>
-              </a:rPr>
-              <a:t>Two key features TCP/IP features that support decentralization:</a:t>
-            </a:r>
-          </a:p>
-          <a:p>
-            <a:pPr lvl="1"/>
-            <a:r>
-              <a:rPr lang="en-US" altLang="en-US" sz="1667" b="1" dirty="0"/>
-              <a:t>End node verification</a:t>
-            </a:r>
-            <a:r>
-              <a:rPr lang="en-US" altLang="en-US" sz="1667" dirty="0"/>
-              <a:t>: the two endpoints of any data transfer are responsible for making sure it was successful – no centralized control scheme </a:t>
-            </a:r>
-          </a:p>
-          <a:p>
-            <a:pPr lvl="1"/>
-            <a:r>
-              <a:rPr lang="en-US" altLang="en-US" sz="1667" b="1" dirty="0"/>
-              <a:t>Dynamic routing</a:t>
-            </a:r>
-            <a:r>
-              <a:rPr lang="en-US" altLang="en-US" sz="1667" dirty="0"/>
-              <a:t>: End nodes can transfer data over multiple paths, and the network chooses the best (fastest, most reliable) path for each individual data transfer </a:t>
-            </a:r>
-          </a:p>
-          <a:p>
-            <a:pPr lvl="1"/>
-            <a:endParaRPr lang="en-US" altLang="en-US" sz="1833" dirty="0"/>
-          </a:p>
-          <a:p>
-            <a:pPr lvl="1"/>
-            <a:endParaRPr lang="en-US" altLang="en-US" sz="1833" dirty="0"/>
-          </a:p>
-          <a:p>
-            <a:pPr lvl="1"/>
-            <a:endParaRPr lang="en-US" altLang="en-US" sz="1833" dirty="0"/>
-          </a:p>
-          <a:p>
-            <a:pPr lvl="3" eaLnBrk="1" hangingPunct="1"/>
-            <a:endParaRPr lang="en-US" altLang="en-US" sz="1833" dirty="0">
-              <a:latin typeface="Tahoma" panose="020B0604030504040204" pitchFamily="34" charset="0"/>
-            </a:endParaRPr>
-          </a:p>
-        </p:txBody>
-      </p:sp>
-      <p:sp>
-        <p:nvSpPr>
-          <p:cNvPr id="2" name="Slide Number Placeholder 1">
-            <a:extLst>
-              <a:ext uri="{FF2B5EF4-FFF2-40B4-BE49-F238E27FC236}">
-                <a16:creationId xmlns:a16="http://schemas.microsoft.com/office/drawing/2014/main" id="{831417BC-8881-C546-A28A-E3AF0CA46204}"/>
-              </a:ext>
-            </a:extLst>
-          </p:cNvPr>
-          <p:cNvSpPr>
-            <a:spLocks noGrp="1"/>
-          </p:cNvSpPr>
-          <p:nvPr>
-            <p:ph type="sldNum" sz="quarter" idx="12"/>
-          </p:nvPr>
-        </p:nvSpPr>
-        <p:spPr/>
-        <p:txBody>
-          <a:bodyPr/>
-          <a:lstStyle/>
-          <a:p>
-            <a:fld id="{D57F1E4F-1CFF-5643-939E-02111984F565}" type="slidenum">
-              <a:rPr lang="en-US" smtClean="0"/>
-              <a:t>20</a:t>
-            </a:fld>
-            <a:endParaRPr lang="en-US" dirty="0"/>
-          </a:p>
-        </p:txBody>
-      </p:sp>
-    </p:spTree>
-    <p:extLst>
-      <p:ext uri="{BB962C8B-B14F-4D97-AF65-F5344CB8AC3E}">
-        <p14:creationId xmlns:p14="http://schemas.microsoft.com/office/powerpoint/2010/main" val="4256317276"/>
-      </p:ext>
-    </p:extLst>
-  </p:cSld>
-  <p:clrMapOvr>
-    <a:masterClrMapping/>
-  </p:clrMapOvr>
-  <p:transition/>
-  <p:timing>
-    <p:tnLst>
-      <p:par>
-        <p:cTn id="1" dur="indefinite" restart="never" nodeType="tmRoot">
-          <p:childTnLst>
-            <p:seq concurrent="1" nextAc="seek">
-              <p:cTn id="2" dur="indefinite" nodeType="mainSeq">
-                <p:childTnLst>
-                  <p:par>
-                    <p:cTn id="3" fill="hold" nodeType="clickPar">
-                      <p:stCondLst>
-                        <p:cond delay="indefinite"/>
-                      </p:stCondLst>
-                      <p:childTnLst>
-                        <p:par>
-                          <p:cTn id="4" fill="hold" nodeType="withGroup">
-                            <p:stCondLst>
-                              <p:cond delay="0"/>
-                            </p:stCondLst>
-                            <p:childTnLst>
-                              <p:par>
-                                <p:cTn id="5" presetID="1" presetClass="entr" presetSubtype="0" fill="hold" nodeType="clickEffect">
-                                  <p:stCondLst>
-                                    <p:cond delay="0"/>
-                                  </p:stCondLst>
-                                  <p:childTnLst>
-                                    <p:set>
-                                      <p:cBhvr>
-                                        <p:cTn id="6" dur="1" fill="hold">
-                                          <p:stCondLst>
-                                            <p:cond delay="0"/>
-                                          </p:stCondLst>
-                                        </p:cTn>
-                                        <p:tgtEl>
-                                          <p:spTgt spid="62466">
-                                            <p:txEl>
-                                              <p:pRg st="3" end="3"/>
-                                            </p:txEl>
-                                          </p:spTgt>
-                                        </p:tgtEl>
-                                        <p:attrNameLst>
-                                          <p:attrName>style.visibility</p:attrName>
-                                        </p:attrNameLst>
-                                      </p:cBhvr>
-                                      <p:to>
-                                        <p:strVal val="visible"/>
-                                      </p:to>
-                                    </p:set>
-                                  </p:childTnLst>
-                                </p:cTn>
-                              </p:par>
-                            </p:childTnLst>
-                          </p:cTn>
-                        </p:par>
-                      </p:childTnLst>
-                    </p:cTn>
-                  </p:par>
-                  <p:par>
-                    <p:cTn id="7" fill="hold" nodeType="clickPar">
-                      <p:stCondLst>
-                        <p:cond delay="indefinite"/>
-                      </p:stCondLst>
-                      <p:childTnLst>
-                        <p:par>
-                          <p:cTn id="8" fill="hold" nodeType="withGroup">
-                            <p:stCondLst>
-                              <p:cond delay="0"/>
-                            </p:stCondLst>
-                            <p:childTnLst>
-                              <p:par>
-                                <p:cTn id="9" presetID="1" presetClass="entr" presetSubtype="0" fill="hold" nodeType="clickEffect">
-                                  <p:stCondLst>
-                                    <p:cond delay="0"/>
-                                  </p:stCondLst>
-                                  <p:childTnLst>
-                                    <p:set>
-                                      <p:cBhvr>
-                                        <p:cTn id="10" dur="1" fill="hold">
-                                          <p:stCondLst>
-                                            <p:cond delay="0"/>
-                                          </p:stCondLst>
-                                        </p:cTn>
-                                        <p:tgtEl>
-                                          <p:spTgt spid="62466">
-                                            <p:txEl>
-                                              <p:pRg st="4" end="4"/>
-                                            </p:txEl>
-                                          </p:spTgt>
-                                        </p:tgtEl>
-                                        <p:attrNameLst>
-                                          <p:attrName>style.visibility</p:attrName>
-                                        </p:attrNameLst>
-                                      </p:cBhvr>
-                                      <p:to>
-                                        <p:strVal val="visible"/>
-                                      </p:to>
-                                    </p:set>
-                                  </p:childTnLst>
-                                </p:cTn>
-                              </p:par>
-                            </p:childTnLst>
-                          </p:cTn>
-                        </p:par>
-                      </p:childTnLst>
-                    </p:cTn>
-                  </p:par>
-                  <p:par>
-                    <p:cTn id="11" fill="hold" nodeType="clickPar">
-                      <p:stCondLst>
-                        <p:cond delay="indefinite"/>
-                      </p:stCondLst>
-                      <p:childTnLst>
-                        <p:par>
-                          <p:cTn id="12" fill="hold" nodeType="withGroup">
-                            <p:stCondLst>
-                              <p:cond delay="0"/>
-                            </p:stCondLst>
-                            <p:childTnLst>
-                              <p:par>
-                                <p:cTn id="13" presetID="1" presetClass="entr" presetSubtype="0" fill="hold" nodeType="clickEffect">
-                                  <p:stCondLst>
-                                    <p:cond delay="0"/>
-                                  </p:stCondLst>
-                                  <p:childTnLst>
-                                    <p:set>
-                                      <p:cBhvr>
-                                        <p:cTn id="14" dur="1" fill="hold">
-                                          <p:stCondLst>
-                                            <p:cond delay="0"/>
-                                          </p:stCondLst>
-                                        </p:cTn>
-                                        <p:tgtEl>
-                                          <p:spTgt spid="62466">
-                                            <p:txEl>
-                                              <p:pRg st="5" end="5"/>
-                                            </p:txEl>
-                                          </p:spTgt>
-                                        </p:tgtEl>
-                                        <p:attrNameLst>
-                                          <p:attrName>style.visibility</p:attrName>
-                                        </p:attrNameLst>
-                                      </p:cBhvr>
-                                      <p:to>
-                                        <p:strVal val="visible"/>
-                                      </p:to>
-                                    </p:set>
-                                  </p:childTnLst>
-                                </p:cTn>
-                              </p:par>
-                            </p:childTnLst>
-                          </p:cTn>
-                        </p:par>
-                      </p:childTnLst>
-                    </p:cTn>
-                  </p:par>
-                </p:childTnLst>
-              </p:cTn>
-              <p:prevCondLst>
-                <p:cond evt="onPrev" delay="0">
-                  <p:tgtEl>
-                    <p:sldTgt/>
-                  </p:tgtEl>
-                </p:cond>
-              </p:prevCondLst>
-              <p:nextCondLst>
-                <p:cond evt="onNext" delay="0">
-                  <p:tgtEl>
-                    <p:sldTgt/>
-                  </p:tgtEl>
-                </p:cond>
-              </p:nextCondLst>
-            </p:seq>
-          </p:childTnLst>
-        </p:cTn>
-      </p:par>
-    </p:tnLst>
-  </p:timing>
-</p:sld>
-</file>
-
-<file path=ppt/slides/slide21.xml><?xml version="1.0" encoding="utf-8"?>
-<p:sld xmlns:a="http://schemas.openxmlformats.org/drawingml/2006/main" xmlns:r="http://schemas.openxmlformats.org/officeDocument/2006/relationships" xmlns:p="http://schemas.openxmlformats.org/presentationml/2006/main">
-  <p:cSld>
-    <p:spTree>
-      <p:nvGrpSpPr>
-        <p:cNvPr id="1" name=""/>
-        <p:cNvGrpSpPr/>
-        <p:nvPr/>
-      </p:nvGrpSpPr>
-      <p:grpSpPr>
-        <a:xfrm>
-          <a:off x="0" y="0"/>
-          <a:ext cx="0" cy="0"/>
-          <a:chOff x="0" y="0"/>
-          <a:chExt cx="0" cy="0"/>
-        </a:xfrm>
-      </p:grpSpPr>
-      <p:sp>
-        <p:nvSpPr>
-          <p:cNvPr id="57345" name="Rectangle 2">
-            <a:extLst>
-              <a:ext uri="{FF2B5EF4-FFF2-40B4-BE49-F238E27FC236}">
-                <a16:creationId xmlns:a16="http://schemas.microsoft.com/office/drawing/2014/main" id="{CDA4A9B2-8639-C840-B975-2791E963EF68}"/>
-              </a:ext>
-            </a:extLst>
-          </p:cNvPr>
-          <p:cNvSpPr>
-            <a:spLocks noGrp="1" noChangeArrowheads="1"/>
-          </p:cNvSpPr>
-          <p:nvPr>
-            <p:ph type="title" idx="4294967295"/>
-          </p:nvPr>
-        </p:nvSpPr>
-        <p:spPr>
-          <a:xfrm>
-            <a:off x="236306" y="220220"/>
-            <a:ext cx="7886700" cy="669168"/>
-          </a:xfrm>
-        </p:spPr>
-        <p:txBody>
-          <a:bodyPr vert="horz" lIns="0" tIns="45720" rIns="0" bIns="0" rtlCol="0" anchor="b">
-            <a:normAutofit/>
-          </a:bodyPr>
-          <a:lstStyle/>
-          <a:p>
-            <a:r>
-              <a:rPr lang="en-US" altLang="en-US" dirty="0">
-                <a:latin typeface="Tahoma" panose="020B0604030504040204" pitchFamily="34" charset="0"/>
-                <a:ea typeface="ＭＳ Ｐゴシック" panose="020B0600070205080204" pitchFamily="34" charset="-128"/>
-              </a:rPr>
-              <a:t>HTTP</a:t>
-            </a:r>
-          </a:p>
-        </p:txBody>
-      </p:sp>
-      <p:sp>
-        <p:nvSpPr>
-          <p:cNvPr id="56322" name="Rectangle 3">
-            <a:extLst>
-              <a:ext uri="{FF2B5EF4-FFF2-40B4-BE49-F238E27FC236}">
-                <a16:creationId xmlns:a16="http://schemas.microsoft.com/office/drawing/2014/main" id="{C6A7743F-88FF-7C47-8B09-99222CD5E28E}"/>
-              </a:ext>
-            </a:extLst>
-          </p:cNvPr>
-          <p:cNvSpPr>
-            <a:spLocks noGrp="1" noChangeArrowheads="1"/>
-          </p:cNvSpPr>
-          <p:nvPr>
-            <p:ph type="body" idx="4294967295"/>
-          </p:nvPr>
-        </p:nvSpPr>
-        <p:spPr>
-          <a:xfrm>
-            <a:off x="236306" y="1089062"/>
-            <a:ext cx="8630292" cy="4288596"/>
-          </a:xfrm>
-        </p:spPr>
-        <p:txBody>
-          <a:bodyPr>
-            <a:normAutofit/>
-          </a:bodyPr>
-          <a:lstStyle/>
-          <a:p>
-            <a:pPr marL="0" indent="0">
-              <a:buNone/>
-            </a:pPr>
-            <a:r>
-              <a:rPr lang="en-US" dirty="0"/>
-              <a:t>In addition to lower-level protocols such as </a:t>
-            </a:r>
-            <a:r>
-              <a:rPr lang="en-US" b="1" dirty="0"/>
-              <a:t>TCP/IP</a:t>
-            </a:r>
-            <a:r>
-              <a:rPr lang="en-US" dirty="0"/>
-              <a:t>, there are higher-level protocols (protocols that operate on top of TCP/IP) such as </a:t>
-            </a:r>
-            <a:r>
-              <a:rPr lang="en-US" b="1" dirty="0"/>
-              <a:t>HTTP</a:t>
-            </a:r>
-            <a:r>
-              <a:rPr lang="en-US" dirty="0"/>
-              <a:t> and </a:t>
-            </a:r>
-            <a:r>
-              <a:rPr lang="en-US" b="1" dirty="0"/>
-              <a:t>SMTP</a:t>
-            </a:r>
-            <a:r>
-              <a:rPr lang="en-US" dirty="0"/>
-              <a:t>. </a:t>
-            </a:r>
-          </a:p>
-          <a:p>
-            <a:pPr marL="0" indent="0">
-              <a:buNone/>
-            </a:pPr>
-            <a:endParaRPr lang="en-US" altLang="en-US" sz="2000" dirty="0">
-              <a:ea typeface="ＭＳ Ｐゴシック" panose="020B0600070205080204" pitchFamily="34" charset="-128"/>
-            </a:endParaRPr>
-          </a:p>
-          <a:p>
-            <a:pPr marL="0" indent="0">
-              <a:buNone/>
-            </a:pPr>
-            <a:r>
-              <a:rPr lang="en-US" dirty="0"/>
-              <a:t>Computers on the Internet need to know not only how to send data to each other but also need to know what to do with the data. For example, when viewing websites, your computer is communicating using </a:t>
-            </a:r>
-            <a:r>
-              <a:rPr lang="en-US" b="1" dirty="0"/>
-              <a:t>HTTP (Hypertext Transfer Protocol).</a:t>
-            </a:r>
-          </a:p>
-          <a:p>
-            <a:pPr marL="0" indent="0">
-              <a:buNone/>
-            </a:pPr>
-            <a:endParaRPr lang="en-US" altLang="en-US" sz="2000" dirty="0">
-              <a:ea typeface="ＭＳ Ｐゴシック" panose="020B0600070205080204" pitchFamily="34" charset="-128"/>
-            </a:endParaRPr>
-          </a:p>
-          <a:p>
-            <a:pPr marL="0" indent="0">
-              <a:buNone/>
-            </a:pPr>
-            <a:r>
-              <a:rPr lang="en-US" dirty="0"/>
-              <a:t> This is also the reason that you sometimes see web addresses begin with an </a:t>
-            </a:r>
-            <a:r>
-              <a:rPr lang="en-US" sz="2000" dirty="0"/>
-              <a:t>http://</a:t>
-            </a:r>
-            <a:r>
-              <a:rPr lang="en-US" dirty="0"/>
-              <a:t> or an </a:t>
-            </a:r>
-            <a:r>
-              <a:rPr lang="en-US" sz="2000" dirty="0"/>
-              <a:t>https://</a:t>
-            </a:r>
-            <a:r>
-              <a:rPr lang="en-US" dirty="0"/>
-              <a:t>. </a:t>
-            </a:r>
-          </a:p>
-          <a:p>
-            <a:pPr marL="0" indent="0">
-              <a:buNone/>
-            </a:pPr>
-            <a:r>
-              <a:rPr lang="en-US" dirty="0"/>
-              <a:t>This indicates to the browser to use the HTTP protocol to communicate.</a:t>
-            </a:r>
-            <a:endParaRPr lang="en-US" altLang="en-US" sz="2000" dirty="0">
-              <a:ea typeface="ＭＳ Ｐゴシック" panose="020B0600070205080204" pitchFamily="34" charset="-128"/>
-            </a:endParaRPr>
-          </a:p>
-          <a:p>
-            <a:pPr lvl="3" eaLnBrk="1" hangingPunct="1"/>
-            <a:endParaRPr lang="en-US" altLang="en-US" sz="2000" dirty="0">
-              <a:latin typeface="Tahoma" panose="020B0604030504040204" pitchFamily="34" charset="0"/>
-            </a:endParaRPr>
-          </a:p>
-        </p:txBody>
-      </p:sp>
-      <p:sp>
-        <p:nvSpPr>
-          <p:cNvPr id="2" name="Slide Number Placeholder 1">
-            <a:extLst>
-              <a:ext uri="{FF2B5EF4-FFF2-40B4-BE49-F238E27FC236}">
-                <a16:creationId xmlns:a16="http://schemas.microsoft.com/office/drawing/2014/main" id="{CA1F4191-4965-D44D-9FDC-D8BF3F813F33}"/>
-              </a:ext>
-            </a:extLst>
-          </p:cNvPr>
-          <p:cNvSpPr>
-            <a:spLocks noGrp="1"/>
-          </p:cNvSpPr>
-          <p:nvPr>
-            <p:ph type="sldNum" sz="quarter" idx="12"/>
-          </p:nvPr>
-        </p:nvSpPr>
-        <p:spPr/>
-        <p:txBody>
-          <a:bodyPr/>
-          <a:lstStyle/>
-          <a:p>
-            <a:fld id="{D57F1E4F-1CFF-5643-939E-02111984F565}" type="slidenum">
-              <a:rPr lang="en-US" smtClean="0"/>
-              <a:t>21</a:t>
-            </a:fld>
-            <a:endParaRPr lang="en-US" dirty="0"/>
-          </a:p>
-        </p:txBody>
-      </p:sp>
-    </p:spTree>
-    <p:extLst>
-      <p:ext uri="{BB962C8B-B14F-4D97-AF65-F5344CB8AC3E}">
-        <p14:creationId xmlns:p14="http://schemas.microsoft.com/office/powerpoint/2010/main" val="827202224"/>
-      </p:ext>
-    </p:extLst>
-  </p:cSld>
-  <p:clrMapOvr>
-    <a:masterClrMapping/>
-  </p:clrMapOvr>
-  <p:transition/>
-</p:sld>
-</file>
-
-<file path=ppt/slides/slide22.xml><?xml version="1.0" encoding="utf-8"?>
-<p:sld xmlns:a="http://schemas.openxmlformats.org/drawingml/2006/main" xmlns:r="http://schemas.openxmlformats.org/officeDocument/2006/relationships" xmlns:p="http://schemas.openxmlformats.org/presentationml/2006/main">
-  <p:cSld>
-    <p:spTree>
-      <p:nvGrpSpPr>
-        <p:cNvPr id="1" name=""/>
-        <p:cNvGrpSpPr/>
-        <p:nvPr/>
-      </p:nvGrpSpPr>
-      <p:grpSpPr>
-        <a:xfrm>
-          <a:off x="0" y="0"/>
-          <a:ext cx="0" cy="0"/>
-          <a:chOff x="0" y="0"/>
-          <a:chExt cx="0" cy="0"/>
-        </a:xfrm>
-      </p:grpSpPr>
-      <p:sp>
-        <p:nvSpPr>
-          <p:cNvPr id="57345" name="Rectangle 2">
-            <a:extLst>
-              <a:ext uri="{FF2B5EF4-FFF2-40B4-BE49-F238E27FC236}">
-                <a16:creationId xmlns:a16="http://schemas.microsoft.com/office/drawing/2014/main" id="{CDA4A9B2-8639-C840-B975-2791E963EF68}"/>
-              </a:ext>
-            </a:extLst>
-          </p:cNvPr>
-          <p:cNvSpPr>
-            <a:spLocks noGrp="1" noChangeArrowheads="1"/>
-          </p:cNvSpPr>
-          <p:nvPr>
-            <p:ph type="title" idx="4294967295"/>
-          </p:nvPr>
-        </p:nvSpPr>
-        <p:spPr>
-          <a:xfrm>
-            <a:off x="236306" y="220220"/>
-            <a:ext cx="7886700" cy="669168"/>
-          </a:xfrm>
-        </p:spPr>
-        <p:txBody>
-          <a:bodyPr vert="horz" lIns="0" tIns="45720" rIns="0" bIns="0" rtlCol="0" anchor="b">
-            <a:normAutofit/>
-          </a:bodyPr>
-          <a:lstStyle/>
-          <a:p>
-            <a:r>
-              <a:rPr lang="en-US" altLang="en-US" dirty="0">
-                <a:latin typeface="Tahoma" panose="020B0604030504040204" pitchFamily="34" charset="0"/>
-                <a:ea typeface="ＭＳ Ｐゴシック" panose="020B0600070205080204" pitchFamily="34" charset="-128"/>
-              </a:rPr>
-              <a:t>SMTP</a:t>
-            </a:r>
-          </a:p>
-        </p:txBody>
-      </p:sp>
-      <p:sp>
-        <p:nvSpPr>
-          <p:cNvPr id="56322" name="Rectangle 3">
-            <a:extLst>
-              <a:ext uri="{FF2B5EF4-FFF2-40B4-BE49-F238E27FC236}">
-                <a16:creationId xmlns:a16="http://schemas.microsoft.com/office/drawing/2014/main" id="{C6A7743F-88FF-7C47-8B09-99222CD5E28E}"/>
-              </a:ext>
-            </a:extLst>
-          </p:cNvPr>
-          <p:cNvSpPr>
-            <a:spLocks noGrp="1" noChangeArrowheads="1"/>
-          </p:cNvSpPr>
-          <p:nvPr>
-            <p:ph type="body" idx="4294967295"/>
-          </p:nvPr>
-        </p:nvSpPr>
-        <p:spPr>
-          <a:xfrm>
-            <a:off x="236306" y="1089062"/>
-            <a:ext cx="8630292" cy="4520628"/>
-          </a:xfrm>
-        </p:spPr>
-        <p:txBody>
-          <a:bodyPr>
-            <a:normAutofit/>
-          </a:bodyPr>
-          <a:lstStyle/>
-          <a:p>
-            <a:pPr marL="0" indent="0">
-              <a:buNone/>
-            </a:pPr>
-            <a:r>
-              <a:rPr lang="en-US" dirty="0"/>
-              <a:t>This provides the computer with enough context to be able to handle the data and communicate in a way that is best for websites. </a:t>
-            </a:r>
-          </a:p>
-          <a:p>
-            <a:pPr marL="0" indent="0">
-              <a:buNone/>
-            </a:pPr>
-            <a:endParaRPr lang="en-US" dirty="0"/>
-          </a:p>
-          <a:p>
-            <a:pPr marL="0" indent="0">
-              <a:buNone/>
-            </a:pPr>
-            <a:r>
-              <a:rPr lang="en-US" dirty="0"/>
-              <a:t>Similarly, there is also a protocol for sending email known as </a:t>
-            </a:r>
-            <a:r>
-              <a:rPr lang="en-US" b="1" dirty="0"/>
-              <a:t>SMTP (Simple Mail Transfer Protocol).</a:t>
-            </a:r>
-          </a:p>
-          <a:p>
-            <a:pPr marL="0" indent="0">
-              <a:buNone/>
-            </a:pPr>
-            <a:endParaRPr lang="en-US" altLang="en-US" sz="2000" dirty="0">
-              <a:ea typeface="ＭＳ Ｐゴシック" panose="020B0600070205080204" pitchFamily="34" charset="-128"/>
-            </a:endParaRPr>
-          </a:p>
-          <a:p>
-            <a:pPr marL="0" indent="0">
-              <a:buNone/>
-            </a:pPr>
-            <a:r>
-              <a:rPr lang="en-US" dirty="0"/>
-              <a:t>HTTP and SMTP were designed by the </a:t>
-            </a:r>
-            <a:r>
-              <a:rPr lang="en-US" b="1" dirty="0"/>
-              <a:t>Internet Engineering Task Force(IETF)</a:t>
-            </a:r>
-            <a:r>
-              <a:rPr lang="en-US" dirty="0"/>
-              <a:t>. This is an organization that actively promotes the use of standardized protocols on the Internet. </a:t>
-            </a:r>
-          </a:p>
-          <a:p>
-            <a:pPr marL="0" indent="0">
-              <a:buNone/>
-            </a:pPr>
-            <a:endParaRPr lang="en-US" dirty="0"/>
-          </a:p>
-          <a:p>
-            <a:pPr marL="0" indent="0">
-              <a:buNone/>
-            </a:pPr>
-            <a:r>
-              <a:rPr lang="en-US" dirty="0"/>
-              <a:t>They are also involved in developing and creating resources (such as standards and documentation) to make the adoption of these standards easier.</a:t>
-            </a:r>
-            <a:endParaRPr lang="en-US" altLang="en-US" sz="2000" dirty="0">
-              <a:ea typeface="ＭＳ Ｐゴシック" panose="020B0600070205080204" pitchFamily="34" charset="-128"/>
-            </a:endParaRPr>
-          </a:p>
-        </p:txBody>
-      </p:sp>
-      <p:sp>
-        <p:nvSpPr>
-          <p:cNvPr id="2" name="Slide Number Placeholder 1">
-            <a:extLst>
-              <a:ext uri="{FF2B5EF4-FFF2-40B4-BE49-F238E27FC236}">
-                <a16:creationId xmlns:a16="http://schemas.microsoft.com/office/drawing/2014/main" id="{03F0D2ED-2998-FD45-9ED2-94F946BF071B}"/>
-              </a:ext>
-            </a:extLst>
-          </p:cNvPr>
-          <p:cNvSpPr>
-            <a:spLocks noGrp="1"/>
-          </p:cNvSpPr>
-          <p:nvPr>
-            <p:ph type="sldNum" sz="quarter" idx="12"/>
-          </p:nvPr>
-        </p:nvSpPr>
-        <p:spPr/>
-        <p:txBody>
-          <a:bodyPr/>
-          <a:lstStyle/>
-          <a:p>
-            <a:fld id="{D57F1E4F-1CFF-5643-939E-02111984F565}" type="slidenum">
-              <a:rPr lang="en-US" smtClean="0"/>
-              <a:t>22</a:t>
-            </a:fld>
-            <a:endParaRPr lang="en-US" dirty="0"/>
-          </a:p>
-        </p:txBody>
-      </p:sp>
-    </p:spTree>
-    <p:extLst>
-      <p:ext uri="{BB962C8B-B14F-4D97-AF65-F5344CB8AC3E}">
-        <p14:creationId xmlns:p14="http://schemas.microsoft.com/office/powerpoint/2010/main" val="971732716"/>
-      </p:ext>
-    </p:extLst>
-  </p:cSld>
-  <p:clrMapOvr>
-    <a:masterClrMapping/>
-  </p:clrMapOvr>
-  <p:transition/>
-</p:sld>
-</file>
-
-<file path=ppt/slides/slide23.xml><?xml version="1.0" encoding="utf-8"?>
-<p:sld xmlns:a="http://schemas.openxmlformats.org/drawingml/2006/main" xmlns:r="http://schemas.openxmlformats.org/officeDocument/2006/relationships" xmlns:p="http://schemas.openxmlformats.org/presentationml/2006/main">
-  <p:cSld>
-    <p:spTree>
-      <p:nvGrpSpPr>
-        <p:cNvPr id="1" name=""/>
-        <p:cNvGrpSpPr/>
-        <p:nvPr/>
-      </p:nvGrpSpPr>
-      <p:grpSpPr>
-        <a:xfrm>
-          <a:off x="0" y="0"/>
-          <a:ext cx="0" cy="0"/>
-          <a:chOff x="0" y="0"/>
-          <a:chExt cx="0" cy="0"/>
-        </a:xfrm>
-      </p:grpSpPr>
-      <p:sp>
-        <p:nvSpPr>
           <p:cNvPr id="65537" name="Rectangle 2">
             <a:extLst>
               <a:ext uri="{FF2B5EF4-FFF2-40B4-BE49-F238E27FC236}">
@@ -20974,7 +18812,7 @@
           <a:p>
             <a:fld id="{D57F1E4F-1CFF-5643-939E-02111984F565}" type="slidenum">
               <a:rPr lang="en-US" smtClean="0"/>
-              <a:t>23</a:t>
+              <a:t>20</a:t>
             </a:fld>
             <a:endParaRPr lang="en-US" dirty="0"/>
           </a:p>
@@ -21318,468 +19156,7 @@
 </p:sld>
 </file>
 
-<file path=ppt/slides/slide24.xml><?xml version="1.0" encoding="utf-8"?>
-<p:sld xmlns:a="http://schemas.openxmlformats.org/drawingml/2006/main" xmlns:r="http://schemas.openxmlformats.org/officeDocument/2006/relationships" xmlns:p="http://schemas.openxmlformats.org/presentationml/2006/main">
-  <p:cSld>
-    <p:spTree>
-      <p:nvGrpSpPr>
-        <p:cNvPr id="1" name=""/>
-        <p:cNvGrpSpPr/>
-        <p:nvPr/>
-      </p:nvGrpSpPr>
-      <p:grpSpPr>
-        <a:xfrm>
-          <a:off x="0" y="0"/>
-          <a:ext cx="0" cy="0"/>
-          <a:chOff x="0" y="0"/>
-          <a:chExt cx="0" cy="0"/>
-        </a:xfrm>
-      </p:grpSpPr>
-      <p:sp>
-        <p:nvSpPr>
-          <p:cNvPr id="65537" name="Rectangle 2">
-            <a:extLst>
-              <a:ext uri="{FF2B5EF4-FFF2-40B4-BE49-F238E27FC236}">
-                <a16:creationId xmlns:a16="http://schemas.microsoft.com/office/drawing/2014/main" id="{86430671-77D5-6E4C-94A5-D61EB184D3ED}"/>
-              </a:ext>
-            </a:extLst>
-          </p:cNvPr>
-          <p:cNvSpPr>
-            <a:spLocks noGrp="1" noChangeArrowheads="1"/>
-          </p:cNvSpPr>
-          <p:nvPr>
-            <p:ph type="title" idx="4294967295"/>
-          </p:nvPr>
-        </p:nvSpPr>
-        <p:spPr>
-          <a:xfrm>
-            <a:off x="236305" y="380144"/>
-            <a:ext cx="7886700" cy="669168"/>
-          </a:xfrm>
-        </p:spPr>
-        <p:txBody>
-          <a:bodyPr vert="horz" lIns="0" tIns="45720" rIns="0" bIns="0" rtlCol="0" anchor="b">
-            <a:normAutofit/>
-          </a:bodyPr>
-          <a:lstStyle/>
-          <a:p>
-            <a:pPr eaLnBrk="1" hangingPunct="1"/>
-            <a:r>
-              <a:rPr lang="en-US" altLang="en-US" dirty="0">
-                <a:latin typeface="Tahoma" panose="020B0604030504040204" pitchFamily="34" charset="0"/>
-                <a:ea typeface="ＭＳ Ｐゴシック" panose="020B0600070205080204" pitchFamily="34" charset="-128"/>
-              </a:rPr>
-              <a:t>Domain Names</a:t>
-            </a:r>
-          </a:p>
-        </p:txBody>
-      </p:sp>
-      <p:sp>
-        <p:nvSpPr>
-          <p:cNvPr id="64514" name="Rectangle 3">
-            <a:extLst>
-              <a:ext uri="{FF2B5EF4-FFF2-40B4-BE49-F238E27FC236}">
-                <a16:creationId xmlns:a16="http://schemas.microsoft.com/office/drawing/2014/main" id="{7788F03B-8D64-E645-BC3F-DBD76C93C456}"/>
-              </a:ext>
-            </a:extLst>
-          </p:cNvPr>
-          <p:cNvSpPr>
-            <a:spLocks noGrp="1" noChangeArrowheads="1"/>
-          </p:cNvSpPr>
-          <p:nvPr>
-            <p:ph type="body" idx="4294967295"/>
-          </p:nvPr>
-        </p:nvSpPr>
-        <p:spPr>
-          <a:xfrm>
-            <a:off x="236305" y="1181528"/>
-            <a:ext cx="8712485" cy="3965941"/>
-          </a:xfrm>
-        </p:spPr>
-        <p:txBody>
-          <a:bodyPr/>
-          <a:lstStyle/>
-          <a:p>
-            <a:pPr marL="0" indent="0">
-              <a:buNone/>
-            </a:pPr>
-            <a:r>
-              <a:rPr lang="en-US" dirty="0"/>
-              <a:t>When you visit a particular website you are most likely accessing it by typing something into your browser such as: </a:t>
-            </a:r>
-          </a:p>
-          <a:p>
-            <a:pPr marL="0" indent="0" algn="ctr">
-              <a:buNone/>
-            </a:pPr>
-            <a:r>
-              <a:rPr lang="en-US" altLang="en-US" sz="2200" dirty="0" err="1">
-                <a:ea typeface="ＭＳ Ｐゴシック" panose="020B0600070205080204" pitchFamily="34" charset="-128"/>
-              </a:rPr>
-              <a:t>google.com</a:t>
-            </a:r>
-            <a:endParaRPr lang="en-US" altLang="en-US" sz="2200" dirty="0">
-              <a:ea typeface="ＭＳ Ｐゴシック" panose="020B0600070205080204" pitchFamily="34" charset="-128"/>
-            </a:endParaRPr>
-          </a:p>
-          <a:p>
-            <a:pPr lvl="1"/>
-            <a:endParaRPr lang="en-US" altLang="en-US" sz="1417" dirty="0">
-              <a:latin typeface="Tahoma" panose="020B0604030504040204" pitchFamily="34" charset="0"/>
-            </a:endParaRPr>
-          </a:p>
-          <a:p>
-            <a:pPr marL="0" indent="0">
-              <a:buNone/>
-            </a:pPr>
-            <a:r>
-              <a:rPr lang="en-US" dirty="0"/>
-              <a:t>This </a:t>
-            </a:r>
-            <a:r>
-              <a:rPr lang="en-US" b="1" dirty="0"/>
-              <a:t>domain name</a:t>
-            </a:r>
-            <a:r>
-              <a:rPr lang="en-US" dirty="0"/>
-              <a:t> can be broken down into two parts. The TLD, or </a:t>
-            </a:r>
-            <a:r>
-              <a:rPr lang="en-US" b="1" dirty="0"/>
-              <a:t>top-level domain</a:t>
-            </a:r>
-            <a:r>
-              <a:rPr lang="en-US" dirty="0"/>
-              <a:t>, (in this case “com”) is the first indicator of where to go to find the website. </a:t>
-            </a:r>
-          </a:p>
-          <a:p>
-            <a:pPr marL="0" indent="0">
-              <a:buNone/>
-            </a:pPr>
-            <a:endParaRPr lang="en-US" dirty="0"/>
-          </a:p>
-          <a:p>
-            <a:pPr marL="0" indent="0">
-              <a:buNone/>
-            </a:pPr>
-            <a:r>
-              <a:rPr lang="en-US" dirty="0"/>
-              <a:t>The “google” part of the domain name actually specifies which computer to point to. </a:t>
-            </a:r>
-            <a:endParaRPr lang="en-US" altLang="en-US" sz="1750" dirty="0">
-              <a:latin typeface="Tahoma" panose="020B0604030504040204" pitchFamily="34" charset="0"/>
-              <a:ea typeface="ＭＳ Ｐゴシック" panose="020B0600070205080204" pitchFamily="34" charset="-128"/>
-            </a:endParaRPr>
-          </a:p>
-          <a:p>
-            <a:endParaRPr lang="en-US" altLang="en-US" sz="1333" dirty="0">
-              <a:latin typeface="Tahoma" panose="020B0604030504040204" pitchFamily="34" charset="0"/>
-              <a:ea typeface="ＭＳ Ｐゴシック" panose="020B0600070205080204" pitchFamily="34" charset="-128"/>
-            </a:endParaRPr>
-          </a:p>
-          <a:p>
-            <a:pPr lvl="1"/>
-            <a:endParaRPr lang="en-US" altLang="en-US" sz="1333" dirty="0">
-              <a:latin typeface="Tahoma" panose="020B0604030504040204" pitchFamily="34" charset="0"/>
-            </a:endParaRPr>
-          </a:p>
-          <a:p>
-            <a:pPr lvl="1"/>
-            <a:endParaRPr lang="en-US" altLang="en-US" sz="1333" dirty="0">
-              <a:latin typeface="Tahoma" panose="020B0604030504040204" pitchFamily="34" charset="0"/>
-            </a:endParaRPr>
-          </a:p>
-          <a:p>
-            <a:pPr lvl="1"/>
-            <a:endParaRPr lang="en-US" altLang="en-US" sz="1333" dirty="0">
-              <a:latin typeface="Tahoma" panose="020B0604030504040204" pitchFamily="34" charset="0"/>
-            </a:endParaRPr>
-          </a:p>
-          <a:p>
-            <a:pPr lvl="3" eaLnBrk="1" hangingPunct="1"/>
-            <a:endParaRPr lang="en-US" altLang="en-US" sz="667" dirty="0">
-              <a:latin typeface="Tahoma" panose="020B0604030504040204" pitchFamily="34" charset="0"/>
-            </a:endParaRPr>
-          </a:p>
-        </p:txBody>
-      </p:sp>
-      <p:sp>
-        <p:nvSpPr>
-          <p:cNvPr id="2" name="Slide Number Placeholder 1">
-            <a:extLst>
-              <a:ext uri="{FF2B5EF4-FFF2-40B4-BE49-F238E27FC236}">
-                <a16:creationId xmlns:a16="http://schemas.microsoft.com/office/drawing/2014/main" id="{816E1766-DFA6-6940-AA77-C1226F6F4130}"/>
-              </a:ext>
-            </a:extLst>
-          </p:cNvPr>
-          <p:cNvSpPr>
-            <a:spLocks noGrp="1"/>
-          </p:cNvSpPr>
-          <p:nvPr>
-            <p:ph type="sldNum" sz="quarter" idx="12"/>
-          </p:nvPr>
-        </p:nvSpPr>
-        <p:spPr/>
-        <p:txBody>
-          <a:bodyPr/>
-          <a:lstStyle/>
-          <a:p>
-            <a:fld id="{D57F1E4F-1CFF-5643-939E-02111984F565}" type="slidenum">
-              <a:rPr lang="en-US" smtClean="0"/>
-              <a:t>24</a:t>
-            </a:fld>
-            <a:endParaRPr lang="en-US" dirty="0"/>
-          </a:p>
-        </p:txBody>
-      </p:sp>
-    </p:spTree>
-    <p:extLst>
-      <p:ext uri="{BB962C8B-B14F-4D97-AF65-F5344CB8AC3E}">
-        <p14:creationId xmlns:p14="http://schemas.microsoft.com/office/powerpoint/2010/main" val="1558241323"/>
-      </p:ext>
-    </p:extLst>
-  </p:cSld>
-  <p:clrMapOvr>
-    <a:masterClrMapping/>
-  </p:clrMapOvr>
-  <p:transition/>
-</p:sld>
-</file>
-
-<file path=ppt/slides/slide25.xml><?xml version="1.0" encoding="utf-8"?>
-<p:sld xmlns:a="http://schemas.openxmlformats.org/drawingml/2006/main" xmlns:r="http://schemas.openxmlformats.org/officeDocument/2006/relationships" xmlns:p="http://schemas.openxmlformats.org/presentationml/2006/main">
-  <p:cSld>
-    <p:spTree>
-      <p:nvGrpSpPr>
-        <p:cNvPr id="1" name=""/>
-        <p:cNvGrpSpPr/>
-        <p:nvPr/>
-      </p:nvGrpSpPr>
-      <p:grpSpPr>
-        <a:xfrm>
-          <a:off x="0" y="0"/>
-          <a:ext cx="0" cy="0"/>
-          <a:chOff x="0" y="0"/>
-          <a:chExt cx="0" cy="0"/>
-        </a:xfrm>
-      </p:grpSpPr>
-      <p:sp>
-        <p:nvSpPr>
-          <p:cNvPr id="65537" name="Rectangle 2">
-            <a:extLst>
-              <a:ext uri="{FF2B5EF4-FFF2-40B4-BE49-F238E27FC236}">
-                <a16:creationId xmlns:a16="http://schemas.microsoft.com/office/drawing/2014/main" id="{86430671-77D5-6E4C-94A5-D61EB184D3ED}"/>
-              </a:ext>
-            </a:extLst>
-          </p:cNvPr>
-          <p:cNvSpPr>
-            <a:spLocks noGrp="1" noChangeArrowheads="1"/>
-          </p:cNvSpPr>
-          <p:nvPr>
-            <p:ph type="title" idx="4294967295"/>
-          </p:nvPr>
-        </p:nvSpPr>
-        <p:spPr>
-          <a:xfrm>
-            <a:off x="236305" y="380144"/>
-            <a:ext cx="7886700" cy="669168"/>
-          </a:xfrm>
-        </p:spPr>
-        <p:txBody>
-          <a:bodyPr vert="horz" lIns="0" tIns="45720" rIns="0" bIns="0" rtlCol="0" anchor="b">
-            <a:normAutofit/>
-          </a:bodyPr>
-          <a:lstStyle/>
-          <a:p>
-            <a:pPr eaLnBrk="1" hangingPunct="1"/>
-            <a:r>
-              <a:rPr lang="en-US" altLang="en-US" dirty="0">
-                <a:latin typeface="Tahoma" panose="020B0604030504040204" pitchFamily="34" charset="0"/>
-                <a:ea typeface="ＭＳ Ｐゴシック" panose="020B0600070205080204" pitchFamily="34" charset="-128"/>
-              </a:rPr>
-              <a:t>Domain Names</a:t>
-            </a:r>
-          </a:p>
-        </p:txBody>
-      </p:sp>
-      <p:sp>
-        <p:nvSpPr>
-          <p:cNvPr id="64514" name="Rectangle 3">
-            <a:extLst>
-              <a:ext uri="{FF2B5EF4-FFF2-40B4-BE49-F238E27FC236}">
-                <a16:creationId xmlns:a16="http://schemas.microsoft.com/office/drawing/2014/main" id="{7788F03B-8D64-E645-BC3F-DBD76C93C456}"/>
-              </a:ext>
-            </a:extLst>
-          </p:cNvPr>
-          <p:cNvSpPr>
-            <a:spLocks noGrp="1" noChangeArrowheads="1"/>
-          </p:cNvSpPr>
-          <p:nvPr>
-            <p:ph type="body" idx="4294967295"/>
-          </p:nvPr>
-        </p:nvSpPr>
-        <p:spPr>
-          <a:xfrm>
-            <a:off x="236305" y="1181528"/>
-            <a:ext cx="8712485" cy="3965941"/>
-          </a:xfrm>
-        </p:spPr>
-        <p:txBody>
-          <a:bodyPr/>
-          <a:lstStyle/>
-          <a:p>
-            <a:pPr marL="0" indent="0">
-              <a:buNone/>
-            </a:pPr>
-            <a:r>
-              <a:rPr lang="en-US" dirty="0"/>
-              <a:t>Domain names are organized </a:t>
-            </a:r>
-            <a:r>
-              <a:rPr lang="en-US" b="1" dirty="0"/>
-              <a:t>hierarchically</a:t>
-            </a:r>
-            <a:r>
-              <a:rPr lang="en-US" dirty="0"/>
-              <a:t> from right to left, where the right is more general and left is more specific. </a:t>
-            </a:r>
-          </a:p>
-          <a:p>
-            <a:pPr marL="0" indent="0">
-              <a:buNone/>
-            </a:pPr>
-            <a:endParaRPr lang="en-US" dirty="0"/>
-          </a:p>
-          <a:p>
-            <a:pPr marL="0" indent="0">
-              <a:buNone/>
-            </a:pPr>
-            <a:r>
-              <a:rPr lang="en-US" dirty="0"/>
-              <a:t>For example, if you wanted to visit the English Wikipedia page, you would have to type in “</a:t>
-            </a:r>
-            <a:r>
-              <a:rPr lang="en-US" dirty="0" err="1"/>
-              <a:t>en.wikipedia.org</a:t>
-            </a:r>
-            <a:r>
-              <a:rPr lang="en-US" dirty="0"/>
-              <a:t>”. </a:t>
-            </a:r>
-          </a:p>
-          <a:p>
-            <a:pPr marL="0" indent="0">
-              <a:buNone/>
-            </a:pPr>
-            <a:endParaRPr lang="en-US" altLang="en-US" sz="1417" dirty="0">
-              <a:latin typeface="Tahoma" panose="020B0604030504040204" pitchFamily="34" charset="0"/>
-            </a:endParaRPr>
-          </a:p>
-          <a:p>
-            <a:pPr marL="0" indent="0">
-              <a:buNone/>
-            </a:pPr>
-            <a:r>
-              <a:rPr lang="en-US" dirty="0"/>
-              <a:t>This indicates that you would like to visit a website within the top-level domain “org”, a website specifically called “</a:t>
-            </a:r>
-            <a:r>
-              <a:rPr lang="en-US" dirty="0" err="1"/>
-              <a:t>wikipedia</a:t>
-            </a:r>
-            <a:r>
-              <a:rPr lang="en-US" dirty="0"/>
-              <a:t>”, and the “</a:t>
-            </a:r>
-            <a:r>
-              <a:rPr lang="en-US" dirty="0" err="1"/>
-              <a:t>en</a:t>
-            </a:r>
-            <a:r>
-              <a:rPr lang="en-US" dirty="0"/>
-              <a:t>” sub-domain of Wikipedia that will give you the English-language version of the website.</a:t>
-            </a:r>
-            <a:endParaRPr lang="en-US" altLang="en-US" sz="1417" dirty="0">
-              <a:latin typeface="Tahoma" panose="020B0604030504040204" pitchFamily="34" charset="0"/>
-            </a:endParaRPr>
-          </a:p>
-          <a:p>
-            <a:endParaRPr lang="en-US" altLang="en-US" sz="1333" dirty="0">
-              <a:latin typeface="Tahoma" panose="020B0604030504040204" pitchFamily="34" charset="0"/>
-              <a:ea typeface="ＭＳ Ｐゴシック" panose="020B0600070205080204" pitchFamily="34" charset="-128"/>
-            </a:endParaRPr>
-          </a:p>
-          <a:p>
-            <a:pPr lvl="1"/>
-            <a:endParaRPr lang="en-US" altLang="en-US" sz="1333" dirty="0">
-              <a:latin typeface="Tahoma" panose="020B0604030504040204" pitchFamily="34" charset="0"/>
-            </a:endParaRPr>
-          </a:p>
-          <a:p>
-            <a:pPr lvl="1"/>
-            <a:endParaRPr lang="en-US" altLang="en-US" sz="1333" dirty="0">
-              <a:latin typeface="Tahoma" panose="020B0604030504040204" pitchFamily="34" charset="0"/>
-            </a:endParaRPr>
-          </a:p>
-          <a:p>
-            <a:pPr lvl="1"/>
-            <a:endParaRPr lang="en-US" altLang="en-US" sz="1333" dirty="0">
-              <a:latin typeface="Tahoma" panose="020B0604030504040204" pitchFamily="34" charset="0"/>
-            </a:endParaRPr>
-          </a:p>
-          <a:p>
-            <a:pPr lvl="3" eaLnBrk="1" hangingPunct="1"/>
-            <a:endParaRPr lang="en-US" altLang="en-US" sz="667" dirty="0">
-              <a:latin typeface="Tahoma" panose="020B0604030504040204" pitchFamily="34" charset="0"/>
-            </a:endParaRPr>
-          </a:p>
-        </p:txBody>
-      </p:sp>
-      <p:sp>
-        <p:nvSpPr>
-          <p:cNvPr id="2" name="Slide Number Placeholder 1">
-            <a:extLst>
-              <a:ext uri="{FF2B5EF4-FFF2-40B4-BE49-F238E27FC236}">
-                <a16:creationId xmlns:a16="http://schemas.microsoft.com/office/drawing/2014/main" id="{98DEE815-E49C-0546-8687-B6BC51BC7976}"/>
-              </a:ext>
-            </a:extLst>
-          </p:cNvPr>
-          <p:cNvSpPr>
-            <a:spLocks noGrp="1"/>
-          </p:cNvSpPr>
-          <p:nvPr>
-            <p:ph type="sldNum" sz="quarter" idx="12"/>
-          </p:nvPr>
-        </p:nvSpPr>
-        <p:spPr/>
-        <p:txBody>
-          <a:bodyPr/>
-          <a:lstStyle/>
-          <a:p>
-            <a:fld id="{D57F1E4F-1CFF-5643-939E-02111984F565}" type="slidenum">
-              <a:rPr lang="en-US" smtClean="0"/>
-              <a:t>25</a:t>
-            </a:fld>
-            <a:endParaRPr lang="en-US" dirty="0"/>
-          </a:p>
-        </p:txBody>
-      </p:sp>
-    </p:spTree>
-    <p:extLst>
-      <p:ext uri="{BB962C8B-B14F-4D97-AF65-F5344CB8AC3E}">
-        <p14:creationId xmlns:p14="http://schemas.microsoft.com/office/powerpoint/2010/main" val="1678415157"/>
-      </p:ext>
-    </p:extLst>
-  </p:cSld>
-  <p:clrMapOvr>
-    <a:masterClrMapping/>
-  </p:clrMapOvr>
-  <p:transition/>
-</p:sld>
-</file>
-
-<file path=ppt/slides/slide26.xml><?xml version="1.0" encoding="utf-8"?>
+<file path=ppt/slides/slide21.xml><?xml version="1.0" encoding="utf-8"?>
 <p:sld xmlns:a="http://schemas.openxmlformats.org/drawingml/2006/main" xmlns:r="http://schemas.openxmlformats.org/officeDocument/2006/relationships" xmlns:p="http://schemas.openxmlformats.org/presentationml/2006/main">
   <p:cSld>
     <p:spTree>
@@ -22005,7 +19382,7 @@
           <a:p>
             <a:fld id="{D57F1E4F-1CFF-5643-939E-02111984F565}" type="slidenum">
               <a:rPr lang="en-US" smtClean="0"/>
-              <a:t>26</a:t>
+              <a:t>21</a:t>
             </a:fld>
             <a:endParaRPr lang="en-US" dirty="0"/>
           </a:p>
@@ -22251,7 +19628,7 @@
 </p:sld>
 </file>
 
-<file path=ppt/slides/slide27.xml><?xml version="1.0" encoding="utf-8"?>
+<file path=ppt/slides/slide22.xml><?xml version="1.0" encoding="utf-8"?>
 <p:sld xmlns:a="http://schemas.openxmlformats.org/drawingml/2006/main" xmlns:r="http://schemas.openxmlformats.org/officeDocument/2006/relationships" xmlns:p="http://schemas.openxmlformats.org/presentationml/2006/main">
   <p:cSld>
     <p:spTree>
@@ -22420,7 +19797,7 @@
           <a:p>
             <a:fld id="{D57F1E4F-1CFF-5643-939E-02111984F565}" type="slidenum">
               <a:rPr lang="en-US" smtClean="0"/>
-              <a:t>27</a:t>
+              <a:t>22</a:t>
             </a:fld>
             <a:endParaRPr lang="en-US" dirty="0"/>
           </a:p>
@@ -22617,7 +19994,7 @@
 </p:sld>
 </file>
 
-<file path=ppt/slides/slide28.xml><?xml version="1.0" encoding="utf-8"?>
+<file path=ppt/slides/slide23.xml><?xml version="1.0" encoding="utf-8"?>
 <p:sld xmlns:a="http://schemas.openxmlformats.org/drawingml/2006/main" xmlns:r="http://schemas.openxmlformats.org/officeDocument/2006/relationships" xmlns:p="http://schemas.openxmlformats.org/presentationml/2006/main">
   <p:cSld>
     <p:spTree>
@@ -22793,7 +20170,7 @@
           <a:p>
             <a:fld id="{D57F1E4F-1CFF-5643-939E-02111984F565}" type="slidenum">
               <a:rPr lang="en-US" smtClean="0"/>
-              <a:t>28</a:t>
+              <a:t>23</a:t>
             </a:fld>
             <a:endParaRPr lang="en-US" dirty="0"/>
           </a:p>
@@ -22813,7 +20190,7 @@
 </p:sld>
 </file>
 
-<file path=ppt/slides/slide29.xml><?xml version="1.0" encoding="utf-8"?>
+<file path=ppt/slides/slide24.xml><?xml version="1.0" encoding="utf-8"?>
 <p:sld xmlns:a="http://schemas.openxmlformats.org/drawingml/2006/main" xmlns:r="http://schemas.openxmlformats.org/officeDocument/2006/relationships" xmlns:p="http://schemas.openxmlformats.org/presentationml/2006/main">
   <p:cSld>
     <p:spTree>
@@ -22989,7 +20366,7 @@
           <a:p>
             <a:fld id="{D57F1E4F-1CFF-5643-939E-02111984F565}" type="slidenum">
               <a:rPr lang="en-US" smtClean="0"/>
-              <a:t>29</a:t>
+              <a:t>24</a:t>
             </a:fld>
             <a:endParaRPr lang="en-US" dirty="0"/>
           </a:p>
@@ -23006,6 +20383,1294 @@
     <a:masterClrMapping/>
   </p:clrMapOvr>
   <p:transition/>
+</p:sld>
+</file>
+
+<file path=ppt/slides/slide25.xml><?xml version="1.0" encoding="utf-8"?>
+<p:sld xmlns:a="http://schemas.openxmlformats.org/drawingml/2006/main" xmlns:r="http://schemas.openxmlformats.org/officeDocument/2006/relationships" xmlns:p="http://schemas.openxmlformats.org/presentationml/2006/main">
+  <p:cSld>
+    <p:spTree>
+      <p:nvGrpSpPr>
+        <p:cNvPr id="1" name=""/>
+        <p:cNvGrpSpPr/>
+        <p:nvPr/>
+      </p:nvGrpSpPr>
+      <p:grpSpPr>
+        <a:xfrm>
+          <a:off x="0" y="0"/>
+          <a:ext cx="0" cy="0"/>
+          <a:chOff x="0" y="0"/>
+          <a:chExt cx="0" cy="0"/>
+        </a:xfrm>
+      </p:grpSpPr>
+      <p:sp>
+        <p:nvSpPr>
+          <p:cNvPr id="79873" name="Rectangle 2">
+            <a:extLst>
+              <a:ext uri="{FF2B5EF4-FFF2-40B4-BE49-F238E27FC236}">
+                <a16:creationId xmlns:a16="http://schemas.microsoft.com/office/drawing/2014/main" id="{E8B36DA1-FD32-914E-8D09-91D267F39A7A}"/>
+              </a:ext>
+            </a:extLst>
+          </p:cNvPr>
+          <p:cNvSpPr>
+            <a:spLocks noGrp="1" noChangeArrowheads="1"/>
+          </p:cNvSpPr>
+          <p:nvPr>
+            <p:ph type="title" idx="4294967295"/>
+          </p:nvPr>
+        </p:nvSpPr>
+        <p:spPr>
+          <a:xfrm>
+            <a:off x="328773" y="396875"/>
+            <a:ext cx="7886700" cy="648619"/>
+          </a:xfrm>
+        </p:spPr>
+        <p:txBody>
+          <a:bodyPr vert="horz" lIns="0" tIns="45720" rIns="0" bIns="0" rtlCol="0" anchor="b">
+            <a:normAutofit/>
+          </a:bodyPr>
+          <a:lstStyle/>
+          <a:p>
+            <a:pPr eaLnBrk="1" hangingPunct="1"/>
+            <a:r>
+              <a:rPr lang="en-US" altLang="en-US" dirty="0">
+                <a:latin typeface="Tahoma" panose="020B0604030504040204" pitchFamily="34" charset="0"/>
+                <a:ea typeface="ＭＳ Ｐゴシック" panose="020B0600070205080204" pitchFamily="34" charset="-128"/>
+              </a:rPr>
+              <a:t>Port Numbers</a:t>
+            </a:r>
+          </a:p>
+        </p:txBody>
+      </p:sp>
+      <p:sp>
+        <p:nvSpPr>
+          <p:cNvPr id="79874" name="Rectangle 3">
+            <a:extLst>
+              <a:ext uri="{FF2B5EF4-FFF2-40B4-BE49-F238E27FC236}">
+                <a16:creationId xmlns:a16="http://schemas.microsoft.com/office/drawing/2014/main" id="{C365A828-14EF-694A-9BBF-E18CC423E31B}"/>
+              </a:ext>
+            </a:extLst>
+          </p:cNvPr>
+          <p:cNvSpPr>
+            <a:spLocks noGrp="1" noChangeArrowheads="1"/>
+          </p:cNvSpPr>
+          <p:nvPr>
+            <p:ph type="body" idx="4294967295"/>
+          </p:nvPr>
+        </p:nvSpPr>
+        <p:spPr>
+          <a:xfrm>
+            <a:off x="328773" y="1333500"/>
+            <a:ext cx="8486454" cy="3984625"/>
+          </a:xfrm>
+        </p:spPr>
+        <p:txBody>
+          <a:bodyPr/>
+          <a:lstStyle/>
+          <a:p>
+            <a:pPr eaLnBrk="1" hangingPunct="1"/>
+            <a:r>
+              <a:rPr lang="en-US" altLang="en-US" sz="1667" dirty="0">
+                <a:latin typeface="Tahoma" panose="020B0604030504040204" pitchFamily="34" charset="0"/>
+                <a:ea typeface="ＭＳ Ｐゴシック" panose="020B0600070205080204" pitchFamily="34" charset="-128"/>
+              </a:rPr>
+              <a:t>Computer 1 sending an email. Computer 2 requesting a webpage. Both computers are in the same local area network. </a:t>
+            </a:r>
+          </a:p>
+        </p:txBody>
+      </p:sp>
+      <p:pic>
+        <p:nvPicPr>
+          <p:cNvPr id="79875" name="Picture 1">
+            <a:extLst>
+              <a:ext uri="{FF2B5EF4-FFF2-40B4-BE49-F238E27FC236}">
+                <a16:creationId xmlns:a16="http://schemas.microsoft.com/office/drawing/2014/main" id="{CE627FFA-2BD4-3244-9CFB-E9A8530A32E1}"/>
+              </a:ext>
+            </a:extLst>
+          </p:cNvPr>
+          <p:cNvPicPr>
+            <a:picLocks noChangeAspect="1"/>
+          </p:cNvPicPr>
+          <p:nvPr/>
+        </p:nvPicPr>
+        <p:blipFill>
+          <a:blip r:embed="rId3">
+            <a:extLst>
+              <a:ext uri="{28A0092B-C50C-407E-A947-70E740481C1C}">
+                <a14:useLocalDpi xmlns:a14="http://schemas.microsoft.com/office/drawing/2010/main" val="0"/>
+              </a:ext>
+            </a:extLst>
+          </a:blip>
+          <a:srcRect/>
+          <a:stretch>
+            <a:fillRect/>
+          </a:stretch>
+        </p:blipFill>
+        <p:spPr bwMode="auto">
+          <a:xfrm>
+            <a:off x="1391708" y="1957917"/>
+            <a:ext cx="6483615" cy="3360208"/>
+          </a:xfrm>
+          <a:prstGeom prst="rect">
+            <a:avLst/>
+          </a:prstGeom>
+          <a:noFill/>
+          <a:ln>
+            <a:noFill/>
+          </a:ln>
+          <a:extLst>
+            <a:ext uri="{909E8E84-426E-40DD-AFC4-6F175D3DCCD1}">
+              <a14:hiddenFill xmlns:a14="http://schemas.microsoft.com/office/drawing/2010/main">
+                <a:solidFill>
+                  <a:srgbClr val="FFFFFF"/>
+                </a:solidFill>
+              </a14:hiddenFill>
+            </a:ext>
+            <a:ext uri="{91240B29-F687-4F45-9708-019B960494DF}">
+              <a14:hiddenLine xmlns:a14="http://schemas.microsoft.com/office/drawing/2010/main" w="9525">
+                <a:solidFill>
+                  <a:srgbClr val="000000"/>
+                </a:solidFill>
+                <a:miter lim="800000"/>
+                <a:headEnd/>
+                <a:tailEnd/>
+              </a14:hiddenLine>
+            </a:ext>
+          </a:extLst>
+        </p:spPr>
+      </p:pic>
+      <p:sp>
+        <p:nvSpPr>
+          <p:cNvPr id="2" name="Slide Number Placeholder 1">
+            <a:extLst>
+              <a:ext uri="{FF2B5EF4-FFF2-40B4-BE49-F238E27FC236}">
+                <a16:creationId xmlns:a16="http://schemas.microsoft.com/office/drawing/2014/main" id="{5199F4C0-4116-4045-9BCD-E261CC62FD46}"/>
+              </a:ext>
+            </a:extLst>
+          </p:cNvPr>
+          <p:cNvSpPr>
+            <a:spLocks noGrp="1"/>
+          </p:cNvSpPr>
+          <p:nvPr>
+            <p:ph type="sldNum" sz="quarter" idx="12"/>
+          </p:nvPr>
+        </p:nvSpPr>
+        <p:spPr/>
+        <p:txBody>
+          <a:bodyPr/>
+          <a:lstStyle/>
+          <a:p>
+            <a:fld id="{D57F1E4F-1CFF-5643-939E-02111984F565}" type="slidenum">
+              <a:rPr lang="en-US" smtClean="0"/>
+              <a:t>25</a:t>
+            </a:fld>
+            <a:endParaRPr lang="en-US" dirty="0"/>
+          </a:p>
+        </p:txBody>
+      </p:sp>
+    </p:spTree>
+    <p:extLst>
+      <p:ext uri="{BB962C8B-B14F-4D97-AF65-F5344CB8AC3E}">
+        <p14:creationId xmlns:p14="http://schemas.microsoft.com/office/powerpoint/2010/main" val="3609937493"/>
+      </p:ext>
+    </p:extLst>
+  </p:cSld>
+  <p:clrMapOvr>
+    <a:masterClrMapping/>
+  </p:clrMapOvr>
+  <p:transition/>
+</p:sld>
+</file>
+
+<file path=ppt/slides/slide26.xml><?xml version="1.0" encoding="utf-8"?>
+<p:sld xmlns:a="http://schemas.openxmlformats.org/drawingml/2006/main" xmlns:r="http://schemas.openxmlformats.org/officeDocument/2006/relationships" xmlns:p="http://schemas.openxmlformats.org/presentationml/2006/main">
+  <p:cSld>
+    <p:spTree>
+      <p:nvGrpSpPr>
+        <p:cNvPr id="1" name=""/>
+        <p:cNvGrpSpPr/>
+        <p:nvPr/>
+      </p:nvGrpSpPr>
+      <p:grpSpPr>
+        <a:xfrm>
+          <a:off x="0" y="0"/>
+          <a:ext cx="0" cy="0"/>
+          <a:chOff x="0" y="0"/>
+          <a:chExt cx="0" cy="0"/>
+        </a:xfrm>
+      </p:grpSpPr>
+      <p:sp>
+        <p:nvSpPr>
+          <p:cNvPr id="84993" name="Title 1">
+            <a:extLst>
+              <a:ext uri="{FF2B5EF4-FFF2-40B4-BE49-F238E27FC236}">
+                <a16:creationId xmlns:a16="http://schemas.microsoft.com/office/drawing/2014/main" id="{C169A412-E2F9-004D-A0EF-86F1C409823C}"/>
+              </a:ext>
+            </a:extLst>
+          </p:cNvPr>
+          <p:cNvSpPr>
+            <a:spLocks noGrp="1" noChangeArrowheads="1"/>
+          </p:cNvSpPr>
+          <p:nvPr>
+            <p:ph type="title"/>
+          </p:nvPr>
+        </p:nvSpPr>
+        <p:spPr>
+          <a:xfrm>
+            <a:off x="133564" y="106881"/>
+            <a:ext cx="7886700" cy="689517"/>
+          </a:xfrm>
+        </p:spPr>
+        <p:txBody>
+          <a:bodyPr/>
+          <a:lstStyle/>
+          <a:p>
+            <a:pPr eaLnBrk="1" hangingPunct="1"/>
+            <a:r>
+              <a:rPr lang="en-US" altLang="en-US" dirty="0">
+                <a:ea typeface="ＭＳ Ｐゴシック" panose="020B0600070205080204" pitchFamily="34" charset="-128"/>
+              </a:rPr>
+              <a:t>Packets</a:t>
+            </a:r>
+          </a:p>
+        </p:txBody>
+      </p:sp>
+      <p:sp>
+        <p:nvSpPr>
+          <p:cNvPr id="84994" name="Content Placeholder 2">
+            <a:extLst>
+              <a:ext uri="{FF2B5EF4-FFF2-40B4-BE49-F238E27FC236}">
+                <a16:creationId xmlns:a16="http://schemas.microsoft.com/office/drawing/2014/main" id="{6971D443-43C5-2E43-8019-712D595D62F2}"/>
+              </a:ext>
+            </a:extLst>
+          </p:cNvPr>
+          <p:cNvSpPr>
+            <a:spLocks noGrp="1" noChangeArrowheads="1"/>
+          </p:cNvSpPr>
+          <p:nvPr>
+            <p:ph idx="1"/>
+          </p:nvPr>
+        </p:nvSpPr>
+        <p:spPr>
+          <a:xfrm>
+            <a:off x="277402" y="801385"/>
+            <a:ext cx="8733034" cy="4831262"/>
+          </a:xfrm>
+        </p:spPr>
+        <p:txBody>
+          <a:bodyPr/>
+          <a:lstStyle/>
+          <a:p>
+            <a:pPr marL="0" indent="0">
+              <a:buNone/>
+            </a:pPr>
+            <a:r>
+              <a:rPr lang="en-US" dirty="0"/>
+              <a:t>The Internet transmits </a:t>
+            </a:r>
+            <a:r>
+              <a:rPr lang="en-US" b="1"/>
+              <a:t>data streams</a:t>
+            </a:r>
+            <a:r>
+              <a:rPr lang="en-US"/>
+              <a:t> </a:t>
+            </a:r>
+            <a:r>
+              <a:rPr lang="en-US" dirty="0"/>
+              <a:t>from one computer to another by breaking the data down into small manageable units that are known as </a:t>
+            </a:r>
+            <a:r>
+              <a:rPr lang="en-US" b="1" dirty="0"/>
+              <a:t>packets</a:t>
+            </a:r>
+            <a:r>
+              <a:rPr lang="en-US" dirty="0"/>
+              <a:t>. This system is called a </a:t>
+            </a:r>
+            <a:r>
+              <a:rPr lang="en-US" b="1" dirty="0"/>
+              <a:t>packet-switching system</a:t>
+            </a:r>
+            <a:r>
+              <a:rPr lang="en-US" dirty="0"/>
+              <a:t>.</a:t>
+            </a:r>
+          </a:p>
+          <a:p>
+            <a:pPr marL="0" indent="0">
+              <a:buNone/>
+            </a:pPr>
+            <a:endParaRPr lang="en-US" dirty="0"/>
+          </a:p>
+          <a:p>
+            <a:pPr marL="0" indent="0">
+              <a:buNone/>
+            </a:pPr>
+            <a:r>
+              <a:rPr lang="en-US" dirty="0"/>
+              <a:t>A packet is defined as a small chunk of digital data that contains both a sender address and an address to where the packet is supposed to go. </a:t>
+            </a:r>
+          </a:p>
+          <a:p>
+            <a:pPr marL="0" indent="0">
+              <a:buNone/>
+            </a:pPr>
+            <a:endParaRPr lang="en-US" dirty="0"/>
+          </a:p>
+          <a:p>
+            <a:pPr marL="0" indent="0">
+              <a:buNone/>
+            </a:pPr>
+            <a:r>
+              <a:rPr lang="en-US" dirty="0"/>
+              <a:t>A single image could contain anywhere from just a handful of packets to upwards of 10,000 depending on a variety of factors.</a:t>
+            </a:r>
+          </a:p>
+          <a:p>
+            <a:pPr marL="0" indent="0">
+              <a:buNone/>
+            </a:pPr>
+            <a:endParaRPr lang="en-US" altLang="en-US" sz="1833" dirty="0">
+              <a:latin typeface="Tahoma" panose="020B0604030504040204" pitchFamily="34" charset="0"/>
+              <a:ea typeface="ＭＳ Ｐゴシック" panose="020B0600070205080204" pitchFamily="34" charset="-128"/>
+            </a:endParaRPr>
+          </a:p>
+          <a:p>
+            <a:pPr marL="0" indent="0">
+              <a:buNone/>
+            </a:pPr>
+            <a:r>
+              <a:rPr lang="en-US" dirty="0"/>
+              <a:t>The process of determining where packets go is called </a:t>
+            </a:r>
+            <a:r>
+              <a:rPr lang="en-US" b="1" dirty="0"/>
+              <a:t>routing </a:t>
+            </a:r>
+            <a:r>
+              <a:rPr lang="en-US" dirty="0"/>
+              <a:t>or selecting a path for traffic in a network.</a:t>
+            </a:r>
+          </a:p>
+        </p:txBody>
+      </p:sp>
+      <p:sp>
+        <p:nvSpPr>
+          <p:cNvPr id="2" name="Slide Number Placeholder 1">
+            <a:extLst>
+              <a:ext uri="{FF2B5EF4-FFF2-40B4-BE49-F238E27FC236}">
+                <a16:creationId xmlns:a16="http://schemas.microsoft.com/office/drawing/2014/main" id="{EA560605-ECCA-084C-9B6A-2DD49664CFCB}"/>
+              </a:ext>
+            </a:extLst>
+          </p:cNvPr>
+          <p:cNvSpPr>
+            <a:spLocks noGrp="1"/>
+          </p:cNvSpPr>
+          <p:nvPr>
+            <p:ph type="sldNum" sz="quarter" idx="12"/>
+          </p:nvPr>
+        </p:nvSpPr>
+        <p:spPr/>
+        <p:txBody>
+          <a:bodyPr/>
+          <a:lstStyle/>
+          <a:p>
+            <a:fld id="{D57F1E4F-1CFF-5643-939E-02111984F565}" type="slidenum">
+              <a:rPr lang="en-US" smtClean="0"/>
+              <a:t>26</a:t>
+            </a:fld>
+            <a:endParaRPr lang="en-US" dirty="0"/>
+          </a:p>
+        </p:txBody>
+      </p:sp>
+    </p:spTree>
+    <p:extLst>
+      <p:ext uri="{BB962C8B-B14F-4D97-AF65-F5344CB8AC3E}">
+        <p14:creationId xmlns:p14="http://schemas.microsoft.com/office/powerpoint/2010/main" val="1016158355"/>
+      </p:ext>
+    </p:extLst>
+  </p:cSld>
+  <p:clrMapOvr>
+    <a:masterClrMapping/>
+  </p:clrMapOvr>
+</p:sld>
+</file>
+
+<file path=ppt/slides/slide27.xml><?xml version="1.0" encoding="utf-8"?>
+<p:sld xmlns:a="http://schemas.openxmlformats.org/drawingml/2006/main" xmlns:r="http://schemas.openxmlformats.org/officeDocument/2006/relationships" xmlns:p="http://schemas.openxmlformats.org/presentationml/2006/main">
+  <p:cSld>
+    <p:spTree>
+      <p:nvGrpSpPr>
+        <p:cNvPr id="1" name=""/>
+        <p:cNvGrpSpPr/>
+        <p:nvPr/>
+      </p:nvGrpSpPr>
+      <p:grpSpPr>
+        <a:xfrm>
+          <a:off x="0" y="0"/>
+          <a:ext cx="0" cy="0"/>
+          <a:chOff x="0" y="0"/>
+          <a:chExt cx="0" cy="0"/>
+        </a:xfrm>
+      </p:grpSpPr>
+      <p:sp>
+        <p:nvSpPr>
+          <p:cNvPr id="84993" name="Title 1">
+            <a:extLst>
+              <a:ext uri="{FF2B5EF4-FFF2-40B4-BE49-F238E27FC236}">
+                <a16:creationId xmlns:a16="http://schemas.microsoft.com/office/drawing/2014/main" id="{C169A412-E2F9-004D-A0EF-86F1C409823C}"/>
+              </a:ext>
+            </a:extLst>
+          </p:cNvPr>
+          <p:cNvSpPr>
+            <a:spLocks noGrp="1" noChangeArrowheads="1"/>
+          </p:cNvSpPr>
+          <p:nvPr>
+            <p:ph type="title"/>
+          </p:nvPr>
+        </p:nvSpPr>
+        <p:spPr>
+          <a:xfrm>
+            <a:off x="133564" y="106881"/>
+            <a:ext cx="7886700" cy="689517"/>
+          </a:xfrm>
+        </p:spPr>
+        <p:txBody>
+          <a:bodyPr/>
+          <a:lstStyle/>
+          <a:p>
+            <a:pPr eaLnBrk="1" hangingPunct="1"/>
+            <a:r>
+              <a:rPr lang="en-US" altLang="en-US" dirty="0">
+                <a:ea typeface="ＭＳ Ｐゴシック" panose="020B0600070205080204" pitchFamily="34" charset="-128"/>
+              </a:rPr>
+              <a:t>Packets</a:t>
+            </a:r>
+          </a:p>
+        </p:txBody>
+      </p:sp>
+      <p:sp>
+        <p:nvSpPr>
+          <p:cNvPr id="84994" name="Content Placeholder 2">
+            <a:extLst>
+              <a:ext uri="{FF2B5EF4-FFF2-40B4-BE49-F238E27FC236}">
+                <a16:creationId xmlns:a16="http://schemas.microsoft.com/office/drawing/2014/main" id="{6971D443-43C5-2E43-8019-712D595D62F2}"/>
+              </a:ext>
+            </a:extLst>
+          </p:cNvPr>
+          <p:cNvSpPr>
+            <a:spLocks noGrp="1" noChangeArrowheads="1"/>
+          </p:cNvSpPr>
+          <p:nvPr>
+            <p:ph idx="1"/>
+          </p:nvPr>
+        </p:nvSpPr>
+        <p:spPr>
+          <a:xfrm>
+            <a:off x="133564" y="873303"/>
+            <a:ext cx="8876872" cy="4759344"/>
+          </a:xfrm>
+        </p:spPr>
+        <p:txBody>
+          <a:bodyPr>
+            <a:normAutofit/>
+          </a:bodyPr>
+          <a:lstStyle/>
+          <a:p>
+            <a:pPr marL="0" indent="0">
+              <a:buNone/>
+            </a:pPr>
+            <a:endParaRPr lang="en-US" sz="2000" dirty="0">
+              <a:latin typeface="Gill Sans MT" panose="020B0502020104020203" pitchFamily="34" charset="77"/>
+            </a:endParaRPr>
+          </a:p>
+          <a:p>
+            <a:pPr marL="0" indent="0">
+              <a:buNone/>
+            </a:pPr>
+            <a:r>
+              <a:rPr lang="en-US" sz="2000" dirty="0">
+                <a:latin typeface="Gill Sans MT" panose="020B0502020104020203" pitchFamily="34" charset="77"/>
+              </a:rPr>
+              <a:t>Packet-switching system is similar to traffic routing. </a:t>
+            </a:r>
+            <a:r>
+              <a:rPr lang="en-US" dirty="0"/>
+              <a:t>Routing on the Internet is usually </a:t>
+            </a:r>
+            <a:r>
+              <a:rPr lang="en-US" b="1" dirty="0"/>
+              <a:t>dynamic</a:t>
+            </a:r>
+            <a:r>
+              <a:rPr lang="en-US" dirty="0"/>
+              <a:t>; it is not specified in advance. </a:t>
+            </a:r>
+            <a:endParaRPr lang="en-US" sz="2000" dirty="0"/>
+          </a:p>
+          <a:p>
+            <a:pPr marL="0" indent="0">
+              <a:buNone/>
+            </a:pPr>
+            <a:endParaRPr lang="en-US" sz="2000" dirty="0">
+              <a:latin typeface="Gill Sans MT" panose="020B0502020104020203" pitchFamily="34" charset="77"/>
+            </a:endParaRPr>
+          </a:p>
+          <a:p>
+            <a:pPr marL="0" indent="0">
+              <a:buNone/>
+            </a:pPr>
+            <a:r>
+              <a:rPr lang="en-US" sz="2000" dirty="0">
+                <a:latin typeface="Gill Sans MT" panose="020B0502020104020203" pitchFamily="34" charset="77"/>
+              </a:rPr>
+              <a:t>If a road is becoming too crowded, traffic lights that allow cars to go onto that road might turn red in order to prevent any more cars from coming on. </a:t>
+            </a:r>
+          </a:p>
+          <a:p>
+            <a:pPr marL="0" indent="0">
+              <a:buNone/>
+            </a:pPr>
+            <a:endParaRPr lang="en-US" sz="2000" dirty="0">
+              <a:latin typeface="Gill Sans MT" panose="020B0502020104020203" pitchFamily="34" charset="77"/>
+            </a:endParaRPr>
+          </a:p>
+          <a:p>
+            <a:pPr marL="0" indent="0">
+              <a:buNone/>
+            </a:pPr>
+            <a:r>
+              <a:rPr lang="en-US" sz="2000" dirty="0">
+                <a:latin typeface="Gill Sans MT" panose="020B0502020104020203" pitchFamily="34" charset="77"/>
+              </a:rPr>
+              <a:t>A road might even be under construction, so no cars are able to enter that road. </a:t>
+            </a:r>
+          </a:p>
+          <a:p>
+            <a:pPr marL="0" indent="0">
+              <a:buNone/>
+            </a:pPr>
+            <a:endParaRPr lang="en-US" sz="2000" dirty="0">
+              <a:latin typeface="Gill Sans MT" panose="020B0502020104020203" pitchFamily="34" charset="77"/>
+            </a:endParaRPr>
+          </a:p>
+          <a:p>
+            <a:pPr marL="0" indent="0">
+              <a:buNone/>
+            </a:pPr>
+            <a:r>
+              <a:rPr lang="en-US" sz="2000" dirty="0">
+                <a:latin typeface="Gill Sans MT" panose="020B0502020104020203" pitchFamily="34" charset="77"/>
+              </a:rPr>
+              <a:t>Detour signs might route the cars to other roads that are more accessible in order for the cars to get to their destination.</a:t>
+            </a:r>
+          </a:p>
+          <a:p>
+            <a:pPr marL="0" indent="0">
+              <a:buNone/>
+            </a:pPr>
+            <a:endParaRPr lang="en-US" altLang="en-US" sz="2000" dirty="0">
+              <a:latin typeface="Gill Sans MT" panose="020B0502020104020203" pitchFamily="34" charset="77"/>
+              <a:ea typeface="ＭＳ Ｐゴシック" panose="020B0600070205080204" pitchFamily="34" charset="-128"/>
+            </a:endParaRPr>
+          </a:p>
+          <a:p>
+            <a:pPr marL="0" indent="0">
+              <a:buNone/>
+            </a:pPr>
+            <a:endParaRPr lang="en-US" sz="2000" dirty="0">
+              <a:latin typeface="Gill Sans MT" panose="020B0502020104020203" pitchFamily="34" charset="77"/>
+            </a:endParaRPr>
+          </a:p>
+        </p:txBody>
+      </p:sp>
+      <p:sp>
+        <p:nvSpPr>
+          <p:cNvPr id="2" name="Slide Number Placeholder 1">
+            <a:extLst>
+              <a:ext uri="{FF2B5EF4-FFF2-40B4-BE49-F238E27FC236}">
+                <a16:creationId xmlns:a16="http://schemas.microsoft.com/office/drawing/2014/main" id="{E551E583-4F0C-5648-B4F9-D714B9F8E007}"/>
+              </a:ext>
+            </a:extLst>
+          </p:cNvPr>
+          <p:cNvSpPr>
+            <a:spLocks noGrp="1"/>
+          </p:cNvSpPr>
+          <p:nvPr>
+            <p:ph type="sldNum" sz="quarter" idx="12"/>
+          </p:nvPr>
+        </p:nvSpPr>
+        <p:spPr/>
+        <p:txBody>
+          <a:bodyPr/>
+          <a:lstStyle/>
+          <a:p>
+            <a:fld id="{D57F1E4F-1CFF-5643-939E-02111984F565}" type="slidenum">
+              <a:rPr lang="en-US" smtClean="0"/>
+              <a:t>27</a:t>
+            </a:fld>
+            <a:endParaRPr lang="en-US" dirty="0"/>
+          </a:p>
+        </p:txBody>
+      </p:sp>
+    </p:spTree>
+    <p:extLst>
+      <p:ext uri="{BB962C8B-B14F-4D97-AF65-F5344CB8AC3E}">
+        <p14:creationId xmlns:p14="http://schemas.microsoft.com/office/powerpoint/2010/main" val="4204323314"/>
+      </p:ext>
+    </p:extLst>
+  </p:cSld>
+  <p:clrMapOvr>
+    <a:masterClrMapping/>
+  </p:clrMapOvr>
+</p:sld>
+</file>
+
+<file path=ppt/slides/slide28.xml><?xml version="1.0" encoding="utf-8"?>
+<p:sld xmlns:a="http://schemas.openxmlformats.org/drawingml/2006/main" xmlns:r="http://schemas.openxmlformats.org/officeDocument/2006/relationships" xmlns:p="http://schemas.openxmlformats.org/presentationml/2006/main">
+  <p:cSld>
+    <p:spTree>
+      <p:nvGrpSpPr>
+        <p:cNvPr id="1" name=""/>
+        <p:cNvGrpSpPr/>
+        <p:nvPr/>
+      </p:nvGrpSpPr>
+      <p:grpSpPr>
+        <a:xfrm>
+          <a:off x="0" y="0"/>
+          <a:ext cx="0" cy="0"/>
+          <a:chOff x="0" y="0"/>
+          <a:chExt cx="0" cy="0"/>
+        </a:xfrm>
+      </p:grpSpPr>
+      <p:sp>
+        <p:nvSpPr>
+          <p:cNvPr id="84993" name="Title 1">
+            <a:extLst>
+              <a:ext uri="{FF2B5EF4-FFF2-40B4-BE49-F238E27FC236}">
+                <a16:creationId xmlns:a16="http://schemas.microsoft.com/office/drawing/2014/main" id="{C169A412-E2F9-004D-A0EF-86F1C409823C}"/>
+              </a:ext>
+            </a:extLst>
+          </p:cNvPr>
+          <p:cNvSpPr>
+            <a:spLocks noGrp="1" noChangeArrowheads="1"/>
+          </p:cNvSpPr>
+          <p:nvPr>
+            <p:ph type="title"/>
+          </p:nvPr>
+        </p:nvSpPr>
+        <p:spPr>
+          <a:xfrm>
+            <a:off x="133564" y="106881"/>
+            <a:ext cx="7886700" cy="689517"/>
+          </a:xfrm>
+        </p:spPr>
+        <p:txBody>
+          <a:bodyPr/>
+          <a:lstStyle/>
+          <a:p>
+            <a:pPr eaLnBrk="1" hangingPunct="1"/>
+            <a:r>
+              <a:rPr lang="en-US" altLang="en-US" dirty="0">
+                <a:ea typeface="ＭＳ Ｐゴシック" panose="020B0600070205080204" pitchFamily="34" charset="-128"/>
+              </a:rPr>
+              <a:t>Packets</a:t>
+            </a:r>
+          </a:p>
+        </p:txBody>
+      </p:sp>
+      <p:sp>
+        <p:nvSpPr>
+          <p:cNvPr id="84994" name="Content Placeholder 2">
+            <a:extLst>
+              <a:ext uri="{FF2B5EF4-FFF2-40B4-BE49-F238E27FC236}">
+                <a16:creationId xmlns:a16="http://schemas.microsoft.com/office/drawing/2014/main" id="{6971D443-43C5-2E43-8019-712D595D62F2}"/>
+              </a:ext>
+            </a:extLst>
+          </p:cNvPr>
+          <p:cNvSpPr>
+            <a:spLocks noGrp="1" noChangeArrowheads="1"/>
+          </p:cNvSpPr>
+          <p:nvPr>
+            <p:ph idx="1"/>
+          </p:nvPr>
+        </p:nvSpPr>
+        <p:spPr>
+          <a:xfrm>
+            <a:off x="133564" y="771870"/>
+            <a:ext cx="8646515" cy="4836249"/>
+          </a:xfrm>
+        </p:spPr>
+        <p:txBody>
+          <a:bodyPr>
+            <a:normAutofit lnSpcReduction="10000"/>
+          </a:bodyPr>
+          <a:lstStyle/>
+          <a:p>
+            <a:pPr marL="0" indent="0">
+              <a:buNone/>
+            </a:pPr>
+            <a:r>
+              <a:rPr lang="en-US" altLang="en-US" sz="2000" dirty="0">
+                <a:latin typeface="Gill Sans MT" panose="020B0502020104020203" pitchFamily="34" charset="77"/>
+                <a:ea typeface="ＭＳ Ｐゴシック" panose="020B0600070205080204" pitchFamily="34" charset="-128"/>
+              </a:rPr>
+              <a:t>Similarly, in packet routing, a </a:t>
+            </a:r>
+            <a:r>
+              <a:rPr lang="en-US" sz="2000" dirty="0">
+                <a:latin typeface="Gill Sans MT" panose="020B0502020104020203" pitchFamily="34" charset="77"/>
+              </a:rPr>
+              <a:t>certain connection might only be able to transfer a certain number of packets per minute, so if the connection isn’t able to transfer them quickly enough, a new path for the packets to go will need to be found by a router. Thus, routing is </a:t>
+            </a:r>
+            <a:r>
+              <a:rPr lang="en-US" sz="2000" b="1" dirty="0">
+                <a:latin typeface="Gill Sans MT" panose="020B0502020104020203" pitchFamily="34" charset="77"/>
+              </a:rPr>
+              <a:t>redundant</a:t>
+            </a:r>
+            <a:r>
+              <a:rPr lang="en-US" sz="2000" dirty="0">
+                <a:latin typeface="Gill Sans MT" panose="020B0502020104020203" pitchFamily="34" charset="77"/>
+              </a:rPr>
+              <a:t>(more than one way to route data). </a:t>
+            </a:r>
+          </a:p>
+          <a:p>
+            <a:pPr marL="0" indent="0">
+              <a:buNone/>
+            </a:pPr>
+            <a:endParaRPr lang="en-US" sz="2000" dirty="0">
+              <a:latin typeface="Gill Sans MT" panose="020B0502020104020203" pitchFamily="34" charset="77"/>
+            </a:endParaRPr>
+          </a:p>
+          <a:p>
+            <a:pPr marL="0" indent="0">
+              <a:buNone/>
+            </a:pPr>
+            <a:r>
+              <a:rPr lang="en-US" i="1" dirty="0"/>
+              <a:t>Redundancy </a:t>
+            </a:r>
+            <a:r>
+              <a:rPr lang="en-US" dirty="0"/>
+              <a:t>is the inclusion of extra components that can be used to mitigate failure of a system if other components fail. </a:t>
+            </a:r>
+            <a:endParaRPr lang="en-US" sz="2000" dirty="0"/>
+          </a:p>
+          <a:p>
+            <a:pPr marL="0" indent="0">
+              <a:buNone/>
+            </a:pPr>
+            <a:endParaRPr lang="en-US" sz="2000" dirty="0">
+              <a:latin typeface="Gill Sans MT" panose="020B0502020104020203" pitchFamily="34" charset="77"/>
+            </a:endParaRPr>
+          </a:p>
+          <a:p>
+            <a:pPr marL="0" indent="0">
+              <a:buNone/>
+            </a:pPr>
+            <a:r>
+              <a:rPr lang="en-US" sz="2000" dirty="0">
+                <a:latin typeface="Gill Sans MT" panose="020B0502020104020203" pitchFamily="34" charset="77"/>
+              </a:rPr>
+              <a:t>Redundancy increases the reliability of the internet and helps it scale to more devices and people.</a:t>
+            </a:r>
+          </a:p>
+          <a:p>
+            <a:pPr marL="0" indent="0">
+              <a:buNone/>
+            </a:pPr>
+            <a:endParaRPr lang="en-US" dirty="0"/>
+          </a:p>
+          <a:p>
+            <a:pPr marL="0" indent="0">
+              <a:buNone/>
+            </a:pPr>
+            <a:r>
+              <a:rPr lang="en-US" dirty="0"/>
+              <a:t>When a system can support failures and still continue to function, it is called </a:t>
+            </a:r>
+            <a:r>
+              <a:rPr lang="en-US" b="1" dirty="0"/>
+              <a:t>fault-tolerant</a:t>
+            </a:r>
+            <a:r>
+              <a:rPr lang="en-US" dirty="0"/>
+              <a:t>. </a:t>
+            </a:r>
+            <a:r>
+              <a:rPr lang="en-US" sz="2000" dirty="0">
+                <a:latin typeface="Gill Sans MT" panose="020B0502020104020203" pitchFamily="34" charset="77"/>
+              </a:rPr>
+              <a:t>If some connection is broken or doesn’t function, the router needs to find a new path for the data to get to its destination, otherwise the packets will never be delivered. Thus, routing is dynamic and fault tolerant</a:t>
+            </a:r>
+            <a:r>
+              <a:rPr lang="en-US" sz="2000" b="1" dirty="0">
+                <a:latin typeface="Gill Sans MT" panose="020B0502020104020203" pitchFamily="34" charset="77"/>
+              </a:rPr>
+              <a:t>.</a:t>
+            </a:r>
+            <a:endParaRPr lang="en-US" altLang="en-US" sz="2000" b="1" dirty="0">
+              <a:latin typeface="Gill Sans MT" panose="020B0502020104020203" pitchFamily="34" charset="77"/>
+              <a:ea typeface="ＭＳ Ｐゴシック" panose="020B0600070205080204" pitchFamily="34" charset="-128"/>
+            </a:endParaRPr>
+          </a:p>
+        </p:txBody>
+      </p:sp>
+      <p:sp>
+        <p:nvSpPr>
+          <p:cNvPr id="2" name="Slide Number Placeholder 1">
+            <a:extLst>
+              <a:ext uri="{FF2B5EF4-FFF2-40B4-BE49-F238E27FC236}">
+                <a16:creationId xmlns:a16="http://schemas.microsoft.com/office/drawing/2014/main" id="{1D4A95CE-F36C-A949-B574-8B2112D61521}"/>
+              </a:ext>
+            </a:extLst>
+          </p:cNvPr>
+          <p:cNvSpPr>
+            <a:spLocks noGrp="1"/>
+          </p:cNvSpPr>
+          <p:nvPr>
+            <p:ph type="sldNum" sz="quarter" idx="12"/>
+          </p:nvPr>
+        </p:nvSpPr>
+        <p:spPr/>
+        <p:txBody>
+          <a:bodyPr/>
+          <a:lstStyle/>
+          <a:p>
+            <a:fld id="{D57F1E4F-1CFF-5643-939E-02111984F565}" type="slidenum">
+              <a:rPr lang="en-US" smtClean="0"/>
+              <a:t>28</a:t>
+            </a:fld>
+            <a:endParaRPr lang="en-US" dirty="0"/>
+          </a:p>
+        </p:txBody>
+      </p:sp>
+    </p:spTree>
+    <p:extLst>
+      <p:ext uri="{BB962C8B-B14F-4D97-AF65-F5344CB8AC3E}">
+        <p14:creationId xmlns:p14="http://schemas.microsoft.com/office/powerpoint/2010/main" val="1162857972"/>
+      </p:ext>
+    </p:extLst>
+  </p:cSld>
+  <p:clrMapOvr>
+    <a:masterClrMapping/>
+  </p:clrMapOvr>
+</p:sld>
+</file>
+
+<file path=ppt/slides/slide29.xml><?xml version="1.0" encoding="utf-8"?>
+<p:sld xmlns:a="http://schemas.openxmlformats.org/drawingml/2006/main" xmlns:r="http://schemas.openxmlformats.org/officeDocument/2006/relationships" xmlns:p="http://schemas.openxmlformats.org/presentationml/2006/main">
+  <p:cSld>
+    <p:spTree>
+      <p:nvGrpSpPr>
+        <p:cNvPr id="1" name=""/>
+        <p:cNvGrpSpPr/>
+        <p:nvPr/>
+      </p:nvGrpSpPr>
+      <p:grpSpPr>
+        <a:xfrm>
+          <a:off x="0" y="0"/>
+          <a:ext cx="0" cy="0"/>
+          <a:chOff x="0" y="0"/>
+          <a:chExt cx="0" cy="0"/>
+        </a:xfrm>
+      </p:grpSpPr>
+      <p:sp>
+        <p:nvSpPr>
+          <p:cNvPr id="84993" name="Title 1">
+            <a:extLst>
+              <a:ext uri="{FF2B5EF4-FFF2-40B4-BE49-F238E27FC236}">
+                <a16:creationId xmlns:a16="http://schemas.microsoft.com/office/drawing/2014/main" id="{C169A412-E2F9-004D-A0EF-86F1C409823C}"/>
+              </a:ext>
+            </a:extLst>
+          </p:cNvPr>
+          <p:cNvSpPr>
+            <a:spLocks noGrp="1" noChangeArrowheads="1"/>
+          </p:cNvSpPr>
+          <p:nvPr>
+            <p:ph type="title"/>
+          </p:nvPr>
+        </p:nvSpPr>
+        <p:spPr>
+          <a:xfrm>
+            <a:off x="133564" y="106881"/>
+            <a:ext cx="7886700" cy="689517"/>
+          </a:xfrm>
+        </p:spPr>
+        <p:txBody>
+          <a:bodyPr/>
+          <a:lstStyle/>
+          <a:p>
+            <a:pPr eaLnBrk="1" hangingPunct="1"/>
+            <a:r>
+              <a:rPr lang="en-US" altLang="en-US" dirty="0">
+                <a:ea typeface="ＭＳ Ｐゴシック" panose="020B0600070205080204" pitchFamily="34" charset="-128"/>
+              </a:rPr>
+              <a:t>Packets</a:t>
+            </a:r>
+          </a:p>
+        </p:txBody>
+      </p:sp>
+      <p:sp>
+        <p:nvSpPr>
+          <p:cNvPr id="84994" name="Content Placeholder 2">
+            <a:extLst>
+              <a:ext uri="{FF2B5EF4-FFF2-40B4-BE49-F238E27FC236}">
+                <a16:creationId xmlns:a16="http://schemas.microsoft.com/office/drawing/2014/main" id="{6971D443-43C5-2E43-8019-712D595D62F2}"/>
+              </a:ext>
+            </a:extLst>
+          </p:cNvPr>
+          <p:cNvSpPr>
+            <a:spLocks noGrp="1" noChangeArrowheads="1"/>
+          </p:cNvSpPr>
+          <p:nvPr>
+            <p:ph idx="1"/>
+          </p:nvPr>
+        </p:nvSpPr>
+        <p:spPr>
+          <a:xfrm>
+            <a:off x="277402" y="801385"/>
+            <a:ext cx="8733034" cy="4831262"/>
+          </a:xfrm>
+        </p:spPr>
+        <p:txBody>
+          <a:bodyPr/>
+          <a:lstStyle/>
+          <a:p>
+            <a:pPr marL="0" indent="0">
+              <a:buNone/>
+            </a:pPr>
+            <a:r>
+              <a:rPr lang="en-US" dirty="0"/>
+              <a:t>Packets contain a chunk of data and </a:t>
+            </a:r>
+            <a:r>
+              <a:rPr lang="en-US" b="1" dirty="0"/>
+              <a:t>metadata</a:t>
+            </a:r>
+            <a:r>
+              <a:rPr lang="en-US" dirty="0"/>
+              <a:t> used for routing the packet between the origin and the destination on the Internet, as well as for data reassembly. </a:t>
+            </a:r>
+            <a:endParaRPr lang="en-US" sz="2000" dirty="0"/>
+          </a:p>
+          <a:p>
+            <a:pPr marL="0" indent="0" eaLnBrk="1" hangingPunct="1">
+              <a:buNone/>
+            </a:pPr>
+            <a:endParaRPr lang="en-US" altLang="en-US" sz="2000" dirty="0">
+              <a:latin typeface="Gill Sans MT" panose="020B0502020104020203" pitchFamily="34" charset="77"/>
+              <a:ea typeface="ＭＳ Ｐゴシック" panose="020B0600070205080204" pitchFamily="34" charset="-128"/>
+            </a:endParaRPr>
+          </a:p>
+          <a:p>
+            <a:pPr eaLnBrk="1" hangingPunct="1">
+              <a:buFontTx/>
+              <a:buNone/>
+            </a:pPr>
+            <a:endParaRPr lang="en-US" altLang="en-US" sz="1833" dirty="0">
+              <a:latin typeface="Tahoma" panose="020B0604030504040204" pitchFamily="34" charset="0"/>
+              <a:ea typeface="ＭＳ Ｐゴシック" panose="020B0600070205080204" pitchFamily="34" charset="-128"/>
+            </a:endParaRPr>
+          </a:p>
+          <a:p>
+            <a:pPr eaLnBrk="1" hangingPunct="1">
+              <a:buFontTx/>
+              <a:buNone/>
+            </a:pPr>
+            <a:endParaRPr lang="en-US" altLang="en-US" sz="1833" dirty="0">
+              <a:latin typeface="Tahoma" panose="020B0604030504040204" pitchFamily="34" charset="0"/>
+              <a:ea typeface="ＭＳ Ｐゴシック" panose="020B0600070205080204" pitchFamily="34" charset="-128"/>
+            </a:endParaRPr>
+          </a:p>
+          <a:p>
+            <a:pPr eaLnBrk="1" hangingPunct="1">
+              <a:buFontTx/>
+              <a:buNone/>
+            </a:pPr>
+            <a:endParaRPr lang="en-US" altLang="en-US" sz="1833" dirty="0">
+              <a:latin typeface="Tahoma" panose="020B0604030504040204" pitchFamily="34" charset="0"/>
+              <a:ea typeface="ＭＳ Ｐゴシック" panose="020B0600070205080204" pitchFamily="34" charset="-128"/>
+            </a:endParaRPr>
+          </a:p>
+          <a:p>
+            <a:pPr eaLnBrk="1" hangingPunct="1">
+              <a:buFontTx/>
+              <a:buAutoNum type="arabicParenR"/>
+            </a:pPr>
+            <a:endParaRPr lang="en-US" altLang="en-US" sz="1833" dirty="0">
+              <a:latin typeface="Tahoma" panose="020B0604030504040204" pitchFamily="34" charset="0"/>
+              <a:ea typeface="ＭＳ Ｐゴシック" panose="020B0600070205080204" pitchFamily="34" charset="-128"/>
+            </a:endParaRPr>
+          </a:p>
+          <a:p>
+            <a:pPr eaLnBrk="1" hangingPunct="1">
+              <a:buFontTx/>
+              <a:buNone/>
+            </a:pPr>
+            <a:endParaRPr lang="en-US" altLang="en-US" sz="1833" dirty="0">
+              <a:latin typeface="Tahoma" panose="020B0604030504040204" pitchFamily="34" charset="0"/>
+              <a:ea typeface="ＭＳ Ｐゴシック" panose="020B0600070205080204" pitchFamily="34" charset="-128"/>
+            </a:endParaRPr>
+          </a:p>
+        </p:txBody>
+      </p:sp>
+      <p:cxnSp>
+        <p:nvCxnSpPr>
+          <p:cNvPr id="4" name="Straight Arrow Connector 3">
+            <a:extLst>
+              <a:ext uri="{FF2B5EF4-FFF2-40B4-BE49-F238E27FC236}">
+                <a16:creationId xmlns:a16="http://schemas.microsoft.com/office/drawing/2014/main" id="{804AE6D5-7B42-A24B-B53A-7220982FA483}"/>
+              </a:ext>
+            </a:extLst>
+          </p:cNvPr>
+          <p:cNvCxnSpPr>
+            <a:cxnSpLocks/>
+          </p:cNvCxnSpPr>
+          <p:nvPr/>
+        </p:nvCxnSpPr>
+        <p:spPr>
+          <a:xfrm flipH="1" flipV="1">
+            <a:off x="4076914" y="2013735"/>
+            <a:ext cx="1317019" cy="138186"/>
+          </a:xfrm>
+          <a:prstGeom prst="straightConnector1">
+            <a:avLst/>
+          </a:prstGeom>
+          <a:ln w="38100">
+            <a:solidFill>
+              <a:schemeClr val="tx1"/>
+            </a:solidFill>
+            <a:tailEnd type="triangle"/>
+          </a:ln>
+        </p:spPr>
+        <p:style>
+          <a:lnRef idx="1">
+            <a:schemeClr val="accent1"/>
+          </a:lnRef>
+          <a:fillRef idx="0">
+            <a:schemeClr val="accent1"/>
+          </a:fillRef>
+          <a:effectRef idx="0">
+            <a:schemeClr val="accent1"/>
+          </a:effectRef>
+          <a:fontRef idx="minor">
+            <a:schemeClr val="tx1"/>
+          </a:fontRef>
+        </p:style>
+      </p:cxnSp>
+      <p:pic>
+        <p:nvPicPr>
+          <p:cNvPr id="9" name="Picture 4">
+            <a:extLst>
+              <a:ext uri="{FF2B5EF4-FFF2-40B4-BE49-F238E27FC236}">
+                <a16:creationId xmlns:a16="http://schemas.microsoft.com/office/drawing/2014/main" id="{479D18BB-944E-8B46-A5C1-115AAFD5FF61}"/>
+              </a:ext>
+            </a:extLst>
+          </p:cNvPr>
+          <p:cNvPicPr>
+            <a:picLocks noChangeAspect="1"/>
+          </p:cNvPicPr>
+          <p:nvPr/>
+        </p:nvPicPr>
+        <p:blipFill>
+          <a:blip r:embed="rId2">
+            <a:extLst>
+              <a:ext uri="{28A0092B-C50C-407E-A947-70E740481C1C}">
+                <a14:useLocalDpi xmlns:a14="http://schemas.microsoft.com/office/drawing/2010/main" val="0"/>
+              </a:ext>
+            </a:extLst>
+          </a:blip>
+          <a:srcRect/>
+          <a:stretch>
+            <a:fillRect/>
+          </a:stretch>
+        </p:blipFill>
+        <p:spPr bwMode="auto">
+          <a:xfrm>
+            <a:off x="288773" y="1791277"/>
+            <a:ext cx="6308332" cy="3923723"/>
+          </a:xfrm>
+          <a:prstGeom prst="rect">
+            <a:avLst/>
+          </a:prstGeom>
+          <a:noFill/>
+          <a:ln>
+            <a:noFill/>
+          </a:ln>
+          <a:extLst>
+            <a:ext uri="{909E8E84-426E-40DD-AFC4-6F175D3DCCD1}">
+              <a14:hiddenFill xmlns:a14="http://schemas.microsoft.com/office/drawing/2010/main">
+                <a:solidFill>
+                  <a:srgbClr val="FFFFFF"/>
+                </a:solidFill>
+              </a14:hiddenFill>
+            </a:ext>
+            <a:ext uri="{91240B29-F687-4F45-9708-019B960494DF}">
+              <a14:hiddenLine xmlns:a14="http://schemas.microsoft.com/office/drawing/2010/main" w="9525">
+                <a:solidFill>
+                  <a:srgbClr val="000000"/>
+                </a:solidFill>
+                <a:miter lim="800000"/>
+                <a:headEnd/>
+                <a:tailEnd/>
+              </a14:hiddenLine>
+            </a:ext>
+          </a:extLst>
+        </p:spPr>
+      </p:pic>
+      <p:sp>
+        <p:nvSpPr>
+          <p:cNvPr id="10" name="TextBox 9">
+            <a:extLst>
+              <a:ext uri="{FF2B5EF4-FFF2-40B4-BE49-F238E27FC236}">
+                <a16:creationId xmlns:a16="http://schemas.microsoft.com/office/drawing/2014/main" id="{52DB6359-50C6-0D42-91B0-E58EBDED1380}"/>
+              </a:ext>
+            </a:extLst>
+          </p:cNvPr>
+          <p:cNvSpPr txBox="1"/>
+          <p:nvPr/>
+        </p:nvSpPr>
+        <p:spPr>
+          <a:xfrm>
+            <a:off x="2831742" y="1444035"/>
+            <a:ext cx="1928733" cy="707886"/>
+          </a:xfrm>
+          <a:prstGeom prst="rect">
+            <a:avLst/>
+          </a:prstGeom>
+          <a:noFill/>
+        </p:spPr>
+        <p:txBody>
+          <a:bodyPr wrap="none" rtlCol="0">
+            <a:spAutoFit/>
+          </a:bodyPr>
+          <a:lstStyle/>
+          <a:p>
+            <a:r>
+              <a:rPr lang="en-US" sz="2000" dirty="0">
+                <a:solidFill>
+                  <a:srgbClr val="FF0000"/>
+                </a:solidFill>
+              </a:rPr>
+              <a:t>For example,</a:t>
+            </a:r>
+          </a:p>
+          <a:p>
+            <a:r>
+              <a:rPr lang="en-US" sz="2000" dirty="0">
+                <a:solidFill>
+                  <a:srgbClr val="FF0000"/>
+                </a:solidFill>
+              </a:rPr>
+              <a:t>HTTP and SMTP</a:t>
+            </a:r>
+          </a:p>
+        </p:txBody>
+      </p:sp>
+      <p:sp>
+        <p:nvSpPr>
+          <p:cNvPr id="8" name="TextBox 7">
+            <a:extLst>
+              <a:ext uri="{FF2B5EF4-FFF2-40B4-BE49-F238E27FC236}">
+                <a16:creationId xmlns:a16="http://schemas.microsoft.com/office/drawing/2014/main" id="{76F06D03-D5E1-174A-9507-1D3B402D4A27}"/>
+              </a:ext>
+            </a:extLst>
+          </p:cNvPr>
+          <p:cNvSpPr txBox="1"/>
+          <p:nvPr/>
+        </p:nvSpPr>
+        <p:spPr>
+          <a:xfrm>
+            <a:off x="5071930" y="1539015"/>
+            <a:ext cx="4008329" cy="2554545"/>
+          </a:xfrm>
+          <a:prstGeom prst="rect">
+            <a:avLst/>
+          </a:prstGeom>
+          <a:noFill/>
+        </p:spPr>
+        <p:txBody>
+          <a:bodyPr wrap="square" rtlCol="0">
+            <a:spAutoFit/>
+          </a:bodyPr>
+          <a:lstStyle/>
+          <a:p>
+            <a:r>
+              <a:rPr lang="en-US" altLang="en-US" sz="2000" dirty="0">
+                <a:solidFill>
+                  <a:srgbClr val="FF0000"/>
+                </a:solidFill>
+                <a:latin typeface="Gill Sans MT" panose="020B0502020104020203" pitchFamily="34" charset="77"/>
+                <a:ea typeface="ＭＳ Ｐゴシック" panose="020B0600070205080204" pitchFamily="34" charset="-128"/>
+              </a:rPr>
+              <a:t>A message that needs to be sent across the internet receives headers from each layer as it travels down the protocol stack. The headers provide metadata such as routing/addressing information, e.g., port numbers, IP addresses, MAC addresses, </a:t>
+            </a:r>
+            <a:r>
+              <a:rPr lang="en-US" altLang="en-US" sz="2000" dirty="0" err="1">
+                <a:solidFill>
+                  <a:srgbClr val="FF0000"/>
+                </a:solidFill>
+                <a:latin typeface="Gill Sans MT" panose="020B0502020104020203" pitchFamily="34" charset="77"/>
+                <a:ea typeface="ＭＳ Ｐゴシック" panose="020B0600070205080204" pitchFamily="34" charset="-128"/>
+              </a:rPr>
+              <a:t>etc</a:t>
+            </a:r>
+            <a:r>
+              <a:rPr lang="en-US" altLang="en-US" sz="2000" dirty="0">
+                <a:solidFill>
+                  <a:srgbClr val="FF0000"/>
+                </a:solidFill>
+                <a:latin typeface="Gill Sans MT" panose="020B0502020104020203" pitchFamily="34" charset="77"/>
+                <a:ea typeface="ＭＳ Ｐゴシック" panose="020B0600070205080204" pitchFamily="34" charset="-128"/>
+              </a:rPr>
+              <a:t>…</a:t>
+            </a:r>
+          </a:p>
+        </p:txBody>
+      </p:sp>
+      <p:sp>
+        <p:nvSpPr>
+          <p:cNvPr id="3" name="Slide Number Placeholder 2">
+            <a:extLst>
+              <a:ext uri="{FF2B5EF4-FFF2-40B4-BE49-F238E27FC236}">
+                <a16:creationId xmlns:a16="http://schemas.microsoft.com/office/drawing/2014/main" id="{2BE80C14-A7AF-1C49-B21F-A9407BDBC219}"/>
+              </a:ext>
+            </a:extLst>
+          </p:cNvPr>
+          <p:cNvSpPr>
+            <a:spLocks noGrp="1"/>
+          </p:cNvSpPr>
+          <p:nvPr>
+            <p:ph type="sldNum" sz="quarter" idx="12"/>
+          </p:nvPr>
+        </p:nvSpPr>
+        <p:spPr/>
+        <p:txBody>
+          <a:bodyPr/>
+          <a:lstStyle/>
+          <a:p>
+            <a:fld id="{D57F1E4F-1CFF-5643-939E-02111984F565}" type="slidenum">
+              <a:rPr lang="en-US" smtClean="0"/>
+              <a:t>29</a:t>
+            </a:fld>
+            <a:endParaRPr lang="en-US" dirty="0"/>
+          </a:p>
+        </p:txBody>
+      </p:sp>
+    </p:spTree>
+    <p:extLst>
+      <p:ext uri="{BB962C8B-B14F-4D97-AF65-F5344CB8AC3E}">
+        <p14:creationId xmlns:p14="http://schemas.microsoft.com/office/powerpoint/2010/main" val="1047995035"/>
+      </p:ext>
+    </p:extLst>
+  </p:cSld>
+  <p:clrMapOvr>
+    <a:masterClrMapping/>
+  </p:clrMapOvr>
 </p:sld>
 </file>
 
@@ -23086,7 +21751,9 @@
           </a:xfrm>
         </p:spPr>
         <p:txBody>
-          <a:bodyPr/>
+          <a:bodyPr>
+            <a:normAutofit lnSpcReduction="10000"/>
+          </a:bodyPr>
           <a:lstStyle/>
           <a:p>
             <a:pPr marL="0" indent="0">
@@ -23614,202 +22281,6 @@
       </p:grpSpPr>
       <p:sp>
         <p:nvSpPr>
-          <p:cNvPr id="79873" name="Rectangle 2">
-            <a:extLst>
-              <a:ext uri="{FF2B5EF4-FFF2-40B4-BE49-F238E27FC236}">
-                <a16:creationId xmlns:a16="http://schemas.microsoft.com/office/drawing/2014/main" id="{E8B36DA1-FD32-914E-8D09-91D267F39A7A}"/>
-              </a:ext>
-            </a:extLst>
-          </p:cNvPr>
-          <p:cNvSpPr>
-            <a:spLocks noGrp="1" noChangeArrowheads="1"/>
-          </p:cNvSpPr>
-          <p:nvPr>
-            <p:ph type="title" idx="4294967295"/>
-          </p:nvPr>
-        </p:nvSpPr>
-        <p:spPr>
-          <a:xfrm>
-            <a:off x="328773" y="396875"/>
-            <a:ext cx="7886700" cy="648619"/>
-          </a:xfrm>
-        </p:spPr>
-        <p:txBody>
-          <a:bodyPr vert="horz" lIns="0" tIns="45720" rIns="0" bIns="0" rtlCol="0" anchor="b">
-            <a:normAutofit/>
-          </a:bodyPr>
-          <a:lstStyle/>
-          <a:p>
-            <a:pPr eaLnBrk="1" hangingPunct="1"/>
-            <a:r>
-              <a:rPr lang="en-US" altLang="en-US" dirty="0">
-                <a:latin typeface="Tahoma" panose="020B0604030504040204" pitchFamily="34" charset="0"/>
-                <a:ea typeface="ＭＳ Ｐゴシック" panose="020B0600070205080204" pitchFamily="34" charset="-128"/>
-              </a:rPr>
-              <a:t>Port Numbers</a:t>
-            </a:r>
-          </a:p>
-        </p:txBody>
-      </p:sp>
-      <p:sp>
-        <p:nvSpPr>
-          <p:cNvPr id="79874" name="Rectangle 3">
-            <a:extLst>
-              <a:ext uri="{FF2B5EF4-FFF2-40B4-BE49-F238E27FC236}">
-                <a16:creationId xmlns:a16="http://schemas.microsoft.com/office/drawing/2014/main" id="{C365A828-14EF-694A-9BBF-E18CC423E31B}"/>
-              </a:ext>
-            </a:extLst>
-          </p:cNvPr>
-          <p:cNvSpPr>
-            <a:spLocks noGrp="1" noChangeArrowheads="1"/>
-          </p:cNvSpPr>
-          <p:nvPr>
-            <p:ph type="body" idx="4294967295"/>
-          </p:nvPr>
-        </p:nvSpPr>
-        <p:spPr>
-          <a:xfrm>
-            <a:off x="328773" y="1333500"/>
-            <a:ext cx="8486454" cy="3984625"/>
-          </a:xfrm>
-        </p:spPr>
-        <p:txBody>
-          <a:bodyPr/>
-          <a:lstStyle/>
-          <a:p>
-            <a:pPr eaLnBrk="1" hangingPunct="1"/>
-            <a:r>
-              <a:rPr lang="en-US" altLang="en-US" sz="1667" dirty="0">
-                <a:latin typeface="Tahoma" panose="020B0604030504040204" pitchFamily="34" charset="0"/>
-                <a:ea typeface="ＭＳ Ｐゴシック" panose="020B0600070205080204" pitchFamily="34" charset="-128"/>
-              </a:rPr>
-              <a:t>Computer 1 sending an email. Computer 2 requesting a webpage. Both computers are in the same local area network. </a:t>
-            </a:r>
-          </a:p>
-        </p:txBody>
-      </p:sp>
-      <p:pic>
-        <p:nvPicPr>
-          <p:cNvPr id="79875" name="Picture 1">
-            <a:extLst>
-              <a:ext uri="{FF2B5EF4-FFF2-40B4-BE49-F238E27FC236}">
-                <a16:creationId xmlns:a16="http://schemas.microsoft.com/office/drawing/2014/main" id="{CE627FFA-2BD4-3244-9CFB-E9A8530A32E1}"/>
-              </a:ext>
-            </a:extLst>
-          </p:cNvPr>
-          <p:cNvPicPr>
-            <a:picLocks noChangeAspect="1"/>
-          </p:cNvPicPr>
-          <p:nvPr/>
-        </p:nvPicPr>
-        <p:blipFill>
-          <a:blip r:embed="rId3">
-            <a:extLst>
-              <a:ext uri="{28A0092B-C50C-407E-A947-70E740481C1C}">
-                <a14:useLocalDpi xmlns:a14="http://schemas.microsoft.com/office/drawing/2010/main" val="0"/>
-              </a:ext>
-            </a:extLst>
-          </a:blip>
-          <a:srcRect/>
-          <a:stretch>
-            <a:fillRect/>
-          </a:stretch>
-        </p:blipFill>
-        <p:spPr bwMode="auto">
-          <a:xfrm>
-            <a:off x="1391708" y="1957917"/>
-            <a:ext cx="6483615" cy="3360208"/>
-          </a:xfrm>
-          <a:prstGeom prst="rect">
-            <a:avLst/>
-          </a:prstGeom>
-          <a:noFill/>
-          <a:ln>
-            <a:noFill/>
-          </a:ln>
-          <a:extLst>
-            <a:ext uri="{909E8E84-426E-40DD-AFC4-6F175D3DCCD1}">
-              <a14:hiddenFill xmlns:a14="http://schemas.microsoft.com/office/drawing/2010/main">
-                <a:solidFill>
-                  <a:srgbClr val="FFFFFF"/>
-                </a:solidFill>
-              </a14:hiddenFill>
-            </a:ext>
-            <a:ext uri="{91240B29-F687-4F45-9708-019B960494DF}">
-              <a14:hiddenLine xmlns:a14="http://schemas.microsoft.com/office/drawing/2010/main" w="9525">
-                <a:solidFill>
-                  <a:srgbClr val="000000"/>
-                </a:solidFill>
-                <a:miter lim="800000"/>
-                <a:headEnd/>
-                <a:tailEnd/>
-              </a14:hiddenLine>
-            </a:ext>
-          </a:extLst>
-        </p:spPr>
-      </p:pic>
-      <p:sp>
-        <p:nvSpPr>
-          <p:cNvPr id="2" name="Slide Number Placeholder 1">
-            <a:extLst>
-              <a:ext uri="{FF2B5EF4-FFF2-40B4-BE49-F238E27FC236}">
-                <a16:creationId xmlns:a16="http://schemas.microsoft.com/office/drawing/2014/main" id="{5199F4C0-4116-4045-9BCD-E261CC62FD46}"/>
-              </a:ext>
-            </a:extLst>
-          </p:cNvPr>
-          <p:cNvSpPr>
-            <a:spLocks noGrp="1"/>
-          </p:cNvSpPr>
-          <p:nvPr>
-            <p:ph type="sldNum" sz="quarter" idx="12"/>
-          </p:nvPr>
-        </p:nvSpPr>
-        <p:spPr/>
-        <p:txBody>
-          <a:bodyPr/>
-          <a:lstStyle/>
-          <a:p>
-            <a:fld id="{D57F1E4F-1CFF-5643-939E-02111984F565}" type="slidenum">
-              <a:rPr lang="en-US" smtClean="0"/>
-              <a:t>30</a:t>
-            </a:fld>
-            <a:endParaRPr lang="en-US" dirty="0"/>
-          </a:p>
-        </p:txBody>
-      </p:sp>
-    </p:spTree>
-    <p:extLst>
-      <p:ext uri="{BB962C8B-B14F-4D97-AF65-F5344CB8AC3E}">
-        <p14:creationId xmlns:p14="http://schemas.microsoft.com/office/powerpoint/2010/main" val="3609937493"/>
-      </p:ext>
-    </p:extLst>
-  </p:cSld>
-  <p:clrMapOvr>
-    <a:masterClrMapping/>
-  </p:clrMapOvr>
-  <p:transition/>
-</p:sld>
-</file>
-
-<file path=ppt/slides/slide31.xml><?xml version="1.0" encoding="utf-8"?>
-<p:sld xmlns:a="http://schemas.openxmlformats.org/drawingml/2006/main" xmlns:r="http://schemas.openxmlformats.org/officeDocument/2006/relationships" xmlns:p="http://schemas.openxmlformats.org/presentationml/2006/main">
-  <p:cSld>
-    <p:spTree>
-      <p:nvGrpSpPr>
-        <p:cNvPr id="1" name=""/>
-        <p:cNvGrpSpPr/>
-        <p:nvPr/>
-      </p:nvGrpSpPr>
-      <p:grpSpPr>
-        <a:xfrm>
-          <a:off x="0" y="0"/>
-          <a:ext cx="0" cy="0"/>
-          <a:chOff x="0" y="0"/>
-          <a:chExt cx="0" cy="0"/>
-        </a:xfrm>
-      </p:grpSpPr>
-      <p:sp>
-        <p:nvSpPr>
           <p:cNvPr id="84993" name="Title 1">
             <a:extLst>
               <a:ext uri="{FF2B5EF4-FFF2-40B4-BE49-F238E27FC236}">
@@ -23839,7 +22310,7 @@
               <a:rPr lang="en-US" altLang="en-US" dirty="0">
                 <a:ea typeface="ＭＳ Ｐゴシック" panose="020B0600070205080204" pitchFamily="34" charset="-128"/>
               </a:rPr>
-              <a:t>Packets</a:t>
+              <a:t>Bandwidth and Latency</a:t>
             </a:r>
           </a:p>
         </p:txBody>
@@ -23875,1330 +22346,6 @@
             </a:pPr>
             <a:r>
               <a:rPr lang="en-US" dirty="0"/>
-              <a:t>The Internet transmits </a:t>
-            </a:r>
-            <a:r>
-              <a:rPr lang="en-US" b="1"/>
-              <a:t>data streams</a:t>
-            </a:r>
-            <a:r>
-              <a:rPr lang="en-US"/>
-              <a:t> </a:t>
-            </a:r>
-            <a:r>
-              <a:rPr lang="en-US" dirty="0"/>
-              <a:t>from one computer to another by breaking the data down into small manageable units that are known as </a:t>
-            </a:r>
-            <a:r>
-              <a:rPr lang="en-US" b="1" dirty="0"/>
-              <a:t>packets</a:t>
-            </a:r>
-            <a:r>
-              <a:rPr lang="en-US" dirty="0"/>
-              <a:t>. This system is called a </a:t>
-            </a:r>
-            <a:r>
-              <a:rPr lang="en-US" b="1" dirty="0"/>
-              <a:t>packet-switching system</a:t>
-            </a:r>
-            <a:r>
-              <a:rPr lang="en-US" dirty="0"/>
-              <a:t>.</a:t>
-            </a:r>
-          </a:p>
-          <a:p>
-            <a:pPr marL="0" indent="0">
-              <a:buNone/>
-            </a:pPr>
-            <a:endParaRPr lang="en-US" dirty="0"/>
-          </a:p>
-          <a:p>
-            <a:pPr marL="0" indent="0">
-              <a:buNone/>
-            </a:pPr>
-            <a:r>
-              <a:rPr lang="en-US" dirty="0"/>
-              <a:t>A packet is defined as a small chunk of digital data that contains both a sender address and an address to where the packet is supposed to go. </a:t>
-            </a:r>
-          </a:p>
-          <a:p>
-            <a:pPr marL="0" indent="0">
-              <a:buNone/>
-            </a:pPr>
-            <a:endParaRPr lang="en-US" dirty="0"/>
-          </a:p>
-          <a:p>
-            <a:pPr marL="0" indent="0">
-              <a:buNone/>
-            </a:pPr>
-            <a:r>
-              <a:rPr lang="en-US" dirty="0"/>
-              <a:t>A single image could contain anywhere from just a handful of packets to upwards of 10,000 depending on a variety of factors.</a:t>
-            </a:r>
-          </a:p>
-          <a:p>
-            <a:pPr marL="0" indent="0">
-              <a:buNone/>
-            </a:pPr>
-            <a:endParaRPr lang="en-US" altLang="en-US" sz="1833" dirty="0">
-              <a:latin typeface="Tahoma" panose="020B0604030504040204" pitchFamily="34" charset="0"/>
-              <a:ea typeface="ＭＳ Ｐゴシック" panose="020B0600070205080204" pitchFamily="34" charset="-128"/>
-            </a:endParaRPr>
-          </a:p>
-          <a:p>
-            <a:pPr marL="0" indent="0">
-              <a:buNone/>
-            </a:pPr>
-            <a:r>
-              <a:rPr lang="en-US" dirty="0"/>
-              <a:t>The process of determining where packets go is called </a:t>
-            </a:r>
-            <a:r>
-              <a:rPr lang="en-US" b="1" dirty="0"/>
-              <a:t>routing </a:t>
-            </a:r>
-            <a:r>
-              <a:rPr lang="en-US" dirty="0"/>
-              <a:t>or selecting a path for traffic in a network.</a:t>
-            </a:r>
-          </a:p>
-        </p:txBody>
-      </p:sp>
-      <p:sp>
-        <p:nvSpPr>
-          <p:cNvPr id="2" name="Slide Number Placeholder 1">
-            <a:extLst>
-              <a:ext uri="{FF2B5EF4-FFF2-40B4-BE49-F238E27FC236}">
-                <a16:creationId xmlns:a16="http://schemas.microsoft.com/office/drawing/2014/main" id="{EA560605-ECCA-084C-9B6A-2DD49664CFCB}"/>
-              </a:ext>
-            </a:extLst>
-          </p:cNvPr>
-          <p:cNvSpPr>
-            <a:spLocks noGrp="1"/>
-          </p:cNvSpPr>
-          <p:nvPr>
-            <p:ph type="sldNum" sz="quarter" idx="12"/>
-          </p:nvPr>
-        </p:nvSpPr>
-        <p:spPr/>
-        <p:txBody>
-          <a:bodyPr/>
-          <a:lstStyle/>
-          <a:p>
-            <a:fld id="{D57F1E4F-1CFF-5643-939E-02111984F565}" type="slidenum">
-              <a:rPr lang="en-US" smtClean="0"/>
-              <a:t>31</a:t>
-            </a:fld>
-            <a:endParaRPr lang="en-US" dirty="0"/>
-          </a:p>
-        </p:txBody>
-      </p:sp>
-    </p:spTree>
-    <p:extLst>
-      <p:ext uri="{BB962C8B-B14F-4D97-AF65-F5344CB8AC3E}">
-        <p14:creationId xmlns:p14="http://schemas.microsoft.com/office/powerpoint/2010/main" val="1016158355"/>
-      </p:ext>
-    </p:extLst>
-  </p:cSld>
-  <p:clrMapOvr>
-    <a:masterClrMapping/>
-  </p:clrMapOvr>
-</p:sld>
-</file>
-
-<file path=ppt/slides/slide32.xml><?xml version="1.0" encoding="utf-8"?>
-<p:sld xmlns:a="http://schemas.openxmlformats.org/drawingml/2006/main" xmlns:r="http://schemas.openxmlformats.org/officeDocument/2006/relationships" xmlns:p="http://schemas.openxmlformats.org/presentationml/2006/main">
-  <p:cSld>
-    <p:spTree>
-      <p:nvGrpSpPr>
-        <p:cNvPr id="1" name=""/>
-        <p:cNvGrpSpPr/>
-        <p:nvPr/>
-      </p:nvGrpSpPr>
-      <p:grpSpPr>
-        <a:xfrm>
-          <a:off x="0" y="0"/>
-          <a:ext cx="0" cy="0"/>
-          <a:chOff x="0" y="0"/>
-          <a:chExt cx="0" cy="0"/>
-        </a:xfrm>
-      </p:grpSpPr>
-      <p:sp>
-        <p:nvSpPr>
-          <p:cNvPr id="84993" name="Title 1">
-            <a:extLst>
-              <a:ext uri="{FF2B5EF4-FFF2-40B4-BE49-F238E27FC236}">
-                <a16:creationId xmlns:a16="http://schemas.microsoft.com/office/drawing/2014/main" id="{C169A412-E2F9-004D-A0EF-86F1C409823C}"/>
-              </a:ext>
-            </a:extLst>
-          </p:cNvPr>
-          <p:cNvSpPr>
-            <a:spLocks noGrp="1" noChangeArrowheads="1"/>
-          </p:cNvSpPr>
-          <p:nvPr>
-            <p:ph type="title"/>
-          </p:nvPr>
-        </p:nvSpPr>
-        <p:spPr>
-          <a:xfrm>
-            <a:off x="133564" y="106881"/>
-            <a:ext cx="7886700" cy="689517"/>
-          </a:xfrm>
-        </p:spPr>
-        <p:txBody>
-          <a:bodyPr/>
-          <a:lstStyle/>
-          <a:p>
-            <a:pPr eaLnBrk="1" hangingPunct="1"/>
-            <a:r>
-              <a:rPr lang="en-US" altLang="en-US" dirty="0">
-                <a:ea typeface="ＭＳ Ｐゴシック" panose="020B0600070205080204" pitchFamily="34" charset="-128"/>
-              </a:rPr>
-              <a:t>Packets</a:t>
-            </a:r>
-          </a:p>
-        </p:txBody>
-      </p:sp>
-      <p:sp>
-        <p:nvSpPr>
-          <p:cNvPr id="84994" name="Content Placeholder 2">
-            <a:extLst>
-              <a:ext uri="{FF2B5EF4-FFF2-40B4-BE49-F238E27FC236}">
-                <a16:creationId xmlns:a16="http://schemas.microsoft.com/office/drawing/2014/main" id="{6971D443-43C5-2E43-8019-712D595D62F2}"/>
-              </a:ext>
-            </a:extLst>
-          </p:cNvPr>
-          <p:cNvSpPr>
-            <a:spLocks noGrp="1" noChangeArrowheads="1"/>
-          </p:cNvSpPr>
-          <p:nvPr>
-            <p:ph idx="1"/>
-          </p:nvPr>
-        </p:nvSpPr>
-        <p:spPr>
-          <a:xfrm>
-            <a:off x="133564" y="873303"/>
-            <a:ext cx="8876872" cy="4759344"/>
-          </a:xfrm>
-        </p:spPr>
-        <p:txBody>
-          <a:bodyPr>
-            <a:normAutofit/>
-          </a:bodyPr>
-          <a:lstStyle/>
-          <a:p>
-            <a:pPr marL="0" indent="0">
-              <a:buNone/>
-            </a:pPr>
-            <a:endParaRPr lang="en-US" sz="2000" dirty="0">
-              <a:latin typeface="Gill Sans MT" panose="020B0502020104020203" pitchFamily="34" charset="77"/>
-            </a:endParaRPr>
-          </a:p>
-          <a:p>
-            <a:pPr marL="0" indent="0">
-              <a:buNone/>
-            </a:pPr>
-            <a:r>
-              <a:rPr lang="en-US" sz="2000" dirty="0">
-                <a:latin typeface="Gill Sans MT" panose="020B0502020104020203" pitchFamily="34" charset="77"/>
-              </a:rPr>
-              <a:t>Packet-switching system is similar to traffic routing. </a:t>
-            </a:r>
-            <a:r>
-              <a:rPr lang="en-US" dirty="0"/>
-              <a:t>Routing on the Internet is usually </a:t>
-            </a:r>
-            <a:r>
-              <a:rPr lang="en-US" b="1" dirty="0"/>
-              <a:t>dynamic</a:t>
-            </a:r>
-            <a:r>
-              <a:rPr lang="en-US" dirty="0"/>
-              <a:t>; it is not specified in advance. </a:t>
-            </a:r>
-            <a:endParaRPr lang="en-US" sz="2000" dirty="0"/>
-          </a:p>
-          <a:p>
-            <a:pPr marL="0" indent="0">
-              <a:buNone/>
-            </a:pPr>
-            <a:endParaRPr lang="en-US" sz="2000" dirty="0">
-              <a:latin typeface="Gill Sans MT" panose="020B0502020104020203" pitchFamily="34" charset="77"/>
-            </a:endParaRPr>
-          </a:p>
-          <a:p>
-            <a:pPr marL="0" indent="0">
-              <a:buNone/>
-            </a:pPr>
-            <a:r>
-              <a:rPr lang="en-US" sz="2000" dirty="0">
-                <a:latin typeface="Gill Sans MT" panose="020B0502020104020203" pitchFamily="34" charset="77"/>
-              </a:rPr>
-              <a:t>If a road is becoming too crowded, traffic lights that allow cars to go onto that road might turn red in order to prevent any more cars from coming on. </a:t>
-            </a:r>
-          </a:p>
-          <a:p>
-            <a:pPr marL="0" indent="0">
-              <a:buNone/>
-            </a:pPr>
-            <a:endParaRPr lang="en-US" sz="2000" dirty="0">
-              <a:latin typeface="Gill Sans MT" panose="020B0502020104020203" pitchFamily="34" charset="77"/>
-            </a:endParaRPr>
-          </a:p>
-          <a:p>
-            <a:pPr marL="0" indent="0">
-              <a:buNone/>
-            </a:pPr>
-            <a:r>
-              <a:rPr lang="en-US" sz="2000" dirty="0">
-                <a:latin typeface="Gill Sans MT" panose="020B0502020104020203" pitchFamily="34" charset="77"/>
-              </a:rPr>
-              <a:t>A road might even be under construction, so no cars are able to enter that road. </a:t>
-            </a:r>
-          </a:p>
-          <a:p>
-            <a:pPr marL="0" indent="0">
-              <a:buNone/>
-            </a:pPr>
-            <a:endParaRPr lang="en-US" sz="2000" dirty="0">
-              <a:latin typeface="Gill Sans MT" panose="020B0502020104020203" pitchFamily="34" charset="77"/>
-            </a:endParaRPr>
-          </a:p>
-          <a:p>
-            <a:pPr marL="0" indent="0">
-              <a:buNone/>
-            </a:pPr>
-            <a:r>
-              <a:rPr lang="en-US" sz="2000" dirty="0">
-                <a:latin typeface="Gill Sans MT" panose="020B0502020104020203" pitchFamily="34" charset="77"/>
-              </a:rPr>
-              <a:t>Detour signs might route the cars to other roads that are more accessible in order for the cars to get to their destination.</a:t>
-            </a:r>
-          </a:p>
-          <a:p>
-            <a:pPr marL="0" indent="0">
-              <a:buNone/>
-            </a:pPr>
-            <a:endParaRPr lang="en-US" altLang="en-US" sz="2000" dirty="0">
-              <a:latin typeface="Gill Sans MT" panose="020B0502020104020203" pitchFamily="34" charset="77"/>
-              <a:ea typeface="ＭＳ Ｐゴシック" panose="020B0600070205080204" pitchFamily="34" charset="-128"/>
-            </a:endParaRPr>
-          </a:p>
-          <a:p>
-            <a:pPr marL="0" indent="0">
-              <a:buNone/>
-            </a:pPr>
-            <a:endParaRPr lang="en-US" sz="2000" dirty="0">
-              <a:latin typeface="Gill Sans MT" panose="020B0502020104020203" pitchFamily="34" charset="77"/>
-            </a:endParaRPr>
-          </a:p>
-        </p:txBody>
-      </p:sp>
-      <p:sp>
-        <p:nvSpPr>
-          <p:cNvPr id="2" name="Slide Number Placeholder 1">
-            <a:extLst>
-              <a:ext uri="{FF2B5EF4-FFF2-40B4-BE49-F238E27FC236}">
-                <a16:creationId xmlns:a16="http://schemas.microsoft.com/office/drawing/2014/main" id="{E551E583-4F0C-5648-B4F9-D714B9F8E007}"/>
-              </a:ext>
-            </a:extLst>
-          </p:cNvPr>
-          <p:cNvSpPr>
-            <a:spLocks noGrp="1"/>
-          </p:cNvSpPr>
-          <p:nvPr>
-            <p:ph type="sldNum" sz="quarter" idx="12"/>
-          </p:nvPr>
-        </p:nvSpPr>
-        <p:spPr/>
-        <p:txBody>
-          <a:bodyPr/>
-          <a:lstStyle/>
-          <a:p>
-            <a:fld id="{D57F1E4F-1CFF-5643-939E-02111984F565}" type="slidenum">
-              <a:rPr lang="en-US" smtClean="0"/>
-              <a:t>32</a:t>
-            </a:fld>
-            <a:endParaRPr lang="en-US" dirty="0"/>
-          </a:p>
-        </p:txBody>
-      </p:sp>
-    </p:spTree>
-    <p:extLst>
-      <p:ext uri="{BB962C8B-B14F-4D97-AF65-F5344CB8AC3E}">
-        <p14:creationId xmlns:p14="http://schemas.microsoft.com/office/powerpoint/2010/main" val="4204323314"/>
-      </p:ext>
-    </p:extLst>
-  </p:cSld>
-  <p:clrMapOvr>
-    <a:masterClrMapping/>
-  </p:clrMapOvr>
-</p:sld>
-</file>
-
-<file path=ppt/slides/slide33.xml><?xml version="1.0" encoding="utf-8"?>
-<p:sld xmlns:a="http://schemas.openxmlformats.org/drawingml/2006/main" xmlns:r="http://schemas.openxmlformats.org/officeDocument/2006/relationships" xmlns:p="http://schemas.openxmlformats.org/presentationml/2006/main">
-  <p:cSld>
-    <p:spTree>
-      <p:nvGrpSpPr>
-        <p:cNvPr id="1" name=""/>
-        <p:cNvGrpSpPr/>
-        <p:nvPr/>
-      </p:nvGrpSpPr>
-      <p:grpSpPr>
-        <a:xfrm>
-          <a:off x="0" y="0"/>
-          <a:ext cx="0" cy="0"/>
-          <a:chOff x="0" y="0"/>
-          <a:chExt cx="0" cy="0"/>
-        </a:xfrm>
-      </p:grpSpPr>
-      <p:sp>
-        <p:nvSpPr>
-          <p:cNvPr id="84993" name="Title 1">
-            <a:extLst>
-              <a:ext uri="{FF2B5EF4-FFF2-40B4-BE49-F238E27FC236}">
-                <a16:creationId xmlns:a16="http://schemas.microsoft.com/office/drawing/2014/main" id="{C169A412-E2F9-004D-A0EF-86F1C409823C}"/>
-              </a:ext>
-            </a:extLst>
-          </p:cNvPr>
-          <p:cNvSpPr>
-            <a:spLocks noGrp="1" noChangeArrowheads="1"/>
-          </p:cNvSpPr>
-          <p:nvPr>
-            <p:ph type="title"/>
-          </p:nvPr>
-        </p:nvSpPr>
-        <p:spPr>
-          <a:xfrm>
-            <a:off x="133564" y="106881"/>
-            <a:ext cx="7886700" cy="689517"/>
-          </a:xfrm>
-        </p:spPr>
-        <p:txBody>
-          <a:bodyPr/>
-          <a:lstStyle/>
-          <a:p>
-            <a:pPr eaLnBrk="1" hangingPunct="1"/>
-            <a:r>
-              <a:rPr lang="en-US" altLang="en-US" dirty="0">
-                <a:ea typeface="ＭＳ Ｐゴシック" panose="020B0600070205080204" pitchFamily="34" charset="-128"/>
-              </a:rPr>
-              <a:t>Packets</a:t>
-            </a:r>
-          </a:p>
-        </p:txBody>
-      </p:sp>
-      <p:sp>
-        <p:nvSpPr>
-          <p:cNvPr id="84994" name="Content Placeholder 2">
-            <a:extLst>
-              <a:ext uri="{FF2B5EF4-FFF2-40B4-BE49-F238E27FC236}">
-                <a16:creationId xmlns:a16="http://schemas.microsoft.com/office/drawing/2014/main" id="{6971D443-43C5-2E43-8019-712D595D62F2}"/>
-              </a:ext>
-            </a:extLst>
-          </p:cNvPr>
-          <p:cNvSpPr>
-            <a:spLocks noGrp="1" noChangeArrowheads="1"/>
-          </p:cNvSpPr>
-          <p:nvPr>
-            <p:ph idx="1"/>
-          </p:nvPr>
-        </p:nvSpPr>
-        <p:spPr>
-          <a:xfrm>
-            <a:off x="133564" y="771870"/>
-            <a:ext cx="8646515" cy="4836249"/>
-          </a:xfrm>
-        </p:spPr>
-        <p:txBody>
-          <a:bodyPr>
-            <a:normAutofit/>
-          </a:bodyPr>
-          <a:lstStyle/>
-          <a:p>
-            <a:pPr marL="0" indent="0">
-              <a:buNone/>
-            </a:pPr>
-            <a:r>
-              <a:rPr lang="en-US" altLang="en-US" sz="2000" dirty="0">
-                <a:latin typeface="Gill Sans MT" panose="020B0502020104020203" pitchFamily="34" charset="77"/>
-                <a:ea typeface="ＭＳ Ｐゴシック" panose="020B0600070205080204" pitchFamily="34" charset="-128"/>
-              </a:rPr>
-              <a:t>Similarly, in packet routing, a </a:t>
-            </a:r>
-            <a:r>
-              <a:rPr lang="en-US" sz="2000" dirty="0">
-                <a:latin typeface="Gill Sans MT" panose="020B0502020104020203" pitchFamily="34" charset="77"/>
-              </a:rPr>
-              <a:t>certain connection might only be able to transfer a certain number of packets per minute, so if the connection isn’t able to transfer them quickly enough, a new path for the packets to go will need to be found by a router. Thus, routing is </a:t>
-            </a:r>
-            <a:r>
-              <a:rPr lang="en-US" sz="2000" b="1" dirty="0">
-                <a:latin typeface="Gill Sans MT" panose="020B0502020104020203" pitchFamily="34" charset="77"/>
-              </a:rPr>
-              <a:t>redundant</a:t>
-            </a:r>
-            <a:r>
-              <a:rPr lang="en-US" sz="2000" dirty="0">
-                <a:latin typeface="Gill Sans MT" panose="020B0502020104020203" pitchFamily="34" charset="77"/>
-              </a:rPr>
-              <a:t>(more than one way to route data). </a:t>
-            </a:r>
-          </a:p>
-          <a:p>
-            <a:pPr marL="0" indent="0">
-              <a:buNone/>
-            </a:pPr>
-            <a:endParaRPr lang="en-US" sz="2000" dirty="0">
-              <a:latin typeface="Gill Sans MT" panose="020B0502020104020203" pitchFamily="34" charset="77"/>
-            </a:endParaRPr>
-          </a:p>
-          <a:p>
-            <a:pPr marL="0" indent="0">
-              <a:buNone/>
-            </a:pPr>
-            <a:r>
-              <a:rPr lang="en-US" i="1" dirty="0"/>
-              <a:t>Redundancy </a:t>
-            </a:r>
-            <a:r>
-              <a:rPr lang="en-US" dirty="0"/>
-              <a:t>is the inclusion of extra components that can be used to mitigate failure of a system if other components fail. </a:t>
-            </a:r>
-            <a:endParaRPr lang="en-US" sz="2000" dirty="0"/>
-          </a:p>
-          <a:p>
-            <a:pPr marL="0" indent="0">
-              <a:buNone/>
-            </a:pPr>
-            <a:endParaRPr lang="en-US" sz="2000" dirty="0">
-              <a:latin typeface="Gill Sans MT" panose="020B0502020104020203" pitchFamily="34" charset="77"/>
-            </a:endParaRPr>
-          </a:p>
-          <a:p>
-            <a:pPr marL="0" indent="0">
-              <a:buNone/>
-            </a:pPr>
-            <a:r>
-              <a:rPr lang="en-US" sz="2000" dirty="0">
-                <a:latin typeface="Gill Sans MT" panose="020B0502020104020203" pitchFamily="34" charset="77"/>
-              </a:rPr>
-              <a:t>Redundancy increases the reliability of the internet and helps it scale to more devices and people.</a:t>
-            </a:r>
-          </a:p>
-          <a:p>
-            <a:pPr marL="0" indent="0">
-              <a:buNone/>
-            </a:pPr>
-            <a:endParaRPr lang="en-US" dirty="0"/>
-          </a:p>
-          <a:p>
-            <a:pPr marL="0" indent="0">
-              <a:buNone/>
-            </a:pPr>
-            <a:r>
-              <a:rPr lang="en-US" dirty="0"/>
-              <a:t>When a system can support failures and still continue to function, it is called </a:t>
-            </a:r>
-            <a:r>
-              <a:rPr lang="en-US" b="1" dirty="0"/>
-              <a:t>fault-tolerant</a:t>
-            </a:r>
-            <a:r>
-              <a:rPr lang="en-US" dirty="0"/>
-              <a:t>. </a:t>
-            </a:r>
-            <a:r>
-              <a:rPr lang="en-US" sz="2000" dirty="0">
-                <a:latin typeface="Gill Sans MT" panose="020B0502020104020203" pitchFamily="34" charset="77"/>
-              </a:rPr>
-              <a:t>If some connection is broken or doesn’t function, the router needs to find a new path for the data to get to its destination, otherwise the packets will never be delivered. Thus, routing is dynamic and fault tolerant</a:t>
-            </a:r>
-            <a:r>
-              <a:rPr lang="en-US" sz="2000" b="1" dirty="0">
-                <a:latin typeface="Gill Sans MT" panose="020B0502020104020203" pitchFamily="34" charset="77"/>
-              </a:rPr>
-              <a:t>.</a:t>
-            </a:r>
-            <a:endParaRPr lang="en-US" altLang="en-US" sz="2000" b="1" dirty="0">
-              <a:latin typeface="Gill Sans MT" panose="020B0502020104020203" pitchFamily="34" charset="77"/>
-              <a:ea typeface="ＭＳ Ｐゴシック" panose="020B0600070205080204" pitchFamily="34" charset="-128"/>
-            </a:endParaRPr>
-          </a:p>
-        </p:txBody>
-      </p:sp>
-      <p:sp>
-        <p:nvSpPr>
-          <p:cNvPr id="2" name="Slide Number Placeholder 1">
-            <a:extLst>
-              <a:ext uri="{FF2B5EF4-FFF2-40B4-BE49-F238E27FC236}">
-                <a16:creationId xmlns:a16="http://schemas.microsoft.com/office/drawing/2014/main" id="{1D4A95CE-F36C-A949-B574-8B2112D61521}"/>
-              </a:ext>
-            </a:extLst>
-          </p:cNvPr>
-          <p:cNvSpPr>
-            <a:spLocks noGrp="1"/>
-          </p:cNvSpPr>
-          <p:nvPr>
-            <p:ph type="sldNum" sz="quarter" idx="12"/>
-          </p:nvPr>
-        </p:nvSpPr>
-        <p:spPr/>
-        <p:txBody>
-          <a:bodyPr/>
-          <a:lstStyle/>
-          <a:p>
-            <a:fld id="{D57F1E4F-1CFF-5643-939E-02111984F565}" type="slidenum">
-              <a:rPr lang="en-US" smtClean="0"/>
-              <a:t>33</a:t>
-            </a:fld>
-            <a:endParaRPr lang="en-US" dirty="0"/>
-          </a:p>
-        </p:txBody>
-      </p:sp>
-    </p:spTree>
-    <p:extLst>
-      <p:ext uri="{BB962C8B-B14F-4D97-AF65-F5344CB8AC3E}">
-        <p14:creationId xmlns:p14="http://schemas.microsoft.com/office/powerpoint/2010/main" val="1162857972"/>
-      </p:ext>
-    </p:extLst>
-  </p:cSld>
-  <p:clrMapOvr>
-    <a:masterClrMapping/>
-  </p:clrMapOvr>
-</p:sld>
-</file>
-
-<file path=ppt/slides/slide34.xml><?xml version="1.0" encoding="utf-8"?>
-<p:sld xmlns:a="http://schemas.openxmlformats.org/drawingml/2006/main" xmlns:r="http://schemas.openxmlformats.org/officeDocument/2006/relationships" xmlns:p="http://schemas.openxmlformats.org/presentationml/2006/main">
-  <p:cSld>
-    <p:spTree>
-      <p:nvGrpSpPr>
-        <p:cNvPr id="1" name=""/>
-        <p:cNvGrpSpPr/>
-        <p:nvPr/>
-      </p:nvGrpSpPr>
-      <p:grpSpPr>
-        <a:xfrm>
-          <a:off x="0" y="0"/>
-          <a:ext cx="0" cy="0"/>
-          <a:chOff x="0" y="0"/>
-          <a:chExt cx="0" cy="0"/>
-        </a:xfrm>
-      </p:grpSpPr>
-      <p:sp>
-        <p:nvSpPr>
-          <p:cNvPr id="84993" name="Title 1">
-            <a:extLst>
-              <a:ext uri="{FF2B5EF4-FFF2-40B4-BE49-F238E27FC236}">
-                <a16:creationId xmlns:a16="http://schemas.microsoft.com/office/drawing/2014/main" id="{C169A412-E2F9-004D-A0EF-86F1C409823C}"/>
-              </a:ext>
-            </a:extLst>
-          </p:cNvPr>
-          <p:cNvSpPr>
-            <a:spLocks noGrp="1" noChangeArrowheads="1"/>
-          </p:cNvSpPr>
-          <p:nvPr>
-            <p:ph type="title"/>
-          </p:nvPr>
-        </p:nvSpPr>
-        <p:spPr>
-          <a:xfrm>
-            <a:off x="133564" y="106881"/>
-            <a:ext cx="7886700" cy="689517"/>
-          </a:xfrm>
-        </p:spPr>
-        <p:txBody>
-          <a:bodyPr/>
-          <a:lstStyle/>
-          <a:p>
-            <a:pPr eaLnBrk="1" hangingPunct="1"/>
-            <a:r>
-              <a:rPr lang="en-US" altLang="en-US" dirty="0">
-                <a:ea typeface="ＭＳ Ｐゴシック" panose="020B0600070205080204" pitchFamily="34" charset="-128"/>
-              </a:rPr>
-              <a:t>Packets</a:t>
-            </a:r>
-          </a:p>
-        </p:txBody>
-      </p:sp>
-      <p:sp>
-        <p:nvSpPr>
-          <p:cNvPr id="84994" name="Content Placeholder 2">
-            <a:extLst>
-              <a:ext uri="{FF2B5EF4-FFF2-40B4-BE49-F238E27FC236}">
-                <a16:creationId xmlns:a16="http://schemas.microsoft.com/office/drawing/2014/main" id="{6971D443-43C5-2E43-8019-712D595D62F2}"/>
-              </a:ext>
-            </a:extLst>
-          </p:cNvPr>
-          <p:cNvSpPr>
-            <a:spLocks noGrp="1" noChangeArrowheads="1"/>
-          </p:cNvSpPr>
-          <p:nvPr>
-            <p:ph idx="1"/>
-          </p:nvPr>
-        </p:nvSpPr>
-        <p:spPr>
-          <a:xfrm>
-            <a:off x="277402" y="801385"/>
-            <a:ext cx="8733034" cy="4831262"/>
-          </a:xfrm>
-        </p:spPr>
-        <p:txBody>
-          <a:bodyPr/>
-          <a:lstStyle/>
-          <a:p>
-            <a:pPr marL="0" indent="0">
-              <a:buNone/>
-            </a:pPr>
-            <a:r>
-              <a:rPr lang="en-US" dirty="0"/>
-              <a:t>Packets contain a chunk of data and </a:t>
-            </a:r>
-            <a:r>
-              <a:rPr lang="en-US" b="1" dirty="0"/>
-              <a:t>metadata</a:t>
-            </a:r>
-            <a:r>
-              <a:rPr lang="en-US" dirty="0"/>
-              <a:t> used for routing the packet between the origin and the destination on the Internet, as well as for data reassembly. </a:t>
-            </a:r>
-            <a:endParaRPr lang="en-US" sz="2000" dirty="0"/>
-          </a:p>
-          <a:p>
-            <a:pPr marL="0" indent="0" eaLnBrk="1" hangingPunct="1">
-              <a:buNone/>
-            </a:pPr>
-            <a:endParaRPr lang="en-US" altLang="en-US" sz="2000" dirty="0">
-              <a:latin typeface="Gill Sans MT" panose="020B0502020104020203" pitchFamily="34" charset="77"/>
-              <a:ea typeface="ＭＳ Ｐゴシック" panose="020B0600070205080204" pitchFamily="34" charset="-128"/>
-            </a:endParaRPr>
-          </a:p>
-          <a:p>
-            <a:pPr eaLnBrk="1" hangingPunct="1">
-              <a:buFontTx/>
-              <a:buNone/>
-            </a:pPr>
-            <a:endParaRPr lang="en-US" altLang="en-US" sz="1833" dirty="0">
-              <a:latin typeface="Tahoma" panose="020B0604030504040204" pitchFamily="34" charset="0"/>
-              <a:ea typeface="ＭＳ Ｐゴシック" panose="020B0600070205080204" pitchFamily="34" charset="-128"/>
-            </a:endParaRPr>
-          </a:p>
-          <a:p>
-            <a:pPr eaLnBrk="1" hangingPunct="1">
-              <a:buFontTx/>
-              <a:buNone/>
-            </a:pPr>
-            <a:endParaRPr lang="en-US" altLang="en-US" sz="1833" dirty="0">
-              <a:latin typeface="Tahoma" panose="020B0604030504040204" pitchFamily="34" charset="0"/>
-              <a:ea typeface="ＭＳ Ｐゴシック" panose="020B0600070205080204" pitchFamily="34" charset="-128"/>
-            </a:endParaRPr>
-          </a:p>
-          <a:p>
-            <a:pPr eaLnBrk="1" hangingPunct="1">
-              <a:buFontTx/>
-              <a:buNone/>
-            </a:pPr>
-            <a:endParaRPr lang="en-US" altLang="en-US" sz="1833" dirty="0">
-              <a:latin typeface="Tahoma" panose="020B0604030504040204" pitchFamily="34" charset="0"/>
-              <a:ea typeface="ＭＳ Ｐゴシック" panose="020B0600070205080204" pitchFamily="34" charset="-128"/>
-            </a:endParaRPr>
-          </a:p>
-          <a:p>
-            <a:pPr eaLnBrk="1" hangingPunct="1">
-              <a:buFontTx/>
-              <a:buAutoNum type="arabicParenR"/>
-            </a:pPr>
-            <a:endParaRPr lang="en-US" altLang="en-US" sz="1833" dirty="0">
-              <a:latin typeface="Tahoma" panose="020B0604030504040204" pitchFamily="34" charset="0"/>
-              <a:ea typeface="ＭＳ Ｐゴシック" panose="020B0600070205080204" pitchFamily="34" charset="-128"/>
-            </a:endParaRPr>
-          </a:p>
-          <a:p>
-            <a:pPr eaLnBrk="1" hangingPunct="1">
-              <a:buFontTx/>
-              <a:buNone/>
-            </a:pPr>
-            <a:endParaRPr lang="en-US" altLang="en-US" sz="1833" dirty="0">
-              <a:latin typeface="Tahoma" panose="020B0604030504040204" pitchFamily="34" charset="0"/>
-              <a:ea typeface="ＭＳ Ｐゴシック" panose="020B0600070205080204" pitchFamily="34" charset="-128"/>
-            </a:endParaRPr>
-          </a:p>
-        </p:txBody>
-      </p:sp>
-      <p:cxnSp>
-        <p:nvCxnSpPr>
-          <p:cNvPr id="4" name="Straight Arrow Connector 3">
-            <a:extLst>
-              <a:ext uri="{FF2B5EF4-FFF2-40B4-BE49-F238E27FC236}">
-                <a16:creationId xmlns:a16="http://schemas.microsoft.com/office/drawing/2014/main" id="{804AE6D5-7B42-A24B-B53A-7220982FA483}"/>
-              </a:ext>
-            </a:extLst>
-          </p:cNvPr>
-          <p:cNvCxnSpPr>
-            <a:cxnSpLocks/>
-          </p:cNvCxnSpPr>
-          <p:nvPr/>
-        </p:nvCxnSpPr>
-        <p:spPr>
-          <a:xfrm flipH="1" flipV="1">
-            <a:off x="4076914" y="2013735"/>
-            <a:ext cx="1317019" cy="138186"/>
-          </a:xfrm>
-          <a:prstGeom prst="straightConnector1">
-            <a:avLst/>
-          </a:prstGeom>
-          <a:ln w="38100">
-            <a:solidFill>
-              <a:schemeClr val="tx1"/>
-            </a:solidFill>
-            <a:tailEnd type="triangle"/>
-          </a:ln>
-        </p:spPr>
-        <p:style>
-          <a:lnRef idx="1">
-            <a:schemeClr val="accent1"/>
-          </a:lnRef>
-          <a:fillRef idx="0">
-            <a:schemeClr val="accent1"/>
-          </a:fillRef>
-          <a:effectRef idx="0">
-            <a:schemeClr val="accent1"/>
-          </a:effectRef>
-          <a:fontRef idx="minor">
-            <a:schemeClr val="tx1"/>
-          </a:fontRef>
-        </p:style>
-      </p:cxnSp>
-      <p:pic>
-        <p:nvPicPr>
-          <p:cNvPr id="9" name="Picture 4">
-            <a:extLst>
-              <a:ext uri="{FF2B5EF4-FFF2-40B4-BE49-F238E27FC236}">
-                <a16:creationId xmlns:a16="http://schemas.microsoft.com/office/drawing/2014/main" id="{479D18BB-944E-8B46-A5C1-115AAFD5FF61}"/>
-              </a:ext>
-            </a:extLst>
-          </p:cNvPr>
-          <p:cNvPicPr>
-            <a:picLocks noChangeAspect="1"/>
-          </p:cNvPicPr>
-          <p:nvPr/>
-        </p:nvPicPr>
-        <p:blipFill>
-          <a:blip r:embed="rId2">
-            <a:extLst>
-              <a:ext uri="{28A0092B-C50C-407E-A947-70E740481C1C}">
-                <a14:useLocalDpi xmlns:a14="http://schemas.microsoft.com/office/drawing/2010/main" val="0"/>
-              </a:ext>
-            </a:extLst>
-          </a:blip>
-          <a:srcRect/>
-          <a:stretch>
-            <a:fillRect/>
-          </a:stretch>
-        </p:blipFill>
-        <p:spPr bwMode="auto">
-          <a:xfrm>
-            <a:off x="288773" y="1791277"/>
-            <a:ext cx="6308332" cy="3923723"/>
-          </a:xfrm>
-          <a:prstGeom prst="rect">
-            <a:avLst/>
-          </a:prstGeom>
-          <a:noFill/>
-          <a:ln>
-            <a:noFill/>
-          </a:ln>
-          <a:extLst>
-            <a:ext uri="{909E8E84-426E-40DD-AFC4-6F175D3DCCD1}">
-              <a14:hiddenFill xmlns:a14="http://schemas.microsoft.com/office/drawing/2010/main">
-                <a:solidFill>
-                  <a:srgbClr val="FFFFFF"/>
-                </a:solidFill>
-              </a14:hiddenFill>
-            </a:ext>
-            <a:ext uri="{91240B29-F687-4F45-9708-019B960494DF}">
-              <a14:hiddenLine xmlns:a14="http://schemas.microsoft.com/office/drawing/2010/main" w="9525">
-                <a:solidFill>
-                  <a:srgbClr val="000000"/>
-                </a:solidFill>
-                <a:miter lim="800000"/>
-                <a:headEnd/>
-                <a:tailEnd/>
-              </a14:hiddenLine>
-            </a:ext>
-          </a:extLst>
-        </p:spPr>
-      </p:pic>
-      <p:sp>
-        <p:nvSpPr>
-          <p:cNvPr id="10" name="TextBox 9">
-            <a:extLst>
-              <a:ext uri="{FF2B5EF4-FFF2-40B4-BE49-F238E27FC236}">
-                <a16:creationId xmlns:a16="http://schemas.microsoft.com/office/drawing/2014/main" id="{52DB6359-50C6-0D42-91B0-E58EBDED1380}"/>
-              </a:ext>
-            </a:extLst>
-          </p:cNvPr>
-          <p:cNvSpPr txBox="1"/>
-          <p:nvPr/>
-        </p:nvSpPr>
-        <p:spPr>
-          <a:xfrm>
-            <a:off x="2831742" y="1444035"/>
-            <a:ext cx="1928733" cy="707886"/>
-          </a:xfrm>
-          <a:prstGeom prst="rect">
-            <a:avLst/>
-          </a:prstGeom>
-          <a:noFill/>
-        </p:spPr>
-        <p:txBody>
-          <a:bodyPr wrap="none" rtlCol="0">
-            <a:spAutoFit/>
-          </a:bodyPr>
-          <a:lstStyle/>
-          <a:p>
-            <a:r>
-              <a:rPr lang="en-US" sz="2000" dirty="0">
-                <a:solidFill>
-                  <a:srgbClr val="FF0000"/>
-                </a:solidFill>
-              </a:rPr>
-              <a:t>For example,</a:t>
-            </a:r>
-          </a:p>
-          <a:p>
-            <a:r>
-              <a:rPr lang="en-US" sz="2000" dirty="0">
-                <a:solidFill>
-                  <a:srgbClr val="FF0000"/>
-                </a:solidFill>
-              </a:rPr>
-              <a:t>HTTP and SMTP</a:t>
-            </a:r>
-          </a:p>
-        </p:txBody>
-      </p:sp>
-      <p:sp>
-        <p:nvSpPr>
-          <p:cNvPr id="8" name="TextBox 7">
-            <a:extLst>
-              <a:ext uri="{FF2B5EF4-FFF2-40B4-BE49-F238E27FC236}">
-                <a16:creationId xmlns:a16="http://schemas.microsoft.com/office/drawing/2014/main" id="{76F06D03-D5E1-174A-9507-1D3B402D4A27}"/>
-              </a:ext>
-            </a:extLst>
-          </p:cNvPr>
-          <p:cNvSpPr txBox="1"/>
-          <p:nvPr/>
-        </p:nvSpPr>
-        <p:spPr>
-          <a:xfrm>
-            <a:off x="5071930" y="1539015"/>
-            <a:ext cx="4008329" cy="2554545"/>
-          </a:xfrm>
-          <a:prstGeom prst="rect">
-            <a:avLst/>
-          </a:prstGeom>
-          <a:noFill/>
-        </p:spPr>
-        <p:txBody>
-          <a:bodyPr wrap="square" rtlCol="0">
-            <a:spAutoFit/>
-          </a:bodyPr>
-          <a:lstStyle/>
-          <a:p>
-            <a:r>
-              <a:rPr lang="en-US" altLang="en-US" sz="2000" dirty="0">
-                <a:solidFill>
-                  <a:srgbClr val="FF0000"/>
-                </a:solidFill>
-                <a:latin typeface="Gill Sans MT" panose="020B0502020104020203" pitchFamily="34" charset="77"/>
-                <a:ea typeface="ＭＳ Ｐゴシック" panose="020B0600070205080204" pitchFamily="34" charset="-128"/>
-              </a:rPr>
-              <a:t>A message that needs to be sent across the internet receives headers from each layer as it travels down the protocol stack. The headers provide metadata such as routing/addressing information, e.g., port numbers, IP addresses, MAC addresses, </a:t>
-            </a:r>
-            <a:r>
-              <a:rPr lang="en-US" altLang="en-US" sz="2000" dirty="0" err="1">
-                <a:solidFill>
-                  <a:srgbClr val="FF0000"/>
-                </a:solidFill>
-                <a:latin typeface="Gill Sans MT" panose="020B0502020104020203" pitchFamily="34" charset="77"/>
-                <a:ea typeface="ＭＳ Ｐゴシック" panose="020B0600070205080204" pitchFamily="34" charset="-128"/>
-              </a:rPr>
-              <a:t>etc</a:t>
-            </a:r>
-            <a:r>
-              <a:rPr lang="en-US" altLang="en-US" sz="2000" dirty="0">
-                <a:solidFill>
-                  <a:srgbClr val="FF0000"/>
-                </a:solidFill>
-                <a:latin typeface="Gill Sans MT" panose="020B0502020104020203" pitchFamily="34" charset="77"/>
-                <a:ea typeface="ＭＳ Ｐゴシック" panose="020B0600070205080204" pitchFamily="34" charset="-128"/>
-              </a:rPr>
-              <a:t>…</a:t>
-            </a:r>
-          </a:p>
-        </p:txBody>
-      </p:sp>
-      <p:sp>
-        <p:nvSpPr>
-          <p:cNvPr id="3" name="Slide Number Placeholder 2">
-            <a:extLst>
-              <a:ext uri="{FF2B5EF4-FFF2-40B4-BE49-F238E27FC236}">
-                <a16:creationId xmlns:a16="http://schemas.microsoft.com/office/drawing/2014/main" id="{2BE80C14-A7AF-1C49-B21F-A9407BDBC219}"/>
-              </a:ext>
-            </a:extLst>
-          </p:cNvPr>
-          <p:cNvSpPr>
-            <a:spLocks noGrp="1"/>
-          </p:cNvSpPr>
-          <p:nvPr>
-            <p:ph type="sldNum" sz="quarter" idx="12"/>
-          </p:nvPr>
-        </p:nvSpPr>
-        <p:spPr/>
-        <p:txBody>
-          <a:bodyPr/>
-          <a:lstStyle/>
-          <a:p>
-            <a:fld id="{D57F1E4F-1CFF-5643-939E-02111984F565}" type="slidenum">
-              <a:rPr lang="en-US" smtClean="0"/>
-              <a:t>34</a:t>
-            </a:fld>
-            <a:endParaRPr lang="en-US" dirty="0"/>
-          </a:p>
-        </p:txBody>
-      </p:sp>
-    </p:spTree>
-    <p:extLst>
-      <p:ext uri="{BB962C8B-B14F-4D97-AF65-F5344CB8AC3E}">
-        <p14:creationId xmlns:p14="http://schemas.microsoft.com/office/powerpoint/2010/main" val="1047995035"/>
-      </p:ext>
-    </p:extLst>
-  </p:cSld>
-  <p:clrMapOvr>
-    <a:masterClrMapping/>
-  </p:clrMapOvr>
-</p:sld>
-</file>
-
-<file path=ppt/slides/slide35.xml><?xml version="1.0" encoding="utf-8"?>
-<p:sld xmlns:a="http://schemas.openxmlformats.org/drawingml/2006/main" xmlns:r="http://schemas.openxmlformats.org/officeDocument/2006/relationships" xmlns:p="http://schemas.openxmlformats.org/presentationml/2006/main">
-  <p:cSld>
-    <p:spTree>
-      <p:nvGrpSpPr>
-        <p:cNvPr id="1" name=""/>
-        <p:cNvGrpSpPr/>
-        <p:nvPr/>
-      </p:nvGrpSpPr>
-      <p:grpSpPr>
-        <a:xfrm>
-          <a:off x="0" y="0"/>
-          <a:ext cx="0" cy="0"/>
-          <a:chOff x="0" y="0"/>
-          <a:chExt cx="0" cy="0"/>
-        </a:xfrm>
-      </p:grpSpPr>
-      <p:sp>
-        <p:nvSpPr>
-          <p:cNvPr id="84993" name="Title 1">
-            <a:extLst>
-              <a:ext uri="{FF2B5EF4-FFF2-40B4-BE49-F238E27FC236}">
-                <a16:creationId xmlns:a16="http://schemas.microsoft.com/office/drawing/2014/main" id="{C169A412-E2F9-004D-A0EF-86F1C409823C}"/>
-              </a:ext>
-            </a:extLst>
-          </p:cNvPr>
-          <p:cNvSpPr>
-            <a:spLocks noGrp="1" noChangeArrowheads="1"/>
-          </p:cNvSpPr>
-          <p:nvPr>
-            <p:ph type="title"/>
-          </p:nvPr>
-        </p:nvSpPr>
-        <p:spPr>
-          <a:xfrm>
-            <a:off x="133564" y="106881"/>
-            <a:ext cx="7886700" cy="689517"/>
-          </a:xfrm>
-        </p:spPr>
-        <p:txBody>
-          <a:bodyPr/>
-          <a:lstStyle/>
-          <a:p>
-            <a:pPr eaLnBrk="1" hangingPunct="1"/>
-            <a:r>
-              <a:rPr lang="en-US" altLang="en-US" dirty="0">
-                <a:ea typeface="ＭＳ Ｐゴシック" panose="020B0600070205080204" pitchFamily="34" charset="-128"/>
-              </a:rPr>
-              <a:t>Hierarchy </a:t>
-            </a:r>
-          </a:p>
-        </p:txBody>
-      </p:sp>
-      <p:sp>
-        <p:nvSpPr>
-          <p:cNvPr id="84994" name="Content Placeholder 2">
-            <a:extLst>
-              <a:ext uri="{FF2B5EF4-FFF2-40B4-BE49-F238E27FC236}">
-                <a16:creationId xmlns:a16="http://schemas.microsoft.com/office/drawing/2014/main" id="{6971D443-43C5-2E43-8019-712D595D62F2}"/>
-              </a:ext>
-            </a:extLst>
-          </p:cNvPr>
-          <p:cNvSpPr>
-            <a:spLocks noGrp="1" noChangeArrowheads="1"/>
-          </p:cNvSpPr>
-          <p:nvPr>
-            <p:ph idx="1"/>
-          </p:nvPr>
-        </p:nvSpPr>
-        <p:spPr>
-          <a:xfrm>
-            <a:off x="277402" y="801385"/>
-            <a:ext cx="8733034" cy="4831262"/>
-          </a:xfrm>
-        </p:spPr>
-        <p:txBody>
-          <a:bodyPr/>
-          <a:lstStyle/>
-          <a:p>
-            <a:pPr marL="0" indent="0">
-              <a:buNone/>
-            </a:pPr>
-            <a:r>
-              <a:rPr lang="en-US" dirty="0"/>
-              <a:t>The Internet is built hierarchically. Domain names are broken into parts that provide general to specific information about the website you are trying to access. </a:t>
-            </a:r>
-          </a:p>
-          <a:p>
-            <a:pPr marL="0" indent="0">
-              <a:buNone/>
-            </a:pPr>
-            <a:endParaRPr lang="en-US" dirty="0"/>
-          </a:p>
-          <a:p>
-            <a:pPr marL="0" indent="0">
-              <a:buNone/>
-            </a:pPr>
-            <a:r>
-              <a:rPr lang="en-US" dirty="0"/>
-              <a:t>IP addresses are broken up into several numbers that delineate the different sections of the Internet from each other. </a:t>
-            </a:r>
-          </a:p>
-          <a:p>
-            <a:pPr marL="0" indent="0">
-              <a:buNone/>
-            </a:pPr>
-            <a:endParaRPr lang="en-US" dirty="0"/>
-          </a:p>
-          <a:p>
-            <a:pPr marL="0" indent="0">
-              <a:buNone/>
-            </a:pPr>
-            <a:r>
-              <a:rPr lang="en-US" dirty="0"/>
-              <a:t>Routing, especially, which uses the DNS to jump around from network to network to find its way to the destination, is built on the hierarchical system of networks that are all interconnected. </a:t>
-            </a:r>
-          </a:p>
-          <a:p>
-            <a:pPr marL="0" indent="0">
-              <a:buNone/>
-            </a:pPr>
-            <a:endParaRPr lang="en-US" dirty="0"/>
-          </a:p>
-          <a:p>
-            <a:pPr marL="0" indent="0">
-              <a:buNone/>
-            </a:pPr>
-            <a:r>
-              <a:rPr lang="en-US" dirty="0"/>
-              <a:t>The </a:t>
-            </a:r>
-            <a:r>
-              <a:rPr lang="en-US" b="1" dirty="0"/>
-              <a:t>scalability</a:t>
-            </a:r>
-            <a:r>
-              <a:rPr lang="en-US" i="1" dirty="0"/>
-              <a:t> </a:t>
-            </a:r>
-            <a:r>
-              <a:rPr lang="en-US" dirty="0"/>
-              <a:t>of a system is the capacity for the system to change in size and scale to meet new demands. This hierarchy and connectedness allowed the Internet to grow to the global scale that it is today.</a:t>
-            </a:r>
-            <a:endParaRPr lang="en-US" altLang="en-US" sz="1833" dirty="0">
-              <a:latin typeface="Tahoma" panose="020B0604030504040204" pitchFamily="34" charset="0"/>
-              <a:ea typeface="ＭＳ Ｐゴシック" panose="020B0600070205080204" pitchFamily="34" charset="-128"/>
-            </a:endParaRPr>
-          </a:p>
-          <a:p>
-            <a:pPr eaLnBrk="1" hangingPunct="1">
-              <a:buFontTx/>
-              <a:buNone/>
-            </a:pPr>
-            <a:endParaRPr lang="en-US" altLang="en-US" sz="1833" dirty="0">
-              <a:latin typeface="Tahoma" panose="020B0604030504040204" pitchFamily="34" charset="0"/>
-              <a:ea typeface="ＭＳ Ｐゴシック" panose="020B0600070205080204" pitchFamily="34" charset="-128"/>
-            </a:endParaRPr>
-          </a:p>
-          <a:p>
-            <a:pPr eaLnBrk="1" hangingPunct="1">
-              <a:buFontTx/>
-              <a:buNone/>
-            </a:pPr>
-            <a:endParaRPr lang="en-US" altLang="en-US" sz="1833" dirty="0">
-              <a:latin typeface="Tahoma" panose="020B0604030504040204" pitchFamily="34" charset="0"/>
-              <a:ea typeface="ＭＳ Ｐゴシック" panose="020B0600070205080204" pitchFamily="34" charset="-128"/>
-            </a:endParaRPr>
-          </a:p>
-          <a:p>
-            <a:pPr eaLnBrk="1" hangingPunct="1">
-              <a:buFontTx/>
-              <a:buAutoNum type="arabicParenR"/>
-            </a:pPr>
-            <a:endParaRPr lang="en-US" altLang="en-US" sz="1833" dirty="0">
-              <a:latin typeface="Tahoma" panose="020B0604030504040204" pitchFamily="34" charset="0"/>
-              <a:ea typeface="ＭＳ Ｐゴシック" panose="020B0600070205080204" pitchFamily="34" charset="-128"/>
-            </a:endParaRPr>
-          </a:p>
-          <a:p>
-            <a:pPr eaLnBrk="1" hangingPunct="1">
-              <a:buFontTx/>
-              <a:buNone/>
-            </a:pPr>
-            <a:endParaRPr lang="en-US" altLang="en-US" sz="1833" dirty="0">
-              <a:latin typeface="Tahoma" panose="020B0604030504040204" pitchFamily="34" charset="0"/>
-              <a:ea typeface="ＭＳ Ｐゴシック" panose="020B0600070205080204" pitchFamily="34" charset="-128"/>
-            </a:endParaRPr>
-          </a:p>
-        </p:txBody>
-      </p:sp>
-      <p:sp>
-        <p:nvSpPr>
-          <p:cNvPr id="2" name="Slide Number Placeholder 1">
-            <a:extLst>
-              <a:ext uri="{FF2B5EF4-FFF2-40B4-BE49-F238E27FC236}">
-                <a16:creationId xmlns:a16="http://schemas.microsoft.com/office/drawing/2014/main" id="{31F950C8-AA7C-3A45-BEC0-479ABA87BDC3}"/>
-              </a:ext>
-            </a:extLst>
-          </p:cNvPr>
-          <p:cNvSpPr>
-            <a:spLocks noGrp="1"/>
-          </p:cNvSpPr>
-          <p:nvPr>
-            <p:ph type="sldNum" sz="quarter" idx="12"/>
-          </p:nvPr>
-        </p:nvSpPr>
-        <p:spPr/>
-        <p:txBody>
-          <a:bodyPr/>
-          <a:lstStyle/>
-          <a:p>
-            <a:fld id="{D57F1E4F-1CFF-5643-939E-02111984F565}" type="slidenum">
-              <a:rPr lang="en-US" smtClean="0"/>
-              <a:t>35</a:t>
-            </a:fld>
-            <a:endParaRPr lang="en-US" dirty="0"/>
-          </a:p>
-        </p:txBody>
-      </p:sp>
-    </p:spTree>
-    <p:extLst>
-      <p:ext uri="{BB962C8B-B14F-4D97-AF65-F5344CB8AC3E}">
-        <p14:creationId xmlns:p14="http://schemas.microsoft.com/office/powerpoint/2010/main" val="2765543401"/>
-      </p:ext>
-    </p:extLst>
-  </p:cSld>
-  <p:clrMapOvr>
-    <a:masterClrMapping/>
-  </p:clrMapOvr>
-</p:sld>
-</file>
-
-<file path=ppt/slides/slide36.xml><?xml version="1.0" encoding="utf-8"?>
-<p:sld xmlns:a="http://schemas.openxmlformats.org/drawingml/2006/main" xmlns:r="http://schemas.openxmlformats.org/officeDocument/2006/relationships" xmlns:p="http://schemas.openxmlformats.org/presentationml/2006/main">
-  <p:cSld>
-    <p:spTree>
-      <p:nvGrpSpPr>
-        <p:cNvPr id="1" name=""/>
-        <p:cNvGrpSpPr/>
-        <p:nvPr/>
-      </p:nvGrpSpPr>
-      <p:grpSpPr>
-        <a:xfrm>
-          <a:off x="0" y="0"/>
-          <a:ext cx="0" cy="0"/>
-          <a:chOff x="0" y="0"/>
-          <a:chExt cx="0" cy="0"/>
-        </a:xfrm>
-      </p:grpSpPr>
-      <p:sp>
-        <p:nvSpPr>
-          <p:cNvPr id="84993" name="Title 1">
-            <a:extLst>
-              <a:ext uri="{FF2B5EF4-FFF2-40B4-BE49-F238E27FC236}">
-                <a16:creationId xmlns:a16="http://schemas.microsoft.com/office/drawing/2014/main" id="{C169A412-E2F9-004D-A0EF-86F1C409823C}"/>
-              </a:ext>
-            </a:extLst>
-          </p:cNvPr>
-          <p:cNvSpPr>
-            <a:spLocks noGrp="1" noChangeArrowheads="1"/>
-          </p:cNvSpPr>
-          <p:nvPr>
-            <p:ph type="title"/>
-          </p:nvPr>
-        </p:nvSpPr>
-        <p:spPr>
-          <a:xfrm>
-            <a:off x="133564" y="106881"/>
-            <a:ext cx="7886700" cy="689517"/>
-          </a:xfrm>
-        </p:spPr>
-        <p:txBody>
-          <a:bodyPr/>
-          <a:lstStyle/>
-          <a:p>
-            <a:pPr eaLnBrk="1" hangingPunct="1"/>
-            <a:r>
-              <a:rPr lang="en-US" altLang="en-US" dirty="0">
-                <a:ea typeface="ＭＳ Ｐゴシック" panose="020B0600070205080204" pitchFamily="34" charset="-128"/>
-              </a:rPr>
-              <a:t>Bandwidth and Latency</a:t>
-            </a:r>
-          </a:p>
-        </p:txBody>
-      </p:sp>
-      <p:sp>
-        <p:nvSpPr>
-          <p:cNvPr id="84994" name="Content Placeholder 2">
-            <a:extLst>
-              <a:ext uri="{FF2B5EF4-FFF2-40B4-BE49-F238E27FC236}">
-                <a16:creationId xmlns:a16="http://schemas.microsoft.com/office/drawing/2014/main" id="{6971D443-43C5-2E43-8019-712D595D62F2}"/>
-              </a:ext>
-            </a:extLst>
-          </p:cNvPr>
-          <p:cNvSpPr>
-            <a:spLocks noGrp="1" noChangeArrowheads="1"/>
-          </p:cNvSpPr>
-          <p:nvPr>
-            <p:ph idx="1"/>
-          </p:nvPr>
-        </p:nvSpPr>
-        <p:spPr>
-          <a:xfrm>
-            <a:off x="277402" y="801385"/>
-            <a:ext cx="8733034" cy="4831262"/>
-          </a:xfrm>
-        </p:spPr>
-        <p:txBody>
-          <a:bodyPr/>
-          <a:lstStyle/>
-          <a:p>
-            <a:pPr marL="0" indent="0">
-              <a:buNone/>
-            </a:pPr>
-            <a:r>
-              <a:rPr lang="en-US" dirty="0"/>
               <a:t>When you have a large system there is going to be </a:t>
             </a:r>
             <a:r>
@@ -25342,7 +22489,7 @@
           <a:p>
             <a:fld id="{D57F1E4F-1CFF-5643-939E-02111984F565}" type="slidenum">
               <a:rPr lang="en-US" smtClean="0"/>
-              <a:t>36</a:t>
+              <a:t>30</a:t>
             </a:fld>
             <a:endParaRPr lang="en-US" dirty="0"/>
           </a:p>
@@ -25361,7 +22508,7 @@
 </p:sld>
 </file>
 
-<file path=ppt/slides/slide37.xml><?xml version="1.0" encoding="utf-8"?>
+<file path=ppt/slides/slide31.xml><?xml version="1.0" encoding="utf-8"?>
 <p:sld xmlns:a="http://schemas.openxmlformats.org/drawingml/2006/main" xmlns:r="http://schemas.openxmlformats.org/officeDocument/2006/relationships" xmlns:p="http://schemas.openxmlformats.org/presentationml/2006/main">
   <p:cSld>
     <p:spTree>
@@ -25614,7 +22761,7 @@
           <a:p>
             <a:fld id="{D57F1E4F-1CFF-5643-939E-02111984F565}" type="slidenum">
               <a:rPr lang="en-US" smtClean="0"/>
-              <a:t>37</a:t>
+              <a:t>31</a:t>
             </a:fld>
             <a:endParaRPr lang="en-US" dirty="0"/>
           </a:p>

--- a/courses/apcsp/lect18.pptx
+++ b/courses/apcsp/lect18.pptx
@@ -16,12 +16,12 @@
     <p:sldId id="528" r:id="rId7"/>
     <p:sldId id="566" r:id="rId8"/>
     <p:sldId id="567" r:id="rId9"/>
-    <p:sldId id="568" r:id="rId10"/>
-    <p:sldId id="571" r:id="rId11"/>
-    <p:sldId id="578" r:id="rId12"/>
-    <p:sldId id="579" r:id="rId13"/>
-    <p:sldId id="573" r:id="rId14"/>
-    <p:sldId id="570" r:id="rId15"/>
+    <p:sldId id="570" r:id="rId10"/>
+    <p:sldId id="568" r:id="rId11"/>
+    <p:sldId id="571" r:id="rId12"/>
+    <p:sldId id="578" r:id="rId13"/>
+    <p:sldId id="579" r:id="rId14"/>
+    <p:sldId id="573" r:id="rId15"/>
     <p:sldId id="576" r:id="rId16"/>
     <p:sldId id="612" r:id="rId17"/>
     <p:sldId id="583" r:id="rId18"/>
@@ -148,7 +148,7 @@
 <file path=ppt/revisionInfo.xml><?xml version="1.0" encoding="utf-8"?>
 <p1510:revInfo xmlns:a="http://schemas.openxmlformats.org/drawingml/2006/main" xmlns:r="http://schemas.openxmlformats.org/officeDocument/2006/relationships" xmlns:p1510="http://schemas.microsoft.com/office/powerpoint/2015/10/main">
   <p1510:revLst>
-    <p1510:client id="{571B3557-016F-8544-9E94-291716046DD1}" v="2" dt="2022-03-09T20:10:44.292"/>
+    <p1510:client id="{571B3557-016F-8544-9E94-291716046DD1}" v="14" dt="2022-03-10T18:31:49.798"/>
   </p1510:revLst>
 </p1510:revInfo>
 </file>
@@ -2486,8 +2486,8 @@
   </pc:docChgLst>
   <pc:docChgLst>
     <pc:chgData name="Long Nguyen" userId="f59fb8f3-a021-417a-8bc1-65c8d471c621" providerId="ADAL" clId="{571B3557-016F-8544-9E94-291716046DD1}"/>
-    <pc:docChg chg="custSel delSld modSld">
-      <pc:chgData name="Long Nguyen" userId="f59fb8f3-a021-417a-8bc1-65c8d471c621" providerId="ADAL" clId="{571B3557-016F-8544-9E94-291716046DD1}" dt="2022-03-09T20:10:46.065" v="16" actId="2696"/>
+    <pc:docChg chg="custSel addSld delSld modSld">
+      <pc:chgData name="Long Nguyen" userId="f59fb8f3-a021-417a-8bc1-65c8d471c621" providerId="ADAL" clId="{571B3557-016F-8544-9E94-291716046DD1}" dt="2022-03-10T18:31:49.794" v="106"/>
       <pc:docMkLst>
         <pc:docMk/>
       </pc:docMkLst>
@@ -2506,14 +2506,43 @@
           </ac:spMkLst>
         </pc:spChg>
       </pc:sldChg>
+      <pc:sldChg chg="add">
+        <pc:chgData name="Long Nguyen" userId="f59fb8f3-a021-417a-8bc1-65c8d471c621" providerId="ADAL" clId="{571B3557-016F-8544-9E94-291716046DD1}" dt="2022-03-10T18:31:49.794" v="106"/>
+        <pc:sldMkLst>
+          <pc:docMk/>
+          <pc:sldMk cId="1719955328" sldId="570"/>
+        </pc:sldMkLst>
+      </pc:sldChg>
+      <pc:sldChg chg="add del">
+        <pc:chgData name="Long Nguyen" userId="f59fb8f3-a021-417a-8bc1-65c8d471c621" providerId="ADAL" clId="{571B3557-016F-8544-9E94-291716046DD1}" dt="2022-03-10T18:31:46.500" v="105" actId="2696"/>
+        <pc:sldMkLst>
+          <pc:docMk/>
+          <pc:sldMk cId="1746280979" sldId="570"/>
+        </pc:sldMkLst>
+      </pc:sldChg>
+      <pc:sldChg chg="modSp del">
+        <pc:chgData name="Long Nguyen" userId="f59fb8f3-a021-417a-8bc1-65c8d471c621" providerId="ADAL" clId="{571B3557-016F-8544-9E94-291716046DD1}" dt="2022-03-10T18:31:30.376" v="103" actId="2696"/>
+        <pc:sldMkLst>
+          <pc:docMk/>
+          <pc:sldMk cId="4001486838" sldId="570"/>
+        </pc:sldMkLst>
+        <pc:spChg chg="mod">
+          <ac:chgData name="Long Nguyen" userId="f59fb8f3-a021-417a-8bc1-65c8d471c621" providerId="ADAL" clId="{571B3557-016F-8544-9E94-291716046DD1}" dt="2022-03-10T15:25:55.872" v="69" actId="113"/>
+          <ac:spMkLst>
+            <pc:docMk/>
+            <pc:sldMk cId="4001486838" sldId="570"/>
+            <ac:spMk id="39938" creationId="{6D60C863-7ABD-3143-ABF5-601EEB054571}"/>
+          </ac:spMkLst>
+        </pc:spChg>
+      </pc:sldChg>
       <pc:sldChg chg="modSp mod modAnim">
-        <pc:chgData name="Long Nguyen" userId="f59fb8f3-a021-417a-8bc1-65c8d471c621" providerId="ADAL" clId="{571B3557-016F-8544-9E94-291716046DD1}" dt="2022-03-09T20:10:44.323" v="15" actId="27636"/>
+        <pc:chgData name="Long Nguyen" userId="f59fb8f3-a021-417a-8bc1-65c8d471c621" providerId="ADAL" clId="{571B3557-016F-8544-9E94-291716046DD1}" dt="2022-03-10T15:26:22.524" v="72" actId="113"/>
         <pc:sldMkLst>
           <pc:docMk/>
           <pc:sldMk cId="3391101355" sldId="575"/>
         </pc:sldMkLst>
         <pc:spChg chg="mod">
-          <ac:chgData name="Long Nguyen" userId="f59fb8f3-a021-417a-8bc1-65c8d471c621" providerId="ADAL" clId="{571B3557-016F-8544-9E94-291716046DD1}" dt="2022-03-09T20:10:44.323" v="15" actId="27636"/>
+          <ac:chgData name="Long Nguyen" userId="f59fb8f3-a021-417a-8bc1-65c8d471c621" providerId="ADAL" clId="{571B3557-016F-8544-9E94-291716046DD1}" dt="2022-03-10T15:26:22.524" v="72" actId="113"/>
           <ac:spMkLst>
             <pc:docMk/>
             <pc:sldMk cId="3391101355" sldId="575"/>
@@ -2529,12 +2558,57 @@
           </ac:spMkLst>
         </pc:spChg>
       </pc:sldChg>
+      <pc:sldChg chg="modSp">
+        <pc:chgData name="Long Nguyen" userId="f59fb8f3-a021-417a-8bc1-65c8d471c621" providerId="ADAL" clId="{571B3557-016F-8544-9E94-291716046DD1}" dt="2022-03-10T15:26:08.709" v="71" actId="113"/>
+        <pc:sldMkLst>
+          <pc:docMk/>
+          <pc:sldMk cId="1727266702" sldId="578"/>
+        </pc:sldMkLst>
+        <pc:spChg chg="mod">
+          <ac:chgData name="Long Nguyen" userId="f59fb8f3-a021-417a-8bc1-65c8d471c621" providerId="ADAL" clId="{571B3557-016F-8544-9E94-291716046DD1}" dt="2022-03-10T15:26:08.709" v="71" actId="113"/>
+          <ac:spMkLst>
+            <pc:docMk/>
+            <pc:sldMk cId="1727266702" sldId="578"/>
+            <ac:spMk id="33794" creationId="{1B9931B8-23E4-C546-8529-25A8A3CB57FD}"/>
+          </ac:spMkLst>
+        </pc:spChg>
+      </pc:sldChg>
       <pc:sldChg chg="del">
         <pc:chgData name="Long Nguyen" userId="f59fb8f3-a021-417a-8bc1-65c8d471c621" providerId="ADAL" clId="{571B3557-016F-8544-9E94-291716046DD1}" dt="2022-03-09T20:09:47.813" v="4" actId="2696"/>
         <pc:sldMkLst>
           <pc:docMk/>
           <pc:sldMk cId="4256317276" sldId="584"/>
         </pc:sldMkLst>
+      </pc:sldChg>
+      <pc:sldChg chg="modSp mod">
+        <pc:chgData name="Long Nguyen" userId="f59fb8f3-a021-417a-8bc1-65c8d471c621" providerId="ADAL" clId="{571B3557-016F-8544-9E94-291716046DD1}" dt="2022-03-10T15:38:34.280" v="96" actId="20577"/>
+        <pc:sldMkLst>
+          <pc:docMk/>
+          <pc:sldMk cId="3977893820" sldId="585"/>
+        </pc:sldMkLst>
+        <pc:spChg chg="mod">
+          <ac:chgData name="Long Nguyen" userId="f59fb8f3-a021-417a-8bc1-65c8d471c621" providerId="ADAL" clId="{571B3557-016F-8544-9E94-291716046DD1}" dt="2022-03-10T15:38:34.280" v="96" actId="20577"/>
+          <ac:spMkLst>
+            <pc:docMk/>
+            <pc:sldMk cId="3977893820" sldId="585"/>
+            <ac:spMk id="65537" creationId="{86430671-77D5-6E4C-94A5-D61EB184D3ED}"/>
+          </ac:spMkLst>
+        </pc:spChg>
+      </pc:sldChg>
+      <pc:sldChg chg="modSp mod">
+        <pc:chgData name="Long Nguyen" userId="f59fb8f3-a021-417a-8bc1-65c8d471c621" providerId="ADAL" clId="{571B3557-016F-8544-9E94-291716046DD1}" dt="2022-03-10T15:38:20.267" v="86" actId="20577"/>
+        <pc:sldMkLst>
+          <pc:docMk/>
+          <pc:sldMk cId="1319289224" sldId="586"/>
+        </pc:sldMkLst>
+        <pc:spChg chg="mod">
+          <ac:chgData name="Long Nguyen" userId="f59fb8f3-a021-417a-8bc1-65c8d471c621" providerId="ADAL" clId="{571B3557-016F-8544-9E94-291716046DD1}" dt="2022-03-10T15:38:20.267" v="86" actId="20577"/>
+          <ac:spMkLst>
+            <pc:docMk/>
+            <pc:sldMk cId="1319289224" sldId="586"/>
+            <ac:spMk id="67585" creationId="{6089FBFB-967C-FD45-992B-EB81E5CF2976}"/>
+          </ac:spMkLst>
+        </pc:spChg>
       </pc:sldChg>
       <pc:sldChg chg="modSp del mod">
         <pc:chgData name="Long Nguyen" userId="f59fb8f3-a021-417a-8bc1-65c8d471c621" providerId="ADAL" clId="{571B3557-016F-8544-9E94-291716046DD1}" dt="2022-03-09T20:10:46.065" v="16" actId="2696"/>
@@ -2551,8 +2625,8 @@
           </ac:spMkLst>
         </pc:spChg>
       </pc:sldChg>
-      <pc:sldChg chg="modSp mod">
-        <pc:chgData name="Long Nguyen" userId="f59fb8f3-a021-417a-8bc1-65c8d471c621" providerId="ADAL" clId="{571B3557-016F-8544-9E94-291716046DD1}" dt="2022-03-09T20:10:35.683" v="10" actId="27636"/>
+      <pc:sldChg chg="modSp mod modAnim">
+        <pc:chgData name="Long Nguyen" userId="f59fb8f3-a021-417a-8bc1-65c8d471c621" providerId="ADAL" clId="{571B3557-016F-8544-9E94-291716046DD1}" dt="2022-03-10T17:43:00.523" v="102"/>
         <pc:sldMkLst>
           <pc:docMk/>
           <pc:sldMk cId="2164029680" sldId="611"/>
@@ -2579,6 +2653,21 @@
           <pc:docMk/>
           <pc:sldMk cId="1678415157" sldId="615"/>
         </pc:sldMkLst>
+      </pc:sldChg>
+      <pc:sldChg chg="modSp mod">
+        <pc:chgData name="Long Nguyen" userId="f59fb8f3-a021-417a-8bc1-65c8d471c621" providerId="ADAL" clId="{571B3557-016F-8544-9E94-291716046DD1}" dt="2022-03-10T15:26:41.136" v="76" actId="20577"/>
+        <pc:sldMkLst>
+          <pc:docMk/>
+          <pc:sldMk cId="827202224" sldId="616"/>
+        </pc:sldMkLst>
+        <pc:spChg chg="mod">
+          <ac:chgData name="Long Nguyen" userId="f59fb8f3-a021-417a-8bc1-65c8d471c621" providerId="ADAL" clId="{571B3557-016F-8544-9E94-291716046DD1}" dt="2022-03-10T15:26:41.136" v="76" actId="20577"/>
+          <ac:spMkLst>
+            <pc:docMk/>
+            <pc:sldMk cId="827202224" sldId="616"/>
+            <ac:spMk id="56322" creationId="{C6A7743F-88FF-7C47-8B09-99222CD5E28E}"/>
+          </ac:spMkLst>
+        </pc:spChg>
       </pc:sldChg>
       <pc:sldChg chg="del">
         <pc:chgData name="Long Nguyen" userId="f59fb8f3-a021-417a-8bc1-65c8d471c621" providerId="ADAL" clId="{571B3557-016F-8544-9E94-291716046DD1}" dt="2022-03-09T20:09:34.560" v="3" actId="2696"/>
@@ -3532,7 +3621,7 @@
           <a:p>
             <a:fld id="{6EDD99D2-A624-5E4F-A4E3-584054837B5A}" type="datetimeFigureOut">
               <a:rPr lang="en-US" smtClean="0"/>
-              <a:t>3/8/22</a:t>
+              <a:t>3/10/22</a:t>
             </a:fld>
             <a:endParaRPr lang="en-US"/>
           </a:p>
@@ -4103,6 +4192,291 @@
       </p:grpSpPr>
       <p:sp>
         <p:nvSpPr>
+          <p:cNvPr id="32769" name="Rectangle 7">
+            <a:extLst>
+              <a:ext uri="{FF2B5EF4-FFF2-40B4-BE49-F238E27FC236}">
+                <a16:creationId xmlns:a16="http://schemas.microsoft.com/office/drawing/2014/main" id="{BE10DE50-8927-F343-933F-13BBE4500F37}"/>
+              </a:ext>
+            </a:extLst>
+          </p:cNvPr>
+          <p:cNvSpPr>
+            <a:spLocks noGrp="1" noChangeArrowheads="1"/>
+          </p:cNvSpPr>
+          <p:nvPr>
+            <p:ph type="sldNum" sz="quarter" idx="5"/>
+          </p:nvPr>
+        </p:nvSpPr>
+        <p:spPr bwMode="auto">
+          <a:noFill/>
+          <a:extLst>
+            <a:ext uri="{909E8E84-426E-40DD-AFC4-6F175D3DCCD1}">
+              <a14:hiddenFill xmlns:a14="http://schemas.microsoft.com/office/drawing/2010/main">
+                <a:solidFill>
+                  <a:srgbClr val="FFFFFF"/>
+                </a:solidFill>
+              </a14:hiddenFill>
+            </a:ext>
+            <a:ext uri="{91240B29-F687-4F45-9708-019B960494DF}">
+              <a14:hiddenLine xmlns:a14="http://schemas.microsoft.com/office/drawing/2010/main" w="9525">
+                <a:solidFill>
+                  <a:srgbClr val="000000"/>
+                </a:solidFill>
+                <a:miter lim="800000"/>
+                <a:headEnd/>
+                <a:tailEnd/>
+              </a14:hiddenLine>
+            </a:ext>
+          </a:extLst>
+        </p:spPr>
+        <p:txBody>
+          <a:bodyPr/>
+          <a:lstStyle>
+            <a:lvl1pPr>
+              <a:defRPr>
+                <a:solidFill>
+                  <a:schemeClr val="tx1"/>
+                </a:solidFill>
+                <a:latin typeface="Arial" panose="020B0604020202020204" pitchFamily="34" charset="0"/>
+                <a:ea typeface="ＭＳ Ｐゴシック" panose="020B0600070205080204" pitchFamily="34" charset="-128"/>
+              </a:defRPr>
+            </a:lvl1pPr>
+            <a:lvl2pPr marL="742950" indent="-285750">
+              <a:defRPr>
+                <a:solidFill>
+                  <a:schemeClr val="tx1"/>
+                </a:solidFill>
+                <a:latin typeface="Arial" panose="020B0604020202020204" pitchFamily="34" charset="0"/>
+                <a:ea typeface="ＭＳ Ｐゴシック" panose="020B0600070205080204" pitchFamily="34" charset="-128"/>
+              </a:defRPr>
+            </a:lvl2pPr>
+            <a:lvl3pPr marL="1143000" indent="-228600">
+              <a:defRPr>
+                <a:solidFill>
+                  <a:schemeClr val="tx1"/>
+                </a:solidFill>
+                <a:latin typeface="Arial" panose="020B0604020202020204" pitchFamily="34" charset="0"/>
+                <a:ea typeface="ＭＳ Ｐゴシック" panose="020B0600070205080204" pitchFamily="34" charset="-128"/>
+              </a:defRPr>
+            </a:lvl3pPr>
+            <a:lvl4pPr marL="1600200" indent="-228600">
+              <a:defRPr>
+                <a:solidFill>
+                  <a:schemeClr val="tx1"/>
+                </a:solidFill>
+                <a:latin typeface="Arial" panose="020B0604020202020204" pitchFamily="34" charset="0"/>
+                <a:ea typeface="ＭＳ Ｐゴシック" panose="020B0600070205080204" pitchFamily="34" charset="-128"/>
+              </a:defRPr>
+            </a:lvl4pPr>
+            <a:lvl5pPr marL="2057400" indent="-228600">
+              <a:defRPr>
+                <a:solidFill>
+                  <a:schemeClr val="tx1"/>
+                </a:solidFill>
+                <a:latin typeface="Arial" panose="020B0604020202020204" pitchFamily="34" charset="0"/>
+                <a:ea typeface="ＭＳ Ｐゴシック" panose="020B0600070205080204" pitchFamily="34" charset="-128"/>
+              </a:defRPr>
+            </a:lvl5pPr>
+            <a:lvl6pPr marL="2514600" indent="-228600" eaLnBrk="0" fontAlgn="base" hangingPunct="0">
+              <a:spcBef>
+                <a:spcPct val="0"/>
+              </a:spcBef>
+              <a:spcAft>
+                <a:spcPct val="0"/>
+              </a:spcAft>
+              <a:defRPr>
+                <a:solidFill>
+                  <a:schemeClr val="tx1"/>
+                </a:solidFill>
+                <a:latin typeface="Arial" panose="020B0604020202020204" pitchFamily="34" charset="0"/>
+                <a:ea typeface="ＭＳ Ｐゴシック" panose="020B0600070205080204" pitchFamily="34" charset="-128"/>
+              </a:defRPr>
+            </a:lvl6pPr>
+            <a:lvl7pPr marL="2971800" indent="-228600" eaLnBrk="0" fontAlgn="base" hangingPunct="0">
+              <a:spcBef>
+                <a:spcPct val="0"/>
+              </a:spcBef>
+              <a:spcAft>
+                <a:spcPct val="0"/>
+              </a:spcAft>
+              <a:defRPr>
+                <a:solidFill>
+                  <a:schemeClr val="tx1"/>
+                </a:solidFill>
+                <a:latin typeface="Arial" panose="020B0604020202020204" pitchFamily="34" charset="0"/>
+                <a:ea typeface="ＭＳ Ｐゴシック" panose="020B0600070205080204" pitchFamily="34" charset="-128"/>
+              </a:defRPr>
+            </a:lvl7pPr>
+            <a:lvl8pPr marL="3429000" indent="-228600" eaLnBrk="0" fontAlgn="base" hangingPunct="0">
+              <a:spcBef>
+                <a:spcPct val="0"/>
+              </a:spcBef>
+              <a:spcAft>
+                <a:spcPct val="0"/>
+              </a:spcAft>
+              <a:defRPr>
+                <a:solidFill>
+                  <a:schemeClr val="tx1"/>
+                </a:solidFill>
+                <a:latin typeface="Arial" panose="020B0604020202020204" pitchFamily="34" charset="0"/>
+                <a:ea typeface="ＭＳ Ｐゴシック" panose="020B0600070205080204" pitchFamily="34" charset="-128"/>
+              </a:defRPr>
+            </a:lvl8pPr>
+            <a:lvl9pPr marL="3886200" indent="-228600" eaLnBrk="0" fontAlgn="base" hangingPunct="0">
+              <a:spcBef>
+                <a:spcPct val="0"/>
+              </a:spcBef>
+              <a:spcAft>
+                <a:spcPct val="0"/>
+              </a:spcAft>
+              <a:defRPr>
+                <a:solidFill>
+                  <a:schemeClr val="tx1"/>
+                </a:solidFill>
+                <a:latin typeface="Arial" panose="020B0604020202020204" pitchFamily="34" charset="0"/>
+                <a:ea typeface="ＭＳ Ｐゴシック" panose="020B0600070205080204" pitchFamily="34" charset="-128"/>
+              </a:defRPr>
+            </a:lvl9pPr>
+          </a:lstStyle>
+          <a:p>
+            <a:fld id="{4CF13696-9FD2-1245-90FA-E3B25160C85C}" type="slidenum">
+              <a:rPr lang="en-US" altLang="en-US" smtClean="0"/>
+              <a:pPr/>
+              <a:t>11</a:t>
+            </a:fld>
+            <a:endParaRPr lang="en-US" altLang="en-US"/>
+          </a:p>
+        </p:txBody>
+      </p:sp>
+      <p:sp>
+        <p:nvSpPr>
+          <p:cNvPr id="32770" name="Rectangle 2">
+            <a:extLst>
+              <a:ext uri="{FF2B5EF4-FFF2-40B4-BE49-F238E27FC236}">
+                <a16:creationId xmlns:a16="http://schemas.microsoft.com/office/drawing/2014/main" id="{845C0A7D-A12A-A042-8CA0-C7BF8ABE2AFB}"/>
+              </a:ext>
+            </a:extLst>
+          </p:cNvPr>
+          <p:cNvSpPr>
+            <a:spLocks noGrp="1" noRot="1" noChangeAspect="1" noChangeArrowheads="1" noTextEdit="1"/>
+          </p:cNvSpPr>
+          <p:nvPr>
+            <p:ph type="sldImg"/>
+          </p:nvPr>
+        </p:nvSpPr>
+        <p:spPr bwMode="auto">
+          <a:xfrm>
+            <a:off x="687388" y="685800"/>
+            <a:ext cx="5486400" cy="3429000"/>
+          </a:xfrm>
+          <a:noFill/>
+          <a:ln>
+            <a:solidFill>
+              <a:srgbClr val="000000"/>
+            </a:solidFill>
+            <a:miter lim="800000"/>
+            <a:headEnd/>
+            <a:tailEnd/>
+          </a:ln>
+          <a:extLst>
+            <a:ext uri="{909E8E84-426E-40DD-AFC4-6F175D3DCCD1}">
+              <a14:hiddenFill xmlns:a14="http://schemas.microsoft.com/office/drawing/2010/main">
+                <a:solidFill>
+                  <a:srgbClr val="FFFFFF"/>
+                </a:solidFill>
+              </a14:hiddenFill>
+            </a:ext>
+          </a:extLst>
+        </p:spPr>
+      </p:sp>
+      <p:sp>
+        <p:nvSpPr>
+          <p:cNvPr id="32771" name="Rectangle 3">
+            <a:extLst>
+              <a:ext uri="{FF2B5EF4-FFF2-40B4-BE49-F238E27FC236}">
+                <a16:creationId xmlns:a16="http://schemas.microsoft.com/office/drawing/2014/main" id="{4D4E2E48-C8BF-B841-AA12-794B31C39484}"/>
+              </a:ext>
+            </a:extLst>
+          </p:cNvPr>
+          <p:cNvSpPr>
+            <a:spLocks noGrp="1" noChangeArrowheads="1"/>
+          </p:cNvSpPr>
+          <p:nvPr>
+            <p:ph type="body" idx="1"/>
+          </p:nvPr>
+        </p:nvSpPr>
+        <p:spPr bwMode="auto">
+          <a:xfrm>
+            <a:off x="914400" y="4343400"/>
+            <a:ext cx="5029200" cy="4114800"/>
+          </a:xfrm>
+          <a:noFill/>
+          <a:extLst>
+            <a:ext uri="{909E8E84-426E-40DD-AFC4-6F175D3DCCD1}">
+              <a14:hiddenFill xmlns:a14="http://schemas.microsoft.com/office/drawing/2010/main">
+                <a:solidFill>
+                  <a:srgbClr val="FFFFFF"/>
+                </a:solidFill>
+              </a14:hiddenFill>
+            </a:ext>
+            <a:ext uri="{91240B29-F687-4F45-9708-019B960494DF}">
+              <a14:hiddenLine xmlns:a14="http://schemas.microsoft.com/office/drawing/2010/main" w="9525">
+                <a:solidFill>
+                  <a:srgbClr val="000000"/>
+                </a:solidFill>
+                <a:miter lim="800000"/>
+                <a:headEnd/>
+                <a:tailEnd/>
+              </a14:hiddenLine>
+            </a:ext>
+          </a:extLst>
+        </p:spPr>
+        <p:txBody>
+          <a:bodyPr wrap="square" lIns="91433" tIns="45716" rIns="91433" bIns="45716" numCol="1" anchor="t" anchorCtr="0" compatLnSpc="1">
+            <a:prstTxWarp prst="textNoShape">
+              <a:avLst/>
+            </a:prstTxWarp>
+          </a:bodyPr>
+          <a:lstStyle/>
+          <a:p>
+            <a:pPr eaLnBrk="1" hangingPunct="1"/>
+            <a:endParaRPr lang="en-US" altLang="en-US">
+              <a:ea typeface="ＭＳ Ｐゴシック" panose="020B0600070205080204" pitchFamily="34" charset="-128"/>
+            </a:endParaRPr>
+          </a:p>
+        </p:txBody>
+      </p:sp>
+    </p:spTree>
+    <p:extLst>
+      <p:ext uri="{BB962C8B-B14F-4D97-AF65-F5344CB8AC3E}">
+        <p14:creationId xmlns:p14="http://schemas.microsoft.com/office/powerpoint/2010/main" val="1721812828"/>
+      </p:ext>
+    </p:extLst>
+  </p:cSld>
+  <p:clrMapOvr>
+    <a:masterClrMapping/>
+  </p:clrMapOvr>
+</p:notes>
+</file>
+
+<file path=ppt/notesSlides/notesSlide11.xml><?xml version="1.0" encoding="utf-8"?>
+<p:notes xmlns:a="http://schemas.openxmlformats.org/drawingml/2006/main" xmlns:r="http://schemas.openxmlformats.org/officeDocument/2006/relationships" xmlns:p="http://schemas.openxmlformats.org/presentationml/2006/main">
+  <p:cSld>
+    <p:spTree>
+      <p:nvGrpSpPr>
+        <p:cNvPr id="1" name=""/>
+        <p:cNvGrpSpPr/>
+        <p:nvPr/>
+      </p:nvGrpSpPr>
+      <p:grpSpPr>
+        <a:xfrm>
+          <a:off x="0" y="0"/>
+          <a:ext cx="0" cy="0"/>
+          <a:chOff x="0" y="0"/>
+          <a:chExt cx="0" cy="0"/>
+        </a:xfrm>
+      </p:grpSpPr>
+      <p:sp>
+        <p:nvSpPr>
           <p:cNvPr id="34817" name="Rectangle 7">
             <a:extLst>
               <a:ext uri="{FF2B5EF4-FFF2-40B4-BE49-F238E27FC236}">
@@ -4252,7 +4626,7 @@
             <a:fld id="{C3B926A0-F904-F944-ACCE-458101EF99C3}" type="slidenum">
               <a:rPr lang="en-US" altLang="en-US" smtClean="0"/>
               <a:pPr/>
-              <a:t>11</a:t>
+              <a:t>12</a:t>
             </a:fld>
             <a:endParaRPr lang="en-US" altLang="en-US"/>
           </a:p>
@@ -4369,7 +4743,7 @@
 </p:notes>
 </file>
 
-<file path=ppt/notesSlides/notesSlide11.xml><?xml version="1.0" encoding="utf-8"?>
+<file path=ppt/notesSlides/notesSlide12.xml><?xml version="1.0" encoding="utf-8"?>
 <p:notes xmlns:a="http://schemas.openxmlformats.org/drawingml/2006/main" xmlns:r="http://schemas.openxmlformats.org/officeDocument/2006/relationships" xmlns:p="http://schemas.openxmlformats.org/presentationml/2006/main">
   <p:cSld>
     <p:spTree>
@@ -4537,7 +4911,7 @@
             <a:fld id="{F9DA0DF2-0A39-704E-AF24-17446C76AB9E}" type="slidenum">
               <a:rPr lang="en-US" altLang="en-US" smtClean="0"/>
               <a:pPr/>
-              <a:t>12</a:t>
+              <a:t>13</a:t>
             </a:fld>
             <a:endParaRPr lang="en-US" altLang="en-US"/>
           </a:p>
@@ -4654,7 +5028,7 @@
 </p:notes>
 </file>
 
-<file path=ppt/notesSlides/notesSlide12.xml><?xml version="1.0" encoding="utf-8"?>
+<file path=ppt/notesSlides/notesSlide13.xml><?xml version="1.0" encoding="utf-8"?>
 <p:notes xmlns:a="http://schemas.openxmlformats.org/drawingml/2006/main" xmlns:r="http://schemas.openxmlformats.org/officeDocument/2006/relationships" xmlns:p="http://schemas.openxmlformats.org/presentationml/2006/main">
   <p:cSld>
     <p:spTree>
@@ -4822,7 +5196,7 @@
             <a:fld id="{8C062810-3250-C04E-9826-40DE9564AB44}" type="slidenum">
               <a:rPr lang="en-US" altLang="en-US" smtClean="0"/>
               <a:pPr/>
-              <a:t>13</a:t>
+              <a:t>14</a:t>
             </a:fld>
             <a:endParaRPr lang="en-US" altLang="en-US"/>
           </a:p>
@@ -4930,291 +5304,6 @@
     <p:extLst>
       <p:ext uri="{BB962C8B-B14F-4D97-AF65-F5344CB8AC3E}">
         <p14:creationId xmlns:p14="http://schemas.microsoft.com/office/powerpoint/2010/main" val="405566630"/>
-      </p:ext>
-    </p:extLst>
-  </p:cSld>
-  <p:clrMapOvr>
-    <a:masterClrMapping/>
-  </p:clrMapOvr>
-</p:notes>
-</file>
-
-<file path=ppt/notesSlides/notesSlide13.xml><?xml version="1.0" encoding="utf-8"?>
-<p:notes xmlns:a="http://schemas.openxmlformats.org/drawingml/2006/main" xmlns:r="http://schemas.openxmlformats.org/officeDocument/2006/relationships" xmlns:p="http://schemas.openxmlformats.org/presentationml/2006/main">
-  <p:cSld>
-    <p:spTree>
-      <p:nvGrpSpPr>
-        <p:cNvPr id="1" name=""/>
-        <p:cNvGrpSpPr/>
-        <p:nvPr/>
-      </p:nvGrpSpPr>
-      <p:grpSpPr>
-        <a:xfrm>
-          <a:off x="0" y="0"/>
-          <a:ext cx="0" cy="0"/>
-          <a:chOff x="0" y="0"/>
-          <a:chExt cx="0" cy="0"/>
-        </a:xfrm>
-      </p:grpSpPr>
-      <p:sp>
-        <p:nvSpPr>
-          <p:cNvPr id="40961" name="Rectangle 7">
-            <a:extLst>
-              <a:ext uri="{FF2B5EF4-FFF2-40B4-BE49-F238E27FC236}">
-                <a16:creationId xmlns:a16="http://schemas.microsoft.com/office/drawing/2014/main" id="{01652C28-D98E-964C-A781-357D67E01473}"/>
-              </a:ext>
-            </a:extLst>
-          </p:cNvPr>
-          <p:cNvSpPr>
-            <a:spLocks noGrp="1" noChangeArrowheads="1"/>
-          </p:cNvSpPr>
-          <p:nvPr>
-            <p:ph type="sldNum" sz="quarter" idx="5"/>
-          </p:nvPr>
-        </p:nvSpPr>
-        <p:spPr bwMode="auto">
-          <a:noFill/>
-          <a:extLst>
-            <a:ext uri="{909E8E84-426E-40DD-AFC4-6F175D3DCCD1}">
-              <a14:hiddenFill xmlns:a14="http://schemas.microsoft.com/office/drawing/2010/main">
-                <a:solidFill>
-                  <a:srgbClr val="FFFFFF"/>
-                </a:solidFill>
-              </a14:hiddenFill>
-            </a:ext>
-            <a:ext uri="{91240B29-F687-4F45-9708-019B960494DF}">
-              <a14:hiddenLine xmlns:a14="http://schemas.microsoft.com/office/drawing/2010/main" w="9525">
-                <a:solidFill>
-                  <a:srgbClr val="000000"/>
-                </a:solidFill>
-                <a:miter lim="800000"/>
-                <a:headEnd/>
-                <a:tailEnd/>
-              </a14:hiddenLine>
-            </a:ext>
-          </a:extLst>
-        </p:spPr>
-        <p:txBody>
-          <a:bodyPr/>
-          <a:lstStyle>
-            <a:lvl1pPr>
-              <a:defRPr>
-                <a:solidFill>
-                  <a:schemeClr val="tx1"/>
-                </a:solidFill>
-                <a:latin typeface="Arial" panose="020B0604020202020204" pitchFamily="34" charset="0"/>
-                <a:ea typeface="ＭＳ Ｐゴシック" panose="020B0600070205080204" pitchFamily="34" charset="-128"/>
-              </a:defRPr>
-            </a:lvl1pPr>
-            <a:lvl2pPr marL="742950" indent="-285750">
-              <a:defRPr>
-                <a:solidFill>
-                  <a:schemeClr val="tx1"/>
-                </a:solidFill>
-                <a:latin typeface="Arial" panose="020B0604020202020204" pitchFamily="34" charset="0"/>
-                <a:ea typeface="ＭＳ Ｐゴシック" panose="020B0600070205080204" pitchFamily="34" charset="-128"/>
-              </a:defRPr>
-            </a:lvl2pPr>
-            <a:lvl3pPr marL="1143000" indent="-228600">
-              <a:defRPr>
-                <a:solidFill>
-                  <a:schemeClr val="tx1"/>
-                </a:solidFill>
-                <a:latin typeface="Arial" panose="020B0604020202020204" pitchFamily="34" charset="0"/>
-                <a:ea typeface="ＭＳ Ｐゴシック" panose="020B0600070205080204" pitchFamily="34" charset="-128"/>
-              </a:defRPr>
-            </a:lvl3pPr>
-            <a:lvl4pPr marL="1600200" indent="-228600">
-              <a:defRPr>
-                <a:solidFill>
-                  <a:schemeClr val="tx1"/>
-                </a:solidFill>
-                <a:latin typeface="Arial" panose="020B0604020202020204" pitchFamily="34" charset="0"/>
-                <a:ea typeface="ＭＳ Ｐゴシック" panose="020B0600070205080204" pitchFamily="34" charset="-128"/>
-              </a:defRPr>
-            </a:lvl4pPr>
-            <a:lvl5pPr marL="2057400" indent="-228600">
-              <a:defRPr>
-                <a:solidFill>
-                  <a:schemeClr val="tx1"/>
-                </a:solidFill>
-                <a:latin typeface="Arial" panose="020B0604020202020204" pitchFamily="34" charset="0"/>
-                <a:ea typeface="ＭＳ Ｐゴシック" panose="020B0600070205080204" pitchFamily="34" charset="-128"/>
-              </a:defRPr>
-            </a:lvl5pPr>
-            <a:lvl6pPr marL="2514600" indent="-228600" eaLnBrk="0" fontAlgn="base" hangingPunct="0">
-              <a:spcBef>
-                <a:spcPct val="0"/>
-              </a:spcBef>
-              <a:spcAft>
-                <a:spcPct val="0"/>
-              </a:spcAft>
-              <a:defRPr>
-                <a:solidFill>
-                  <a:schemeClr val="tx1"/>
-                </a:solidFill>
-                <a:latin typeface="Arial" panose="020B0604020202020204" pitchFamily="34" charset="0"/>
-                <a:ea typeface="ＭＳ Ｐゴシック" panose="020B0600070205080204" pitchFamily="34" charset="-128"/>
-              </a:defRPr>
-            </a:lvl6pPr>
-            <a:lvl7pPr marL="2971800" indent="-228600" eaLnBrk="0" fontAlgn="base" hangingPunct="0">
-              <a:spcBef>
-                <a:spcPct val="0"/>
-              </a:spcBef>
-              <a:spcAft>
-                <a:spcPct val="0"/>
-              </a:spcAft>
-              <a:defRPr>
-                <a:solidFill>
-                  <a:schemeClr val="tx1"/>
-                </a:solidFill>
-                <a:latin typeface="Arial" panose="020B0604020202020204" pitchFamily="34" charset="0"/>
-                <a:ea typeface="ＭＳ Ｐゴシック" panose="020B0600070205080204" pitchFamily="34" charset="-128"/>
-              </a:defRPr>
-            </a:lvl7pPr>
-            <a:lvl8pPr marL="3429000" indent="-228600" eaLnBrk="0" fontAlgn="base" hangingPunct="0">
-              <a:spcBef>
-                <a:spcPct val="0"/>
-              </a:spcBef>
-              <a:spcAft>
-                <a:spcPct val="0"/>
-              </a:spcAft>
-              <a:defRPr>
-                <a:solidFill>
-                  <a:schemeClr val="tx1"/>
-                </a:solidFill>
-                <a:latin typeface="Arial" panose="020B0604020202020204" pitchFamily="34" charset="0"/>
-                <a:ea typeface="ＭＳ Ｐゴシック" panose="020B0600070205080204" pitchFamily="34" charset="-128"/>
-              </a:defRPr>
-            </a:lvl8pPr>
-            <a:lvl9pPr marL="3886200" indent="-228600" eaLnBrk="0" fontAlgn="base" hangingPunct="0">
-              <a:spcBef>
-                <a:spcPct val="0"/>
-              </a:spcBef>
-              <a:spcAft>
-                <a:spcPct val="0"/>
-              </a:spcAft>
-              <a:defRPr>
-                <a:solidFill>
-                  <a:schemeClr val="tx1"/>
-                </a:solidFill>
-                <a:latin typeface="Arial" panose="020B0604020202020204" pitchFamily="34" charset="0"/>
-                <a:ea typeface="ＭＳ Ｐゴシック" panose="020B0600070205080204" pitchFamily="34" charset="-128"/>
-              </a:defRPr>
-            </a:lvl9pPr>
-          </a:lstStyle>
-          <a:p>
-            <a:fld id="{BA3A9032-1F54-474E-906D-EF35843467EE}" type="slidenum">
-              <a:rPr lang="en-US" altLang="en-US" smtClean="0"/>
-              <a:pPr/>
-              <a:t>14</a:t>
-            </a:fld>
-            <a:endParaRPr lang="en-US" altLang="en-US"/>
-          </a:p>
-        </p:txBody>
-      </p:sp>
-      <p:sp>
-        <p:nvSpPr>
-          <p:cNvPr id="40962" name="Rectangle 2">
-            <a:extLst>
-              <a:ext uri="{FF2B5EF4-FFF2-40B4-BE49-F238E27FC236}">
-                <a16:creationId xmlns:a16="http://schemas.microsoft.com/office/drawing/2014/main" id="{A4AA7C90-5A68-9F47-94B8-0FC7FBDDFAE6}"/>
-              </a:ext>
-            </a:extLst>
-          </p:cNvPr>
-          <p:cNvSpPr>
-            <a:spLocks noGrp="1" noRot="1" noChangeAspect="1" noChangeArrowheads="1" noTextEdit="1"/>
-          </p:cNvSpPr>
-          <p:nvPr>
-            <p:ph type="sldImg"/>
-          </p:nvPr>
-        </p:nvSpPr>
-        <p:spPr bwMode="auto">
-          <a:xfrm>
-            <a:off x="687388" y="685800"/>
-            <a:ext cx="5486400" cy="3429000"/>
-          </a:xfrm>
-          <a:noFill/>
-          <a:ln>
-            <a:solidFill>
-              <a:srgbClr val="000000"/>
-            </a:solidFill>
-            <a:miter lim="800000"/>
-            <a:headEnd/>
-            <a:tailEnd/>
-          </a:ln>
-          <a:extLst>
-            <a:ext uri="{909E8E84-426E-40DD-AFC4-6F175D3DCCD1}">
-              <a14:hiddenFill xmlns:a14="http://schemas.microsoft.com/office/drawing/2010/main">
-                <a:solidFill>
-                  <a:srgbClr val="FFFFFF"/>
-                </a:solidFill>
-              </a14:hiddenFill>
-            </a:ext>
-          </a:extLst>
-        </p:spPr>
-      </p:sp>
-      <p:sp>
-        <p:nvSpPr>
-          <p:cNvPr id="40963" name="Rectangle 3">
-            <a:extLst>
-              <a:ext uri="{FF2B5EF4-FFF2-40B4-BE49-F238E27FC236}">
-                <a16:creationId xmlns:a16="http://schemas.microsoft.com/office/drawing/2014/main" id="{C06D6794-B55E-E543-8892-D6B0466622BE}"/>
-              </a:ext>
-            </a:extLst>
-          </p:cNvPr>
-          <p:cNvSpPr>
-            <a:spLocks noGrp="1" noChangeArrowheads="1"/>
-          </p:cNvSpPr>
-          <p:nvPr>
-            <p:ph type="body" idx="1"/>
-          </p:nvPr>
-        </p:nvSpPr>
-        <p:spPr bwMode="auto">
-          <a:xfrm>
-            <a:off x="914400" y="4343400"/>
-            <a:ext cx="5029200" cy="4114800"/>
-          </a:xfrm>
-          <a:noFill/>
-          <a:extLst>
-            <a:ext uri="{909E8E84-426E-40DD-AFC4-6F175D3DCCD1}">
-              <a14:hiddenFill xmlns:a14="http://schemas.microsoft.com/office/drawing/2010/main">
-                <a:solidFill>
-                  <a:srgbClr val="FFFFFF"/>
-                </a:solidFill>
-              </a14:hiddenFill>
-            </a:ext>
-            <a:ext uri="{91240B29-F687-4F45-9708-019B960494DF}">
-              <a14:hiddenLine xmlns:a14="http://schemas.microsoft.com/office/drawing/2010/main" w="9525">
-                <a:solidFill>
-                  <a:srgbClr val="000000"/>
-                </a:solidFill>
-                <a:miter lim="800000"/>
-                <a:headEnd/>
-                <a:tailEnd/>
-              </a14:hiddenLine>
-            </a:ext>
-          </a:extLst>
-        </p:spPr>
-        <p:txBody>
-          <a:bodyPr wrap="square" lIns="91433" tIns="45716" rIns="91433" bIns="45716" numCol="1" anchor="t" anchorCtr="0" compatLnSpc="1">
-            <a:prstTxWarp prst="textNoShape">
-              <a:avLst/>
-            </a:prstTxWarp>
-          </a:bodyPr>
-          <a:lstStyle/>
-          <a:p>
-            <a:pPr eaLnBrk="1" hangingPunct="1"/>
-            <a:endParaRPr lang="en-US" altLang="en-US">
-              <a:ea typeface="ＭＳ Ｐゴシック" panose="020B0600070205080204" pitchFamily="34" charset="-128"/>
-            </a:endParaRPr>
-          </a:p>
-        </p:txBody>
-      </p:sp>
-    </p:spTree>
-    <p:extLst>
-      <p:ext uri="{BB962C8B-B14F-4D97-AF65-F5344CB8AC3E}">
-        <p14:creationId xmlns:p14="http://schemas.microsoft.com/office/powerpoint/2010/main" val="1686319792"/>
       </p:ext>
     </p:extLst>
   </p:cSld>
@@ -10049,6 +10138,291 @@
       </p:grpSpPr>
       <p:sp>
         <p:nvSpPr>
+          <p:cNvPr id="40961" name="Rectangle 7">
+            <a:extLst>
+              <a:ext uri="{FF2B5EF4-FFF2-40B4-BE49-F238E27FC236}">
+                <a16:creationId xmlns:a16="http://schemas.microsoft.com/office/drawing/2014/main" id="{01652C28-D98E-964C-A781-357D67E01473}"/>
+              </a:ext>
+            </a:extLst>
+          </p:cNvPr>
+          <p:cNvSpPr>
+            <a:spLocks noGrp="1" noChangeArrowheads="1"/>
+          </p:cNvSpPr>
+          <p:nvPr>
+            <p:ph type="sldNum" sz="quarter" idx="5"/>
+          </p:nvPr>
+        </p:nvSpPr>
+        <p:spPr bwMode="auto">
+          <a:noFill/>
+          <a:extLst>
+            <a:ext uri="{909E8E84-426E-40DD-AFC4-6F175D3DCCD1}">
+              <a14:hiddenFill xmlns:a14="http://schemas.microsoft.com/office/drawing/2010/main">
+                <a:solidFill>
+                  <a:srgbClr val="FFFFFF"/>
+                </a:solidFill>
+              </a14:hiddenFill>
+            </a:ext>
+            <a:ext uri="{91240B29-F687-4F45-9708-019B960494DF}">
+              <a14:hiddenLine xmlns:a14="http://schemas.microsoft.com/office/drawing/2010/main" w="9525">
+                <a:solidFill>
+                  <a:srgbClr val="000000"/>
+                </a:solidFill>
+                <a:miter lim="800000"/>
+                <a:headEnd/>
+                <a:tailEnd/>
+              </a14:hiddenLine>
+            </a:ext>
+          </a:extLst>
+        </p:spPr>
+        <p:txBody>
+          <a:bodyPr/>
+          <a:lstStyle>
+            <a:lvl1pPr>
+              <a:defRPr>
+                <a:solidFill>
+                  <a:schemeClr val="tx1"/>
+                </a:solidFill>
+                <a:latin typeface="Arial" panose="020B0604020202020204" pitchFamily="34" charset="0"/>
+                <a:ea typeface="ＭＳ Ｐゴシック" panose="020B0600070205080204" pitchFamily="34" charset="-128"/>
+              </a:defRPr>
+            </a:lvl1pPr>
+            <a:lvl2pPr marL="742950" indent="-285750">
+              <a:defRPr>
+                <a:solidFill>
+                  <a:schemeClr val="tx1"/>
+                </a:solidFill>
+                <a:latin typeface="Arial" panose="020B0604020202020204" pitchFamily="34" charset="0"/>
+                <a:ea typeface="ＭＳ Ｐゴシック" panose="020B0600070205080204" pitchFamily="34" charset="-128"/>
+              </a:defRPr>
+            </a:lvl2pPr>
+            <a:lvl3pPr marL="1143000" indent="-228600">
+              <a:defRPr>
+                <a:solidFill>
+                  <a:schemeClr val="tx1"/>
+                </a:solidFill>
+                <a:latin typeface="Arial" panose="020B0604020202020204" pitchFamily="34" charset="0"/>
+                <a:ea typeface="ＭＳ Ｐゴシック" panose="020B0600070205080204" pitchFamily="34" charset="-128"/>
+              </a:defRPr>
+            </a:lvl3pPr>
+            <a:lvl4pPr marL="1600200" indent="-228600">
+              <a:defRPr>
+                <a:solidFill>
+                  <a:schemeClr val="tx1"/>
+                </a:solidFill>
+                <a:latin typeface="Arial" panose="020B0604020202020204" pitchFamily="34" charset="0"/>
+                <a:ea typeface="ＭＳ Ｐゴシック" panose="020B0600070205080204" pitchFamily="34" charset="-128"/>
+              </a:defRPr>
+            </a:lvl4pPr>
+            <a:lvl5pPr marL="2057400" indent="-228600">
+              <a:defRPr>
+                <a:solidFill>
+                  <a:schemeClr val="tx1"/>
+                </a:solidFill>
+                <a:latin typeface="Arial" panose="020B0604020202020204" pitchFamily="34" charset="0"/>
+                <a:ea typeface="ＭＳ Ｐゴシック" panose="020B0600070205080204" pitchFamily="34" charset="-128"/>
+              </a:defRPr>
+            </a:lvl5pPr>
+            <a:lvl6pPr marL="2514600" indent="-228600" eaLnBrk="0" fontAlgn="base" hangingPunct="0">
+              <a:spcBef>
+                <a:spcPct val="0"/>
+              </a:spcBef>
+              <a:spcAft>
+                <a:spcPct val="0"/>
+              </a:spcAft>
+              <a:defRPr>
+                <a:solidFill>
+                  <a:schemeClr val="tx1"/>
+                </a:solidFill>
+                <a:latin typeface="Arial" panose="020B0604020202020204" pitchFamily="34" charset="0"/>
+                <a:ea typeface="ＭＳ Ｐゴシック" panose="020B0600070205080204" pitchFamily="34" charset="-128"/>
+              </a:defRPr>
+            </a:lvl6pPr>
+            <a:lvl7pPr marL="2971800" indent="-228600" eaLnBrk="0" fontAlgn="base" hangingPunct="0">
+              <a:spcBef>
+                <a:spcPct val="0"/>
+              </a:spcBef>
+              <a:spcAft>
+                <a:spcPct val="0"/>
+              </a:spcAft>
+              <a:defRPr>
+                <a:solidFill>
+                  <a:schemeClr val="tx1"/>
+                </a:solidFill>
+                <a:latin typeface="Arial" panose="020B0604020202020204" pitchFamily="34" charset="0"/>
+                <a:ea typeface="ＭＳ Ｐゴシック" panose="020B0600070205080204" pitchFamily="34" charset="-128"/>
+              </a:defRPr>
+            </a:lvl7pPr>
+            <a:lvl8pPr marL="3429000" indent="-228600" eaLnBrk="0" fontAlgn="base" hangingPunct="0">
+              <a:spcBef>
+                <a:spcPct val="0"/>
+              </a:spcBef>
+              <a:spcAft>
+                <a:spcPct val="0"/>
+              </a:spcAft>
+              <a:defRPr>
+                <a:solidFill>
+                  <a:schemeClr val="tx1"/>
+                </a:solidFill>
+                <a:latin typeface="Arial" panose="020B0604020202020204" pitchFamily="34" charset="0"/>
+                <a:ea typeface="ＭＳ Ｐゴシック" panose="020B0600070205080204" pitchFamily="34" charset="-128"/>
+              </a:defRPr>
+            </a:lvl8pPr>
+            <a:lvl9pPr marL="3886200" indent="-228600" eaLnBrk="0" fontAlgn="base" hangingPunct="0">
+              <a:spcBef>
+                <a:spcPct val="0"/>
+              </a:spcBef>
+              <a:spcAft>
+                <a:spcPct val="0"/>
+              </a:spcAft>
+              <a:defRPr>
+                <a:solidFill>
+                  <a:schemeClr val="tx1"/>
+                </a:solidFill>
+                <a:latin typeface="Arial" panose="020B0604020202020204" pitchFamily="34" charset="0"/>
+                <a:ea typeface="ＭＳ Ｐゴシック" panose="020B0600070205080204" pitchFamily="34" charset="-128"/>
+              </a:defRPr>
+            </a:lvl9pPr>
+          </a:lstStyle>
+          <a:p>
+            <a:fld id="{BA3A9032-1F54-474E-906D-EF35843467EE}" type="slidenum">
+              <a:rPr lang="en-US" altLang="en-US" smtClean="0"/>
+              <a:pPr/>
+              <a:t>9</a:t>
+            </a:fld>
+            <a:endParaRPr lang="en-US" altLang="en-US"/>
+          </a:p>
+        </p:txBody>
+      </p:sp>
+      <p:sp>
+        <p:nvSpPr>
+          <p:cNvPr id="40962" name="Rectangle 2">
+            <a:extLst>
+              <a:ext uri="{FF2B5EF4-FFF2-40B4-BE49-F238E27FC236}">
+                <a16:creationId xmlns:a16="http://schemas.microsoft.com/office/drawing/2014/main" id="{A4AA7C90-5A68-9F47-94B8-0FC7FBDDFAE6}"/>
+              </a:ext>
+            </a:extLst>
+          </p:cNvPr>
+          <p:cNvSpPr>
+            <a:spLocks noGrp="1" noRot="1" noChangeAspect="1" noChangeArrowheads="1" noTextEdit="1"/>
+          </p:cNvSpPr>
+          <p:nvPr>
+            <p:ph type="sldImg"/>
+          </p:nvPr>
+        </p:nvSpPr>
+        <p:spPr bwMode="auto">
+          <a:xfrm>
+            <a:off x="687388" y="685800"/>
+            <a:ext cx="5486400" cy="3429000"/>
+          </a:xfrm>
+          <a:noFill/>
+          <a:ln>
+            <a:solidFill>
+              <a:srgbClr val="000000"/>
+            </a:solidFill>
+            <a:miter lim="800000"/>
+            <a:headEnd/>
+            <a:tailEnd/>
+          </a:ln>
+          <a:extLst>
+            <a:ext uri="{909E8E84-426E-40DD-AFC4-6F175D3DCCD1}">
+              <a14:hiddenFill xmlns:a14="http://schemas.microsoft.com/office/drawing/2010/main">
+                <a:solidFill>
+                  <a:srgbClr val="FFFFFF"/>
+                </a:solidFill>
+              </a14:hiddenFill>
+            </a:ext>
+          </a:extLst>
+        </p:spPr>
+      </p:sp>
+      <p:sp>
+        <p:nvSpPr>
+          <p:cNvPr id="40963" name="Rectangle 3">
+            <a:extLst>
+              <a:ext uri="{FF2B5EF4-FFF2-40B4-BE49-F238E27FC236}">
+                <a16:creationId xmlns:a16="http://schemas.microsoft.com/office/drawing/2014/main" id="{C06D6794-B55E-E543-8892-D6B0466622BE}"/>
+              </a:ext>
+            </a:extLst>
+          </p:cNvPr>
+          <p:cNvSpPr>
+            <a:spLocks noGrp="1" noChangeArrowheads="1"/>
+          </p:cNvSpPr>
+          <p:nvPr>
+            <p:ph type="body" idx="1"/>
+          </p:nvPr>
+        </p:nvSpPr>
+        <p:spPr bwMode="auto">
+          <a:xfrm>
+            <a:off x="914400" y="4343400"/>
+            <a:ext cx="5029200" cy="4114800"/>
+          </a:xfrm>
+          <a:noFill/>
+          <a:extLst>
+            <a:ext uri="{909E8E84-426E-40DD-AFC4-6F175D3DCCD1}">
+              <a14:hiddenFill xmlns:a14="http://schemas.microsoft.com/office/drawing/2010/main">
+                <a:solidFill>
+                  <a:srgbClr val="FFFFFF"/>
+                </a:solidFill>
+              </a14:hiddenFill>
+            </a:ext>
+            <a:ext uri="{91240B29-F687-4F45-9708-019B960494DF}">
+              <a14:hiddenLine xmlns:a14="http://schemas.microsoft.com/office/drawing/2010/main" w="9525">
+                <a:solidFill>
+                  <a:srgbClr val="000000"/>
+                </a:solidFill>
+                <a:miter lim="800000"/>
+                <a:headEnd/>
+                <a:tailEnd/>
+              </a14:hiddenLine>
+            </a:ext>
+          </a:extLst>
+        </p:spPr>
+        <p:txBody>
+          <a:bodyPr wrap="square" lIns="91433" tIns="45716" rIns="91433" bIns="45716" numCol="1" anchor="t" anchorCtr="0" compatLnSpc="1">
+            <a:prstTxWarp prst="textNoShape">
+              <a:avLst/>
+            </a:prstTxWarp>
+          </a:bodyPr>
+          <a:lstStyle/>
+          <a:p>
+            <a:pPr eaLnBrk="1" hangingPunct="1"/>
+            <a:endParaRPr lang="en-US" altLang="en-US">
+              <a:ea typeface="ＭＳ Ｐゴシック" panose="020B0600070205080204" pitchFamily="34" charset="-128"/>
+            </a:endParaRPr>
+          </a:p>
+        </p:txBody>
+      </p:sp>
+    </p:spTree>
+    <p:extLst>
+      <p:ext uri="{BB962C8B-B14F-4D97-AF65-F5344CB8AC3E}">
+        <p14:creationId xmlns:p14="http://schemas.microsoft.com/office/powerpoint/2010/main" val="417190598"/>
+      </p:ext>
+    </p:extLst>
+  </p:cSld>
+  <p:clrMapOvr>
+    <a:masterClrMapping/>
+  </p:clrMapOvr>
+</p:notes>
+</file>
+
+<file path=ppt/notesSlides/notesSlide9.xml><?xml version="1.0" encoding="utf-8"?>
+<p:notes xmlns:a="http://schemas.openxmlformats.org/drawingml/2006/main" xmlns:r="http://schemas.openxmlformats.org/officeDocument/2006/relationships" xmlns:p="http://schemas.openxmlformats.org/presentationml/2006/main">
+  <p:cSld>
+    <p:spTree>
+      <p:nvGrpSpPr>
+        <p:cNvPr id="1" name=""/>
+        <p:cNvGrpSpPr/>
+        <p:nvPr/>
+      </p:nvGrpSpPr>
+      <p:grpSpPr>
+        <a:xfrm>
+          <a:off x="0" y="0"/>
+          <a:ext cx="0" cy="0"/>
+          <a:chOff x="0" y="0"/>
+          <a:chExt cx="0" cy="0"/>
+        </a:xfrm>
+      </p:grpSpPr>
+      <p:sp>
+        <p:nvSpPr>
           <p:cNvPr id="30721" name="Rectangle 7">
             <a:extLst>
               <a:ext uri="{FF2B5EF4-FFF2-40B4-BE49-F238E27FC236}">
@@ -10198,7 +10572,7 @@
             <a:fld id="{E43D7782-E9D8-6049-AF37-0FD02B2FA85D}" type="slidenum">
               <a:rPr lang="en-US" altLang="en-US" smtClean="0"/>
               <a:pPr/>
-              <a:t>9</a:t>
+              <a:t>10</a:t>
             </a:fld>
             <a:endParaRPr lang="en-US" altLang="en-US"/>
           </a:p>
@@ -10306,291 +10680,6 @@
     <p:extLst>
       <p:ext uri="{BB962C8B-B14F-4D97-AF65-F5344CB8AC3E}">
         <p14:creationId xmlns:p14="http://schemas.microsoft.com/office/powerpoint/2010/main" val="262132625"/>
-      </p:ext>
-    </p:extLst>
-  </p:cSld>
-  <p:clrMapOvr>
-    <a:masterClrMapping/>
-  </p:clrMapOvr>
-</p:notes>
-</file>
-
-<file path=ppt/notesSlides/notesSlide9.xml><?xml version="1.0" encoding="utf-8"?>
-<p:notes xmlns:a="http://schemas.openxmlformats.org/drawingml/2006/main" xmlns:r="http://schemas.openxmlformats.org/officeDocument/2006/relationships" xmlns:p="http://schemas.openxmlformats.org/presentationml/2006/main">
-  <p:cSld>
-    <p:spTree>
-      <p:nvGrpSpPr>
-        <p:cNvPr id="1" name=""/>
-        <p:cNvGrpSpPr/>
-        <p:nvPr/>
-      </p:nvGrpSpPr>
-      <p:grpSpPr>
-        <a:xfrm>
-          <a:off x="0" y="0"/>
-          <a:ext cx="0" cy="0"/>
-          <a:chOff x="0" y="0"/>
-          <a:chExt cx="0" cy="0"/>
-        </a:xfrm>
-      </p:grpSpPr>
-      <p:sp>
-        <p:nvSpPr>
-          <p:cNvPr id="32769" name="Rectangle 7">
-            <a:extLst>
-              <a:ext uri="{FF2B5EF4-FFF2-40B4-BE49-F238E27FC236}">
-                <a16:creationId xmlns:a16="http://schemas.microsoft.com/office/drawing/2014/main" id="{BE10DE50-8927-F343-933F-13BBE4500F37}"/>
-              </a:ext>
-            </a:extLst>
-          </p:cNvPr>
-          <p:cNvSpPr>
-            <a:spLocks noGrp="1" noChangeArrowheads="1"/>
-          </p:cNvSpPr>
-          <p:nvPr>
-            <p:ph type="sldNum" sz="quarter" idx="5"/>
-          </p:nvPr>
-        </p:nvSpPr>
-        <p:spPr bwMode="auto">
-          <a:noFill/>
-          <a:extLst>
-            <a:ext uri="{909E8E84-426E-40DD-AFC4-6F175D3DCCD1}">
-              <a14:hiddenFill xmlns:a14="http://schemas.microsoft.com/office/drawing/2010/main">
-                <a:solidFill>
-                  <a:srgbClr val="FFFFFF"/>
-                </a:solidFill>
-              </a14:hiddenFill>
-            </a:ext>
-            <a:ext uri="{91240B29-F687-4F45-9708-019B960494DF}">
-              <a14:hiddenLine xmlns:a14="http://schemas.microsoft.com/office/drawing/2010/main" w="9525">
-                <a:solidFill>
-                  <a:srgbClr val="000000"/>
-                </a:solidFill>
-                <a:miter lim="800000"/>
-                <a:headEnd/>
-                <a:tailEnd/>
-              </a14:hiddenLine>
-            </a:ext>
-          </a:extLst>
-        </p:spPr>
-        <p:txBody>
-          <a:bodyPr/>
-          <a:lstStyle>
-            <a:lvl1pPr>
-              <a:defRPr>
-                <a:solidFill>
-                  <a:schemeClr val="tx1"/>
-                </a:solidFill>
-                <a:latin typeface="Arial" panose="020B0604020202020204" pitchFamily="34" charset="0"/>
-                <a:ea typeface="ＭＳ Ｐゴシック" panose="020B0600070205080204" pitchFamily="34" charset="-128"/>
-              </a:defRPr>
-            </a:lvl1pPr>
-            <a:lvl2pPr marL="742950" indent="-285750">
-              <a:defRPr>
-                <a:solidFill>
-                  <a:schemeClr val="tx1"/>
-                </a:solidFill>
-                <a:latin typeface="Arial" panose="020B0604020202020204" pitchFamily="34" charset="0"/>
-                <a:ea typeface="ＭＳ Ｐゴシック" panose="020B0600070205080204" pitchFamily="34" charset="-128"/>
-              </a:defRPr>
-            </a:lvl2pPr>
-            <a:lvl3pPr marL="1143000" indent="-228600">
-              <a:defRPr>
-                <a:solidFill>
-                  <a:schemeClr val="tx1"/>
-                </a:solidFill>
-                <a:latin typeface="Arial" panose="020B0604020202020204" pitchFamily="34" charset="0"/>
-                <a:ea typeface="ＭＳ Ｐゴシック" panose="020B0600070205080204" pitchFamily="34" charset="-128"/>
-              </a:defRPr>
-            </a:lvl3pPr>
-            <a:lvl4pPr marL="1600200" indent="-228600">
-              <a:defRPr>
-                <a:solidFill>
-                  <a:schemeClr val="tx1"/>
-                </a:solidFill>
-                <a:latin typeface="Arial" panose="020B0604020202020204" pitchFamily="34" charset="0"/>
-                <a:ea typeface="ＭＳ Ｐゴシック" panose="020B0600070205080204" pitchFamily="34" charset="-128"/>
-              </a:defRPr>
-            </a:lvl4pPr>
-            <a:lvl5pPr marL="2057400" indent="-228600">
-              <a:defRPr>
-                <a:solidFill>
-                  <a:schemeClr val="tx1"/>
-                </a:solidFill>
-                <a:latin typeface="Arial" panose="020B0604020202020204" pitchFamily="34" charset="0"/>
-                <a:ea typeface="ＭＳ Ｐゴシック" panose="020B0600070205080204" pitchFamily="34" charset="-128"/>
-              </a:defRPr>
-            </a:lvl5pPr>
-            <a:lvl6pPr marL="2514600" indent="-228600" eaLnBrk="0" fontAlgn="base" hangingPunct="0">
-              <a:spcBef>
-                <a:spcPct val="0"/>
-              </a:spcBef>
-              <a:spcAft>
-                <a:spcPct val="0"/>
-              </a:spcAft>
-              <a:defRPr>
-                <a:solidFill>
-                  <a:schemeClr val="tx1"/>
-                </a:solidFill>
-                <a:latin typeface="Arial" panose="020B0604020202020204" pitchFamily="34" charset="0"/>
-                <a:ea typeface="ＭＳ Ｐゴシック" panose="020B0600070205080204" pitchFamily="34" charset="-128"/>
-              </a:defRPr>
-            </a:lvl6pPr>
-            <a:lvl7pPr marL="2971800" indent="-228600" eaLnBrk="0" fontAlgn="base" hangingPunct="0">
-              <a:spcBef>
-                <a:spcPct val="0"/>
-              </a:spcBef>
-              <a:spcAft>
-                <a:spcPct val="0"/>
-              </a:spcAft>
-              <a:defRPr>
-                <a:solidFill>
-                  <a:schemeClr val="tx1"/>
-                </a:solidFill>
-                <a:latin typeface="Arial" panose="020B0604020202020204" pitchFamily="34" charset="0"/>
-                <a:ea typeface="ＭＳ Ｐゴシック" panose="020B0600070205080204" pitchFamily="34" charset="-128"/>
-              </a:defRPr>
-            </a:lvl7pPr>
-            <a:lvl8pPr marL="3429000" indent="-228600" eaLnBrk="0" fontAlgn="base" hangingPunct="0">
-              <a:spcBef>
-                <a:spcPct val="0"/>
-              </a:spcBef>
-              <a:spcAft>
-                <a:spcPct val="0"/>
-              </a:spcAft>
-              <a:defRPr>
-                <a:solidFill>
-                  <a:schemeClr val="tx1"/>
-                </a:solidFill>
-                <a:latin typeface="Arial" panose="020B0604020202020204" pitchFamily="34" charset="0"/>
-                <a:ea typeface="ＭＳ Ｐゴシック" panose="020B0600070205080204" pitchFamily="34" charset="-128"/>
-              </a:defRPr>
-            </a:lvl8pPr>
-            <a:lvl9pPr marL="3886200" indent="-228600" eaLnBrk="0" fontAlgn="base" hangingPunct="0">
-              <a:spcBef>
-                <a:spcPct val="0"/>
-              </a:spcBef>
-              <a:spcAft>
-                <a:spcPct val="0"/>
-              </a:spcAft>
-              <a:defRPr>
-                <a:solidFill>
-                  <a:schemeClr val="tx1"/>
-                </a:solidFill>
-                <a:latin typeface="Arial" panose="020B0604020202020204" pitchFamily="34" charset="0"/>
-                <a:ea typeface="ＭＳ Ｐゴシック" panose="020B0600070205080204" pitchFamily="34" charset="-128"/>
-              </a:defRPr>
-            </a:lvl9pPr>
-          </a:lstStyle>
-          <a:p>
-            <a:fld id="{4CF13696-9FD2-1245-90FA-E3B25160C85C}" type="slidenum">
-              <a:rPr lang="en-US" altLang="en-US" smtClean="0"/>
-              <a:pPr/>
-              <a:t>10</a:t>
-            </a:fld>
-            <a:endParaRPr lang="en-US" altLang="en-US"/>
-          </a:p>
-        </p:txBody>
-      </p:sp>
-      <p:sp>
-        <p:nvSpPr>
-          <p:cNvPr id="32770" name="Rectangle 2">
-            <a:extLst>
-              <a:ext uri="{FF2B5EF4-FFF2-40B4-BE49-F238E27FC236}">
-                <a16:creationId xmlns:a16="http://schemas.microsoft.com/office/drawing/2014/main" id="{845C0A7D-A12A-A042-8CA0-C7BF8ABE2AFB}"/>
-              </a:ext>
-            </a:extLst>
-          </p:cNvPr>
-          <p:cNvSpPr>
-            <a:spLocks noGrp="1" noRot="1" noChangeAspect="1" noChangeArrowheads="1" noTextEdit="1"/>
-          </p:cNvSpPr>
-          <p:nvPr>
-            <p:ph type="sldImg"/>
-          </p:nvPr>
-        </p:nvSpPr>
-        <p:spPr bwMode="auto">
-          <a:xfrm>
-            <a:off x="687388" y="685800"/>
-            <a:ext cx="5486400" cy="3429000"/>
-          </a:xfrm>
-          <a:noFill/>
-          <a:ln>
-            <a:solidFill>
-              <a:srgbClr val="000000"/>
-            </a:solidFill>
-            <a:miter lim="800000"/>
-            <a:headEnd/>
-            <a:tailEnd/>
-          </a:ln>
-          <a:extLst>
-            <a:ext uri="{909E8E84-426E-40DD-AFC4-6F175D3DCCD1}">
-              <a14:hiddenFill xmlns:a14="http://schemas.microsoft.com/office/drawing/2010/main">
-                <a:solidFill>
-                  <a:srgbClr val="FFFFFF"/>
-                </a:solidFill>
-              </a14:hiddenFill>
-            </a:ext>
-          </a:extLst>
-        </p:spPr>
-      </p:sp>
-      <p:sp>
-        <p:nvSpPr>
-          <p:cNvPr id="32771" name="Rectangle 3">
-            <a:extLst>
-              <a:ext uri="{FF2B5EF4-FFF2-40B4-BE49-F238E27FC236}">
-                <a16:creationId xmlns:a16="http://schemas.microsoft.com/office/drawing/2014/main" id="{4D4E2E48-C8BF-B841-AA12-794B31C39484}"/>
-              </a:ext>
-            </a:extLst>
-          </p:cNvPr>
-          <p:cNvSpPr>
-            <a:spLocks noGrp="1" noChangeArrowheads="1"/>
-          </p:cNvSpPr>
-          <p:nvPr>
-            <p:ph type="body" idx="1"/>
-          </p:nvPr>
-        </p:nvSpPr>
-        <p:spPr bwMode="auto">
-          <a:xfrm>
-            <a:off x="914400" y="4343400"/>
-            <a:ext cx="5029200" cy="4114800"/>
-          </a:xfrm>
-          <a:noFill/>
-          <a:extLst>
-            <a:ext uri="{909E8E84-426E-40DD-AFC4-6F175D3DCCD1}">
-              <a14:hiddenFill xmlns:a14="http://schemas.microsoft.com/office/drawing/2010/main">
-                <a:solidFill>
-                  <a:srgbClr val="FFFFFF"/>
-                </a:solidFill>
-              </a14:hiddenFill>
-            </a:ext>
-            <a:ext uri="{91240B29-F687-4F45-9708-019B960494DF}">
-              <a14:hiddenLine xmlns:a14="http://schemas.microsoft.com/office/drawing/2010/main" w="9525">
-                <a:solidFill>
-                  <a:srgbClr val="000000"/>
-                </a:solidFill>
-                <a:miter lim="800000"/>
-                <a:headEnd/>
-                <a:tailEnd/>
-              </a14:hiddenLine>
-            </a:ext>
-          </a:extLst>
-        </p:spPr>
-        <p:txBody>
-          <a:bodyPr wrap="square" lIns="91433" tIns="45716" rIns="91433" bIns="45716" numCol="1" anchor="t" anchorCtr="0" compatLnSpc="1">
-            <a:prstTxWarp prst="textNoShape">
-              <a:avLst/>
-            </a:prstTxWarp>
-          </a:bodyPr>
-          <a:lstStyle/>
-          <a:p>
-            <a:pPr eaLnBrk="1" hangingPunct="1"/>
-            <a:endParaRPr lang="en-US" altLang="en-US">
-              <a:ea typeface="ＭＳ Ｐゴシック" panose="020B0600070205080204" pitchFamily="34" charset="-128"/>
-            </a:endParaRPr>
-          </a:p>
-        </p:txBody>
-      </p:sp>
-    </p:spTree>
-    <p:extLst>
-      <p:ext uri="{BB962C8B-B14F-4D97-AF65-F5344CB8AC3E}">
-        <p14:creationId xmlns:p14="http://schemas.microsoft.com/office/powerpoint/2010/main" val="1721812828"/>
       </p:ext>
     </p:extLst>
   </p:cSld>
@@ -10731,7 +10820,7 @@
           <a:p>
             <a:fld id="{B87722C1-40EC-ED43-91EC-B98ED320650C}" type="datetime1">
               <a:rPr lang="en-US" smtClean="0"/>
-              <a:t>3/8/22</a:t>
+              <a:t>3/10/22</a:t>
             </a:fld>
             <a:endParaRPr lang="en-US" dirty="0"/>
           </a:p>
@@ -10901,7 +10990,7 @@
           <a:p>
             <a:fld id="{FEAA3499-9783-414F-AB56-30EDF5B6AD7C}" type="datetime1">
               <a:rPr lang="en-US" smtClean="0"/>
-              <a:t>3/8/22</a:t>
+              <a:t>3/10/22</a:t>
             </a:fld>
             <a:endParaRPr lang="en-US" dirty="0"/>
           </a:p>
@@ -11081,7 +11170,7 @@
           <a:p>
             <a:fld id="{724D64E5-63F2-5449-AD8F-FA5D349B4404}" type="datetime1">
               <a:rPr lang="en-US" smtClean="0"/>
-              <a:t>3/8/22</a:t>
+              <a:t>3/10/22</a:t>
             </a:fld>
             <a:endParaRPr lang="en-US" dirty="0"/>
           </a:p>
@@ -11251,7 +11340,7 @@
           <a:p>
             <a:fld id="{EB3D4CA9-CE62-4E49-B3B8-F71ED47BF7C9}" type="datetime1">
               <a:rPr lang="en-US" smtClean="0"/>
-              <a:t>3/8/22</a:t>
+              <a:t>3/10/22</a:t>
             </a:fld>
             <a:endParaRPr lang="en-US" dirty="0"/>
           </a:p>
@@ -11497,7 +11586,7 @@
           <a:p>
             <a:fld id="{A25DC6E7-CDA3-444A-BA6F-C759166D947A}" type="datetime1">
               <a:rPr lang="en-US" smtClean="0"/>
-              <a:t>3/8/22</a:t>
+              <a:t>3/10/22</a:t>
             </a:fld>
             <a:endParaRPr lang="en-US" dirty="0"/>
           </a:p>
@@ -11729,7 +11818,7 @@
           <a:p>
             <a:fld id="{C37969F5-3BA4-8142-B442-1AF77983C374}" type="datetime1">
               <a:rPr lang="en-US" smtClean="0"/>
-              <a:t>3/8/22</a:t>
+              <a:t>3/10/22</a:t>
             </a:fld>
             <a:endParaRPr lang="en-US" dirty="0"/>
           </a:p>
@@ -12096,7 +12185,7 @@
           <a:p>
             <a:fld id="{7BD2D818-999B-E64C-AB06-944CE77FC710}" type="datetime1">
               <a:rPr lang="en-US" smtClean="0"/>
-              <a:t>3/8/22</a:t>
+              <a:t>3/10/22</a:t>
             </a:fld>
             <a:endParaRPr lang="en-US" dirty="0"/>
           </a:p>
@@ -12214,7 +12303,7 @@
           <a:p>
             <a:fld id="{1DBEBAD1-BDD9-9947-B065-7A967766785F}" type="datetime1">
               <a:rPr lang="en-US" smtClean="0"/>
-              <a:t>3/8/22</a:t>
+              <a:t>3/10/22</a:t>
             </a:fld>
             <a:endParaRPr lang="en-US" dirty="0"/>
           </a:p>
@@ -12309,7 +12398,7 @@
           <a:p>
             <a:fld id="{C1900C48-8719-9D4F-82DE-76E34B0BA82F}" type="datetime1">
               <a:rPr lang="en-US" smtClean="0"/>
-              <a:t>3/8/22</a:t>
+              <a:t>3/10/22</a:t>
             </a:fld>
             <a:endParaRPr lang="en-US" dirty="0"/>
           </a:p>
@@ -12586,7 +12675,7 @@
           <a:p>
             <a:fld id="{90B71D16-025D-3C42-9FB4-C3EC6CA1A989}" type="datetime1">
               <a:rPr lang="en-US" smtClean="0"/>
-              <a:t>3/8/22</a:t>
+              <a:t>3/10/22</a:t>
             </a:fld>
             <a:endParaRPr lang="en-US" dirty="0"/>
           </a:p>
@@ -12843,7 +12932,7 @@
           <a:p>
             <a:fld id="{913BB745-65CE-4943-B7D5-34583DF6D0C8}" type="datetime1">
               <a:rPr lang="en-US" smtClean="0"/>
-              <a:t>3/8/22</a:t>
+              <a:t>3/10/22</a:t>
             </a:fld>
             <a:endParaRPr lang="en-US" dirty="0"/>
           </a:p>
@@ -13056,7 +13145,7 @@
           <a:p>
             <a:fld id="{F99DF739-3EF3-8249-9B6D-641DAC3A4900}" type="datetime1">
               <a:rPr lang="en-US" smtClean="0"/>
-              <a:t>3/8/22</a:t>
+              <a:t>3/10/22</a:t>
             </a:fld>
             <a:endParaRPr lang="en-US" dirty="0"/>
           </a:p>
@@ -13936,6 +14025,449 @@
       </p:grpSpPr>
       <p:sp>
         <p:nvSpPr>
+          <p:cNvPr id="29697" name="Rectangle 2">
+            <a:extLst>
+              <a:ext uri="{FF2B5EF4-FFF2-40B4-BE49-F238E27FC236}">
+                <a16:creationId xmlns:a16="http://schemas.microsoft.com/office/drawing/2014/main" id="{FE344302-6250-2241-8F6D-C448D16804F4}"/>
+              </a:ext>
+            </a:extLst>
+          </p:cNvPr>
+          <p:cNvSpPr>
+            <a:spLocks noGrp="1" noChangeArrowheads="1"/>
+          </p:cNvSpPr>
+          <p:nvPr>
+            <p:ph type="title" idx="4294967295"/>
+          </p:nvPr>
+        </p:nvSpPr>
+        <p:spPr>
+          <a:xfrm>
+            <a:off x="195209" y="193328"/>
+            <a:ext cx="7886700" cy="761635"/>
+          </a:xfrm>
+        </p:spPr>
+        <p:txBody>
+          <a:bodyPr vert="horz" lIns="0" tIns="45720" rIns="0" bIns="0" rtlCol="0" anchor="b">
+            <a:normAutofit/>
+          </a:bodyPr>
+          <a:lstStyle/>
+          <a:p>
+            <a:pPr eaLnBrk="1" hangingPunct="1"/>
+            <a:r>
+              <a:rPr lang="en-US" altLang="en-US" dirty="0">
+                <a:latin typeface="Tahoma" panose="020B0604030504040204" pitchFamily="34" charset="0"/>
+                <a:ea typeface="ＭＳ Ｐゴシック" panose="020B0600070205080204" pitchFamily="34" charset="-128"/>
+              </a:rPr>
+              <a:t>IP Address(IPv4)</a:t>
+            </a:r>
+          </a:p>
+        </p:txBody>
+      </p:sp>
+      <p:sp>
+        <p:nvSpPr>
+          <p:cNvPr id="29698" name="Rectangle 3">
+            <a:extLst>
+              <a:ext uri="{FF2B5EF4-FFF2-40B4-BE49-F238E27FC236}">
+                <a16:creationId xmlns:a16="http://schemas.microsoft.com/office/drawing/2014/main" id="{E66559DC-645B-874B-9A56-EC803A4B4B92}"/>
+              </a:ext>
+            </a:extLst>
+          </p:cNvPr>
+          <p:cNvSpPr>
+            <a:spLocks noGrp="1" noChangeArrowheads="1"/>
+          </p:cNvSpPr>
+          <p:nvPr>
+            <p:ph type="body" idx="4294967295"/>
+          </p:nvPr>
+        </p:nvSpPr>
+        <p:spPr>
+          <a:xfrm>
+            <a:off x="195209" y="1130157"/>
+            <a:ext cx="8743308" cy="4304871"/>
+          </a:xfrm>
+        </p:spPr>
+        <p:txBody>
+          <a:bodyPr/>
+          <a:lstStyle/>
+          <a:p>
+            <a:pPr marL="0" indent="0" eaLnBrk="1" hangingPunct="1">
+              <a:buNone/>
+            </a:pPr>
+            <a:r>
+              <a:rPr lang="en-US" altLang="en-US" sz="1667" dirty="0">
+                <a:latin typeface="Tahoma" panose="020B0604030504040204" pitchFamily="34" charset="0"/>
+                <a:ea typeface="ＭＳ Ｐゴシック" panose="020B0600070205080204" pitchFamily="34" charset="-128"/>
+              </a:rPr>
+              <a:t>The </a:t>
+            </a:r>
+            <a:r>
+              <a:rPr lang="en-US" altLang="en-US" sz="1667" b="1" dirty="0">
+                <a:latin typeface="Tahoma" panose="020B0604030504040204" pitchFamily="34" charset="0"/>
+                <a:ea typeface="ＭＳ Ｐゴシック" panose="020B0600070205080204" pitchFamily="34" charset="-128"/>
+              </a:rPr>
+              <a:t>IP address</a:t>
+            </a:r>
+            <a:r>
+              <a:rPr lang="en-US" altLang="en-US" sz="1667" dirty="0">
+                <a:latin typeface="Tahoma" panose="020B0604030504040204" pitchFamily="34" charset="0"/>
+                <a:ea typeface="ＭＳ Ｐゴシック" panose="020B0600070205080204" pitchFamily="34" charset="-128"/>
+              </a:rPr>
+              <a:t> is a unique 32-bit that identifies on which network the computer is located as well as differentiates the computer from all other devices on the same network. </a:t>
+            </a:r>
+          </a:p>
+          <a:p>
+            <a:pPr eaLnBrk="1" hangingPunct="1"/>
+            <a:endParaRPr lang="en-US" altLang="en-US" sz="1667" dirty="0">
+              <a:latin typeface="Tahoma" panose="020B0604030504040204" pitchFamily="34" charset="0"/>
+              <a:ea typeface="ＭＳ Ｐゴシック" panose="020B0600070205080204" pitchFamily="34" charset="-128"/>
+            </a:endParaRPr>
+          </a:p>
+          <a:p>
+            <a:pPr marL="0" indent="0" eaLnBrk="1" hangingPunct="1">
+              <a:buNone/>
+            </a:pPr>
+            <a:r>
+              <a:rPr lang="en-US" altLang="en-US" sz="1667" dirty="0">
+                <a:latin typeface="Tahoma" panose="020B0604030504040204" pitchFamily="34" charset="0"/>
+                <a:ea typeface="ＭＳ Ｐゴシック" panose="020B0600070205080204" pitchFamily="34" charset="-128"/>
+              </a:rPr>
+              <a:t>The address is divided into four 8-bit parts. The format is A.B.C.D, where A,B,C,D are decimal equivalent of the 8-bit binary value. Each value is in the range 0-255. </a:t>
+            </a:r>
+          </a:p>
+          <a:p>
+            <a:pPr eaLnBrk="1" hangingPunct="1"/>
+            <a:endParaRPr lang="en-US" altLang="en-US" sz="1667" dirty="0">
+              <a:latin typeface="Tahoma" panose="020B0604030504040204" pitchFamily="34" charset="0"/>
+              <a:ea typeface="ＭＳ Ｐゴシック" panose="020B0600070205080204" pitchFamily="34" charset="-128"/>
+            </a:endParaRPr>
+          </a:p>
+          <a:p>
+            <a:pPr marL="0" indent="0" eaLnBrk="1" hangingPunct="1">
+              <a:buNone/>
+            </a:pPr>
+            <a:r>
+              <a:rPr lang="en-US" altLang="en-US" sz="1667" dirty="0">
+                <a:latin typeface="Tahoma" panose="020B0604030504040204" pitchFamily="34" charset="0"/>
+                <a:ea typeface="ＭＳ Ｐゴシック" panose="020B0600070205080204" pitchFamily="34" charset="-128"/>
+              </a:rPr>
+              <a:t>IP address has three parts: network number(identifies the network), subnet and host ID number(identifies the particular computer or host). For example:</a:t>
+            </a:r>
+          </a:p>
+          <a:p>
+            <a:pPr eaLnBrk="1" hangingPunct="1"/>
+            <a:endParaRPr lang="en-US" altLang="en-US" sz="1333" dirty="0">
+              <a:latin typeface="Tahoma" panose="020B0604030504040204" pitchFamily="34" charset="0"/>
+              <a:ea typeface="ＭＳ Ｐゴシック" panose="020B0600070205080204" pitchFamily="34" charset="-128"/>
+            </a:endParaRPr>
+          </a:p>
+          <a:p>
+            <a:pPr eaLnBrk="1" hangingPunct="1"/>
+            <a:endParaRPr lang="en-US" altLang="en-US" sz="1333" dirty="0">
+              <a:latin typeface="Tahoma" panose="020B0604030504040204" pitchFamily="34" charset="0"/>
+              <a:ea typeface="ＭＳ Ｐゴシック" panose="020B0600070205080204" pitchFamily="34" charset="-128"/>
+            </a:endParaRPr>
+          </a:p>
+          <a:p>
+            <a:pPr lvl="3" eaLnBrk="1" hangingPunct="1"/>
+            <a:endParaRPr lang="en-US" altLang="en-US" sz="667" dirty="0">
+              <a:latin typeface="Tahoma" panose="020B0604030504040204" pitchFamily="34" charset="0"/>
+            </a:endParaRPr>
+          </a:p>
+        </p:txBody>
+      </p:sp>
+      <p:pic>
+        <p:nvPicPr>
+          <p:cNvPr id="29699" name="Picture 1">
+            <a:extLst>
+              <a:ext uri="{FF2B5EF4-FFF2-40B4-BE49-F238E27FC236}">
+                <a16:creationId xmlns:a16="http://schemas.microsoft.com/office/drawing/2014/main" id="{090A5754-8CAB-3747-8068-84BA02EDFD26}"/>
+              </a:ext>
+            </a:extLst>
+          </p:cNvPr>
+          <p:cNvPicPr>
+            <a:picLocks noChangeAspect="1"/>
+          </p:cNvPicPr>
+          <p:nvPr/>
+        </p:nvPicPr>
+        <p:blipFill>
+          <a:blip r:embed="rId3">
+            <a:extLst>
+              <a:ext uri="{28A0092B-C50C-407E-A947-70E740481C1C}">
+                <a14:useLocalDpi xmlns:a14="http://schemas.microsoft.com/office/drawing/2010/main" val="0"/>
+              </a:ext>
+            </a:extLst>
+          </a:blip>
+          <a:srcRect/>
+          <a:stretch>
+            <a:fillRect/>
+          </a:stretch>
+        </p:blipFill>
+        <p:spPr bwMode="auto">
+          <a:xfrm>
+            <a:off x="2703819" y="3728850"/>
+            <a:ext cx="3059906" cy="723635"/>
+          </a:xfrm>
+          <a:prstGeom prst="rect">
+            <a:avLst/>
+          </a:prstGeom>
+          <a:noFill/>
+          <a:ln>
+            <a:noFill/>
+          </a:ln>
+          <a:extLst>
+            <a:ext uri="{909E8E84-426E-40DD-AFC4-6F175D3DCCD1}">
+              <a14:hiddenFill xmlns:a14="http://schemas.microsoft.com/office/drawing/2010/main">
+                <a:solidFill>
+                  <a:srgbClr val="FFFFFF"/>
+                </a:solidFill>
+              </a14:hiddenFill>
+            </a:ext>
+            <a:ext uri="{91240B29-F687-4F45-9708-019B960494DF}">
+              <a14:hiddenLine xmlns:a14="http://schemas.microsoft.com/office/drawing/2010/main" w="9525">
+                <a:solidFill>
+                  <a:srgbClr val="000000"/>
+                </a:solidFill>
+                <a:miter lim="800000"/>
+                <a:headEnd/>
+                <a:tailEnd/>
+              </a14:hiddenLine>
+            </a:ext>
+          </a:extLst>
+        </p:spPr>
+      </p:pic>
+      <p:sp>
+        <p:nvSpPr>
+          <p:cNvPr id="2" name="Slide Number Placeholder 1">
+            <a:extLst>
+              <a:ext uri="{FF2B5EF4-FFF2-40B4-BE49-F238E27FC236}">
+                <a16:creationId xmlns:a16="http://schemas.microsoft.com/office/drawing/2014/main" id="{B797C99C-9084-7E4F-818B-197B308F563C}"/>
+              </a:ext>
+            </a:extLst>
+          </p:cNvPr>
+          <p:cNvSpPr>
+            <a:spLocks noGrp="1"/>
+          </p:cNvSpPr>
+          <p:nvPr>
+            <p:ph type="sldNum" sz="quarter" idx="12"/>
+          </p:nvPr>
+        </p:nvSpPr>
+        <p:spPr/>
+        <p:txBody>
+          <a:bodyPr/>
+          <a:lstStyle/>
+          <a:p>
+            <a:fld id="{D57F1E4F-1CFF-5643-939E-02111984F565}" type="slidenum">
+              <a:rPr lang="en-US" smtClean="0"/>
+              <a:t>10</a:t>
+            </a:fld>
+            <a:endParaRPr lang="en-US" dirty="0"/>
+          </a:p>
+        </p:txBody>
+      </p:sp>
+    </p:spTree>
+    <p:extLst>
+      <p:ext uri="{BB962C8B-B14F-4D97-AF65-F5344CB8AC3E}">
+        <p14:creationId xmlns:p14="http://schemas.microsoft.com/office/powerpoint/2010/main" val="1070622160"/>
+      </p:ext>
+    </p:extLst>
+  </p:cSld>
+  <p:clrMapOvr>
+    <a:masterClrMapping/>
+  </p:clrMapOvr>
+  <p:transition/>
+  <p:timing>
+    <p:tnLst>
+      <p:par>
+        <p:cTn id="1" dur="indefinite" restart="never" nodeType="tmRoot">
+          <p:childTnLst>
+            <p:seq concurrent="1" nextAc="seek">
+              <p:cTn id="2" dur="indefinite" nodeType="mainSeq">
+                <p:childTnLst>
+                  <p:par>
+                    <p:cTn id="3" fill="hold" nodeType="clickPar">
+                      <p:stCondLst>
+                        <p:cond delay="indefinite"/>
+                      </p:stCondLst>
+                      <p:childTnLst>
+                        <p:par>
+                          <p:cTn id="4" fill="hold" nodeType="withGroup">
+                            <p:stCondLst>
+                              <p:cond delay="0"/>
+                            </p:stCondLst>
+                            <p:childTnLst>
+                              <p:par>
+                                <p:cTn id="5" presetID="1" presetClass="entr" presetSubtype="0" fill="hold" nodeType="clickEffect">
+                                  <p:stCondLst>
+                                    <p:cond delay="0"/>
+                                  </p:stCondLst>
+                                  <p:childTnLst>
+                                    <p:set>
+                                      <p:cBhvr>
+                                        <p:cTn id="6" dur="1" fill="hold">
+                                          <p:stCondLst>
+                                            <p:cond delay="0"/>
+                                          </p:stCondLst>
+                                        </p:cTn>
+                                        <p:tgtEl>
+                                          <p:spTgt spid="29698">
+                                            <p:txEl>
+                                              <p:pRg st="2" end="2"/>
+                                            </p:txEl>
+                                          </p:spTgt>
+                                        </p:tgtEl>
+                                        <p:attrNameLst>
+                                          <p:attrName>style.visibility</p:attrName>
+                                        </p:attrNameLst>
+                                      </p:cBhvr>
+                                      <p:to>
+                                        <p:strVal val="visible"/>
+                                      </p:to>
+                                    </p:set>
+                                  </p:childTnLst>
+                                </p:cTn>
+                              </p:par>
+                            </p:childTnLst>
+                          </p:cTn>
+                        </p:par>
+                      </p:childTnLst>
+                    </p:cTn>
+                  </p:par>
+                  <p:par>
+                    <p:cTn id="7" fill="hold" nodeType="clickPar">
+                      <p:stCondLst>
+                        <p:cond delay="indefinite"/>
+                      </p:stCondLst>
+                      <p:childTnLst>
+                        <p:par>
+                          <p:cTn id="8" fill="hold" nodeType="withGroup">
+                            <p:stCondLst>
+                              <p:cond delay="0"/>
+                            </p:stCondLst>
+                            <p:childTnLst>
+                              <p:par>
+                                <p:cTn id="9" presetID="1" presetClass="entr" presetSubtype="0" fill="hold" nodeType="clickEffect">
+                                  <p:stCondLst>
+                                    <p:cond delay="0"/>
+                                  </p:stCondLst>
+                                  <p:childTnLst>
+                                    <p:set>
+                                      <p:cBhvr>
+                                        <p:cTn id="10" dur="1" fill="hold">
+                                          <p:stCondLst>
+                                            <p:cond delay="0"/>
+                                          </p:stCondLst>
+                                        </p:cTn>
+                                        <p:tgtEl>
+                                          <p:spTgt spid="29698">
+                                            <p:txEl>
+                                              <p:pRg st="4" end="4"/>
+                                            </p:txEl>
+                                          </p:spTgt>
+                                        </p:tgtEl>
+                                        <p:attrNameLst>
+                                          <p:attrName>style.visibility</p:attrName>
+                                        </p:attrNameLst>
+                                      </p:cBhvr>
+                                      <p:to>
+                                        <p:strVal val="visible"/>
+                                      </p:to>
+                                    </p:set>
+                                  </p:childTnLst>
+                                </p:cTn>
+                              </p:par>
+                            </p:childTnLst>
+                          </p:cTn>
+                        </p:par>
+                      </p:childTnLst>
+                    </p:cTn>
+                  </p:par>
+                  <p:par>
+                    <p:cTn id="11" fill="hold" nodeType="clickPar">
+                      <p:stCondLst>
+                        <p:cond delay="indefinite"/>
+                      </p:stCondLst>
+                      <p:childTnLst>
+                        <p:par>
+                          <p:cTn id="12" fill="hold" nodeType="withGroup">
+                            <p:stCondLst>
+                              <p:cond delay="0"/>
+                            </p:stCondLst>
+                            <p:childTnLst>
+                              <p:par>
+                                <p:cTn id="13" presetID="1" presetClass="entr" presetSubtype="0" fill="hold" nodeType="clickEffect">
+                                  <p:stCondLst>
+                                    <p:cond delay="0"/>
+                                  </p:stCondLst>
+                                  <p:childTnLst>
+                                    <p:set>
+                                      <p:cBhvr>
+                                        <p:cTn id="14" dur="1" fill="hold">
+                                          <p:stCondLst>
+                                            <p:cond delay="0"/>
+                                          </p:stCondLst>
+                                        </p:cTn>
+                                        <p:tgtEl>
+                                          <p:spTgt spid="29699"/>
+                                        </p:tgtEl>
+                                        <p:attrNameLst>
+                                          <p:attrName>style.visibility</p:attrName>
+                                        </p:attrNameLst>
+                                      </p:cBhvr>
+                                      <p:to>
+                                        <p:strVal val="visible"/>
+                                      </p:to>
+                                    </p:set>
+                                  </p:childTnLst>
+                                </p:cTn>
+                              </p:par>
+                            </p:childTnLst>
+                          </p:cTn>
+                        </p:par>
+                      </p:childTnLst>
+                    </p:cTn>
+                  </p:par>
+                </p:childTnLst>
+              </p:cTn>
+              <p:prevCondLst>
+                <p:cond evt="onPrev" delay="0">
+                  <p:tgtEl>
+                    <p:sldTgt/>
+                  </p:tgtEl>
+                </p:cond>
+              </p:prevCondLst>
+              <p:nextCondLst>
+                <p:cond evt="onNext" delay="0">
+                  <p:tgtEl>
+                    <p:sldTgt/>
+                  </p:tgtEl>
+                </p:cond>
+              </p:nextCondLst>
+            </p:seq>
+          </p:childTnLst>
+        </p:cTn>
+      </p:par>
+    </p:tnLst>
+  </p:timing>
+</p:sld>
+</file>
+
+<file path=ppt/slides/slide11.xml><?xml version="1.0" encoding="utf-8"?>
+<p:sld xmlns:a="http://schemas.openxmlformats.org/drawingml/2006/main" xmlns:r="http://schemas.openxmlformats.org/officeDocument/2006/relationships" xmlns:p="http://schemas.openxmlformats.org/presentationml/2006/main">
+  <p:cSld>
+    <p:spTree>
+      <p:nvGrpSpPr>
+        <p:cNvPr id="1" name=""/>
+        <p:cNvGrpSpPr/>
+        <p:nvPr/>
+      </p:nvGrpSpPr>
+      <p:grpSpPr>
+        <a:xfrm>
+          <a:off x="0" y="0"/>
+          <a:ext cx="0" cy="0"/>
+          <a:chOff x="0" y="0"/>
+          <a:chExt cx="0" cy="0"/>
+        </a:xfrm>
+      </p:grpSpPr>
+      <p:sp>
+        <p:nvSpPr>
           <p:cNvPr id="31745" name="Rectangle 2">
             <a:extLst>
               <a:ext uri="{FF2B5EF4-FFF2-40B4-BE49-F238E27FC236}">
@@ -14152,7 +14684,7 @@
           <a:p>
             <a:fld id="{D57F1E4F-1CFF-5643-939E-02111984F565}" type="slidenum">
               <a:rPr lang="en-US" smtClean="0"/>
-              <a:t>10</a:t>
+              <a:t>11</a:t>
             </a:fld>
             <a:endParaRPr lang="en-US" dirty="0"/>
           </a:p>
@@ -14442,7 +14974,7 @@
 </p:sld>
 </file>
 
-<file path=ppt/slides/slide11.xml><?xml version="1.0" encoding="utf-8"?>
+<file path=ppt/slides/slide12.xml><?xml version="1.0" encoding="utf-8"?>
 <p:sld xmlns:a="http://schemas.openxmlformats.org/drawingml/2006/main" xmlns:r="http://schemas.openxmlformats.org/officeDocument/2006/relationships" xmlns:p="http://schemas.openxmlformats.org/presentationml/2006/main">
   <p:cSld>
     <p:spTree>
@@ -14580,13 +15112,13 @@
               <a:rPr lang="en-US" altLang="en-US" sz="1667" dirty="0">
                 <a:latin typeface="Tahoma" panose="020B0604030504040204" pitchFamily="34" charset="0"/>
               </a:rPr>
-              <a:t>This router is known as the </a:t>
+              <a:t>This router is known as the default gateway</a:t>
             </a:r>
             <a:r>
               <a:rPr lang="en-US" altLang="en-US" sz="1667" b="1" dirty="0">
                 <a:latin typeface="Tahoma" panose="020B0604030504040204" pitchFamily="34" charset="0"/>
               </a:rPr>
-              <a:t>default gateway.</a:t>
+              <a:t>.</a:t>
             </a:r>
             <a:r>
               <a:rPr lang="en-US" altLang="en-US" sz="1667" dirty="0">
@@ -14601,19 +15133,7 @@
               <a:rPr lang="en-US" altLang="en-US" sz="1667" dirty="0">
                 <a:latin typeface="Tahoma" panose="020B0604030504040204" pitchFamily="34" charset="0"/>
               </a:rPr>
-              <a:t>The </a:t>
-            </a:r>
-            <a:r>
-              <a:rPr lang="en-US" altLang="en-US" sz="1667" b="1" dirty="0">
-                <a:latin typeface="Tahoma" panose="020B0604030504040204" pitchFamily="34" charset="0"/>
-              </a:rPr>
-              <a:t>Internet Service Provider</a:t>
-            </a:r>
-            <a:r>
-              <a:rPr lang="en-US" altLang="en-US" sz="1667" dirty="0">
-                <a:latin typeface="Tahoma" panose="020B0604030504040204" pitchFamily="34" charset="0"/>
-              </a:rPr>
-              <a:t>(ISP) assigns one public IP address to the entire network. Any outside traffic to and from computers inside the network is routed to this public IP address. </a:t>
+              <a:t>The Internet Service Provider(ISP) assigns one public IP address to the entire network. Any outside traffic to and from computers inside the network is routed to this public IP address. </a:t>
             </a:r>
           </a:p>
         </p:txBody>
@@ -14641,7 +15161,7 @@
           <a:p>
             <a:fld id="{D57F1E4F-1CFF-5643-939E-02111984F565}" type="slidenum">
               <a:rPr lang="en-US" smtClean="0"/>
-              <a:t>11</a:t>
+              <a:t>12</a:t>
             </a:fld>
             <a:endParaRPr lang="en-US" dirty="0"/>
           </a:p>
@@ -14838,7 +15358,7 @@
 </p:sld>
 </file>
 
-<file path=ppt/slides/slide12.xml><?xml version="1.0" encoding="utf-8"?>
+<file path=ppt/slides/slide13.xml><?xml version="1.0" encoding="utf-8"?>
 <p:sld xmlns:a="http://schemas.openxmlformats.org/drawingml/2006/main" xmlns:r="http://schemas.openxmlformats.org/officeDocument/2006/relationships" xmlns:p="http://schemas.openxmlformats.org/presentationml/2006/main">
   <p:cSld>
     <p:spTree>
@@ -15023,7 +15543,7 @@
           <a:p>
             <a:fld id="{D57F1E4F-1CFF-5643-939E-02111984F565}" type="slidenum">
               <a:rPr lang="en-US" smtClean="0"/>
-              <a:t>12</a:t>
+              <a:t>13</a:t>
             </a:fld>
             <a:endParaRPr lang="en-US" dirty="0"/>
           </a:p>
@@ -15122,7 +15642,7 @@
 </p:sld>
 </file>
 
-<file path=ppt/slides/slide13.xml><?xml version="1.0" encoding="utf-8"?>
+<file path=ppt/slides/slide14.xml><?xml version="1.0" encoding="utf-8"?>
 <p:sld xmlns:a="http://schemas.openxmlformats.org/drawingml/2006/main" xmlns:r="http://schemas.openxmlformats.org/officeDocument/2006/relationships" xmlns:p="http://schemas.openxmlformats.org/presentationml/2006/main">
   <p:cSld>
     <p:spTree>
@@ -15351,7 +15871,7 @@
           <a:p>
             <a:fld id="{D57F1E4F-1CFF-5643-939E-02111984F565}" type="slidenum">
               <a:rPr lang="en-US" smtClean="0"/>
-              <a:t>13</a:t>
+              <a:t>14</a:t>
             </a:fld>
             <a:endParaRPr lang="en-US" dirty="0"/>
           </a:p>
@@ -15368,481 +15888,6 @@
     <a:masterClrMapping/>
   </p:clrMapOvr>
   <p:transition/>
-</p:sld>
-</file>
-
-<file path=ppt/slides/slide14.xml><?xml version="1.0" encoding="utf-8"?>
-<p:sld xmlns:a="http://schemas.openxmlformats.org/drawingml/2006/main" xmlns:r="http://schemas.openxmlformats.org/officeDocument/2006/relationships" xmlns:p="http://schemas.openxmlformats.org/presentationml/2006/main">
-  <p:cSld>
-    <p:spTree>
-      <p:nvGrpSpPr>
-        <p:cNvPr id="1" name=""/>
-        <p:cNvGrpSpPr/>
-        <p:nvPr/>
-      </p:nvGrpSpPr>
-      <p:grpSpPr>
-        <a:xfrm>
-          <a:off x="0" y="0"/>
-          <a:ext cx="0" cy="0"/>
-          <a:chOff x="0" y="0"/>
-          <a:chExt cx="0" cy="0"/>
-        </a:xfrm>
-      </p:grpSpPr>
-      <p:sp>
-        <p:nvSpPr>
-          <p:cNvPr id="39937" name="Rectangle 2">
-            <a:extLst>
-              <a:ext uri="{FF2B5EF4-FFF2-40B4-BE49-F238E27FC236}">
-                <a16:creationId xmlns:a16="http://schemas.microsoft.com/office/drawing/2014/main" id="{7CD89787-5856-7640-A8D5-FF2B48692349}"/>
-              </a:ext>
-            </a:extLst>
-          </p:cNvPr>
-          <p:cNvSpPr>
-            <a:spLocks noGrp="1" noChangeArrowheads="1"/>
-          </p:cNvSpPr>
-          <p:nvPr>
-            <p:ph type="title" idx="4294967295"/>
-          </p:nvPr>
-        </p:nvSpPr>
-        <p:spPr>
-          <a:xfrm>
-            <a:off x="154112" y="128148"/>
-            <a:ext cx="7886700" cy="509128"/>
-          </a:xfrm>
-        </p:spPr>
-        <p:txBody>
-          <a:bodyPr vert="horz" lIns="0" tIns="45720" rIns="0" bIns="0" rtlCol="0" anchor="b">
-            <a:normAutofit/>
-          </a:bodyPr>
-          <a:lstStyle/>
-          <a:p>
-            <a:pPr eaLnBrk="1" hangingPunct="1"/>
-            <a:r>
-              <a:rPr lang="en-US" altLang="en-US" dirty="0">
-                <a:latin typeface="Tahoma" panose="020B0604030504040204" pitchFamily="34" charset="0"/>
-                <a:ea typeface="ＭＳ Ｐゴシック" panose="020B0600070205080204" pitchFamily="34" charset="-128"/>
-              </a:rPr>
-              <a:t>Switch vs. Router</a:t>
-            </a:r>
-          </a:p>
-        </p:txBody>
-      </p:sp>
-      <p:sp>
-        <p:nvSpPr>
-          <p:cNvPr id="39938" name="Rectangle 3">
-            <a:extLst>
-              <a:ext uri="{FF2B5EF4-FFF2-40B4-BE49-F238E27FC236}">
-                <a16:creationId xmlns:a16="http://schemas.microsoft.com/office/drawing/2014/main" id="{6D60C863-7ABD-3143-ABF5-601EEB054571}"/>
-              </a:ext>
-            </a:extLst>
-          </p:cNvPr>
-          <p:cNvSpPr>
-            <a:spLocks noGrp="1" noChangeArrowheads="1"/>
-          </p:cNvSpPr>
-          <p:nvPr>
-            <p:ph type="body" idx="4294967295"/>
-          </p:nvPr>
-        </p:nvSpPr>
-        <p:spPr>
-          <a:xfrm>
-            <a:off x="154112" y="637276"/>
-            <a:ext cx="8989888" cy="5077724"/>
-          </a:xfrm>
-        </p:spPr>
-        <p:txBody>
-          <a:bodyPr/>
-          <a:lstStyle/>
-          <a:p>
-            <a:pPr marL="0" indent="0" eaLnBrk="1" hangingPunct="1">
-              <a:buNone/>
-            </a:pPr>
-            <a:endParaRPr lang="en-US" altLang="en-US" sz="1667" dirty="0">
-              <a:latin typeface="Tahoma" panose="020B0604030504040204" pitchFamily="34" charset="0"/>
-              <a:ea typeface="ＭＳ Ｐゴシック" panose="020B0600070205080204" pitchFamily="34" charset="-128"/>
-            </a:endParaRPr>
-          </a:p>
-          <a:p>
-            <a:pPr marL="0" indent="0" eaLnBrk="1" hangingPunct="1">
-              <a:buNone/>
-            </a:pPr>
-            <a:r>
-              <a:rPr lang="en-US" altLang="en-US" sz="1667" dirty="0">
-                <a:latin typeface="Tahoma" panose="020B0604030504040204" pitchFamily="34" charset="0"/>
-                <a:ea typeface="ＭＳ Ｐゴシック" panose="020B0600070205080204" pitchFamily="34" charset="-128"/>
-              </a:rPr>
-              <a:t>A </a:t>
-            </a:r>
-            <a:r>
-              <a:rPr lang="en-US" altLang="en-US" sz="1667" b="1" dirty="0">
-                <a:latin typeface="Tahoma" panose="020B0604030504040204" pitchFamily="34" charset="0"/>
-                <a:ea typeface="ＭＳ Ｐゴシック" panose="020B0600070205080204" pitchFamily="34" charset="-128"/>
-              </a:rPr>
-              <a:t>switch</a:t>
-            </a:r>
-            <a:r>
-              <a:rPr lang="en-US" altLang="en-US" sz="1667" dirty="0">
-                <a:latin typeface="Tahoma" panose="020B0604030504040204" pitchFamily="34" charset="0"/>
-                <a:ea typeface="ＭＳ Ｐゴシック" panose="020B0600070205080204" pitchFamily="34" charset="-128"/>
-              </a:rPr>
-              <a:t> is a networking device that facilitates communication within a local area network using source and destination MAC addresses. </a:t>
-            </a:r>
-          </a:p>
-          <a:p>
-            <a:pPr lvl="1" eaLnBrk="1" hangingPunct="1"/>
-            <a:r>
-              <a:rPr lang="en-US" altLang="en-US" sz="1500" dirty="0">
-                <a:latin typeface="Tahoma" panose="020B0604030504040204" pitchFamily="34" charset="0"/>
-              </a:rPr>
-              <a:t>A switch is responsible for hop-to-hop delivery</a:t>
-            </a:r>
-          </a:p>
-          <a:p>
-            <a:pPr lvl="1" eaLnBrk="1" hangingPunct="1"/>
-            <a:r>
-              <a:rPr lang="en-US" altLang="en-US" sz="1500" dirty="0">
-                <a:latin typeface="Tahoma" panose="020B0604030504040204" pitchFamily="34" charset="0"/>
-              </a:rPr>
-              <a:t>A data unit sent by a switch is a frame. </a:t>
-            </a:r>
-          </a:p>
-          <a:p>
-            <a:pPr lvl="1" eaLnBrk="1" hangingPunct="1"/>
-            <a:endParaRPr lang="en-US" altLang="en-US" sz="1667" dirty="0">
-              <a:latin typeface="Tahoma" panose="020B0604030504040204" pitchFamily="34" charset="0"/>
-              <a:ea typeface="ＭＳ Ｐゴシック" panose="020B0600070205080204" pitchFamily="34" charset="-128"/>
-            </a:endParaRPr>
-          </a:p>
-          <a:p>
-            <a:pPr marL="0" indent="0" eaLnBrk="1" hangingPunct="1">
-              <a:buNone/>
-            </a:pPr>
-            <a:r>
-              <a:rPr lang="en-US" altLang="en-US" sz="1667" dirty="0">
-                <a:latin typeface="Tahoma" panose="020B0604030504040204" pitchFamily="34" charset="0"/>
-                <a:ea typeface="ＭＳ Ｐゴシック" panose="020B0600070205080204" pitchFamily="34" charset="-128"/>
-              </a:rPr>
-              <a:t>A </a:t>
-            </a:r>
-            <a:r>
-              <a:rPr lang="en-US" altLang="en-US" sz="1667" b="1" dirty="0">
-                <a:latin typeface="Tahoma" panose="020B0604030504040204" pitchFamily="34" charset="0"/>
-                <a:ea typeface="ＭＳ Ｐゴシック" panose="020B0600070205080204" pitchFamily="34" charset="-128"/>
-              </a:rPr>
-              <a:t>router</a:t>
-            </a:r>
-            <a:r>
-              <a:rPr lang="en-US" altLang="en-US" sz="1667" dirty="0">
-                <a:latin typeface="Tahoma" panose="020B0604030504040204" pitchFamily="34" charset="0"/>
-                <a:ea typeface="ＭＳ Ｐゴシック" panose="020B0600070205080204" pitchFamily="34" charset="-128"/>
-              </a:rPr>
-              <a:t> is a networking device that facilitates communication between networks using source and destination IP addresses.  </a:t>
-            </a:r>
-          </a:p>
-          <a:p>
-            <a:pPr lvl="1" eaLnBrk="1" hangingPunct="1"/>
-            <a:r>
-              <a:rPr lang="en-US" altLang="en-US" sz="1500" dirty="0">
-                <a:latin typeface="Tahoma" panose="020B0604030504040204" pitchFamily="34" charset="0"/>
-              </a:rPr>
-              <a:t>A router is responsible for end-to-end delivery</a:t>
-            </a:r>
-          </a:p>
-          <a:p>
-            <a:pPr lvl="1" eaLnBrk="1" hangingPunct="1"/>
-            <a:r>
-              <a:rPr lang="en-US" altLang="en-US" sz="1500" dirty="0">
-                <a:latin typeface="Tahoma" panose="020B0604030504040204" pitchFamily="34" charset="0"/>
-              </a:rPr>
-              <a:t>A data unit sent by a router is a </a:t>
-            </a:r>
-            <a:r>
-              <a:rPr lang="en-US" altLang="en-US" sz="1500" b="1" dirty="0">
-                <a:latin typeface="Tahoma" panose="020B0604030504040204" pitchFamily="34" charset="0"/>
-              </a:rPr>
-              <a:t>packet</a:t>
-            </a:r>
-            <a:r>
-              <a:rPr lang="en-US" altLang="en-US" sz="1500" dirty="0">
-                <a:latin typeface="Tahoma" panose="020B0604030504040204" pitchFamily="34" charset="0"/>
-              </a:rPr>
-              <a:t>. </a:t>
-            </a:r>
-          </a:p>
-          <a:p>
-            <a:pPr lvl="1" eaLnBrk="1" hangingPunct="1"/>
-            <a:endParaRPr lang="en-US" altLang="en-US" sz="1500" dirty="0">
-              <a:latin typeface="Tahoma" panose="020B0604030504040204" pitchFamily="34" charset="0"/>
-            </a:endParaRPr>
-          </a:p>
-          <a:p>
-            <a:pPr lvl="1" eaLnBrk="1" hangingPunct="1"/>
-            <a:endParaRPr lang="en-US" altLang="en-US" sz="1333" dirty="0">
-              <a:latin typeface="Tahoma" panose="020B0604030504040204" pitchFamily="34" charset="0"/>
-            </a:endParaRPr>
-          </a:p>
-          <a:p>
-            <a:pPr eaLnBrk="1" hangingPunct="1"/>
-            <a:endParaRPr lang="en-US" altLang="en-US" sz="1667" dirty="0">
-              <a:latin typeface="Tahoma" panose="020B0604030504040204" pitchFamily="34" charset="0"/>
-              <a:ea typeface="ＭＳ Ｐゴシック" panose="020B0600070205080204" pitchFamily="34" charset="-128"/>
-            </a:endParaRPr>
-          </a:p>
-          <a:p>
-            <a:pPr eaLnBrk="1" hangingPunct="1"/>
-            <a:endParaRPr lang="en-US" altLang="en-US" sz="1333" dirty="0">
-              <a:latin typeface="Tahoma" panose="020B0604030504040204" pitchFamily="34" charset="0"/>
-              <a:ea typeface="ＭＳ Ｐゴシック" panose="020B0600070205080204" pitchFamily="34" charset="-128"/>
-            </a:endParaRPr>
-          </a:p>
-          <a:p>
-            <a:pPr lvl="3" eaLnBrk="1" hangingPunct="1"/>
-            <a:endParaRPr lang="en-US" altLang="en-US" sz="667" dirty="0">
-              <a:latin typeface="Tahoma" panose="020B0604030504040204" pitchFamily="34" charset="0"/>
-            </a:endParaRPr>
-          </a:p>
-        </p:txBody>
-      </p:sp>
-      <p:pic>
-        <p:nvPicPr>
-          <p:cNvPr id="39939" name="Picture 1">
-            <a:extLst>
-              <a:ext uri="{FF2B5EF4-FFF2-40B4-BE49-F238E27FC236}">
-                <a16:creationId xmlns:a16="http://schemas.microsoft.com/office/drawing/2014/main" id="{B6683FC4-770C-FF44-B53E-865590A66759}"/>
-              </a:ext>
-            </a:extLst>
-          </p:cNvPr>
-          <p:cNvPicPr>
-            <a:picLocks noChangeAspect="1"/>
-          </p:cNvPicPr>
-          <p:nvPr/>
-        </p:nvPicPr>
-        <p:blipFill>
-          <a:blip r:embed="rId3">
-            <a:extLst>
-              <a:ext uri="{28A0092B-C50C-407E-A947-70E740481C1C}">
-                <a14:useLocalDpi xmlns:a14="http://schemas.microsoft.com/office/drawing/2010/main" val="0"/>
-              </a:ext>
-            </a:extLst>
-          </a:blip>
-          <a:srcRect/>
-          <a:stretch>
-            <a:fillRect/>
-          </a:stretch>
-        </p:blipFill>
-        <p:spPr bwMode="auto">
-          <a:xfrm>
-            <a:off x="762000" y="3665114"/>
-            <a:ext cx="7620000" cy="1584854"/>
-          </a:xfrm>
-          <a:prstGeom prst="rect">
-            <a:avLst/>
-          </a:prstGeom>
-          <a:noFill/>
-          <a:ln>
-            <a:noFill/>
-          </a:ln>
-          <a:extLst>
-            <a:ext uri="{909E8E84-426E-40DD-AFC4-6F175D3DCCD1}">
-              <a14:hiddenFill xmlns:a14="http://schemas.microsoft.com/office/drawing/2010/main">
-                <a:solidFill>
-                  <a:srgbClr val="FFFFFF"/>
-                </a:solidFill>
-              </a14:hiddenFill>
-            </a:ext>
-            <a:ext uri="{91240B29-F687-4F45-9708-019B960494DF}">
-              <a14:hiddenLine xmlns:a14="http://schemas.microsoft.com/office/drawing/2010/main" w="9525">
-                <a:solidFill>
-                  <a:srgbClr val="000000"/>
-                </a:solidFill>
-                <a:miter lim="800000"/>
-                <a:headEnd/>
-                <a:tailEnd/>
-              </a14:hiddenLine>
-            </a:ext>
-          </a:extLst>
-        </p:spPr>
-      </p:pic>
-      <p:sp>
-        <p:nvSpPr>
-          <p:cNvPr id="2" name="Slide Number Placeholder 1">
-            <a:extLst>
-              <a:ext uri="{FF2B5EF4-FFF2-40B4-BE49-F238E27FC236}">
-                <a16:creationId xmlns:a16="http://schemas.microsoft.com/office/drawing/2014/main" id="{2DFB5F73-7978-E649-8250-72B092D5F916}"/>
-              </a:ext>
-            </a:extLst>
-          </p:cNvPr>
-          <p:cNvSpPr>
-            <a:spLocks noGrp="1"/>
-          </p:cNvSpPr>
-          <p:nvPr>
-            <p:ph type="sldNum" sz="quarter" idx="12"/>
-          </p:nvPr>
-        </p:nvSpPr>
-        <p:spPr/>
-        <p:txBody>
-          <a:bodyPr/>
-          <a:lstStyle/>
-          <a:p>
-            <a:fld id="{D57F1E4F-1CFF-5643-939E-02111984F565}" type="slidenum">
-              <a:rPr lang="en-US" smtClean="0"/>
-              <a:t>14</a:t>
-            </a:fld>
-            <a:endParaRPr lang="en-US" dirty="0"/>
-          </a:p>
-        </p:txBody>
-      </p:sp>
-    </p:spTree>
-    <p:extLst>
-      <p:ext uri="{BB962C8B-B14F-4D97-AF65-F5344CB8AC3E}">
-        <p14:creationId xmlns:p14="http://schemas.microsoft.com/office/powerpoint/2010/main" val="4001486838"/>
-      </p:ext>
-    </p:extLst>
-  </p:cSld>
-  <p:clrMapOvr>
-    <a:masterClrMapping/>
-  </p:clrMapOvr>
-  <p:transition/>
-  <p:timing>
-    <p:tnLst>
-      <p:par>
-        <p:cTn id="1" dur="indefinite" restart="never" nodeType="tmRoot">
-          <p:childTnLst>
-            <p:seq concurrent="1" nextAc="seek">
-              <p:cTn id="2" dur="indefinite" nodeType="mainSeq">
-                <p:childTnLst>
-                  <p:par>
-                    <p:cTn id="3" fill="hold" nodeType="clickPar">
-                      <p:stCondLst>
-                        <p:cond delay="indefinite"/>
-                      </p:stCondLst>
-                      <p:childTnLst>
-                        <p:par>
-                          <p:cTn id="4" fill="hold" nodeType="withGroup">
-                            <p:stCondLst>
-                              <p:cond delay="0"/>
-                            </p:stCondLst>
-                            <p:childTnLst>
-                              <p:par>
-                                <p:cTn id="5" presetID="1" presetClass="entr" presetSubtype="0" fill="hold" nodeType="clickEffect">
-                                  <p:stCondLst>
-                                    <p:cond delay="0"/>
-                                  </p:stCondLst>
-                                  <p:childTnLst>
-                                    <p:set>
-                                      <p:cBhvr>
-                                        <p:cTn id="6" dur="1" fill="hold">
-                                          <p:stCondLst>
-                                            <p:cond delay="0"/>
-                                          </p:stCondLst>
-                                        </p:cTn>
-                                        <p:tgtEl>
-                                          <p:spTgt spid="39938">
-                                            <p:txEl>
-                                              <p:pRg st="5" end="5"/>
-                                            </p:txEl>
-                                          </p:spTgt>
-                                        </p:tgtEl>
-                                        <p:attrNameLst>
-                                          <p:attrName>style.visibility</p:attrName>
-                                        </p:attrNameLst>
-                                      </p:cBhvr>
-                                      <p:to>
-                                        <p:strVal val="visible"/>
-                                      </p:to>
-                                    </p:set>
-                                  </p:childTnLst>
-                                </p:cTn>
-                              </p:par>
-                              <p:par>
-                                <p:cTn id="7" presetID="1" presetClass="entr" presetSubtype="0" fill="hold" nodeType="withEffect">
-                                  <p:stCondLst>
-                                    <p:cond delay="0"/>
-                                  </p:stCondLst>
-                                  <p:childTnLst>
-                                    <p:set>
-                                      <p:cBhvr>
-                                        <p:cTn id="8" dur="1" fill="hold">
-                                          <p:stCondLst>
-                                            <p:cond delay="0"/>
-                                          </p:stCondLst>
-                                        </p:cTn>
-                                        <p:tgtEl>
-                                          <p:spTgt spid="39938">
-                                            <p:txEl>
-                                              <p:pRg st="6" end="6"/>
-                                            </p:txEl>
-                                          </p:spTgt>
-                                        </p:tgtEl>
-                                        <p:attrNameLst>
-                                          <p:attrName>style.visibility</p:attrName>
-                                        </p:attrNameLst>
-                                      </p:cBhvr>
-                                      <p:to>
-                                        <p:strVal val="visible"/>
-                                      </p:to>
-                                    </p:set>
-                                  </p:childTnLst>
-                                </p:cTn>
-                              </p:par>
-                              <p:par>
-                                <p:cTn id="9" presetID="1" presetClass="entr" presetSubtype="0" fill="hold" nodeType="withEffect">
-                                  <p:stCondLst>
-                                    <p:cond delay="0"/>
-                                  </p:stCondLst>
-                                  <p:childTnLst>
-                                    <p:set>
-                                      <p:cBhvr>
-                                        <p:cTn id="10" dur="1" fill="hold">
-                                          <p:stCondLst>
-                                            <p:cond delay="0"/>
-                                          </p:stCondLst>
-                                        </p:cTn>
-                                        <p:tgtEl>
-                                          <p:spTgt spid="39938">
-                                            <p:txEl>
-                                              <p:pRg st="7" end="7"/>
-                                            </p:txEl>
-                                          </p:spTgt>
-                                        </p:tgtEl>
-                                        <p:attrNameLst>
-                                          <p:attrName>style.visibility</p:attrName>
-                                        </p:attrNameLst>
-                                      </p:cBhvr>
-                                      <p:to>
-                                        <p:strVal val="visible"/>
-                                      </p:to>
-                                    </p:set>
-                                  </p:childTnLst>
-                                </p:cTn>
-                              </p:par>
-                            </p:childTnLst>
-                          </p:cTn>
-                        </p:par>
-                      </p:childTnLst>
-                    </p:cTn>
-                  </p:par>
-                </p:childTnLst>
-              </p:cTn>
-              <p:prevCondLst>
-                <p:cond evt="onPrev" delay="0">
-                  <p:tgtEl>
-                    <p:sldTgt/>
-                  </p:tgtEl>
-                </p:cond>
-              </p:prevCondLst>
-              <p:nextCondLst>
-                <p:cond evt="onNext" delay="0">
-                  <p:tgtEl>
-                    <p:sldTgt/>
-                  </p:tgtEl>
-                </p:cond>
-              </p:nextCondLst>
-            </p:seq>
-          </p:childTnLst>
-        </p:cTn>
-      </p:par>
-    </p:tnLst>
-  </p:timing>
 </p:sld>
 </file>
 
@@ -17407,15 +17452,7 @@
             </a:pPr>
             <a:r>
               <a:rPr lang="en-US" sz="1833" dirty="0"/>
-              <a:t>Another protocol similar to TCP is </a:t>
-            </a:r>
-            <a:r>
-              <a:rPr lang="en-US" sz="1833" b="1" dirty="0"/>
-              <a:t>User Datagram Protocol(UDP)</a:t>
-            </a:r>
-            <a:r>
-              <a:rPr lang="en-US" sz="1833" dirty="0"/>
-              <a:t>, which is a connectionless protocol. </a:t>
+              <a:t>Another protocol similar to TCP is User Datagram Protocol(UDP), which is a connectionless protocol. </a:t>
             </a:r>
           </a:p>
           <a:p>
@@ -17928,20 +17965,9 @@
             </a:r>
             <a:r>
               <a:rPr lang="en-US" b="1" dirty="0"/>
-              <a:t>HTTP</a:t>
-            </a:r>
-            <a:r>
-              <a:rPr lang="en-US" dirty="0"/>
-              <a:t> and </a:t>
-            </a:r>
-            <a:r>
-              <a:rPr lang="en-US" b="1" dirty="0"/>
-              <a:t>SMTP</a:t>
-            </a:r>
-            <a:r>
-              <a:rPr lang="en-US" dirty="0"/>
-              <a:t>. </a:t>
-            </a:r>
+              <a:t>HTTP(send and receive webpages).</a:t>
+            </a:r>
+            <a:endParaRPr lang="en-US" dirty="0"/>
           </a:p>
           <a:p>
             <a:pPr marL="0" indent="0">
@@ -18551,6 +18577,17 @@
               </a:rPr>
               <a:t>Name Resolution</a:t>
             </a:r>
+            <a:r>
+              <a:rPr lang="en-US" altLang="en-US">
+                <a:latin typeface="Tahoma" panose="020B0604030504040204" pitchFamily="34" charset="0"/>
+                <a:ea typeface="ＭＳ Ｐゴシック" panose="020B0600070205080204" pitchFamily="34" charset="-128"/>
+              </a:rPr>
+              <a:t>(optional)</a:t>
+            </a:r>
+            <a:endParaRPr lang="en-US" altLang="en-US" dirty="0">
+              <a:latin typeface="Tahoma" panose="020B0604030504040204" pitchFamily="34" charset="0"/>
+              <a:ea typeface="ＭＳ Ｐゴシック" panose="020B0600070205080204" pitchFamily="34" charset="-128"/>
+            </a:endParaRPr>
           </a:p>
         </p:txBody>
       </p:sp>
@@ -19207,7 +19244,7 @@
                 <a:latin typeface="Tahoma" panose="020B0604030504040204" pitchFamily="34" charset="0"/>
                 <a:ea typeface="ＭＳ Ｐゴシック" panose="020B0600070205080204" pitchFamily="34" charset="-128"/>
               </a:rPr>
-              <a:t>Port Numbers</a:t>
+              <a:t>Port Numbers(optional)</a:t>
             </a:r>
           </a:p>
         </p:txBody>
@@ -22064,13 +22101,13 @@
               <p:cTn id="2" dur="indefinite" nodeType="mainSeq">
                 <p:childTnLst>
                   <p:par>
-                    <p:cTn id="3" fill="hold" nodeType="clickPar">
+                    <p:cTn id="3" fill="hold">
                       <p:stCondLst>
                         <p:cond delay="indefinite"/>
                       </p:stCondLst>
                       <p:childTnLst>
                         <p:par>
-                          <p:cTn id="4" fill="hold" nodeType="withGroup">
+                          <p:cTn id="4" fill="hold">
                             <p:stCondLst>
                               <p:cond delay="0"/>
                             </p:stCondLst>
@@ -22091,7 +22128,7 @@
                                         <p:tgtEl>
                                           <p:spTgt spid="17410">
                                             <p:txEl>
-                                              <p:pRg st="7" end="7"/>
+                                              <p:pRg st="2" end="2"/>
                                             </p:txEl>
                                           </p:spTgt>
                                         </p:tgtEl>
@@ -22113,13 +22150,13 @@
                     </p:cTn>
                   </p:par>
                   <p:par>
-                    <p:cTn id="7" fill="hold" nodeType="clickPar">
+                    <p:cTn id="7" fill="hold">
                       <p:stCondLst>
                         <p:cond delay="indefinite"/>
                       </p:stCondLst>
                       <p:childTnLst>
                         <p:par>
-                          <p:cTn id="8" fill="hold" nodeType="withGroup">
+                          <p:cTn id="8" fill="hold">
                             <p:stCondLst>
                               <p:cond delay="0"/>
                             </p:stCondLst>
@@ -22151,15 +22188,131 @@
                                   </p:childTnLst>
                                 </p:cTn>
                               </p:par>
+                            </p:childTnLst>
+                          </p:cTn>
+                        </p:par>
+                      </p:childTnLst>
+                    </p:cTn>
+                  </p:par>
+                  <p:par>
+                    <p:cTn id="11" fill="hold">
+                      <p:stCondLst>
+                        <p:cond delay="indefinite"/>
+                      </p:stCondLst>
+                      <p:childTnLst>
+                        <p:par>
+                          <p:cTn id="12" fill="hold">
+                            <p:stCondLst>
+                              <p:cond delay="0"/>
+                            </p:stCondLst>
+                            <p:childTnLst>
                               <p:par>
-                                <p:cTn id="11" presetID="1" presetClass="entr" presetSubtype="0" fill="hold" nodeType="withEffect">
+                                <p:cTn id="13" presetID="1" presetClass="entr" presetSubtype="0" fill="hold" nodeType="clickEffect">
                                   <p:stCondLst>
                                     <p:cond delay="0"/>
                                   </p:stCondLst>
                                   <p:childTnLst>
                                     <p:set>
                                       <p:cBhvr>
-                                        <p:cTn id="12" dur="1" fill="hold">
+                                        <p:cTn id="14" dur="1" fill="hold">
+                                          <p:stCondLst>
+                                            <p:cond delay="0"/>
+                                          </p:stCondLst>
+                                        </p:cTn>
+                                        <p:tgtEl>
+                                          <p:spTgt spid="17410">
+                                            <p:txEl>
+                                              <p:pRg st="6" end="6"/>
+                                            </p:txEl>
+                                          </p:spTgt>
+                                        </p:tgtEl>
+                                        <p:attrNameLst>
+                                          <p:attrName>style.visibility</p:attrName>
+                                        </p:attrNameLst>
+                                      </p:cBhvr>
+                                      <p:to>
+                                        <p:strVal val="visible"/>
+                                      </p:to>
+                                    </p:set>
+                                  </p:childTnLst>
+                                </p:cTn>
+                              </p:par>
+                            </p:childTnLst>
+                          </p:cTn>
+                        </p:par>
+                      </p:childTnLst>
+                    </p:cTn>
+                  </p:par>
+                  <p:par>
+                    <p:cTn id="15" fill="hold">
+                      <p:stCondLst>
+                        <p:cond delay="indefinite"/>
+                      </p:stCondLst>
+                      <p:childTnLst>
+                        <p:par>
+                          <p:cTn id="16" fill="hold">
+                            <p:stCondLst>
+                              <p:cond delay="0"/>
+                            </p:stCondLst>
+                            <p:childTnLst>
+                              <p:par>
+                                <p:cTn id="17" presetID="1" presetClass="entr" presetSubtype="0" fill="hold" nodeType="clickEffect">
+                                  <p:stCondLst>
+                                    <p:cond delay="0"/>
+                                  </p:stCondLst>
+                                  <p:childTnLst>
+                                    <p:set>
+                                      <p:cBhvr>
+                                        <p:cTn id="18" dur="1" fill="hold">
+                                          <p:stCondLst>
+                                            <p:cond delay="0"/>
+                                          </p:stCondLst>
+                                        </p:cTn>
+                                        <p:tgtEl>
+                                          <p:spTgt spid="17410">
+                                            <p:txEl>
+                                              <p:pRg st="7" end="7"/>
+                                            </p:txEl>
+                                          </p:spTgt>
+                                        </p:tgtEl>
+                                        <p:attrNameLst>
+                                          <p:attrName>style.visibility</p:attrName>
+                                        </p:attrNameLst>
+                                      </p:cBhvr>
+                                      <p:to>
+                                        <p:strVal val="visible"/>
+                                      </p:to>
+                                    </p:set>
+                                  </p:childTnLst>
+                                </p:cTn>
+                              </p:par>
+                            </p:childTnLst>
+                          </p:cTn>
+                        </p:par>
+                      </p:childTnLst>
+                    </p:cTn>
+                  </p:par>
+                  <p:par>
+                    <p:cTn id="19" fill="hold">
+                      <p:stCondLst>
+                        <p:cond delay="indefinite"/>
+                      </p:stCondLst>
+                      <p:childTnLst>
+                        <p:par>
+                          <p:cTn id="20" fill="hold">
+                            <p:stCondLst>
+                              <p:cond delay="0"/>
+                            </p:stCondLst>
+                            <p:childTnLst>
+                              <p:par>
+                                <p:cTn id="21" presetID="1" presetClass="entr" presetSubtype="0" fill="hold" nodeType="clickEffect">
+                                  <p:stCondLst>
+                                    <p:cond delay="0"/>
+                                  </p:stCondLst>
+                                  <p:childTnLst>
+                                    <p:set>
+                                      <p:cBhvr>
+                                        <p:cTn id="22" dur="1" fill="hold">
                                           <p:stCondLst>
                                             <p:cond delay="0"/>
                                           </p:stCondLst>
@@ -22182,33 +22335,15 @@
                                   </p:childTnLst>
                                 </p:cTn>
                               </p:par>
-                            </p:childTnLst>
-                          </p:cTn>
-                        </p:par>
-                      </p:childTnLst>
-                    </p:cTn>
-                  </p:par>
-                  <p:par>
-                    <p:cTn id="13" fill="hold" nodeType="clickPar">
-                      <p:stCondLst>
-                        <p:cond delay="indefinite"/>
-                      </p:stCondLst>
-                      <p:childTnLst>
-                        <p:par>
-                          <p:cTn id="14" fill="hold" nodeType="withGroup">
-                            <p:stCondLst>
-                              <p:cond delay="0"/>
-                            </p:stCondLst>
-                            <p:childTnLst>
                               <p:par>
-                                <p:cTn id="15" presetID="1" presetClass="entr" presetSubtype="0" fill="hold" nodeType="clickEffect">
+                                <p:cTn id="23" presetID="1" presetClass="entr" presetSubtype="0" fill="hold" nodeType="withEffect">
                                   <p:stCondLst>
                                     <p:cond delay="0"/>
                                   </p:stCondLst>
                                   <p:childTnLst>
                                     <p:set>
                                       <p:cBhvr>
-                                        <p:cTn id="16" dur="1" fill="hold">
+                                        <p:cTn id="24" dur="1" fill="hold">
                                           <p:stCondLst>
                                             <p:cond delay="0"/>
                                           </p:stCondLst>
@@ -24712,10 +24847,10 @@
       </p:grpSpPr>
       <p:sp>
         <p:nvSpPr>
-          <p:cNvPr id="29697" name="Rectangle 2">
+          <p:cNvPr id="39937" name="Rectangle 2">
             <a:extLst>
               <a:ext uri="{FF2B5EF4-FFF2-40B4-BE49-F238E27FC236}">
-                <a16:creationId xmlns:a16="http://schemas.microsoft.com/office/drawing/2014/main" id="{FE344302-6250-2241-8F6D-C448D16804F4}"/>
+                <a16:creationId xmlns:a16="http://schemas.microsoft.com/office/drawing/2014/main" id="{7CD89787-5856-7640-A8D5-FF2B48692349}"/>
               </a:ext>
             </a:extLst>
           </p:cNvPr>
@@ -24728,8 +24863,8 @@
         </p:nvSpPr>
         <p:spPr>
           <a:xfrm>
-            <a:off x="195209" y="193328"/>
-            <a:ext cx="7886700" cy="761635"/>
+            <a:off x="154112" y="128148"/>
+            <a:ext cx="7886700" cy="509128"/>
           </a:xfrm>
         </p:spPr>
         <p:txBody>
@@ -24744,17 +24879,17 @@
                 <a:latin typeface="Tahoma" panose="020B0604030504040204" pitchFamily="34" charset="0"/>
                 <a:ea typeface="ＭＳ Ｐゴシック" panose="020B0600070205080204" pitchFamily="34" charset="-128"/>
               </a:rPr>
-              <a:t>IP Address(IPv4)</a:t>
+              <a:t>Switch vs. Router</a:t>
             </a:r>
           </a:p>
         </p:txBody>
       </p:sp>
       <p:sp>
         <p:nvSpPr>
-          <p:cNvPr id="29698" name="Rectangle 3">
+          <p:cNvPr id="39938" name="Rectangle 3">
             <a:extLst>
               <a:ext uri="{FF2B5EF4-FFF2-40B4-BE49-F238E27FC236}">
-                <a16:creationId xmlns:a16="http://schemas.microsoft.com/office/drawing/2014/main" id="{E66559DC-645B-874B-9A56-EC803A4B4B92}"/>
+                <a16:creationId xmlns:a16="http://schemas.microsoft.com/office/drawing/2014/main" id="{6D60C863-7ABD-3143-ABF5-601EEB054571}"/>
               </a:ext>
             </a:extLst>
           </p:cNvPr>
@@ -24767,8 +24902,8 @@
         </p:nvSpPr>
         <p:spPr>
           <a:xfrm>
-            <a:off x="195209" y="1130157"/>
-            <a:ext cx="8743308" cy="4304871"/>
+            <a:off x="154112" y="637276"/>
+            <a:ext cx="8989888" cy="5077724"/>
           </a:xfrm>
         </p:spPr>
         <p:txBody>
@@ -24778,27 +24913,115 @@
             <a:pPr marL="0" indent="0" eaLnBrk="1" hangingPunct="1">
               <a:buNone/>
             </a:pPr>
+            <a:endParaRPr lang="en-US" altLang="en-US" sz="1667" dirty="0">
+              <a:latin typeface="Tahoma" panose="020B0604030504040204" pitchFamily="34" charset="0"/>
+              <a:ea typeface="ＭＳ Ｐゴシック" panose="020B0600070205080204" pitchFamily="34" charset="-128"/>
+            </a:endParaRPr>
+          </a:p>
+          <a:p>
+            <a:pPr marL="0" indent="0" eaLnBrk="1" hangingPunct="1">
+              <a:buNone/>
+            </a:pPr>
             <a:r>
               <a:rPr lang="en-US" altLang="en-US" sz="1667" dirty="0">
                 <a:latin typeface="Tahoma" panose="020B0604030504040204" pitchFamily="34" charset="0"/>
                 <a:ea typeface="ＭＳ Ｐゴシック" panose="020B0600070205080204" pitchFamily="34" charset="-128"/>
               </a:rPr>
-              <a:t>The </a:t>
+              <a:t>A switch is a networking device that facilitates communication within a local area network using source and destination MAC addresses. </a:t>
+            </a:r>
+          </a:p>
+          <a:p>
+            <a:pPr lvl="1" eaLnBrk="1" hangingPunct="1"/>
+            <a:r>
+              <a:rPr lang="en-US" altLang="en-US" sz="1500" dirty="0">
+                <a:latin typeface="Tahoma" panose="020B0604030504040204" pitchFamily="34" charset="0"/>
+              </a:rPr>
+              <a:t>A switch is responsible for hop-to-hop delivery</a:t>
+            </a:r>
+          </a:p>
+          <a:p>
+            <a:pPr lvl="1" eaLnBrk="1" hangingPunct="1"/>
+            <a:r>
+              <a:rPr lang="en-US" altLang="en-US" sz="1500" dirty="0">
+                <a:latin typeface="Tahoma" panose="020B0604030504040204" pitchFamily="34" charset="0"/>
+              </a:rPr>
+              <a:t>A data unit sent by a switch is a frame. </a:t>
+            </a:r>
+          </a:p>
+          <a:p>
+            <a:pPr lvl="1" eaLnBrk="1" hangingPunct="1"/>
+            <a:endParaRPr lang="en-US" altLang="en-US" sz="1667" dirty="0">
+              <a:latin typeface="Tahoma" panose="020B0604030504040204" pitchFamily="34" charset="0"/>
+              <a:ea typeface="ＭＳ Ｐゴシック" panose="020B0600070205080204" pitchFamily="34" charset="-128"/>
+            </a:endParaRPr>
+          </a:p>
+          <a:p>
+            <a:pPr marL="0" indent="0" eaLnBrk="1" hangingPunct="1">
+              <a:buNone/>
+            </a:pPr>
+            <a:r>
+              <a:rPr lang="en-US" altLang="en-US" sz="1667" dirty="0">
+                <a:latin typeface="Tahoma" panose="020B0604030504040204" pitchFamily="34" charset="0"/>
+                <a:ea typeface="ＭＳ Ｐゴシック" panose="020B0600070205080204" pitchFamily="34" charset="-128"/>
+              </a:rPr>
+              <a:t>A </a:t>
             </a:r>
             <a:r>
               <a:rPr lang="en-US" altLang="en-US" sz="1667" b="1" dirty="0">
                 <a:latin typeface="Tahoma" panose="020B0604030504040204" pitchFamily="34" charset="0"/>
                 <a:ea typeface="ＭＳ Ｐゴシック" panose="020B0600070205080204" pitchFamily="34" charset="-128"/>
               </a:rPr>
-              <a:t>IP address</a:t>
+              <a:t>router</a:t>
             </a:r>
             <a:r>
               <a:rPr lang="en-US" altLang="en-US" sz="1667" dirty="0">
                 <a:latin typeface="Tahoma" panose="020B0604030504040204" pitchFamily="34" charset="0"/>
                 <a:ea typeface="ＭＳ Ｐゴシック" panose="020B0600070205080204" pitchFamily="34" charset="-128"/>
               </a:rPr>
-              <a:t> is a unique 32-bit that identifies on which network the computer is located as well as differentiates the computer from all other devices on the same network. </a:t>
-            </a:r>
+              <a:t> is a networking device that facilitates communication between networks using source and destination IP addresses.  </a:t>
+            </a:r>
+          </a:p>
+          <a:p>
+            <a:pPr lvl="1" eaLnBrk="1" hangingPunct="1"/>
+            <a:r>
+              <a:rPr lang="en-US" altLang="en-US" sz="1500" dirty="0">
+                <a:latin typeface="Tahoma" panose="020B0604030504040204" pitchFamily="34" charset="0"/>
+              </a:rPr>
+              <a:t>A router is responsible for end-to-end delivery</a:t>
+            </a:r>
+          </a:p>
+          <a:p>
+            <a:pPr lvl="1" eaLnBrk="1" hangingPunct="1"/>
+            <a:r>
+              <a:rPr lang="en-US" altLang="en-US" sz="1500" dirty="0">
+                <a:latin typeface="Tahoma" panose="020B0604030504040204" pitchFamily="34" charset="0"/>
+              </a:rPr>
+              <a:t>A data unit sent by a router is a </a:t>
+            </a:r>
+            <a:r>
+              <a:rPr lang="en-US" altLang="en-US" sz="1500" b="1" dirty="0">
+                <a:latin typeface="Tahoma" panose="020B0604030504040204" pitchFamily="34" charset="0"/>
+              </a:rPr>
+              <a:t>packet</a:t>
+            </a:r>
+            <a:r>
+              <a:rPr lang="en-US" altLang="en-US" sz="1500" dirty="0">
+                <a:latin typeface="Tahoma" panose="020B0604030504040204" pitchFamily="34" charset="0"/>
+              </a:rPr>
+              <a:t>. </a:t>
+            </a:r>
+          </a:p>
+          <a:p>
+            <a:pPr lvl="1" eaLnBrk="1" hangingPunct="1"/>
+            <a:endParaRPr lang="en-US" altLang="en-US" sz="1500" dirty="0">
+              <a:latin typeface="Tahoma" panose="020B0604030504040204" pitchFamily="34" charset="0"/>
+            </a:endParaRPr>
+          </a:p>
+          <a:p>
+            <a:pPr lvl="1" eaLnBrk="1" hangingPunct="1"/>
+            <a:endParaRPr lang="en-US" altLang="en-US" sz="1333" dirty="0">
+              <a:latin typeface="Tahoma" panose="020B0604030504040204" pitchFamily="34" charset="0"/>
+            </a:endParaRPr>
           </a:p>
           <a:p>
             <a:pPr eaLnBrk="1" hangingPunct="1"/>
@@ -24808,37 +25031,6 @@
             </a:endParaRPr>
           </a:p>
           <a:p>
-            <a:pPr marL="0" indent="0" eaLnBrk="1" hangingPunct="1">
-              <a:buNone/>
-            </a:pPr>
-            <a:r>
-              <a:rPr lang="en-US" altLang="en-US" sz="1667" dirty="0">
-                <a:latin typeface="Tahoma" panose="020B0604030504040204" pitchFamily="34" charset="0"/>
-                <a:ea typeface="ＭＳ Ｐゴシック" panose="020B0600070205080204" pitchFamily="34" charset="-128"/>
-              </a:rPr>
-              <a:t>The address is divided into four 8-bit parts. The format is A.B.C.D, where A,B,C,D are decimal equivalent of the 8-bit binary value. Each value is in the range 0-255. </a:t>
-            </a:r>
-          </a:p>
-          <a:p>
-            <a:pPr eaLnBrk="1" hangingPunct="1"/>
-            <a:endParaRPr lang="en-US" altLang="en-US" sz="1667" dirty="0">
-              <a:latin typeface="Tahoma" panose="020B0604030504040204" pitchFamily="34" charset="0"/>
-              <a:ea typeface="ＭＳ Ｐゴシック" panose="020B0600070205080204" pitchFamily="34" charset="-128"/>
-            </a:endParaRPr>
-          </a:p>
-          <a:p>
-            <a:pPr marL="0" indent="0" eaLnBrk="1" hangingPunct="1">
-              <a:buNone/>
-            </a:pPr>
-            <a:r>
-              <a:rPr lang="en-US" altLang="en-US" sz="1667" dirty="0">
-                <a:latin typeface="Tahoma" panose="020B0604030504040204" pitchFamily="34" charset="0"/>
-                <a:ea typeface="ＭＳ Ｐゴシック" panose="020B0600070205080204" pitchFamily="34" charset="-128"/>
-              </a:rPr>
-              <a:t>IP address has three parts: network number(identifies the network), subnet and host ID number(identifies the particular computer or host). For example:</a:t>
-            </a:r>
-          </a:p>
-          <a:p>
             <a:pPr eaLnBrk="1" hangingPunct="1"/>
             <a:endParaRPr lang="en-US" altLang="en-US" sz="1333" dirty="0">
               <a:latin typeface="Tahoma" panose="020B0604030504040204" pitchFamily="34" charset="0"/>
@@ -24846,13 +25038,6 @@
             </a:endParaRPr>
           </a:p>
           <a:p>
-            <a:pPr eaLnBrk="1" hangingPunct="1"/>
-            <a:endParaRPr lang="en-US" altLang="en-US" sz="1333" dirty="0">
-              <a:latin typeface="Tahoma" panose="020B0604030504040204" pitchFamily="34" charset="0"/>
-              <a:ea typeface="ＭＳ Ｐゴシック" panose="020B0600070205080204" pitchFamily="34" charset="-128"/>
-            </a:endParaRPr>
-          </a:p>
-          <a:p>
             <a:pPr lvl="3" eaLnBrk="1" hangingPunct="1"/>
             <a:endParaRPr lang="en-US" altLang="en-US" sz="667" dirty="0">
               <a:latin typeface="Tahoma" panose="020B0604030504040204" pitchFamily="34" charset="0"/>
@@ -24862,10 +25047,10 @@
       </p:sp>
       <p:pic>
         <p:nvPicPr>
-          <p:cNvPr id="29699" name="Picture 1">
+          <p:cNvPr id="39939" name="Picture 1">
             <a:extLst>
               <a:ext uri="{FF2B5EF4-FFF2-40B4-BE49-F238E27FC236}">
-                <a16:creationId xmlns:a16="http://schemas.microsoft.com/office/drawing/2014/main" id="{090A5754-8CAB-3747-8068-84BA02EDFD26}"/>
+                <a16:creationId xmlns:a16="http://schemas.microsoft.com/office/drawing/2014/main" id="{B6683FC4-770C-FF44-B53E-865590A66759}"/>
               </a:ext>
             </a:extLst>
           </p:cNvPr>
@@ -24889,8 +25074,8 @@
         </p:blipFill>
         <p:spPr bwMode="auto">
           <a:xfrm>
-            <a:off x="2703819" y="3728850"/>
-            <a:ext cx="3059906" cy="723635"/>
+            <a:off x="762000" y="3665114"/>
+            <a:ext cx="7620000" cy="1584854"/>
           </a:xfrm>
           <a:prstGeom prst="rect">
             <a:avLst/>
@@ -24925,7 +25110,7 @@
           <p:cNvPr id="2" name="Slide Number Placeholder 1">
             <a:extLst>
               <a:ext uri="{FF2B5EF4-FFF2-40B4-BE49-F238E27FC236}">
-                <a16:creationId xmlns:a16="http://schemas.microsoft.com/office/drawing/2014/main" id="{B797C99C-9084-7E4F-818B-197B308F563C}"/>
+                <a16:creationId xmlns:a16="http://schemas.microsoft.com/office/drawing/2014/main" id="{2DFB5F73-7978-E649-8250-72B092D5F916}"/>
               </a:ext>
             </a:extLst>
           </p:cNvPr>
@@ -24952,7 +25137,7 @@
     </p:spTree>
     <p:extLst>
       <p:ext uri="{BB962C8B-B14F-4D97-AF65-F5344CB8AC3E}">
-        <p14:creationId xmlns:p14="http://schemas.microsoft.com/office/powerpoint/2010/main" val="1070622160"/>
+        <p14:creationId xmlns:p14="http://schemas.microsoft.com/office/powerpoint/2010/main" val="1719955328"/>
       </p:ext>
     </p:extLst>
   </p:cSld>
@@ -24994,9 +25179,9 @@
                                           </p:stCondLst>
                                         </p:cTn>
                                         <p:tgtEl>
-                                          <p:spTgt spid="29698">
+                                          <p:spTgt spid="39938">
                                             <p:txEl>
-                                              <p:pRg st="2" end="2"/>
+                                              <p:pRg st="5" end="5"/>
                                             </p:txEl>
                                           </p:spTgt>
                                         </p:tgtEl>
@@ -25011,41 +25196,23 @@
                                   </p:childTnLst>
                                 </p:cTn>
                               </p:par>
-                            </p:childTnLst>
-                          </p:cTn>
-                        </p:par>
-                      </p:childTnLst>
-                    </p:cTn>
-                  </p:par>
-                  <p:par>
-                    <p:cTn id="7" fill="hold" nodeType="clickPar">
-                      <p:stCondLst>
-                        <p:cond delay="indefinite"/>
-                      </p:stCondLst>
-                      <p:childTnLst>
-                        <p:par>
-                          <p:cTn id="8" fill="hold" nodeType="withGroup">
-                            <p:stCondLst>
-                              <p:cond delay="0"/>
-                            </p:stCondLst>
-                            <p:childTnLst>
                               <p:par>
-                                <p:cTn id="9" presetID="1" presetClass="entr" presetSubtype="0" fill="hold" nodeType="clickEffect">
+                                <p:cTn id="7" presetID="1" presetClass="entr" presetSubtype="0" fill="hold" nodeType="withEffect">
                                   <p:stCondLst>
                                     <p:cond delay="0"/>
                                   </p:stCondLst>
                                   <p:childTnLst>
                                     <p:set>
                                       <p:cBhvr>
-                                        <p:cTn id="10" dur="1" fill="hold">
+                                        <p:cTn id="8" dur="1" fill="hold">
                                           <p:stCondLst>
                                             <p:cond delay="0"/>
                                           </p:stCondLst>
                                         </p:cTn>
                                         <p:tgtEl>
-                                          <p:spTgt spid="29698">
+                                          <p:spTgt spid="39938">
                                             <p:txEl>
-                                              <p:pRg st="4" end="4"/>
+                                              <p:pRg st="6" end="6"/>
                                             </p:txEl>
                                           </p:spTgt>
                                         </p:tgtEl>
@@ -25060,39 +25227,25 @@
                                   </p:childTnLst>
                                 </p:cTn>
                               </p:par>
-                            </p:childTnLst>
-                          </p:cTn>
-                        </p:par>
-                      </p:childTnLst>
-                    </p:cTn>
-                  </p:par>
-                  <p:par>
-                    <p:cTn id="11" fill="hold" nodeType="clickPar">
-                      <p:stCondLst>
-                        <p:cond delay="indefinite"/>
-                      </p:stCondLst>
-                      <p:childTnLst>
-                        <p:par>
-                          <p:cTn id="12" fill="hold" nodeType="withGroup">
-                            <p:stCondLst>
-                              <p:cond delay="0"/>
-                            </p:stCondLst>
-                            <p:childTnLst>
                               <p:par>
-                                <p:cTn id="13" presetID="1" presetClass="entr" presetSubtype="0" fill="hold" nodeType="clickEffect">
+                                <p:cTn id="9" presetID="1" presetClass="entr" presetSubtype="0" fill="hold" nodeType="withEffect">
                                   <p:stCondLst>
                                     <p:cond delay="0"/>
                                   </p:stCondLst>
                                   <p:childTnLst>
                                     <p:set>
                                       <p:cBhvr>
-                                        <p:cTn id="14" dur="1" fill="hold">
+                                        <p:cTn id="10" dur="1" fill="hold">
                                           <p:stCondLst>
                                             <p:cond delay="0"/>
                                           </p:stCondLst>
                                         </p:cTn>
                                         <p:tgtEl>
-                                          <p:spTgt spid="29699"/>
+                                          <p:spTgt spid="39938">
+                                            <p:txEl>
+                                              <p:pRg st="7" end="7"/>
+                                            </p:txEl>
+                                          </p:spTgt>
                                         </p:tgtEl>
                                         <p:attrNameLst>
                                           <p:attrName>style.visibility</p:attrName>

--- a/courses/apcsp/lect18.pptx
+++ b/courses/apcsp/lect18.pptx
@@ -148,7 +148,7 @@
 <file path=ppt/revisionInfo.xml><?xml version="1.0" encoding="utf-8"?>
 <p1510:revInfo xmlns:a="http://schemas.openxmlformats.org/drawingml/2006/main" xmlns:r="http://schemas.openxmlformats.org/officeDocument/2006/relationships" xmlns:p1510="http://schemas.microsoft.com/office/powerpoint/2015/10/main">
   <p1510:revLst>
-    <p1510:client id="{571B3557-016F-8544-9E94-291716046DD1}" v="14" dt="2022-03-10T18:31:49.798"/>
+    <p1510:client id="{571B3557-016F-8544-9E94-291716046DD1}" v="16" dt="2022-03-14T11:54:11.450"/>
   </p1510:revLst>
 </p1510:revInfo>
 </file>
@@ -2487,7 +2487,7 @@
   <pc:docChgLst>
     <pc:chgData name="Long Nguyen" userId="f59fb8f3-a021-417a-8bc1-65c8d471c621" providerId="ADAL" clId="{571B3557-016F-8544-9E94-291716046DD1}"/>
     <pc:docChg chg="custSel addSld delSld modSld">
-      <pc:chgData name="Long Nguyen" userId="f59fb8f3-a021-417a-8bc1-65c8d471c621" providerId="ADAL" clId="{571B3557-016F-8544-9E94-291716046DD1}" dt="2022-03-10T18:31:49.794" v="106"/>
+      <pc:chgData name="Long Nguyen" userId="f59fb8f3-a021-417a-8bc1-65c8d471c621" providerId="ADAL" clId="{571B3557-016F-8544-9E94-291716046DD1}" dt="2022-03-14T11:54:11.450" v="108" actId="20577"/>
       <pc:docMkLst>
         <pc:docMk/>
       </pc:docMkLst>
@@ -2581,11 +2581,19 @@
         </pc:sldMkLst>
       </pc:sldChg>
       <pc:sldChg chg="modSp mod">
-        <pc:chgData name="Long Nguyen" userId="f59fb8f3-a021-417a-8bc1-65c8d471c621" providerId="ADAL" clId="{571B3557-016F-8544-9E94-291716046DD1}" dt="2022-03-10T15:38:34.280" v="96" actId="20577"/>
+        <pc:chgData name="Long Nguyen" userId="f59fb8f3-a021-417a-8bc1-65c8d471c621" providerId="ADAL" clId="{571B3557-016F-8544-9E94-291716046DD1}" dt="2022-03-14T11:54:11.450" v="108" actId="20577"/>
         <pc:sldMkLst>
           <pc:docMk/>
           <pc:sldMk cId="3977893820" sldId="585"/>
         </pc:sldMkLst>
+        <pc:spChg chg="mod">
+          <ac:chgData name="Long Nguyen" userId="f59fb8f3-a021-417a-8bc1-65c8d471c621" providerId="ADAL" clId="{571B3557-016F-8544-9E94-291716046DD1}" dt="2022-03-14T11:54:11.450" v="108" actId="20577"/>
+          <ac:spMkLst>
+            <pc:docMk/>
+            <pc:sldMk cId="3977893820" sldId="585"/>
+            <ac:spMk id="64514" creationId="{7788F03B-8D64-E645-BC3F-DBD76C93C456}"/>
+          </ac:spMkLst>
+        </pc:spChg>
         <pc:spChg chg="mod">
           <ac:chgData name="Long Nguyen" userId="f59fb8f3-a021-417a-8bc1-65c8d471c621" providerId="ADAL" clId="{571B3557-016F-8544-9E94-291716046DD1}" dt="2022-03-10T15:38:34.280" v="96" actId="20577"/>
           <ac:spMkLst>
@@ -3621,7 +3629,7 @@
           <a:p>
             <a:fld id="{6EDD99D2-A624-5E4F-A4E3-584054837B5A}" type="datetimeFigureOut">
               <a:rPr lang="en-US" smtClean="0"/>
-              <a:t>3/10/22</a:t>
+              <a:t>3/14/22</a:t>
             </a:fld>
             <a:endParaRPr lang="en-US"/>
           </a:p>
@@ -10820,7 +10828,7 @@
           <a:p>
             <a:fld id="{B87722C1-40EC-ED43-91EC-B98ED320650C}" type="datetime1">
               <a:rPr lang="en-US" smtClean="0"/>
-              <a:t>3/10/22</a:t>
+              <a:t>3/14/22</a:t>
             </a:fld>
             <a:endParaRPr lang="en-US" dirty="0"/>
           </a:p>
@@ -10990,7 +10998,7 @@
           <a:p>
             <a:fld id="{FEAA3499-9783-414F-AB56-30EDF5B6AD7C}" type="datetime1">
               <a:rPr lang="en-US" smtClean="0"/>
-              <a:t>3/10/22</a:t>
+              <a:t>3/14/22</a:t>
             </a:fld>
             <a:endParaRPr lang="en-US" dirty="0"/>
           </a:p>
@@ -11170,7 +11178,7 @@
           <a:p>
             <a:fld id="{724D64E5-63F2-5449-AD8F-FA5D349B4404}" type="datetime1">
               <a:rPr lang="en-US" smtClean="0"/>
-              <a:t>3/10/22</a:t>
+              <a:t>3/14/22</a:t>
             </a:fld>
             <a:endParaRPr lang="en-US" dirty="0"/>
           </a:p>
@@ -11340,7 +11348,7 @@
           <a:p>
             <a:fld id="{EB3D4CA9-CE62-4E49-B3B8-F71ED47BF7C9}" type="datetime1">
               <a:rPr lang="en-US" smtClean="0"/>
-              <a:t>3/10/22</a:t>
+              <a:t>3/14/22</a:t>
             </a:fld>
             <a:endParaRPr lang="en-US" dirty="0"/>
           </a:p>
@@ -11586,7 +11594,7 @@
           <a:p>
             <a:fld id="{A25DC6E7-CDA3-444A-BA6F-C759166D947A}" type="datetime1">
               <a:rPr lang="en-US" smtClean="0"/>
-              <a:t>3/10/22</a:t>
+              <a:t>3/14/22</a:t>
             </a:fld>
             <a:endParaRPr lang="en-US" dirty="0"/>
           </a:p>
@@ -11818,7 +11826,7 @@
           <a:p>
             <a:fld id="{C37969F5-3BA4-8142-B442-1AF77983C374}" type="datetime1">
               <a:rPr lang="en-US" smtClean="0"/>
-              <a:t>3/10/22</a:t>
+              <a:t>3/14/22</a:t>
             </a:fld>
             <a:endParaRPr lang="en-US" dirty="0"/>
           </a:p>
@@ -12185,7 +12193,7 @@
           <a:p>
             <a:fld id="{7BD2D818-999B-E64C-AB06-944CE77FC710}" type="datetime1">
               <a:rPr lang="en-US" smtClean="0"/>
-              <a:t>3/10/22</a:t>
+              <a:t>3/14/22</a:t>
             </a:fld>
             <a:endParaRPr lang="en-US" dirty="0"/>
           </a:p>
@@ -12303,7 +12311,7 @@
           <a:p>
             <a:fld id="{1DBEBAD1-BDD9-9947-B065-7A967766785F}" type="datetime1">
               <a:rPr lang="en-US" smtClean="0"/>
-              <a:t>3/10/22</a:t>
+              <a:t>3/14/22</a:t>
             </a:fld>
             <a:endParaRPr lang="en-US" dirty="0"/>
           </a:p>
@@ -12398,7 +12406,7 @@
           <a:p>
             <a:fld id="{C1900C48-8719-9D4F-82DE-76E34B0BA82F}" type="datetime1">
               <a:rPr lang="en-US" smtClean="0"/>
-              <a:t>3/10/22</a:t>
+              <a:t>3/14/22</a:t>
             </a:fld>
             <a:endParaRPr lang="en-US" dirty="0"/>
           </a:p>
@@ -12675,7 +12683,7 @@
           <a:p>
             <a:fld id="{90B71D16-025D-3C42-9FB4-C3EC6CA1A989}" type="datetime1">
               <a:rPr lang="en-US" smtClean="0"/>
-              <a:t>3/10/22</a:t>
+              <a:t>3/14/22</a:t>
             </a:fld>
             <a:endParaRPr lang="en-US" dirty="0"/>
           </a:p>
@@ -12932,7 +12940,7 @@
           <a:p>
             <a:fld id="{913BB745-65CE-4943-B7D5-34583DF6D0C8}" type="datetime1">
               <a:rPr lang="en-US" smtClean="0"/>
-              <a:t>3/10/22</a:t>
+              <a:t>3/14/22</a:t>
             </a:fld>
             <a:endParaRPr lang="en-US" dirty="0"/>
           </a:p>
@@ -13145,7 +13153,7 @@
           <a:p>
             <a:fld id="{F99DF739-3EF3-8249-9B6D-641DAC3A4900}" type="datetime1">
               <a:rPr lang="en-US" smtClean="0"/>
-              <a:t>3/10/22</a:t>
+              <a:t>3/14/22</a:t>
             </a:fld>
             <a:endParaRPr lang="en-US" dirty="0"/>
           </a:p>
@@ -18727,10 +18735,14 @@
           <a:p>
             <a:pPr lvl="1"/>
             <a:r>
+              <a:rPr lang="en-US" dirty="0"/>
+              <a:t>172.217.204.102</a:t>
+            </a:r>
+            <a:r>
               <a:rPr lang="en-US" altLang="en-US" sz="1667" dirty="0">
                 <a:latin typeface="Tahoma" panose="020B0604030504040204" pitchFamily="34" charset="0"/>
               </a:rPr>
-              <a:t>172.217.10.46 is mapped to </a:t>
+              <a:t> is mapped to </a:t>
             </a:r>
             <a:r>
               <a:rPr lang="en-US" altLang="en-US" sz="1667" dirty="0">

--- a/courses/apcsp/lect18.pptx
+++ b/courses/apcsp/lect18.pptx
@@ -2487,7 +2487,7 @@
   <pc:docChgLst>
     <pc:chgData name="Long Nguyen" userId="f59fb8f3-a021-417a-8bc1-65c8d471c621" providerId="ADAL" clId="{571B3557-016F-8544-9E94-291716046DD1}"/>
     <pc:docChg chg="custSel addSld delSld modSld">
-      <pc:chgData name="Long Nguyen" userId="f59fb8f3-a021-417a-8bc1-65c8d471c621" providerId="ADAL" clId="{571B3557-016F-8544-9E94-291716046DD1}" dt="2022-03-14T11:54:11.450" v="108" actId="20577"/>
+      <pc:chgData name="Long Nguyen" userId="f59fb8f3-a021-417a-8bc1-65c8d471c621" providerId="ADAL" clId="{571B3557-016F-8544-9E94-291716046DD1}" dt="2022-03-14T12:13:50.150" v="122" actId="20577"/>
       <pc:docMkLst>
         <pc:docMk/>
       </pc:docMkLst>
@@ -2615,6 +2615,21 @@
             <pc:docMk/>
             <pc:sldMk cId="1319289224" sldId="586"/>
             <ac:spMk id="67585" creationId="{6089FBFB-967C-FD45-992B-EB81E5CF2976}"/>
+          </ac:spMkLst>
+        </pc:spChg>
+      </pc:sldChg>
+      <pc:sldChg chg="modSp mod">
+        <pc:chgData name="Long Nguyen" userId="f59fb8f3-a021-417a-8bc1-65c8d471c621" providerId="ADAL" clId="{571B3557-016F-8544-9E94-291716046DD1}" dt="2022-03-14T12:13:50.150" v="122" actId="20577"/>
+        <pc:sldMkLst>
+          <pc:docMk/>
+          <pc:sldMk cId="2894020677" sldId="587"/>
+        </pc:sldMkLst>
+        <pc:spChg chg="mod">
+          <ac:chgData name="Long Nguyen" userId="f59fb8f3-a021-417a-8bc1-65c8d471c621" providerId="ADAL" clId="{571B3557-016F-8544-9E94-291716046DD1}" dt="2022-03-14T12:13:50.150" v="122" actId="20577"/>
+          <ac:spMkLst>
+            <pc:docMk/>
+            <pc:sldMk cId="2894020677" sldId="587"/>
+            <ac:spMk id="69633" creationId="{8C113226-FF22-D946-A8D9-BF2B6BAC62D2}"/>
           </ac:spMkLst>
         </pc:spChg>
       </pc:sldChg>
@@ -19728,7 +19743,7 @@
                 <a:latin typeface="Tahoma" panose="020B0604030504040204" pitchFamily="34" charset="0"/>
                 <a:ea typeface="ＭＳ Ｐゴシック" panose="020B0600070205080204" pitchFamily="34" charset="-128"/>
               </a:rPr>
-              <a:t>Port Numbers</a:t>
+              <a:t>Port Numbers(optional)</a:t>
             </a:r>
           </a:p>
         </p:txBody>

--- a/courses/apcsp/lect18.pptx
+++ b/courses/apcsp/lect18.pptx
@@ -27,17 +27,17 @@
     <p:sldId id="583" r:id="rId18"/>
     <p:sldId id="575" r:id="rId19"/>
     <p:sldId id="616" r:id="rId20"/>
-    <p:sldId id="585" r:id="rId21"/>
-    <p:sldId id="586" r:id="rId22"/>
-    <p:sldId id="587" r:id="rId23"/>
-    <p:sldId id="589" r:id="rId24"/>
-    <p:sldId id="591" r:id="rId25"/>
-    <p:sldId id="590" r:id="rId26"/>
-    <p:sldId id="619" r:id="rId27"/>
-    <p:sldId id="620" r:id="rId28"/>
-    <p:sldId id="621" r:id="rId29"/>
-    <p:sldId id="618" r:id="rId30"/>
-    <p:sldId id="623" r:id="rId31"/>
+    <p:sldId id="619" r:id="rId21"/>
+    <p:sldId id="620" r:id="rId22"/>
+    <p:sldId id="621" r:id="rId23"/>
+    <p:sldId id="623" r:id="rId24"/>
+    <p:sldId id="585" r:id="rId25"/>
+    <p:sldId id="586" r:id="rId26"/>
+    <p:sldId id="587" r:id="rId27"/>
+    <p:sldId id="618" r:id="rId28"/>
+    <p:sldId id="589" r:id="rId29"/>
+    <p:sldId id="591" r:id="rId30"/>
+    <p:sldId id="590" r:id="rId31"/>
     <p:sldId id="610" r:id="rId32"/>
   </p:sldIdLst>
   <p:sldSz cx="9144000" cy="5715000" type="screen16x10"/>
@@ -148,7 +148,7 @@
 <file path=ppt/revisionInfo.xml><?xml version="1.0" encoding="utf-8"?>
 <p1510:revInfo xmlns:a="http://schemas.openxmlformats.org/drawingml/2006/main" xmlns:r="http://schemas.openxmlformats.org/officeDocument/2006/relationships" xmlns:p1510="http://schemas.microsoft.com/office/powerpoint/2015/10/main">
   <p1510:revLst>
-    <p1510:client id="{571B3557-016F-8544-9E94-291716046DD1}" v="16" dt="2022-03-14T11:54:11.450"/>
+    <p1510:client id="{1307150C-DC6B-B647-AE8E-28E44CBC3EED}" v="17" dt="2023-03-16T11:47:13.692"/>
   </p1510:revLst>
 </p1510:revInfo>
 </file>
@@ -2074,6 +2074,159 @@
     </pc:docChg>
   </pc:docChgLst>
   <pc:docChgLst>
+    <pc:chgData name="Long Nguyen" userId="f59fb8f3-a021-417a-8bc1-65c8d471c621" providerId="ADAL" clId="{1307150C-DC6B-B647-AE8E-28E44CBC3EED}"/>
+    <pc:docChg chg="addSld delSld modSld">
+      <pc:chgData name="Long Nguyen" userId="f59fb8f3-a021-417a-8bc1-65c8d471c621" providerId="ADAL" clId="{1307150C-DC6B-B647-AE8E-28E44CBC3EED}" dt="2023-03-16T11:47:18.628" v="59" actId="20577"/>
+      <pc:docMkLst>
+        <pc:docMk/>
+      </pc:docMkLst>
+      <pc:sldChg chg="modSp mod">
+        <pc:chgData name="Long Nguyen" userId="f59fb8f3-a021-417a-8bc1-65c8d471c621" providerId="ADAL" clId="{1307150C-DC6B-B647-AE8E-28E44CBC3EED}" dt="2023-03-16T11:46:38.707" v="27" actId="20577"/>
+        <pc:sldMkLst>
+          <pc:docMk/>
+          <pc:sldMk cId="2527578196" sldId="589"/>
+        </pc:sldMkLst>
+        <pc:spChg chg="mod">
+          <ac:chgData name="Long Nguyen" userId="f59fb8f3-a021-417a-8bc1-65c8d471c621" providerId="ADAL" clId="{1307150C-DC6B-B647-AE8E-28E44CBC3EED}" dt="2023-03-16T11:46:38.707" v="27" actId="20577"/>
+          <ac:spMkLst>
+            <pc:docMk/>
+            <pc:sldMk cId="2527578196" sldId="589"/>
+            <ac:spMk id="75777" creationId="{188EB92C-DDEE-294E-96AE-5B2F5541A13E}"/>
+          </ac:spMkLst>
+        </pc:spChg>
+      </pc:sldChg>
+      <pc:sldChg chg="modSp mod">
+        <pc:chgData name="Long Nguyen" userId="f59fb8f3-a021-417a-8bc1-65c8d471c621" providerId="ADAL" clId="{1307150C-DC6B-B647-AE8E-28E44CBC3EED}" dt="2023-03-16T11:46:48.662" v="47" actId="20577"/>
+        <pc:sldMkLst>
+          <pc:docMk/>
+          <pc:sldMk cId="3609937493" sldId="590"/>
+        </pc:sldMkLst>
+        <pc:spChg chg="mod">
+          <ac:chgData name="Long Nguyen" userId="f59fb8f3-a021-417a-8bc1-65c8d471c621" providerId="ADAL" clId="{1307150C-DC6B-B647-AE8E-28E44CBC3EED}" dt="2023-03-16T11:46:48.662" v="47" actId="20577"/>
+          <ac:spMkLst>
+            <pc:docMk/>
+            <pc:sldMk cId="3609937493" sldId="590"/>
+            <ac:spMk id="79873" creationId="{E8B36DA1-FD32-914E-8D09-91D267F39A7A}"/>
+          </ac:spMkLst>
+        </pc:spChg>
+      </pc:sldChg>
+      <pc:sldChg chg="modSp mod">
+        <pc:chgData name="Long Nguyen" userId="f59fb8f3-a021-417a-8bc1-65c8d471c621" providerId="ADAL" clId="{1307150C-DC6B-B647-AE8E-28E44CBC3EED}" dt="2023-03-16T11:46:43.710" v="37" actId="20577"/>
+        <pc:sldMkLst>
+          <pc:docMk/>
+          <pc:sldMk cId="4266553646" sldId="591"/>
+        </pc:sldMkLst>
+        <pc:spChg chg="mod">
+          <ac:chgData name="Long Nguyen" userId="f59fb8f3-a021-417a-8bc1-65c8d471c621" providerId="ADAL" clId="{1307150C-DC6B-B647-AE8E-28E44CBC3EED}" dt="2023-03-16T11:46:43.710" v="37" actId="20577"/>
+          <ac:spMkLst>
+            <pc:docMk/>
+            <pc:sldMk cId="4266553646" sldId="591"/>
+            <ac:spMk id="77825" creationId="{21CC4A42-EA8F-BF47-ADD5-B721E414F5F2}"/>
+          </ac:spMkLst>
+        </pc:spChg>
+      </pc:sldChg>
+      <pc:sldChg chg="modAnim">
+        <pc:chgData name="Long Nguyen" userId="f59fb8f3-a021-417a-8bc1-65c8d471c621" providerId="ADAL" clId="{1307150C-DC6B-B647-AE8E-28E44CBC3EED}" dt="2023-03-16T11:44:49.896" v="3"/>
+        <pc:sldMkLst>
+          <pc:docMk/>
+          <pc:sldMk cId="827202224" sldId="616"/>
+        </pc:sldMkLst>
+      </pc:sldChg>
+      <pc:sldChg chg="add del">
+        <pc:chgData name="Long Nguyen" userId="f59fb8f3-a021-417a-8bc1-65c8d471c621" providerId="ADAL" clId="{1307150C-DC6B-B647-AE8E-28E44CBC3EED}" dt="2023-03-16T11:47:08.405" v="48" actId="2696"/>
+        <pc:sldMkLst>
+          <pc:docMk/>
+          <pc:sldMk cId="780261160" sldId="618"/>
+        </pc:sldMkLst>
+      </pc:sldChg>
+      <pc:sldChg chg="del">
+        <pc:chgData name="Long Nguyen" userId="f59fb8f3-a021-417a-8bc1-65c8d471c621" providerId="ADAL" clId="{1307150C-DC6B-B647-AE8E-28E44CBC3EED}" dt="2023-03-16T11:44:00.925" v="0" actId="2696"/>
+        <pc:sldMkLst>
+          <pc:docMk/>
+          <pc:sldMk cId="1047995035" sldId="618"/>
+        </pc:sldMkLst>
+      </pc:sldChg>
+      <pc:sldChg chg="modSp add mod">
+        <pc:chgData name="Long Nguyen" userId="f59fb8f3-a021-417a-8bc1-65c8d471c621" providerId="ADAL" clId="{1307150C-DC6B-B647-AE8E-28E44CBC3EED}" dt="2023-03-16T11:47:18.628" v="59" actId="20577"/>
+        <pc:sldMkLst>
+          <pc:docMk/>
+          <pc:sldMk cId="2243592026" sldId="618"/>
+        </pc:sldMkLst>
+        <pc:spChg chg="mod">
+          <ac:chgData name="Long Nguyen" userId="f59fb8f3-a021-417a-8bc1-65c8d471c621" providerId="ADAL" clId="{1307150C-DC6B-B647-AE8E-28E44CBC3EED}" dt="2023-03-16T11:47:18.628" v="59" actId="20577"/>
+          <ac:spMkLst>
+            <pc:docMk/>
+            <pc:sldMk cId="2243592026" sldId="618"/>
+            <ac:spMk id="84993" creationId="{C169A412-E2F9-004D-A0EF-86F1C409823C}"/>
+          </ac:spMkLst>
+        </pc:spChg>
+      </pc:sldChg>
+      <pc:sldChg chg="del">
+        <pc:chgData name="Long Nguyen" userId="f59fb8f3-a021-417a-8bc1-65c8d471c621" providerId="ADAL" clId="{1307150C-DC6B-B647-AE8E-28E44CBC3EED}" dt="2023-03-16T11:44:00.925" v="0" actId="2696"/>
+        <pc:sldMkLst>
+          <pc:docMk/>
+          <pc:sldMk cId="1016158355" sldId="619"/>
+        </pc:sldMkLst>
+      </pc:sldChg>
+      <pc:sldChg chg="add modAnim">
+        <pc:chgData name="Long Nguyen" userId="f59fb8f3-a021-417a-8bc1-65c8d471c621" providerId="ADAL" clId="{1307150C-DC6B-B647-AE8E-28E44CBC3EED}" dt="2023-03-16T11:44:59.394" v="6"/>
+        <pc:sldMkLst>
+          <pc:docMk/>
+          <pc:sldMk cId="1332069046" sldId="619"/>
+        </pc:sldMkLst>
+      </pc:sldChg>
+      <pc:sldChg chg="add modAnim">
+        <pc:chgData name="Long Nguyen" userId="f59fb8f3-a021-417a-8bc1-65c8d471c621" providerId="ADAL" clId="{1307150C-DC6B-B647-AE8E-28E44CBC3EED}" dt="2023-03-16T11:45:19.107" v="9"/>
+        <pc:sldMkLst>
+          <pc:docMk/>
+          <pc:sldMk cId="280775540" sldId="620"/>
+        </pc:sldMkLst>
+      </pc:sldChg>
+      <pc:sldChg chg="del">
+        <pc:chgData name="Long Nguyen" userId="f59fb8f3-a021-417a-8bc1-65c8d471c621" providerId="ADAL" clId="{1307150C-DC6B-B647-AE8E-28E44CBC3EED}" dt="2023-03-16T11:44:00.925" v="0" actId="2696"/>
+        <pc:sldMkLst>
+          <pc:docMk/>
+          <pc:sldMk cId="4204323314" sldId="620"/>
+        </pc:sldMkLst>
+      </pc:sldChg>
+      <pc:sldChg chg="del">
+        <pc:chgData name="Long Nguyen" userId="f59fb8f3-a021-417a-8bc1-65c8d471c621" providerId="ADAL" clId="{1307150C-DC6B-B647-AE8E-28E44CBC3EED}" dt="2023-03-16T11:44:00.925" v="0" actId="2696"/>
+        <pc:sldMkLst>
+          <pc:docMk/>
+          <pc:sldMk cId="1162857972" sldId="621"/>
+        </pc:sldMkLst>
+      </pc:sldChg>
+      <pc:sldChg chg="add modAnim">
+        <pc:chgData name="Long Nguyen" userId="f59fb8f3-a021-417a-8bc1-65c8d471c621" providerId="ADAL" clId="{1307150C-DC6B-B647-AE8E-28E44CBC3EED}" dt="2023-03-16T11:45:29.397" v="12"/>
+        <pc:sldMkLst>
+          <pc:docMk/>
+          <pc:sldMk cId="1956247087" sldId="621"/>
+        </pc:sldMkLst>
+      </pc:sldChg>
+      <pc:sldChg chg="add del">
+        <pc:chgData name="Long Nguyen" userId="f59fb8f3-a021-417a-8bc1-65c8d471c621" providerId="ADAL" clId="{1307150C-DC6B-B647-AE8E-28E44CBC3EED}" dt="2023-03-16T11:46:02.955" v="13" actId="2696"/>
+        <pc:sldMkLst>
+          <pc:docMk/>
+          <pc:sldMk cId="514577812" sldId="623"/>
+        </pc:sldMkLst>
+      </pc:sldChg>
+      <pc:sldChg chg="del">
+        <pc:chgData name="Long Nguyen" userId="f59fb8f3-a021-417a-8bc1-65c8d471c621" providerId="ADAL" clId="{1307150C-DC6B-B647-AE8E-28E44CBC3EED}" dt="2023-03-16T11:44:00.925" v="0" actId="2696"/>
+        <pc:sldMkLst>
+          <pc:docMk/>
+          <pc:sldMk cId="3553270583" sldId="623"/>
+        </pc:sldMkLst>
+      </pc:sldChg>
+      <pc:sldChg chg="add modAnim">
+        <pc:chgData name="Long Nguyen" userId="f59fb8f3-a021-417a-8bc1-65c8d471c621" providerId="ADAL" clId="{1307150C-DC6B-B647-AE8E-28E44CBC3EED}" dt="2023-03-16T11:46:17.753" v="17"/>
+        <pc:sldMkLst>
+          <pc:docMk/>
+          <pc:sldMk cId="3840812503" sldId="623"/>
+        </pc:sldMkLst>
+      </pc:sldChg>
+    </pc:docChg>
+  </pc:docChgLst>
+  <pc:docChgLst>
     <pc:chgData name="Long B Nguyen" userId="f59fb8f3-a021-417a-8bc1-65c8d471c621" providerId="ADAL" clId="{6AC26564-89E3-E046-BFB4-F80582D7E17B}"/>
     <pc:docChg chg="custSel addSld delSld modSld">
       <pc:chgData name="Long B Nguyen" userId="f59fb8f3-a021-417a-8bc1-65c8d471c621" providerId="ADAL" clId="{6AC26564-89E3-E046-BFB4-F80582D7E17B}" dt="2020-01-13T13:46:56.810" v="92" actId="2696"/>
@@ -3644,7 +3797,7 @@
           <a:p>
             <a:fld id="{6EDD99D2-A624-5E4F-A4E3-584054837B5A}" type="datetimeFigureOut">
               <a:rPr lang="en-US" smtClean="0"/>
-              <a:t>3/14/22</a:t>
+              <a:t>3/16/23</a:t>
             </a:fld>
             <a:endParaRPr lang="en-US"/>
           </a:p>
@@ -6890,7 +7043,7 @@
             <a:fld id="{5E01D6DC-9A63-F540-B16E-E3632FEADE3F}" type="slidenum">
               <a:rPr lang="en-US" altLang="en-US" smtClean="0"/>
               <a:pPr/>
-              <a:t>20</a:t>
+              <a:t>24</a:t>
             </a:fld>
             <a:endParaRPr lang="en-US" altLang="en-US"/>
           </a:p>
@@ -7460,7 +7613,7 @@
             <a:fld id="{9411FBA1-E5E8-894C-BCFA-2B459A05F617}" type="slidenum">
               <a:rPr lang="en-US" altLang="en-US" smtClean="0"/>
               <a:pPr/>
-              <a:t>21</a:t>
+              <a:t>25</a:t>
             </a:fld>
             <a:endParaRPr lang="en-US" altLang="en-US"/>
           </a:p>
@@ -7745,7 +7898,7 @@
             <a:fld id="{54A36AFB-B5E0-FF4A-B5D6-EF086060C46F}" type="slidenum">
               <a:rPr lang="en-US" altLang="en-US" smtClean="0"/>
               <a:pPr/>
-              <a:t>22</a:t>
+              <a:t>26</a:t>
             </a:fld>
             <a:endParaRPr lang="en-US" altLang="en-US"/>
           </a:p>
@@ -8030,7 +8183,7 @@
             <a:fld id="{5FB09501-AD3D-D043-823D-0BAB7EB5B926}" type="slidenum">
               <a:rPr lang="en-US" altLang="en-US" smtClean="0"/>
               <a:pPr/>
-              <a:t>23</a:t>
+              <a:t>28</a:t>
             </a:fld>
             <a:endParaRPr lang="en-US" altLang="en-US"/>
           </a:p>
@@ -8315,7 +8468,7 @@
             <a:fld id="{3D433EE7-F53B-2F42-A6AF-86D88745413D}" type="slidenum">
               <a:rPr lang="en-US" altLang="en-US" smtClean="0"/>
               <a:pPr/>
-              <a:t>24</a:t>
+              <a:t>29</a:t>
             </a:fld>
             <a:endParaRPr lang="en-US" altLang="en-US"/>
           </a:p>
@@ -8600,7 +8753,7 @@
             <a:fld id="{74AFB83C-0D8C-6A47-88CC-8606ED98D975}" type="slidenum">
               <a:rPr lang="en-US" altLang="en-US" smtClean="0"/>
               <a:pPr/>
-              <a:t>25</a:t>
+              <a:t>30</a:t>
             </a:fld>
             <a:endParaRPr lang="en-US" altLang="en-US"/>
           </a:p>
@@ -10843,7 +10996,7 @@
           <a:p>
             <a:fld id="{B87722C1-40EC-ED43-91EC-B98ED320650C}" type="datetime1">
               <a:rPr lang="en-US" smtClean="0"/>
-              <a:t>3/14/22</a:t>
+              <a:t>3/16/23</a:t>
             </a:fld>
             <a:endParaRPr lang="en-US" dirty="0"/>
           </a:p>
@@ -11013,7 +11166,7 @@
           <a:p>
             <a:fld id="{FEAA3499-9783-414F-AB56-30EDF5B6AD7C}" type="datetime1">
               <a:rPr lang="en-US" smtClean="0"/>
-              <a:t>3/14/22</a:t>
+              <a:t>3/16/23</a:t>
             </a:fld>
             <a:endParaRPr lang="en-US" dirty="0"/>
           </a:p>
@@ -11193,7 +11346,7 @@
           <a:p>
             <a:fld id="{724D64E5-63F2-5449-AD8F-FA5D349B4404}" type="datetime1">
               <a:rPr lang="en-US" smtClean="0"/>
-              <a:t>3/14/22</a:t>
+              <a:t>3/16/23</a:t>
             </a:fld>
             <a:endParaRPr lang="en-US" dirty="0"/>
           </a:p>
@@ -11363,7 +11516,7 @@
           <a:p>
             <a:fld id="{EB3D4CA9-CE62-4E49-B3B8-F71ED47BF7C9}" type="datetime1">
               <a:rPr lang="en-US" smtClean="0"/>
-              <a:t>3/14/22</a:t>
+              <a:t>3/16/23</a:t>
             </a:fld>
             <a:endParaRPr lang="en-US" dirty="0"/>
           </a:p>
@@ -11609,7 +11762,7 @@
           <a:p>
             <a:fld id="{A25DC6E7-CDA3-444A-BA6F-C759166D947A}" type="datetime1">
               <a:rPr lang="en-US" smtClean="0"/>
-              <a:t>3/14/22</a:t>
+              <a:t>3/16/23</a:t>
             </a:fld>
             <a:endParaRPr lang="en-US" dirty="0"/>
           </a:p>
@@ -11841,7 +11994,7 @@
           <a:p>
             <a:fld id="{C37969F5-3BA4-8142-B442-1AF77983C374}" type="datetime1">
               <a:rPr lang="en-US" smtClean="0"/>
-              <a:t>3/14/22</a:t>
+              <a:t>3/16/23</a:t>
             </a:fld>
             <a:endParaRPr lang="en-US" dirty="0"/>
           </a:p>
@@ -12208,7 +12361,7 @@
           <a:p>
             <a:fld id="{7BD2D818-999B-E64C-AB06-944CE77FC710}" type="datetime1">
               <a:rPr lang="en-US" smtClean="0"/>
-              <a:t>3/14/22</a:t>
+              <a:t>3/16/23</a:t>
             </a:fld>
             <a:endParaRPr lang="en-US" dirty="0"/>
           </a:p>
@@ -12326,7 +12479,7 @@
           <a:p>
             <a:fld id="{1DBEBAD1-BDD9-9947-B065-7A967766785F}" type="datetime1">
               <a:rPr lang="en-US" smtClean="0"/>
-              <a:t>3/14/22</a:t>
+              <a:t>3/16/23</a:t>
             </a:fld>
             <a:endParaRPr lang="en-US" dirty="0"/>
           </a:p>
@@ -12421,7 +12574,7 @@
           <a:p>
             <a:fld id="{C1900C48-8719-9D4F-82DE-76E34B0BA82F}" type="datetime1">
               <a:rPr lang="en-US" smtClean="0"/>
-              <a:t>3/14/22</a:t>
+              <a:t>3/16/23</a:t>
             </a:fld>
             <a:endParaRPr lang="en-US" dirty="0"/>
           </a:p>
@@ -12698,7 +12851,7 @@
           <a:p>
             <a:fld id="{90B71D16-025D-3C42-9FB4-C3EC6CA1A989}" type="datetime1">
               <a:rPr lang="en-US" smtClean="0"/>
-              <a:t>3/14/22</a:t>
+              <a:t>3/16/23</a:t>
             </a:fld>
             <a:endParaRPr lang="en-US" dirty="0"/>
           </a:p>
@@ -12955,7 +13108,7 @@
           <a:p>
             <a:fld id="{913BB745-65CE-4943-B7D5-34583DF6D0C8}" type="datetime1">
               <a:rPr lang="en-US" smtClean="0"/>
-              <a:t>3/14/22</a:t>
+              <a:t>3/16/23</a:t>
             </a:fld>
             <a:endParaRPr lang="en-US" dirty="0"/>
           </a:p>
@@ -13168,7 +13321,7 @@
           <a:p>
             <a:fld id="{F99DF739-3EF3-8249-9B6D-641DAC3A4900}" type="datetime1">
               <a:rPr lang="en-US" smtClean="0"/>
-              <a:t>3/14/22</a:t>
+              <a:t>3/16/23</a:t>
             </a:fld>
             <a:endParaRPr lang="en-US" dirty="0"/>
           </a:p>
@@ -18106,6 +18259,165 @@
     <a:masterClrMapping/>
   </p:clrMapOvr>
   <p:transition/>
+  <p:timing>
+    <p:tnLst>
+      <p:par>
+        <p:cTn id="1" dur="indefinite" restart="never" nodeType="tmRoot">
+          <p:childTnLst>
+            <p:seq concurrent="1" nextAc="seek">
+              <p:cTn id="2" dur="indefinite" nodeType="mainSeq">
+                <p:childTnLst>
+                  <p:par>
+                    <p:cTn id="3" fill="hold">
+                      <p:stCondLst>
+                        <p:cond delay="indefinite"/>
+                      </p:stCondLst>
+                      <p:childTnLst>
+                        <p:par>
+                          <p:cTn id="4" fill="hold">
+                            <p:stCondLst>
+                              <p:cond delay="0"/>
+                            </p:stCondLst>
+                            <p:childTnLst>
+                              <p:par>
+                                <p:cTn id="5" presetID="1" presetClass="entr" presetSubtype="0" fill="hold" nodeType="clickEffect">
+                                  <p:stCondLst>
+                                    <p:cond delay="0"/>
+                                  </p:stCondLst>
+                                  <p:childTnLst>
+                                    <p:set>
+                                      <p:cBhvr>
+                                        <p:cTn id="6" dur="1" fill="hold">
+                                          <p:stCondLst>
+                                            <p:cond delay="0"/>
+                                          </p:stCondLst>
+                                        </p:cTn>
+                                        <p:tgtEl>
+                                          <p:spTgt spid="56322">
+                                            <p:txEl>
+                                              <p:pRg st="2" end="2"/>
+                                            </p:txEl>
+                                          </p:spTgt>
+                                        </p:tgtEl>
+                                        <p:attrNameLst>
+                                          <p:attrName>style.visibility</p:attrName>
+                                        </p:attrNameLst>
+                                      </p:cBhvr>
+                                      <p:to>
+                                        <p:strVal val="visible"/>
+                                      </p:to>
+                                    </p:set>
+                                  </p:childTnLst>
+                                </p:cTn>
+                              </p:par>
+                            </p:childTnLst>
+                          </p:cTn>
+                        </p:par>
+                      </p:childTnLst>
+                    </p:cTn>
+                  </p:par>
+                  <p:par>
+                    <p:cTn id="7" fill="hold">
+                      <p:stCondLst>
+                        <p:cond delay="indefinite"/>
+                      </p:stCondLst>
+                      <p:childTnLst>
+                        <p:par>
+                          <p:cTn id="8" fill="hold">
+                            <p:stCondLst>
+                              <p:cond delay="0"/>
+                            </p:stCondLst>
+                            <p:childTnLst>
+                              <p:par>
+                                <p:cTn id="9" presetID="1" presetClass="entr" presetSubtype="0" fill="hold" nodeType="clickEffect">
+                                  <p:stCondLst>
+                                    <p:cond delay="0"/>
+                                  </p:stCondLst>
+                                  <p:childTnLst>
+                                    <p:set>
+                                      <p:cBhvr>
+                                        <p:cTn id="10" dur="1" fill="hold">
+                                          <p:stCondLst>
+                                            <p:cond delay="0"/>
+                                          </p:stCondLst>
+                                        </p:cTn>
+                                        <p:tgtEl>
+                                          <p:spTgt spid="56322">
+                                            <p:txEl>
+                                              <p:pRg st="4" end="4"/>
+                                            </p:txEl>
+                                          </p:spTgt>
+                                        </p:tgtEl>
+                                        <p:attrNameLst>
+                                          <p:attrName>style.visibility</p:attrName>
+                                        </p:attrNameLst>
+                                      </p:cBhvr>
+                                      <p:to>
+                                        <p:strVal val="visible"/>
+                                      </p:to>
+                                    </p:set>
+                                  </p:childTnLst>
+                                </p:cTn>
+                              </p:par>
+                              <p:par>
+                                <p:cTn id="11" presetID="1" presetClass="entr" presetSubtype="0" fill="hold" nodeType="withEffect">
+                                  <p:stCondLst>
+                                    <p:cond delay="0"/>
+                                  </p:stCondLst>
+                                  <p:childTnLst>
+                                    <p:set>
+                                      <p:cBhvr>
+                                        <p:cTn id="12" dur="1" fill="hold">
+                                          <p:stCondLst>
+                                            <p:cond delay="0"/>
+                                          </p:stCondLst>
+                                        </p:cTn>
+                                        <p:tgtEl>
+                                          <p:spTgt spid="56322">
+                                            <p:txEl>
+                                              <p:pRg st="5" end="5"/>
+                                            </p:txEl>
+                                          </p:spTgt>
+                                        </p:tgtEl>
+                                        <p:attrNameLst>
+                                          <p:attrName>style.visibility</p:attrName>
+                                        </p:attrNameLst>
+                                      </p:cBhvr>
+                                      <p:to>
+                                        <p:strVal val="visible"/>
+                                      </p:to>
+                                    </p:set>
+                                  </p:childTnLst>
+                                </p:cTn>
+                              </p:par>
+                            </p:childTnLst>
+                          </p:cTn>
+                        </p:par>
+                      </p:childTnLst>
+                    </p:cTn>
+                  </p:par>
+                </p:childTnLst>
+              </p:cTn>
+              <p:prevCondLst>
+                <p:cond evt="onPrev" delay="0">
+                  <p:tgtEl>
+                    <p:sldTgt/>
+                  </p:tgtEl>
+                </p:cond>
+              </p:prevCondLst>
+              <p:nextCondLst>
+                <p:cond evt="onNext" delay="0">
+                  <p:tgtEl>
+                    <p:sldTgt/>
+                  </p:tgtEl>
+                </p:cond>
+              </p:nextCondLst>
+            </p:seq>
+          </p:childTnLst>
+        </p:cTn>
+      </p:par>
+    </p:tnLst>
+  </p:timing>
 </p:sld>
 </file>
 
@@ -18566,6 +18878,1670 @@
       </p:grpSpPr>
       <p:sp>
         <p:nvSpPr>
+          <p:cNvPr id="84993" name="Title 1">
+            <a:extLst>
+              <a:ext uri="{FF2B5EF4-FFF2-40B4-BE49-F238E27FC236}">
+                <a16:creationId xmlns:a16="http://schemas.microsoft.com/office/drawing/2014/main" id="{C169A412-E2F9-004D-A0EF-86F1C409823C}"/>
+              </a:ext>
+            </a:extLst>
+          </p:cNvPr>
+          <p:cNvSpPr>
+            <a:spLocks noGrp="1" noChangeArrowheads="1"/>
+          </p:cNvSpPr>
+          <p:nvPr>
+            <p:ph type="title"/>
+          </p:nvPr>
+        </p:nvSpPr>
+        <p:spPr>
+          <a:xfrm>
+            <a:off x="133564" y="106881"/>
+            <a:ext cx="7886700" cy="689517"/>
+          </a:xfrm>
+        </p:spPr>
+        <p:txBody>
+          <a:bodyPr/>
+          <a:lstStyle/>
+          <a:p>
+            <a:pPr eaLnBrk="1" hangingPunct="1"/>
+            <a:r>
+              <a:rPr lang="en-US" altLang="en-US" dirty="0">
+                <a:ea typeface="ＭＳ Ｐゴシック" panose="020B0600070205080204" pitchFamily="34" charset="-128"/>
+              </a:rPr>
+              <a:t>Packets</a:t>
+            </a:r>
+          </a:p>
+        </p:txBody>
+      </p:sp>
+      <p:sp>
+        <p:nvSpPr>
+          <p:cNvPr id="84994" name="Content Placeholder 2">
+            <a:extLst>
+              <a:ext uri="{FF2B5EF4-FFF2-40B4-BE49-F238E27FC236}">
+                <a16:creationId xmlns:a16="http://schemas.microsoft.com/office/drawing/2014/main" id="{6971D443-43C5-2E43-8019-712D595D62F2}"/>
+              </a:ext>
+            </a:extLst>
+          </p:cNvPr>
+          <p:cNvSpPr>
+            <a:spLocks noGrp="1" noChangeArrowheads="1"/>
+          </p:cNvSpPr>
+          <p:nvPr>
+            <p:ph idx="1"/>
+          </p:nvPr>
+        </p:nvSpPr>
+        <p:spPr>
+          <a:xfrm>
+            <a:off x="277402" y="801385"/>
+            <a:ext cx="8733034" cy="4831262"/>
+          </a:xfrm>
+        </p:spPr>
+        <p:txBody>
+          <a:bodyPr/>
+          <a:lstStyle/>
+          <a:p>
+            <a:pPr marL="0" indent="0">
+              <a:buNone/>
+            </a:pPr>
+            <a:r>
+              <a:rPr lang="en-US" dirty="0"/>
+              <a:t>The Internet transmits </a:t>
+            </a:r>
+            <a:r>
+              <a:rPr lang="en-US" b="1"/>
+              <a:t>data streams</a:t>
+            </a:r>
+            <a:r>
+              <a:rPr lang="en-US"/>
+              <a:t> </a:t>
+            </a:r>
+            <a:r>
+              <a:rPr lang="en-US" dirty="0"/>
+              <a:t>from one computer to another by breaking the data down into small manageable units that are known as </a:t>
+            </a:r>
+            <a:r>
+              <a:rPr lang="en-US" b="1" dirty="0"/>
+              <a:t>packets</a:t>
+            </a:r>
+            <a:r>
+              <a:rPr lang="en-US" dirty="0"/>
+              <a:t>. This system is called a </a:t>
+            </a:r>
+            <a:r>
+              <a:rPr lang="en-US" b="1" dirty="0"/>
+              <a:t>packet-switching system</a:t>
+            </a:r>
+            <a:r>
+              <a:rPr lang="en-US" dirty="0"/>
+              <a:t>.</a:t>
+            </a:r>
+          </a:p>
+          <a:p>
+            <a:pPr marL="0" indent="0">
+              <a:buNone/>
+            </a:pPr>
+            <a:endParaRPr lang="en-US" dirty="0"/>
+          </a:p>
+          <a:p>
+            <a:pPr marL="0" indent="0">
+              <a:buNone/>
+            </a:pPr>
+            <a:r>
+              <a:rPr lang="en-US" dirty="0"/>
+              <a:t>A packet is defined as a small chunk of digital data that contains both a sender address and an address to where the packet is supposed to go. </a:t>
+            </a:r>
+          </a:p>
+          <a:p>
+            <a:pPr marL="0" indent="0">
+              <a:buNone/>
+            </a:pPr>
+            <a:endParaRPr lang="en-US" dirty="0"/>
+          </a:p>
+          <a:p>
+            <a:pPr marL="0" indent="0">
+              <a:buNone/>
+            </a:pPr>
+            <a:r>
+              <a:rPr lang="en-US" dirty="0"/>
+              <a:t>A single image could contain anywhere from just a handful of packets to upwards of 10,000 depending on a variety of factors.</a:t>
+            </a:r>
+          </a:p>
+          <a:p>
+            <a:pPr marL="0" indent="0">
+              <a:buNone/>
+            </a:pPr>
+            <a:endParaRPr lang="en-US" altLang="en-US" sz="1833" dirty="0">
+              <a:latin typeface="Tahoma" panose="020B0604030504040204" pitchFamily="34" charset="0"/>
+              <a:ea typeface="ＭＳ Ｐゴシック" panose="020B0600070205080204" pitchFamily="34" charset="-128"/>
+            </a:endParaRPr>
+          </a:p>
+          <a:p>
+            <a:pPr marL="0" indent="0">
+              <a:buNone/>
+            </a:pPr>
+            <a:r>
+              <a:rPr lang="en-US" dirty="0"/>
+              <a:t>The process of determining where packets go is called </a:t>
+            </a:r>
+            <a:r>
+              <a:rPr lang="en-US" b="1" dirty="0"/>
+              <a:t>routing </a:t>
+            </a:r>
+            <a:r>
+              <a:rPr lang="en-US" dirty="0"/>
+              <a:t>or selecting a path for traffic in a network.</a:t>
+            </a:r>
+          </a:p>
+        </p:txBody>
+      </p:sp>
+      <p:sp>
+        <p:nvSpPr>
+          <p:cNvPr id="2" name="Slide Number Placeholder 1">
+            <a:extLst>
+              <a:ext uri="{FF2B5EF4-FFF2-40B4-BE49-F238E27FC236}">
+                <a16:creationId xmlns:a16="http://schemas.microsoft.com/office/drawing/2014/main" id="{EA560605-ECCA-084C-9B6A-2DD49664CFCB}"/>
+              </a:ext>
+            </a:extLst>
+          </p:cNvPr>
+          <p:cNvSpPr>
+            <a:spLocks noGrp="1"/>
+          </p:cNvSpPr>
+          <p:nvPr>
+            <p:ph type="sldNum" sz="quarter" idx="12"/>
+          </p:nvPr>
+        </p:nvSpPr>
+        <p:spPr/>
+        <p:txBody>
+          <a:bodyPr/>
+          <a:lstStyle/>
+          <a:p>
+            <a:fld id="{D57F1E4F-1CFF-5643-939E-02111984F565}" type="slidenum">
+              <a:rPr lang="en-US" smtClean="0"/>
+              <a:t>20</a:t>
+            </a:fld>
+            <a:endParaRPr lang="en-US" dirty="0"/>
+          </a:p>
+        </p:txBody>
+      </p:sp>
+    </p:spTree>
+    <p:extLst>
+      <p:ext uri="{BB962C8B-B14F-4D97-AF65-F5344CB8AC3E}">
+        <p14:creationId xmlns:p14="http://schemas.microsoft.com/office/powerpoint/2010/main" val="1332069046"/>
+      </p:ext>
+    </p:extLst>
+  </p:cSld>
+  <p:clrMapOvr>
+    <a:masterClrMapping/>
+  </p:clrMapOvr>
+  <p:timing>
+    <p:tnLst>
+      <p:par>
+        <p:cTn id="1" dur="indefinite" restart="never" nodeType="tmRoot">
+          <p:childTnLst>
+            <p:seq concurrent="1" nextAc="seek">
+              <p:cTn id="2" dur="indefinite" nodeType="mainSeq">
+                <p:childTnLst>
+                  <p:par>
+                    <p:cTn id="3" fill="hold">
+                      <p:stCondLst>
+                        <p:cond delay="indefinite"/>
+                      </p:stCondLst>
+                      <p:childTnLst>
+                        <p:par>
+                          <p:cTn id="4" fill="hold">
+                            <p:stCondLst>
+                              <p:cond delay="0"/>
+                            </p:stCondLst>
+                            <p:childTnLst>
+                              <p:par>
+                                <p:cTn id="5" presetID="1" presetClass="entr" presetSubtype="0" fill="hold" nodeType="clickEffect">
+                                  <p:stCondLst>
+                                    <p:cond delay="0"/>
+                                  </p:stCondLst>
+                                  <p:childTnLst>
+                                    <p:set>
+                                      <p:cBhvr>
+                                        <p:cTn id="6" dur="1" fill="hold">
+                                          <p:stCondLst>
+                                            <p:cond delay="0"/>
+                                          </p:stCondLst>
+                                        </p:cTn>
+                                        <p:tgtEl>
+                                          <p:spTgt spid="84994">
+                                            <p:txEl>
+                                              <p:pRg st="2" end="2"/>
+                                            </p:txEl>
+                                          </p:spTgt>
+                                        </p:tgtEl>
+                                        <p:attrNameLst>
+                                          <p:attrName>style.visibility</p:attrName>
+                                        </p:attrNameLst>
+                                      </p:cBhvr>
+                                      <p:to>
+                                        <p:strVal val="visible"/>
+                                      </p:to>
+                                    </p:set>
+                                  </p:childTnLst>
+                                </p:cTn>
+                              </p:par>
+                            </p:childTnLst>
+                          </p:cTn>
+                        </p:par>
+                      </p:childTnLst>
+                    </p:cTn>
+                  </p:par>
+                  <p:par>
+                    <p:cTn id="7" fill="hold">
+                      <p:stCondLst>
+                        <p:cond delay="indefinite"/>
+                      </p:stCondLst>
+                      <p:childTnLst>
+                        <p:par>
+                          <p:cTn id="8" fill="hold">
+                            <p:stCondLst>
+                              <p:cond delay="0"/>
+                            </p:stCondLst>
+                            <p:childTnLst>
+                              <p:par>
+                                <p:cTn id="9" presetID="1" presetClass="entr" presetSubtype="0" fill="hold" nodeType="clickEffect">
+                                  <p:stCondLst>
+                                    <p:cond delay="0"/>
+                                  </p:stCondLst>
+                                  <p:childTnLst>
+                                    <p:set>
+                                      <p:cBhvr>
+                                        <p:cTn id="10" dur="1" fill="hold">
+                                          <p:stCondLst>
+                                            <p:cond delay="0"/>
+                                          </p:stCondLst>
+                                        </p:cTn>
+                                        <p:tgtEl>
+                                          <p:spTgt spid="84994">
+                                            <p:txEl>
+                                              <p:pRg st="4" end="4"/>
+                                            </p:txEl>
+                                          </p:spTgt>
+                                        </p:tgtEl>
+                                        <p:attrNameLst>
+                                          <p:attrName>style.visibility</p:attrName>
+                                        </p:attrNameLst>
+                                      </p:cBhvr>
+                                      <p:to>
+                                        <p:strVal val="visible"/>
+                                      </p:to>
+                                    </p:set>
+                                  </p:childTnLst>
+                                </p:cTn>
+                              </p:par>
+                            </p:childTnLst>
+                          </p:cTn>
+                        </p:par>
+                      </p:childTnLst>
+                    </p:cTn>
+                  </p:par>
+                  <p:par>
+                    <p:cTn id="11" fill="hold">
+                      <p:stCondLst>
+                        <p:cond delay="indefinite"/>
+                      </p:stCondLst>
+                      <p:childTnLst>
+                        <p:par>
+                          <p:cTn id="12" fill="hold">
+                            <p:stCondLst>
+                              <p:cond delay="0"/>
+                            </p:stCondLst>
+                            <p:childTnLst>
+                              <p:par>
+                                <p:cTn id="13" presetID="1" presetClass="entr" presetSubtype="0" fill="hold" nodeType="clickEffect">
+                                  <p:stCondLst>
+                                    <p:cond delay="0"/>
+                                  </p:stCondLst>
+                                  <p:childTnLst>
+                                    <p:set>
+                                      <p:cBhvr>
+                                        <p:cTn id="14" dur="1" fill="hold">
+                                          <p:stCondLst>
+                                            <p:cond delay="0"/>
+                                          </p:stCondLst>
+                                        </p:cTn>
+                                        <p:tgtEl>
+                                          <p:spTgt spid="84994">
+                                            <p:txEl>
+                                              <p:pRg st="6" end="6"/>
+                                            </p:txEl>
+                                          </p:spTgt>
+                                        </p:tgtEl>
+                                        <p:attrNameLst>
+                                          <p:attrName>style.visibility</p:attrName>
+                                        </p:attrNameLst>
+                                      </p:cBhvr>
+                                      <p:to>
+                                        <p:strVal val="visible"/>
+                                      </p:to>
+                                    </p:set>
+                                  </p:childTnLst>
+                                </p:cTn>
+                              </p:par>
+                            </p:childTnLst>
+                          </p:cTn>
+                        </p:par>
+                      </p:childTnLst>
+                    </p:cTn>
+                  </p:par>
+                </p:childTnLst>
+              </p:cTn>
+              <p:prevCondLst>
+                <p:cond evt="onPrev" delay="0">
+                  <p:tgtEl>
+                    <p:sldTgt/>
+                  </p:tgtEl>
+                </p:cond>
+              </p:prevCondLst>
+              <p:nextCondLst>
+                <p:cond evt="onNext" delay="0">
+                  <p:tgtEl>
+                    <p:sldTgt/>
+                  </p:tgtEl>
+                </p:cond>
+              </p:nextCondLst>
+            </p:seq>
+          </p:childTnLst>
+        </p:cTn>
+      </p:par>
+    </p:tnLst>
+  </p:timing>
+</p:sld>
+</file>
+
+<file path=ppt/slides/slide21.xml><?xml version="1.0" encoding="utf-8"?>
+<p:sld xmlns:a="http://schemas.openxmlformats.org/drawingml/2006/main" xmlns:r="http://schemas.openxmlformats.org/officeDocument/2006/relationships" xmlns:p="http://schemas.openxmlformats.org/presentationml/2006/main">
+  <p:cSld>
+    <p:spTree>
+      <p:nvGrpSpPr>
+        <p:cNvPr id="1" name=""/>
+        <p:cNvGrpSpPr/>
+        <p:nvPr/>
+      </p:nvGrpSpPr>
+      <p:grpSpPr>
+        <a:xfrm>
+          <a:off x="0" y="0"/>
+          <a:ext cx="0" cy="0"/>
+          <a:chOff x="0" y="0"/>
+          <a:chExt cx="0" cy="0"/>
+        </a:xfrm>
+      </p:grpSpPr>
+      <p:sp>
+        <p:nvSpPr>
+          <p:cNvPr id="84993" name="Title 1">
+            <a:extLst>
+              <a:ext uri="{FF2B5EF4-FFF2-40B4-BE49-F238E27FC236}">
+                <a16:creationId xmlns:a16="http://schemas.microsoft.com/office/drawing/2014/main" id="{C169A412-E2F9-004D-A0EF-86F1C409823C}"/>
+              </a:ext>
+            </a:extLst>
+          </p:cNvPr>
+          <p:cNvSpPr>
+            <a:spLocks noGrp="1" noChangeArrowheads="1"/>
+          </p:cNvSpPr>
+          <p:nvPr>
+            <p:ph type="title"/>
+          </p:nvPr>
+        </p:nvSpPr>
+        <p:spPr>
+          <a:xfrm>
+            <a:off x="133564" y="106881"/>
+            <a:ext cx="7886700" cy="689517"/>
+          </a:xfrm>
+        </p:spPr>
+        <p:txBody>
+          <a:bodyPr/>
+          <a:lstStyle/>
+          <a:p>
+            <a:pPr eaLnBrk="1" hangingPunct="1"/>
+            <a:r>
+              <a:rPr lang="en-US" altLang="en-US" dirty="0">
+                <a:ea typeface="ＭＳ Ｐゴシック" panose="020B0600070205080204" pitchFamily="34" charset="-128"/>
+              </a:rPr>
+              <a:t>Packets</a:t>
+            </a:r>
+          </a:p>
+        </p:txBody>
+      </p:sp>
+      <p:sp>
+        <p:nvSpPr>
+          <p:cNvPr id="84994" name="Content Placeholder 2">
+            <a:extLst>
+              <a:ext uri="{FF2B5EF4-FFF2-40B4-BE49-F238E27FC236}">
+                <a16:creationId xmlns:a16="http://schemas.microsoft.com/office/drawing/2014/main" id="{6971D443-43C5-2E43-8019-712D595D62F2}"/>
+              </a:ext>
+            </a:extLst>
+          </p:cNvPr>
+          <p:cNvSpPr>
+            <a:spLocks noGrp="1" noChangeArrowheads="1"/>
+          </p:cNvSpPr>
+          <p:nvPr>
+            <p:ph idx="1"/>
+          </p:nvPr>
+        </p:nvSpPr>
+        <p:spPr>
+          <a:xfrm>
+            <a:off x="133564" y="873303"/>
+            <a:ext cx="8876872" cy="4759344"/>
+          </a:xfrm>
+        </p:spPr>
+        <p:txBody>
+          <a:bodyPr>
+            <a:normAutofit/>
+          </a:bodyPr>
+          <a:lstStyle/>
+          <a:p>
+            <a:pPr marL="0" indent="0">
+              <a:buNone/>
+            </a:pPr>
+            <a:endParaRPr lang="en-US" sz="2000" dirty="0">
+              <a:latin typeface="Gill Sans MT" panose="020B0502020104020203" pitchFamily="34" charset="77"/>
+            </a:endParaRPr>
+          </a:p>
+          <a:p>
+            <a:pPr marL="0" indent="0">
+              <a:buNone/>
+            </a:pPr>
+            <a:r>
+              <a:rPr lang="en-US" sz="2000" dirty="0">
+                <a:latin typeface="Gill Sans MT" panose="020B0502020104020203" pitchFamily="34" charset="77"/>
+              </a:rPr>
+              <a:t>Packet-switching system is similar to traffic routing. </a:t>
+            </a:r>
+            <a:r>
+              <a:rPr lang="en-US" dirty="0"/>
+              <a:t>Routing on the Internet is usually </a:t>
+            </a:r>
+            <a:r>
+              <a:rPr lang="en-US" b="1" dirty="0"/>
+              <a:t>dynamic</a:t>
+            </a:r>
+            <a:r>
+              <a:rPr lang="en-US" dirty="0"/>
+              <a:t>; it is not specified in advance. </a:t>
+            </a:r>
+            <a:endParaRPr lang="en-US" sz="2000" dirty="0"/>
+          </a:p>
+          <a:p>
+            <a:pPr marL="0" indent="0">
+              <a:buNone/>
+            </a:pPr>
+            <a:endParaRPr lang="en-US" sz="2000" dirty="0">
+              <a:latin typeface="Gill Sans MT" panose="020B0502020104020203" pitchFamily="34" charset="77"/>
+            </a:endParaRPr>
+          </a:p>
+          <a:p>
+            <a:pPr marL="0" indent="0">
+              <a:buNone/>
+            </a:pPr>
+            <a:r>
+              <a:rPr lang="en-US" sz="2000" dirty="0">
+                <a:latin typeface="Gill Sans MT" panose="020B0502020104020203" pitchFamily="34" charset="77"/>
+              </a:rPr>
+              <a:t>If a road is becoming too crowded, traffic lights that allow cars to go onto that road might turn red in order to prevent any more cars from coming on. </a:t>
+            </a:r>
+          </a:p>
+          <a:p>
+            <a:pPr marL="0" indent="0">
+              <a:buNone/>
+            </a:pPr>
+            <a:endParaRPr lang="en-US" sz="2000" dirty="0">
+              <a:latin typeface="Gill Sans MT" panose="020B0502020104020203" pitchFamily="34" charset="77"/>
+            </a:endParaRPr>
+          </a:p>
+          <a:p>
+            <a:pPr marL="0" indent="0">
+              <a:buNone/>
+            </a:pPr>
+            <a:r>
+              <a:rPr lang="en-US" sz="2000" dirty="0">
+                <a:latin typeface="Gill Sans MT" panose="020B0502020104020203" pitchFamily="34" charset="77"/>
+              </a:rPr>
+              <a:t>A road might even be under construction, so no cars are able to enter that road. </a:t>
+            </a:r>
+          </a:p>
+          <a:p>
+            <a:pPr marL="0" indent="0">
+              <a:buNone/>
+            </a:pPr>
+            <a:endParaRPr lang="en-US" sz="2000" dirty="0">
+              <a:latin typeface="Gill Sans MT" panose="020B0502020104020203" pitchFamily="34" charset="77"/>
+            </a:endParaRPr>
+          </a:p>
+          <a:p>
+            <a:pPr marL="0" indent="0">
+              <a:buNone/>
+            </a:pPr>
+            <a:r>
+              <a:rPr lang="en-US" sz="2000" dirty="0">
+                <a:latin typeface="Gill Sans MT" panose="020B0502020104020203" pitchFamily="34" charset="77"/>
+              </a:rPr>
+              <a:t>Detour signs might route the cars to other roads that are more accessible in order for the cars to get to their destination.</a:t>
+            </a:r>
+          </a:p>
+          <a:p>
+            <a:pPr marL="0" indent="0">
+              <a:buNone/>
+            </a:pPr>
+            <a:endParaRPr lang="en-US" altLang="en-US" sz="2000" dirty="0">
+              <a:latin typeface="Gill Sans MT" panose="020B0502020104020203" pitchFamily="34" charset="77"/>
+              <a:ea typeface="ＭＳ Ｐゴシック" panose="020B0600070205080204" pitchFamily="34" charset="-128"/>
+            </a:endParaRPr>
+          </a:p>
+          <a:p>
+            <a:pPr marL="0" indent="0">
+              <a:buNone/>
+            </a:pPr>
+            <a:endParaRPr lang="en-US" sz="2000" dirty="0">
+              <a:latin typeface="Gill Sans MT" panose="020B0502020104020203" pitchFamily="34" charset="77"/>
+            </a:endParaRPr>
+          </a:p>
+        </p:txBody>
+      </p:sp>
+      <p:sp>
+        <p:nvSpPr>
+          <p:cNvPr id="2" name="Slide Number Placeholder 1">
+            <a:extLst>
+              <a:ext uri="{FF2B5EF4-FFF2-40B4-BE49-F238E27FC236}">
+                <a16:creationId xmlns:a16="http://schemas.microsoft.com/office/drawing/2014/main" id="{E551E583-4F0C-5648-B4F9-D714B9F8E007}"/>
+              </a:ext>
+            </a:extLst>
+          </p:cNvPr>
+          <p:cNvSpPr>
+            <a:spLocks noGrp="1"/>
+          </p:cNvSpPr>
+          <p:nvPr>
+            <p:ph type="sldNum" sz="quarter" idx="12"/>
+          </p:nvPr>
+        </p:nvSpPr>
+        <p:spPr/>
+        <p:txBody>
+          <a:bodyPr/>
+          <a:lstStyle/>
+          <a:p>
+            <a:fld id="{D57F1E4F-1CFF-5643-939E-02111984F565}" type="slidenum">
+              <a:rPr lang="en-US" smtClean="0"/>
+              <a:t>21</a:t>
+            </a:fld>
+            <a:endParaRPr lang="en-US" dirty="0"/>
+          </a:p>
+        </p:txBody>
+      </p:sp>
+    </p:spTree>
+    <p:extLst>
+      <p:ext uri="{BB962C8B-B14F-4D97-AF65-F5344CB8AC3E}">
+        <p14:creationId xmlns:p14="http://schemas.microsoft.com/office/powerpoint/2010/main" val="280775540"/>
+      </p:ext>
+    </p:extLst>
+  </p:cSld>
+  <p:clrMapOvr>
+    <a:masterClrMapping/>
+  </p:clrMapOvr>
+  <p:timing>
+    <p:tnLst>
+      <p:par>
+        <p:cTn id="1" dur="indefinite" restart="never" nodeType="tmRoot">
+          <p:childTnLst>
+            <p:seq concurrent="1" nextAc="seek">
+              <p:cTn id="2" dur="indefinite" nodeType="mainSeq">
+                <p:childTnLst>
+                  <p:par>
+                    <p:cTn id="3" fill="hold">
+                      <p:stCondLst>
+                        <p:cond delay="indefinite"/>
+                      </p:stCondLst>
+                      <p:childTnLst>
+                        <p:par>
+                          <p:cTn id="4" fill="hold">
+                            <p:stCondLst>
+                              <p:cond delay="0"/>
+                            </p:stCondLst>
+                            <p:childTnLst>
+                              <p:par>
+                                <p:cTn id="5" presetID="1" presetClass="entr" presetSubtype="0" fill="hold" nodeType="clickEffect">
+                                  <p:stCondLst>
+                                    <p:cond delay="0"/>
+                                  </p:stCondLst>
+                                  <p:childTnLst>
+                                    <p:set>
+                                      <p:cBhvr>
+                                        <p:cTn id="6" dur="1" fill="hold">
+                                          <p:stCondLst>
+                                            <p:cond delay="0"/>
+                                          </p:stCondLst>
+                                        </p:cTn>
+                                        <p:tgtEl>
+                                          <p:spTgt spid="84994">
+                                            <p:txEl>
+                                              <p:pRg st="3" end="3"/>
+                                            </p:txEl>
+                                          </p:spTgt>
+                                        </p:tgtEl>
+                                        <p:attrNameLst>
+                                          <p:attrName>style.visibility</p:attrName>
+                                        </p:attrNameLst>
+                                      </p:cBhvr>
+                                      <p:to>
+                                        <p:strVal val="visible"/>
+                                      </p:to>
+                                    </p:set>
+                                  </p:childTnLst>
+                                </p:cTn>
+                              </p:par>
+                            </p:childTnLst>
+                          </p:cTn>
+                        </p:par>
+                      </p:childTnLst>
+                    </p:cTn>
+                  </p:par>
+                  <p:par>
+                    <p:cTn id="7" fill="hold">
+                      <p:stCondLst>
+                        <p:cond delay="indefinite"/>
+                      </p:stCondLst>
+                      <p:childTnLst>
+                        <p:par>
+                          <p:cTn id="8" fill="hold">
+                            <p:stCondLst>
+                              <p:cond delay="0"/>
+                            </p:stCondLst>
+                            <p:childTnLst>
+                              <p:par>
+                                <p:cTn id="9" presetID="1" presetClass="entr" presetSubtype="0" fill="hold" nodeType="clickEffect">
+                                  <p:stCondLst>
+                                    <p:cond delay="0"/>
+                                  </p:stCondLst>
+                                  <p:childTnLst>
+                                    <p:set>
+                                      <p:cBhvr>
+                                        <p:cTn id="10" dur="1" fill="hold">
+                                          <p:stCondLst>
+                                            <p:cond delay="0"/>
+                                          </p:stCondLst>
+                                        </p:cTn>
+                                        <p:tgtEl>
+                                          <p:spTgt spid="84994">
+                                            <p:txEl>
+                                              <p:pRg st="5" end="5"/>
+                                            </p:txEl>
+                                          </p:spTgt>
+                                        </p:tgtEl>
+                                        <p:attrNameLst>
+                                          <p:attrName>style.visibility</p:attrName>
+                                        </p:attrNameLst>
+                                      </p:cBhvr>
+                                      <p:to>
+                                        <p:strVal val="visible"/>
+                                      </p:to>
+                                    </p:set>
+                                  </p:childTnLst>
+                                </p:cTn>
+                              </p:par>
+                            </p:childTnLst>
+                          </p:cTn>
+                        </p:par>
+                      </p:childTnLst>
+                    </p:cTn>
+                  </p:par>
+                  <p:par>
+                    <p:cTn id="11" fill="hold">
+                      <p:stCondLst>
+                        <p:cond delay="indefinite"/>
+                      </p:stCondLst>
+                      <p:childTnLst>
+                        <p:par>
+                          <p:cTn id="12" fill="hold">
+                            <p:stCondLst>
+                              <p:cond delay="0"/>
+                            </p:stCondLst>
+                            <p:childTnLst>
+                              <p:par>
+                                <p:cTn id="13" presetID="1" presetClass="entr" presetSubtype="0" fill="hold" nodeType="clickEffect">
+                                  <p:stCondLst>
+                                    <p:cond delay="0"/>
+                                  </p:stCondLst>
+                                  <p:childTnLst>
+                                    <p:set>
+                                      <p:cBhvr>
+                                        <p:cTn id="14" dur="1" fill="hold">
+                                          <p:stCondLst>
+                                            <p:cond delay="0"/>
+                                          </p:stCondLst>
+                                        </p:cTn>
+                                        <p:tgtEl>
+                                          <p:spTgt spid="84994">
+                                            <p:txEl>
+                                              <p:pRg st="7" end="7"/>
+                                            </p:txEl>
+                                          </p:spTgt>
+                                        </p:tgtEl>
+                                        <p:attrNameLst>
+                                          <p:attrName>style.visibility</p:attrName>
+                                        </p:attrNameLst>
+                                      </p:cBhvr>
+                                      <p:to>
+                                        <p:strVal val="visible"/>
+                                      </p:to>
+                                    </p:set>
+                                  </p:childTnLst>
+                                </p:cTn>
+                              </p:par>
+                            </p:childTnLst>
+                          </p:cTn>
+                        </p:par>
+                      </p:childTnLst>
+                    </p:cTn>
+                  </p:par>
+                </p:childTnLst>
+              </p:cTn>
+              <p:prevCondLst>
+                <p:cond evt="onPrev" delay="0">
+                  <p:tgtEl>
+                    <p:sldTgt/>
+                  </p:tgtEl>
+                </p:cond>
+              </p:prevCondLst>
+              <p:nextCondLst>
+                <p:cond evt="onNext" delay="0">
+                  <p:tgtEl>
+                    <p:sldTgt/>
+                  </p:tgtEl>
+                </p:cond>
+              </p:nextCondLst>
+            </p:seq>
+          </p:childTnLst>
+        </p:cTn>
+      </p:par>
+    </p:tnLst>
+  </p:timing>
+</p:sld>
+</file>
+
+<file path=ppt/slides/slide22.xml><?xml version="1.0" encoding="utf-8"?>
+<p:sld xmlns:a="http://schemas.openxmlformats.org/drawingml/2006/main" xmlns:r="http://schemas.openxmlformats.org/officeDocument/2006/relationships" xmlns:p="http://schemas.openxmlformats.org/presentationml/2006/main">
+  <p:cSld>
+    <p:spTree>
+      <p:nvGrpSpPr>
+        <p:cNvPr id="1" name=""/>
+        <p:cNvGrpSpPr/>
+        <p:nvPr/>
+      </p:nvGrpSpPr>
+      <p:grpSpPr>
+        <a:xfrm>
+          <a:off x="0" y="0"/>
+          <a:ext cx="0" cy="0"/>
+          <a:chOff x="0" y="0"/>
+          <a:chExt cx="0" cy="0"/>
+        </a:xfrm>
+      </p:grpSpPr>
+      <p:sp>
+        <p:nvSpPr>
+          <p:cNvPr id="84993" name="Title 1">
+            <a:extLst>
+              <a:ext uri="{FF2B5EF4-FFF2-40B4-BE49-F238E27FC236}">
+                <a16:creationId xmlns:a16="http://schemas.microsoft.com/office/drawing/2014/main" id="{C169A412-E2F9-004D-A0EF-86F1C409823C}"/>
+              </a:ext>
+            </a:extLst>
+          </p:cNvPr>
+          <p:cNvSpPr>
+            <a:spLocks noGrp="1" noChangeArrowheads="1"/>
+          </p:cNvSpPr>
+          <p:nvPr>
+            <p:ph type="title"/>
+          </p:nvPr>
+        </p:nvSpPr>
+        <p:spPr>
+          <a:xfrm>
+            <a:off x="133564" y="106881"/>
+            <a:ext cx="7886700" cy="689517"/>
+          </a:xfrm>
+        </p:spPr>
+        <p:txBody>
+          <a:bodyPr/>
+          <a:lstStyle/>
+          <a:p>
+            <a:pPr eaLnBrk="1" hangingPunct="1"/>
+            <a:r>
+              <a:rPr lang="en-US" altLang="en-US" dirty="0">
+                <a:ea typeface="ＭＳ Ｐゴシック" panose="020B0600070205080204" pitchFamily="34" charset="-128"/>
+              </a:rPr>
+              <a:t>Packets</a:t>
+            </a:r>
+          </a:p>
+        </p:txBody>
+      </p:sp>
+      <p:sp>
+        <p:nvSpPr>
+          <p:cNvPr id="84994" name="Content Placeholder 2">
+            <a:extLst>
+              <a:ext uri="{FF2B5EF4-FFF2-40B4-BE49-F238E27FC236}">
+                <a16:creationId xmlns:a16="http://schemas.microsoft.com/office/drawing/2014/main" id="{6971D443-43C5-2E43-8019-712D595D62F2}"/>
+              </a:ext>
+            </a:extLst>
+          </p:cNvPr>
+          <p:cNvSpPr>
+            <a:spLocks noGrp="1" noChangeArrowheads="1"/>
+          </p:cNvSpPr>
+          <p:nvPr>
+            <p:ph idx="1"/>
+          </p:nvPr>
+        </p:nvSpPr>
+        <p:spPr>
+          <a:xfrm>
+            <a:off x="133564" y="771870"/>
+            <a:ext cx="8646515" cy="4836249"/>
+          </a:xfrm>
+        </p:spPr>
+        <p:txBody>
+          <a:bodyPr>
+            <a:normAutofit lnSpcReduction="10000"/>
+          </a:bodyPr>
+          <a:lstStyle/>
+          <a:p>
+            <a:pPr marL="0" indent="0">
+              <a:buNone/>
+            </a:pPr>
+            <a:r>
+              <a:rPr lang="en-US" altLang="en-US" sz="2000" dirty="0">
+                <a:latin typeface="Gill Sans MT" panose="020B0502020104020203" pitchFamily="34" charset="77"/>
+                <a:ea typeface="ＭＳ Ｐゴシック" panose="020B0600070205080204" pitchFamily="34" charset="-128"/>
+              </a:rPr>
+              <a:t>Similarly, in packet routing, a </a:t>
+            </a:r>
+            <a:r>
+              <a:rPr lang="en-US" sz="2000" dirty="0">
+                <a:latin typeface="Gill Sans MT" panose="020B0502020104020203" pitchFamily="34" charset="77"/>
+              </a:rPr>
+              <a:t>certain connection might only be able to transfer a certain number of packets per minute, so if the connection isn’t able to transfer them quickly enough, a new path for the packets to go will need to be found by a router. Thus, routing is </a:t>
+            </a:r>
+            <a:r>
+              <a:rPr lang="en-US" sz="2000" b="1" dirty="0">
+                <a:latin typeface="Gill Sans MT" panose="020B0502020104020203" pitchFamily="34" charset="77"/>
+              </a:rPr>
+              <a:t>redundant</a:t>
+            </a:r>
+            <a:r>
+              <a:rPr lang="en-US" sz="2000" dirty="0">
+                <a:latin typeface="Gill Sans MT" panose="020B0502020104020203" pitchFamily="34" charset="77"/>
+              </a:rPr>
+              <a:t>(more than one way to route data). </a:t>
+            </a:r>
+          </a:p>
+          <a:p>
+            <a:pPr marL="0" indent="0">
+              <a:buNone/>
+            </a:pPr>
+            <a:endParaRPr lang="en-US" sz="2000" dirty="0">
+              <a:latin typeface="Gill Sans MT" panose="020B0502020104020203" pitchFamily="34" charset="77"/>
+            </a:endParaRPr>
+          </a:p>
+          <a:p>
+            <a:pPr marL="0" indent="0">
+              <a:buNone/>
+            </a:pPr>
+            <a:r>
+              <a:rPr lang="en-US" i="1" dirty="0"/>
+              <a:t>Redundancy </a:t>
+            </a:r>
+            <a:r>
+              <a:rPr lang="en-US" dirty="0"/>
+              <a:t>is the inclusion of extra components that can be used to mitigate failure of a system if other components fail. </a:t>
+            </a:r>
+            <a:endParaRPr lang="en-US" sz="2000" dirty="0"/>
+          </a:p>
+          <a:p>
+            <a:pPr marL="0" indent="0">
+              <a:buNone/>
+            </a:pPr>
+            <a:endParaRPr lang="en-US" sz="2000" dirty="0">
+              <a:latin typeface="Gill Sans MT" panose="020B0502020104020203" pitchFamily="34" charset="77"/>
+            </a:endParaRPr>
+          </a:p>
+          <a:p>
+            <a:pPr marL="0" indent="0">
+              <a:buNone/>
+            </a:pPr>
+            <a:r>
+              <a:rPr lang="en-US" sz="2000" dirty="0">
+                <a:latin typeface="Gill Sans MT" panose="020B0502020104020203" pitchFamily="34" charset="77"/>
+              </a:rPr>
+              <a:t>Redundancy increases the reliability of the internet and helps it scale to more devices and people.</a:t>
+            </a:r>
+          </a:p>
+          <a:p>
+            <a:pPr marL="0" indent="0">
+              <a:buNone/>
+            </a:pPr>
+            <a:endParaRPr lang="en-US" dirty="0"/>
+          </a:p>
+          <a:p>
+            <a:pPr marL="0" indent="0">
+              <a:buNone/>
+            </a:pPr>
+            <a:r>
+              <a:rPr lang="en-US" dirty="0"/>
+              <a:t>When a system can support failures and still continue to function, it is called </a:t>
+            </a:r>
+            <a:r>
+              <a:rPr lang="en-US" b="1" dirty="0"/>
+              <a:t>fault-tolerant</a:t>
+            </a:r>
+            <a:r>
+              <a:rPr lang="en-US" dirty="0"/>
+              <a:t>. </a:t>
+            </a:r>
+            <a:r>
+              <a:rPr lang="en-US" sz="2000" dirty="0">
+                <a:latin typeface="Gill Sans MT" panose="020B0502020104020203" pitchFamily="34" charset="77"/>
+              </a:rPr>
+              <a:t>If some connection is broken or doesn’t function, the router needs to find a new path for the data to get to its destination, otherwise the packets will never be delivered. Thus, routing is dynamic and fault tolerant</a:t>
+            </a:r>
+            <a:r>
+              <a:rPr lang="en-US" sz="2000" b="1" dirty="0">
+                <a:latin typeface="Gill Sans MT" panose="020B0502020104020203" pitchFamily="34" charset="77"/>
+              </a:rPr>
+              <a:t>.</a:t>
+            </a:r>
+            <a:endParaRPr lang="en-US" altLang="en-US" sz="2000" b="1" dirty="0">
+              <a:latin typeface="Gill Sans MT" panose="020B0502020104020203" pitchFamily="34" charset="77"/>
+              <a:ea typeface="ＭＳ Ｐゴシック" panose="020B0600070205080204" pitchFamily="34" charset="-128"/>
+            </a:endParaRPr>
+          </a:p>
+        </p:txBody>
+      </p:sp>
+      <p:sp>
+        <p:nvSpPr>
+          <p:cNvPr id="2" name="Slide Number Placeholder 1">
+            <a:extLst>
+              <a:ext uri="{FF2B5EF4-FFF2-40B4-BE49-F238E27FC236}">
+                <a16:creationId xmlns:a16="http://schemas.microsoft.com/office/drawing/2014/main" id="{1D4A95CE-F36C-A949-B574-8B2112D61521}"/>
+              </a:ext>
+            </a:extLst>
+          </p:cNvPr>
+          <p:cNvSpPr>
+            <a:spLocks noGrp="1"/>
+          </p:cNvSpPr>
+          <p:nvPr>
+            <p:ph type="sldNum" sz="quarter" idx="12"/>
+          </p:nvPr>
+        </p:nvSpPr>
+        <p:spPr/>
+        <p:txBody>
+          <a:bodyPr/>
+          <a:lstStyle/>
+          <a:p>
+            <a:fld id="{D57F1E4F-1CFF-5643-939E-02111984F565}" type="slidenum">
+              <a:rPr lang="en-US" smtClean="0"/>
+              <a:t>22</a:t>
+            </a:fld>
+            <a:endParaRPr lang="en-US" dirty="0"/>
+          </a:p>
+        </p:txBody>
+      </p:sp>
+    </p:spTree>
+    <p:extLst>
+      <p:ext uri="{BB962C8B-B14F-4D97-AF65-F5344CB8AC3E}">
+        <p14:creationId xmlns:p14="http://schemas.microsoft.com/office/powerpoint/2010/main" val="1956247087"/>
+      </p:ext>
+    </p:extLst>
+  </p:cSld>
+  <p:clrMapOvr>
+    <a:masterClrMapping/>
+  </p:clrMapOvr>
+  <p:timing>
+    <p:tnLst>
+      <p:par>
+        <p:cTn id="1" dur="indefinite" restart="never" nodeType="tmRoot">
+          <p:childTnLst>
+            <p:seq concurrent="1" nextAc="seek">
+              <p:cTn id="2" dur="indefinite" nodeType="mainSeq">
+                <p:childTnLst>
+                  <p:par>
+                    <p:cTn id="3" fill="hold">
+                      <p:stCondLst>
+                        <p:cond delay="indefinite"/>
+                      </p:stCondLst>
+                      <p:childTnLst>
+                        <p:par>
+                          <p:cTn id="4" fill="hold">
+                            <p:stCondLst>
+                              <p:cond delay="0"/>
+                            </p:stCondLst>
+                            <p:childTnLst>
+                              <p:par>
+                                <p:cTn id="5" presetID="1" presetClass="entr" presetSubtype="0" fill="hold" nodeType="clickEffect">
+                                  <p:stCondLst>
+                                    <p:cond delay="0"/>
+                                  </p:stCondLst>
+                                  <p:childTnLst>
+                                    <p:set>
+                                      <p:cBhvr>
+                                        <p:cTn id="6" dur="1" fill="hold">
+                                          <p:stCondLst>
+                                            <p:cond delay="0"/>
+                                          </p:stCondLst>
+                                        </p:cTn>
+                                        <p:tgtEl>
+                                          <p:spTgt spid="84994">
+                                            <p:txEl>
+                                              <p:pRg st="2" end="2"/>
+                                            </p:txEl>
+                                          </p:spTgt>
+                                        </p:tgtEl>
+                                        <p:attrNameLst>
+                                          <p:attrName>style.visibility</p:attrName>
+                                        </p:attrNameLst>
+                                      </p:cBhvr>
+                                      <p:to>
+                                        <p:strVal val="visible"/>
+                                      </p:to>
+                                    </p:set>
+                                  </p:childTnLst>
+                                </p:cTn>
+                              </p:par>
+                            </p:childTnLst>
+                          </p:cTn>
+                        </p:par>
+                      </p:childTnLst>
+                    </p:cTn>
+                  </p:par>
+                  <p:par>
+                    <p:cTn id="7" fill="hold">
+                      <p:stCondLst>
+                        <p:cond delay="indefinite"/>
+                      </p:stCondLst>
+                      <p:childTnLst>
+                        <p:par>
+                          <p:cTn id="8" fill="hold">
+                            <p:stCondLst>
+                              <p:cond delay="0"/>
+                            </p:stCondLst>
+                            <p:childTnLst>
+                              <p:par>
+                                <p:cTn id="9" presetID="1" presetClass="entr" presetSubtype="0" fill="hold" nodeType="clickEffect">
+                                  <p:stCondLst>
+                                    <p:cond delay="0"/>
+                                  </p:stCondLst>
+                                  <p:childTnLst>
+                                    <p:set>
+                                      <p:cBhvr>
+                                        <p:cTn id="10" dur="1" fill="hold">
+                                          <p:stCondLst>
+                                            <p:cond delay="0"/>
+                                          </p:stCondLst>
+                                        </p:cTn>
+                                        <p:tgtEl>
+                                          <p:spTgt spid="84994">
+                                            <p:txEl>
+                                              <p:pRg st="4" end="4"/>
+                                            </p:txEl>
+                                          </p:spTgt>
+                                        </p:tgtEl>
+                                        <p:attrNameLst>
+                                          <p:attrName>style.visibility</p:attrName>
+                                        </p:attrNameLst>
+                                      </p:cBhvr>
+                                      <p:to>
+                                        <p:strVal val="visible"/>
+                                      </p:to>
+                                    </p:set>
+                                  </p:childTnLst>
+                                </p:cTn>
+                              </p:par>
+                            </p:childTnLst>
+                          </p:cTn>
+                        </p:par>
+                      </p:childTnLst>
+                    </p:cTn>
+                  </p:par>
+                  <p:par>
+                    <p:cTn id="11" fill="hold">
+                      <p:stCondLst>
+                        <p:cond delay="indefinite"/>
+                      </p:stCondLst>
+                      <p:childTnLst>
+                        <p:par>
+                          <p:cTn id="12" fill="hold">
+                            <p:stCondLst>
+                              <p:cond delay="0"/>
+                            </p:stCondLst>
+                            <p:childTnLst>
+                              <p:par>
+                                <p:cTn id="13" presetID="1" presetClass="entr" presetSubtype="0" fill="hold" nodeType="clickEffect">
+                                  <p:stCondLst>
+                                    <p:cond delay="0"/>
+                                  </p:stCondLst>
+                                  <p:childTnLst>
+                                    <p:set>
+                                      <p:cBhvr>
+                                        <p:cTn id="14" dur="1" fill="hold">
+                                          <p:stCondLst>
+                                            <p:cond delay="0"/>
+                                          </p:stCondLst>
+                                        </p:cTn>
+                                        <p:tgtEl>
+                                          <p:spTgt spid="84994">
+                                            <p:txEl>
+                                              <p:pRg st="6" end="6"/>
+                                            </p:txEl>
+                                          </p:spTgt>
+                                        </p:tgtEl>
+                                        <p:attrNameLst>
+                                          <p:attrName>style.visibility</p:attrName>
+                                        </p:attrNameLst>
+                                      </p:cBhvr>
+                                      <p:to>
+                                        <p:strVal val="visible"/>
+                                      </p:to>
+                                    </p:set>
+                                  </p:childTnLst>
+                                </p:cTn>
+                              </p:par>
+                            </p:childTnLst>
+                          </p:cTn>
+                        </p:par>
+                      </p:childTnLst>
+                    </p:cTn>
+                  </p:par>
+                </p:childTnLst>
+              </p:cTn>
+              <p:prevCondLst>
+                <p:cond evt="onPrev" delay="0">
+                  <p:tgtEl>
+                    <p:sldTgt/>
+                  </p:tgtEl>
+                </p:cond>
+              </p:prevCondLst>
+              <p:nextCondLst>
+                <p:cond evt="onNext" delay="0">
+                  <p:tgtEl>
+                    <p:sldTgt/>
+                  </p:tgtEl>
+                </p:cond>
+              </p:nextCondLst>
+            </p:seq>
+          </p:childTnLst>
+        </p:cTn>
+      </p:par>
+    </p:tnLst>
+  </p:timing>
+</p:sld>
+</file>
+
+<file path=ppt/slides/slide23.xml><?xml version="1.0" encoding="utf-8"?>
+<p:sld xmlns:a="http://schemas.openxmlformats.org/drawingml/2006/main" xmlns:r="http://schemas.openxmlformats.org/officeDocument/2006/relationships" xmlns:p="http://schemas.openxmlformats.org/presentationml/2006/main">
+  <p:cSld>
+    <p:spTree>
+      <p:nvGrpSpPr>
+        <p:cNvPr id="1" name=""/>
+        <p:cNvGrpSpPr/>
+        <p:nvPr/>
+      </p:nvGrpSpPr>
+      <p:grpSpPr>
+        <a:xfrm>
+          <a:off x="0" y="0"/>
+          <a:ext cx="0" cy="0"/>
+          <a:chOff x="0" y="0"/>
+          <a:chExt cx="0" cy="0"/>
+        </a:xfrm>
+      </p:grpSpPr>
+      <p:sp>
+        <p:nvSpPr>
+          <p:cNvPr id="84993" name="Title 1">
+            <a:extLst>
+              <a:ext uri="{FF2B5EF4-FFF2-40B4-BE49-F238E27FC236}">
+                <a16:creationId xmlns:a16="http://schemas.microsoft.com/office/drawing/2014/main" id="{C169A412-E2F9-004D-A0EF-86F1C409823C}"/>
+              </a:ext>
+            </a:extLst>
+          </p:cNvPr>
+          <p:cNvSpPr>
+            <a:spLocks noGrp="1" noChangeArrowheads="1"/>
+          </p:cNvSpPr>
+          <p:nvPr>
+            <p:ph type="title"/>
+          </p:nvPr>
+        </p:nvSpPr>
+        <p:spPr>
+          <a:xfrm>
+            <a:off x="133564" y="106881"/>
+            <a:ext cx="7886700" cy="689517"/>
+          </a:xfrm>
+        </p:spPr>
+        <p:txBody>
+          <a:bodyPr/>
+          <a:lstStyle/>
+          <a:p>
+            <a:pPr eaLnBrk="1" hangingPunct="1"/>
+            <a:r>
+              <a:rPr lang="en-US" altLang="en-US" dirty="0">
+                <a:ea typeface="ＭＳ Ｐゴシック" panose="020B0600070205080204" pitchFamily="34" charset="-128"/>
+              </a:rPr>
+              <a:t>Bandwidth and Latency</a:t>
+            </a:r>
+          </a:p>
+        </p:txBody>
+      </p:sp>
+      <p:sp>
+        <p:nvSpPr>
+          <p:cNvPr id="84994" name="Content Placeholder 2">
+            <a:extLst>
+              <a:ext uri="{FF2B5EF4-FFF2-40B4-BE49-F238E27FC236}">
+                <a16:creationId xmlns:a16="http://schemas.microsoft.com/office/drawing/2014/main" id="{6971D443-43C5-2E43-8019-712D595D62F2}"/>
+              </a:ext>
+            </a:extLst>
+          </p:cNvPr>
+          <p:cNvSpPr>
+            <a:spLocks noGrp="1" noChangeArrowheads="1"/>
+          </p:cNvSpPr>
+          <p:nvPr>
+            <p:ph idx="1"/>
+          </p:nvPr>
+        </p:nvSpPr>
+        <p:spPr>
+          <a:xfrm>
+            <a:off x="277402" y="801385"/>
+            <a:ext cx="8733034" cy="4831262"/>
+          </a:xfrm>
+        </p:spPr>
+        <p:txBody>
+          <a:bodyPr/>
+          <a:lstStyle/>
+          <a:p>
+            <a:pPr marL="0" indent="0">
+              <a:buNone/>
+            </a:pPr>
+            <a:r>
+              <a:rPr lang="en-US" dirty="0"/>
+              <a:t>When you have a large system there is going to be </a:t>
+            </a:r>
+            <a:r>
+              <a:rPr lang="en-US" b="1" dirty="0"/>
+              <a:t>latency</a:t>
+            </a:r>
+            <a:r>
+              <a:rPr lang="en-US" dirty="0"/>
+              <a:t>, however. The latency of a system is the measure of the time it takes for a message to get to its intended recipient from the time it was sent. </a:t>
+            </a:r>
+          </a:p>
+          <a:p>
+            <a:pPr marL="0" indent="0">
+              <a:buNone/>
+            </a:pPr>
+            <a:endParaRPr lang="en-US" dirty="0"/>
+          </a:p>
+          <a:p>
+            <a:pPr marL="0" indent="0">
+              <a:buNone/>
+            </a:pPr>
+            <a:r>
+              <a:rPr lang="en-US" dirty="0"/>
+              <a:t>Another way to measure a systems effectiveness is with </a:t>
+            </a:r>
+            <a:r>
+              <a:rPr lang="en-US" b="1" dirty="0"/>
+              <a:t>bandwidth</a:t>
+            </a:r>
+            <a:r>
+              <a:rPr lang="en-US" dirty="0"/>
+              <a:t>. Bandwidth is the amount of data that can be transferred on a system in a certain amount of time. </a:t>
+            </a:r>
+          </a:p>
+          <a:p>
+            <a:pPr marL="0" indent="0">
+              <a:buNone/>
+            </a:pPr>
+            <a:endParaRPr lang="en-US" dirty="0"/>
+          </a:p>
+          <a:p>
+            <a:pPr marL="0" indent="0">
+              <a:buNone/>
+            </a:pPr>
+            <a:r>
+              <a:rPr lang="en-US" dirty="0"/>
+              <a:t>The amount of data is measured in bits. These days, an average Internet connection speed might be anywhere from a megabit (about a million bits) per second to a gigabit (about a billion bits) per second.</a:t>
+            </a:r>
+          </a:p>
+          <a:p>
+            <a:pPr>
+              <a:buNone/>
+            </a:pPr>
+            <a:endParaRPr lang="en-US" sz="1833" dirty="0">
+              <a:latin typeface="Tahoma" panose="020B0604030504040204" pitchFamily="34" charset="0"/>
+              <a:ea typeface="ＭＳ Ｐゴシック" panose="020B0600070205080204" pitchFamily="34" charset="-128"/>
+            </a:endParaRPr>
+          </a:p>
+          <a:p>
+            <a:pPr eaLnBrk="1" hangingPunct="1">
+              <a:buFontTx/>
+              <a:buNone/>
+            </a:pPr>
+            <a:r>
+              <a:rPr lang="en-US" altLang="en-US" dirty="0">
+                <a:latin typeface="Gill Sans MT" panose="020B0502020104020203" pitchFamily="34" charset="77"/>
+                <a:ea typeface="ＭＳ Ｐゴシック" panose="020B0600070205080204" pitchFamily="34" charset="-128"/>
+              </a:rPr>
+              <a:t>Downloading an email requires less bandwidth than watching a </a:t>
+            </a:r>
+            <a:r>
+              <a:rPr lang="en-US" altLang="en-US">
+                <a:latin typeface="Gill Sans MT" panose="020B0502020104020203" pitchFamily="34" charset="77"/>
+                <a:ea typeface="ＭＳ Ｐゴシック" panose="020B0600070205080204" pitchFamily="34" charset="-128"/>
+              </a:rPr>
+              <a:t>movie on </a:t>
+            </a:r>
+          </a:p>
+          <a:p>
+            <a:pPr eaLnBrk="1" hangingPunct="1">
+              <a:buFontTx/>
+              <a:buNone/>
+            </a:pPr>
+            <a:r>
+              <a:rPr lang="en-US" altLang="en-US">
+                <a:latin typeface="Gill Sans MT" panose="020B0502020104020203" pitchFamily="34" charset="77"/>
+                <a:ea typeface="ＭＳ Ｐゴシック" panose="020B0600070205080204" pitchFamily="34" charset="-128"/>
+              </a:rPr>
+              <a:t>Netflix</a:t>
+            </a:r>
+            <a:r>
+              <a:rPr lang="en-US" altLang="en-US" dirty="0">
+                <a:latin typeface="Gill Sans MT" panose="020B0502020104020203" pitchFamily="34" charset="77"/>
+                <a:ea typeface="ＭＳ Ｐゴシック" panose="020B0600070205080204" pitchFamily="34" charset="-128"/>
+              </a:rPr>
+              <a:t>. </a:t>
+            </a:r>
+          </a:p>
+          <a:p>
+            <a:pPr eaLnBrk="1" hangingPunct="1">
+              <a:buFontTx/>
+              <a:buAutoNum type="arabicParenR"/>
+            </a:pPr>
+            <a:endParaRPr lang="en-US" altLang="en-US" sz="1833" dirty="0">
+              <a:latin typeface="Tahoma" panose="020B0604030504040204" pitchFamily="34" charset="0"/>
+              <a:ea typeface="ＭＳ Ｐゴシック" panose="020B0600070205080204" pitchFamily="34" charset="-128"/>
+            </a:endParaRPr>
+          </a:p>
+          <a:p>
+            <a:pPr eaLnBrk="1" hangingPunct="1">
+              <a:buFontTx/>
+              <a:buNone/>
+            </a:pPr>
+            <a:endParaRPr lang="en-US" altLang="en-US" sz="1833" dirty="0">
+              <a:latin typeface="Tahoma" panose="020B0604030504040204" pitchFamily="34" charset="0"/>
+              <a:ea typeface="ＭＳ Ｐゴシック" panose="020B0600070205080204" pitchFamily="34" charset="-128"/>
+            </a:endParaRPr>
+          </a:p>
+        </p:txBody>
+      </p:sp>
+      <p:sp>
+        <p:nvSpPr>
+          <p:cNvPr id="2" name="Slide Number Placeholder 1">
+            <a:extLst>
+              <a:ext uri="{FF2B5EF4-FFF2-40B4-BE49-F238E27FC236}">
+                <a16:creationId xmlns:a16="http://schemas.microsoft.com/office/drawing/2014/main" id="{2C131E22-E7F1-6848-A430-CC742B4153E0}"/>
+              </a:ext>
+            </a:extLst>
+          </p:cNvPr>
+          <p:cNvSpPr>
+            <a:spLocks noGrp="1"/>
+          </p:cNvSpPr>
+          <p:nvPr>
+            <p:ph type="sldNum" sz="quarter" idx="12"/>
+          </p:nvPr>
+        </p:nvSpPr>
+        <p:spPr/>
+        <p:txBody>
+          <a:bodyPr/>
+          <a:lstStyle/>
+          <a:p>
+            <a:fld id="{D57F1E4F-1CFF-5643-939E-02111984F565}" type="slidenum">
+              <a:rPr lang="en-US" smtClean="0"/>
+              <a:t>23</a:t>
+            </a:fld>
+            <a:endParaRPr lang="en-US" dirty="0"/>
+          </a:p>
+        </p:txBody>
+      </p:sp>
+    </p:spTree>
+    <p:extLst>
+      <p:ext uri="{BB962C8B-B14F-4D97-AF65-F5344CB8AC3E}">
+        <p14:creationId xmlns:p14="http://schemas.microsoft.com/office/powerpoint/2010/main" val="3840812503"/>
+      </p:ext>
+    </p:extLst>
+  </p:cSld>
+  <p:clrMapOvr>
+    <a:masterClrMapping/>
+  </p:clrMapOvr>
+  <p:timing>
+    <p:tnLst>
+      <p:par>
+        <p:cTn id="1" dur="indefinite" restart="never" nodeType="tmRoot">
+          <p:childTnLst>
+            <p:seq concurrent="1" nextAc="seek">
+              <p:cTn id="2" dur="indefinite" nodeType="mainSeq">
+                <p:childTnLst>
+                  <p:par>
+                    <p:cTn id="3" fill="hold">
+                      <p:stCondLst>
+                        <p:cond delay="indefinite"/>
+                      </p:stCondLst>
+                      <p:childTnLst>
+                        <p:par>
+                          <p:cTn id="4" fill="hold">
+                            <p:stCondLst>
+                              <p:cond delay="0"/>
+                            </p:stCondLst>
+                            <p:childTnLst>
+                              <p:par>
+                                <p:cTn id="5" presetID="1" presetClass="entr" presetSubtype="0" fill="hold" nodeType="clickEffect">
+                                  <p:stCondLst>
+                                    <p:cond delay="0"/>
+                                  </p:stCondLst>
+                                  <p:childTnLst>
+                                    <p:set>
+                                      <p:cBhvr>
+                                        <p:cTn id="6" dur="1" fill="hold">
+                                          <p:stCondLst>
+                                            <p:cond delay="0"/>
+                                          </p:stCondLst>
+                                        </p:cTn>
+                                        <p:tgtEl>
+                                          <p:spTgt spid="84994">
+                                            <p:txEl>
+                                              <p:pRg st="2" end="2"/>
+                                            </p:txEl>
+                                          </p:spTgt>
+                                        </p:tgtEl>
+                                        <p:attrNameLst>
+                                          <p:attrName>style.visibility</p:attrName>
+                                        </p:attrNameLst>
+                                      </p:cBhvr>
+                                      <p:to>
+                                        <p:strVal val="visible"/>
+                                      </p:to>
+                                    </p:set>
+                                  </p:childTnLst>
+                                </p:cTn>
+                              </p:par>
+                            </p:childTnLst>
+                          </p:cTn>
+                        </p:par>
+                      </p:childTnLst>
+                    </p:cTn>
+                  </p:par>
+                  <p:par>
+                    <p:cTn id="7" fill="hold">
+                      <p:stCondLst>
+                        <p:cond delay="indefinite"/>
+                      </p:stCondLst>
+                      <p:childTnLst>
+                        <p:par>
+                          <p:cTn id="8" fill="hold">
+                            <p:stCondLst>
+                              <p:cond delay="0"/>
+                            </p:stCondLst>
+                            <p:childTnLst>
+                              <p:par>
+                                <p:cTn id="9" presetID="1" presetClass="entr" presetSubtype="0" fill="hold" nodeType="clickEffect">
+                                  <p:stCondLst>
+                                    <p:cond delay="0"/>
+                                  </p:stCondLst>
+                                  <p:childTnLst>
+                                    <p:set>
+                                      <p:cBhvr>
+                                        <p:cTn id="10" dur="1" fill="hold">
+                                          <p:stCondLst>
+                                            <p:cond delay="0"/>
+                                          </p:stCondLst>
+                                        </p:cTn>
+                                        <p:tgtEl>
+                                          <p:spTgt spid="84994">
+                                            <p:txEl>
+                                              <p:pRg st="4" end="4"/>
+                                            </p:txEl>
+                                          </p:spTgt>
+                                        </p:tgtEl>
+                                        <p:attrNameLst>
+                                          <p:attrName>style.visibility</p:attrName>
+                                        </p:attrNameLst>
+                                      </p:cBhvr>
+                                      <p:to>
+                                        <p:strVal val="visible"/>
+                                      </p:to>
+                                    </p:set>
+                                  </p:childTnLst>
+                                </p:cTn>
+                              </p:par>
+                            </p:childTnLst>
+                          </p:cTn>
+                        </p:par>
+                      </p:childTnLst>
+                    </p:cTn>
+                  </p:par>
+                  <p:par>
+                    <p:cTn id="11" fill="hold">
+                      <p:stCondLst>
+                        <p:cond delay="indefinite"/>
+                      </p:stCondLst>
+                      <p:childTnLst>
+                        <p:par>
+                          <p:cTn id="12" fill="hold">
+                            <p:stCondLst>
+                              <p:cond delay="0"/>
+                            </p:stCondLst>
+                            <p:childTnLst>
+                              <p:par>
+                                <p:cTn id="13" presetID="1" presetClass="entr" presetSubtype="0" fill="hold" nodeType="clickEffect">
+                                  <p:stCondLst>
+                                    <p:cond delay="0"/>
+                                  </p:stCondLst>
+                                  <p:childTnLst>
+                                    <p:set>
+                                      <p:cBhvr>
+                                        <p:cTn id="14" dur="1" fill="hold">
+                                          <p:stCondLst>
+                                            <p:cond delay="0"/>
+                                          </p:stCondLst>
+                                        </p:cTn>
+                                        <p:tgtEl>
+                                          <p:spTgt spid="84994">
+                                            <p:txEl>
+                                              <p:pRg st="6" end="6"/>
+                                            </p:txEl>
+                                          </p:spTgt>
+                                        </p:tgtEl>
+                                        <p:attrNameLst>
+                                          <p:attrName>style.visibility</p:attrName>
+                                        </p:attrNameLst>
+                                      </p:cBhvr>
+                                      <p:to>
+                                        <p:strVal val="visible"/>
+                                      </p:to>
+                                    </p:set>
+                                  </p:childTnLst>
+                                </p:cTn>
+                              </p:par>
+                              <p:par>
+                                <p:cTn id="15" presetID="1" presetClass="entr" presetSubtype="0" fill="hold" nodeType="withEffect">
+                                  <p:stCondLst>
+                                    <p:cond delay="0"/>
+                                  </p:stCondLst>
+                                  <p:childTnLst>
+                                    <p:set>
+                                      <p:cBhvr>
+                                        <p:cTn id="16" dur="1" fill="hold">
+                                          <p:stCondLst>
+                                            <p:cond delay="0"/>
+                                          </p:stCondLst>
+                                        </p:cTn>
+                                        <p:tgtEl>
+                                          <p:spTgt spid="84994">
+                                            <p:txEl>
+                                              <p:pRg st="7" end="7"/>
+                                            </p:txEl>
+                                          </p:spTgt>
+                                        </p:tgtEl>
+                                        <p:attrNameLst>
+                                          <p:attrName>style.visibility</p:attrName>
+                                        </p:attrNameLst>
+                                      </p:cBhvr>
+                                      <p:to>
+                                        <p:strVal val="visible"/>
+                                      </p:to>
+                                    </p:set>
+                                  </p:childTnLst>
+                                </p:cTn>
+                              </p:par>
+                            </p:childTnLst>
+                          </p:cTn>
+                        </p:par>
+                      </p:childTnLst>
+                    </p:cTn>
+                  </p:par>
+                </p:childTnLst>
+              </p:cTn>
+              <p:prevCondLst>
+                <p:cond evt="onPrev" delay="0">
+                  <p:tgtEl>
+                    <p:sldTgt/>
+                  </p:tgtEl>
+                </p:cond>
+              </p:prevCondLst>
+              <p:nextCondLst>
+                <p:cond evt="onNext" delay="0">
+                  <p:tgtEl>
+                    <p:sldTgt/>
+                  </p:tgtEl>
+                </p:cond>
+              </p:nextCondLst>
+            </p:seq>
+          </p:childTnLst>
+        </p:cTn>
+      </p:par>
+    </p:tnLst>
+  </p:timing>
+</p:sld>
+</file>
+
+<file path=ppt/slides/slide24.xml><?xml version="1.0" encoding="utf-8"?>
+<p:sld xmlns:a="http://schemas.openxmlformats.org/drawingml/2006/main" xmlns:r="http://schemas.openxmlformats.org/officeDocument/2006/relationships" xmlns:p="http://schemas.openxmlformats.org/presentationml/2006/main">
+  <p:cSld>
+    <p:spTree>
+      <p:nvGrpSpPr>
+        <p:cNvPr id="1" name=""/>
+        <p:cNvGrpSpPr/>
+        <p:nvPr/>
+      </p:nvGrpSpPr>
+      <p:grpSpPr>
+        <a:xfrm>
+          <a:off x="0" y="0"/>
+          <a:ext cx="0" cy="0"/>
+          <a:chOff x="0" y="0"/>
+          <a:chExt cx="0" cy="0"/>
+        </a:xfrm>
+      </p:grpSpPr>
+      <p:sp>
+        <p:nvSpPr>
           <p:cNvPr id="65537" name="Rectangle 2">
             <a:extLst>
               <a:ext uri="{FF2B5EF4-FFF2-40B4-BE49-F238E27FC236}">
@@ -18876,7 +20852,7 @@
           <a:p>
             <a:fld id="{D57F1E4F-1CFF-5643-939E-02111984F565}" type="slidenum">
               <a:rPr lang="en-US" smtClean="0"/>
-              <a:t>20</a:t>
+              <a:t>24</a:t>
             </a:fld>
             <a:endParaRPr lang="en-US" dirty="0"/>
           </a:p>
@@ -19220,7 +21196,7 @@
 </p:sld>
 </file>
 
-<file path=ppt/slides/slide21.xml><?xml version="1.0" encoding="utf-8"?>
+<file path=ppt/slides/slide25.xml><?xml version="1.0" encoding="utf-8"?>
 <p:sld xmlns:a="http://schemas.openxmlformats.org/drawingml/2006/main" xmlns:r="http://schemas.openxmlformats.org/officeDocument/2006/relationships" xmlns:p="http://schemas.openxmlformats.org/presentationml/2006/main">
   <p:cSld>
     <p:spTree>
@@ -19446,7 +21422,7 @@
           <a:p>
             <a:fld id="{D57F1E4F-1CFF-5643-939E-02111984F565}" type="slidenum">
               <a:rPr lang="en-US" smtClean="0"/>
-              <a:t>21</a:t>
+              <a:t>25</a:t>
             </a:fld>
             <a:endParaRPr lang="en-US" dirty="0"/>
           </a:p>
@@ -19692,7 +21668,7 @@
 </p:sld>
 </file>
 
-<file path=ppt/slides/slide22.xml><?xml version="1.0" encoding="utf-8"?>
+<file path=ppt/slides/slide26.xml><?xml version="1.0" encoding="utf-8"?>
 <p:sld xmlns:a="http://schemas.openxmlformats.org/drawingml/2006/main" xmlns:r="http://schemas.openxmlformats.org/officeDocument/2006/relationships" xmlns:p="http://schemas.openxmlformats.org/presentationml/2006/main">
   <p:cSld>
     <p:spTree>
@@ -19861,7 +21837,7 @@
           <a:p>
             <a:fld id="{D57F1E4F-1CFF-5643-939E-02111984F565}" type="slidenum">
               <a:rPr lang="en-US" smtClean="0"/>
-              <a:t>22</a:t>
+              <a:t>26</a:t>
             </a:fld>
             <a:endParaRPr lang="en-US" dirty="0"/>
           </a:p>
@@ -20058,809 +22034,6 @@
 </p:sld>
 </file>
 
-<file path=ppt/slides/slide23.xml><?xml version="1.0" encoding="utf-8"?>
-<p:sld xmlns:a="http://schemas.openxmlformats.org/drawingml/2006/main" xmlns:r="http://schemas.openxmlformats.org/officeDocument/2006/relationships" xmlns:p="http://schemas.openxmlformats.org/presentationml/2006/main">
-  <p:cSld>
-    <p:spTree>
-      <p:nvGrpSpPr>
-        <p:cNvPr id="1" name=""/>
-        <p:cNvGrpSpPr/>
-        <p:nvPr/>
-      </p:nvGrpSpPr>
-      <p:grpSpPr>
-        <a:xfrm>
-          <a:off x="0" y="0"/>
-          <a:ext cx="0" cy="0"/>
-          <a:chOff x="0" y="0"/>
-          <a:chExt cx="0" cy="0"/>
-        </a:xfrm>
-      </p:grpSpPr>
-      <p:sp>
-        <p:nvSpPr>
-          <p:cNvPr id="75777" name="Rectangle 2">
-            <a:extLst>
-              <a:ext uri="{FF2B5EF4-FFF2-40B4-BE49-F238E27FC236}">
-                <a16:creationId xmlns:a16="http://schemas.microsoft.com/office/drawing/2014/main" id="{188EB92C-DDEE-294E-96AE-5B2F5541A13E}"/>
-              </a:ext>
-            </a:extLst>
-          </p:cNvPr>
-          <p:cNvSpPr>
-            <a:spLocks noGrp="1" noChangeArrowheads="1"/>
-          </p:cNvSpPr>
-          <p:nvPr>
-            <p:ph type="title" idx="4294967295"/>
-          </p:nvPr>
-        </p:nvSpPr>
-        <p:spPr>
-          <a:xfrm>
-            <a:off x="205483" y="392825"/>
-            <a:ext cx="7886700" cy="658894"/>
-          </a:xfrm>
-        </p:spPr>
-        <p:txBody>
-          <a:bodyPr vert="horz" lIns="0" tIns="45720" rIns="0" bIns="0" rtlCol="0" anchor="b">
-            <a:normAutofit/>
-          </a:bodyPr>
-          <a:lstStyle/>
-          <a:p>
-            <a:pPr eaLnBrk="1" hangingPunct="1"/>
-            <a:r>
-              <a:rPr lang="en-US" altLang="en-US" dirty="0">
-                <a:latin typeface="Tahoma" panose="020B0604030504040204" pitchFamily="34" charset="0"/>
-                <a:ea typeface="ＭＳ Ｐゴシック" panose="020B0600070205080204" pitchFamily="34" charset="-128"/>
-              </a:rPr>
-              <a:t>An HTTP Request</a:t>
-            </a:r>
-          </a:p>
-        </p:txBody>
-      </p:sp>
-      <p:sp>
-        <p:nvSpPr>
-          <p:cNvPr id="75778" name="Rectangle 3">
-            <a:extLst>
-              <a:ext uri="{FF2B5EF4-FFF2-40B4-BE49-F238E27FC236}">
-                <a16:creationId xmlns:a16="http://schemas.microsoft.com/office/drawing/2014/main" id="{23AB5E3C-D5D9-064C-9574-DFF97AF265D0}"/>
-              </a:ext>
-            </a:extLst>
-          </p:cNvPr>
-          <p:cNvSpPr>
-            <a:spLocks noGrp="1" noChangeArrowheads="1"/>
-          </p:cNvSpPr>
-          <p:nvPr>
-            <p:ph type="body" idx="4294967295"/>
-          </p:nvPr>
-        </p:nvSpPr>
-        <p:spPr>
-          <a:xfrm>
-            <a:off x="205483" y="1333500"/>
-            <a:ext cx="8774130" cy="3984625"/>
-          </a:xfrm>
-        </p:spPr>
-        <p:txBody>
-          <a:bodyPr/>
-          <a:lstStyle/>
-          <a:p>
-            <a:pPr eaLnBrk="1" hangingPunct="1"/>
-            <a:r>
-              <a:rPr lang="en-US" altLang="en-US" sz="1667" dirty="0">
-                <a:latin typeface="Tahoma" panose="020B0604030504040204" pitchFamily="34" charset="0"/>
-                <a:ea typeface="ＭＳ Ｐゴシック" panose="020B0600070205080204" pitchFamily="34" charset="-128"/>
-              </a:rPr>
-              <a:t>A webpage(HTTP) request from a computer. </a:t>
-            </a:r>
-          </a:p>
-        </p:txBody>
-      </p:sp>
-      <p:pic>
-        <p:nvPicPr>
-          <p:cNvPr id="75779" name="Picture 3">
-            <a:extLst>
-              <a:ext uri="{FF2B5EF4-FFF2-40B4-BE49-F238E27FC236}">
-                <a16:creationId xmlns:a16="http://schemas.microsoft.com/office/drawing/2014/main" id="{ACC422C1-B208-F349-A6EB-6603E2B1F1F5}"/>
-              </a:ext>
-            </a:extLst>
-          </p:cNvPr>
-          <p:cNvPicPr>
-            <a:picLocks noChangeAspect="1"/>
-          </p:cNvPicPr>
-          <p:nvPr/>
-        </p:nvPicPr>
-        <p:blipFill>
-          <a:blip r:embed="rId3">
-            <a:extLst>
-              <a:ext uri="{28A0092B-C50C-407E-A947-70E740481C1C}">
-                <a14:useLocalDpi xmlns:a14="http://schemas.microsoft.com/office/drawing/2010/main" val="0"/>
-              </a:ext>
-            </a:extLst>
-          </a:blip>
-          <a:srcRect/>
-          <a:stretch>
-            <a:fillRect/>
-          </a:stretch>
-        </p:blipFill>
-        <p:spPr bwMode="auto">
-          <a:xfrm>
-            <a:off x="1571625" y="1897063"/>
-            <a:ext cx="6248136" cy="3169708"/>
-          </a:xfrm>
-          <a:prstGeom prst="rect">
-            <a:avLst/>
-          </a:prstGeom>
-          <a:noFill/>
-          <a:ln>
-            <a:noFill/>
-          </a:ln>
-          <a:extLst>
-            <a:ext uri="{909E8E84-426E-40DD-AFC4-6F175D3DCCD1}">
-              <a14:hiddenFill xmlns:a14="http://schemas.microsoft.com/office/drawing/2010/main">
-                <a:solidFill>
-                  <a:srgbClr val="FFFFFF"/>
-                </a:solidFill>
-              </a14:hiddenFill>
-            </a:ext>
-            <a:ext uri="{91240B29-F687-4F45-9708-019B960494DF}">
-              <a14:hiddenLine xmlns:a14="http://schemas.microsoft.com/office/drawing/2010/main" w="9525">
-                <a:solidFill>
-                  <a:srgbClr val="000000"/>
-                </a:solidFill>
-                <a:miter lim="800000"/>
-                <a:headEnd/>
-                <a:tailEnd/>
-              </a14:hiddenLine>
-            </a:ext>
-          </a:extLst>
-        </p:spPr>
-      </p:pic>
-      <p:sp>
-        <p:nvSpPr>
-          <p:cNvPr id="2" name="Slide Number Placeholder 1">
-            <a:extLst>
-              <a:ext uri="{FF2B5EF4-FFF2-40B4-BE49-F238E27FC236}">
-                <a16:creationId xmlns:a16="http://schemas.microsoft.com/office/drawing/2014/main" id="{50AC805D-E9EA-5242-83D1-9D9470F9346C}"/>
-              </a:ext>
-            </a:extLst>
-          </p:cNvPr>
-          <p:cNvSpPr>
-            <a:spLocks noGrp="1"/>
-          </p:cNvSpPr>
-          <p:nvPr>
-            <p:ph type="sldNum" sz="quarter" idx="12"/>
-          </p:nvPr>
-        </p:nvSpPr>
-        <p:spPr/>
-        <p:txBody>
-          <a:bodyPr/>
-          <a:lstStyle/>
-          <a:p>
-            <a:fld id="{D57F1E4F-1CFF-5643-939E-02111984F565}" type="slidenum">
-              <a:rPr lang="en-US" smtClean="0"/>
-              <a:t>23</a:t>
-            </a:fld>
-            <a:endParaRPr lang="en-US" dirty="0"/>
-          </a:p>
-        </p:txBody>
-      </p:sp>
-    </p:spTree>
-    <p:extLst>
-      <p:ext uri="{BB962C8B-B14F-4D97-AF65-F5344CB8AC3E}">
-        <p14:creationId xmlns:p14="http://schemas.microsoft.com/office/powerpoint/2010/main" val="2527578196"/>
-      </p:ext>
-    </p:extLst>
-  </p:cSld>
-  <p:clrMapOvr>
-    <a:masterClrMapping/>
-  </p:clrMapOvr>
-  <p:transition/>
-</p:sld>
-</file>
-
-<file path=ppt/slides/slide24.xml><?xml version="1.0" encoding="utf-8"?>
-<p:sld xmlns:a="http://schemas.openxmlformats.org/drawingml/2006/main" xmlns:r="http://schemas.openxmlformats.org/officeDocument/2006/relationships" xmlns:p="http://schemas.openxmlformats.org/presentationml/2006/main">
-  <p:cSld>
-    <p:spTree>
-      <p:nvGrpSpPr>
-        <p:cNvPr id="1" name=""/>
-        <p:cNvGrpSpPr/>
-        <p:nvPr/>
-      </p:nvGrpSpPr>
-      <p:grpSpPr>
-        <a:xfrm>
-          <a:off x="0" y="0"/>
-          <a:ext cx="0" cy="0"/>
-          <a:chOff x="0" y="0"/>
-          <a:chExt cx="0" cy="0"/>
-        </a:xfrm>
-      </p:grpSpPr>
-      <p:sp>
-        <p:nvSpPr>
-          <p:cNvPr id="77825" name="Rectangle 2">
-            <a:extLst>
-              <a:ext uri="{FF2B5EF4-FFF2-40B4-BE49-F238E27FC236}">
-                <a16:creationId xmlns:a16="http://schemas.microsoft.com/office/drawing/2014/main" id="{21CC4A42-EA8F-BF47-ADD5-B721E414F5F2}"/>
-              </a:ext>
-            </a:extLst>
-          </p:cNvPr>
-          <p:cNvSpPr>
-            <a:spLocks noGrp="1" noChangeArrowheads="1"/>
-          </p:cNvSpPr>
-          <p:nvPr>
-            <p:ph type="title" idx="4294967295"/>
-          </p:nvPr>
-        </p:nvSpPr>
-        <p:spPr>
-          <a:xfrm>
-            <a:off x="308225" y="421239"/>
-            <a:ext cx="7886700" cy="586974"/>
-          </a:xfrm>
-        </p:spPr>
-        <p:txBody>
-          <a:bodyPr vert="horz" lIns="0" tIns="45720" rIns="0" bIns="0" rtlCol="0" anchor="b">
-            <a:normAutofit/>
-          </a:bodyPr>
-          <a:lstStyle/>
-          <a:p>
-            <a:pPr eaLnBrk="1" hangingPunct="1"/>
-            <a:r>
-              <a:rPr lang="en-US" altLang="en-US" dirty="0">
-                <a:latin typeface="Tahoma" panose="020B0604030504040204" pitchFamily="34" charset="0"/>
-                <a:ea typeface="ＭＳ Ｐゴシック" panose="020B0600070205080204" pitchFamily="34" charset="-128"/>
-              </a:rPr>
-              <a:t>An HTTP Request</a:t>
-            </a:r>
-          </a:p>
-        </p:txBody>
-      </p:sp>
-      <p:sp>
-        <p:nvSpPr>
-          <p:cNvPr id="77826" name="Rectangle 3">
-            <a:extLst>
-              <a:ext uri="{FF2B5EF4-FFF2-40B4-BE49-F238E27FC236}">
-                <a16:creationId xmlns:a16="http://schemas.microsoft.com/office/drawing/2014/main" id="{07CDE7D8-6D62-BA4B-8A6C-4F0744144459}"/>
-              </a:ext>
-            </a:extLst>
-          </p:cNvPr>
-          <p:cNvSpPr>
-            <a:spLocks noGrp="1" noChangeArrowheads="1"/>
-          </p:cNvSpPr>
-          <p:nvPr>
-            <p:ph type="body" idx="4294967295"/>
-          </p:nvPr>
-        </p:nvSpPr>
-        <p:spPr>
-          <a:xfrm>
-            <a:off x="308225" y="1333500"/>
-            <a:ext cx="8620018" cy="3984625"/>
-          </a:xfrm>
-        </p:spPr>
-        <p:txBody>
-          <a:bodyPr/>
-          <a:lstStyle/>
-          <a:p>
-            <a:pPr eaLnBrk="1" hangingPunct="1"/>
-            <a:r>
-              <a:rPr lang="en-US" altLang="en-US" sz="1667" dirty="0">
-                <a:latin typeface="Tahoma" panose="020B0604030504040204" pitchFamily="34" charset="0"/>
-                <a:ea typeface="ＭＳ Ｐゴシック" panose="020B0600070205080204" pitchFamily="34" charset="-128"/>
-              </a:rPr>
-              <a:t>A webpage request and sending an email from the same computer. </a:t>
-            </a:r>
-          </a:p>
-        </p:txBody>
-      </p:sp>
-      <p:pic>
-        <p:nvPicPr>
-          <p:cNvPr id="77827" name="Picture 2">
-            <a:extLst>
-              <a:ext uri="{FF2B5EF4-FFF2-40B4-BE49-F238E27FC236}">
-                <a16:creationId xmlns:a16="http://schemas.microsoft.com/office/drawing/2014/main" id="{6C394D25-B0FA-0E47-A17E-786B6DB17956}"/>
-              </a:ext>
-            </a:extLst>
-          </p:cNvPr>
-          <p:cNvPicPr>
-            <a:picLocks noChangeAspect="1"/>
-          </p:cNvPicPr>
-          <p:nvPr/>
-        </p:nvPicPr>
-        <p:blipFill>
-          <a:blip r:embed="rId3">
-            <a:extLst>
-              <a:ext uri="{28A0092B-C50C-407E-A947-70E740481C1C}">
-                <a14:useLocalDpi xmlns:a14="http://schemas.microsoft.com/office/drawing/2010/main" val="0"/>
-              </a:ext>
-            </a:extLst>
-          </a:blip>
-          <a:srcRect/>
-          <a:stretch>
-            <a:fillRect/>
-          </a:stretch>
-        </p:blipFill>
-        <p:spPr bwMode="auto">
-          <a:xfrm>
-            <a:off x="1091407" y="1897063"/>
-            <a:ext cx="6869906" cy="3406511"/>
-          </a:xfrm>
-          <a:prstGeom prst="rect">
-            <a:avLst/>
-          </a:prstGeom>
-          <a:noFill/>
-          <a:ln>
-            <a:noFill/>
-          </a:ln>
-          <a:extLst>
-            <a:ext uri="{909E8E84-426E-40DD-AFC4-6F175D3DCCD1}">
-              <a14:hiddenFill xmlns:a14="http://schemas.microsoft.com/office/drawing/2010/main">
-                <a:solidFill>
-                  <a:srgbClr val="FFFFFF"/>
-                </a:solidFill>
-              </a14:hiddenFill>
-            </a:ext>
-            <a:ext uri="{91240B29-F687-4F45-9708-019B960494DF}">
-              <a14:hiddenLine xmlns:a14="http://schemas.microsoft.com/office/drawing/2010/main" w="9525">
-                <a:solidFill>
-                  <a:srgbClr val="000000"/>
-                </a:solidFill>
-                <a:miter lim="800000"/>
-                <a:headEnd/>
-                <a:tailEnd/>
-              </a14:hiddenLine>
-            </a:ext>
-          </a:extLst>
-        </p:spPr>
-      </p:pic>
-      <p:sp>
-        <p:nvSpPr>
-          <p:cNvPr id="2" name="Slide Number Placeholder 1">
-            <a:extLst>
-              <a:ext uri="{FF2B5EF4-FFF2-40B4-BE49-F238E27FC236}">
-                <a16:creationId xmlns:a16="http://schemas.microsoft.com/office/drawing/2014/main" id="{5055F4B0-3B63-E540-8D9F-00C92CE9C7D0}"/>
-              </a:ext>
-            </a:extLst>
-          </p:cNvPr>
-          <p:cNvSpPr>
-            <a:spLocks noGrp="1"/>
-          </p:cNvSpPr>
-          <p:nvPr>
-            <p:ph type="sldNum" sz="quarter" idx="12"/>
-          </p:nvPr>
-        </p:nvSpPr>
-        <p:spPr/>
-        <p:txBody>
-          <a:bodyPr/>
-          <a:lstStyle/>
-          <a:p>
-            <a:fld id="{D57F1E4F-1CFF-5643-939E-02111984F565}" type="slidenum">
-              <a:rPr lang="en-US" smtClean="0"/>
-              <a:t>24</a:t>
-            </a:fld>
-            <a:endParaRPr lang="en-US" dirty="0"/>
-          </a:p>
-        </p:txBody>
-      </p:sp>
-    </p:spTree>
-    <p:extLst>
-      <p:ext uri="{BB962C8B-B14F-4D97-AF65-F5344CB8AC3E}">
-        <p14:creationId xmlns:p14="http://schemas.microsoft.com/office/powerpoint/2010/main" val="4266553646"/>
-      </p:ext>
-    </p:extLst>
-  </p:cSld>
-  <p:clrMapOvr>
-    <a:masterClrMapping/>
-  </p:clrMapOvr>
-  <p:transition/>
-</p:sld>
-</file>
-
-<file path=ppt/slides/slide25.xml><?xml version="1.0" encoding="utf-8"?>
-<p:sld xmlns:a="http://schemas.openxmlformats.org/drawingml/2006/main" xmlns:r="http://schemas.openxmlformats.org/officeDocument/2006/relationships" xmlns:p="http://schemas.openxmlformats.org/presentationml/2006/main">
-  <p:cSld>
-    <p:spTree>
-      <p:nvGrpSpPr>
-        <p:cNvPr id="1" name=""/>
-        <p:cNvGrpSpPr/>
-        <p:nvPr/>
-      </p:nvGrpSpPr>
-      <p:grpSpPr>
-        <a:xfrm>
-          <a:off x="0" y="0"/>
-          <a:ext cx="0" cy="0"/>
-          <a:chOff x="0" y="0"/>
-          <a:chExt cx="0" cy="0"/>
-        </a:xfrm>
-      </p:grpSpPr>
-      <p:sp>
-        <p:nvSpPr>
-          <p:cNvPr id="79873" name="Rectangle 2">
-            <a:extLst>
-              <a:ext uri="{FF2B5EF4-FFF2-40B4-BE49-F238E27FC236}">
-                <a16:creationId xmlns:a16="http://schemas.microsoft.com/office/drawing/2014/main" id="{E8B36DA1-FD32-914E-8D09-91D267F39A7A}"/>
-              </a:ext>
-            </a:extLst>
-          </p:cNvPr>
-          <p:cNvSpPr>
-            <a:spLocks noGrp="1" noChangeArrowheads="1"/>
-          </p:cNvSpPr>
-          <p:nvPr>
-            <p:ph type="title" idx="4294967295"/>
-          </p:nvPr>
-        </p:nvSpPr>
-        <p:spPr>
-          <a:xfrm>
-            <a:off x="328773" y="396875"/>
-            <a:ext cx="7886700" cy="648619"/>
-          </a:xfrm>
-        </p:spPr>
-        <p:txBody>
-          <a:bodyPr vert="horz" lIns="0" tIns="45720" rIns="0" bIns="0" rtlCol="0" anchor="b">
-            <a:normAutofit/>
-          </a:bodyPr>
-          <a:lstStyle/>
-          <a:p>
-            <a:pPr eaLnBrk="1" hangingPunct="1"/>
-            <a:r>
-              <a:rPr lang="en-US" altLang="en-US" dirty="0">
-                <a:latin typeface="Tahoma" panose="020B0604030504040204" pitchFamily="34" charset="0"/>
-                <a:ea typeface="ＭＳ Ｐゴシック" panose="020B0600070205080204" pitchFamily="34" charset="-128"/>
-              </a:rPr>
-              <a:t>Port Numbers</a:t>
-            </a:r>
-          </a:p>
-        </p:txBody>
-      </p:sp>
-      <p:sp>
-        <p:nvSpPr>
-          <p:cNvPr id="79874" name="Rectangle 3">
-            <a:extLst>
-              <a:ext uri="{FF2B5EF4-FFF2-40B4-BE49-F238E27FC236}">
-                <a16:creationId xmlns:a16="http://schemas.microsoft.com/office/drawing/2014/main" id="{C365A828-14EF-694A-9BBF-E18CC423E31B}"/>
-              </a:ext>
-            </a:extLst>
-          </p:cNvPr>
-          <p:cNvSpPr>
-            <a:spLocks noGrp="1" noChangeArrowheads="1"/>
-          </p:cNvSpPr>
-          <p:nvPr>
-            <p:ph type="body" idx="4294967295"/>
-          </p:nvPr>
-        </p:nvSpPr>
-        <p:spPr>
-          <a:xfrm>
-            <a:off x="328773" y="1333500"/>
-            <a:ext cx="8486454" cy="3984625"/>
-          </a:xfrm>
-        </p:spPr>
-        <p:txBody>
-          <a:bodyPr/>
-          <a:lstStyle/>
-          <a:p>
-            <a:pPr eaLnBrk="1" hangingPunct="1"/>
-            <a:r>
-              <a:rPr lang="en-US" altLang="en-US" sz="1667" dirty="0">
-                <a:latin typeface="Tahoma" panose="020B0604030504040204" pitchFamily="34" charset="0"/>
-                <a:ea typeface="ＭＳ Ｐゴシック" panose="020B0600070205080204" pitchFamily="34" charset="-128"/>
-              </a:rPr>
-              <a:t>Computer 1 sending an email. Computer 2 requesting a webpage. Both computers are in the same local area network. </a:t>
-            </a:r>
-          </a:p>
-        </p:txBody>
-      </p:sp>
-      <p:pic>
-        <p:nvPicPr>
-          <p:cNvPr id="79875" name="Picture 1">
-            <a:extLst>
-              <a:ext uri="{FF2B5EF4-FFF2-40B4-BE49-F238E27FC236}">
-                <a16:creationId xmlns:a16="http://schemas.microsoft.com/office/drawing/2014/main" id="{CE627FFA-2BD4-3244-9CFB-E9A8530A32E1}"/>
-              </a:ext>
-            </a:extLst>
-          </p:cNvPr>
-          <p:cNvPicPr>
-            <a:picLocks noChangeAspect="1"/>
-          </p:cNvPicPr>
-          <p:nvPr/>
-        </p:nvPicPr>
-        <p:blipFill>
-          <a:blip r:embed="rId3">
-            <a:extLst>
-              <a:ext uri="{28A0092B-C50C-407E-A947-70E740481C1C}">
-                <a14:useLocalDpi xmlns:a14="http://schemas.microsoft.com/office/drawing/2010/main" val="0"/>
-              </a:ext>
-            </a:extLst>
-          </a:blip>
-          <a:srcRect/>
-          <a:stretch>
-            <a:fillRect/>
-          </a:stretch>
-        </p:blipFill>
-        <p:spPr bwMode="auto">
-          <a:xfrm>
-            <a:off x="1391708" y="1957917"/>
-            <a:ext cx="6483615" cy="3360208"/>
-          </a:xfrm>
-          <a:prstGeom prst="rect">
-            <a:avLst/>
-          </a:prstGeom>
-          <a:noFill/>
-          <a:ln>
-            <a:noFill/>
-          </a:ln>
-          <a:extLst>
-            <a:ext uri="{909E8E84-426E-40DD-AFC4-6F175D3DCCD1}">
-              <a14:hiddenFill xmlns:a14="http://schemas.microsoft.com/office/drawing/2010/main">
-                <a:solidFill>
-                  <a:srgbClr val="FFFFFF"/>
-                </a:solidFill>
-              </a14:hiddenFill>
-            </a:ext>
-            <a:ext uri="{91240B29-F687-4F45-9708-019B960494DF}">
-              <a14:hiddenLine xmlns:a14="http://schemas.microsoft.com/office/drawing/2010/main" w="9525">
-                <a:solidFill>
-                  <a:srgbClr val="000000"/>
-                </a:solidFill>
-                <a:miter lim="800000"/>
-                <a:headEnd/>
-                <a:tailEnd/>
-              </a14:hiddenLine>
-            </a:ext>
-          </a:extLst>
-        </p:spPr>
-      </p:pic>
-      <p:sp>
-        <p:nvSpPr>
-          <p:cNvPr id="2" name="Slide Number Placeholder 1">
-            <a:extLst>
-              <a:ext uri="{FF2B5EF4-FFF2-40B4-BE49-F238E27FC236}">
-                <a16:creationId xmlns:a16="http://schemas.microsoft.com/office/drawing/2014/main" id="{5199F4C0-4116-4045-9BCD-E261CC62FD46}"/>
-              </a:ext>
-            </a:extLst>
-          </p:cNvPr>
-          <p:cNvSpPr>
-            <a:spLocks noGrp="1"/>
-          </p:cNvSpPr>
-          <p:nvPr>
-            <p:ph type="sldNum" sz="quarter" idx="12"/>
-          </p:nvPr>
-        </p:nvSpPr>
-        <p:spPr/>
-        <p:txBody>
-          <a:bodyPr/>
-          <a:lstStyle/>
-          <a:p>
-            <a:fld id="{D57F1E4F-1CFF-5643-939E-02111984F565}" type="slidenum">
-              <a:rPr lang="en-US" smtClean="0"/>
-              <a:t>25</a:t>
-            </a:fld>
-            <a:endParaRPr lang="en-US" dirty="0"/>
-          </a:p>
-        </p:txBody>
-      </p:sp>
-    </p:spTree>
-    <p:extLst>
-      <p:ext uri="{BB962C8B-B14F-4D97-AF65-F5344CB8AC3E}">
-        <p14:creationId xmlns:p14="http://schemas.microsoft.com/office/powerpoint/2010/main" val="3609937493"/>
-      </p:ext>
-    </p:extLst>
-  </p:cSld>
-  <p:clrMapOvr>
-    <a:masterClrMapping/>
-  </p:clrMapOvr>
-  <p:transition/>
-</p:sld>
-</file>
-
-<file path=ppt/slides/slide26.xml><?xml version="1.0" encoding="utf-8"?>
-<p:sld xmlns:a="http://schemas.openxmlformats.org/drawingml/2006/main" xmlns:r="http://schemas.openxmlformats.org/officeDocument/2006/relationships" xmlns:p="http://schemas.openxmlformats.org/presentationml/2006/main">
-  <p:cSld>
-    <p:spTree>
-      <p:nvGrpSpPr>
-        <p:cNvPr id="1" name=""/>
-        <p:cNvGrpSpPr/>
-        <p:nvPr/>
-      </p:nvGrpSpPr>
-      <p:grpSpPr>
-        <a:xfrm>
-          <a:off x="0" y="0"/>
-          <a:ext cx="0" cy="0"/>
-          <a:chOff x="0" y="0"/>
-          <a:chExt cx="0" cy="0"/>
-        </a:xfrm>
-      </p:grpSpPr>
-      <p:sp>
-        <p:nvSpPr>
-          <p:cNvPr id="84993" name="Title 1">
-            <a:extLst>
-              <a:ext uri="{FF2B5EF4-FFF2-40B4-BE49-F238E27FC236}">
-                <a16:creationId xmlns:a16="http://schemas.microsoft.com/office/drawing/2014/main" id="{C169A412-E2F9-004D-A0EF-86F1C409823C}"/>
-              </a:ext>
-            </a:extLst>
-          </p:cNvPr>
-          <p:cNvSpPr>
-            <a:spLocks noGrp="1" noChangeArrowheads="1"/>
-          </p:cNvSpPr>
-          <p:nvPr>
-            <p:ph type="title"/>
-          </p:nvPr>
-        </p:nvSpPr>
-        <p:spPr>
-          <a:xfrm>
-            <a:off x="133564" y="106881"/>
-            <a:ext cx="7886700" cy="689517"/>
-          </a:xfrm>
-        </p:spPr>
-        <p:txBody>
-          <a:bodyPr/>
-          <a:lstStyle/>
-          <a:p>
-            <a:pPr eaLnBrk="1" hangingPunct="1"/>
-            <a:r>
-              <a:rPr lang="en-US" altLang="en-US" dirty="0">
-                <a:ea typeface="ＭＳ Ｐゴシック" panose="020B0600070205080204" pitchFamily="34" charset="-128"/>
-              </a:rPr>
-              <a:t>Packets</a:t>
-            </a:r>
-          </a:p>
-        </p:txBody>
-      </p:sp>
-      <p:sp>
-        <p:nvSpPr>
-          <p:cNvPr id="84994" name="Content Placeholder 2">
-            <a:extLst>
-              <a:ext uri="{FF2B5EF4-FFF2-40B4-BE49-F238E27FC236}">
-                <a16:creationId xmlns:a16="http://schemas.microsoft.com/office/drawing/2014/main" id="{6971D443-43C5-2E43-8019-712D595D62F2}"/>
-              </a:ext>
-            </a:extLst>
-          </p:cNvPr>
-          <p:cNvSpPr>
-            <a:spLocks noGrp="1" noChangeArrowheads="1"/>
-          </p:cNvSpPr>
-          <p:nvPr>
-            <p:ph idx="1"/>
-          </p:nvPr>
-        </p:nvSpPr>
-        <p:spPr>
-          <a:xfrm>
-            <a:off x="277402" y="801385"/>
-            <a:ext cx="8733034" cy="4831262"/>
-          </a:xfrm>
-        </p:spPr>
-        <p:txBody>
-          <a:bodyPr/>
-          <a:lstStyle/>
-          <a:p>
-            <a:pPr marL="0" indent="0">
-              <a:buNone/>
-            </a:pPr>
-            <a:r>
-              <a:rPr lang="en-US" dirty="0"/>
-              <a:t>The Internet transmits </a:t>
-            </a:r>
-            <a:r>
-              <a:rPr lang="en-US" b="1"/>
-              <a:t>data streams</a:t>
-            </a:r>
-            <a:r>
-              <a:rPr lang="en-US"/>
-              <a:t> </a:t>
-            </a:r>
-            <a:r>
-              <a:rPr lang="en-US" dirty="0"/>
-              <a:t>from one computer to another by breaking the data down into small manageable units that are known as </a:t>
-            </a:r>
-            <a:r>
-              <a:rPr lang="en-US" b="1" dirty="0"/>
-              <a:t>packets</a:t>
-            </a:r>
-            <a:r>
-              <a:rPr lang="en-US" dirty="0"/>
-              <a:t>. This system is called a </a:t>
-            </a:r>
-            <a:r>
-              <a:rPr lang="en-US" b="1" dirty="0"/>
-              <a:t>packet-switching system</a:t>
-            </a:r>
-            <a:r>
-              <a:rPr lang="en-US" dirty="0"/>
-              <a:t>.</a:t>
-            </a:r>
-          </a:p>
-          <a:p>
-            <a:pPr marL="0" indent="0">
-              <a:buNone/>
-            </a:pPr>
-            <a:endParaRPr lang="en-US" dirty="0"/>
-          </a:p>
-          <a:p>
-            <a:pPr marL="0" indent="0">
-              <a:buNone/>
-            </a:pPr>
-            <a:r>
-              <a:rPr lang="en-US" dirty="0"/>
-              <a:t>A packet is defined as a small chunk of digital data that contains both a sender address and an address to where the packet is supposed to go. </a:t>
-            </a:r>
-          </a:p>
-          <a:p>
-            <a:pPr marL="0" indent="0">
-              <a:buNone/>
-            </a:pPr>
-            <a:endParaRPr lang="en-US" dirty="0"/>
-          </a:p>
-          <a:p>
-            <a:pPr marL="0" indent="0">
-              <a:buNone/>
-            </a:pPr>
-            <a:r>
-              <a:rPr lang="en-US" dirty="0"/>
-              <a:t>A single image could contain anywhere from just a handful of packets to upwards of 10,000 depending on a variety of factors.</a:t>
-            </a:r>
-          </a:p>
-          <a:p>
-            <a:pPr marL="0" indent="0">
-              <a:buNone/>
-            </a:pPr>
-            <a:endParaRPr lang="en-US" altLang="en-US" sz="1833" dirty="0">
-              <a:latin typeface="Tahoma" panose="020B0604030504040204" pitchFamily="34" charset="0"/>
-              <a:ea typeface="ＭＳ Ｐゴシック" panose="020B0600070205080204" pitchFamily="34" charset="-128"/>
-            </a:endParaRPr>
-          </a:p>
-          <a:p>
-            <a:pPr marL="0" indent="0">
-              <a:buNone/>
-            </a:pPr>
-            <a:r>
-              <a:rPr lang="en-US" dirty="0"/>
-              <a:t>The process of determining where packets go is called </a:t>
-            </a:r>
-            <a:r>
-              <a:rPr lang="en-US" b="1" dirty="0"/>
-              <a:t>routing </a:t>
-            </a:r>
-            <a:r>
-              <a:rPr lang="en-US" dirty="0"/>
-              <a:t>or selecting a path for traffic in a network.</a:t>
-            </a:r>
-          </a:p>
-        </p:txBody>
-      </p:sp>
-      <p:sp>
-        <p:nvSpPr>
-          <p:cNvPr id="2" name="Slide Number Placeholder 1">
-            <a:extLst>
-              <a:ext uri="{FF2B5EF4-FFF2-40B4-BE49-F238E27FC236}">
-                <a16:creationId xmlns:a16="http://schemas.microsoft.com/office/drawing/2014/main" id="{EA560605-ECCA-084C-9B6A-2DD49664CFCB}"/>
-              </a:ext>
-            </a:extLst>
-          </p:cNvPr>
-          <p:cNvSpPr>
-            <a:spLocks noGrp="1"/>
-          </p:cNvSpPr>
-          <p:nvPr>
-            <p:ph type="sldNum" sz="quarter" idx="12"/>
-          </p:nvPr>
-        </p:nvSpPr>
-        <p:spPr/>
-        <p:txBody>
-          <a:bodyPr/>
-          <a:lstStyle/>
-          <a:p>
-            <a:fld id="{D57F1E4F-1CFF-5643-939E-02111984F565}" type="slidenum">
-              <a:rPr lang="en-US" smtClean="0"/>
-              <a:t>26</a:t>
-            </a:fld>
-            <a:endParaRPr lang="en-US" dirty="0"/>
-          </a:p>
-        </p:txBody>
-      </p:sp>
-    </p:spTree>
-    <p:extLst>
-      <p:ext uri="{BB962C8B-B14F-4D97-AF65-F5344CB8AC3E}">
-        <p14:creationId xmlns:p14="http://schemas.microsoft.com/office/powerpoint/2010/main" val="1016158355"/>
-      </p:ext>
-    </p:extLst>
-  </p:cSld>
-  <p:clrMapOvr>
-    <a:masterClrMapping/>
-  </p:clrMapOvr>
-</p:sld>
-</file>
-
 <file path=ppt/slides/slide27.xml><?xml version="1.0" encoding="utf-8"?>
 <p:sld xmlns:a="http://schemas.openxmlformats.org/drawingml/2006/main" xmlns:r="http://schemas.openxmlformats.org/officeDocument/2006/relationships" xmlns:p="http://schemas.openxmlformats.org/presentationml/2006/main">
   <p:cSld>
@@ -20909,471 +22082,7 @@
               <a:rPr lang="en-US" altLang="en-US" dirty="0">
                 <a:ea typeface="ＭＳ Ｐゴシック" panose="020B0600070205080204" pitchFamily="34" charset="-128"/>
               </a:rPr>
-              <a:t>Packets</a:t>
-            </a:r>
-          </a:p>
-        </p:txBody>
-      </p:sp>
-      <p:sp>
-        <p:nvSpPr>
-          <p:cNvPr id="84994" name="Content Placeholder 2">
-            <a:extLst>
-              <a:ext uri="{FF2B5EF4-FFF2-40B4-BE49-F238E27FC236}">
-                <a16:creationId xmlns:a16="http://schemas.microsoft.com/office/drawing/2014/main" id="{6971D443-43C5-2E43-8019-712D595D62F2}"/>
-              </a:ext>
-            </a:extLst>
-          </p:cNvPr>
-          <p:cNvSpPr>
-            <a:spLocks noGrp="1" noChangeArrowheads="1"/>
-          </p:cNvSpPr>
-          <p:nvPr>
-            <p:ph idx="1"/>
-          </p:nvPr>
-        </p:nvSpPr>
-        <p:spPr>
-          <a:xfrm>
-            <a:off x="133564" y="873303"/>
-            <a:ext cx="8876872" cy="4759344"/>
-          </a:xfrm>
-        </p:spPr>
-        <p:txBody>
-          <a:bodyPr>
-            <a:normAutofit/>
-          </a:bodyPr>
-          <a:lstStyle/>
-          <a:p>
-            <a:pPr marL="0" indent="0">
-              <a:buNone/>
-            </a:pPr>
-            <a:endParaRPr lang="en-US" sz="2000" dirty="0">
-              <a:latin typeface="Gill Sans MT" panose="020B0502020104020203" pitchFamily="34" charset="77"/>
-            </a:endParaRPr>
-          </a:p>
-          <a:p>
-            <a:pPr marL="0" indent="0">
-              <a:buNone/>
-            </a:pPr>
-            <a:r>
-              <a:rPr lang="en-US" sz="2000" dirty="0">
-                <a:latin typeface="Gill Sans MT" panose="020B0502020104020203" pitchFamily="34" charset="77"/>
-              </a:rPr>
-              <a:t>Packet-switching system is similar to traffic routing. </a:t>
-            </a:r>
-            <a:r>
-              <a:rPr lang="en-US" dirty="0"/>
-              <a:t>Routing on the Internet is usually </a:t>
-            </a:r>
-            <a:r>
-              <a:rPr lang="en-US" b="1" dirty="0"/>
-              <a:t>dynamic</a:t>
-            </a:r>
-            <a:r>
-              <a:rPr lang="en-US" dirty="0"/>
-              <a:t>; it is not specified in advance. </a:t>
-            </a:r>
-            <a:endParaRPr lang="en-US" sz="2000" dirty="0"/>
-          </a:p>
-          <a:p>
-            <a:pPr marL="0" indent="0">
-              <a:buNone/>
-            </a:pPr>
-            <a:endParaRPr lang="en-US" sz="2000" dirty="0">
-              <a:latin typeface="Gill Sans MT" panose="020B0502020104020203" pitchFamily="34" charset="77"/>
-            </a:endParaRPr>
-          </a:p>
-          <a:p>
-            <a:pPr marL="0" indent="0">
-              <a:buNone/>
-            </a:pPr>
-            <a:r>
-              <a:rPr lang="en-US" sz="2000" dirty="0">
-                <a:latin typeface="Gill Sans MT" panose="020B0502020104020203" pitchFamily="34" charset="77"/>
-              </a:rPr>
-              <a:t>If a road is becoming too crowded, traffic lights that allow cars to go onto that road might turn red in order to prevent any more cars from coming on. </a:t>
-            </a:r>
-          </a:p>
-          <a:p>
-            <a:pPr marL="0" indent="0">
-              <a:buNone/>
-            </a:pPr>
-            <a:endParaRPr lang="en-US" sz="2000" dirty="0">
-              <a:latin typeface="Gill Sans MT" panose="020B0502020104020203" pitchFamily="34" charset="77"/>
-            </a:endParaRPr>
-          </a:p>
-          <a:p>
-            <a:pPr marL="0" indent="0">
-              <a:buNone/>
-            </a:pPr>
-            <a:r>
-              <a:rPr lang="en-US" sz="2000" dirty="0">
-                <a:latin typeface="Gill Sans MT" panose="020B0502020104020203" pitchFamily="34" charset="77"/>
-              </a:rPr>
-              <a:t>A road might even be under construction, so no cars are able to enter that road. </a:t>
-            </a:r>
-          </a:p>
-          <a:p>
-            <a:pPr marL="0" indent="0">
-              <a:buNone/>
-            </a:pPr>
-            <a:endParaRPr lang="en-US" sz="2000" dirty="0">
-              <a:latin typeface="Gill Sans MT" panose="020B0502020104020203" pitchFamily="34" charset="77"/>
-            </a:endParaRPr>
-          </a:p>
-          <a:p>
-            <a:pPr marL="0" indent="0">
-              <a:buNone/>
-            </a:pPr>
-            <a:r>
-              <a:rPr lang="en-US" sz="2000" dirty="0">
-                <a:latin typeface="Gill Sans MT" panose="020B0502020104020203" pitchFamily="34" charset="77"/>
-              </a:rPr>
-              <a:t>Detour signs might route the cars to other roads that are more accessible in order for the cars to get to their destination.</a:t>
-            </a:r>
-          </a:p>
-          <a:p>
-            <a:pPr marL="0" indent="0">
-              <a:buNone/>
-            </a:pPr>
-            <a:endParaRPr lang="en-US" altLang="en-US" sz="2000" dirty="0">
-              <a:latin typeface="Gill Sans MT" panose="020B0502020104020203" pitchFamily="34" charset="77"/>
-              <a:ea typeface="ＭＳ Ｐゴシック" panose="020B0600070205080204" pitchFamily="34" charset="-128"/>
-            </a:endParaRPr>
-          </a:p>
-          <a:p>
-            <a:pPr marL="0" indent="0">
-              <a:buNone/>
-            </a:pPr>
-            <a:endParaRPr lang="en-US" sz="2000" dirty="0">
-              <a:latin typeface="Gill Sans MT" panose="020B0502020104020203" pitchFamily="34" charset="77"/>
-            </a:endParaRPr>
-          </a:p>
-        </p:txBody>
-      </p:sp>
-      <p:sp>
-        <p:nvSpPr>
-          <p:cNvPr id="2" name="Slide Number Placeholder 1">
-            <a:extLst>
-              <a:ext uri="{FF2B5EF4-FFF2-40B4-BE49-F238E27FC236}">
-                <a16:creationId xmlns:a16="http://schemas.microsoft.com/office/drawing/2014/main" id="{E551E583-4F0C-5648-B4F9-D714B9F8E007}"/>
-              </a:ext>
-            </a:extLst>
-          </p:cNvPr>
-          <p:cNvSpPr>
-            <a:spLocks noGrp="1"/>
-          </p:cNvSpPr>
-          <p:nvPr>
-            <p:ph type="sldNum" sz="quarter" idx="12"/>
-          </p:nvPr>
-        </p:nvSpPr>
-        <p:spPr/>
-        <p:txBody>
-          <a:bodyPr/>
-          <a:lstStyle/>
-          <a:p>
-            <a:fld id="{D57F1E4F-1CFF-5643-939E-02111984F565}" type="slidenum">
-              <a:rPr lang="en-US" smtClean="0"/>
-              <a:t>27</a:t>
-            </a:fld>
-            <a:endParaRPr lang="en-US" dirty="0"/>
-          </a:p>
-        </p:txBody>
-      </p:sp>
-    </p:spTree>
-    <p:extLst>
-      <p:ext uri="{BB962C8B-B14F-4D97-AF65-F5344CB8AC3E}">
-        <p14:creationId xmlns:p14="http://schemas.microsoft.com/office/powerpoint/2010/main" val="4204323314"/>
-      </p:ext>
-    </p:extLst>
-  </p:cSld>
-  <p:clrMapOvr>
-    <a:masterClrMapping/>
-  </p:clrMapOvr>
-</p:sld>
-</file>
-
-<file path=ppt/slides/slide28.xml><?xml version="1.0" encoding="utf-8"?>
-<p:sld xmlns:a="http://schemas.openxmlformats.org/drawingml/2006/main" xmlns:r="http://schemas.openxmlformats.org/officeDocument/2006/relationships" xmlns:p="http://schemas.openxmlformats.org/presentationml/2006/main">
-  <p:cSld>
-    <p:spTree>
-      <p:nvGrpSpPr>
-        <p:cNvPr id="1" name=""/>
-        <p:cNvGrpSpPr/>
-        <p:nvPr/>
-      </p:nvGrpSpPr>
-      <p:grpSpPr>
-        <a:xfrm>
-          <a:off x="0" y="0"/>
-          <a:ext cx="0" cy="0"/>
-          <a:chOff x="0" y="0"/>
-          <a:chExt cx="0" cy="0"/>
-        </a:xfrm>
-      </p:grpSpPr>
-      <p:sp>
-        <p:nvSpPr>
-          <p:cNvPr id="84993" name="Title 1">
-            <a:extLst>
-              <a:ext uri="{FF2B5EF4-FFF2-40B4-BE49-F238E27FC236}">
-                <a16:creationId xmlns:a16="http://schemas.microsoft.com/office/drawing/2014/main" id="{C169A412-E2F9-004D-A0EF-86F1C409823C}"/>
-              </a:ext>
-            </a:extLst>
-          </p:cNvPr>
-          <p:cNvSpPr>
-            <a:spLocks noGrp="1" noChangeArrowheads="1"/>
-          </p:cNvSpPr>
-          <p:nvPr>
-            <p:ph type="title"/>
-          </p:nvPr>
-        </p:nvSpPr>
-        <p:spPr>
-          <a:xfrm>
-            <a:off x="133564" y="106881"/>
-            <a:ext cx="7886700" cy="689517"/>
-          </a:xfrm>
-        </p:spPr>
-        <p:txBody>
-          <a:bodyPr/>
-          <a:lstStyle/>
-          <a:p>
-            <a:pPr eaLnBrk="1" hangingPunct="1"/>
-            <a:r>
-              <a:rPr lang="en-US" altLang="en-US" dirty="0">
-                <a:ea typeface="ＭＳ Ｐゴシック" panose="020B0600070205080204" pitchFamily="34" charset="-128"/>
-              </a:rPr>
-              <a:t>Packets</a:t>
-            </a:r>
-          </a:p>
-        </p:txBody>
-      </p:sp>
-      <p:sp>
-        <p:nvSpPr>
-          <p:cNvPr id="84994" name="Content Placeholder 2">
-            <a:extLst>
-              <a:ext uri="{FF2B5EF4-FFF2-40B4-BE49-F238E27FC236}">
-                <a16:creationId xmlns:a16="http://schemas.microsoft.com/office/drawing/2014/main" id="{6971D443-43C5-2E43-8019-712D595D62F2}"/>
-              </a:ext>
-            </a:extLst>
-          </p:cNvPr>
-          <p:cNvSpPr>
-            <a:spLocks noGrp="1" noChangeArrowheads="1"/>
-          </p:cNvSpPr>
-          <p:nvPr>
-            <p:ph idx="1"/>
-          </p:nvPr>
-        </p:nvSpPr>
-        <p:spPr>
-          <a:xfrm>
-            <a:off x="133564" y="771870"/>
-            <a:ext cx="8646515" cy="4836249"/>
-          </a:xfrm>
-        </p:spPr>
-        <p:txBody>
-          <a:bodyPr>
-            <a:normAutofit lnSpcReduction="10000"/>
-          </a:bodyPr>
-          <a:lstStyle/>
-          <a:p>
-            <a:pPr marL="0" indent="0">
-              <a:buNone/>
-            </a:pPr>
-            <a:r>
-              <a:rPr lang="en-US" altLang="en-US" sz="2000" dirty="0">
-                <a:latin typeface="Gill Sans MT" panose="020B0502020104020203" pitchFamily="34" charset="77"/>
-                <a:ea typeface="ＭＳ Ｐゴシック" panose="020B0600070205080204" pitchFamily="34" charset="-128"/>
-              </a:rPr>
-              <a:t>Similarly, in packet routing, a </a:t>
-            </a:r>
-            <a:r>
-              <a:rPr lang="en-US" sz="2000" dirty="0">
-                <a:latin typeface="Gill Sans MT" panose="020B0502020104020203" pitchFamily="34" charset="77"/>
-              </a:rPr>
-              <a:t>certain connection might only be able to transfer a certain number of packets per minute, so if the connection isn’t able to transfer them quickly enough, a new path for the packets to go will need to be found by a router. Thus, routing is </a:t>
-            </a:r>
-            <a:r>
-              <a:rPr lang="en-US" sz="2000" b="1" dirty="0">
-                <a:latin typeface="Gill Sans MT" panose="020B0502020104020203" pitchFamily="34" charset="77"/>
-              </a:rPr>
-              <a:t>redundant</a:t>
-            </a:r>
-            <a:r>
-              <a:rPr lang="en-US" sz="2000" dirty="0">
-                <a:latin typeface="Gill Sans MT" panose="020B0502020104020203" pitchFamily="34" charset="77"/>
-              </a:rPr>
-              <a:t>(more than one way to route data). </a:t>
-            </a:r>
-          </a:p>
-          <a:p>
-            <a:pPr marL="0" indent="0">
-              <a:buNone/>
-            </a:pPr>
-            <a:endParaRPr lang="en-US" sz="2000" dirty="0">
-              <a:latin typeface="Gill Sans MT" panose="020B0502020104020203" pitchFamily="34" charset="77"/>
-            </a:endParaRPr>
-          </a:p>
-          <a:p>
-            <a:pPr marL="0" indent="0">
-              <a:buNone/>
-            </a:pPr>
-            <a:r>
-              <a:rPr lang="en-US" i="1" dirty="0"/>
-              <a:t>Redundancy </a:t>
-            </a:r>
-            <a:r>
-              <a:rPr lang="en-US" dirty="0"/>
-              <a:t>is the inclusion of extra components that can be used to mitigate failure of a system if other components fail. </a:t>
-            </a:r>
-            <a:endParaRPr lang="en-US" sz="2000" dirty="0"/>
-          </a:p>
-          <a:p>
-            <a:pPr marL="0" indent="0">
-              <a:buNone/>
-            </a:pPr>
-            <a:endParaRPr lang="en-US" sz="2000" dirty="0">
-              <a:latin typeface="Gill Sans MT" panose="020B0502020104020203" pitchFamily="34" charset="77"/>
-            </a:endParaRPr>
-          </a:p>
-          <a:p>
-            <a:pPr marL="0" indent="0">
-              <a:buNone/>
-            </a:pPr>
-            <a:r>
-              <a:rPr lang="en-US" sz="2000" dirty="0">
-                <a:latin typeface="Gill Sans MT" panose="020B0502020104020203" pitchFamily="34" charset="77"/>
-              </a:rPr>
-              <a:t>Redundancy increases the reliability of the internet and helps it scale to more devices and people.</a:t>
-            </a:r>
-          </a:p>
-          <a:p>
-            <a:pPr marL="0" indent="0">
-              <a:buNone/>
-            </a:pPr>
-            <a:endParaRPr lang="en-US" dirty="0"/>
-          </a:p>
-          <a:p>
-            <a:pPr marL="0" indent="0">
-              <a:buNone/>
-            </a:pPr>
-            <a:r>
-              <a:rPr lang="en-US" dirty="0"/>
-              <a:t>When a system can support failures and still continue to function, it is called </a:t>
-            </a:r>
-            <a:r>
-              <a:rPr lang="en-US" b="1" dirty="0"/>
-              <a:t>fault-tolerant</a:t>
-            </a:r>
-            <a:r>
-              <a:rPr lang="en-US" dirty="0"/>
-              <a:t>. </a:t>
-            </a:r>
-            <a:r>
-              <a:rPr lang="en-US" sz="2000" dirty="0">
-                <a:latin typeface="Gill Sans MT" panose="020B0502020104020203" pitchFamily="34" charset="77"/>
-              </a:rPr>
-              <a:t>If some connection is broken or doesn’t function, the router needs to find a new path for the data to get to its destination, otherwise the packets will never be delivered. Thus, routing is dynamic and fault tolerant</a:t>
-            </a:r>
-            <a:r>
-              <a:rPr lang="en-US" sz="2000" b="1" dirty="0">
-                <a:latin typeface="Gill Sans MT" panose="020B0502020104020203" pitchFamily="34" charset="77"/>
-              </a:rPr>
-              <a:t>.</a:t>
-            </a:r>
-            <a:endParaRPr lang="en-US" altLang="en-US" sz="2000" b="1" dirty="0">
-              <a:latin typeface="Gill Sans MT" panose="020B0502020104020203" pitchFamily="34" charset="77"/>
-              <a:ea typeface="ＭＳ Ｐゴシック" panose="020B0600070205080204" pitchFamily="34" charset="-128"/>
-            </a:endParaRPr>
-          </a:p>
-        </p:txBody>
-      </p:sp>
-      <p:sp>
-        <p:nvSpPr>
-          <p:cNvPr id="2" name="Slide Number Placeholder 1">
-            <a:extLst>
-              <a:ext uri="{FF2B5EF4-FFF2-40B4-BE49-F238E27FC236}">
-                <a16:creationId xmlns:a16="http://schemas.microsoft.com/office/drawing/2014/main" id="{1D4A95CE-F36C-A949-B574-8B2112D61521}"/>
-              </a:ext>
-            </a:extLst>
-          </p:cNvPr>
-          <p:cNvSpPr>
-            <a:spLocks noGrp="1"/>
-          </p:cNvSpPr>
-          <p:nvPr>
-            <p:ph type="sldNum" sz="quarter" idx="12"/>
-          </p:nvPr>
-        </p:nvSpPr>
-        <p:spPr/>
-        <p:txBody>
-          <a:bodyPr/>
-          <a:lstStyle/>
-          <a:p>
-            <a:fld id="{D57F1E4F-1CFF-5643-939E-02111984F565}" type="slidenum">
-              <a:rPr lang="en-US" smtClean="0"/>
-              <a:t>28</a:t>
-            </a:fld>
-            <a:endParaRPr lang="en-US" dirty="0"/>
-          </a:p>
-        </p:txBody>
-      </p:sp>
-    </p:spTree>
-    <p:extLst>
-      <p:ext uri="{BB962C8B-B14F-4D97-AF65-F5344CB8AC3E}">
-        <p14:creationId xmlns:p14="http://schemas.microsoft.com/office/powerpoint/2010/main" val="1162857972"/>
-      </p:ext>
-    </p:extLst>
-  </p:cSld>
-  <p:clrMapOvr>
-    <a:masterClrMapping/>
-  </p:clrMapOvr>
-</p:sld>
-</file>
-
-<file path=ppt/slides/slide29.xml><?xml version="1.0" encoding="utf-8"?>
-<p:sld xmlns:a="http://schemas.openxmlformats.org/drawingml/2006/main" xmlns:r="http://schemas.openxmlformats.org/officeDocument/2006/relationships" xmlns:p="http://schemas.openxmlformats.org/presentationml/2006/main">
-  <p:cSld>
-    <p:spTree>
-      <p:nvGrpSpPr>
-        <p:cNvPr id="1" name=""/>
-        <p:cNvGrpSpPr/>
-        <p:nvPr/>
-      </p:nvGrpSpPr>
-      <p:grpSpPr>
-        <a:xfrm>
-          <a:off x="0" y="0"/>
-          <a:ext cx="0" cy="0"/>
-          <a:chOff x="0" y="0"/>
-          <a:chExt cx="0" cy="0"/>
-        </a:xfrm>
-      </p:grpSpPr>
-      <p:sp>
-        <p:nvSpPr>
-          <p:cNvPr id="84993" name="Title 1">
-            <a:extLst>
-              <a:ext uri="{FF2B5EF4-FFF2-40B4-BE49-F238E27FC236}">
-                <a16:creationId xmlns:a16="http://schemas.microsoft.com/office/drawing/2014/main" id="{C169A412-E2F9-004D-A0EF-86F1C409823C}"/>
-              </a:ext>
-            </a:extLst>
-          </p:cNvPr>
-          <p:cNvSpPr>
-            <a:spLocks noGrp="1" noChangeArrowheads="1"/>
-          </p:cNvSpPr>
-          <p:nvPr>
-            <p:ph type="title"/>
-          </p:nvPr>
-        </p:nvSpPr>
-        <p:spPr>
-          <a:xfrm>
-            <a:off x="133564" y="106881"/>
-            <a:ext cx="7886700" cy="689517"/>
-          </a:xfrm>
-        </p:spPr>
-        <p:txBody>
-          <a:bodyPr/>
-          <a:lstStyle/>
-          <a:p>
-            <a:pPr eaLnBrk="1" hangingPunct="1"/>
-            <a:r>
-              <a:rPr lang="en-US" altLang="en-US" dirty="0">
-                <a:ea typeface="ＭＳ Ｐゴシック" panose="020B0600070205080204" pitchFamily="34" charset="-128"/>
-              </a:rPr>
-              <a:t>Packets</a:t>
+              <a:t>Packets(optional)</a:t>
             </a:r>
           </a:p>
         </p:txBody>
@@ -21719,7 +22428,7 @@
           <a:p>
             <a:fld id="{D57F1E4F-1CFF-5643-939E-02111984F565}" type="slidenum">
               <a:rPr lang="en-US" smtClean="0"/>
-              <a:t>29</a:t>
+              <a:t>27</a:t>
             </a:fld>
             <a:endParaRPr lang="en-US" dirty="0"/>
           </a:p>
@@ -21728,13 +22437,405 @@
     </p:spTree>
     <p:extLst>
       <p:ext uri="{BB962C8B-B14F-4D97-AF65-F5344CB8AC3E}">
-        <p14:creationId xmlns:p14="http://schemas.microsoft.com/office/powerpoint/2010/main" val="1047995035"/>
+        <p14:creationId xmlns:p14="http://schemas.microsoft.com/office/powerpoint/2010/main" val="2243592026"/>
       </p:ext>
     </p:extLst>
   </p:cSld>
   <p:clrMapOvr>
     <a:masterClrMapping/>
   </p:clrMapOvr>
+</p:sld>
+</file>
+
+<file path=ppt/slides/slide28.xml><?xml version="1.0" encoding="utf-8"?>
+<p:sld xmlns:a="http://schemas.openxmlformats.org/drawingml/2006/main" xmlns:r="http://schemas.openxmlformats.org/officeDocument/2006/relationships" xmlns:p="http://schemas.openxmlformats.org/presentationml/2006/main">
+  <p:cSld>
+    <p:spTree>
+      <p:nvGrpSpPr>
+        <p:cNvPr id="1" name=""/>
+        <p:cNvGrpSpPr/>
+        <p:nvPr/>
+      </p:nvGrpSpPr>
+      <p:grpSpPr>
+        <a:xfrm>
+          <a:off x="0" y="0"/>
+          <a:ext cx="0" cy="0"/>
+          <a:chOff x="0" y="0"/>
+          <a:chExt cx="0" cy="0"/>
+        </a:xfrm>
+      </p:grpSpPr>
+      <p:sp>
+        <p:nvSpPr>
+          <p:cNvPr id="75777" name="Rectangle 2">
+            <a:extLst>
+              <a:ext uri="{FF2B5EF4-FFF2-40B4-BE49-F238E27FC236}">
+                <a16:creationId xmlns:a16="http://schemas.microsoft.com/office/drawing/2014/main" id="{188EB92C-DDEE-294E-96AE-5B2F5541A13E}"/>
+              </a:ext>
+            </a:extLst>
+          </p:cNvPr>
+          <p:cNvSpPr>
+            <a:spLocks noGrp="1" noChangeArrowheads="1"/>
+          </p:cNvSpPr>
+          <p:nvPr>
+            <p:ph type="title" idx="4294967295"/>
+          </p:nvPr>
+        </p:nvSpPr>
+        <p:spPr>
+          <a:xfrm>
+            <a:off x="205483" y="392825"/>
+            <a:ext cx="7886700" cy="658894"/>
+          </a:xfrm>
+        </p:spPr>
+        <p:txBody>
+          <a:bodyPr vert="horz" lIns="0" tIns="45720" rIns="0" bIns="0" rtlCol="0" anchor="b">
+            <a:normAutofit/>
+          </a:bodyPr>
+          <a:lstStyle/>
+          <a:p>
+            <a:pPr eaLnBrk="1" hangingPunct="1"/>
+            <a:r>
+              <a:rPr lang="en-US" altLang="en-US" dirty="0">
+                <a:latin typeface="Tahoma" panose="020B0604030504040204" pitchFamily="34" charset="0"/>
+                <a:ea typeface="ＭＳ Ｐゴシック" panose="020B0600070205080204" pitchFamily="34" charset="-128"/>
+              </a:rPr>
+              <a:t>An HTTP Request(optional)</a:t>
+            </a:r>
+          </a:p>
+        </p:txBody>
+      </p:sp>
+      <p:sp>
+        <p:nvSpPr>
+          <p:cNvPr id="75778" name="Rectangle 3">
+            <a:extLst>
+              <a:ext uri="{FF2B5EF4-FFF2-40B4-BE49-F238E27FC236}">
+                <a16:creationId xmlns:a16="http://schemas.microsoft.com/office/drawing/2014/main" id="{23AB5E3C-D5D9-064C-9574-DFF97AF265D0}"/>
+              </a:ext>
+            </a:extLst>
+          </p:cNvPr>
+          <p:cNvSpPr>
+            <a:spLocks noGrp="1" noChangeArrowheads="1"/>
+          </p:cNvSpPr>
+          <p:nvPr>
+            <p:ph type="body" idx="4294967295"/>
+          </p:nvPr>
+        </p:nvSpPr>
+        <p:spPr>
+          <a:xfrm>
+            <a:off x="205483" y="1333500"/>
+            <a:ext cx="8774130" cy="3984625"/>
+          </a:xfrm>
+        </p:spPr>
+        <p:txBody>
+          <a:bodyPr/>
+          <a:lstStyle/>
+          <a:p>
+            <a:pPr eaLnBrk="1" hangingPunct="1"/>
+            <a:r>
+              <a:rPr lang="en-US" altLang="en-US" sz="1667" dirty="0">
+                <a:latin typeface="Tahoma" panose="020B0604030504040204" pitchFamily="34" charset="0"/>
+                <a:ea typeface="ＭＳ Ｐゴシック" panose="020B0600070205080204" pitchFamily="34" charset="-128"/>
+              </a:rPr>
+              <a:t>A webpage(HTTP) request from a computer. </a:t>
+            </a:r>
+          </a:p>
+        </p:txBody>
+      </p:sp>
+      <p:pic>
+        <p:nvPicPr>
+          <p:cNvPr id="75779" name="Picture 3">
+            <a:extLst>
+              <a:ext uri="{FF2B5EF4-FFF2-40B4-BE49-F238E27FC236}">
+                <a16:creationId xmlns:a16="http://schemas.microsoft.com/office/drawing/2014/main" id="{ACC422C1-B208-F349-A6EB-6603E2B1F1F5}"/>
+              </a:ext>
+            </a:extLst>
+          </p:cNvPr>
+          <p:cNvPicPr>
+            <a:picLocks noChangeAspect="1"/>
+          </p:cNvPicPr>
+          <p:nvPr/>
+        </p:nvPicPr>
+        <p:blipFill>
+          <a:blip r:embed="rId3">
+            <a:extLst>
+              <a:ext uri="{28A0092B-C50C-407E-A947-70E740481C1C}">
+                <a14:useLocalDpi xmlns:a14="http://schemas.microsoft.com/office/drawing/2010/main" val="0"/>
+              </a:ext>
+            </a:extLst>
+          </a:blip>
+          <a:srcRect/>
+          <a:stretch>
+            <a:fillRect/>
+          </a:stretch>
+        </p:blipFill>
+        <p:spPr bwMode="auto">
+          <a:xfrm>
+            <a:off x="1571625" y="1897063"/>
+            <a:ext cx="6248136" cy="3169708"/>
+          </a:xfrm>
+          <a:prstGeom prst="rect">
+            <a:avLst/>
+          </a:prstGeom>
+          <a:noFill/>
+          <a:ln>
+            <a:noFill/>
+          </a:ln>
+          <a:extLst>
+            <a:ext uri="{909E8E84-426E-40DD-AFC4-6F175D3DCCD1}">
+              <a14:hiddenFill xmlns:a14="http://schemas.microsoft.com/office/drawing/2010/main">
+                <a:solidFill>
+                  <a:srgbClr val="FFFFFF"/>
+                </a:solidFill>
+              </a14:hiddenFill>
+            </a:ext>
+            <a:ext uri="{91240B29-F687-4F45-9708-019B960494DF}">
+              <a14:hiddenLine xmlns:a14="http://schemas.microsoft.com/office/drawing/2010/main" w="9525">
+                <a:solidFill>
+                  <a:srgbClr val="000000"/>
+                </a:solidFill>
+                <a:miter lim="800000"/>
+                <a:headEnd/>
+                <a:tailEnd/>
+              </a14:hiddenLine>
+            </a:ext>
+          </a:extLst>
+        </p:spPr>
+      </p:pic>
+      <p:sp>
+        <p:nvSpPr>
+          <p:cNvPr id="2" name="Slide Number Placeholder 1">
+            <a:extLst>
+              <a:ext uri="{FF2B5EF4-FFF2-40B4-BE49-F238E27FC236}">
+                <a16:creationId xmlns:a16="http://schemas.microsoft.com/office/drawing/2014/main" id="{50AC805D-E9EA-5242-83D1-9D9470F9346C}"/>
+              </a:ext>
+            </a:extLst>
+          </p:cNvPr>
+          <p:cNvSpPr>
+            <a:spLocks noGrp="1"/>
+          </p:cNvSpPr>
+          <p:nvPr>
+            <p:ph type="sldNum" sz="quarter" idx="12"/>
+          </p:nvPr>
+        </p:nvSpPr>
+        <p:spPr/>
+        <p:txBody>
+          <a:bodyPr/>
+          <a:lstStyle/>
+          <a:p>
+            <a:fld id="{D57F1E4F-1CFF-5643-939E-02111984F565}" type="slidenum">
+              <a:rPr lang="en-US" smtClean="0"/>
+              <a:t>28</a:t>
+            </a:fld>
+            <a:endParaRPr lang="en-US" dirty="0"/>
+          </a:p>
+        </p:txBody>
+      </p:sp>
+    </p:spTree>
+    <p:extLst>
+      <p:ext uri="{BB962C8B-B14F-4D97-AF65-F5344CB8AC3E}">
+        <p14:creationId xmlns:p14="http://schemas.microsoft.com/office/powerpoint/2010/main" val="2527578196"/>
+      </p:ext>
+    </p:extLst>
+  </p:cSld>
+  <p:clrMapOvr>
+    <a:masterClrMapping/>
+  </p:clrMapOvr>
+  <p:transition/>
+</p:sld>
+</file>
+
+<file path=ppt/slides/slide29.xml><?xml version="1.0" encoding="utf-8"?>
+<p:sld xmlns:a="http://schemas.openxmlformats.org/drawingml/2006/main" xmlns:r="http://schemas.openxmlformats.org/officeDocument/2006/relationships" xmlns:p="http://schemas.openxmlformats.org/presentationml/2006/main">
+  <p:cSld>
+    <p:spTree>
+      <p:nvGrpSpPr>
+        <p:cNvPr id="1" name=""/>
+        <p:cNvGrpSpPr/>
+        <p:nvPr/>
+      </p:nvGrpSpPr>
+      <p:grpSpPr>
+        <a:xfrm>
+          <a:off x="0" y="0"/>
+          <a:ext cx="0" cy="0"/>
+          <a:chOff x="0" y="0"/>
+          <a:chExt cx="0" cy="0"/>
+        </a:xfrm>
+      </p:grpSpPr>
+      <p:sp>
+        <p:nvSpPr>
+          <p:cNvPr id="77825" name="Rectangle 2">
+            <a:extLst>
+              <a:ext uri="{FF2B5EF4-FFF2-40B4-BE49-F238E27FC236}">
+                <a16:creationId xmlns:a16="http://schemas.microsoft.com/office/drawing/2014/main" id="{21CC4A42-EA8F-BF47-ADD5-B721E414F5F2}"/>
+              </a:ext>
+            </a:extLst>
+          </p:cNvPr>
+          <p:cNvSpPr>
+            <a:spLocks noGrp="1" noChangeArrowheads="1"/>
+          </p:cNvSpPr>
+          <p:nvPr>
+            <p:ph type="title" idx="4294967295"/>
+          </p:nvPr>
+        </p:nvSpPr>
+        <p:spPr>
+          <a:xfrm>
+            <a:off x="308225" y="421239"/>
+            <a:ext cx="7886700" cy="586974"/>
+          </a:xfrm>
+        </p:spPr>
+        <p:txBody>
+          <a:bodyPr vert="horz" lIns="0" tIns="45720" rIns="0" bIns="0" rtlCol="0" anchor="b">
+            <a:normAutofit/>
+          </a:bodyPr>
+          <a:lstStyle/>
+          <a:p>
+            <a:pPr eaLnBrk="1" hangingPunct="1"/>
+            <a:r>
+              <a:rPr lang="en-US" altLang="en-US" dirty="0">
+                <a:latin typeface="Tahoma" panose="020B0604030504040204" pitchFamily="34" charset="0"/>
+                <a:ea typeface="ＭＳ Ｐゴシック" panose="020B0600070205080204" pitchFamily="34" charset="-128"/>
+              </a:rPr>
+              <a:t>An HTTP Request(optional)</a:t>
+            </a:r>
+          </a:p>
+        </p:txBody>
+      </p:sp>
+      <p:sp>
+        <p:nvSpPr>
+          <p:cNvPr id="77826" name="Rectangle 3">
+            <a:extLst>
+              <a:ext uri="{FF2B5EF4-FFF2-40B4-BE49-F238E27FC236}">
+                <a16:creationId xmlns:a16="http://schemas.microsoft.com/office/drawing/2014/main" id="{07CDE7D8-6D62-BA4B-8A6C-4F0744144459}"/>
+              </a:ext>
+            </a:extLst>
+          </p:cNvPr>
+          <p:cNvSpPr>
+            <a:spLocks noGrp="1" noChangeArrowheads="1"/>
+          </p:cNvSpPr>
+          <p:nvPr>
+            <p:ph type="body" idx="4294967295"/>
+          </p:nvPr>
+        </p:nvSpPr>
+        <p:spPr>
+          <a:xfrm>
+            <a:off x="308225" y="1333500"/>
+            <a:ext cx="8620018" cy="3984625"/>
+          </a:xfrm>
+        </p:spPr>
+        <p:txBody>
+          <a:bodyPr/>
+          <a:lstStyle/>
+          <a:p>
+            <a:pPr eaLnBrk="1" hangingPunct="1"/>
+            <a:r>
+              <a:rPr lang="en-US" altLang="en-US" sz="1667" dirty="0">
+                <a:latin typeface="Tahoma" panose="020B0604030504040204" pitchFamily="34" charset="0"/>
+                <a:ea typeface="ＭＳ Ｐゴシック" panose="020B0600070205080204" pitchFamily="34" charset="-128"/>
+              </a:rPr>
+              <a:t>A webpage request and sending an email from the same computer. </a:t>
+            </a:r>
+          </a:p>
+        </p:txBody>
+      </p:sp>
+      <p:pic>
+        <p:nvPicPr>
+          <p:cNvPr id="77827" name="Picture 2">
+            <a:extLst>
+              <a:ext uri="{FF2B5EF4-FFF2-40B4-BE49-F238E27FC236}">
+                <a16:creationId xmlns:a16="http://schemas.microsoft.com/office/drawing/2014/main" id="{6C394D25-B0FA-0E47-A17E-786B6DB17956}"/>
+              </a:ext>
+            </a:extLst>
+          </p:cNvPr>
+          <p:cNvPicPr>
+            <a:picLocks noChangeAspect="1"/>
+          </p:cNvPicPr>
+          <p:nvPr/>
+        </p:nvPicPr>
+        <p:blipFill>
+          <a:blip r:embed="rId3">
+            <a:extLst>
+              <a:ext uri="{28A0092B-C50C-407E-A947-70E740481C1C}">
+                <a14:useLocalDpi xmlns:a14="http://schemas.microsoft.com/office/drawing/2010/main" val="0"/>
+              </a:ext>
+            </a:extLst>
+          </a:blip>
+          <a:srcRect/>
+          <a:stretch>
+            <a:fillRect/>
+          </a:stretch>
+        </p:blipFill>
+        <p:spPr bwMode="auto">
+          <a:xfrm>
+            <a:off x="1091407" y="1897063"/>
+            <a:ext cx="6869906" cy="3406511"/>
+          </a:xfrm>
+          <a:prstGeom prst="rect">
+            <a:avLst/>
+          </a:prstGeom>
+          <a:noFill/>
+          <a:ln>
+            <a:noFill/>
+          </a:ln>
+          <a:extLst>
+            <a:ext uri="{909E8E84-426E-40DD-AFC4-6F175D3DCCD1}">
+              <a14:hiddenFill xmlns:a14="http://schemas.microsoft.com/office/drawing/2010/main">
+                <a:solidFill>
+                  <a:srgbClr val="FFFFFF"/>
+                </a:solidFill>
+              </a14:hiddenFill>
+            </a:ext>
+            <a:ext uri="{91240B29-F687-4F45-9708-019B960494DF}">
+              <a14:hiddenLine xmlns:a14="http://schemas.microsoft.com/office/drawing/2010/main" w="9525">
+                <a:solidFill>
+                  <a:srgbClr val="000000"/>
+                </a:solidFill>
+                <a:miter lim="800000"/>
+                <a:headEnd/>
+                <a:tailEnd/>
+              </a14:hiddenLine>
+            </a:ext>
+          </a:extLst>
+        </p:spPr>
+      </p:pic>
+      <p:sp>
+        <p:nvSpPr>
+          <p:cNvPr id="2" name="Slide Number Placeholder 1">
+            <a:extLst>
+              <a:ext uri="{FF2B5EF4-FFF2-40B4-BE49-F238E27FC236}">
+                <a16:creationId xmlns:a16="http://schemas.microsoft.com/office/drawing/2014/main" id="{5055F4B0-3B63-E540-8D9F-00C92CE9C7D0}"/>
+              </a:ext>
+            </a:extLst>
+          </p:cNvPr>
+          <p:cNvSpPr>
+            <a:spLocks noGrp="1"/>
+          </p:cNvSpPr>
+          <p:nvPr>
+            <p:ph type="sldNum" sz="quarter" idx="12"/>
+          </p:nvPr>
+        </p:nvSpPr>
+        <p:spPr/>
+        <p:txBody>
+          <a:bodyPr/>
+          <a:lstStyle/>
+          <a:p>
+            <a:fld id="{D57F1E4F-1CFF-5643-939E-02111984F565}" type="slidenum">
+              <a:rPr lang="en-US" smtClean="0"/>
+              <a:t>29</a:t>
+            </a:fld>
+            <a:endParaRPr lang="en-US" dirty="0"/>
+          </a:p>
+        </p:txBody>
+      </p:sp>
+    </p:spTree>
+    <p:extLst>
+      <p:ext uri="{BB962C8B-B14F-4D97-AF65-F5344CB8AC3E}">
+        <p14:creationId xmlns:p14="http://schemas.microsoft.com/office/powerpoint/2010/main" val="4266553646"/>
+      </p:ext>
+    </p:extLst>
+  </p:cSld>
+  <p:clrMapOvr>
+    <a:masterClrMapping/>
+  </p:clrMapOvr>
+  <p:transition/>
 </p:sld>
 </file>
 
@@ -22443,10 +23544,10 @@
       </p:grpSpPr>
       <p:sp>
         <p:nvSpPr>
-          <p:cNvPr id="84993" name="Title 1">
+          <p:cNvPr id="79873" name="Rectangle 2">
             <a:extLst>
               <a:ext uri="{FF2B5EF4-FFF2-40B4-BE49-F238E27FC236}">
-                <a16:creationId xmlns:a16="http://schemas.microsoft.com/office/drawing/2014/main" id="{C169A412-E2F9-004D-A0EF-86F1C409823C}"/>
+                <a16:creationId xmlns:a16="http://schemas.microsoft.com/office/drawing/2014/main" id="{E8B36DA1-FD32-914E-8D09-91D267F39A7A}"/>
               </a:ext>
             </a:extLst>
           </p:cNvPr>
@@ -22454,35 +23555,38 @@
             <a:spLocks noGrp="1" noChangeArrowheads="1"/>
           </p:cNvSpPr>
           <p:nvPr>
-            <p:ph type="title"/>
+            <p:ph type="title" idx="4294967295"/>
           </p:nvPr>
         </p:nvSpPr>
         <p:spPr>
           <a:xfrm>
-            <a:off x="133564" y="106881"/>
-            <a:ext cx="7886700" cy="689517"/>
+            <a:off x="328773" y="396875"/>
+            <a:ext cx="7886700" cy="648619"/>
           </a:xfrm>
         </p:spPr>
         <p:txBody>
-          <a:bodyPr/>
+          <a:bodyPr vert="horz" lIns="0" tIns="45720" rIns="0" bIns="0" rtlCol="0" anchor="b">
+            <a:normAutofit/>
+          </a:bodyPr>
           <a:lstStyle/>
           <a:p>
             <a:pPr eaLnBrk="1" hangingPunct="1"/>
             <a:r>
               <a:rPr lang="en-US" altLang="en-US" dirty="0">
+                <a:latin typeface="Tahoma" panose="020B0604030504040204" pitchFamily="34" charset="0"/>
                 <a:ea typeface="ＭＳ Ｐゴシック" panose="020B0600070205080204" pitchFamily="34" charset="-128"/>
               </a:rPr>
-              <a:t>Bandwidth and Latency</a:t>
+              <a:t>Port Numbers(optional)</a:t>
             </a:r>
           </a:p>
         </p:txBody>
       </p:sp>
       <p:sp>
         <p:nvSpPr>
-          <p:cNvPr id="84994" name="Content Placeholder 2">
+          <p:cNvPr id="79874" name="Rectangle 3">
             <a:extLst>
               <a:ext uri="{FF2B5EF4-FFF2-40B4-BE49-F238E27FC236}">
-                <a16:creationId xmlns:a16="http://schemas.microsoft.com/office/drawing/2014/main" id="{6971D443-43C5-2E43-8019-712D595D62F2}"/>
+                <a16:creationId xmlns:a16="http://schemas.microsoft.com/office/drawing/2014/main" id="{C365A828-14EF-694A-9BBF-E18CC423E31B}"/>
               </a:ext>
             </a:extLst>
           </p:cNvPr>
@@ -22490,150 +23594,96 @@
             <a:spLocks noGrp="1" noChangeArrowheads="1"/>
           </p:cNvSpPr>
           <p:nvPr>
-            <p:ph idx="1"/>
+            <p:ph type="body" idx="4294967295"/>
           </p:nvPr>
         </p:nvSpPr>
         <p:spPr>
           <a:xfrm>
-            <a:off x="277402" y="801385"/>
-            <a:ext cx="8733034" cy="4831262"/>
+            <a:off x="328773" y="1333500"/>
+            <a:ext cx="8486454" cy="3984625"/>
           </a:xfrm>
         </p:spPr>
         <p:txBody>
           <a:bodyPr/>
           <a:lstStyle/>
           <a:p>
-            <a:pPr marL="0" indent="0">
-              <a:buNone/>
-            </a:pPr>
-            <a:r>
-              <a:rPr lang="en-US" dirty="0"/>
-              <a:t>When you have a large system there is going to be </a:t>
-            </a:r>
-            <a:r>
-              <a:rPr lang="en-US" b="1" dirty="0"/>
-              <a:t>latency</a:t>
-            </a:r>
-            <a:r>
-              <a:rPr lang="en-US" dirty="0"/>
-              <a:t>, however. The latency of a system is the measure of the time it takes for a message to get to its intended recipient from the time it was sent. </a:t>
-            </a:r>
-          </a:p>
-          <a:p>
-            <a:pPr marL="0" indent="0">
-              <a:buNone/>
-            </a:pPr>
-            <a:endParaRPr lang="en-US" dirty="0"/>
-          </a:p>
-          <a:p>
-            <a:pPr marL="0" indent="0">
-              <a:buNone/>
-            </a:pPr>
-            <a:r>
-              <a:rPr lang="en-US" dirty="0"/>
-              <a:t>Another way to measure a systems effectiveness is with </a:t>
-            </a:r>
-            <a:r>
-              <a:rPr lang="en-US" b="1" dirty="0"/>
-              <a:t>bandwidth</a:t>
-            </a:r>
-            <a:r>
-              <a:rPr lang="en-US" dirty="0"/>
-              <a:t>. Bandwidth is the amount of data that can be transferred on a system in a certain amount of time. </a:t>
-            </a:r>
-          </a:p>
-          <a:p>
-            <a:pPr marL="0" indent="0">
-              <a:buNone/>
-            </a:pPr>
-            <a:endParaRPr lang="en-US" dirty="0"/>
-          </a:p>
-          <a:p>
-            <a:pPr marL="0" indent="0">
-              <a:buNone/>
-            </a:pPr>
-            <a:r>
-              <a:rPr lang="en-US" dirty="0"/>
-              <a:t>The amount of data is measured in bits. These days, an average Internet connection speed might be anywhere from a megabit (about a million bits) per second to a gigabit (about a billion bits) per second.</a:t>
-            </a:r>
-          </a:p>
-          <a:p>
-            <a:pPr>
-              <a:buNone/>
-            </a:pPr>
-            <a:endParaRPr lang="en-US" sz="1833" dirty="0">
-              <a:latin typeface="Tahoma" panose="020B0604030504040204" pitchFamily="34" charset="0"/>
-              <a:ea typeface="ＭＳ Ｐゴシック" panose="020B0600070205080204" pitchFamily="34" charset="-128"/>
-            </a:endParaRPr>
-          </a:p>
-          <a:p>
-            <a:pPr eaLnBrk="1" hangingPunct="1">
-              <a:buFontTx/>
-              <a:buNone/>
-            </a:pPr>
-            <a:r>
-              <a:rPr lang="en-US" altLang="en-US" dirty="0">
-                <a:latin typeface="Gill Sans MT" panose="020B0502020104020203" pitchFamily="34" charset="77"/>
+            <a:pPr eaLnBrk="1" hangingPunct="1"/>
+            <a:r>
+              <a:rPr lang="en-US" altLang="en-US" sz="1667" dirty="0">
+                <a:latin typeface="Tahoma" panose="020B0604030504040204" pitchFamily="34" charset="0"/>
                 <a:ea typeface="ＭＳ Ｐゴシック" panose="020B0600070205080204" pitchFamily="34" charset="-128"/>
               </a:rPr>
-              <a:t>Downloading an email requires less bandwidth than watching a </a:t>
-            </a:r>
-            <a:r>
-              <a:rPr lang="en-US" altLang="en-US">
-                <a:latin typeface="Gill Sans MT" panose="020B0502020104020203" pitchFamily="34" charset="77"/>
-                <a:ea typeface="ＭＳ Ｐゴシック" panose="020B0600070205080204" pitchFamily="34" charset="-128"/>
-              </a:rPr>
-              <a:t>movie on </a:t>
-            </a:r>
-          </a:p>
-          <a:p>
-            <a:pPr eaLnBrk="1" hangingPunct="1">
-              <a:buFontTx/>
-              <a:buNone/>
-            </a:pPr>
-            <a:r>
-              <a:rPr lang="en-US" altLang="en-US">
-                <a:latin typeface="Gill Sans MT" panose="020B0502020104020203" pitchFamily="34" charset="77"/>
-                <a:ea typeface="ＭＳ Ｐゴシック" panose="020B0600070205080204" pitchFamily="34" charset="-128"/>
-              </a:rPr>
-              <a:t>Netflix</a:t>
-            </a:r>
-            <a:r>
-              <a:rPr lang="en-US" altLang="en-US" dirty="0">
-                <a:latin typeface="Gill Sans MT" panose="020B0502020104020203" pitchFamily="34" charset="77"/>
-                <a:ea typeface="ＭＳ Ｐゴシック" panose="020B0600070205080204" pitchFamily="34" charset="-128"/>
-              </a:rPr>
-              <a:t>. </a:t>
-            </a:r>
-          </a:p>
-          <a:p>
-            <a:pPr eaLnBrk="1" hangingPunct="1">
-              <a:buFontTx/>
-              <a:buAutoNum type="arabicParenR"/>
-            </a:pPr>
-            <a:endParaRPr lang="en-US" altLang="en-US" sz="1833" dirty="0">
-              <a:latin typeface="Tahoma" panose="020B0604030504040204" pitchFamily="34" charset="0"/>
-              <a:ea typeface="ＭＳ Ｐゴシック" panose="020B0600070205080204" pitchFamily="34" charset="-128"/>
-            </a:endParaRPr>
-          </a:p>
-          <a:p>
-            <a:pPr eaLnBrk="1" hangingPunct="1">
-              <a:buFontTx/>
-              <a:buNone/>
-            </a:pPr>
-            <a:endParaRPr lang="en-US" altLang="en-US" sz="1833" dirty="0">
-              <a:latin typeface="Tahoma" panose="020B0604030504040204" pitchFamily="34" charset="0"/>
-              <a:ea typeface="ＭＳ Ｐゴシック" panose="020B0600070205080204" pitchFamily="34" charset="-128"/>
-            </a:endParaRPr>
+              <a:t>Computer 1 sending an email. Computer 2 requesting a webpage. Both computers are in the same local area network. </a:t>
+            </a:r>
           </a:p>
         </p:txBody>
       </p:sp>
+      <p:pic>
+        <p:nvPicPr>
+          <p:cNvPr id="79875" name="Picture 1">
+            <a:extLst>
+              <a:ext uri="{FF2B5EF4-FFF2-40B4-BE49-F238E27FC236}">
+                <a16:creationId xmlns:a16="http://schemas.microsoft.com/office/drawing/2014/main" id="{CE627FFA-2BD4-3244-9CFB-E9A8530A32E1}"/>
+              </a:ext>
+            </a:extLst>
+          </p:cNvPr>
+          <p:cNvPicPr>
+            <a:picLocks noChangeAspect="1"/>
+          </p:cNvPicPr>
+          <p:nvPr/>
+        </p:nvPicPr>
+        <p:blipFill>
+          <a:blip r:embed="rId3">
+            <a:extLst>
+              <a:ext uri="{28A0092B-C50C-407E-A947-70E740481C1C}">
+                <a14:useLocalDpi xmlns:a14="http://schemas.microsoft.com/office/drawing/2010/main" val="0"/>
+              </a:ext>
+            </a:extLst>
+          </a:blip>
+          <a:srcRect/>
+          <a:stretch>
+            <a:fillRect/>
+          </a:stretch>
+        </p:blipFill>
+        <p:spPr bwMode="auto">
+          <a:xfrm>
+            <a:off x="1391708" y="1957917"/>
+            <a:ext cx="6483615" cy="3360208"/>
+          </a:xfrm>
+          <a:prstGeom prst="rect">
+            <a:avLst/>
+          </a:prstGeom>
+          <a:noFill/>
+          <a:ln>
+            <a:noFill/>
+          </a:ln>
+          <a:extLst>
+            <a:ext uri="{909E8E84-426E-40DD-AFC4-6F175D3DCCD1}">
+              <a14:hiddenFill xmlns:a14="http://schemas.microsoft.com/office/drawing/2010/main">
+                <a:solidFill>
+                  <a:srgbClr val="FFFFFF"/>
+                </a:solidFill>
+              </a14:hiddenFill>
+            </a:ext>
+            <a:ext uri="{91240B29-F687-4F45-9708-019B960494DF}">
+              <a14:hiddenLine xmlns:a14="http://schemas.microsoft.com/office/drawing/2010/main" w="9525">
+                <a:solidFill>
+                  <a:srgbClr val="000000"/>
+                </a:solidFill>
+                <a:miter lim="800000"/>
+                <a:headEnd/>
+                <a:tailEnd/>
+              </a14:hiddenLine>
+            </a:ext>
+          </a:extLst>
+        </p:spPr>
+      </p:pic>
       <p:sp>
         <p:nvSpPr>
           <p:cNvPr id="2" name="Slide Number Placeholder 1">
             <a:extLst>
               <a:ext uri="{FF2B5EF4-FFF2-40B4-BE49-F238E27FC236}">
-                <a16:creationId xmlns:a16="http://schemas.microsoft.com/office/drawing/2014/main" id="{2C131E22-E7F1-6848-A430-CC742B4153E0}"/>
+                <a16:creationId xmlns:a16="http://schemas.microsoft.com/office/drawing/2014/main" id="{5199F4C0-4116-4045-9BCD-E261CC62FD46}"/>
               </a:ext>
             </a:extLst>
           </p:cNvPr>
@@ -22660,13 +23710,14 @@
     </p:spTree>
     <p:extLst>
       <p:ext uri="{BB962C8B-B14F-4D97-AF65-F5344CB8AC3E}">
-        <p14:creationId xmlns:p14="http://schemas.microsoft.com/office/powerpoint/2010/main" val="3553270583"/>
+        <p14:creationId xmlns:p14="http://schemas.microsoft.com/office/powerpoint/2010/main" val="3609937493"/>
       </p:ext>
     </p:extLst>
   </p:cSld>
   <p:clrMapOvr>
     <a:masterClrMapping/>
   </p:clrMapOvr>
+  <p:transition/>
 </p:sld>
 </file>
 

--- a/courses/apcsp/lect18.pptx
+++ b/courses/apcsp/lect18.pptx
@@ -148,7 +148,7 @@
 <file path=ppt/revisionInfo.xml><?xml version="1.0" encoding="utf-8"?>
 <p1510:revInfo xmlns:a="http://schemas.openxmlformats.org/drawingml/2006/main" xmlns:r="http://schemas.openxmlformats.org/officeDocument/2006/relationships" xmlns:p1510="http://schemas.microsoft.com/office/powerpoint/2015/10/main">
   <p1510:revLst>
-    <p1510:client id="{1307150C-DC6B-B647-AE8E-28E44CBC3EED}" v="17" dt="2023-03-16T11:47:13.692"/>
+    <p1510:client id="{1307150C-DC6B-B647-AE8E-28E44CBC3EED}" v="21" dt="2023-03-16T14:15:08.305"/>
   </p1510:revLst>
 </p1510:revInfo>
 </file>
@@ -2075,11 +2075,26 @@
   </pc:docChgLst>
   <pc:docChgLst>
     <pc:chgData name="Long Nguyen" userId="f59fb8f3-a021-417a-8bc1-65c8d471c621" providerId="ADAL" clId="{1307150C-DC6B-B647-AE8E-28E44CBC3EED}"/>
-    <pc:docChg chg="addSld delSld modSld">
-      <pc:chgData name="Long Nguyen" userId="f59fb8f3-a021-417a-8bc1-65c8d471c621" providerId="ADAL" clId="{1307150C-DC6B-B647-AE8E-28E44CBC3EED}" dt="2023-03-16T11:47:18.628" v="59" actId="20577"/>
+    <pc:docChg chg="custSel addSld delSld modSld">
+      <pc:chgData name="Long Nguyen" userId="f59fb8f3-a021-417a-8bc1-65c8d471c621" providerId="ADAL" clId="{1307150C-DC6B-B647-AE8E-28E44CBC3EED}" dt="2023-03-16T14:15:14.050" v="76" actId="20577"/>
       <pc:docMkLst>
         <pc:docMk/>
       </pc:docMkLst>
+      <pc:sldChg chg="modSp mod modAnim">
+        <pc:chgData name="Long Nguyen" userId="f59fb8f3-a021-417a-8bc1-65c8d471c621" providerId="ADAL" clId="{1307150C-DC6B-B647-AE8E-28E44CBC3EED}" dt="2023-03-16T14:15:04.776" v="66" actId="27636"/>
+        <pc:sldMkLst>
+          <pc:docMk/>
+          <pc:sldMk cId="3275116272" sldId="576"/>
+        </pc:sldMkLst>
+        <pc:spChg chg="mod">
+          <ac:chgData name="Long Nguyen" userId="f59fb8f3-a021-417a-8bc1-65c8d471c621" providerId="ADAL" clId="{1307150C-DC6B-B647-AE8E-28E44CBC3EED}" dt="2023-03-16T14:15:04.776" v="66" actId="27636"/>
+          <ac:spMkLst>
+            <pc:docMk/>
+            <pc:sldMk cId="3275116272" sldId="576"/>
+            <ac:spMk id="54274" creationId="{6A77A454-E9F7-204D-9394-2BA466B041AA}"/>
+          </ac:spMkLst>
+        </pc:spChg>
+      </pc:sldChg>
       <pc:sldChg chg="modSp mod">
         <pc:chgData name="Long Nguyen" userId="f59fb8f3-a021-417a-8bc1-65c8d471c621" providerId="ADAL" clId="{1307150C-DC6B-B647-AE8E-28E44CBC3EED}" dt="2023-03-16T11:46:38.707" v="27" actId="20577"/>
         <pc:sldMkLst>
@@ -2122,6 +2137,29 @@
             <pc:docMk/>
             <pc:sldMk cId="4266553646" sldId="591"/>
             <ac:spMk id="77825" creationId="{21CC4A42-EA8F-BF47-ADD5-B721E414F5F2}"/>
+          </ac:spMkLst>
+        </pc:spChg>
+      </pc:sldChg>
+      <pc:sldChg chg="modSp mod modAnim">
+        <pc:chgData name="Long Nguyen" userId="f59fb8f3-a021-417a-8bc1-65c8d471c621" providerId="ADAL" clId="{1307150C-DC6B-B647-AE8E-28E44CBC3EED}" dt="2023-03-16T14:15:14.050" v="76" actId="20577"/>
+        <pc:sldMkLst>
+          <pc:docMk/>
+          <pc:sldMk cId="1576202481" sldId="612"/>
+        </pc:sldMkLst>
+        <pc:spChg chg="mod">
+          <ac:chgData name="Long Nguyen" userId="f59fb8f3-a021-417a-8bc1-65c8d471c621" providerId="ADAL" clId="{1307150C-DC6B-B647-AE8E-28E44CBC3EED}" dt="2023-03-16T14:15:14.050" v="76" actId="20577"/>
+          <ac:spMkLst>
+            <pc:docMk/>
+            <pc:sldMk cId="1576202481" sldId="612"/>
+            <ac:spMk id="17409" creationId="{F8E6935E-FDF9-4D46-93BC-CE083007DBA8}"/>
+          </ac:spMkLst>
+        </pc:spChg>
+        <pc:spChg chg="mod">
+          <ac:chgData name="Long Nguyen" userId="f59fb8f3-a021-417a-8bc1-65c8d471c621" providerId="ADAL" clId="{1307150C-DC6B-B647-AE8E-28E44CBC3EED}" dt="2023-03-16T14:15:08.305" v="67" actId="20577"/>
+          <ac:spMkLst>
+            <pc:docMk/>
+            <pc:sldMk cId="1576202481" sldId="612"/>
+            <ac:spMk id="17410" creationId="{C9772176-DC13-F64D-AC00-58F2A4791B97}"/>
           </ac:spMkLst>
         </pc:spChg>
       </pc:sldChg>
@@ -16141,12 +16179,14 @@
         </p:nvSpPr>
         <p:spPr>
           <a:xfrm>
-            <a:off x="197135" y="1049312"/>
-            <a:ext cx="8741382" cy="4098158"/>
+            <a:off x="197135" y="808421"/>
+            <a:ext cx="8741382" cy="4488538"/>
           </a:xfrm>
         </p:spPr>
         <p:txBody>
-          <a:bodyPr/>
+          <a:bodyPr>
+            <a:normAutofit/>
+          </a:bodyPr>
           <a:lstStyle/>
           <a:p>
             <a:endParaRPr lang="en-US" altLang="en-US" sz="1833" dirty="0">
@@ -16222,6 +16262,51 @@
               </a:rPr>
               <a:t>The application has to be able to communicate with applications on other networked computers for it to be useful.</a:t>
             </a:r>
+          </a:p>
+          <a:p>
+            <a:pPr marL="0" indent="0">
+              <a:buNone/>
+            </a:pPr>
+            <a:endParaRPr lang="en-US" altLang="en-US" sz="1833" dirty="0">
+              <a:ea typeface="ＭＳ Ｐゴシック" panose="020B0600070205080204" pitchFamily="34" charset="-128"/>
+            </a:endParaRPr>
+          </a:p>
+          <a:p>
+            <a:pPr marL="0" indent="0">
+              <a:buNone/>
+            </a:pPr>
+            <a:r>
+              <a:rPr lang="en-US" sz="2000" dirty="0"/>
+              <a:t>Communication between connections on the Internet are governed by rules known as </a:t>
+            </a:r>
+            <a:r>
+              <a:rPr lang="en-US" sz="2000" b="1" dirty="0"/>
+              <a:t>protocols</a:t>
+            </a:r>
+            <a:r>
+              <a:rPr lang="en-US" sz="2000" dirty="0"/>
+              <a:t>. A </a:t>
+            </a:r>
+            <a:r>
+              <a:rPr lang="en-US" sz="2000" b="1" dirty="0"/>
+              <a:t>protocol</a:t>
+            </a:r>
+            <a:r>
+              <a:rPr lang="en-US" sz="2000" i="1" dirty="0"/>
+              <a:t> </a:t>
+            </a:r>
+            <a:r>
+              <a:rPr lang="en-US" sz="2000" dirty="0"/>
+              <a:t>is an agreed-upon set of rules that specify the behavior of a system. </a:t>
+            </a:r>
+          </a:p>
+          <a:p>
+            <a:pPr marL="0" indent="0">
+              <a:buNone/>
+            </a:pPr>
+            <a:endParaRPr lang="en-US" altLang="en-US" sz="1833" dirty="0">
+              <a:ea typeface="ＭＳ Ｐゴシック" panose="020B0600070205080204" pitchFamily="34" charset="-128"/>
+            </a:endParaRPr>
           </a:p>
           <a:p>
             <a:endParaRPr lang="en-US" altLang="en-US" sz="1833" dirty="0">
@@ -16392,6 +16477,55 @@
                       </p:childTnLst>
                     </p:cTn>
                   </p:par>
+                  <p:par>
+                    <p:cTn id="11" fill="hold">
+                      <p:stCondLst>
+                        <p:cond delay="indefinite"/>
+                      </p:stCondLst>
+                      <p:childTnLst>
+                        <p:par>
+                          <p:cTn id="12" fill="hold">
+                            <p:stCondLst>
+                              <p:cond delay="0"/>
+                            </p:stCondLst>
+                            <p:childTnLst>
+                              <p:par>
+                                <p:cTn id="13" presetID="1" presetClass="entr" presetSubtype="0" fill="hold" nodeType="clickEffect">
+                                  <p:stCondLst>
+                                    <p:cond delay="0"/>
+                                  </p:stCondLst>
+                                  <p:childTnLst>
+                                    <p:set>
+                                      <p:cBhvr>
+                                        <p:cTn id="14" dur="1" fill="hold">
+                                          <p:stCondLst>
+                                            <p:cond delay="0"/>
+                                          </p:stCondLst>
+                                        </p:cTn>
+                                        <p:tgtEl>
+                                          <p:spTgt spid="54274">
+                                            <p:txEl>
+                                              <p:pRg st="8" end="8"/>
+                                            </p:txEl>
+                                          </p:spTgt>
+                                        </p:tgtEl>
+                                        <p:attrNameLst>
+                                          <p:attrName>style.visibility</p:attrName>
+                                        </p:attrNameLst>
+                                      </p:cBhvr>
+                                      <p:to>
+                                        <p:strVal val="visible"/>
+                                      </p:to>
+                                    </p:set>
+                                  </p:childTnLst>
+                                </p:cTn>
+                              </p:par>
+                            </p:childTnLst>
+                          </p:cTn>
+                        </p:par>
+                      </p:childTnLst>
+                    </p:cTn>
+                  </p:par>
                 </p:childTnLst>
               </p:cTn>
               <p:prevCondLst>
@@ -16466,7 +16600,7 @@
                 <a:latin typeface="Tahoma" panose="020B0604030504040204" pitchFamily="34" charset="0"/>
                 <a:ea typeface="ＭＳ Ｐゴシック" panose="020B0600070205080204" pitchFamily="34" charset="-128"/>
               </a:rPr>
-              <a:t>The World Wide Web</a:t>
+              <a:t>The World Wide Web and HTTP</a:t>
             </a:r>
           </a:p>
         </p:txBody>
@@ -16545,35 +16679,6 @@
               <a:buNone/>
             </a:pPr>
             <a:endParaRPr lang="en-US" dirty="0"/>
-          </a:p>
-          <a:p>
-            <a:pPr marL="0" indent="0">
-              <a:buNone/>
-            </a:pPr>
-            <a:r>
-              <a:rPr lang="en-US" dirty="0"/>
-              <a:t>Communication between connections on the Internet are governed by rules known as </a:t>
-            </a:r>
-            <a:r>
-              <a:rPr lang="en-US" b="1" dirty="0"/>
-              <a:t>protocols</a:t>
-            </a:r>
-            <a:r>
-              <a:rPr lang="en-US" dirty="0"/>
-              <a:t>. A </a:t>
-            </a:r>
-            <a:r>
-              <a:rPr lang="en-US" b="1" dirty="0"/>
-              <a:t>protocol</a:t>
-            </a:r>
-            <a:r>
-              <a:rPr lang="en-US" i="1" dirty="0"/>
-              <a:t> </a:t>
-            </a:r>
-            <a:r>
-              <a:rPr lang="en-US" dirty="0"/>
-              <a:t>is an agreed-upon set of rules that specify the behavior of a system. </a:t>
-            </a:r>
           </a:p>
           <a:p>
             <a:pPr marL="0" indent="0">
@@ -16715,55 +16820,6 @@
                                           <p:spTgt spid="17410">
                                             <p:txEl>
                                               <p:pRg st="3" end="3"/>
-                                            </p:txEl>
-                                          </p:spTgt>
-                                        </p:tgtEl>
-                                        <p:attrNameLst>
-                                          <p:attrName>style.visibility</p:attrName>
-                                        </p:attrNameLst>
-                                      </p:cBhvr>
-                                      <p:to>
-                                        <p:strVal val="visible"/>
-                                      </p:to>
-                                    </p:set>
-                                  </p:childTnLst>
-                                </p:cTn>
-                              </p:par>
-                            </p:childTnLst>
-                          </p:cTn>
-                        </p:par>
-                      </p:childTnLst>
-                    </p:cTn>
-                  </p:par>
-                  <p:par>
-                    <p:cTn id="11" fill="hold">
-                      <p:stCondLst>
-                        <p:cond delay="indefinite"/>
-                      </p:stCondLst>
-                      <p:childTnLst>
-                        <p:par>
-                          <p:cTn id="12" fill="hold">
-                            <p:stCondLst>
-                              <p:cond delay="0"/>
-                            </p:stCondLst>
-                            <p:childTnLst>
-                              <p:par>
-                                <p:cTn id="13" presetID="1" presetClass="entr" presetSubtype="0" fill="hold" nodeType="clickEffect">
-                                  <p:stCondLst>
-                                    <p:cond delay="0"/>
-                                  </p:stCondLst>
-                                  <p:childTnLst>
-                                    <p:set>
-                                      <p:cBhvr>
-                                        <p:cTn id="14" dur="1" fill="hold">
-                                          <p:stCondLst>
-                                            <p:cond delay="0"/>
-                                          </p:stCondLst>
-                                        </p:cTn>
-                                        <p:tgtEl>
-                                          <p:spTgt spid="17410">
-                                            <p:txEl>
-                                              <p:pRg st="5" end="5"/>
                                             </p:txEl>
                                           </p:spTgt>
                                         </p:tgtEl>

--- a/courses/apcsp/lect18.pptx
+++ b/courses/apcsp/lect18.pptx
@@ -148,7 +148,7 @@
 <file path=ppt/revisionInfo.xml><?xml version="1.0" encoding="utf-8"?>
 <p1510:revInfo xmlns:a="http://schemas.openxmlformats.org/drawingml/2006/main" xmlns:r="http://schemas.openxmlformats.org/officeDocument/2006/relationships" xmlns:p1510="http://schemas.microsoft.com/office/powerpoint/2015/10/main">
   <p1510:revLst>
-    <p1510:client id="{1307150C-DC6B-B647-AE8E-28E44CBC3EED}" v="21" dt="2023-03-16T14:15:08.305"/>
+    <p1510:client id="{1307150C-DC6B-B647-AE8E-28E44CBC3EED}" v="25" dt="2023-03-24T11:57:08.556"/>
   </p1510:revLst>
 </p1510:revInfo>
 </file>
@@ -2076,7 +2076,7 @@
   <pc:docChgLst>
     <pc:chgData name="Long Nguyen" userId="f59fb8f3-a021-417a-8bc1-65c8d471c621" providerId="ADAL" clId="{1307150C-DC6B-B647-AE8E-28E44CBC3EED}"/>
     <pc:docChg chg="custSel addSld delSld modSld">
-      <pc:chgData name="Long Nguyen" userId="f59fb8f3-a021-417a-8bc1-65c8d471c621" providerId="ADAL" clId="{1307150C-DC6B-B647-AE8E-28E44CBC3EED}" dt="2023-03-16T14:15:14.050" v="76" actId="20577"/>
+      <pc:chgData name="Long Nguyen" userId="f59fb8f3-a021-417a-8bc1-65c8d471c621" providerId="ADAL" clId="{1307150C-DC6B-B647-AE8E-28E44CBC3EED}" dt="2023-03-24T11:57:08.555" v="91" actId="113"/>
       <pc:docMkLst>
         <pc:docMk/>
       </pc:docMkLst>
@@ -2092,6 +2092,21 @@
             <pc:docMk/>
             <pc:sldMk cId="3275116272" sldId="576"/>
             <ac:spMk id="54274" creationId="{6A77A454-E9F7-204D-9394-2BA466B041AA}"/>
+          </ac:spMkLst>
+        </pc:spChg>
+      </pc:sldChg>
+      <pc:sldChg chg="modSp mod">
+        <pc:chgData name="Long Nguyen" userId="f59fb8f3-a021-417a-8bc1-65c8d471c621" providerId="ADAL" clId="{1307150C-DC6B-B647-AE8E-28E44CBC3EED}" dt="2023-03-24T11:56:09.077" v="86" actId="20577"/>
+        <pc:sldMkLst>
+          <pc:docMk/>
+          <pc:sldMk cId="3977893820" sldId="585"/>
+        </pc:sldMkLst>
+        <pc:spChg chg="mod">
+          <ac:chgData name="Long Nguyen" userId="f59fb8f3-a021-417a-8bc1-65c8d471c621" providerId="ADAL" clId="{1307150C-DC6B-B647-AE8E-28E44CBC3EED}" dt="2023-03-24T11:56:09.077" v="86" actId="20577"/>
+          <ac:spMkLst>
+            <pc:docMk/>
+            <pc:sldMk cId="3977893820" sldId="585"/>
+            <ac:spMk id="65537" creationId="{86430671-77D5-6E4C-94A5-D61EB184D3ED}"/>
           </ac:spMkLst>
         </pc:spChg>
       </pc:sldChg>
@@ -2213,12 +2228,20 @@
           <pc:sldMk cId="1332069046" sldId="619"/>
         </pc:sldMkLst>
       </pc:sldChg>
-      <pc:sldChg chg="add modAnim">
-        <pc:chgData name="Long Nguyen" userId="f59fb8f3-a021-417a-8bc1-65c8d471c621" providerId="ADAL" clId="{1307150C-DC6B-B647-AE8E-28E44CBC3EED}" dt="2023-03-16T11:45:19.107" v="9"/>
+      <pc:sldChg chg="modSp add mod modAnim">
+        <pc:chgData name="Long Nguyen" userId="f59fb8f3-a021-417a-8bc1-65c8d471c621" providerId="ADAL" clId="{1307150C-DC6B-B647-AE8E-28E44CBC3EED}" dt="2023-03-24T11:57:08.555" v="91" actId="113"/>
         <pc:sldMkLst>
           <pc:docMk/>
           <pc:sldMk cId="280775540" sldId="620"/>
         </pc:sldMkLst>
+        <pc:spChg chg="mod">
+          <ac:chgData name="Long Nguyen" userId="f59fb8f3-a021-417a-8bc1-65c8d471c621" providerId="ADAL" clId="{1307150C-DC6B-B647-AE8E-28E44CBC3EED}" dt="2023-03-24T11:57:08.555" v="91" actId="113"/>
+          <ac:spMkLst>
+            <pc:docMk/>
+            <pc:sldMk cId="280775540" sldId="620"/>
+            <ac:spMk id="84994" creationId="{6971D443-43C5-2E43-8019-712D595D62F2}"/>
+          </ac:spMkLst>
+        </pc:spChg>
       </pc:sldChg>
       <pc:sldChg chg="del">
         <pc:chgData name="Long Nguyen" userId="f59fb8f3-a021-417a-8bc1-65c8d471c621" providerId="ADAL" clId="{1307150C-DC6B-B647-AE8E-28E44CBC3EED}" dt="2023-03-16T11:44:00.925" v="0" actId="2696"/>
@@ -3835,7 +3858,7 @@
           <a:p>
             <a:fld id="{6EDD99D2-A624-5E4F-A4E3-584054837B5A}" type="datetimeFigureOut">
               <a:rPr lang="en-US" smtClean="0"/>
-              <a:t>3/16/23</a:t>
+              <a:t>3/24/23</a:t>
             </a:fld>
             <a:endParaRPr lang="en-US"/>
           </a:p>
@@ -11034,7 +11057,7 @@
           <a:p>
             <a:fld id="{B87722C1-40EC-ED43-91EC-B98ED320650C}" type="datetime1">
               <a:rPr lang="en-US" smtClean="0"/>
-              <a:t>3/16/23</a:t>
+              <a:t>3/24/23</a:t>
             </a:fld>
             <a:endParaRPr lang="en-US" dirty="0"/>
           </a:p>
@@ -11204,7 +11227,7 @@
           <a:p>
             <a:fld id="{FEAA3499-9783-414F-AB56-30EDF5B6AD7C}" type="datetime1">
               <a:rPr lang="en-US" smtClean="0"/>
-              <a:t>3/16/23</a:t>
+              <a:t>3/24/23</a:t>
             </a:fld>
             <a:endParaRPr lang="en-US" dirty="0"/>
           </a:p>
@@ -11384,7 +11407,7 @@
           <a:p>
             <a:fld id="{724D64E5-63F2-5449-AD8F-FA5D349B4404}" type="datetime1">
               <a:rPr lang="en-US" smtClean="0"/>
-              <a:t>3/16/23</a:t>
+              <a:t>3/24/23</a:t>
             </a:fld>
             <a:endParaRPr lang="en-US" dirty="0"/>
           </a:p>
@@ -11554,7 +11577,7 @@
           <a:p>
             <a:fld id="{EB3D4CA9-CE62-4E49-B3B8-F71ED47BF7C9}" type="datetime1">
               <a:rPr lang="en-US" smtClean="0"/>
-              <a:t>3/16/23</a:t>
+              <a:t>3/24/23</a:t>
             </a:fld>
             <a:endParaRPr lang="en-US" dirty="0"/>
           </a:p>
@@ -11800,7 +11823,7 @@
           <a:p>
             <a:fld id="{A25DC6E7-CDA3-444A-BA6F-C759166D947A}" type="datetime1">
               <a:rPr lang="en-US" smtClean="0"/>
-              <a:t>3/16/23</a:t>
+              <a:t>3/24/23</a:t>
             </a:fld>
             <a:endParaRPr lang="en-US" dirty="0"/>
           </a:p>
@@ -12032,7 +12055,7 @@
           <a:p>
             <a:fld id="{C37969F5-3BA4-8142-B442-1AF77983C374}" type="datetime1">
               <a:rPr lang="en-US" smtClean="0"/>
-              <a:t>3/16/23</a:t>
+              <a:t>3/24/23</a:t>
             </a:fld>
             <a:endParaRPr lang="en-US" dirty="0"/>
           </a:p>
@@ -12399,7 +12422,7 @@
           <a:p>
             <a:fld id="{7BD2D818-999B-E64C-AB06-944CE77FC710}" type="datetime1">
               <a:rPr lang="en-US" smtClean="0"/>
-              <a:t>3/16/23</a:t>
+              <a:t>3/24/23</a:t>
             </a:fld>
             <a:endParaRPr lang="en-US" dirty="0"/>
           </a:p>
@@ -12517,7 +12540,7 @@
           <a:p>
             <a:fld id="{1DBEBAD1-BDD9-9947-B065-7A967766785F}" type="datetime1">
               <a:rPr lang="en-US" smtClean="0"/>
-              <a:t>3/16/23</a:t>
+              <a:t>3/24/23</a:t>
             </a:fld>
             <a:endParaRPr lang="en-US" dirty="0"/>
           </a:p>
@@ -12612,7 +12635,7 @@
           <a:p>
             <a:fld id="{C1900C48-8719-9D4F-82DE-76E34B0BA82F}" type="datetime1">
               <a:rPr lang="en-US" smtClean="0"/>
-              <a:t>3/16/23</a:t>
+              <a:t>3/24/23</a:t>
             </a:fld>
             <a:endParaRPr lang="en-US" dirty="0"/>
           </a:p>
@@ -12889,7 +12912,7 @@
           <a:p>
             <a:fld id="{90B71D16-025D-3C42-9FB4-C3EC6CA1A989}" type="datetime1">
               <a:rPr lang="en-US" smtClean="0"/>
-              <a:t>3/16/23</a:t>
+              <a:t>3/24/23</a:t>
             </a:fld>
             <a:endParaRPr lang="en-US" dirty="0"/>
           </a:p>
@@ -13146,7 +13169,7 @@
           <a:p>
             <a:fld id="{913BB745-65CE-4943-B7D5-34583DF6D0C8}" type="datetime1">
               <a:rPr lang="en-US" smtClean="0"/>
-              <a:t>3/16/23</a:t>
+              <a:t>3/24/23</a:t>
             </a:fld>
             <a:endParaRPr lang="en-US" dirty="0"/>
           </a:p>
@@ -13359,7 +13382,7 @@
           <a:p>
             <a:fld id="{F99DF739-3EF3-8249-9B6D-641DAC3A4900}" type="datetime1">
               <a:rPr lang="en-US" smtClean="0"/>
-              <a:t>3/16/23</a:t>
+              <a:t>3/24/23</a:t>
             </a:fld>
             <a:endParaRPr lang="en-US" dirty="0"/>
           </a:p>
@@ -19384,7 +19407,7 @@
         </p:spPr>
         <p:txBody>
           <a:bodyPr>
-            <a:normAutofit/>
+            <a:normAutofit lnSpcReduction="10000"/>
           </a:bodyPr>
           <a:lstStyle/>
           <a:p>
@@ -19416,6 +19439,29 @@
             <a:r>
               <a:rPr lang="en-US" dirty="0"/>
               <a:t>; it is not specified in advance. </a:t>
+            </a:r>
+          </a:p>
+          <a:p>
+            <a:pPr marL="0" indent="0">
+              <a:buNone/>
+            </a:pPr>
+            <a:endParaRPr lang="en-US" sz="2000" dirty="0"/>
+          </a:p>
+          <a:p>
+            <a:pPr marL="0" indent="0">
+              <a:buNone/>
+            </a:pPr>
+            <a:r>
+              <a:rPr lang="en-US" sz="2000"/>
+              <a:t>Each packet contains data to be transmitted, along with </a:t>
+            </a:r>
+            <a:r>
+              <a:rPr lang="en-US" sz="2000" b="1"/>
+              <a:t>metadata</a:t>
+            </a:r>
+            <a:r>
+              <a:rPr lang="en-US" sz="2000"/>
+              <a:t> containing information used for routing the data.</a:t>
             </a:r>
             <a:endParaRPr lang="en-US" sz="2000" dirty="0"/>
           </a:p>
@@ -19570,7 +19616,7 @@
                                         <p:tgtEl>
                                           <p:spTgt spid="84994">
                                             <p:txEl>
-                                              <p:pRg st="3" end="3"/>
+                                              <p:pRg st="5" end="5"/>
                                             </p:txEl>
                                           </p:spTgt>
                                         </p:tgtEl>
@@ -19619,7 +19665,7 @@
                                         <p:tgtEl>
                                           <p:spTgt spid="84994">
                                             <p:txEl>
-                                              <p:pRg st="5" end="5"/>
+                                              <p:pRg st="7" end="7"/>
                                             </p:txEl>
                                           </p:spTgt>
                                         </p:tgtEl>
@@ -19668,7 +19714,7 @@
                                         <p:tgtEl>
                                           <p:spTgt spid="84994">
                                             <p:txEl>
-                                              <p:pRg st="7" end="7"/>
+                                              <p:pRg st="9" end="9"/>
                                             </p:txEl>
                                           </p:spTgt>
                                         </p:tgtEl>
@@ -20632,17 +20678,6 @@
               </a:rPr>
               <a:t>Name Resolution</a:t>
             </a:r>
-            <a:r>
-              <a:rPr lang="en-US" altLang="en-US">
-                <a:latin typeface="Tahoma" panose="020B0604030504040204" pitchFamily="34" charset="0"/>
-                <a:ea typeface="ＭＳ Ｐゴシック" panose="020B0600070205080204" pitchFamily="34" charset="-128"/>
-              </a:rPr>
-              <a:t>(optional)</a:t>
-            </a:r>
-            <a:endParaRPr lang="en-US" altLang="en-US" dirty="0">
-              <a:latin typeface="Tahoma" panose="020B0604030504040204" pitchFamily="34" charset="0"/>
-              <a:ea typeface="ＭＳ Ｐゴシック" panose="020B0600070205080204" pitchFamily="34" charset="-128"/>
-            </a:endParaRPr>
           </a:p>
         </p:txBody>
       </p:sp>

--- a/courses/apcsp/lect18.pptx
+++ b/courses/apcsp/lect18.pptx
@@ -148,7 +148,7 @@
 <file path=ppt/revisionInfo.xml><?xml version="1.0" encoding="utf-8"?>
 <p1510:revInfo xmlns:a="http://schemas.openxmlformats.org/drawingml/2006/main" xmlns:r="http://schemas.openxmlformats.org/officeDocument/2006/relationships" xmlns:p1510="http://schemas.microsoft.com/office/powerpoint/2015/10/main">
   <p1510:revLst>
-    <p1510:client id="{1307150C-DC6B-B647-AE8E-28E44CBC3EED}" v="25" dt="2023-03-24T11:57:08.556"/>
+    <p1510:client id="{1307150C-DC6B-B647-AE8E-28E44CBC3EED}" v="140" dt="2023-03-24T12:08:47.657"/>
   </p1510:revLst>
 </p1510:revInfo>
 </file>
@@ -2076,7 +2076,7 @@
   <pc:docChgLst>
     <pc:chgData name="Long Nguyen" userId="f59fb8f3-a021-417a-8bc1-65c8d471c621" providerId="ADAL" clId="{1307150C-DC6B-B647-AE8E-28E44CBC3EED}"/>
     <pc:docChg chg="custSel addSld delSld modSld">
-      <pc:chgData name="Long Nguyen" userId="f59fb8f3-a021-417a-8bc1-65c8d471c621" providerId="ADAL" clId="{1307150C-DC6B-B647-AE8E-28E44CBC3EED}" dt="2023-03-24T11:57:08.555" v="91" actId="113"/>
+      <pc:chgData name="Long Nguyen" userId="f59fb8f3-a021-417a-8bc1-65c8d471c621" providerId="ADAL" clId="{1307150C-DC6B-B647-AE8E-28E44CBC3EED}" dt="2023-03-24T12:08:47.657" v="210" actId="20577"/>
       <pc:docMkLst>
         <pc:docMk/>
       </pc:docMkLst>
@@ -2095,12 +2095,20 @@
           </ac:spMkLst>
         </pc:spChg>
       </pc:sldChg>
-      <pc:sldChg chg="modSp mod">
-        <pc:chgData name="Long Nguyen" userId="f59fb8f3-a021-417a-8bc1-65c8d471c621" providerId="ADAL" clId="{1307150C-DC6B-B647-AE8E-28E44CBC3EED}" dt="2023-03-24T11:56:09.077" v="86" actId="20577"/>
+      <pc:sldChg chg="modSp mod modAnim">
+        <pc:chgData name="Long Nguyen" userId="f59fb8f3-a021-417a-8bc1-65c8d471c621" providerId="ADAL" clId="{1307150C-DC6B-B647-AE8E-28E44CBC3EED}" dt="2023-03-24T12:08:47.657" v="210" actId="20577"/>
         <pc:sldMkLst>
           <pc:docMk/>
           <pc:sldMk cId="3977893820" sldId="585"/>
         </pc:sldMkLst>
+        <pc:spChg chg="mod">
+          <ac:chgData name="Long Nguyen" userId="f59fb8f3-a021-417a-8bc1-65c8d471c621" providerId="ADAL" clId="{1307150C-DC6B-B647-AE8E-28E44CBC3EED}" dt="2023-03-24T12:08:47.657" v="210" actId="20577"/>
+          <ac:spMkLst>
+            <pc:docMk/>
+            <pc:sldMk cId="3977893820" sldId="585"/>
+            <ac:spMk id="64514" creationId="{7788F03B-8D64-E645-BC3F-DBD76C93C456}"/>
+          </ac:spMkLst>
+        </pc:spChg>
         <pc:spChg chg="mod">
           <ac:chgData name="Long Nguyen" userId="f59fb8f3-a021-417a-8bc1-65c8d471c621" providerId="ADAL" clId="{1307150C-DC6B-B647-AE8E-28E44CBC3EED}" dt="2023-03-24T11:56:09.077" v="86" actId="20577"/>
           <ac:spMkLst>
@@ -20699,12 +20707,14 @@
         </p:nvSpPr>
         <p:spPr>
           <a:xfrm>
-            <a:off x="236305" y="1181528"/>
-            <a:ext cx="8712485" cy="3965941"/>
+            <a:off x="128021" y="902116"/>
+            <a:ext cx="8897992" cy="4699114"/>
           </a:xfrm>
         </p:spPr>
         <p:txBody>
-          <a:bodyPr/>
+          <a:bodyPr>
+            <a:normAutofit fontScale="92500" lnSpcReduction="10000"/>
+          </a:bodyPr>
           <a:lstStyle/>
           <a:p>
             <a:pPr marL="0" indent="0">
@@ -20870,6 +20880,58 @@
           <a:p>
             <a:pPr lvl="1"/>
             <a:endParaRPr lang="en-US" altLang="en-US" sz="1667" dirty="0"/>
+          </a:p>
+          <a:p>
+            <a:r>
+              <a:rPr lang="en-US" b="1"/>
+              <a:t>Regular domains</a:t>
+            </a:r>
+            <a:r>
+              <a:rPr lang="en-US"/>
+              <a:t> are your standard URLs like cnn.com or google.com</a:t>
+            </a:r>
+          </a:p>
+          <a:p>
+            <a:r>
+              <a:rPr lang="en-US" b="1"/>
+              <a:t>Subdomains</a:t>
+            </a:r>
+            <a:r>
+              <a:rPr lang="en-US"/>
+              <a:t> are a unique URL that lives on a domain as an extension in </a:t>
+            </a:r>
+            <a:r>
+              <a:rPr lang="en-US" i="1"/>
+              <a:t>front</a:t>
+            </a:r>
+            <a:r>
+              <a:rPr lang="en-US"/>
+              <a:t> of the regular domain like support.somesoftware.com.</a:t>
+            </a:r>
+          </a:p>
+          <a:p>
+            <a:r>
+              <a:rPr lang="en-US" b="1"/>
+              <a:t>Directories</a:t>
+            </a:r>
+            <a:r>
+              <a:rPr lang="en-US"/>
+              <a:t> are a unique URL that lives on your purchased domain as an extension </a:t>
+            </a:r>
+            <a:r>
+              <a:rPr lang="en-US" i="1"/>
+              <a:t>at the end</a:t>
+            </a:r>
+            <a:r>
+              <a:rPr lang="en-US"/>
+              <a:t> of URL like apexam.com/webinars</a:t>
+            </a:r>
+          </a:p>
+          <a:p>
+            <a:pPr marL="0" indent="0">
+              <a:buNone/>
+            </a:pPr>
+            <a:endParaRPr lang="en-US" altLang="en-US" sz="1967" dirty="0"/>
           </a:p>
           <a:p>
             <a:endParaRPr lang="en-US" altLang="en-US" sz="1833" dirty="0">
@@ -21242,6 +21304,153 @@
                                           <p:spTgt spid="64514">
                                             <p:txEl>
                                               <p:pRg st="8" end="8"/>
+                                            </p:txEl>
+                                          </p:spTgt>
+                                        </p:tgtEl>
+                                        <p:attrNameLst>
+                                          <p:attrName>style.visibility</p:attrName>
+                                        </p:attrNameLst>
+                                      </p:cBhvr>
+                                      <p:to>
+                                        <p:strVal val="visible"/>
+                                      </p:to>
+                                    </p:set>
+                                  </p:childTnLst>
+                                </p:cTn>
+                              </p:par>
+                            </p:childTnLst>
+                          </p:cTn>
+                        </p:par>
+                      </p:childTnLst>
+                    </p:cTn>
+                  </p:par>
+                  <p:par>
+                    <p:cTn id="27" fill="hold">
+                      <p:stCondLst>
+                        <p:cond delay="indefinite"/>
+                      </p:stCondLst>
+                      <p:childTnLst>
+                        <p:par>
+                          <p:cTn id="28" fill="hold">
+                            <p:stCondLst>
+                              <p:cond delay="0"/>
+                            </p:stCondLst>
+                            <p:childTnLst>
+                              <p:par>
+                                <p:cTn id="29" presetID="1" presetClass="entr" presetSubtype="0" fill="hold" nodeType="clickEffect">
+                                  <p:stCondLst>
+                                    <p:cond delay="0"/>
+                                  </p:stCondLst>
+                                  <p:childTnLst>
+                                    <p:set>
+                                      <p:cBhvr>
+                                        <p:cTn id="30" dur="1" fill="hold">
+                                          <p:stCondLst>
+                                            <p:cond delay="0"/>
+                                          </p:stCondLst>
+                                        </p:cTn>
+                                        <p:tgtEl>
+                                          <p:spTgt spid="64514">
+                                            <p:txEl>
+                                              <p:pRg st="10" end="10"/>
+                                            </p:txEl>
+                                          </p:spTgt>
+                                        </p:tgtEl>
+                                        <p:attrNameLst>
+                                          <p:attrName>style.visibility</p:attrName>
+                                        </p:attrNameLst>
+                                      </p:cBhvr>
+                                      <p:to>
+                                        <p:strVal val="visible"/>
+                                      </p:to>
+                                    </p:set>
+                                  </p:childTnLst>
+                                </p:cTn>
+                              </p:par>
+                            </p:childTnLst>
+                          </p:cTn>
+                        </p:par>
+                      </p:childTnLst>
+                    </p:cTn>
+                  </p:par>
+                  <p:par>
+                    <p:cTn id="31" fill="hold">
+                      <p:stCondLst>
+                        <p:cond delay="indefinite"/>
+                      </p:stCondLst>
+                      <p:childTnLst>
+                        <p:par>
+                          <p:cTn id="32" fill="hold">
+                            <p:stCondLst>
+                              <p:cond delay="0"/>
+                            </p:stCondLst>
+                            <p:childTnLst>
+                              <p:par>
+                                <p:cTn id="33" presetID="1" presetClass="entr" presetSubtype="0" fill="hold" nodeType="clickEffect">
+                                  <p:stCondLst>
+                                    <p:cond delay="0"/>
+                                  </p:stCondLst>
+                                  <p:childTnLst>
+                                    <p:set>
+                                      <p:cBhvr>
+                                        <p:cTn id="34" dur="1" fill="hold">
+                                          <p:stCondLst>
+                                            <p:cond delay="0"/>
+                                          </p:stCondLst>
+                                        </p:cTn>
+                                        <p:tgtEl>
+                                          <p:spTgt spid="64514">
+                                            <p:txEl>
+                                              <p:pRg st="11" end="11"/>
+                                            </p:txEl>
+                                          </p:spTgt>
+                                        </p:tgtEl>
+                                        <p:attrNameLst>
+                                          <p:attrName>style.visibility</p:attrName>
+                                        </p:attrNameLst>
+                                      </p:cBhvr>
+                                      <p:to>
+                                        <p:strVal val="visible"/>
+                                      </p:to>
+                                    </p:set>
+                                  </p:childTnLst>
+                                </p:cTn>
+                              </p:par>
+                            </p:childTnLst>
+                          </p:cTn>
+                        </p:par>
+                      </p:childTnLst>
+                    </p:cTn>
+                  </p:par>
+                  <p:par>
+                    <p:cTn id="35" fill="hold">
+                      <p:stCondLst>
+                        <p:cond delay="indefinite"/>
+                      </p:stCondLst>
+                      <p:childTnLst>
+                        <p:par>
+                          <p:cTn id="36" fill="hold">
+                            <p:stCondLst>
+                              <p:cond delay="0"/>
+                            </p:stCondLst>
+                            <p:childTnLst>
+                              <p:par>
+                                <p:cTn id="37" presetID="1" presetClass="entr" presetSubtype="0" fill="hold" nodeType="clickEffect">
+                                  <p:stCondLst>
+                                    <p:cond delay="0"/>
+                                  </p:stCondLst>
+                                  <p:childTnLst>
+                                    <p:set>
+                                      <p:cBhvr>
+                                        <p:cTn id="38" dur="1" fill="hold">
+                                          <p:stCondLst>
+                                            <p:cond delay="0"/>
+                                          </p:stCondLst>
+                                        </p:cTn>
+                                        <p:tgtEl>
+                                          <p:spTgt spid="64514">
+                                            <p:txEl>
+                                              <p:pRg st="12" end="12"/>
                                             </p:txEl>
                                           </p:spTgt>
                                         </p:tgtEl>

--- a/courses/apcsp/lect18.pptx
+++ b/courses/apcsp/lect18.pptx
@@ -148,7 +148,7 @@
 <file path=ppt/revisionInfo.xml><?xml version="1.0" encoding="utf-8"?>
 <p1510:revInfo xmlns:a="http://schemas.openxmlformats.org/drawingml/2006/main" xmlns:r="http://schemas.openxmlformats.org/officeDocument/2006/relationships" xmlns:p1510="http://schemas.microsoft.com/office/powerpoint/2015/10/main">
   <p1510:revLst>
-    <p1510:client id="{1307150C-DC6B-B647-AE8E-28E44CBC3EED}" v="140" dt="2023-03-24T12:08:47.657"/>
+    <p1510:client id="{1307150C-DC6B-B647-AE8E-28E44CBC3EED}" v="157" dt="2023-03-24T12:09:38.796"/>
   </p1510:revLst>
 </p1510:revInfo>
 </file>
@@ -2076,7 +2076,7 @@
   <pc:docChgLst>
     <pc:chgData name="Long Nguyen" userId="f59fb8f3-a021-417a-8bc1-65c8d471c621" providerId="ADAL" clId="{1307150C-DC6B-B647-AE8E-28E44CBC3EED}"/>
     <pc:docChg chg="custSel addSld delSld modSld">
-      <pc:chgData name="Long Nguyen" userId="f59fb8f3-a021-417a-8bc1-65c8d471c621" providerId="ADAL" clId="{1307150C-DC6B-B647-AE8E-28E44CBC3EED}" dt="2023-03-24T12:08:47.657" v="210" actId="20577"/>
+      <pc:chgData name="Long Nguyen" userId="f59fb8f3-a021-417a-8bc1-65c8d471c621" providerId="ADAL" clId="{1307150C-DC6B-B647-AE8E-28E44CBC3EED}" dt="2023-03-24T12:09:38.796" v="227" actId="20577"/>
       <pc:docMkLst>
         <pc:docMk/>
       </pc:docMkLst>
@@ -2096,13 +2096,13 @@
         </pc:spChg>
       </pc:sldChg>
       <pc:sldChg chg="modSp mod modAnim">
-        <pc:chgData name="Long Nguyen" userId="f59fb8f3-a021-417a-8bc1-65c8d471c621" providerId="ADAL" clId="{1307150C-DC6B-B647-AE8E-28E44CBC3EED}" dt="2023-03-24T12:08:47.657" v="210" actId="20577"/>
+        <pc:chgData name="Long Nguyen" userId="f59fb8f3-a021-417a-8bc1-65c8d471c621" providerId="ADAL" clId="{1307150C-DC6B-B647-AE8E-28E44CBC3EED}" dt="2023-03-24T12:09:38.796" v="227" actId="20577"/>
         <pc:sldMkLst>
           <pc:docMk/>
           <pc:sldMk cId="3977893820" sldId="585"/>
         </pc:sldMkLst>
         <pc:spChg chg="mod">
-          <ac:chgData name="Long Nguyen" userId="f59fb8f3-a021-417a-8bc1-65c8d471c621" providerId="ADAL" clId="{1307150C-DC6B-B647-AE8E-28E44CBC3EED}" dt="2023-03-24T12:08:47.657" v="210" actId="20577"/>
+          <ac:chgData name="Long Nguyen" userId="f59fb8f3-a021-417a-8bc1-65c8d471c621" providerId="ADAL" clId="{1307150C-DC6B-B647-AE8E-28E44CBC3EED}" dt="2023-03-24T12:09:38.796" v="227" actId="20577"/>
           <ac:spMkLst>
             <pc:docMk/>
             <pc:sldMk cId="3977893820" sldId="585"/>
@@ -20916,7 +20916,7 @@
             </a:r>
             <a:r>
               <a:rPr lang="en-US"/>
-              <a:t> are a unique URL that lives on your purchased domain as an extension </a:t>
+              <a:t> are a unique URL that lives on a domain as an extension </a:t>
             </a:r>
             <a:r>
               <a:rPr lang="en-US" i="1"/>

--- a/courses/apcsp/lect18.pptx
+++ b/courses/apcsp/lect18.pptx
@@ -2076,7 +2076,7 @@
   <pc:docChgLst>
     <pc:chgData name="Long Nguyen" userId="f59fb8f3-a021-417a-8bc1-65c8d471c621" providerId="ADAL" clId="{1307150C-DC6B-B647-AE8E-28E44CBC3EED}"/>
     <pc:docChg chg="custSel addSld delSld modSld">
-      <pc:chgData name="Long Nguyen" userId="f59fb8f3-a021-417a-8bc1-65c8d471c621" providerId="ADAL" clId="{1307150C-DC6B-B647-AE8E-28E44CBC3EED}" dt="2023-03-24T12:09:38.796" v="227" actId="20577"/>
+      <pc:chgData name="Long Nguyen" userId="f59fb8f3-a021-417a-8bc1-65c8d471c621" providerId="ADAL" clId="{1307150C-DC6B-B647-AE8E-28E44CBC3EED}" dt="2023-03-24T12:13:30.754" v="228" actId="1076"/>
       <pc:docMkLst>
         <pc:docMk/>
       </pc:docMkLst>
@@ -2096,7 +2096,7 @@
         </pc:spChg>
       </pc:sldChg>
       <pc:sldChg chg="modSp mod modAnim">
-        <pc:chgData name="Long Nguyen" userId="f59fb8f3-a021-417a-8bc1-65c8d471c621" providerId="ADAL" clId="{1307150C-DC6B-B647-AE8E-28E44CBC3EED}" dt="2023-03-24T12:09:38.796" v="227" actId="20577"/>
+        <pc:chgData name="Long Nguyen" userId="f59fb8f3-a021-417a-8bc1-65c8d471c621" providerId="ADAL" clId="{1307150C-DC6B-B647-AE8E-28E44CBC3EED}" dt="2023-03-24T12:13:30.754" v="228" actId="1076"/>
         <pc:sldMkLst>
           <pc:docMk/>
           <pc:sldMk cId="3977893820" sldId="585"/>
@@ -2110,7 +2110,7 @@
           </ac:spMkLst>
         </pc:spChg>
         <pc:spChg chg="mod">
-          <ac:chgData name="Long Nguyen" userId="f59fb8f3-a021-417a-8bc1-65c8d471c621" providerId="ADAL" clId="{1307150C-DC6B-B647-AE8E-28E44CBC3EED}" dt="2023-03-24T11:56:09.077" v="86" actId="20577"/>
+          <ac:chgData name="Long Nguyen" userId="f59fb8f3-a021-417a-8bc1-65c8d471c621" providerId="ADAL" clId="{1307150C-DC6B-B647-AE8E-28E44CBC3EED}" dt="2023-03-24T12:13:30.754" v="228" actId="1076"/>
           <ac:spMkLst>
             <pc:docMk/>
             <pc:sldMk cId="3977893820" sldId="585"/>
@@ -20668,7 +20668,7 @@
         </p:nvSpPr>
         <p:spPr>
           <a:xfrm>
-            <a:off x="128020" y="232947"/>
+            <a:off x="128021" y="113770"/>
             <a:ext cx="7886700" cy="669168"/>
           </a:xfrm>
         </p:spPr>
